--- a/Requirements-Engineering/RE-L05-Negotiation.pptx
+++ b/Requirements-Engineering/RE-L05-Negotiation.pptx
@@ -100,19 +100,14 @@
             <a:noAutofit/>
           </a:bodyPr>
           <a:p>
-            <a:r>
-              <a:rPr b="0" lang="en-US" sz="1800" spc="-1" strike="noStrike">
-                <a:solidFill>
-                  <a:srgbClr val="000000"/>
-                </a:solidFill>
+            <a:pPr algn="ctr"/>
+            <a:r>
+              <a:rPr b="0" lang="en-GB" sz="4400" spc="-1" strike="noStrike">
                 <a:latin typeface="Arial"/>
               </a:rPr>
               <a:t>Click to move the slide</a:t>
             </a:r>
-            <a:endParaRPr b="0" lang="en-US" sz="1800" spc="-1" strike="noStrike">
-              <a:solidFill>
-                <a:srgbClr val="000000"/>
-              </a:solidFill>
+            <a:endParaRPr b="0" lang="en-GB" sz="4400" spc="-1" strike="noStrike">
               <a:latin typeface="Arial"/>
             </a:endParaRPr>
           </a:p>
@@ -146,14 +141,17 @@
             <a:noAutofit/>
           </a:bodyPr>
           <a:p>
-            <a:r>
-              <a:rPr b="0" lang="en-US" sz="2000" spc="-1" strike="noStrike">
-                <a:latin typeface="DejaVu Sans"/>
-              </a:rPr>
-              <a:t>Click to edit the notes format</a:t>
-            </a:r>
-            <a:endParaRPr b="0" lang="en-US" sz="2000" spc="-1" strike="noStrike">
-              <a:latin typeface="DejaVu Sans"/>
+            <a:pPr marL="216000" indent="0">
+              <a:buNone/>
+            </a:pPr>
+            <a:r>
+              <a:rPr b="0" lang="en-GB" sz="2000" spc="-1" strike="noStrike">
+                <a:latin typeface="Arial"/>
+              </a:rPr>
+              <a:t>Click to edit the notes' format</a:t>
+            </a:r>
+            <a:endParaRPr b="0" lang="en-GB" sz="2000" spc="-1" strike="noStrike">
+              <a:latin typeface="Arial"/>
             </a:endParaRPr>
           </a:p>
         </p:txBody>
@@ -186,14 +184,17 @@
             <a:noAutofit/>
           </a:bodyPr>
           <a:p>
-            <a:r>
-              <a:rPr b="0" lang="en-US" sz="1400" spc="-1" strike="noStrike">
-                <a:latin typeface="DejaVu Serif"/>
+            <a:pPr indent="0">
+              <a:buNone/>
+            </a:pPr>
+            <a:r>
+              <a:rPr b="0" lang="en-GB" sz="1400" spc="-1" strike="noStrike">
+                <a:latin typeface="Times New Roman"/>
               </a:rPr>
               <a:t>&lt;header&gt;</a:t>
             </a:r>
-            <a:endParaRPr b="0" lang="en-US" sz="1400" spc="-1" strike="noStrike">
-              <a:latin typeface="DejaVu Serif"/>
+            <a:endParaRPr b="0" lang="en-GB" sz="1400" spc="-1" strike="noStrike">
+              <a:latin typeface="Times New Roman"/>
             </a:endParaRPr>
           </a:p>
         </p:txBody>
@@ -226,25 +227,25 @@
             <a:noAutofit/>
           </a:bodyPr>
           <a:lstStyle>
-            <a:lvl1pPr algn="r">
+            <a:lvl1pPr indent="0" algn="r">
               <a:buNone/>
-              <a:defRPr b="0" lang="en-US" sz="1400" spc="-1" strike="noStrike">
-                <a:latin typeface="DejaVu Serif"/>
+              <a:defRPr b="0" lang="en-GB" sz="1400" spc="-1" strike="noStrike">
+                <a:latin typeface="Times New Roman"/>
               </a:defRPr>
             </a:lvl1pPr>
           </a:lstStyle>
           <a:p>
-            <a:pPr algn="r">
+            <a:pPr indent="0" algn="r">
               <a:buNone/>
             </a:pPr>
             <a:r>
-              <a:rPr b="0" lang="en-US" sz="1400" spc="-1" strike="noStrike">
-                <a:latin typeface="DejaVu Serif"/>
+              <a:rPr b="0" lang="en-GB" sz="1400" spc="-1" strike="noStrike">
+                <a:latin typeface="Times New Roman"/>
               </a:rPr>
               <a:t>&lt;date/time&gt;</a:t>
             </a:r>
-            <a:endParaRPr b="0" lang="en-US" sz="1400" spc="-1" strike="noStrike">
-              <a:latin typeface="DejaVu Serif"/>
+            <a:endParaRPr b="0" lang="en-GB" sz="1400" spc="-1" strike="noStrike">
+              <a:latin typeface="Times New Roman"/>
             </a:endParaRPr>
           </a:p>
         </p:txBody>
@@ -277,21 +278,25 @@
             <a:noAutofit/>
           </a:bodyPr>
           <a:lstStyle>
-            <a:lvl1pPr>
-              <a:defRPr b="0" lang="en-US" sz="1400" spc="-1" strike="noStrike">
-                <a:latin typeface="DejaVu Serif"/>
+            <a:lvl1pPr indent="0">
+              <a:buNone/>
+              <a:defRPr b="0" lang="en-GB" sz="1400" spc="-1" strike="noStrike">
+                <a:latin typeface="Times New Roman"/>
               </a:defRPr>
             </a:lvl1pPr>
           </a:lstStyle>
           <a:p>
-            <a:r>
-              <a:rPr b="0" lang="en-US" sz="1400" spc="-1" strike="noStrike">
-                <a:latin typeface="DejaVu Serif"/>
+            <a:pPr indent="0">
+              <a:buNone/>
+            </a:pPr>
+            <a:r>
+              <a:rPr b="0" lang="en-GB" sz="1400" spc="-1" strike="noStrike">
+                <a:latin typeface="Times New Roman"/>
               </a:rPr>
               <a:t>&lt;footer&gt;</a:t>
             </a:r>
-            <a:endParaRPr b="0" lang="en-US" sz="1400" spc="-1" strike="noStrike">
-              <a:latin typeface="DejaVu Serif"/>
+            <a:endParaRPr b="0" lang="en-GB" sz="1400" spc="-1" strike="noStrike">
+              <a:latin typeface="Times New Roman"/>
             </a:endParaRPr>
           </a:p>
         </p:txBody>
@@ -324,25 +329,25 @@
             <a:noAutofit/>
           </a:bodyPr>
           <a:lstStyle>
-            <a:lvl1pPr algn="r">
+            <a:lvl1pPr indent="0" algn="r">
               <a:buNone/>
-              <a:defRPr b="0" lang="en-US" sz="1400" spc="-1" strike="noStrike">
-                <a:latin typeface="DejaVu Serif"/>
+              <a:defRPr b="0" lang="en-GB" sz="1400" spc="-1" strike="noStrike">
+                <a:latin typeface="Times New Roman"/>
               </a:defRPr>
             </a:lvl1pPr>
           </a:lstStyle>
           <a:p>
-            <a:pPr algn="r">
+            <a:pPr indent="0" algn="r">
               <a:buNone/>
             </a:pPr>
-            <a:fld id="{0F13E18A-78A7-4A0D-BAC3-06E58949988B}" type="slidenum">
-              <a:rPr b="0" lang="en-US" sz="1400" spc="-1" strike="noStrike">
-                <a:latin typeface="DejaVu Serif"/>
+            <a:fld id="{51B6B536-E8A5-418F-A2C5-D18694B13D18}" type="slidenum">
+              <a:rPr b="0" lang="en-GB" sz="1400" spc="-1" strike="noStrike">
+                <a:latin typeface="Times New Roman"/>
               </a:rPr>
               <a:t>&lt;number&gt;</a:t>
             </a:fld>
-            <a:endParaRPr b="0" lang="en-US" sz="1400" spc="-1" strike="noStrike">
-              <a:latin typeface="DejaVu Serif"/>
+            <a:endParaRPr b="0" lang="en-GB" sz="1400" spc="-1" strike="noStrike">
+              <a:latin typeface="Times New Roman"/>
             </a:endParaRPr>
           </a:p>
         </p:txBody>
@@ -383,7 +388,7 @@
         <p:spPr>
           <a:xfrm>
             <a:off x="533520" y="763560"/>
-            <a:ext cx="6700320" cy="3768480"/>
+            <a:ext cx="6699600" cy="3767760"/>
           </a:xfrm>
           <a:prstGeom prst="rect">
             <a:avLst/>
@@ -406,7 +411,7 @@
         <p:spPr>
           <a:xfrm>
             <a:off x="777240" y="4777560"/>
-            <a:ext cx="6213960" cy="4522320"/>
+            <a:ext cx="6213240" cy="4521600"/>
           </a:xfrm>
           <a:prstGeom prst="rect">
             <a:avLst/>
@@ -421,8 +426,11 @@
             <a:noAutofit/>
           </a:bodyPr>
           <a:p>
-            <a:endParaRPr b="0" lang="en-US" sz="2000" spc="-1" strike="noStrike">
-              <a:latin typeface="DejaVu Sans"/>
+            <a:pPr marL="216000" indent="0">
+              <a:buNone/>
+            </a:pPr>
+            <a:endParaRPr b="0" lang="en-GB" sz="2000" spc="-1" strike="noStrike">
+              <a:latin typeface="Arial"/>
             </a:endParaRPr>
           </a:p>
         </p:txBody>
@@ -440,7 +448,7 @@
         <p:spPr>
           <a:xfrm>
             <a:off x="4399200" y="9555480"/>
-            <a:ext cx="3369240" cy="498960"/>
+            <a:ext cx="3368520" cy="498240"/>
           </a:xfrm>
           <a:prstGeom prst="rect">
             <a:avLst/>
@@ -455,11 +463,14 @@
             <a:noAutofit/>
           </a:bodyPr>
           <a:lstStyle>
-            <a:lvl1pPr algn="r">
+            <a:lvl1pPr indent="0" algn="r">
               <a:lnSpc>
                 <a:spcPct val="100000"/>
               </a:lnSpc>
               <a:buNone/>
+              <a:tabLst>
+                <a:tab algn="l" pos="0"/>
+              </a:tabLst>
               <a:defRPr b="0" lang="de-DE" sz="1800" spc="-1" strike="noStrike">
                 <a:solidFill>
                   <a:srgbClr val="000000"/>
@@ -470,13 +481,16 @@
             </a:lvl1pPr>
           </a:lstStyle>
           <a:p>
-            <a:pPr algn="r">
+            <a:pPr indent="0" algn="r">
               <a:lnSpc>
                 <a:spcPct val="100000"/>
               </a:lnSpc>
               <a:buNone/>
-            </a:pPr>
-            <a:fld id="{8090A4DF-480B-4F7D-A2B9-3B3579A83925}" type="slidenum">
+              <a:tabLst>
+                <a:tab algn="l" pos="0"/>
+              </a:tabLst>
+            </a:pPr>
+            <a:fld id="{3AA42636-8494-4558-A9EB-04086486BB77}" type="slidenum">
               <a:rPr b="0" lang="de-DE" sz="1800" spc="-1" strike="noStrike">
                 <a:solidFill>
                   <a:srgbClr val="000000"/>
@@ -484,10 +498,10 @@
                 <a:latin typeface="+mn-lt"/>
                 <a:ea typeface="+mn-ea"/>
               </a:rPr>
-              <a:t>21</a:t>
+              <a:t>&lt;number&gt;</a:t>
             </a:fld>
-            <a:endParaRPr b="0" lang="en-US" sz="1800" spc="-1" strike="noStrike">
-              <a:latin typeface="DejaVu Serif"/>
+            <a:endParaRPr b="0" lang="en-GB" sz="1800" spc="-1" strike="noStrike">
+              <a:latin typeface="Times New Roman"/>
             </a:endParaRPr>
           </a:p>
         </p:txBody>
@@ -527,7 +541,7 @@
         <p:spPr>
           <a:xfrm>
             <a:off x="533520" y="763560"/>
-            <a:ext cx="6700320" cy="3768480"/>
+            <a:ext cx="6699600" cy="3767760"/>
           </a:xfrm>
           <a:prstGeom prst="rect">
             <a:avLst/>
@@ -550,7 +564,7 @@
         <p:spPr>
           <a:xfrm>
             <a:off x="777240" y="4777560"/>
-            <a:ext cx="6213960" cy="4522320"/>
+            <a:ext cx="6213240" cy="4521600"/>
           </a:xfrm>
           <a:prstGeom prst="rect">
             <a:avLst/>
@@ -565,8 +579,11 @@
             <a:noAutofit/>
           </a:bodyPr>
           <a:p>
-            <a:endParaRPr b="0" lang="en-US" sz="2000" spc="-1" strike="noStrike">
-              <a:latin typeface="DejaVu Sans"/>
+            <a:pPr marL="216000" indent="0">
+              <a:buNone/>
+            </a:pPr>
+            <a:endParaRPr b="0" lang="en-GB" sz="2000" spc="-1" strike="noStrike">
+              <a:latin typeface="Arial"/>
             </a:endParaRPr>
           </a:p>
         </p:txBody>
@@ -584,7 +601,7 @@
         <p:spPr>
           <a:xfrm>
             <a:off x="4399200" y="9555480"/>
-            <a:ext cx="3369240" cy="498960"/>
+            <a:ext cx="3368520" cy="498240"/>
           </a:xfrm>
           <a:prstGeom prst="rect">
             <a:avLst/>
@@ -599,11 +616,14 @@
             <a:noAutofit/>
           </a:bodyPr>
           <a:lstStyle>
-            <a:lvl1pPr algn="r">
+            <a:lvl1pPr indent="0" algn="r">
               <a:lnSpc>
                 <a:spcPct val="100000"/>
               </a:lnSpc>
               <a:buNone/>
+              <a:tabLst>
+                <a:tab algn="l" pos="0"/>
+              </a:tabLst>
               <a:defRPr b="0" lang="de-DE" sz="1800" spc="-1" strike="noStrike">
                 <a:solidFill>
                   <a:srgbClr val="000000"/>
@@ -614,13 +634,16 @@
             </a:lvl1pPr>
           </a:lstStyle>
           <a:p>
-            <a:pPr algn="r">
+            <a:pPr indent="0" algn="r">
               <a:lnSpc>
                 <a:spcPct val="100000"/>
               </a:lnSpc>
               <a:buNone/>
-            </a:pPr>
-            <a:fld id="{17FAF47F-4A27-4B6E-BA8E-8AC56092CC24}" type="slidenum">
+              <a:tabLst>
+                <a:tab algn="l" pos="0"/>
+              </a:tabLst>
+            </a:pPr>
+            <a:fld id="{881E6F1D-4DB8-4781-A3FF-9DEA9472D17A}" type="slidenum">
               <a:rPr b="0" lang="de-DE" sz="1800" spc="-1" strike="noStrike">
                 <a:solidFill>
                   <a:srgbClr val="000000"/>
@@ -628,10 +651,10 @@
                 <a:latin typeface="+mn-lt"/>
                 <a:ea typeface="+mn-ea"/>
               </a:rPr>
-              <a:t>21</a:t>
+              <a:t>&lt;number&gt;</a:t>
             </a:fld>
-            <a:endParaRPr b="0" lang="en-US" sz="1800" spc="-1" strike="noStrike">
-              <a:latin typeface="DejaVu Serif"/>
+            <a:endParaRPr b="0" lang="en-GB" sz="1800" spc="-1" strike="noStrike">
+              <a:latin typeface="Times New Roman"/>
             </a:endParaRPr>
           </a:p>
         </p:txBody>
@@ -671,7 +694,7 @@
         <p:spPr>
           <a:xfrm>
             <a:off x="533520" y="763560"/>
-            <a:ext cx="6700320" cy="3768480"/>
+            <a:ext cx="6699600" cy="3767760"/>
           </a:xfrm>
           <a:prstGeom prst="rect">
             <a:avLst/>
@@ -694,7 +717,7 @@
         <p:spPr>
           <a:xfrm>
             <a:off x="777240" y="4777560"/>
-            <a:ext cx="6213960" cy="4522320"/>
+            <a:ext cx="6213240" cy="4521600"/>
           </a:xfrm>
           <a:prstGeom prst="rect">
             <a:avLst/>
@@ -709,8 +732,11 @@
             <a:noAutofit/>
           </a:bodyPr>
           <a:p>
-            <a:endParaRPr b="0" lang="en-US" sz="2000" spc="-1" strike="noStrike">
-              <a:latin typeface="DejaVu Sans"/>
+            <a:pPr marL="216000" indent="0">
+              <a:buNone/>
+            </a:pPr>
+            <a:endParaRPr b="0" lang="en-GB" sz="2000" spc="-1" strike="noStrike">
+              <a:latin typeface="Arial"/>
             </a:endParaRPr>
           </a:p>
         </p:txBody>
@@ -728,7 +754,7 @@
         <p:spPr>
           <a:xfrm>
             <a:off x="4399200" y="9555480"/>
-            <a:ext cx="3369240" cy="498960"/>
+            <a:ext cx="3368520" cy="498240"/>
           </a:xfrm>
           <a:prstGeom prst="rect">
             <a:avLst/>
@@ -743,11 +769,14 @@
             <a:noAutofit/>
           </a:bodyPr>
           <a:lstStyle>
-            <a:lvl1pPr algn="r">
+            <a:lvl1pPr indent="0" algn="r">
               <a:lnSpc>
                 <a:spcPct val="100000"/>
               </a:lnSpc>
               <a:buNone/>
+              <a:tabLst>
+                <a:tab algn="l" pos="0"/>
+              </a:tabLst>
               <a:defRPr b="0" lang="de-DE" sz="1800" spc="-1" strike="noStrike">
                 <a:solidFill>
                   <a:srgbClr val="000000"/>
@@ -758,13 +787,16 @@
             </a:lvl1pPr>
           </a:lstStyle>
           <a:p>
-            <a:pPr algn="r">
+            <a:pPr indent="0" algn="r">
               <a:lnSpc>
                 <a:spcPct val="100000"/>
               </a:lnSpc>
               <a:buNone/>
-            </a:pPr>
-            <a:fld id="{55D337CC-C040-4CCB-8CC0-B2346DD14E08}" type="slidenum">
+              <a:tabLst>
+                <a:tab algn="l" pos="0"/>
+              </a:tabLst>
+            </a:pPr>
+            <a:fld id="{43B3D7FA-239D-47D4-A1DB-438CCF3B2933}" type="slidenum">
               <a:rPr b="0" lang="de-DE" sz="1800" spc="-1" strike="noStrike">
                 <a:solidFill>
                   <a:srgbClr val="000000"/>
@@ -772,10 +804,10 @@
                 <a:latin typeface="+mn-lt"/>
                 <a:ea typeface="+mn-ea"/>
               </a:rPr>
-              <a:t>21</a:t>
+              <a:t>&lt;number&gt;</a:t>
             </a:fld>
-            <a:endParaRPr b="0" lang="en-US" sz="1800" spc="-1" strike="noStrike">
-              <a:latin typeface="DejaVu Serif"/>
+            <a:endParaRPr b="0" lang="en-GB" sz="1800" spc="-1" strike="noStrike">
+              <a:latin typeface="Times New Roman"/>
             </a:endParaRPr>
           </a:p>
         </p:txBody>
@@ -815,7 +847,7 @@
         <p:spPr>
           <a:xfrm>
             <a:off x="533520" y="763560"/>
-            <a:ext cx="6700320" cy="3768480"/>
+            <a:ext cx="6699600" cy="3767760"/>
           </a:xfrm>
           <a:prstGeom prst="rect">
             <a:avLst/>
@@ -838,7 +870,7 @@
         <p:spPr>
           <a:xfrm>
             <a:off x="777240" y="4777560"/>
-            <a:ext cx="6213960" cy="4522320"/>
+            <a:ext cx="6213240" cy="4521600"/>
           </a:xfrm>
           <a:prstGeom prst="rect">
             <a:avLst/>
@@ -853,8 +885,11 @@
             <a:noAutofit/>
           </a:bodyPr>
           <a:p>
-            <a:endParaRPr b="0" lang="en-US" sz="2000" spc="-1" strike="noStrike">
-              <a:latin typeface="DejaVu Sans"/>
+            <a:pPr marL="216000" indent="0">
+              <a:buNone/>
+            </a:pPr>
+            <a:endParaRPr b="0" lang="en-GB" sz="2000" spc="-1" strike="noStrike">
+              <a:latin typeface="Arial"/>
             </a:endParaRPr>
           </a:p>
         </p:txBody>
@@ -872,7 +907,7 @@
         <p:spPr>
           <a:xfrm>
             <a:off x="4399200" y="9555480"/>
-            <a:ext cx="3369240" cy="498960"/>
+            <a:ext cx="3368520" cy="498240"/>
           </a:xfrm>
           <a:prstGeom prst="rect">
             <a:avLst/>
@@ -887,11 +922,14 @@
             <a:noAutofit/>
           </a:bodyPr>
           <a:lstStyle>
-            <a:lvl1pPr algn="r">
+            <a:lvl1pPr indent="0" algn="r">
               <a:lnSpc>
                 <a:spcPct val="100000"/>
               </a:lnSpc>
               <a:buNone/>
+              <a:tabLst>
+                <a:tab algn="l" pos="0"/>
+              </a:tabLst>
               <a:defRPr b="0" lang="de-DE" sz="1800" spc="-1" strike="noStrike">
                 <a:solidFill>
                   <a:srgbClr val="000000"/>
@@ -902,13 +940,16 @@
             </a:lvl1pPr>
           </a:lstStyle>
           <a:p>
-            <a:pPr algn="r">
+            <a:pPr indent="0" algn="r">
               <a:lnSpc>
                 <a:spcPct val="100000"/>
               </a:lnSpc>
               <a:buNone/>
-            </a:pPr>
-            <a:fld id="{24F612BD-EAD7-48E6-92A3-EBFE807F8F6F}" type="slidenum">
+              <a:tabLst>
+                <a:tab algn="l" pos="0"/>
+              </a:tabLst>
+            </a:pPr>
+            <a:fld id="{91048BF0-ECBB-4719-8E6C-6A62701A5039}" type="slidenum">
               <a:rPr b="0" lang="de-DE" sz="1800" spc="-1" strike="noStrike">
                 <a:solidFill>
                   <a:srgbClr val="000000"/>
@@ -916,10 +957,10 @@
                 <a:latin typeface="+mn-lt"/>
                 <a:ea typeface="+mn-ea"/>
               </a:rPr>
-              <a:t>21</a:t>
+              <a:t>&lt;number&gt;</a:t>
             </a:fld>
-            <a:endParaRPr b="0" lang="en-US" sz="1800" spc="-1" strike="noStrike">
-              <a:latin typeface="DejaVu Serif"/>
+            <a:endParaRPr b="0" lang="en-GB" sz="1800" spc="-1" strike="noStrike">
+              <a:latin typeface="Times New Roman"/>
             </a:endParaRPr>
           </a:p>
         </p:txBody>
@@ -959,7 +1000,7 @@
         <p:spPr>
           <a:xfrm>
             <a:off x="533520" y="763560"/>
-            <a:ext cx="6700320" cy="3768480"/>
+            <a:ext cx="6699600" cy="3767760"/>
           </a:xfrm>
           <a:prstGeom prst="rect">
             <a:avLst/>
@@ -982,7 +1023,7 @@
         <p:spPr>
           <a:xfrm>
             <a:off x="777240" y="4777560"/>
-            <a:ext cx="6213960" cy="4522320"/>
+            <a:ext cx="6213240" cy="4521600"/>
           </a:xfrm>
           <a:prstGeom prst="rect">
             <a:avLst/>
@@ -997,8 +1038,11 @@
             <a:noAutofit/>
           </a:bodyPr>
           <a:p>
-            <a:endParaRPr b="0" lang="en-US" sz="2000" spc="-1" strike="noStrike">
-              <a:latin typeface="DejaVu Sans"/>
+            <a:pPr marL="216000" indent="0">
+              <a:buNone/>
+            </a:pPr>
+            <a:endParaRPr b="0" lang="en-GB" sz="2000" spc="-1" strike="noStrike">
+              <a:latin typeface="Arial"/>
             </a:endParaRPr>
           </a:p>
         </p:txBody>
@@ -1016,7 +1060,7 @@
         <p:spPr>
           <a:xfrm>
             <a:off x="4399200" y="9555480"/>
-            <a:ext cx="3369240" cy="498960"/>
+            <a:ext cx="3368520" cy="498240"/>
           </a:xfrm>
           <a:prstGeom prst="rect">
             <a:avLst/>
@@ -1031,11 +1075,14 @@
             <a:noAutofit/>
           </a:bodyPr>
           <a:lstStyle>
-            <a:lvl1pPr algn="r">
+            <a:lvl1pPr indent="0" algn="r">
               <a:lnSpc>
                 <a:spcPct val="100000"/>
               </a:lnSpc>
               <a:buNone/>
+              <a:tabLst>
+                <a:tab algn="l" pos="0"/>
+              </a:tabLst>
               <a:defRPr b="0" lang="de-DE" sz="1800" spc="-1" strike="noStrike">
                 <a:solidFill>
                   <a:srgbClr val="000000"/>
@@ -1046,13 +1093,16 @@
             </a:lvl1pPr>
           </a:lstStyle>
           <a:p>
-            <a:pPr algn="r">
+            <a:pPr indent="0" algn="r">
               <a:lnSpc>
                 <a:spcPct val="100000"/>
               </a:lnSpc>
               <a:buNone/>
-            </a:pPr>
-            <a:fld id="{87EAF9FE-D0C0-4CFB-815B-3B223F91D8A5}" type="slidenum">
+              <a:tabLst>
+                <a:tab algn="l" pos="0"/>
+              </a:tabLst>
+            </a:pPr>
+            <a:fld id="{860C2EB7-B0A3-4BE5-AB4A-E83608FAF805}" type="slidenum">
               <a:rPr b="0" lang="de-DE" sz="1800" spc="-1" strike="noStrike">
                 <a:solidFill>
                   <a:srgbClr val="000000"/>
@@ -1060,10 +1110,10 @@
                 <a:latin typeface="+mn-lt"/>
                 <a:ea typeface="+mn-ea"/>
               </a:rPr>
-              <a:t>21</a:t>
+              <a:t>&lt;number&gt;</a:t>
             </a:fld>
-            <a:endParaRPr b="0" lang="en-US" sz="1800" spc="-1" strike="noStrike">
-              <a:latin typeface="DejaVu Serif"/>
+            <a:endParaRPr b="0" lang="en-GB" sz="1800" spc="-1" strike="noStrike">
+              <a:latin typeface="Times New Roman"/>
             </a:endParaRPr>
           </a:p>
         </p:txBody>
@@ -1103,7 +1153,7 @@
         <p:spPr>
           <a:xfrm>
             <a:off x="533520" y="763560"/>
-            <a:ext cx="6700320" cy="3768480"/>
+            <a:ext cx="6699600" cy="3767760"/>
           </a:xfrm>
           <a:prstGeom prst="rect">
             <a:avLst/>
@@ -1126,7 +1176,7 @@
         <p:spPr>
           <a:xfrm>
             <a:off x="777240" y="4777560"/>
-            <a:ext cx="6213960" cy="4522320"/>
+            <a:ext cx="6213240" cy="4521600"/>
           </a:xfrm>
           <a:prstGeom prst="rect">
             <a:avLst/>
@@ -1141,8 +1191,11 @@
             <a:noAutofit/>
           </a:bodyPr>
           <a:p>
-            <a:endParaRPr b="0" lang="en-US" sz="2000" spc="-1" strike="noStrike">
-              <a:latin typeface="DejaVu Sans"/>
+            <a:pPr marL="216000" indent="0">
+              <a:buNone/>
+            </a:pPr>
+            <a:endParaRPr b="0" lang="en-GB" sz="2000" spc="-1" strike="noStrike">
+              <a:latin typeface="Arial"/>
             </a:endParaRPr>
           </a:p>
         </p:txBody>
@@ -1160,7 +1213,7 @@
         <p:spPr>
           <a:xfrm>
             <a:off x="4399200" y="9555480"/>
-            <a:ext cx="3369240" cy="498960"/>
+            <a:ext cx="3368520" cy="498240"/>
           </a:xfrm>
           <a:prstGeom prst="rect">
             <a:avLst/>
@@ -1175,11 +1228,14 @@
             <a:noAutofit/>
           </a:bodyPr>
           <a:lstStyle>
-            <a:lvl1pPr algn="r">
+            <a:lvl1pPr indent="0" algn="r">
               <a:lnSpc>
                 <a:spcPct val="100000"/>
               </a:lnSpc>
               <a:buNone/>
+              <a:tabLst>
+                <a:tab algn="l" pos="0"/>
+              </a:tabLst>
               <a:defRPr b="0" lang="de-DE" sz="1800" spc="-1" strike="noStrike">
                 <a:solidFill>
                   <a:srgbClr val="000000"/>
@@ -1190,13 +1246,16 @@
             </a:lvl1pPr>
           </a:lstStyle>
           <a:p>
-            <a:pPr algn="r">
+            <a:pPr indent="0" algn="r">
               <a:lnSpc>
                 <a:spcPct val="100000"/>
               </a:lnSpc>
               <a:buNone/>
-            </a:pPr>
-            <a:fld id="{E8A8C719-055A-4A6D-BA9E-AAAB9A40B3DB}" type="slidenum">
+              <a:tabLst>
+                <a:tab algn="l" pos="0"/>
+              </a:tabLst>
+            </a:pPr>
+            <a:fld id="{E2F25353-2A13-4BC7-9B83-85BF75436DB0}" type="slidenum">
               <a:rPr b="0" lang="de-DE" sz="1800" spc="-1" strike="noStrike">
                 <a:solidFill>
                   <a:srgbClr val="000000"/>
@@ -1204,10 +1263,10 @@
                 <a:latin typeface="+mn-lt"/>
                 <a:ea typeface="+mn-ea"/>
               </a:rPr>
-              <a:t>21</a:t>
+              <a:t>&lt;number&gt;</a:t>
             </a:fld>
-            <a:endParaRPr b="0" lang="en-US" sz="1800" spc="-1" strike="noStrike">
-              <a:latin typeface="DejaVu Serif"/>
+            <a:endParaRPr b="0" lang="en-GB" sz="1800" spc="-1" strike="noStrike">
+              <a:latin typeface="Times New Roman"/>
             </a:endParaRPr>
           </a:p>
         </p:txBody>
@@ -1247,7 +1306,7 @@
         <p:spPr>
           <a:xfrm>
             <a:off x="533520" y="763560"/>
-            <a:ext cx="6700320" cy="3768480"/>
+            <a:ext cx="6699600" cy="3767760"/>
           </a:xfrm>
           <a:prstGeom prst="rect">
             <a:avLst/>
@@ -1270,7 +1329,7 @@
         <p:spPr>
           <a:xfrm>
             <a:off x="777240" y="4777560"/>
-            <a:ext cx="6213960" cy="4522320"/>
+            <a:ext cx="6213240" cy="4521600"/>
           </a:xfrm>
           <a:prstGeom prst="rect">
             <a:avLst/>
@@ -1285,8 +1344,11 @@
             <a:noAutofit/>
           </a:bodyPr>
           <a:p>
-            <a:endParaRPr b="0" lang="en-US" sz="2000" spc="-1" strike="noStrike">
-              <a:latin typeface="DejaVu Sans"/>
+            <a:pPr marL="216000" indent="0">
+              <a:buNone/>
+            </a:pPr>
+            <a:endParaRPr b="0" lang="en-GB" sz="2000" spc="-1" strike="noStrike">
+              <a:latin typeface="Arial"/>
             </a:endParaRPr>
           </a:p>
         </p:txBody>
@@ -1304,7 +1366,7 @@
         <p:spPr>
           <a:xfrm>
             <a:off x="4399200" y="9555480"/>
-            <a:ext cx="3369240" cy="498960"/>
+            <a:ext cx="3368520" cy="498240"/>
           </a:xfrm>
           <a:prstGeom prst="rect">
             <a:avLst/>
@@ -1319,11 +1381,14 @@
             <a:noAutofit/>
           </a:bodyPr>
           <a:lstStyle>
-            <a:lvl1pPr algn="r">
+            <a:lvl1pPr indent="0" algn="r">
               <a:lnSpc>
                 <a:spcPct val="100000"/>
               </a:lnSpc>
               <a:buNone/>
+              <a:tabLst>
+                <a:tab algn="l" pos="0"/>
+              </a:tabLst>
               <a:defRPr b="0" lang="de-DE" sz="1800" spc="-1" strike="noStrike">
                 <a:solidFill>
                   <a:srgbClr val="000000"/>
@@ -1334,13 +1399,16 @@
             </a:lvl1pPr>
           </a:lstStyle>
           <a:p>
-            <a:pPr algn="r">
+            <a:pPr indent="0" algn="r">
               <a:lnSpc>
                 <a:spcPct val="100000"/>
               </a:lnSpc>
               <a:buNone/>
-            </a:pPr>
-            <a:fld id="{B477DA16-7394-4669-89B6-F8C8B12BC5A2}" type="slidenum">
+              <a:tabLst>
+                <a:tab algn="l" pos="0"/>
+              </a:tabLst>
+            </a:pPr>
+            <a:fld id="{96FE24F3-0C46-483D-883F-E6A324BACDBF}" type="slidenum">
               <a:rPr b="0" lang="de-DE" sz="1800" spc="-1" strike="noStrike">
                 <a:solidFill>
                   <a:srgbClr val="000000"/>
@@ -1348,10 +1416,10 @@
                 <a:latin typeface="+mn-lt"/>
                 <a:ea typeface="+mn-ea"/>
               </a:rPr>
-              <a:t>21</a:t>
+              <a:t>&lt;number&gt;</a:t>
             </a:fld>
-            <a:endParaRPr b="0" lang="en-US" sz="1800" spc="-1" strike="noStrike">
-              <a:latin typeface="DejaVu Serif"/>
+            <a:endParaRPr b="0" lang="en-GB" sz="1800" spc="-1" strike="noStrike">
+              <a:latin typeface="Times New Roman"/>
             </a:endParaRPr>
           </a:p>
         </p:txBody>
@@ -1391,7 +1459,7 @@
         <p:spPr>
           <a:xfrm>
             <a:off x="533520" y="763560"/>
-            <a:ext cx="6700320" cy="3768480"/>
+            <a:ext cx="6699600" cy="3767760"/>
           </a:xfrm>
           <a:prstGeom prst="rect">
             <a:avLst/>
@@ -1414,7 +1482,7 @@
         <p:spPr>
           <a:xfrm>
             <a:off x="777240" y="4777560"/>
-            <a:ext cx="6213960" cy="4522320"/>
+            <a:ext cx="6213240" cy="4521600"/>
           </a:xfrm>
           <a:prstGeom prst="rect">
             <a:avLst/>
@@ -1429,8 +1497,11 @@
             <a:noAutofit/>
           </a:bodyPr>
           <a:p>
-            <a:endParaRPr b="0" lang="en-US" sz="2000" spc="-1" strike="noStrike">
-              <a:latin typeface="DejaVu Sans"/>
+            <a:pPr marL="216000" indent="0">
+              <a:buNone/>
+            </a:pPr>
+            <a:endParaRPr b="0" lang="en-GB" sz="2000" spc="-1" strike="noStrike">
+              <a:latin typeface="Arial"/>
             </a:endParaRPr>
           </a:p>
         </p:txBody>
@@ -1448,7 +1519,7 @@
         <p:spPr>
           <a:xfrm>
             <a:off x="4399200" y="9555480"/>
-            <a:ext cx="3369240" cy="498960"/>
+            <a:ext cx="3368520" cy="498240"/>
           </a:xfrm>
           <a:prstGeom prst="rect">
             <a:avLst/>
@@ -1463,11 +1534,14 @@
             <a:noAutofit/>
           </a:bodyPr>
           <a:lstStyle>
-            <a:lvl1pPr algn="r">
+            <a:lvl1pPr indent="0" algn="r">
               <a:lnSpc>
                 <a:spcPct val="100000"/>
               </a:lnSpc>
               <a:buNone/>
+              <a:tabLst>
+                <a:tab algn="l" pos="0"/>
+              </a:tabLst>
               <a:defRPr b="0" lang="de-DE" sz="1800" spc="-1" strike="noStrike">
                 <a:solidFill>
                   <a:srgbClr val="000000"/>
@@ -1478,13 +1552,16 @@
             </a:lvl1pPr>
           </a:lstStyle>
           <a:p>
-            <a:pPr algn="r">
+            <a:pPr indent="0" algn="r">
               <a:lnSpc>
                 <a:spcPct val="100000"/>
               </a:lnSpc>
               <a:buNone/>
-            </a:pPr>
-            <a:fld id="{E4EB4233-A3DE-4E04-B870-4E35C082150F}" type="slidenum">
+              <a:tabLst>
+                <a:tab algn="l" pos="0"/>
+              </a:tabLst>
+            </a:pPr>
+            <a:fld id="{129BF17F-DEBD-4A14-85A1-E92CF94F83E1}" type="slidenum">
               <a:rPr b="0" lang="de-DE" sz="1800" spc="-1" strike="noStrike">
                 <a:solidFill>
                   <a:srgbClr val="000000"/>
@@ -1492,10 +1569,10 @@
                 <a:latin typeface="+mn-lt"/>
                 <a:ea typeface="+mn-ea"/>
               </a:rPr>
-              <a:t>21</a:t>
+              <a:t>&lt;number&gt;</a:t>
             </a:fld>
-            <a:endParaRPr b="0" lang="en-US" sz="1800" spc="-1" strike="noStrike">
-              <a:latin typeface="DejaVu Serif"/>
+            <a:endParaRPr b="0" lang="en-GB" sz="1800" spc="-1" strike="noStrike">
+              <a:latin typeface="Times New Roman"/>
             </a:endParaRPr>
           </a:p>
         </p:txBody>
@@ -1535,7 +1612,7 @@
         <p:spPr>
           <a:xfrm>
             <a:off x="533520" y="763560"/>
-            <a:ext cx="6700320" cy="3768480"/>
+            <a:ext cx="6699600" cy="3767760"/>
           </a:xfrm>
           <a:prstGeom prst="rect">
             <a:avLst/>
@@ -1558,7 +1635,7 @@
         <p:spPr>
           <a:xfrm>
             <a:off x="777240" y="4777560"/>
-            <a:ext cx="6213960" cy="4522320"/>
+            <a:ext cx="6213240" cy="4521600"/>
           </a:xfrm>
           <a:prstGeom prst="rect">
             <a:avLst/>
@@ -1573,8 +1650,11 @@
             <a:noAutofit/>
           </a:bodyPr>
           <a:p>
-            <a:endParaRPr b="0" lang="en-US" sz="2000" spc="-1" strike="noStrike">
-              <a:latin typeface="DejaVu Sans"/>
+            <a:pPr marL="216000" indent="0">
+              <a:buNone/>
+            </a:pPr>
+            <a:endParaRPr b="0" lang="en-GB" sz="2000" spc="-1" strike="noStrike">
+              <a:latin typeface="Arial"/>
             </a:endParaRPr>
           </a:p>
         </p:txBody>
@@ -1592,7 +1672,7 @@
         <p:spPr>
           <a:xfrm>
             <a:off x="4399200" y="9555480"/>
-            <a:ext cx="3369240" cy="498960"/>
+            <a:ext cx="3368520" cy="498240"/>
           </a:xfrm>
           <a:prstGeom prst="rect">
             <a:avLst/>
@@ -1607,11 +1687,14 @@
             <a:noAutofit/>
           </a:bodyPr>
           <a:lstStyle>
-            <a:lvl1pPr algn="r">
+            <a:lvl1pPr indent="0" algn="r">
               <a:lnSpc>
                 <a:spcPct val="100000"/>
               </a:lnSpc>
               <a:buNone/>
+              <a:tabLst>
+                <a:tab algn="l" pos="0"/>
+              </a:tabLst>
               <a:defRPr b="0" lang="de-DE" sz="1800" spc="-1" strike="noStrike">
                 <a:solidFill>
                   <a:srgbClr val="000000"/>
@@ -1622,13 +1705,16 @@
             </a:lvl1pPr>
           </a:lstStyle>
           <a:p>
-            <a:pPr algn="r">
+            <a:pPr indent="0" algn="r">
               <a:lnSpc>
                 <a:spcPct val="100000"/>
               </a:lnSpc>
               <a:buNone/>
-            </a:pPr>
-            <a:fld id="{2F58C8C2-CBBF-426C-B60A-6E876D708CD1}" type="slidenum">
+              <a:tabLst>
+                <a:tab algn="l" pos="0"/>
+              </a:tabLst>
+            </a:pPr>
+            <a:fld id="{B73859F3-4AFA-4E96-9992-3272CF8FE6EB}" type="slidenum">
               <a:rPr b="0" lang="de-DE" sz="1800" spc="-1" strike="noStrike">
                 <a:solidFill>
                   <a:srgbClr val="000000"/>
@@ -1638,8 +1724,8 @@
               </a:rPr>
               <a:t>&lt;number&gt;</a:t>
             </a:fld>
-            <a:endParaRPr b="0" lang="en-US" sz="1800" spc="-1" strike="noStrike">
-              <a:latin typeface="DejaVu Serif"/>
+            <a:endParaRPr b="0" lang="en-GB" sz="1800" spc="-1" strike="noStrike">
+              <a:latin typeface="Times New Roman"/>
             </a:endParaRPr>
           </a:p>
         </p:txBody>
@@ -1679,7 +1765,7 @@
         <p:spPr>
           <a:xfrm>
             <a:off x="533520" y="763560"/>
-            <a:ext cx="6700320" cy="3768480"/>
+            <a:ext cx="6699600" cy="3767760"/>
           </a:xfrm>
           <a:prstGeom prst="rect">
             <a:avLst/>
@@ -1702,7 +1788,7 @@
         <p:spPr>
           <a:xfrm>
             <a:off x="777240" y="4777560"/>
-            <a:ext cx="6213960" cy="4522320"/>
+            <a:ext cx="6213240" cy="4521600"/>
           </a:xfrm>
           <a:prstGeom prst="rect">
             <a:avLst/>
@@ -1717,8 +1803,11 @@
             <a:noAutofit/>
           </a:bodyPr>
           <a:p>
-            <a:endParaRPr b="0" lang="en-US" sz="2000" spc="-1" strike="noStrike">
-              <a:latin typeface="DejaVu Sans"/>
+            <a:pPr marL="216000" indent="0">
+              <a:buNone/>
+            </a:pPr>
+            <a:endParaRPr b="0" lang="en-GB" sz="2000" spc="-1" strike="noStrike">
+              <a:latin typeface="Arial"/>
             </a:endParaRPr>
           </a:p>
         </p:txBody>
@@ -1736,7 +1825,7 @@
         <p:spPr>
           <a:xfrm>
             <a:off x="4399200" y="9555480"/>
-            <a:ext cx="3369240" cy="498960"/>
+            <a:ext cx="3368520" cy="498240"/>
           </a:xfrm>
           <a:prstGeom prst="rect">
             <a:avLst/>
@@ -1751,11 +1840,14 @@
             <a:noAutofit/>
           </a:bodyPr>
           <a:lstStyle>
-            <a:lvl1pPr algn="r">
+            <a:lvl1pPr indent="0" algn="r">
               <a:lnSpc>
                 <a:spcPct val="100000"/>
               </a:lnSpc>
               <a:buNone/>
+              <a:tabLst>
+                <a:tab algn="l" pos="0"/>
+              </a:tabLst>
               <a:defRPr b="0" lang="de-DE" sz="1800" spc="-1" strike="noStrike">
                 <a:solidFill>
                   <a:srgbClr val="000000"/>
@@ -1766,13 +1858,16 @@
             </a:lvl1pPr>
           </a:lstStyle>
           <a:p>
-            <a:pPr algn="r">
+            <a:pPr indent="0" algn="r">
               <a:lnSpc>
                 <a:spcPct val="100000"/>
               </a:lnSpc>
               <a:buNone/>
-            </a:pPr>
-            <a:fld id="{1EB951AA-78D8-490C-8BD6-730173DF6827}" type="slidenum">
+              <a:tabLst>
+                <a:tab algn="l" pos="0"/>
+              </a:tabLst>
+            </a:pPr>
+            <a:fld id="{79178ECA-DE12-4EC6-95EC-3D824338EDEC}" type="slidenum">
               <a:rPr b="0" lang="de-DE" sz="1800" spc="-1" strike="noStrike">
                 <a:solidFill>
                   <a:srgbClr val="000000"/>
@@ -1782,8 +1877,8 @@
               </a:rPr>
               <a:t>&lt;number&gt;</a:t>
             </a:fld>
-            <a:endParaRPr b="0" lang="en-US" sz="1800" spc="-1" strike="noStrike">
-              <a:latin typeface="DejaVu Serif"/>
+            <a:endParaRPr b="0" lang="en-GB" sz="1800" spc="-1" strike="noStrike">
+              <a:latin typeface="Times New Roman"/>
             </a:endParaRPr>
           </a:p>
         </p:txBody>
@@ -1823,7 +1918,7 @@
         <p:spPr>
           <a:xfrm>
             <a:off x="533520" y="763560"/>
-            <a:ext cx="6700320" cy="3768480"/>
+            <a:ext cx="6699600" cy="3767760"/>
           </a:xfrm>
           <a:prstGeom prst="rect">
             <a:avLst/>
@@ -1846,7 +1941,7 @@
         <p:spPr>
           <a:xfrm>
             <a:off x="777240" y="4777560"/>
-            <a:ext cx="6213960" cy="4522320"/>
+            <a:ext cx="6213240" cy="4521600"/>
           </a:xfrm>
           <a:prstGeom prst="rect">
             <a:avLst/>
@@ -1861,8 +1956,11 @@
             <a:noAutofit/>
           </a:bodyPr>
           <a:p>
-            <a:endParaRPr b="0" lang="en-US" sz="2000" spc="-1" strike="noStrike">
-              <a:latin typeface="DejaVu Sans"/>
+            <a:pPr marL="216000" indent="0">
+              <a:buNone/>
+            </a:pPr>
+            <a:endParaRPr b="0" lang="en-GB" sz="2000" spc="-1" strike="noStrike">
+              <a:latin typeface="Arial"/>
             </a:endParaRPr>
           </a:p>
         </p:txBody>
@@ -1880,7 +1978,7 @@
         <p:spPr>
           <a:xfrm>
             <a:off x="4399200" y="9555480"/>
-            <a:ext cx="3369240" cy="498960"/>
+            <a:ext cx="3368520" cy="498240"/>
           </a:xfrm>
           <a:prstGeom prst="rect">
             <a:avLst/>
@@ -1895,11 +1993,14 @@
             <a:noAutofit/>
           </a:bodyPr>
           <a:lstStyle>
-            <a:lvl1pPr algn="r">
+            <a:lvl1pPr indent="0" algn="r">
               <a:lnSpc>
                 <a:spcPct val="100000"/>
               </a:lnSpc>
               <a:buNone/>
+              <a:tabLst>
+                <a:tab algn="l" pos="0"/>
+              </a:tabLst>
               <a:defRPr b="0" lang="de-DE" sz="1800" spc="-1" strike="noStrike">
                 <a:solidFill>
                   <a:srgbClr val="000000"/>
@@ -1910,13 +2011,16 @@
             </a:lvl1pPr>
           </a:lstStyle>
           <a:p>
-            <a:pPr algn="r">
+            <a:pPr indent="0" algn="r">
               <a:lnSpc>
                 <a:spcPct val="100000"/>
               </a:lnSpc>
               <a:buNone/>
-            </a:pPr>
-            <a:fld id="{724C46C0-1BE1-486E-9E65-AAE5FCC66BFB}" type="slidenum">
+              <a:tabLst>
+                <a:tab algn="l" pos="0"/>
+              </a:tabLst>
+            </a:pPr>
+            <a:fld id="{CF3477BF-22F1-43BB-9167-D2EF4D206BE6}" type="slidenum">
               <a:rPr b="0" lang="de-DE" sz="1800" spc="-1" strike="noStrike">
                 <a:solidFill>
                   <a:srgbClr val="000000"/>
@@ -1924,10 +2028,10 @@
                 <a:latin typeface="+mn-lt"/>
                 <a:ea typeface="+mn-ea"/>
               </a:rPr>
-              <a:t>21</a:t>
+              <a:t>&lt;number&gt;</a:t>
             </a:fld>
-            <a:endParaRPr b="0" lang="en-US" sz="1800" spc="-1" strike="noStrike">
-              <a:latin typeface="DejaVu Serif"/>
+            <a:endParaRPr b="0" lang="en-GB" sz="1800" spc="-1" strike="noStrike">
+              <a:latin typeface="Times New Roman"/>
             </a:endParaRPr>
           </a:p>
         </p:txBody>
@@ -1967,7 +2071,7 @@
         <p:spPr>
           <a:xfrm>
             <a:off x="533520" y="763560"/>
-            <a:ext cx="6700320" cy="3768480"/>
+            <a:ext cx="6699600" cy="3767760"/>
           </a:xfrm>
           <a:prstGeom prst="rect">
             <a:avLst/>
@@ -1990,7 +2094,7 @@
         <p:spPr>
           <a:xfrm>
             <a:off x="777240" y="4777560"/>
-            <a:ext cx="6213960" cy="4522320"/>
+            <a:ext cx="6213240" cy="4521600"/>
           </a:xfrm>
           <a:prstGeom prst="rect">
             <a:avLst/>
@@ -2005,8 +2109,11 @@
             <a:noAutofit/>
           </a:bodyPr>
           <a:p>
-            <a:endParaRPr b="0" lang="en-US" sz="2000" spc="-1" strike="noStrike">
-              <a:latin typeface="DejaVu Sans"/>
+            <a:pPr marL="216000" indent="0">
+              <a:buNone/>
+            </a:pPr>
+            <a:endParaRPr b="0" lang="en-GB" sz="2000" spc="-1" strike="noStrike">
+              <a:latin typeface="Arial"/>
             </a:endParaRPr>
           </a:p>
         </p:txBody>
@@ -2024,7 +2131,7 @@
         <p:spPr>
           <a:xfrm>
             <a:off x="4399200" y="9555480"/>
-            <a:ext cx="3369240" cy="498960"/>
+            <a:ext cx="3368520" cy="498240"/>
           </a:xfrm>
           <a:prstGeom prst="rect">
             <a:avLst/>
@@ -2039,11 +2146,14 @@
             <a:noAutofit/>
           </a:bodyPr>
           <a:lstStyle>
-            <a:lvl1pPr algn="r">
+            <a:lvl1pPr indent="0" algn="r">
               <a:lnSpc>
                 <a:spcPct val="100000"/>
               </a:lnSpc>
               <a:buNone/>
+              <a:tabLst>
+                <a:tab algn="l" pos="0"/>
+              </a:tabLst>
               <a:defRPr b="0" lang="de-DE" sz="1800" spc="-1" strike="noStrike">
                 <a:solidFill>
                   <a:srgbClr val="000000"/>
@@ -2054,13 +2164,16 @@
             </a:lvl1pPr>
           </a:lstStyle>
           <a:p>
-            <a:pPr algn="r">
+            <a:pPr indent="0" algn="r">
               <a:lnSpc>
                 <a:spcPct val="100000"/>
               </a:lnSpc>
               <a:buNone/>
-            </a:pPr>
-            <a:fld id="{D367AD1C-5107-44BC-99D6-CD8CB79264D4}" type="slidenum">
+              <a:tabLst>
+                <a:tab algn="l" pos="0"/>
+              </a:tabLst>
+            </a:pPr>
+            <a:fld id="{DF866DA8-B4A8-458D-8FDD-BD17E95B828F}" type="slidenum">
               <a:rPr b="0" lang="de-DE" sz="1800" spc="-1" strike="noStrike">
                 <a:solidFill>
                   <a:srgbClr val="000000"/>
@@ -2068,10 +2181,10 @@
                 <a:latin typeface="+mn-lt"/>
                 <a:ea typeface="+mn-ea"/>
               </a:rPr>
-              <a:t>21</a:t>
+              <a:t>&lt;number&gt;</a:t>
             </a:fld>
-            <a:endParaRPr b="0" lang="en-US" sz="1800" spc="-1" strike="noStrike">
-              <a:latin typeface="DejaVu Serif"/>
+            <a:endParaRPr b="0" lang="en-GB" sz="1800" spc="-1" strike="noStrike">
+              <a:latin typeface="Times New Roman"/>
             </a:endParaRPr>
           </a:p>
         </p:txBody>
@@ -2111,7 +2224,7 @@
         <p:spPr>
           <a:xfrm>
             <a:off x="533520" y="763560"/>
-            <a:ext cx="6700320" cy="3768480"/>
+            <a:ext cx="6699600" cy="3767760"/>
           </a:xfrm>
           <a:prstGeom prst="rect">
             <a:avLst/>
@@ -2134,7 +2247,7 @@
         <p:spPr>
           <a:xfrm>
             <a:off x="777240" y="4777560"/>
-            <a:ext cx="6213960" cy="4522320"/>
+            <a:ext cx="6213240" cy="4521600"/>
           </a:xfrm>
           <a:prstGeom prst="rect">
             <a:avLst/>
@@ -2149,8 +2262,11 @@
             <a:noAutofit/>
           </a:bodyPr>
           <a:p>
-            <a:endParaRPr b="0" lang="en-US" sz="2000" spc="-1" strike="noStrike">
-              <a:latin typeface="DejaVu Sans"/>
+            <a:pPr marL="216000" indent="0">
+              <a:buNone/>
+            </a:pPr>
+            <a:endParaRPr b="0" lang="en-GB" sz="2000" spc="-1" strike="noStrike">
+              <a:latin typeface="Arial"/>
             </a:endParaRPr>
           </a:p>
         </p:txBody>
@@ -2168,7 +2284,7 @@
         <p:spPr>
           <a:xfrm>
             <a:off x="4399200" y="9555480"/>
-            <a:ext cx="3369240" cy="498960"/>
+            <a:ext cx="3368520" cy="498240"/>
           </a:xfrm>
           <a:prstGeom prst="rect">
             <a:avLst/>
@@ -2183,11 +2299,14 @@
             <a:noAutofit/>
           </a:bodyPr>
           <a:lstStyle>
-            <a:lvl1pPr algn="r">
+            <a:lvl1pPr indent="0" algn="r">
               <a:lnSpc>
                 <a:spcPct val="100000"/>
               </a:lnSpc>
               <a:buNone/>
+              <a:tabLst>
+                <a:tab algn="l" pos="0"/>
+              </a:tabLst>
               <a:defRPr b="0" lang="de-DE" sz="1800" spc="-1" strike="noStrike">
                 <a:solidFill>
                   <a:srgbClr val="000000"/>
@@ -2198,13 +2317,16 @@
             </a:lvl1pPr>
           </a:lstStyle>
           <a:p>
-            <a:pPr algn="r">
+            <a:pPr indent="0" algn="r">
               <a:lnSpc>
                 <a:spcPct val="100000"/>
               </a:lnSpc>
               <a:buNone/>
-            </a:pPr>
-            <a:fld id="{F5E61759-51D9-4923-963B-03A4ACAE88DF}" type="slidenum">
+              <a:tabLst>
+                <a:tab algn="l" pos="0"/>
+              </a:tabLst>
+            </a:pPr>
+            <a:fld id="{2B220E76-046B-46E8-BD5F-50ABDC229D53}" type="slidenum">
               <a:rPr b="0" lang="de-DE" sz="1800" spc="-1" strike="noStrike">
                 <a:solidFill>
                   <a:srgbClr val="000000"/>
@@ -2212,10 +2334,10 @@
                 <a:latin typeface="+mn-lt"/>
                 <a:ea typeface="+mn-ea"/>
               </a:rPr>
-              <a:t>21</a:t>
+              <a:t>&lt;number&gt;</a:t>
             </a:fld>
-            <a:endParaRPr b="0" lang="en-US" sz="1800" spc="-1" strike="noStrike">
-              <a:latin typeface="DejaVu Serif"/>
+            <a:endParaRPr b="0" lang="en-GB" sz="1800" spc="-1" strike="noStrike">
+              <a:latin typeface="Times New Roman"/>
             </a:endParaRPr>
           </a:p>
         </p:txBody>
@@ -2255,7 +2377,7 @@
         <p:spPr>
           <a:xfrm>
             <a:off x="533520" y="763560"/>
-            <a:ext cx="6700320" cy="3768480"/>
+            <a:ext cx="6699600" cy="3767760"/>
           </a:xfrm>
           <a:prstGeom prst="rect">
             <a:avLst/>
@@ -2278,7 +2400,7 @@
         <p:spPr>
           <a:xfrm>
             <a:off x="777240" y="4777560"/>
-            <a:ext cx="6213960" cy="4522320"/>
+            <a:ext cx="6213240" cy="4521600"/>
           </a:xfrm>
           <a:prstGeom prst="rect">
             <a:avLst/>
@@ -2293,8 +2415,11 @@
             <a:noAutofit/>
           </a:bodyPr>
           <a:p>
-            <a:endParaRPr b="0" lang="en-US" sz="2000" spc="-1" strike="noStrike">
-              <a:latin typeface="DejaVu Sans"/>
+            <a:pPr marL="216000" indent="0">
+              <a:buNone/>
+            </a:pPr>
+            <a:endParaRPr b="0" lang="en-GB" sz="2000" spc="-1" strike="noStrike">
+              <a:latin typeface="Arial"/>
             </a:endParaRPr>
           </a:p>
         </p:txBody>
@@ -2312,7 +2437,7 @@
         <p:spPr>
           <a:xfrm>
             <a:off x="4399200" y="9555480"/>
-            <a:ext cx="3369240" cy="498960"/>
+            <a:ext cx="3368520" cy="498240"/>
           </a:xfrm>
           <a:prstGeom prst="rect">
             <a:avLst/>
@@ -2327,11 +2452,14 @@
             <a:noAutofit/>
           </a:bodyPr>
           <a:lstStyle>
-            <a:lvl1pPr algn="r">
+            <a:lvl1pPr indent="0" algn="r">
               <a:lnSpc>
                 <a:spcPct val="100000"/>
               </a:lnSpc>
               <a:buNone/>
+              <a:tabLst>
+                <a:tab algn="l" pos="0"/>
+              </a:tabLst>
               <a:defRPr b="0" lang="de-DE" sz="1800" spc="-1" strike="noStrike">
                 <a:solidFill>
                   <a:srgbClr val="000000"/>
@@ -2342,13 +2470,16 @@
             </a:lvl1pPr>
           </a:lstStyle>
           <a:p>
-            <a:pPr algn="r">
+            <a:pPr indent="0" algn="r">
               <a:lnSpc>
                 <a:spcPct val="100000"/>
               </a:lnSpc>
               <a:buNone/>
-            </a:pPr>
-            <a:fld id="{EADDB650-F6D4-48FE-A363-FC2CBC436863}" type="slidenum">
+              <a:tabLst>
+                <a:tab algn="l" pos="0"/>
+              </a:tabLst>
+            </a:pPr>
+            <a:fld id="{38B2EA5B-6803-481B-802C-2E86044E1B3C}" type="slidenum">
               <a:rPr b="0" lang="de-DE" sz="1800" spc="-1" strike="noStrike">
                 <a:solidFill>
                   <a:srgbClr val="000000"/>
@@ -2356,10 +2487,10 @@
                 <a:latin typeface="+mn-lt"/>
                 <a:ea typeface="+mn-ea"/>
               </a:rPr>
-              <a:t>21</a:t>
+              <a:t>&lt;number&gt;</a:t>
             </a:fld>
-            <a:endParaRPr b="0" lang="en-US" sz="1800" spc="-1" strike="noStrike">
-              <a:latin typeface="DejaVu Serif"/>
+            <a:endParaRPr b="0" lang="en-GB" sz="1800" spc="-1" strike="noStrike">
+              <a:latin typeface="Times New Roman"/>
             </a:endParaRPr>
           </a:p>
         </p:txBody>
@@ -2436,10 +2567,10 @@
             <a:noAutofit/>
           </a:bodyPr>
           <a:p>
-            <a:endParaRPr b="0" lang="en-US" sz="1800" spc="-1" strike="noStrike">
-              <a:solidFill>
-                <a:srgbClr val="000000"/>
-              </a:solidFill>
+            <a:pPr indent="0" algn="ctr">
+              <a:buNone/>
+            </a:pPr>
+            <a:endParaRPr b="0" lang="en-GB" sz="4400" spc="-1" strike="noStrike">
               <a:latin typeface="Arial"/>
             </a:endParaRPr>
           </a:p>
@@ -2473,19 +2604,13 @@
             <a:normAutofit/>
           </a:bodyPr>
           <a:p>
-            <a:pPr>
-              <a:lnSpc>
-                <a:spcPct val="90000"/>
-              </a:lnSpc>
+            <a:pPr indent="0">
               <a:spcBef>
                 <a:spcPts val="1417"/>
               </a:spcBef>
               <a:buNone/>
             </a:pPr>
-            <a:endParaRPr b="0" lang="en-US" sz="2800" spc="-1" strike="noStrike">
-              <a:solidFill>
-                <a:srgbClr val="000000"/>
-              </a:solidFill>
+            <a:endParaRPr b="0" lang="en-GB" sz="3200" spc="-1" strike="noStrike">
               <a:latin typeface="Arial"/>
             </a:endParaRPr>
           </a:p>
@@ -2519,19 +2644,13 @@
             <a:normAutofit/>
           </a:bodyPr>
           <a:p>
-            <a:pPr>
-              <a:lnSpc>
-                <a:spcPct val="90000"/>
-              </a:lnSpc>
+            <a:pPr indent="0">
               <a:spcBef>
                 <a:spcPts val="1417"/>
               </a:spcBef>
               <a:buNone/>
             </a:pPr>
-            <a:endParaRPr b="0" lang="en-US" sz="2800" spc="-1" strike="noStrike">
-              <a:solidFill>
-                <a:srgbClr val="000000"/>
-              </a:solidFill>
+            <a:endParaRPr b="0" lang="en-GB" sz="3200" spc="-1" strike="noStrike">
               <a:latin typeface="Arial"/>
             </a:endParaRPr>
           </a:p>
@@ -2587,10 +2706,10 @@
             <a:noAutofit/>
           </a:bodyPr>
           <a:p>
-            <a:endParaRPr b="0" lang="en-US" sz="1800" spc="-1" strike="noStrike">
-              <a:solidFill>
-                <a:srgbClr val="000000"/>
-              </a:solidFill>
+            <a:pPr indent="0" algn="ctr">
+              <a:buNone/>
+            </a:pPr>
+            <a:endParaRPr b="0" lang="en-GB" sz="4400" spc="-1" strike="noStrike">
               <a:latin typeface="Arial"/>
             </a:endParaRPr>
           </a:p>
@@ -2624,19 +2743,13 @@
             <a:normAutofit/>
           </a:bodyPr>
           <a:p>
-            <a:pPr>
-              <a:lnSpc>
-                <a:spcPct val="90000"/>
-              </a:lnSpc>
+            <a:pPr indent="0">
               <a:spcBef>
                 <a:spcPts val="1417"/>
               </a:spcBef>
               <a:buNone/>
             </a:pPr>
-            <a:endParaRPr b="0" lang="en-US" sz="2800" spc="-1" strike="noStrike">
-              <a:solidFill>
-                <a:srgbClr val="000000"/>
-              </a:solidFill>
+            <a:endParaRPr b="0" lang="en-GB" sz="3200" spc="-1" strike="noStrike">
               <a:latin typeface="Arial"/>
             </a:endParaRPr>
           </a:p>
@@ -2670,19 +2783,13 @@
             <a:normAutofit/>
           </a:bodyPr>
           <a:p>
-            <a:pPr>
-              <a:lnSpc>
-                <a:spcPct val="90000"/>
-              </a:lnSpc>
+            <a:pPr indent="0">
               <a:spcBef>
                 <a:spcPts val="1417"/>
               </a:spcBef>
               <a:buNone/>
             </a:pPr>
-            <a:endParaRPr b="0" lang="en-US" sz="2800" spc="-1" strike="noStrike">
-              <a:solidFill>
-                <a:srgbClr val="000000"/>
-              </a:solidFill>
+            <a:endParaRPr b="0" lang="en-GB" sz="3200" spc="-1" strike="noStrike">
               <a:latin typeface="Arial"/>
             </a:endParaRPr>
           </a:p>
@@ -2716,19 +2823,13 @@
             <a:normAutofit/>
           </a:bodyPr>
           <a:p>
-            <a:pPr>
-              <a:lnSpc>
-                <a:spcPct val="90000"/>
-              </a:lnSpc>
+            <a:pPr indent="0">
               <a:spcBef>
                 <a:spcPts val="1417"/>
               </a:spcBef>
               <a:buNone/>
             </a:pPr>
-            <a:endParaRPr b="0" lang="en-US" sz="2800" spc="-1" strike="noStrike">
-              <a:solidFill>
-                <a:srgbClr val="000000"/>
-              </a:solidFill>
+            <a:endParaRPr b="0" lang="en-GB" sz="3200" spc="-1" strike="noStrike">
               <a:latin typeface="Arial"/>
             </a:endParaRPr>
           </a:p>
@@ -2762,19 +2863,13 @@
             <a:normAutofit/>
           </a:bodyPr>
           <a:p>
-            <a:pPr>
-              <a:lnSpc>
-                <a:spcPct val="90000"/>
-              </a:lnSpc>
+            <a:pPr indent="0">
               <a:spcBef>
                 <a:spcPts val="1417"/>
               </a:spcBef>
               <a:buNone/>
             </a:pPr>
-            <a:endParaRPr b="0" lang="en-US" sz="2800" spc="-1" strike="noStrike">
-              <a:solidFill>
-                <a:srgbClr val="000000"/>
-              </a:solidFill>
+            <a:endParaRPr b="0" lang="en-GB" sz="3200" spc="-1" strike="noStrike">
               <a:latin typeface="Arial"/>
             </a:endParaRPr>
           </a:p>
@@ -2830,10 +2925,10 @@
             <a:noAutofit/>
           </a:bodyPr>
           <a:p>
-            <a:endParaRPr b="0" lang="en-US" sz="1800" spc="-1" strike="noStrike">
-              <a:solidFill>
-                <a:srgbClr val="000000"/>
-              </a:solidFill>
+            <a:pPr indent="0" algn="ctr">
+              <a:buNone/>
+            </a:pPr>
+            <a:endParaRPr b="0" lang="en-GB" sz="4400" spc="-1" strike="noStrike">
               <a:latin typeface="Arial"/>
             </a:endParaRPr>
           </a:p>
@@ -2867,19 +2962,13 @@
             <a:normAutofit/>
           </a:bodyPr>
           <a:p>
-            <a:pPr>
-              <a:lnSpc>
-                <a:spcPct val="90000"/>
-              </a:lnSpc>
+            <a:pPr indent="0">
               <a:spcBef>
                 <a:spcPts val="1417"/>
               </a:spcBef>
               <a:buNone/>
             </a:pPr>
-            <a:endParaRPr b="0" lang="en-US" sz="2800" spc="-1" strike="noStrike">
-              <a:solidFill>
-                <a:srgbClr val="000000"/>
-              </a:solidFill>
+            <a:endParaRPr b="0" lang="en-GB" sz="3200" spc="-1" strike="noStrike">
               <a:latin typeface="Arial"/>
             </a:endParaRPr>
           </a:p>
@@ -2913,19 +3002,13 @@
             <a:normAutofit/>
           </a:bodyPr>
           <a:p>
-            <a:pPr>
-              <a:lnSpc>
-                <a:spcPct val="90000"/>
-              </a:lnSpc>
+            <a:pPr indent="0">
               <a:spcBef>
                 <a:spcPts val="1417"/>
               </a:spcBef>
               <a:buNone/>
             </a:pPr>
-            <a:endParaRPr b="0" lang="en-US" sz="2800" spc="-1" strike="noStrike">
-              <a:solidFill>
-                <a:srgbClr val="000000"/>
-              </a:solidFill>
+            <a:endParaRPr b="0" lang="en-GB" sz="3200" spc="-1" strike="noStrike">
               <a:latin typeface="Arial"/>
             </a:endParaRPr>
           </a:p>
@@ -2959,19 +3042,13 @@
             <a:normAutofit/>
           </a:bodyPr>
           <a:p>
-            <a:pPr>
-              <a:lnSpc>
-                <a:spcPct val="90000"/>
-              </a:lnSpc>
+            <a:pPr indent="0">
               <a:spcBef>
                 <a:spcPts val="1417"/>
               </a:spcBef>
               <a:buNone/>
             </a:pPr>
-            <a:endParaRPr b="0" lang="en-US" sz="2800" spc="-1" strike="noStrike">
-              <a:solidFill>
-                <a:srgbClr val="000000"/>
-              </a:solidFill>
+            <a:endParaRPr b="0" lang="en-GB" sz="3200" spc="-1" strike="noStrike">
               <a:latin typeface="Arial"/>
             </a:endParaRPr>
           </a:p>
@@ -3005,19 +3082,13 @@
             <a:normAutofit/>
           </a:bodyPr>
           <a:p>
-            <a:pPr>
-              <a:lnSpc>
-                <a:spcPct val="90000"/>
-              </a:lnSpc>
+            <a:pPr indent="0">
               <a:spcBef>
                 <a:spcPts val="1417"/>
               </a:spcBef>
               <a:buNone/>
             </a:pPr>
-            <a:endParaRPr b="0" lang="en-US" sz="2800" spc="-1" strike="noStrike">
-              <a:solidFill>
-                <a:srgbClr val="000000"/>
-              </a:solidFill>
+            <a:endParaRPr b="0" lang="en-GB" sz="3200" spc="-1" strike="noStrike">
               <a:latin typeface="Arial"/>
             </a:endParaRPr>
           </a:p>
@@ -3051,19 +3122,13 @@
             <a:normAutofit/>
           </a:bodyPr>
           <a:p>
-            <a:pPr>
-              <a:lnSpc>
-                <a:spcPct val="90000"/>
-              </a:lnSpc>
+            <a:pPr indent="0">
               <a:spcBef>
                 <a:spcPts val="1417"/>
               </a:spcBef>
               <a:buNone/>
             </a:pPr>
-            <a:endParaRPr b="0" lang="en-US" sz="2800" spc="-1" strike="noStrike">
-              <a:solidFill>
-                <a:srgbClr val="000000"/>
-              </a:solidFill>
+            <a:endParaRPr b="0" lang="en-GB" sz="3200" spc="-1" strike="noStrike">
               <a:latin typeface="Arial"/>
             </a:endParaRPr>
           </a:p>
@@ -3097,19 +3162,13 @@
             <a:normAutofit/>
           </a:bodyPr>
           <a:p>
-            <a:pPr>
-              <a:lnSpc>
-                <a:spcPct val="90000"/>
-              </a:lnSpc>
+            <a:pPr indent="0">
               <a:spcBef>
                 <a:spcPts val="1417"/>
               </a:spcBef>
               <a:buNone/>
             </a:pPr>
-            <a:endParaRPr b="0" lang="en-US" sz="2800" spc="-1" strike="noStrike">
-              <a:solidFill>
-                <a:srgbClr val="000000"/>
-              </a:solidFill>
+            <a:endParaRPr b="0" lang="en-GB" sz="3200" spc="-1" strike="noStrike">
               <a:latin typeface="Arial"/>
             </a:endParaRPr>
           </a:p>
@@ -3187,10 +3246,10 @@
             <a:noAutofit/>
           </a:bodyPr>
           <a:p>
-            <a:endParaRPr b="0" lang="en-US" sz="1800" spc="-1" strike="noStrike">
-              <a:solidFill>
-                <a:srgbClr val="000000"/>
-              </a:solidFill>
+            <a:pPr indent="0" algn="ctr">
+              <a:buNone/>
+            </a:pPr>
+            <a:endParaRPr b="0" lang="en-GB" sz="4400" spc="-1" strike="noStrike">
               <a:latin typeface="Arial"/>
             </a:endParaRPr>
           </a:p>
@@ -3224,11 +3283,11 @@
             <a:noAutofit/>
           </a:bodyPr>
           <a:p>
-            <a:pPr algn="ctr">
+            <a:pPr indent="0" algn="ctr">
               <a:buNone/>
             </a:pPr>
-            <a:endParaRPr b="0" lang="en-US" sz="3200" spc="-1" strike="noStrike">
-              <a:latin typeface="DejaVu Sans"/>
+            <a:endParaRPr b="0" lang="en-GB" sz="3200" spc="-1" strike="noStrike">
+              <a:latin typeface="Arial"/>
             </a:endParaRPr>
           </a:p>
         </p:txBody>
@@ -3283,10 +3342,10 @@
             <a:noAutofit/>
           </a:bodyPr>
           <a:p>
-            <a:endParaRPr b="0" lang="en-US" sz="1800" spc="-1" strike="noStrike">
-              <a:solidFill>
-                <a:srgbClr val="000000"/>
-              </a:solidFill>
+            <a:pPr indent="0" algn="ctr">
+              <a:buNone/>
+            </a:pPr>
+            <a:endParaRPr b="0" lang="en-GB" sz="4400" spc="-1" strike="noStrike">
               <a:latin typeface="Arial"/>
             </a:endParaRPr>
           </a:p>
@@ -3320,19 +3379,13 @@
             <a:normAutofit/>
           </a:bodyPr>
           <a:p>
-            <a:pPr>
-              <a:lnSpc>
-                <a:spcPct val="90000"/>
-              </a:lnSpc>
+            <a:pPr indent="0">
               <a:spcBef>
                 <a:spcPts val="1417"/>
               </a:spcBef>
               <a:buNone/>
             </a:pPr>
-            <a:endParaRPr b="0" lang="en-US" sz="2800" spc="-1" strike="noStrike">
-              <a:solidFill>
-                <a:srgbClr val="000000"/>
-              </a:solidFill>
+            <a:endParaRPr b="0" lang="en-GB" sz="3200" spc="-1" strike="noStrike">
               <a:latin typeface="Arial"/>
             </a:endParaRPr>
           </a:p>
@@ -3388,10 +3441,10 @@
             <a:noAutofit/>
           </a:bodyPr>
           <a:p>
-            <a:endParaRPr b="0" lang="en-US" sz="1800" spc="-1" strike="noStrike">
-              <a:solidFill>
-                <a:srgbClr val="000000"/>
-              </a:solidFill>
+            <a:pPr indent="0" algn="ctr">
+              <a:buNone/>
+            </a:pPr>
+            <a:endParaRPr b="0" lang="en-GB" sz="4400" spc="-1" strike="noStrike">
               <a:latin typeface="Arial"/>
             </a:endParaRPr>
           </a:p>
@@ -3425,19 +3478,13 @@
             <a:normAutofit/>
           </a:bodyPr>
           <a:p>
-            <a:pPr>
-              <a:lnSpc>
-                <a:spcPct val="90000"/>
-              </a:lnSpc>
+            <a:pPr indent="0">
               <a:spcBef>
                 <a:spcPts val="1417"/>
               </a:spcBef>
               <a:buNone/>
             </a:pPr>
-            <a:endParaRPr b="0" lang="en-US" sz="2800" spc="-1" strike="noStrike">
-              <a:solidFill>
-                <a:srgbClr val="000000"/>
-              </a:solidFill>
+            <a:endParaRPr b="0" lang="en-GB" sz="3200" spc="-1" strike="noStrike">
               <a:latin typeface="Arial"/>
             </a:endParaRPr>
           </a:p>
@@ -3471,19 +3518,13 @@
             <a:normAutofit/>
           </a:bodyPr>
           <a:p>
-            <a:pPr>
-              <a:lnSpc>
-                <a:spcPct val="90000"/>
-              </a:lnSpc>
+            <a:pPr indent="0">
               <a:spcBef>
                 <a:spcPts val="1417"/>
               </a:spcBef>
               <a:buNone/>
             </a:pPr>
-            <a:endParaRPr b="0" lang="en-US" sz="2800" spc="-1" strike="noStrike">
-              <a:solidFill>
-                <a:srgbClr val="000000"/>
-              </a:solidFill>
+            <a:endParaRPr b="0" lang="en-GB" sz="3200" spc="-1" strike="noStrike">
               <a:latin typeface="Arial"/>
             </a:endParaRPr>
           </a:p>
@@ -3539,10 +3580,10 @@
             <a:noAutofit/>
           </a:bodyPr>
           <a:p>
-            <a:endParaRPr b="0" lang="en-US" sz="1800" spc="-1" strike="noStrike">
-              <a:solidFill>
-                <a:srgbClr val="000000"/>
-              </a:solidFill>
+            <a:pPr indent="0" algn="ctr">
+              <a:buNone/>
+            </a:pPr>
+            <a:endParaRPr b="0" lang="en-GB" sz="4400" spc="-1" strike="noStrike">
               <a:latin typeface="Arial"/>
             </a:endParaRPr>
           </a:p>
@@ -3598,11 +3639,9 @@
             <a:noAutofit/>
           </a:bodyPr>
           <a:p>
-            <a:pPr algn="ctr">
-              <a:buNone/>
-            </a:pPr>
-            <a:endParaRPr b="0" lang="en-US" sz="3200" spc="-1" strike="noStrike">
-              <a:latin typeface="DejaVu Sans"/>
+            <a:pPr algn="ctr"/>
+            <a:endParaRPr b="0" lang="en-GB" sz="3200" spc="-1" strike="noStrike">
+              <a:latin typeface="Arial"/>
             </a:endParaRPr>
           </a:p>
         </p:txBody>
@@ -3657,10 +3696,10 @@
             <a:noAutofit/>
           </a:bodyPr>
           <a:p>
-            <a:endParaRPr b="0" lang="en-US" sz="1800" spc="-1" strike="noStrike">
-              <a:solidFill>
-                <a:srgbClr val="000000"/>
-              </a:solidFill>
+            <a:pPr indent="0" algn="ctr">
+              <a:buNone/>
+            </a:pPr>
+            <a:endParaRPr b="0" lang="en-GB" sz="4400" spc="-1" strike="noStrike">
               <a:latin typeface="Arial"/>
             </a:endParaRPr>
           </a:p>
@@ -3694,19 +3733,13 @@
             <a:normAutofit/>
           </a:bodyPr>
           <a:p>
-            <a:pPr>
-              <a:lnSpc>
-                <a:spcPct val="90000"/>
-              </a:lnSpc>
+            <a:pPr indent="0">
               <a:spcBef>
                 <a:spcPts val="1417"/>
               </a:spcBef>
               <a:buNone/>
             </a:pPr>
-            <a:endParaRPr b="0" lang="en-US" sz="2800" spc="-1" strike="noStrike">
-              <a:solidFill>
-                <a:srgbClr val="000000"/>
-              </a:solidFill>
+            <a:endParaRPr b="0" lang="en-GB" sz="3200" spc="-1" strike="noStrike">
               <a:latin typeface="Arial"/>
             </a:endParaRPr>
           </a:p>
@@ -3740,19 +3773,13 @@
             <a:normAutofit/>
           </a:bodyPr>
           <a:p>
-            <a:pPr>
-              <a:lnSpc>
-                <a:spcPct val="90000"/>
-              </a:lnSpc>
+            <a:pPr indent="0">
               <a:spcBef>
                 <a:spcPts val="1417"/>
               </a:spcBef>
               <a:buNone/>
             </a:pPr>
-            <a:endParaRPr b="0" lang="en-US" sz="2800" spc="-1" strike="noStrike">
-              <a:solidFill>
-                <a:srgbClr val="000000"/>
-              </a:solidFill>
+            <a:endParaRPr b="0" lang="en-GB" sz="3200" spc="-1" strike="noStrike">
               <a:latin typeface="Arial"/>
             </a:endParaRPr>
           </a:p>
@@ -3786,19 +3813,13 @@
             <a:normAutofit/>
           </a:bodyPr>
           <a:p>
-            <a:pPr>
-              <a:lnSpc>
-                <a:spcPct val="90000"/>
-              </a:lnSpc>
+            <a:pPr indent="0">
               <a:spcBef>
                 <a:spcPts val="1417"/>
               </a:spcBef>
               <a:buNone/>
             </a:pPr>
-            <a:endParaRPr b="0" lang="en-US" sz="2800" spc="-1" strike="noStrike">
-              <a:solidFill>
-                <a:srgbClr val="000000"/>
-              </a:solidFill>
+            <a:endParaRPr b="0" lang="en-GB" sz="3200" spc="-1" strike="noStrike">
               <a:latin typeface="Arial"/>
             </a:endParaRPr>
           </a:p>
@@ -3854,10 +3875,10 @@
             <a:noAutofit/>
           </a:bodyPr>
           <a:p>
-            <a:endParaRPr b="0" lang="en-US" sz="1800" spc="-1" strike="noStrike">
-              <a:solidFill>
-                <a:srgbClr val="000000"/>
-              </a:solidFill>
+            <a:pPr indent="0" algn="ctr">
+              <a:buNone/>
+            </a:pPr>
+            <a:endParaRPr b="0" lang="en-GB" sz="4400" spc="-1" strike="noStrike">
               <a:latin typeface="Arial"/>
             </a:endParaRPr>
           </a:p>
@@ -3891,11 +3912,11 @@
             <a:noAutofit/>
           </a:bodyPr>
           <a:p>
-            <a:pPr algn="ctr">
+            <a:pPr indent="0" algn="ctr">
               <a:buNone/>
             </a:pPr>
-            <a:endParaRPr b="0" lang="en-US" sz="3200" spc="-1" strike="noStrike">
-              <a:latin typeface="DejaVu Sans"/>
+            <a:endParaRPr b="0" lang="en-GB" sz="3200" spc="-1" strike="noStrike">
+              <a:latin typeface="Arial"/>
             </a:endParaRPr>
           </a:p>
         </p:txBody>
@@ -3950,10 +3971,10 @@
             <a:noAutofit/>
           </a:bodyPr>
           <a:p>
-            <a:endParaRPr b="0" lang="en-US" sz="1800" spc="-1" strike="noStrike">
-              <a:solidFill>
-                <a:srgbClr val="000000"/>
-              </a:solidFill>
+            <a:pPr indent="0" algn="ctr">
+              <a:buNone/>
+            </a:pPr>
+            <a:endParaRPr b="0" lang="en-GB" sz="4400" spc="-1" strike="noStrike">
               <a:latin typeface="Arial"/>
             </a:endParaRPr>
           </a:p>
@@ -3987,19 +4008,13 @@
             <a:normAutofit/>
           </a:bodyPr>
           <a:p>
-            <a:pPr>
-              <a:lnSpc>
-                <a:spcPct val="90000"/>
-              </a:lnSpc>
+            <a:pPr indent="0">
               <a:spcBef>
                 <a:spcPts val="1417"/>
               </a:spcBef>
               <a:buNone/>
             </a:pPr>
-            <a:endParaRPr b="0" lang="en-US" sz="2800" spc="-1" strike="noStrike">
-              <a:solidFill>
-                <a:srgbClr val="000000"/>
-              </a:solidFill>
+            <a:endParaRPr b="0" lang="en-GB" sz="3200" spc="-1" strike="noStrike">
               <a:latin typeface="Arial"/>
             </a:endParaRPr>
           </a:p>
@@ -4033,19 +4048,13 @@
             <a:normAutofit/>
           </a:bodyPr>
           <a:p>
-            <a:pPr>
-              <a:lnSpc>
-                <a:spcPct val="90000"/>
-              </a:lnSpc>
+            <a:pPr indent="0">
               <a:spcBef>
                 <a:spcPts val="1417"/>
               </a:spcBef>
               <a:buNone/>
             </a:pPr>
-            <a:endParaRPr b="0" lang="en-US" sz="2800" spc="-1" strike="noStrike">
-              <a:solidFill>
-                <a:srgbClr val="000000"/>
-              </a:solidFill>
+            <a:endParaRPr b="0" lang="en-GB" sz="3200" spc="-1" strike="noStrike">
               <a:latin typeface="Arial"/>
             </a:endParaRPr>
           </a:p>
@@ -4079,19 +4088,13 @@
             <a:normAutofit/>
           </a:bodyPr>
           <a:p>
-            <a:pPr>
-              <a:lnSpc>
-                <a:spcPct val="90000"/>
-              </a:lnSpc>
+            <a:pPr indent="0">
               <a:spcBef>
                 <a:spcPts val="1417"/>
               </a:spcBef>
               <a:buNone/>
             </a:pPr>
-            <a:endParaRPr b="0" lang="en-US" sz="2800" spc="-1" strike="noStrike">
-              <a:solidFill>
-                <a:srgbClr val="000000"/>
-              </a:solidFill>
+            <a:endParaRPr b="0" lang="en-GB" sz="3200" spc="-1" strike="noStrike">
               <a:latin typeface="Arial"/>
             </a:endParaRPr>
           </a:p>
@@ -4147,10 +4150,10 @@
             <a:noAutofit/>
           </a:bodyPr>
           <a:p>
-            <a:endParaRPr b="0" lang="en-US" sz="1800" spc="-1" strike="noStrike">
-              <a:solidFill>
-                <a:srgbClr val="000000"/>
-              </a:solidFill>
+            <a:pPr indent="0" algn="ctr">
+              <a:buNone/>
+            </a:pPr>
+            <a:endParaRPr b="0" lang="en-GB" sz="4400" spc="-1" strike="noStrike">
               <a:latin typeface="Arial"/>
             </a:endParaRPr>
           </a:p>
@@ -4184,19 +4187,13 @@
             <a:normAutofit/>
           </a:bodyPr>
           <a:p>
-            <a:pPr>
-              <a:lnSpc>
-                <a:spcPct val="90000"/>
-              </a:lnSpc>
+            <a:pPr indent="0">
               <a:spcBef>
                 <a:spcPts val="1417"/>
               </a:spcBef>
               <a:buNone/>
             </a:pPr>
-            <a:endParaRPr b="0" lang="en-US" sz="2800" spc="-1" strike="noStrike">
-              <a:solidFill>
-                <a:srgbClr val="000000"/>
-              </a:solidFill>
+            <a:endParaRPr b="0" lang="en-GB" sz="3200" spc="-1" strike="noStrike">
               <a:latin typeface="Arial"/>
             </a:endParaRPr>
           </a:p>
@@ -4230,19 +4227,13 @@
             <a:normAutofit/>
           </a:bodyPr>
           <a:p>
-            <a:pPr>
-              <a:lnSpc>
-                <a:spcPct val="90000"/>
-              </a:lnSpc>
+            <a:pPr indent="0">
               <a:spcBef>
                 <a:spcPts val="1417"/>
               </a:spcBef>
               <a:buNone/>
             </a:pPr>
-            <a:endParaRPr b="0" lang="en-US" sz="2800" spc="-1" strike="noStrike">
-              <a:solidFill>
-                <a:srgbClr val="000000"/>
-              </a:solidFill>
+            <a:endParaRPr b="0" lang="en-GB" sz="3200" spc="-1" strike="noStrike">
               <a:latin typeface="Arial"/>
             </a:endParaRPr>
           </a:p>
@@ -4276,19 +4267,13 @@
             <a:normAutofit/>
           </a:bodyPr>
           <a:p>
-            <a:pPr>
-              <a:lnSpc>
-                <a:spcPct val="90000"/>
-              </a:lnSpc>
+            <a:pPr indent="0">
               <a:spcBef>
                 <a:spcPts val="1417"/>
               </a:spcBef>
               <a:buNone/>
             </a:pPr>
-            <a:endParaRPr b="0" lang="en-US" sz="2800" spc="-1" strike="noStrike">
-              <a:solidFill>
-                <a:srgbClr val="000000"/>
-              </a:solidFill>
+            <a:endParaRPr b="0" lang="en-GB" sz="3200" spc="-1" strike="noStrike">
               <a:latin typeface="Arial"/>
             </a:endParaRPr>
           </a:p>
@@ -4344,10 +4329,10 @@
             <a:noAutofit/>
           </a:bodyPr>
           <a:p>
-            <a:endParaRPr b="0" lang="en-US" sz="1800" spc="-1" strike="noStrike">
-              <a:solidFill>
-                <a:srgbClr val="000000"/>
-              </a:solidFill>
+            <a:pPr indent="0" algn="ctr">
+              <a:buNone/>
+            </a:pPr>
+            <a:endParaRPr b="0" lang="en-GB" sz="4400" spc="-1" strike="noStrike">
               <a:latin typeface="Arial"/>
             </a:endParaRPr>
           </a:p>
@@ -4381,19 +4366,13 @@
             <a:normAutofit/>
           </a:bodyPr>
           <a:p>
-            <a:pPr>
-              <a:lnSpc>
-                <a:spcPct val="90000"/>
-              </a:lnSpc>
+            <a:pPr indent="0">
               <a:spcBef>
                 <a:spcPts val="1417"/>
               </a:spcBef>
               <a:buNone/>
             </a:pPr>
-            <a:endParaRPr b="0" lang="en-US" sz="2800" spc="-1" strike="noStrike">
-              <a:solidFill>
-                <a:srgbClr val="000000"/>
-              </a:solidFill>
+            <a:endParaRPr b="0" lang="en-GB" sz="3200" spc="-1" strike="noStrike">
               <a:latin typeface="Arial"/>
             </a:endParaRPr>
           </a:p>
@@ -4427,19 +4406,13 @@
             <a:normAutofit/>
           </a:bodyPr>
           <a:p>
-            <a:pPr>
-              <a:lnSpc>
-                <a:spcPct val="90000"/>
-              </a:lnSpc>
+            <a:pPr indent="0">
               <a:spcBef>
                 <a:spcPts val="1417"/>
               </a:spcBef>
               <a:buNone/>
             </a:pPr>
-            <a:endParaRPr b="0" lang="en-US" sz="2800" spc="-1" strike="noStrike">
-              <a:solidFill>
-                <a:srgbClr val="000000"/>
-              </a:solidFill>
+            <a:endParaRPr b="0" lang="en-GB" sz="3200" spc="-1" strike="noStrike">
               <a:latin typeface="Arial"/>
             </a:endParaRPr>
           </a:p>
@@ -4495,10 +4468,10 @@
             <a:noAutofit/>
           </a:bodyPr>
           <a:p>
-            <a:endParaRPr b="0" lang="en-US" sz="1800" spc="-1" strike="noStrike">
-              <a:solidFill>
-                <a:srgbClr val="000000"/>
-              </a:solidFill>
+            <a:pPr indent="0" algn="ctr">
+              <a:buNone/>
+            </a:pPr>
+            <a:endParaRPr b="0" lang="en-GB" sz="4400" spc="-1" strike="noStrike">
               <a:latin typeface="Arial"/>
             </a:endParaRPr>
           </a:p>
@@ -4532,19 +4505,13 @@
             <a:normAutofit/>
           </a:bodyPr>
           <a:p>
-            <a:pPr>
-              <a:lnSpc>
-                <a:spcPct val="90000"/>
-              </a:lnSpc>
+            <a:pPr indent="0">
               <a:spcBef>
                 <a:spcPts val="1417"/>
               </a:spcBef>
               <a:buNone/>
             </a:pPr>
-            <a:endParaRPr b="0" lang="en-US" sz="2800" spc="-1" strike="noStrike">
-              <a:solidFill>
-                <a:srgbClr val="000000"/>
-              </a:solidFill>
+            <a:endParaRPr b="0" lang="en-GB" sz="3200" spc="-1" strike="noStrike">
               <a:latin typeface="Arial"/>
             </a:endParaRPr>
           </a:p>
@@ -4578,19 +4545,13 @@
             <a:normAutofit/>
           </a:bodyPr>
           <a:p>
-            <a:pPr>
-              <a:lnSpc>
-                <a:spcPct val="90000"/>
-              </a:lnSpc>
+            <a:pPr indent="0">
               <a:spcBef>
                 <a:spcPts val="1417"/>
               </a:spcBef>
               <a:buNone/>
             </a:pPr>
-            <a:endParaRPr b="0" lang="en-US" sz="2800" spc="-1" strike="noStrike">
-              <a:solidFill>
-                <a:srgbClr val="000000"/>
-              </a:solidFill>
+            <a:endParaRPr b="0" lang="en-GB" sz="3200" spc="-1" strike="noStrike">
               <a:latin typeface="Arial"/>
             </a:endParaRPr>
           </a:p>
@@ -4624,19 +4585,13 @@
             <a:normAutofit/>
           </a:bodyPr>
           <a:p>
-            <a:pPr>
-              <a:lnSpc>
-                <a:spcPct val="90000"/>
-              </a:lnSpc>
+            <a:pPr indent="0">
               <a:spcBef>
                 <a:spcPts val="1417"/>
               </a:spcBef>
               <a:buNone/>
             </a:pPr>
-            <a:endParaRPr b="0" lang="en-US" sz="2800" spc="-1" strike="noStrike">
-              <a:solidFill>
-                <a:srgbClr val="000000"/>
-              </a:solidFill>
+            <a:endParaRPr b="0" lang="en-GB" sz="3200" spc="-1" strike="noStrike">
               <a:latin typeface="Arial"/>
             </a:endParaRPr>
           </a:p>
@@ -4670,19 +4625,13 @@
             <a:normAutofit/>
           </a:bodyPr>
           <a:p>
-            <a:pPr>
-              <a:lnSpc>
-                <a:spcPct val="90000"/>
-              </a:lnSpc>
+            <a:pPr indent="0">
               <a:spcBef>
                 <a:spcPts val="1417"/>
               </a:spcBef>
               <a:buNone/>
             </a:pPr>
-            <a:endParaRPr b="0" lang="en-US" sz="2800" spc="-1" strike="noStrike">
-              <a:solidFill>
-                <a:srgbClr val="000000"/>
-              </a:solidFill>
+            <a:endParaRPr b="0" lang="en-GB" sz="3200" spc="-1" strike="noStrike">
               <a:latin typeface="Arial"/>
             </a:endParaRPr>
           </a:p>
@@ -4738,10 +4687,10 @@
             <a:noAutofit/>
           </a:bodyPr>
           <a:p>
-            <a:endParaRPr b="0" lang="en-US" sz="1800" spc="-1" strike="noStrike">
-              <a:solidFill>
-                <a:srgbClr val="000000"/>
-              </a:solidFill>
+            <a:pPr indent="0" algn="ctr">
+              <a:buNone/>
+            </a:pPr>
+            <a:endParaRPr b="0" lang="en-GB" sz="4400" spc="-1" strike="noStrike">
               <a:latin typeface="Arial"/>
             </a:endParaRPr>
           </a:p>
@@ -4775,19 +4724,13 @@
             <a:normAutofit/>
           </a:bodyPr>
           <a:p>
-            <a:pPr>
-              <a:lnSpc>
-                <a:spcPct val="90000"/>
-              </a:lnSpc>
+            <a:pPr indent="0">
               <a:spcBef>
                 <a:spcPts val="1417"/>
               </a:spcBef>
               <a:buNone/>
             </a:pPr>
-            <a:endParaRPr b="0" lang="en-US" sz="2800" spc="-1" strike="noStrike">
-              <a:solidFill>
-                <a:srgbClr val="000000"/>
-              </a:solidFill>
+            <a:endParaRPr b="0" lang="en-GB" sz="3200" spc="-1" strike="noStrike">
               <a:latin typeface="Arial"/>
             </a:endParaRPr>
           </a:p>
@@ -4821,19 +4764,13 @@
             <a:normAutofit/>
           </a:bodyPr>
           <a:p>
-            <a:pPr>
-              <a:lnSpc>
-                <a:spcPct val="90000"/>
-              </a:lnSpc>
+            <a:pPr indent="0">
               <a:spcBef>
                 <a:spcPts val="1417"/>
               </a:spcBef>
               <a:buNone/>
             </a:pPr>
-            <a:endParaRPr b="0" lang="en-US" sz="2800" spc="-1" strike="noStrike">
-              <a:solidFill>
-                <a:srgbClr val="000000"/>
-              </a:solidFill>
+            <a:endParaRPr b="0" lang="en-GB" sz="3200" spc="-1" strike="noStrike">
               <a:latin typeface="Arial"/>
             </a:endParaRPr>
           </a:p>
@@ -4867,19 +4804,13 @@
             <a:normAutofit/>
           </a:bodyPr>
           <a:p>
-            <a:pPr>
-              <a:lnSpc>
-                <a:spcPct val="90000"/>
-              </a:lnSpc>
+            <a:pPr indent="0">
               <a:spcBef>
                 <a:spcPts val="1417"/>
               </a:spcBef>
               <a:buNone/>
             </a:pPr>
-            <a:endParaRPr b="0" lang="en-US" sz="2800" spc="-1" strike="noStrike">
-              <a:solidFill>
-                <a:srgbClr val="000000"/>
-              </a:solidFill>
+            <a:endParaRPr b="0" lang="en-GB" sz="3200" spc="-1" strike="noStrike">
               <a:latin typeface="Arial"/>
             </a:endParaRPr>
           </a:p>
@@ -4913,19 +4844,13 @@
             <a:normAutofit/>
           </a:bodyPr>
           <a:p>
-            <a:pPr>
-              <a:lnSpc>
-                <a:spcPct val="90000"/>
-              </a:lnSpc>
+            <a:pPr indent="0">
               <a:spcBef>
                 <a:spcPts val="1417"/>
               </a:spcBef>
               <a:buNone/>
             </a:pPr>
-            <a:endParaRPr b="0" lang="en-US" sz="2800" spc="-1" strike="noStrike">
-              <a:solidFill>
-                <a:srgbClr val="000000"/>
-              </a:solidFill>
+            <a:endParaRPr b="0" lang="en-GB" sz="3200" spc="-1" strike="noStrike">
               <a:latin typeface="Arial"/>
             </a:endParaRPr>
           </a:p>
@@ -4959,19 +4884,13 @@
             <a:normAutofit/>
           </a:bodyPr>
           <a:p>
-            <a:pPr>
-              <a:lnSpc>
-                <a:spcPct val="90000"/>
-              </a:lnSpc>
+            <a:pPr indent="0">
               <a:spcBef>
                 <a:spcPts val="1417"/>
               </a:spcBef>
               <a:buNone/>
             </a:pPr>
-            <a:endParaRPr b="0" lang="en-US" sz="2800" spc="-1" strike="noStrike">
-              <a:solidFill>
-                <a:srgbClr val="000000"/>
-              </a:solidFill>
+            <a:endParaRPr b="0" lang="en-GB" sz="3200" spc="-1" strike="noStrike">
               <a:latin typeface="Arial"/>
             </a:endParaRPr>
           </a:p>
@@ -5005,19 +4924,13 @@
             <a:normAutofit/>
           </a:bodyPr>
           <a:p>
-            <a:pPr>
-              <a:lnSpc>
-                <a:spcPct val="90000"/>
-              </a:lnSpc>
+            <a:pPr indent="0">
               <a:spcBef>
                 <a:spcPts val="1417"/>
               </a:spcBef>
               <a:buNone/>
             </a:pPr>
-            <a:endParaRPr b="0" lang="en-US" sz="2800" spc="-1" strike="noStrike">
-              <a:solidFill>
-                <a:srgbClr val="000000"/>
-              </a:solidFill>
+            <a:endParaRPr b="0" lang="en-GB" sz="3200" spc="-1" strike="noStrike">
               <a:latin typeface="Arial"/>
             </a:endParaRPr>
           </a:p>
@@ -5095,10 +5008,10 @@
             <a:noAutofit/>
           </a:bodyPr>
           <a:p>
-            <a:endParaRPr b="0" lang="en-US" sz="1800" spc="-1" strike="noStrike">
-              <a:solidFill>
-                <a:srgbClr val="000000"/>
-              </a:solidFill>
+            <a:pPr indent="0" algn="ctr">
+              <a:buNone/>
+            </a:pPr>
+            <a:endParaRPr b="0" lang="en-GB" sz="4400" spc="-1" strike="noStrike">
               <a:latin typeface="Arial"/>
             </a:endParaRPr>
           </a:p>
@@ -5132,11 +5045,11 @@
             <a:noAutofit/>
           </a:bodyPr>
           <a:p>
-            <a:pPr algn="ctr">
+            <a:pPr indent="0" algn="ctr">
               <a:buNone/>
             </a:pPr>
-            <a:endParaRPr b="0" lang="en-US" sz="3200" spc="-1" strike="noStrike">
-              <a:latin typeface="DejaVu Sans"/>
+            <a:endParaRPr b="0" lang="en-GB" sz="3200" spc="-1" strike="noStrike">
+              <a:latin typeface="Arial"/>
             </a:endParaRPr>
           </a:p>
         </p:txBody>
@@ -5191,10 +5104,10 @@
             <a:noAutofit/>
           </a:bodyPr>
           <a:p>
-            <a:endParaRPr b="0" lang="en-US" sz="1800" spc="-1" strike="noStrike">
-              <a:solidFill>
-                <a:srgbClr val="000000"/>
-              </a:solidFill>
+            <a:pPr indent="0" algn="ctr">
+              <a:buNone/>
+            </a:pPr>
+            <a:endParaRPr b="0" lang="en-GB" sz="4400" spc="-1" strike="noStrike">
               <a:latin typeface="Arial"/>
             </a:endParaRPr>
           </a:p>
@@ -5228,19 +5141,13 @@
             <a:normAutofit/>
           </a:bodyPr>
           <a:p>
-            <a:pPr>
-              <a:lnSpc>
-                <a:spcPct val="90000"/>
-              </a:lnSpc>
+            <a:pPr indent="0">
               <a:spcBef>
                 <a:spcPts val="1417"/>
               </a:spcBef>
               <a:buNone/>
             </a:pPr>
-            <a:endParaRPr b="0" lang="en-US" sz="2800" spc="-1" strike="noStrike">
-              <a:solidFill>
-                <a:srgbClr val="000000"/>
-              </a:solidFill>
+            <a:endParaRPr b="0" lang="en-GB" sz="3200" spc="-1" strike="noStrike">
               <a:latin typeface="Arial"/>
             </a:endParaRPr>
           </a:p>
@@ -5296,10 +5203,10 @@
             <a:noAutofit/>
           </a:bodyPr>
           <a:p>
-            <a:endParaRPr b="0" lang="en-US" sz="1800" spc="-1" strike="noStrike">
-              <a:solidFill>
-                <a:srgbClr val="000000"/>
-              </a:solidFill>
+            <a:pPr indent="0" algn="ctr">
+              <a:buNone/>
+            </a:pPr>
+            <a:endParaRPr b="0" lang="en-GB" sz="4400" spc="-1" strike="noStrike">
               <a:latin typeface="Arial"/>
             </a:endParaRPr>
           </a:p>
@@ -5333,19 +5240,13 @@
             <a:normAutofit/>
           </a:bodyPr>
           <a:p>
-            <a:pPr>
-              <a:lnSpc>
-                <a:spcPct val="90000"/>
-              </a:lnSpc>
+            <a:pPr indent="0">
               <a:spcBef>
                 <a:spcPts val="1417"/>
               </a:spcBef>
               <a:buNone/>
             </a:pPr>
-            <a:endParaRPr b="0" lang="en-US" sz="2800" spc="-1" strike="noStrike">
-              <a:solidFill>
-                <a:srgbClr val="000000"/>
-              </a:solidFill>
+            <a:endParaRPr b="0" lang="en-GB" sz="3200" spc="-1" strike="noStrike">
               <a:latin typeface="Arial"/>
             </a:endParaRPr>
           </a:p>
@@ -5379,19 +5280,13 @@
             <a:normAutofit/>
           </a:bodyPr>
           <a:p>
-            <a:pPr>
-              <a:lnSpc>
-                <a:spcPct val="90000"/>
-              </a:lnSpc>
+            <a:pPr indent="0">
               <a:spcBef>
                 <a:spcPts val="1417"/>
               </a:spcBef>
               <a:buNone/>
             </a:pPr>
-            <a:endParaRPr b="0" lang="en-US" sz="2800" spc="-1" strike="noStrike">
-              <a:solidFill>
-                <a:srgbClr val="000000"/>
-              </a:solidFill>
+            <a:endParaRPr b="0" lang="en-GB" sz="3200" spc="-1" strike="noStrike">
               <a:latin typeface="Arial"/>
             </a:endParaRPr>
           </a:p>
@@ -5447,10 +5342,10 @@
             <a:noAutofit/>
           </a:bodyPr>
           <a:p>
-            <a:endParaRPr b="0" lang="en-US" sz="1800" spc="-1" strike="noStrike">
-              <a:solidFill>
-                <a:srgbClr val="000000"/>
-              </a:solidFill>
+            <a:pPr indent="0" algn="ctr">
+              <a:buNone/>
+            </a:pPr>
+            <a:endParaRPr b="0" lang="en-GB" sz="4400" spc="-1" strike="noStrike">
               <a:latin typeface="Arial"/>
             </a:endParaRPr>
           </a:p>
@@ -5506,10 +5401,10 @@
             <a:noAutofit/>
           </a:bodyPr>
           <a:p>
-            <a:endParaRPr b="0" lang="en-US" sz="1800" spc="-1" strike="noStrike">
-              <a:solidFill>
-                <a:srgbClr val="000000"/>
-              </a:solidFill>
+            <a:pPr indent="0" algn="ctr">
+              <a:buNone/>
+            </a:pPr>
+            <a:endParaRPr b="0" lang="en-GB" sz="4400" spc="-1" strike="noStrike">
               <a:latin typeface="Arial"/>
             </a:endParaRPr>
           </a:p>
@@ -5543,19 +5438,13 @@
             <a:normAutofit/>
           </a:bodyPr>
           <a:p>
-            <a:pPr>
-              <a:lnSpc>
-                <a:spcPct val="90000"/>
-              </a:lnSpc>
+            <a:pPr indent="0">
               <a:spcBef>
                 <a:spcPts val="1417"/>
               </a:spcBef>
               <a:buNone/>
             </a:pPr>
-            <a:endParaRPr b="0" lang="en-US" sz="2800" spc="-1" strike="noStrike">
-              <a:solidFill>
-                <a:srgbClr val="000000"/>
-              </a:solidFill>
+            <a:endParaRPr b="0" lang="en-GB" sz="3200" spc="-1" strike="noStrike">
               <a:latin typeface="Arial"/>
             </a:endParaRPr>
           </a:p>
@@ -5611,11 +5500,9 @@
             <a:noAutofit/>
           </a:bodyPr>
           <a:p>
-            <a:pPr algn="ctr">
-              <a:buNone/>
-            </a:pPr>
-            <a:endParaRPr b="0" lang="en-US" sz="3200" spc="-1" strike="noStrike">
-              <a:latin typeface="DejaVu Sans"/>
+            <a:pPr algn="ctr"/>
+            <a:endParaRPr b="0" lang="en-GB" sz="3200" spc="-1" strike="noStrike">
+              <a:latin typeface="Arial"/>
             </a:endParaRPr>
           </a:p>
         </p:txBody>
@@ -5670,10 +5557,10 @@
             <a:noAutofit/>
           </a:bodyPr>
           <a:p>
-            <a:endParaRPr b="0" lang="en-US" sz="1800" spc="-1" strike="noStrike">
-              <a:solidFill>
-                <a:srgbClr val="000000"/>
-              </a:solidFill>
+            <a:pPr indent="0" algn="ctr">
+              <a:buNone/>
+            </a:pPr>
+            <a:endParaRPr b="0" lang="en-GB" sz="4400" spc="-1" strike="noStrike">
               <a:latin typeface="Arial"/>
             </a:endParaRPr>
           </a:p>
@@ -5707,19 +5594,13 @@
             <a:normAutofit/>
           </a:bodyPr>
           <a:p>
-            <a:pPr>
-              <a:lnSpc>
-                <a:spcPct val="90000"/>
-              </a:lnSpc>
+            <a:pPr indent="0">
               <a:spcBef>
                 <a:spcPts val="1417"/>
               </a:spcBef>
               <a:buNone/>
             </a:pPr>
-            <a:endParaRPr b="0" lang="en-US" sz="2800" spc="-1" strike="noStrike">
-              <a:solidFill>
-                <a:srgbClr val="000000"/>
-              </a:solidFill>
+            <a:endParaRPr b="0" lang="en-GB" sz="3200" spc="-1" strike="noStrike">
               <a:latin typeface="Arial"/>
             </a:endParaRPr>
           </a:p>
@@ -5753,19 +5634,13 @@
             <a:normAutofit/>
           </a:bodyPr>
           <a:p>
-            <a:pPr>
-              <a:lnSpc>
-                <a:spcPct val="90000"/>
-              </a:lnSpc>
+            <a:pPr indent="0">
               <a:spcBef>
                 <a:spcPts val="1417"/>
               </a:spcBef>
               <a:buNone/>
             </a:pPr>
-            <a:endParaRPr b="0" lang="en-US" sz="2800" spc="-1" strike="noStrike">
-              <a:solidFill>
-                <a:srgbClr val="000000"/>
-              </a:solidFill>
+            <a:endParaRPr b="0" lang="en-GB" sz="3200" spc="-1" strike="noStrike">
               <a:latin typeface="Arial"/>
             </a:endParaRPr>
           </a:p>
@@ -5799,19 +5674,13 @@
             <a:normAutofit/>
           </a:bodyPr>
           <a:p>
-            <a:pPr>
-              <a:lnSpc>
-                <a:spcPct val="90000"/>
-              </a:lnSpc>
+            <a:pPr indent="0">
               <a:spcBef>
                 <a:spcPts val="1417"/>
               </a:spcBef>
               <a:buNone/>
             </a:pPr>
-            <a:endParaRPr b="0" lang="en-US" sz="2800" spc="-1" strike="noStrike">
-              <a:solidFill>
-                <a:srgbClr val="000000"/>
-              </a:solidFill>
+            <a:endParaRPr b="0" lang="en-GB" sz="3200" spc="-1" strike="noStrike">
               <a:latin typeface="Arial"/>
             </a:endParaRPr>
           </a:p>
@@ -5867,10 +5736,10 @@
             <a:noAutofit/>
           </a:bodyPr>
           <a:p>
-            <a:endParaRPr b="0" lang="en-US" sz="1800" spc="-1" strike="noStrike">
-              <a:solidFill>
-                <a:srgbClr val="000000"/>
-              </a:solidFill>
+            <a:pPr indent="0" algn="ctr">
+              <a:buNone/>
+            </a:pPr>
+            <a:endParaRPr b="0" lang="en-GB" sz="4400" spc="-1" strike="noStrike">
               <a:latin typeface="Arial"/>
             </a:endParaRPr>
           </a:p>
@@ -5904,19 +5773,13 @@
             <a:normAutofit/>
           </a:bodyPr>
           <a:p>
-            <a:pPr>
-              <a:lnSpc>
-                <a:spcPct val="90000"/>
-              </a:lnSpc>
+            <a:pPr indent="0">
               <a:spcBef>
                 <a:spcPts val="1417"/>
               </a:spcBef>
               <a:buNone/>
             </a:pPr>
-            <a:endParaRPr b="0" lang="en-US" sz="2800" spc="-1" strike="noStrike">
-              <a:solidFill>
-                <a:srgbClr val="000000"/>
-              </a:solidFill>
+            <a:endParaRPr b="0" lang="en-GB" sz="3200" spc="-1" strike="noStrike">
               <a:latin typeface="Arial"/>
             </a:endParaRPr>
           </a:p>
@@ -5950,19 +5813,13 @@
             <a:normAutofit/>
           </a:bodyPr>
           <a:p>
-            <a:pPr>
-              <a:lnSpc>
-                <a:spcPct val="90000"/>
-              </a:lnSpc>
+            <a:pPr indent="0">
               <a:spcBef>
                 <a:spcPts val="1417"/>
               </a:spcBef>
               <a:buNone/>
             </a:pPr>
-            <a:endParaRPr b="0" lang="en-US" sz="2800" spc="-1" strike="noStrike">
-              <a:solidFill>
-                <a:srgbClr val="000000"/>
-              </a:solidFill>
+            <a:endParaRPr b="0" lang="en-GB" sz="3200" spc="-1" strike="noStrike">
               <a:latin typeface="Arial"/>
             </a:endParaRPr>
           </a:p>
@@ -5996,19 +5853,13 @@
             <a:normAutofit/>
           </a:bodyPr>
           <a:p>
-            <a:pPr>
-              <a:lnSpc>
-                <a:spcPct val="90000"/>
-              </a:lnSpc>
+            <a:pPr indent="0">
               <a:spcBef>
                 <a:spcPts val="1417"/>
               </a:spcBef>
               <a:buNone/>
             </a:pPr>
-            <a:endParaRPr b="0" lang="en-US" sz="2800" spc="-1" strike="noStrike">
-              <a:solidFill>
-                <a:srgbClr val="000000"/>
-              </a:solidFill>
+            <a:endParaRPr b="0" lang="en-GB" sz="3200" spc="-1" strike="noStrike">
               <a:latin typeface="Arial"/>
             </a:endParaRPr>
           </a:p>
@@ -6064,10 +5915,10 @@
             <a:noAutofit/>
           </a:bodyPr>
           <a:p>
-            <a:endParaRPr b="0" lang="en-US" sz="1800" spc="-1" strike="noStrike">
-              <a:solidFill>
-                <a:srgbClr val="000000"/>
-              </a:solidFill>
+            <a:pPr indent="0" algn="ctr">
+              <a:buNone/>
+            </a:pPr>
+            <a:endParaRPr b="0" lang="en-GB" sz="4400" spc="-1" strike="noStrike">
               <a:latin typeface="Arial"/>
             </a:endParaRPr>
           </a:p>
@@ -6101,19 +5952,13 @@
             <a:normAutofit/>
           </a:bodyPr>
           <a:p>
-            <a:pPr>
-              <a:lnSpc>
-                <a:spcPct val="90000"/>
-              </a:lnSpc>
+            <a:pPr indent="0">
               <a:spcBef>
                 <a:spcPts val="1417"/>
               </a:spcBef>
               <a:buNone/>
             </a:pPr>
-            <a:endParaRPr b="0" lang="en-US" sz="2800" spc="-1" strike="noStrike">
-              <a:solidFill>
-                <a:srgbClr val="000000"/>
-              </a:solidFill>
+            <a:endParaRPr b="0" lang="en-GB" sz="3200" spc="-1" strike="noStrike">
               <a:latin typeface="Arial"/>
             </a:endParaRPr>
           </a:p>
@@ -6147,19 +5992,13 @@
             <a:normAutofit/>
           </a:bodyPr>
           <a:p>
-            <a:pPr>
-              <a:lnSpc>
-                <a:spcPct val="90000"/>
-              </a:lnSpc>
+            <a:pPr indent="0">
               <a:spcBef>
                 <a:spcPts val="1417"/>
               </a:spcBef>
               <a:buNone/>
             </a:pPr>
-            <a:endParaRPr b="0" lang="en-US" sz="2800" spc="-1" strike="noStrike">
-              <a:solidFill>
-                <a:srgbClr val="000000"/>
-              </a:solidFill>
+            <a:endParaRPr b="0" lang="en-GB" sz="3200" spc="-1" strike="noStrike">
               <a:latin typeface="Arial"/>
             </a:endParaRPr>
           </a:p>
@@ -6193,19 +6032,13 @@
             <a:normAutofit/>
           </a:bodyPr>
           <a:p>
-            <a:pPr>
-              <a:lnSpc>
-                <a:spcPct val="90000"/>
-              </a:lnSpc>
+            <a:pPr indent="0">
               <a:spcBef>
                 <a:spcPts val="1417"/>
               </a:spcBef>
               <a:buNone/>
             </a:pPr>
-            <a:endParaRPr b="0" lang="en-US" sz="2800" spc="-1" strike="noStrike">
-              <a:solidFill>
-                <a:srgbClr val="000000"/>
-              </a:solidFill>
+            <a:endParaRPr b="0" lang="en-GB" sz="3200" spc="-1" strike="noStrike">
               <a:latin typeface="Arial"/>
             </a:endParaRPr>
           </a:p>
@@ -6261,10 +6094,10 @@
             <a:noAutofit/>
           </a:bodyPr>
           <a:p>
-            <a:endParaRPr b="0" lang="en-US" sz="1800" spc="-1" strike="noStrike">
-              <a:solidFill>
-                <a:srgbClr val="000000"/>
-              </a:solidFill>
+            <a:pPr indent="0" algn="ctr">
+              <a:buNone/>
+            </a:pPr>
+            <a:endParaRPr b="0" lang="en-GB" sz="4400" spc="-1" strike="noStrike">
               <a:latin typeface="Arial"/>
             </a:endParaRPr>
           </a:p>
@@ -6298,19 +6131,13 @@
             <a:normAutofit/>
           </a:bodyPr>
           <a:p>
-            <a:pPr>
-              <a:lnSpc>
-                <a:spcPct val="90000"/>
-              </a:lnSpc>
+            <a:pPr indent="0">
               <a:spcBef>
                 <a:spcPts val="1417"/>
               </a:spcBef>
               <a:buNone/>
             </a:pPr>
-            <a:endParaRPr b="0" lang="en-US" sz="2800" spc="-1" strike="noStrike">
-              <a:solidFill>
-                <a:srgbClr val="000000"/>
-              </a:solidFill>
+            <a:endParaRPr b="0" lang="en-GB" sz="3200" spc="-1" strike="noStrike">
               <a:latin typeface="Arial"/>
             </a:endParaRPr>
           </a:p>
@@ -6344,19 +6171,13 @@
             <a:normAutofit/>
           </a:bodyPr>
           <a:p>
-            <a:pPr>
-              <a:lnSpc>
-                <a:spcPct val="90000"/>
-              </a:lnSpc>
+            <a:pPr indent="0">
               <a:spcBef>
                 <a:spcPts val="1417"/>
               </a:spcBef>
               <a:buNone/>
             </a:pPr>
-            <a:endParaRPr b="0" lang="en-US" sz="2800" spc="-1" strike="noStrike">
-              <a:solidFill>
-                <a:srgbClr val="000000"/>
-              </a:solidFill>
+            <a:endParaRPr b="0" lang="en-GB" sz="3200" spc="-1" strike="noStrike">
               <a:latin typeface="Arial"/>
             </a:endParaRPr>
           </a:p>
@@ -6412,10 +6233,10 @@
             <a:noAutofit/>
           </a:bodyPr>
           <a:p>
-            <a:endParaRPr b="0" lang="en-US" sz="1800" spc="-1" strike="noStrike">
-              <a:solidFill>
-                <a:srgbClr val="000000"/>
-              </a:solidFill>
+            <a:pPr indent="0" algn="ctr">
+              <a:buNone/>
+            </a:pPr>
+            <a:endParaRPr b="0" lang="en-GB" sz="4400" spc="-1" strike="noStrike">
               <a:latin typeface="Arial"/>
             </a:endParaRPr>
           </a:p>
@@ -6449,19 +6270,13 @@
             <a:normAutofit/>
           </a:bodyPr>
           <a:p>
-            <a:pPr>
-              <a:lnSpc>
-                <a:spcPct val="90000"/>
-              </a:lnSpc>
+            <a:pPr indent="0">
               <a:spcBef>
                 <a:spcPts val="1417"/>
               </a:spcBef>
               <a:buNone/>
             </a:pPr>
-            <a:endParaRPr b="0" lang="en-US" sz="2800" spc="-1" strike="noStrike">
-              <a:solidFill>
-                <a:srgbClr val="000000"/>
-              </a:solidFill>
+            <a:endParaRPr b="0" lang="en-GB" sz="3200" spc="-1" strike="noStrike">
               <a:latin typeface="Arial"/>
             </a:endParaRPr>
           </a:p>
@@ -6495,19 +6310,13 @@
             <a:normAutofit/>
           </a:bodyPr>
           <a:p>
-            <a:pPr>
-              <a:lnSpc>
-                <a:spcPct val="90000"/>
-              </a:lnSpc>
+            <a:pPr indent="0">
               <a:spcBef>
                 <a:spcPts val="1417"/>
               </a:spcBef>
               <a:buNone/>
             </a:pPr>
-            <a:endParaRPr b="0" lang="en-US" sz="2800" spc="-1" strike="noStrike">
-              <a:solidFill>
-                <a:srgbClr val="000000"/>
-              </a:solidFill>
+            <a:endParaRPr b="0" lang="en-GB" sz="3200" spc="-1" strike="noStrike">
               <a:latin typeface="Arial"/>
             </a:endParaRPr>
           </a:p>
@@ -6541,19 +6350,13 @@
             <a:normAutofit/>
           </a:bodyPr>
           <a:p>
-            <a:pPr>
-              <a:lnSpc>
-                <a:spcPct val="90000"/>
-              </a:lnSpc>
+            <a:pPr indent="0">
               <a:spcBef>
                 <a:spcPts val="1417"/>
               </a:spcBef>
               <a:buNone/>
             </a:pPr>
-            <a:endParaRPr b="0" lang="en-US" sz="2800" spc="-1" strike="noStrike">
-              <a:solidFill>
-                <a:srgbClr val="000000"/>
-              </a:solidFill>
+            <a:endParaRPr b="0" lang="en-GB" sz="3200" spc="-1" strike="noStrike">
               <a:latin typeface="Arial"/>
             </a:endParaRPr>
           </a:p>
@@ -6587,19 +6390,13 @@
             <a:normAutofit/>
           </a:bodyPr>
           <a:p>
-            <a:pPr>
-              <a:lnSpc>
-                <a:spcPct val="90000"/>
-              </a:lnSpc>
+            <a:pPr indent="0">
               <a:spcBef>
                 <a:spcPts val="1417"/>
               </a:spcBef>
               <a:buNone/>
             </a:pPr>
-            <a:endParaRPr b="0" lang="en-US" sz="2800" spc="-1" strike="noStrike">
-              <a:solidFill>
-                <a:srgbClr val="000000"/>
-              </a:solidFill>
+            <a:endParaRPr b="0" lang="en-GB" sz="3200" spc="-1" strike="noStrike">
               <a:latin typeface="Arial"/>
             </a:endParaRPr>
           </a:p>
@@ -6655,10 +6452,10 @@
             <a:noAutofit/>
           </a:bodyPr>
           <a:p>
-            <a:endParaRPr b="0" lang="en-US" sz="1800" spc="-1" strike="noStrike">
-              <a:solidFill>
-                <a:srgbClr val="000000"/>
-              </a:solidFill>
+            <a:pPr indent="0" algn="ctr">
+              <a:buNone/>
+            </a:pPr>
+            <a:endParaRPr b="0" lang="en-GB" sz="4400" spc="-1" strike="noStrike">
               <a:latin typeface="Arial"/>
             </a:endParaRPr>
           </a:p>
@@ -6692,19 +6489,13 @@
             <a:normAutofit/>
           </a:bodyPr>
           <a:p>
-            <a:pPr>
-              <a:lnSpc>
-                <a:spcPct val="90000"/>
-              </a:lnSpc>
+            <a:pPr indent="0">
               <a:spcBef>
                 <a:spcPts val="1417"/>
               </a:spcBef>
               <a:buNone/>
             </a:pPr>
-            <a:endParaRPr b="0" lang="en-US" sz="2800" spc="-1" strike="noStrike">
-              <a:solidFill>
-                <a:srgbClr val="000000"/>
-              </a:solidFill>
+            <a:endParaRPr b="0" lang="en-GB" sz="3200" spc="-1" strike="noStrike">
               <a:latin typeface="Arial"/>
             </a:endParaRPr>
           </a:p>
@@ -6738,19 +6529,13 @@
             <a:normAutofit/>
           </a:bodyPr>
           <a:p>
-            <a:pPr>
-              <a:lnSpc>
-                <a:spcPct val="90000"/>
-              </a:lnSpc>
+            <a:pPr indent="0">
               <a:spcBef>
                 <a:spcPts val="1417"/>
               </a:spcBef>
               <a:buNone/>
             </a:pPr>
-            <a:endParaRPr b="0" lang="en-US" sz="2800" spc="-1" strike="noStrike">
-              <a:solidFill>
-                <a:srgbClr val="000000"/>
-              </a:solidFill>
+            <a:endParaRPr b="0" lang="en-GB" sz="3200" spc="-1" strike="noStrike">
               <a:latin typeface="Arial"/>
             </a:endParaRPr>
           </a:p>
@@ -6784,19 +6569,13 @@
             <a:normAutofit/>
           </a:bodyPr>
           <a:p>
-            <a:pPr>
-              <a:lnSpc>
-                <a:spcPct val="90000"/>
-              </a:lnSpc>
+            <a:pPr indent="0">
               <a:spcBef>
                 <a:spcPts val="1417"/>
               </a:spcBef>
               <a:buNone/>
             </a:pPr>
-            <a:endParaRPr b="0" lang="en-US" sz="2800" spc="-1" strike="noStrike">
-              <a:solidFill>
-                <a:srgbClr val="000000"/>
-              </a:solidFill>
+            <a:endParaRPr b="0" lang="en-GB" sz="3200" spc="-1" strike="noStrike">
               <a:latin typeface="Arial"/>
             </a:endParaRPr>
           </a:p>
@@ -6830,19 +6609,13 @@
             <a:normAutofit/>
           </a:bodyPr>
           <a:p>
-            <a:pPr>
-              <a:lnSpc>
-                <a:spcPct val="90000"/>
-              </a:lnSpc>
+            <a:pPr indent="0">
               <a:spcBef>
                 <a:spcPts val="1417"/>
               </a:spcBef>
               <a:buNone/>
             </a:pPr>
-            <a:endParaRPr b="0" lang="en-US" sz="2800" spc="-1" strike="noStrike">
-              <a:solidFill>
-                <a:srgbClr val="000000"/>
-              </a:solidFill>
+            <a:endParaRPr b="0" lang="en-GB" sz="3200" spc="-1" strike="noStrike">
               <a:latin typeface="Arial"/>
             </a:endParaRPr>
           </a:p>
@@ -6876,19 +6649,13 @@
             <a:normAutofit/>
           </a:bodyPr>
           <a:p>
-            <a:pPr>
-              <a:lnSpc>
-                <a:spcPct val="90000"/>
-              </a:lnSpc>
+            <a:pPr indent="0">
               <a:spcBef>
                 <a:spcPts val="1417"/>
               </a:spcBef>
               <a:buNone/>
             </a:pPr>
-            <a:endParaRPr b="0" lang="en-US" sz="2800" spc="-1" strike="noStrike">
-              <a:solidFill>
-                <a:srgbClr val="000000"/>
-              </a:solidFill>
+            <a:endParaRPr b="0" lang="en-GB" sz="3200" spc="-1" strike="noStrike">
               <a:latin typeface="Arial"/>
             </a:endParaRPr>
           </a:p>
@@ -6922,19 +6689,13 @@
             <a:normAutofit/>
           </a:bodyPr>
           <a:p>
-            <a:pPr>
-              <a:lnSpc>
-                <a:spcPct val="90000"/>
-              </a:lnSpc>
+            <a:pPr indent="0">
               <a:spcBef>
                 <a:spcPts val="1417"/>
               </a:spcBef>
               <a:buNone/>
             </a:pPr>
-            <a:endParaRPr b="0" lang="en-US" sz="2800" spc="-1" strike="noStrike">
-              <a:solidFill>
-                <a:srgbClr val="000000"/>
-              </a:solidFill>
+            <a:endParaRPr b="0" lang="en-GB" sz="3200" spc="-1" strike="noStrike">
               <a:latin typeface="Arial"/>
             </a:endParaRPr>
           </a:p>
@@ -7012,10 +6773,10 @@
             <a:noAutofit/>
           </a:bodyPr>
           <a:p>
-            <a:endParaRPr b="0" lang="en-US" sz="1800" spc="-1" strike="noStrike">
-              <a:solidFill>
-                <a:srgbClr val="000000"/>
-              </a:solidFill>
+            <a:pPr indent="0" algn="ctr">
+              <a:buNone/>
+            </a:pPr>
+            <a:endParaRPr b="0" lang="en-GB" sz="4400" spc="-1" strike="noStrike">
               <a:latin typeface="Arial"/>
             </a:endParaRPr>
           </a:p>
@@ -7049,11 +6810,11 @@
             <a:noAutofit/>
           </a:bodyPr>
           <a:p>
-            <a:pPr algn="ctr">
+            <a:pPr indent="0" algn="ctr">
               <a:buNone/>
             </a:pPr>
-            <a:endParaRPr b="0" lang="en-US" sz="3200" spc="-1" strike="noStrike">
-              <a:latin typeface="DejaVu Sans"/>
+            <a:endParaRPr b="0" lang="en-GB" sz="3200" spc="-1" strike="noStrike">
+              <a:latin typeface="Arial"/>
             </a:endParaRPr>
           </a:p>
         </p:txBody>
@@ -7108,10 +6869,10 @@
             <a:noAutofit/>
           </a:bodyPr>
           <a:p>
-            <a:endParaRPr b="0" lang="en-US" sz="1800" spc="-1" strike="noStrike">
-              <a:solidFill>
-                <a:srgbClr val="000000"/>
-              </a:solidFill>
+            <a:pPr indent="0" algn="ctr">
+              <a:buNone/>
+            </a:pPr>
+            <a:endParaRPr b="0" lang="en-GB" sz="4400" spc="-1" strike="noStrike">
               <a:latin typeface="Arial"/>
             </a:endParaRPr>
           </a:p>
@@ -7145,19 +6906,13 @@
             <a:normAutofit/>
           </a:bodyPr>
           <a:p>
-            <a:pPr>
-              <a:lnSpc>
-                <a:spcPct val="90000"/>
-              </a:lnSpc>
+            <a:pPr indent="0">
               <a:spcBef>
                 <a:spcPts val="1417"/>
               </a:spcBef>
               <a:buNone/>
             </a:pPr>
-            <a:endParaRPr b="0" lang="en-US" sz="2800" spc="-1" strike="noStrike">
-              <a:solidFill>
-                <a:srgbClr val="000000"/>
-              </a:solidFill>
+            <a:endParaRPr b="0" lang="en-GB" sz="3200" spc="-1" strike="noStrike">
               <a:latin typeface="Arial"/>
             </a:endParaRPr>
           </a:p>
@@ -7213,10 +6968,10 @@
             <a:noAutofit/>
           </a:bodyPr>
           <a:p>
-            <a:endParaRPr b="0" lang="en-US" sz="1800" spc="-1" strike="noStrike">
-              <a:solidFill>
-                <a:srgbClr val="000000"/>
-              </a:solidFill>
+            <a:pPr indent="0" algn="ctr">
+              <a:buNone/>
+            </a:pPr>
+            <a:endParaRPr b="0" lang="en-GB" sz="4400" spc="-1" strike="noStrike">
               <a:latin typeface="Arial"/>
             </a:endParaRPr>
           </a:p>
@@ -7250,19 +7005,13 @@
             <a:normAutofit/>
           </a:bodyPr>
           <a:p>
-            <a:pPr>
-              <a:lnSpc>
-                <a:spcPct val="90000"/>
-              </a:lnSpc>
+            <a:pPr indent="0">
               <a:spcBef>
                 <a:spcPts val="1417"/>
               </a:spcBef>
               <a:buNone/>
             </a:pPr>
-            <a:endParaRPr b="0" lang="en-US" sz="2800" spc="-1" strike="noStrike">
-              <a:solidFill>
-                <a:srgbClr val="000000"/>
-              </a:solidFill>
+            <a:endParaRPr b="0" lang="en-GB" sz="3200" spc="-1" strike="noStrike">
               <a:latin typeface="Arial"/>
             </a:endParaRPr>
           </a:p>
@@ -7296,19 +7045,13 @@
             <a:normAutofit/>
           </a:bodyPr>
           <a:p>
-            <a:pPr>
-              <a:lnSpc>
-                <a:spcPct val="90000"/>
-              </a:lnSpc>
+            <a:pPr indent="0">
               <a:spcBef>
                 <a:spcPts val="1417"/>
               </a:spcBef>
               <a:buNone/>
             </a:pPr>
-            <a:endParaRPr b="0" lang="en-US" sz="2800" spc="-1" strike="noStrike">
-              <a:solidFill>
-                <a:srgbClr val="000000"/>
-              </a:solidFill>
+            <a:endParaRPr b="0" lang="en-GB" sz="3200" spc="-1" strike="noStrike">
               <a:latin typeface="Arial"/>
             </a:endParaRPr>
           </a:p>
@@ -7364,10 +7107,10 @@
             <a:noAutofit/>
           </a:bodyPr>
           <a:p>
-            <a:endParaRPr b="0" lang="en-US" sz="1800" spc="-1" strike="noStrike">
-              <a:solidFill>
-                <a:srgbClr val="000000"/>
-              </a:solidFill>
+            <a:pPr indent="0" algn="ctr">
+              <a:buNone/>
+            </a:pPr>
+            <a:endParaRPr b="0" lang="en-GB" sz="4400" spc="-1" strike="noStrike">
               <a:latin typeface="Arial"/>
             </a:endParaRPr>
           </a:p>
@@ -7401,19 +7144,13 @@
             <a:normAutofit/>
           </a:bodyPr>
           <a:p>
-            <a:pPr>
-              <a:lnSpc>
-                <a:spcPct val="90000"/>
-              </a:lnSpc>
+            <a:pPr indent="0">
               <a:spcBef>
                 <a:spcPts val="1417"/>
               </a:spcBef>
               <a:buNone/>
             </a:pPr>
-            <a:endParaRPr b="0" lang="en-US" sz="2800" spc="-1" strike="noStrike">
-              <a:solidFill>
-                <a:srgbClr val="000000"/>
-              </a:solidFill>
+            <a:endParaRPr b="0" lang="en-GB" sz="3200" spc="-1" strike="noStrike">
               <a:latin typeface="Arial"/>
             </a:endParaRPr>
           </a:p>
@@ -7447,19 +7184,13 @@
             <a:normAutofit/>
           </a:bodyPr>
           <a:p>
-            <a:pPr>
-              <a:lnSpc>
-                <a:spcPct val="90000"/>
-              </a:lnSpc>
+            <a:pPr indent="0">
               <a:spcBef>
                 <a:spcPts val="1417"/>
               </a:spcBef>
               <a:buNone/>
             </a:pPr>
-            <a:endParaRPr b="0" lang="en-US" sz="2800" spc="-1" strike="noStrike">
-              <a:solidFill>
-                <a:srgbClr val="000000"/>
-              </a:solidFill>
+            <a:endParaRPr b="0" lang="en-GB" sz="3200" spc="-1" strike="noStrike">
               <a:latin typeface="Arial"/>
             </a:endParaRPr>
           </a:p>
@@ -7515,10 +7246,10 @@
             <a:noAutofit/>
           </a:bodyPr>
           <a:p>
-            <a:endParaRPr b="0" lang="en-US" sz="1800" spc="-1" strike="noStrike">
-              <a:solidFill>
-                <a:srgbClr val="000000"/>
-              </a:solidFill>
+            <a:pPr indent="0" algn="ctr">
+              <a:buNone/>
+            </a:pPr>
+            <a:endParaRPr b="0" lang="en-GB" sz="4400" spc="-1" strike="noStrike">
               <a:latin typeface="Arial"/>
             </a:endParaRPr>
           </a:p>
@@ -7574,11 +7305,9 @@
             <a:noAutofit/>
           </a:bodyPr>
           <a:p>
-            <a:pPr algn="ctr">
-              <a:buNone/>
-            </a:pPr>
-            <a:endParaRPr b="0" lang="en-US" sz="3200" spc="-1" strike="noStrike">
-              <a:latin typeface="DejaVu Sans"/>
+            <a:pPr algn="ctr"/>
+            <a:endParaRPr b="0" lang="en-GB" sz="3200" spc="-1" strike="noStrike">
+              <a:latin typeface="Arial"/>
             </a:endParaRPr>
           </a:p>
         </p:txBody>
@@ -7633,10 +7362,10 @@
             <a:noAutofit/>
           </a:bodyPr>
           <a:p>
-            <a:endParaRPr b="0" lang="en-US" sz="1800" spc="-1" strike="noStrike">
-              <a:solidFill>
-                <a:srgbClr val="000000"/>
-              </a:solidFill>
+            <a:pPr indent="0" algn="ctr">
+              <a:buNone/>
+            </a:pPr>
+            <a:endParaRPr b="0" lang="en-GB" sz="4400" spc="-1" strike="noStrike">
               <a:latin typeface="Arial"/>
             </a:endParaRPr>
           </a:p>
@@ -7670,19 +7399,13 @@
             <a:normAutofit/>
           </a:bodyPr>
           <a:p>
-            <a:pPr>
-              <a:lnSpc>
-                <a:spcPct val="90000"/>
-              </a:lnSpc>
+            <a:pPr indent="0">
               <a:spcBef>
                 <a:spcPts val="1417"/>
               </a:spcBef>
               <a:buNone/>
             </a:pPr>
-            <a:endParaRPr b="0" lang="en-US" sz="2800" spc="-1" strike="noStrike">
-              <a:solidFill>
-                <a:srgbClr val="000000"/>
-              </a:solidFill>
+            <a:endParaRPr b="0" lang="en-GB" sz="3200" spc="-1" strike="noStrike">
               <a:latin typeface="Arial"/>
             </a:endParaRPr>
           </a:p>
@@ -7716,19 +7439,13 @@
             <a:normAutofit/>
           </a:bodyPr>
           <a:p>
-            <a:pPr>
-              <a:lnSpc>
-                <a:spcPct val="90000"/>
-              </a:lnSpc>
+            <a:pPr indent="0">
               <a:spcBef>
                 <a:spcPts val="1417"/>
               </a:spcBef>
               <a:buNone/>
             </a:pPr>
-            <a:endParaRPr b="0" lang="en-US" sz="2800" spc="-1" strike="noStrike">
-              <a:solidFill>
-                <a:srgbClr val="000000"/>
-              </a:solidFill>
+            <a:endParaRPr b="0" lang="en-GB" sz="3200" spc="-1" strike="noStrike">
               <a:latin typeface="Arial"/>
             </a:endParaRPr>
           </a:p>
@@ -7762,19 +7479,13 @@
             <a:normAutofit/>
           </a:bodyPr>
           <a:p>
-            <a:pPr>
-              <a:lnSpc>
-                <a:spcPct val="90000"/>
-              </a:lnSpc>
+            <a:pPr indent="0">
               <a:spcBef>
                 <a:spcPts val="1417"/>
               </a:spcBef>
               <a:buNone/>
             </a:pPr>
-            <a:endParaRPr b="0" lang="en-US" sz="2800" spc="-1" strike="noStrike">
-              <a:solidFill>
-                <a:srgbClr val="000000"/>
-              </a:solidFill>
+            <a:endParaRPr b="0" lang="en-GB" sz="3200" spc="-1" strike="noStrike">
               <a:latin typeface="Arial"/>
             </a:endParaRPr>
           </a:p>
@@ -7830,10 +7541,10 @@
             <a:noAutofit/>
           </a:bodyPr>
           <a:p>
-            <a:endParaRPr b="0" lang="en-US" sz="1800" spc="-1" strike="noStrike">
-              <a:solidFill>
-                <a:srgbClr val="000000"/>
-              </a:solidFill>
+            <a:pPr indent="0" algn="ctr">
+              <a:buNone/>
+            </a:pPr>
+            <a:endParaRPr b="0" lang="en-GB" sz="4400" spc="-1" strike="noStrike">
               <a:latin typeface="Arial"/>
             </a:endParaRPr>
           </a:p>
@@ -7867,19 +7578,13 @@
             <a:normAutofit/>
           </a:bodyPr>
           <a:p>
-            <a:pPr>
-              <a:lnSpc>
-                <a:spcPct val="90000"/>
-              </a:lnSpc>
+            <a:pPr indent="0">
               <a:spcBef>
                 <a:spcPts val="1417"/>
               </a:spcBef>
               <a:buNone/>
             </a:pPr>
-            <a:endParaRPr b="0" lang="en-US" sz="2800" spc="-1" strike="noStrike">
-              <a:solidFill>
-                <a:srgbClr val="000000"/>
-              </a:solidFill>
+            <a:endParaRPr b="0" lang="en-GB" sz="3200" spc="-1" strike="noStrike">
               <a:latin typeface="Arial"/>
             </a:endParaRPr>
           </a:p>
@@ -7913,19 +7618,13 @@
             <a:normAutofit/>
           </a:bodyPr>
           <a:p>
-            <a:pPr>
-              <a:lnSpc>
-                <a:spcPct val="90000"/>
-              </a:lnSpc>
+            <a:pPr indent="0">
               <a:spcBef>
                 <a:spcPts val="1417"/>
               </a:spcBef>
               <a:buNone/>
             </a:pPr>
-            <a:endParaRPr b="0" lang="en-US" sz="2800" spc="-1" strike="noStrike">
-              <a:solidFill>
-                <a:srgbClr val="000000"/>
-              </a:solidFill>
+            <a:endParaRPr b="0" lang="en-GB" sz="3200" spc="-1" strike="noStrike">
               <a:latin typeface="Arial"/>
             </a:endParaRPr>
           </a:p>
@@ -7959,19 +7658,13 @@
             <a:normAutofit/>
           </a:bodyPr>
           <a:p>
-            <a:pPr>
-              <a:lnSpc>
-                <a:spcPct val="90000"/>
-              </a:lnSpc>
+            <a:pPr indent="0">
               <a:spcBef>
                 <a:spcPts val="1417"/>
               </a:spcBef>
               <a:buNone/>
             </a:pPr>
-            <a:endParaRPr b="0" lang="en-US" sz="2800" spc="-1" strike="noStrike">
-              <a:solidFill>
-                <a:srgbClr val="000000"/>
-              </a:solidFill>
+            <a:endParaRPr b="0" lang="en-GB" sz="3200" spc="-1" strike="noStrike">
               <a:latin typeface="Arial"/>
             </a:endParaRPr>
           </a:p>
@@ -8027,10 +7720,10 @@
             <a:noAutofit/>
           </a:bodyPr>
           <a:p>
-            <a:endParaRPr b="0" lang="en-US" sz="1800" spc="-1" strike="noStrike">
-              <a:solidFill>
-                <a:srgbClr val="000000"/>
-              </a:solidFill>
+            <a:pPr indent="0" algn="ctr">
+              <a:buNone/>
+            </a:pPr>
+            <a:endParaRPr b="0" lang="en-GB" sz="4400" spc="-1" strike="noStrike">
               <a:latin typeface="Arial"/>
             </a:endParaRPr>
           </a:p>
@@ -8064,19 +7757,13 @@
             <a:normAutofit/>
           </a:bodyPr>
           <a:p>
-            <a:pPr>
-              <a:lnSpc>
-                <a:spcPct val="90000"/>
-              </a:lnSpc>
+            <a:pPr indent="0">
               <a:spcBef>
                 <a:spcPts val="1417"/>
               </a:spcBef>
               <a:buNone/>
             </a:pPr>
-            <a:endParaRPr b="0" lang="en-US" sz="2800" spc="-1" strike="noStrike">
-              <a:solidFill>
-                <a:srgbClr val="000000"/>
-              </a:solidFill>
+            <a:endParaRPr b="0" lang="en-GB" sz="3200" spc="-1" strike="noStrike">
               <a:latin typeface="Arial"/>
             </a:endParaRPr>
           </a:p>
@@ -8110,19 +7797,13 @@
             <a:normAutofit/>
           </a:bodyPr>
           <a:p>
-            <a:pPr>
-              <a:lnSpc>
-                <a:spcPct val="90000"/>
-              </a:lnSpc>
+            <a:pPr indent="0">
               <a:spcBef>
                 <a:spcPts val="1417"/>
               </a:spcBef>
               <a:buNone/>
             </a:pPr>
-            <a:endParaRPr b="0" lang="en-US" sz="2800" spc="-1" strike="noStrike">
-              <a:solidFill>
-                <a:srgbClr val="000000"/>
-              </a:solidFill>
+            <a:endParaRPr b="0" lang="en-GB" sz="3200" spc="-1" strike="noStrike">
               <a:latin typeface="Arial"/>
             </a:endParaRPr>
           </a:p>
@@ -8156,19 +7837,13 @@
             <a:normAutofit/>
           </a:bodyPr>
           <a:p>
-            <a:pPr>
-              <a:lnSpc>
-                <a:spcPct val="90000"/>
-              </a:lnSpc>
+            <a:pPr indent="0">
               <a:spcBef>
                 <a:spcPts val="1417"/>
               </a:spcBef>
               <a:buNone/>
             </a:pPr>
-            <a:endParaRPr b="0" lang="en-US" sz="2800" spc="-1" strike="noStrike">
-              <a:solidFill>
-                <a:srgbClr val="000000"/>
-              </a:solidFill>
+            <a:endParaRPr b="0" lang="en-GB" sz="3200" spc="-1" strike="noStrike">
               <a:latin typeface="Arial"/>
             </a:endParaRPr>
           </a:p>
@@ -8224,10 +7899,10 @@
             <a:noAutofit/>
           </a:bodyPr>
           <a:p>
-            <a:endParaRPr b="0" lang="en-US" sz="1800" spc="-1" strike="noStrike">
-              <a:solidFill>
-                <a:srgbClr val="000000"/>
-              </a:solidFill>
+            <a:pPr indent="0" algn="ctr">
+              <a:buNone/>
+            </a:pPr>
+            <a:endParaRPr b="0" lang="en-GB" sz="4400" spc="-1" strike="noStrike">
               <a:latin typeface="Arial"/>
             </a:endParaRPr>
           </a:p>
@@ -8261,19 +7936,13 @@
             <a:normAutofit/>
           </a:bodyPr>
           <a:p>
-            <a:pPr>
-              <a:lnSpc>
-                <a:spcPct val="90000"/>
-              </a:lnSpc>
+            <a:pPr indent="0">
               <a:spcBef>
                 <a:spcPts val="1417"/>
               </a:spcBef>
               <a:buNone/>
             </a:pPr>
-            <a:endParaRPr b="0" lang="en-US" sz="2800" spc="-1" strike="noStrike">
-              <a:solidFill>
-                <a:srgbClr val="000000"/>
-              </a:solidFill>
+            <a:endParaRPr b="0" lang="en-GB" sz="3200" spc="-1" strike="noStrike">
               <a:latin typeface="Arial"/>
             </a:endParaRPr>
           </a:p>
@@ -8307,19 +7976,13 @@
             <a:normAutofit/>
           </a:bodyPr>
           <a:p>
-            <a:pPr>
-              <a:lnSpc>
-                <a:spcPct val="90000"/>
-              </a:lnSpc>
+            <a:pPr indent="0">
               <a:spcBef>
                 <a:spcPts val="1417"/>
               </a:spcBef>
               <a:buNone/>
             </a:pPr>
-            <a:endParaRPr b="0" lang="en-US" sz="2800" spc="-1" strike="noStrike">
-              <a:solidFill>
-                <a:srgbClr val="000000"/>
-              </a:solidFill>
+            <a:endParaRPr b="0" lang="en-GB" sz="3200" spc="-1" strike="noStrike">
               <a:latin typeface="Arial"/>
             </a:endParaRPr>
           </a:p>
@@ -8375,10 +8038,10 @@
             <a:noAutofit/>
           </a:bodyPr>
           <a:p>
-            <a:endParaRPr b="0" lang="en-US" sz="1800" spc="-1" strike="noStrike">
-              <a:solidFill>
-                <a:srgbClr val="000000"/>
-              </a:solidFill>
+            <a:pPr indent="0" algn="ctr">
+              <a:buNone/>
+            </a:pPr>
+            <a:endParaRPr b="0" lang="en-GB" sz="4400" spc="-1" strike="noStrike">
               <a:latin typeface="Arial"/>
             </a:endParaRPr>
           </a:p>
@@ -8412,19 +8075,13 @@
             <a:normAutofit/>
           </a:bodyPr>
           <a:p>
-            <a:pPr>
-              <a:lnSpc>
-                <a:spcPct val="90000"/>
-              </a:lnSpc>
+            <a:pPr indent="0">
               <a:spcBef>
                 <a:spcPts val="1417"/>
               </a:spcBef>
               <a:buNone/>
             </a:pPr>
-            <a:endParaRPr b="0" lang="en-US" sz="2800" spc="-1" strike="noStrike">
-              <a:solidFill>
-                <a:srgbClr val="000000"/>
-              </a:solidFill>
+            <a:endParaRPr b="0" lang="en-GB" sz="3200" spc="-1" strike="noStrike">
               <a:latin typeface="Arial"/>
             </a:endParaRPr>
           </a:p>
@@ -8458,19 +8115,13 @@
             <a:normAutofit/>
           </a:bodyPr>
           <a:p>
-            <a:pPr>
-              <a:lnSpc>
-                <a:spcPct val="90000"/>
-              </a:lnSpc>
+            <a:pPr indent="0">
               <a:spcBef>
                 <a:spcPts val="1417"/>
               </a:spcBef>
               <a:buNone/>
             </a:pPr>
-            <a:endParaRPr b="0" lang="en-US" sz="2800" spc="-1" strike="noStrike">
-              <a:solidFill>
-                <a:srgbClr val="000000"/>
-              </a:solidFill>
+            <a:endParaRPr b="0" lang="en-GB" sz="3200" spc="-1" strike="noStrike">
               <a:latin typeface="Arial"/>
             </a:endParaRPr>
           </a:p>
@@ -8504,19 +8155,13 @@
             <a:normAutofit/>
           </a:bodyPr>
           <a:p>
-            <a:pPr>
-              <a:lnSpc>
-                <a:spcPct val="90000"/>
-              </a:lnSpc>
+            <a:pPr indent="0">
               <a:spcBef>
                 <a:spcPts val="1417"/>
               </a:spcBef>
               <a:buNone/>
             </a:pPr>
-            <a:endParaRPr b="0" lang="en-US" sz="2800" spc="-1" strike="noStrike">
-              <a:solidFill>
-                <a:srgbClr val="000000"/>
-              </a:solidFill>
+            <a:endParaRPr b="0" lang="en-GB" sz="3200" spc="-1" strike="noStrike">
               <a:latin typeface="Arial"/>
             </a:endParaRPr>
           </a:p>
@@ -8550,19 +8195,13 @@
             <a:normAutofit/>
           </a:bodyPr>
           <a:p>
-            <a:pPr>
-              <a:lnSpc>
-                <a:spcPct val="90000"/>
-              </a:lnSpc>
+            <a:pPr indent="0">
               <a:spcBef>
                 <a:spcPts val="1417"/>
               </a:spcBef>
               <a:buNone/>
             </a:pPr>
-            <a:endParaRPr b="0" lang="en-US" sz="2800" spc="-1" strike="noStrike">
-              <a:solidFill>
-                <a:srgbClr val="000000"/>
-              </a:solidFill>
+            <a:endParaRPr b="0" lang="en-GB" sz="3200" spc="-1" strike="noStrike">
               <a:latin typeface="Arial"/>
             </a:endParaRPr>
           </a:p>
@@ -8618,10 +8257,10 @@
             <a:noAutofit/>
           </a:bodyPr>
           <a:p>
-            <a:endParaRPr b="0" lang="en-US" sz="1800" spc="-1" strike="noStrike">
-              <a:solidFill>
-                <a:srgbClr val="000000"/>
-              </a:solidFill>
+            <a:pPr indent="0" algn="ctr">
+              <a:buNone/>
+            </a:pPr>
+            <a:endParaRPr b="0" lang="en-GB" sz="4400" spc="-1" strike="noStrike">
               <a:latin typeface="Arial"/>
             </a:endParaRPr>
           </a:p>
@@ -8655,19 +8294,13 @@
             <a:normAutofit/>
           </a:bodyPr>
           <a:p>
-            <a:pPr>
-              <a:lnSpc>
-                <a:spcPct val="90000"/>
-              </a:lnSpc>
+            <a:pPr indent="0">
               <a:spcBef>
                 <a:spcPts val="1417"/>
               </a:spcBef>
               <a:buNone/>
             </a:pPr>
-            <a:endParaRPr b="0" lang="en-US" sz="2800" spc="-1" strike="noStrike">
-              <a:solidFill>
-                <a:srgbClr val="000000"/>
-              </a:solidFill>
+            <a:endParaRPr b="0" lang="en-GB" sz="3200" spc="-1" strike="noStrike">
               <a:latin typeface="Arial"/>
             </a:endParaRPr>
           </a:p>
@@ -8701,19 +8334,13 @@
             <a:normAutofit/>
           </a:bodyPr>
           <a:p>
-            <a:pPr>
-              <a:lnSpc>
-                <a:spcPct val="90000"/>
-              </a:lnSpc>
+            <a:pPr indent="0">
               <a:spcBef>
                 <a:spcPts val="1417"/>
               </a:spcBef>
               <a:buNone/>
             </a:pPr>
-            <a:endParaRPr b="0" lang="en-US" sz="2800" spc="-1" strike="noStrike">
-              <a:solidFill>
-                <a:srgbClr val="000000"/>
-              </a:solidFill>
+            <a:endParaRPr b="0" lang="en-GB" sz="3200" spc="-1" strike="noStrike">
               <a:latin typeface="Arial"/>
             </a:endParaRPr>
           </a:p>
@@ -8747,19 +8374,13 @@
             <a:normAutofit/>
           </a:bodyPr>
           <a:p>
-            <a:pPr>
-              <a:lnSpc>
-                <a:spcPct val="90000"/>
-              </a:lnSpc>
+            <a:pPr indent="0">
               <a:spcBef>
                 <a:spcPts val="1417"/>
               </a:spcBef>
               <a:buNone/>
             </a:pPr>
-            <a:endParaRPr b="0" lang="en-US" sz="2800" spc="-1" strike="noStrike">
-              <a:solidFill>
-                <a:srgbClr val="000000"/>
-              </a:solidFill>
+            <a:endParaRPr b="0" lang="en-GB" sz="3200" spc="-1" strike="noStrike">
               <a:latin typeface="Arial"/>
             </a:endParaRPr>
           </a:p>
@@ -8793,19 +8414,13 @@
             <a:normAutofit/>
           </a:bodyPr>
           <a:p>
-            <a:pPr>
-              <a:lnSpc>
-                <a:spcPct val="90000"/>
-              </a:lnSpc>
+            <a:pPr indent="0">
               <a:spcBef>
                 <a:spcPts val="1417"/>
               </a:spcBef>
               <a:buNone/>
             </a:pPr>
-            <a:endParaRPr b="0" lang="en-US" sz="2800" spc="-1" strike="noStrike">
-              <a:solidFill>
-                <a:srgbClr val="000000"/>
-              </a:solidFill>
+            <a:endParaRPr b="0" lang="en-GB" sz="3200" spc="-1" strike="noStrike">
               <a:latin typeface="Arial"/>
             </a:endParaRPr>
           </a:p>
@@ -8839,19 +8454,13 @@
             <a:normAutofit/>
           </a:bodyPr>
           <a:p>
-            <a:pPr>
-              <a:lnSpc>
-                <a:spcPct val="90000"/>
-              </a:lnSpc>
+            <a:pPr indent="0">
               <a:spcBef>
                 <a:spcPts val="1417"/>
               </a:spcBef>
               <a:buNone/>
             </a:pPr>
-            <a:endParaRPr b="0" lang="en-US" sz="2800" spc="-1" strike="noStrike">
-              <a:solidFill>
-                <a:srgbClr val="000000"/>
-              </a:solidFill>
+            <a:endParaRPr b="0" lang="en-GB" sz="3200" spc="-1" strike="noStrike">
               <a:latin typeface="Arial"/>
             </a:endParaRPr>
           </a:p>
@@ -8885,19 +8494,13 @@
             <a:normAutofit/>
           </a:bodyPr>
           <a:p>
-            <a:pPr>
-              <a:lnSpc>
-                <a:spcPct val="90000"/>
-              </a:lnSpc>
+            <a:pPr indent="0">
               <a:spcBef>
                 <a:spcPts val="1417"/>
               </a:spcBef>
               <a:buNone/>
             </a:pPr>
-            <a:endParaRPr b="0" lang="en-US" sz="2800" spc="-1" strike="noStrike">
-              <a:solidFill>
-                <a:srgbClr val="000000"/>
-              </a:solidFill>
+            <a:endParaRPr b="0" lang="en-GB" sz="3200" spc="-1" strike="noStrike">
               <a:latin typeface="Arial"/>
             </a:endParaRPr>
           </a:p>
@@ -8953,10 +8556,10 @@
             <a:noAutofit/>
           </a:bodyPr>
           <a:p>
-            <a:endParaRPr b="0" lang="en-US" sz="1800" spc="-1" strike="noStrike">
-              <a:solidFill>
-                <a:srgbClr val="000000"/>
-              </a:solidFill>
+            <a:pPr indent="0" algn="ctr">
+              <a:buNone/>
+            </a:pPr>
+            <a:endParaRPr b="0" lang="en-GB" sz="4400" spc="-1" strike="noStrike">
               <a:latin typeface="Arial"/>
             </a:endParaRPr>
           </a:p>
@@ -9012,11 +8615,9 @@
             <a:noAutofit/>
           </a:bodyPr>
           <a:p>
-            <a:pPr algn="ctr">
-              <a:buNone/>
-            </a:pPr>
-            <a:endParaRPr b="0" lang="en-US" sz="3200" spc="-1" strike="noStrike">
-              <a:latin typeface="DejaVu Sans"/>
+            <a:pPr algn="ctr"/>
+            <a:endParaRPr b="0" lang="en-GB" sz="3200" spc="-1" strike="noStrike">
+              <a:latin typeface="Arial"/>
             </a:endParaRPr>
           </a:p>
         </p:txBody>
@@ -9071,10 +8672,10 @@
             <a:noAutofit/>
           </a:bodyPr>
           <a:p>
-            <a:endParaRPr b="0" lang="en-US" sz="1800" spc="-1" strike="noStrike">
-              <a:solidFill>
-                <a:srgbClr val="000000"/>
-              </a:solidFill>
+            <a:pPr indent="0" algn="ctr">
+              <a:buNone/>
+            </a:pPr>
+            <a:endParaRPr b="0" lang="en-GB" sz="4400" spc="-1" strike="noStrike">
               <a:latin typeface="Arial"/>
             </a:endParaRPr>
           </a:p>
@@ -9108,19 +8709,13 @@
             <a:normAutofit/>
           </a:bodyPr>
           <a:p>
-            <a:pPr>
-              <a:lnSpc>
-                <a:spcPct val="90000"/>
-              </a:lnSpc>
+            <a:pPr indent="0">
               <a:spcBef>
                 <a:spcPts val="1417"/>
               </a:spcBef>
               <a:buNone/>
             </a:pPr>
-            <a:endParaRPr b="0" lang="en-US" sz="2800" spc="-1" strike="noStrike">
-              <a:solidFill>
-                <a:srgbClr val="000000"/>
-              </a:solidFill>
+            <a:endParaRPr b="0" lang="en-GB" sz="3200" spc="-1" strike="noStrike">
               <a:latin typeface="Arial"/>
             </a:endParaRPr>
           </a:p>
@@ -9154,19 +8749,13 @@
             <a:normAutofit/>
           </a:bodyPr>
           <a:p>
-            <a:pPr>
-              <a:lnSpc>
-                <a:spcPct val="90000"/>
-              </a:lnSpc>
+            <a:pPr indent="0">
               <a:spcBef>
                 <a:spcPts val="1417"/>
               </a:spcBef>
               <a:buNone/>
             </a:pPr>
-            <a:endParaRPr b="0" lang="en-US" sz="2800" spc="-1" strike="noStrike">
-              <a:solidFill>
-                <a:srgbClr val="000000"/>
-              </a:solidFill>
+            <a:endParaRPr b="0" lang="en-GB" sz="3200" spc="-1" strike="noStrike">
               <a:latin typeface="Arial"/>
             </a:endParaRPr>
           </a:p>
@@ -9200,19 +8789,13 @@
             <a:normAutofit/>
           </a:bodyPr>
           <a:p>
-            <a:pPr>
-              <a:lnSpc>
-                <a:spcPct val="90000"/>
-              </a:lnSpc>
+            <a:pPr indent="0">
               <a:spcBef>
                 <a:spcPts val="1417"/>
               </a:spcBef>
               <a:buNone/>
             </a:pPr>
-            <a:endParaRPr b="0" lang="en-US" sz="2800" spc="-1" strike="noStrike">
-              <a:solidFill>
-                <a:srgbClr val="000000"/>
-              </a:solidFill>
+            <a:endParaRPr b="0" lang="en-GB" sz="3200" spc="-1" strike="noStrike">
               <a:latin typeface="Arial"/>
             </a:endParaRPr>
           </a:p>
@@ -9268,10 +8851,10 @@
             <a:noAutofit/>
           </a:bodyPr>
           <a:p>
-            <a:endParaRPr b="0" lang="en-US" sz="1800" spc="-1" strike="noStrike">
-              <a:solidFill>
-                <a:srgbClr val="000000"/>
-              </a:solidFill>
+            <a:pPr indent="0" algn="ctr">
+              <a:buNone/>
+            </a:pPr>
+            <a:endParaRPr b="0" lang="en-GB" sz="4400" spc="-1" strike="noStrike">
               <a:latin typeface="Arial"/>
             </a:endParaRPr>
           </a:p>
@@ -9305,19 +8888,13 @@
             <a:normAutofit/>
           </a:bodyPr>
           <a:p>
-            <a:pPr>
-              <a:lnSpc>
-                <a:spcPct val="90000"/>
-              </a:lnSpc>
+            <a:pPr indent="0">
               <a:spcBef>
                 <a:spcPts val="1417"/>
               </a:spcBef>
               <a:buNone/>
             </a:pPr>
-            <a:endParaRPr b="0" lang="en-US" sz="2800" spc="-1" strike="noStrike">
-              <a:solidFill>
-                <a:srgbClr val="000000"/>
-              </a:solidFill>
+            <a:endParaRPr b="0" lang="en-GB" sz="3200" spc="-1" strike="noStrike">
               <a:latin typeface="Arial"/>
             </a:endParaRPr>
           </a:p>
@@ -9351,19 +8928,13 @@
             <a:normAutofit/>
           </a:bodyPr>
           <a:p>
-            <a:pPr>
-              <a:lnSpc>
-                <a:spcPct val="90000"/>
-              </a:lnSpc>
+            <a:pPr indent="0">
               <a:spcBef>
                 <a:spcPts val="1417"/>
               </a:spcBef>
               <a:buNone/>
             </a:pPr>
-            <a:endParaRPr b="0" lang="en-US" sz="2800" spc="-1" strike="noStrike">
-              <a:solidFill>
-                <a:srgbClr val="000000"/>
-              </a:solidFill>
+            <a:endParaRPr b="0" lang="en-GB" sz="3200" spc="-1" strike="noStrike">
               <a:latin typeface="Arial"/>
             </a:endParaRPr>
           </a:p>
@@ -9397,19 +8968,13 @@
             <a:normAutofit/>
           </a:bodyPr>
           <a:p>
-            <a:pPr>
-              <a:lnSpc>
-                <a:spcPct val="90000"/>
-              </a:lnSpc>
+            <a:pPr indent="0">
               <a:spcBef>
                 <a:spcPts val="1417"/>
               </a:spcBef>
               <a:buNone/>
             </a:pPr>
-            <a:endParaRPr b="0" lang="en-US" sz="2800" spc="-1" strike="noStrike">
-              <a:solidFill>
-                <a:srgbClr val="000000"/>
-              </a:solidFill>
+            <a:endParaRPr b="0" lang="en-GB" sz="3200" spc="-1" strike="noStrike">
               <a:latin typeface="Arial"/>
             </a:endParaRPr>
           </a:p>
@@ -9465,10 +9030,10 @@
             <a:noAutofit/>
           </a:bodyPr>
           <a:p>
-            <a:endParaRPr b="0" lang="en-US" sz="1800" spc="-1" strike="noStrike">
-              <a:solidFill>
-                <a:srgbClr val="000000"/>
-              </a:solidFill>
+            <a:pPr indent="0" algn="ctr">
+              <a:buNone/>
+            </a:pPr>
+            <a:endParaRPr b="0" lang="en-GB" sz="4400" spc="-1" strike="noStrike">
               <a:latin typeface="Arial"/>
             </a:endParaRPr>
           </a:p>
@@ -9502,19 +9067,13 @@
             <a:normAutofit/>
           </a:bodyPr>
           <a:p>
-            <a:pPr>
-              <a:lnSpc>
-                <a:spcPct val="90000"/>
-              </a:lnSpc>
+            <a:pPr indent="0">
               <a:spcBef>
                 <a:spcPts val="1417"/>
               </a:spcBef>
               <a:buNone/>
             </a:pPr>
-            <a:endParaRPr b="0" lang="en-US" sz="2800" spc="-1" strike="noStrike">
-              <a:solidFill>
-                <a:srgbClr val="000000"/>
-              </a:solidFill>
+            <a:endParaRPr b="0" lang="en-GB" sz="3200" spc="-1" strike="noStrike">
               <a:latin typeface="Arial"/>
             </a:endParaRPr>
           </a:p>
@@ -9548,19 +9107,13 @@
             <a:normAutofit/>
           </a:bodyPr>
           <a:p>
-            <a:pPr>
-              <a:lnSpc>
-                <a:spcPct val="90000"/>
-              </a:lnSpc>
+            <a:pPr indent="0">
               <a:spcBef>
                 <a:spcPts val="1417"/>
               </a:spcBef>
               <a:buNone/>
             </a:pPr>
-            <a:endParaRPr b="0" lang="en-US" sz="2800" spc="-1" strike="noStrike">
-              <a:solidFill>
-                <a:srgbClr val="000000"/>
-              </a:solidFill>
+            <a:endParaRPr b="0" lang="en-GB" sz="3200" spc="-1" strike="noStrike">
               <a:latin typeface="Arial"/>
             </a:endParaRPr>
           </a:p>
@@ -9594,19 +9147,13 @@
             <a:normAutofit/>
           </a:bodyPr>
           <a:p>
-            <a:pPr>
-              <a:lnSpc>
-                <a:spcPct val="90000"/>
-              </a:lnSpc>
+            <a:pPr indent="0">
               <a:spcBef>
                 <a:spcPts val="1417"/>
               </a:spcBef>
               <a:buNone/>
             </a:pPr>
-            <a:endParaRPr b="0" lang="en-US" sz="2800" spc="-1" strike="noStrike">
-              <a:solidFill>
-                <a:srgbClr val="000000"/>
-              </a:solidFill>
+            <a:endParaRPr b="0" lang="en-GB" sz="3200" spc="-1" strike="noStrike">
               <a:latin typeface="Arial"/>
             </a:endParaRPr>
           </a:p>
@@ -9650,7 +9197,7 @@
         <p:spPr>
           <a:xfrm>
             <a:off x="11444760" y="0"/>
-            <a:ext cx="741600" cy="6850440"/>
+            <a:ext cx="740880" cy="6849720"/>
           </a:xfrm>
           <a:prstGeom prst="rect">
             <a:avLst/>
@@ -9680,7 +9227,7 @@
         <p:spPr>
           <a:xfrm>
             <a:off x="11438640" y="6453360"/>
-            <a:ext cx="758520" cy="363960"/>
+            <a:ext cx="757800" cy="363960"/>
           </a:xfrm>
           <a:prstGeom prst="rect">
             <a:avLst/>
@@ -9705,9 +9252,8 @@
               <a:lnSpc>
                 <a:spcPct val="100000"/>
               </a:lnSpc>
-              <a:buNone/>
-            </a:pPr>
-            <a:fld id="{5F65E716-83D7-4CC3-8703-4355ADA93849}" type="slidenum">
+            </a:pPr>
+            <a:fld id="{71A63D71-23FC-4ADA-9FCC-B8AF3C0EEEA8}" type="slidenum">
               <a:rPr b="0" lang="en-US" sz="1800" spc="-1" strike="noStrike">
                 <a:solidFill>
                   <a:srgbClr val="808080"/>
@@ -9717,8 +9263,8 @@
               </a:rPr>
               <a:t>&lt;number&gt;</a:t>
             </a:fld>
-            <a:endParaRPr b="0" lang="en-US" sz="1800" spc="-1" strike="noStrike">
-              <a:latin typeface="DejaVu Sans"/>
+            <a:endParaRPr b="0" lang="en-GB" sz="1800" spc="-1" strike="noStrike">
+              <a:latin typeface="Arial"/>
             </a:endParaRPr>
           </a:p>
         </p:txBody>
@@ -9732,7 +9278,7 @@
         <p:spPr>
           <a:xfrm>
             <a:off x="912240" y="1268280"/>
-            <a:ext cx="9208440" cy="361800"/>
+            <a:ext cx="9207720" cy="361080"/>
           </a:xfrm>
           <a:prstGeom prst="rect">
             <a:avLst/>
@@ -9762,7 +9308,7 @@
         <p:spPr>
           <a:xfrm>
             <a:off x="0" y="0"/>
-            <a:ext cx="3052440" cy="562320"/>
+            <a:ext cx="3051720" cy="561600"/>
           </a:xfrm>
           <a:prstGeom prst="rect">
             <a:avLst/>
@@ -9785,7 +9331,7 @@
         <p:spPr>
           <a:xfrm>
             <a:off x="7430400" y="134640"/>
-            <a:ext cx="3698280" cy="514440"/>
+            <a:ext cx="3697560" cy="513720"/>
           </a:xfrm>
           <a:prstGeom prst="rect">
             <a:avLst/>
@@ -9804,7 +9350,7 @@
         <p:spPr>
           <a:xfrm>
             <a:off x="912240" y="1268280"/>
-            <a:ext cx="9208440" cy="361800"/>
+            <a:ext cx="9207720" cy="361080"/>
           </a:xfrm>
           <a:prstGeom prst="rect">
             <a:avLst/>
@@ -9830,7 +9376,7 @@
         <p:spPr>
           <a:xfrm>
             <a:off x="11444760" y="0"/>
-            <a:ext cx="741600" cy="6850440"/>
+            <a:ext cx="740880" cy="6849720"/>
           </a:xfrm>
           <a:prstGeom prst="rect">
             <a:avLst/>
@@ -9860,7 +9406,7 @@
         <p:spPr>
           <a:xfrm>
             <a:off x="0" y="6646680"/>
-            <a:ext cx="12187440" cy="211320"/>
+            <a:ext cx="12186720" cy="211320"/>
           </a:xfrm>
           <a:prstGeom prst="rect">
             <a:avLst/>
@@ -9885,7 +9431,6 @@
               <a:lnSpc>
                 <a:spcPct val="100000"/>
               </a:lnSpc>
-              <a:buNone/>
             </a:pPr>
             <a:r>
               <a:rPr b="0" lang="en-US" sz="800" spc="-1" strike="noStrike">
@@ -9897,8 +9442,8 @@
               </a:rPr>
               <a:t>Requirements Engineering – TU Clausthal</a:t>
             </a:r>
-            <a:endParaRPr b="0" lang="en-US" sz="800" spc="-1" strike="noStrike">
-              <a:latin typeface="DejaVu Sans"/>
+            <a:endParaRPr b="0" lang="en-GB" sz="800" spc="-1" strike="noStrike">
+              <a:latin typeface="Arial"/>
             </a:endParaRPr>
           </a:p>
         </p:txBody>
@@ -9931,19 +9476,16 @@
             <a:noAutofit/>
           </a:bodyPr>
           <a:p>
-            <a:r>
-              <a:rPr b="0" lang="en-US" sz="1800" spc="-1" strike="noStrike">
-                <a:solidFill>
-                  <a:srgbClr val="000000"/>
-                </a:solidFill>
+            <a:pPr indent="0" algn="ctr">
+              <a:buNone/>
+            </a:pPr>
+            <a:r>
+              <a:rPr b="0" lang="en-GB" sz="4400" spc="-1" strike="noStrike">
                 <a:latin typeface="Arial"/>
               </a:rPr>
               <a:t>Click to edit the title text format</a:t>
             </a:r>
-            <a:endParaRPr b="0" lang="en-US" sz="1800" spc="-1" strike="noStrike">
-              <a:solidFill>
-                <a:srgbClr val="000000"/>
-              </a:solidFill>
+            <a:endParaRPr b="0" lang="en-GB" sz="4400" spc="-1" strike="noStrike">
               <a:latin typeface="Arial"/>
             </a:endParaRPr>
           </a:p>
@@ -9978,9 +9520,6 @@
           </a:bodyPr>
           <a:p>
             <a:pPr marL="432000" indent="-324000">
-              <a:lnSpc>
-                <a:spcPct val="90000"/>
-              </a:lnSpc>
               <a:spcBef>
                 <a:spcPts val="1417"/>
               </a:spcBef>
@@ -9992,26 +9531,17 @@
               <a:buChar char=""/>
             </a:pPr>
             <a:r>
-              <a:rPr b="0" lang="en-US" sz="2800" spc="-1" strike="noStrike">
-                <a:solidFill>
-                  <a:srgbClr val="000000"/>
-                </a:solidFill>
+              <a:rPr b="0" lang="en-GB" sz="3200" spc="-1" strike="noStrike">
                 <a:latin typeface="Arial"/>
               </a:rPr>
               <a:t>Click to edit the outline text format</a:t>
             </a:r>
-            <a:endParaRPr b="0" lang="en-US" sz="2800" spc="-1" strike="noStrike">
-              <a:solidFill>
-                <a:srgbClr val="000000"/>
-              </a:solidFill>
+            <a:endParaRPr b="0" lang="en-GB" sz="3200" spc="-1" strike="noStrike">
               <a:latin typeface="Arial"/>
             </a:endParaRPr>
           </a:p>
           <a:p>
             <a:pPr lvl="1" marL="864000" indent="-324000">
-              <a:lnSpc>
-                <a:spcPct val="90000"/>
-              </a:lnSpc>
               <a:spcBef>
                 <a:spcPts val="1134"/>
               </a:spcBef>
@@ -10023,26 +9553,17 @@
               <a:buChar char=""/>
             </a:pPr>
             <a:r>
-              <a:rPr b="0" lang="en-US" sz="2000" spc="-1" strike="noStrike">
-                <a:solidFill>
-                  <a:srgbClr val="000000"/>
-                </a:solidFill>
+              <a:rPr b="0" lang="en-GB" sz="2800" spc="-1" strike="noStrike">
                 <a:latin typeface="Arial"/>
               </a:rPr>
               <a:t>Second Outline Level</a:t>
             </a:r>
-            <a:endParaRPr b="0" lang="en-US" sz="2000" spc="-1" strike="noStrike">
-              <a:solidFill>
-                <a:srgbClr val="000000"/>
-              </a:solidFill>
+            <a:endParaRPr b="0" lang="en-GB" sz="2800" spc="-1" strike="noStrike">
               <a:latin typeface="Arial"/>
             </a:endParaRPr>
           </a:p>
           <a:p>
             <a:pPr lvl="2" marL="1296000" indent="-288000">
-              <a:lnSpc>
-                <a:spcPct val="90000"/>
-              </a:lnSpc>
               <a:spcBef>
                 <a:spcPts val="850"/>
               </a:spcBef>
@@ -10054,26 +9575,17 @@
               <a:buChar char=""/>
             </a:pPr>
             <a:r>
-              <a:rPr b="0" lang="en-US" sz="1800" spc="-1" strike="noStrike">
-                <a:solidFill>
-                  <a:srgbClr val="000000"/>
-                </a:solidFill>
+              <a:rPr b="0" lang="en-GB" sz="2400" spc="-1" strike="noStrike">
                 <a:latin typeface="Arial"/>
               </a:rPr>
               <a:t>Third Outline Level</a:t>
             </a:r>
-            <a:endParaRPr b="0" lang="en-US" sz="1800" spc="-1" strike="noStrike">
-              <a:solidFill>
-                <a:srgbClr val="000000"/>
-              </a:solidFill>
+            <a:endParaRPr b="0" lang="en-GB" sz="2400" spc="-1" strike="noStrike">
               <a:latin typeface="Arial"/>
             </a:endParaRPr>
           </a:p>
           <a:p>
             <a:pPr lvl="3" marL="1728000" indent="-216000">
-              <a:lnSpc>
-                <a:spcPct val="90000"/>
-              </a:lnSpc>
               <a:spcBef>
                 <a:spcPts val="567"/>
               </a:spcBef>
@@ -10085,26 +9597,17 @@
               <a:buChar char=""/>
             </a:pPr>
             <a:r>
-              <a:rPr b="0" lang="en-US" sz="1800" spc="-1" strike="noStrike">
-                <a:solidFill>
-                  <a:srgbClr val="000000"/>
-                </a:solidFill>
+              <a:rPr b="0" lang="en-GB" sz="2000" spc="-1" strike="noStrike">
                 <a:latin typeface="Arial"/>
               </a:rPr>
               <a:t>Fourth Outline Level</a:t>
             </a:r>
-            <a:endParaRPr b="0" lang="en-US" sz="1800" spc="-1" strike="noStrike">
-              <a:solidFill>
-                <a:srgbClr val="000000"/>
-              </a:solidFill>
+            <a:endParaRPr b="0" lang="en-GB" sz="2000" spc="-1" strike="noStrike">
               <a:latin typeface="Arial"/>
             </a:endParaRPr>
           </a:p>
           <a:p>
             <a:pPr lvl="4" marL="2160000" indent="-216000">
-              <a:lnSpc>
-                <a:spcPct val="90000"/>
-              </a:lnSpc>
               <a:spcBef>
                 <a:spcPts val="283"/>
               </a:spcBef>
@@ -10116,26 +9619,17 @@
               <a:buChar char=""/>
             </a:pPr>
             <a:r>
-              <a:rPr b="0" lang="en-US" sz="2000" spc="-1" strike="noStrike">
-                <a:solidFill>
-                  <a:srgbClr val="000000"/>
-                </a:solidFill>
+              <a:rPr b="0" lang="en-GB" sz="2000" spc="-1" strike="noStrike">
                 <a:latin typeface="Arial"/>
               </a:rPr>
               <a:t>Fifth Outline Level</a:t>
             </a:r>
-            <a:endParaRPr b="0" lang="en-US" sz="2000" spc="-1" strike="noStrike">
-              <a:solidFill>
-                <a:srgbClr val="000000"/>
-              </a:solidFill>
+            <a:endParaRPr b="0" lang="en-GB" sz="2000" spc="-1" strike="noStrike">
               <a:latin typeface="Arial"/>
             </a:endParaRPr>
           </a:p>
           <a:p>
             <a:pPr lvl="5" marL="2592000" indent="-216000">
-              <a:lnSpc>
-                <a:spcPct val="90000"/>
-              </a:lnSpc>
               <a:spcBef>
                 <a:spcPts val="283"/>
               </a:spcBef>
@@ -10147,26 +9641,17 @@
               <a:buChar char=""/>
             </a:pPr>
             <a:r>
-              <a:rPr b="0" lang="en-US" sz="2000" spc="-1" strike="noStrike">
-                <a:solidFill>
-                  <a:srgbClr val="000000"/>
-                </a:solidFill>
+              <a:rPr b="0" lang="en-GB" sz="2000" spc="-1" strike="noStrike">
                 <a:latin typeface="Arial"/>
               </a:rPr>
               <a:t>Sixth Outline Level</a:t>
             </a:r>
-            <a:endParaRPr b="0" lang="en-US" sz="2000" spc="-1" strike="noStrike">
-              <a:solidFill>
-                <a:srgbClr val="000000"/>
-              </a:solidFill>
+            <a:endParaRPr b="0" lang="en-GB" sz="2000" spc="-1" strike="noStrike">
               <a:latin typeface="Arial"/>
             </a:endParaRPr>
           </a:p>
           <a:p>
             <a:pPr lvl="6" marL="3024000" indent="-216000">
-              <a:lnSpc>
-                <a:spcPct val="90000"/>
-              </a:lnSpc>
               <a:spcBef>
                 <a:spcPts val="283"/>
               </a:spcBef>
@@ -10178,18 +9663,12 @@
               <a:buChar char=""/>
             </a:pPr>
             <a:r>
-              <a:rPr b="0" lang="en-US" sz="2000" spc="-1" strike="noStrike">
-                <a:solidFill>
-                  <a:srgbClr val="000000"/>
-                </a:solidFill>
+              <a:rPr b="0" lang="en-GB" sz="2000" spc="-1" strike="noStrike">
                 <a:latin typeface="Arial"/>
               </a:rPr>
               <a:t>Seventh Outline Level</a:t>
             </a:r>
-            <a:endParaRPr b="0" lang="en-US" sz="2000" spc="-1" strike="noStrike">
-              <a:solidFill>
-                <a:srgbClr val="000000"/>
-              </a:solidFill>
+            <a:endParaRPr b="0" lang="en-GB" sz="2000" spc="-1" strike="noStrike">
               <a:latin typeface="Arial"/>
             </a:endParaRPr>
           </a:p>
@@ -10248,7 +9727,7 @@
         <p:spPr>
           <a:xfrm>
             <a:off x="11444760" y="0"/>
-            <a:ext cx="741600" cy="6850440"/>
+            <a:ext cx="740880" cy="6849720"/>
           </a:xfrm>
           <a:prstGeom prst="rect">
             <a:avLst/>
@@ -10278,7 +9757,7 @@
         <p:spPr>
           <a:xfrm>
             <a:off x="11438640" y="6453360"/>
-            <a:ext cx="758520" cy="363960"/>
+            <a:ext cx="757800" cy="363960"/>
           </a:xfrm>
           <a:prstGeom prst="rect">
             <a:avLst/>
@@ -10303,9 +9782,8 @@
               <a:lnSpc>
                 <a:spcPct val="100000"/>
               </a:lnSpc>
-              <a:buNone/>
-            </a:pPr>
-            <a:fld id="{4CD52304-7B5C-4A8B-B53A-1F3E9ADD6EA3}" type="slidenum">
+            </a:pPr>
+            <a:fld id="{5049F435-4049-4B1D-A0DA-DD43CFA4B858}" type="slidenum">
               <a:rPr b="0" lang="en-US" sz="1800" spc="-1" strike="noStrike">
                 <a:solidFill>
                   <a:srgbClr val="808080"/>
@@ -10315,8 +9793,8 @@
               </a:rPr>
               <a:t>&lt;number&gt;</a:t>
             </a:fld>
-            <a:endParaRPr b="0" lang="en-US" sz="1800" spc="-1" strike="noStrike">
-              <a:latin typeface="DejaVu Sans"/>
+            <a:endParaRPr b="0" lang="en-GB" sz="1800" spc="-1" strike="noStrike">
+              <a:latin typeface="Arial"/>
             </a:endParaRPr>
           </a:p>
         </p:txBody>
@@ -10330,7 +9808,7 @@
         <p:spPr>
           <a:xfrm>
             <a:off x="912240" y="1268280"/>
-            <a:ext cx="9208440" cy="361800"/>
+            <a:ext cx="9207720" cy="361080"/>
           </a:xfrm>
           <a:prstGeom prst="rect">
             <a:avLst/>
@@ -10360,7 +9838,7 @@
         <p:spPr>
           <a:xfrm>
             <a:off x="0" y="0"/>
-            <a:ext cx="3052440" cy="562320"/>
+            <a:ext cx="3051720" cy="561600"/>
           </a:xfrm>
           <a:prstGeom prst="rect">
             <a:avLst/>
@@ -10383,7 +9861,7 @@
         <p:spPr>
           <a:xfrm>
             <a:off x="7430400" y="134640"/>
-            <a:ext cx="3698280" cy="514440"/>
+            <a:ext cx="3697560" cy="513720"/>
           </a:xfrm>
           <a:prstGeom prst="rect">
             <a:avLst/>
@@ -10402,7 +9880,7 @@
         <p:spPr>
           <a:xfrm>
             <a:off x="912240" y="1268280"/>
-            <a:ext cx="9208440" cy="361800"/>
+            <a:ext cx="9207720" cy="361080"/>
           </a:xfrm>
           <a:prstGeom prst="rect">
             <a:avLst/>
@@ -10428,7 +9906,7 @@
         <p:spPr>
           <a:xfrm>
             <a:off x="11444760" y="0"/>
-            <a:ext cx="741600" cy="6850440"/>
+            <a:ext cx="740880" cy="6849720"/>
           </a:xfrm>
           <a:prstGeom prst="rect">
             <a:avLst/>
@@ -10458,7 +9936,7 @@
         <p:spPr>
           <a:xfrm>
             <a:off x="0" y="6646680"/>
-            <a:ext cx="12187440" cy="211320"/>
+            <a:ext cx="12186720" cy="211320"/>
           </a:xfrm>
           <a:prstGeom prst="rect">
             <a:avLst/>
@@ -10483,7 +9961,6 @@
               <a:lnSpc>
                 <a:spcPct val="100000"/>
               </a:lnSpc>
-              <a:buNone/>
             </a:pPr>
             <a:r>
               <a:rPr b="0" lang="en-US" sz="800" spc="-1" strike="noStrike">
@@ -10495,8 +9972,8 @@
               </a:rPr>
               <a:t>Requirements Engineering – TU Clausthal</a:t>
             </a:r>
-            <a:endParaRPr b="0" lang="en-US" sz="800" spc="-1" strike="noStrike">
-              <a:latin typeface="DejaVu Sans"/>
+            <a:endParaRPr b="0" lang="en-GB" sz="800" spc="-1" strike="noStrike">
+              <a:latin typeface="Arial"/>
             </a:endParaRPr>
           </a:p>
         </p:txBody>
@@ -10529,19 +10006,16 @@
             <a:noAutofit/>
           </a:bodyPr>
           <a:p>
-            <a:r>
-              <a:rPr b="0" lang="en-US" sz="1800" spc="-1" strike="noStrike">
-                <a:solidFill>
-                  <a:srgbClr val="000000"/>
-                </a:solidFill>
+            <a:pPr indent="0" algn="ctr">
+              <a:buNone/>
+            </a:pPr>
+            <a:r>
+              <a:rPr b="0" lang="en-GB" sz="4400" spc="-1" strike="noStrike">
                 <a:latin typeface="Arial"/>
               </a:rPr>
               <a:t>Click to edit the title text format</a:t>
             </a:r>
-            <a:endParaRPr b="0" lang="en-US" sz="1800" spc="-1" strike="noStrike">
-              <a:solidFill>
-                <a:srgbClr val="000000"/>
-              </a:solidFill>
+            <a:endParaRPr b="0" lang="en-GB" sz="4400" spc="-1" strike="noStrike">
               <a:latin typeface="Arial"/>
             </a:endParaRPr>
           </a:p>
@@ -10576,9 +10050,6 @@
           </a:bodyPr>
           <a:p>
             <a:pPr marL="432000" indent="-324000">
-              <a:lnSpc>
-                <a:spcPct val="90000"/>
-              </a:lnSpc>
               <a:spcBef>
                 <a:spcPts val="1417"/>
               </a:spcBef>
@@ -10590,26 +10061,17 @@
               <a:buChar char=""/>
             </a:pPr>
             <a:r>
-              <a:rPr b="0" lang="en-US" sz="2800" spc="-1" strike="noStrike">
-                <a:solidFill>
-                  <a:srgbClr val="000000"/>
-                </a:solidFill>
+              <a:rPr b="0" lang="en-GB" sz="3200" spc="-1" strike="noStrike">
                 <a:latin typeface="Arial"/>
               </a:rPr>
               <a:t>Click to edit the outline text format</a:t>
             </a:r>
-            <a:endParaRPr b="0" lang="en-US" sz="2800" spc="-1" strike="noStrike">
-              <a:solidFill>
-                <a:srgbClr val="000000"/>
-              </a:solidFill>
+            <a:endParaRPr b="0" lang="en-GB" sz="3200" spc="-1" strike="noStrike">
               <a:latin typeface="Arial"/>
             </a:endParaRPr>
           </a:p>
           <a:p>
             <a:pPr lvl="1" marL="864000" indent="-324000">
-              <a:lnSpc>
-                <a:spcPct val="90000"/>
-              </a:lnSpc>
               <a:spcBef>
                 <a:spcPts val="1134"/>
               </a:spcBef>
@@ -10621,26 +10083,17 @@
               <a:buChar char=""/>
             </a:pPr>
             <a:r>
-              <a:rPr b="0" lang="en-US" sz="2000" spc="-1" strike="noStrike">
-                <a:solidFill>
-                  <a:srgbClr val="000000"/>
-                </a:solidFill>
+              <a:rPr b="0" lang="en-GB" sz="2800" spc="-1" strike="noStrike">
                 <a:latin typeface="Arial"/>
               </a:rPr>
               <a:t>Second Outline Level</a:t>
             </a:r>
-            <a:endParaRPr b="0" lang="en-US" sz="2000" spc="-1" strike="noStrike">
-              <a:solidFill>
-                <a:srgbClr val="000000"/>
-              </a:solidFill>
+            <a:endParaRPr b="0" lang="en-GB" sz="2800" spc="-1" strike="noStrike">
               <a:latin typeface="Arial"/>
             </a:endParaRPr>
           </a:p>
           <a:p>
             <a:pPr lvl="2" marL="1296000" indent="-288000">
-              <a:lnSpc>
-                <a:spcPct val="90000"/>
-              </a:lnSpc>
               <a:spcBef>
                 <a:spcPts val="850"/>
               </a:spcBef>
@@ -10652,26 +10105,17 @@
               <a:buChar char=""/>
             </a:pPr>
             <a:r>
-              <a:rPr b="0" lang="en-US" sz="1800" spc="-1" strike="noStrike">
-                <a:solidFill>
-                  <a:srgbClr val="000000"/>
-                </a:solidFill>
+              <a:rPr b="0" lang="en-GB" sz="2400" spc="-1" strike="noStrike">
                 <a:latin typeface="Arial"/>
               </a:rPr>
               <a:t>Third Outline Level</a:t>
             </a:r>
-            <a:endParaRPr b="0" lang="en-US" sz="1800" spc="-1" strike="noStrike">
-              <a:solidFill>
-                <a:srgbClr val="000000"/>
-              </a:solidFill>
+            <a:endParaRPr b="0" lang="en-GB" sz="2400" spc="-1" strike="noStrike">
               <a:latin typeface="Arial"/>
             </a:endParaRPr>
           </a:p>
           <a:p>
             <a:pPr lvl="3" marL="1728000" indent="-216000">
-              <a:lnSpc>
-                <a:spcPct val="90000"/>
-              </a:lnSpc>
               <a:spcBef>
                 <a:spcPts val="567"/>
               </a:spcBef>
@@ -10683,26 +10127,17 @@
               <a:buChar char=""/>
             </a:pPr>
             <a:r>
-              <a:rPr b="0" lang="en-US" sz="1800" spc="-1" strike="noStrike">
-                <a:solidFill>
-                  <a:srgbClr val="000000"/>
-                </a:solidFill>
+              <a:rPr b="0" lang="en-GB" sz="2000" spc="-1" strike="noStrike">
                 <a:latin typeface="Arial"/>
               </a:rPr>
               <a:t>Fourth Outline Level</a:t>
             </a:r>
-            <a:endParaRPr b="0" lang="en-US" sz="1800" spc="-1" strike="noStrike">
-              <a:solidFill>
-                <a:srgbClr val="000000"/>
-              </a:solidFill>
+            <a:endParaRPr b="0" lang="en-GB" sz="2000" spc="-1" strike="noStrike">
               <a:latin typeface="Arial"/>
             </a:endParaRPr>
           </a:p>
           <a:p>
             <a:pPr lvl="4" marL="2160000" indent="-216000">
-              <a:lnSpc>
-                <a:spcPct val="90000"/>
-              </a:lnSpc>
               <a:spcBef>
                 <a:spcPts val="283"/>
               </a:spcBef>
@@ -10714,26 +10149,17 @@
               <a:buChar char=""/>
             </a:pPr>
             <a:r>
-              <a:rPr b="0" lang="en-US" sz="2000" spc="-1" strike="noStrike">
-                <a:solidFill>
-                  <a:srgbClr val="000000"/>
-                </a:solidFill>
+              <a:rPr b="0" lang="en-GB" sz="2000" spc="-1" strike="noStrike">
                 <a:latin typeface="Arial"/>
               </a:rPr>
               <a:t>Fifth Outline Level</a:t>
             </a:r>
-            <a:endParaRPr b="0" lang="en-US" sz="2000" spc="-1" strike="noStrike">
-              <a:solidFill>
-                <a:srgbClr val="000000"/>
-              </a:solidFill>
+            <a:endParaRPr b="0" lang="en-GB" sz="2000" spc="-1" strike="noStrike">
               <a:latin typeface="Arial"/>
             </a:endParaRPr>
           </a:p>
           <a:p>
             <a:pPr lvl="5" marL="2592000" indent="-216000">
-              <a:lnSpc>
-                <a:spcPct val="90000"/>
-              </a:lnSpc>
               <a:spcBef>
                 <a:spcPts val="283"/>
               </a:spcBef>
@@ -10745,26 +10171,17 @@
               <a:buChar char=""/>
             </a:pPr>
             <a:r>
-              <a:rPr b="0" lang="en-US" sz="2000" spc="-1" strike="noStrike">
-                <a:solidFill>
-                  <a:srgbClr val="000000"/>
-                </a:solidFill>
+              <a:rPr b="0" lang="en-GB" sz="2000" spc="-1" strike="noStrike">
                 <a:latin typeface="Arial"/>
               </a:rPr>
               <a:t>Sixth Outline Level</a:t>
             </a:r>
-            <a:endParaRPr b="0" lang="en-US" sz="2000" spc="-1" strike="noStrike">
-              <a:solidFill>
-                <a:srgbClr val="000000"/>
-              </a:solidFill>
+            <a:endParaRPr b="0" lang="en-GB" sz="2000" spc="-1" strike="noStrike">
               <a:latin typeface="Arial"/>
             </a:endParaRPr>
           </a:p>
           <a:p>
             <a:pPr lvl="6" marL="3024000" indent="-216000">
-              <a:lnSpc>
-                <a:spcPct val="90000"/>
-              </a:lnSpc>
               <a:spcBef>
                 <a:spcPts val="283"/>
               </a:spcBef>
@@ -10776,18 +10193,12 @@
               <a:buChar char=""/>
             </a:pPr>
             <a:r>
-              <a:rPr b="0" lang="en-US" sz="2000" spc="-1" strike="noStrike">
-                <a:solidFill>
-                  <a:srgbClr val="000000"/>
-                </a:solidFill>
+              <a:rPr b="0" lang="en-GB" sz="2000" spc="-1" strike="noStrike">
                 <a:latin typeface="Arial"/>
               </a:rPr>
               <a:t>Seventh Outline Level</a:t>
             </a:r>
-            <a:endParaRPr b="0" lang="en-US" sz="2000" spc="-1" strike="noStrike">
-              <a:solidFill>
-                <a:srgbClr val="000000"/>
-              </a:solidFill>
+            <a:endParaRPr b="0" lang="en-GB" sz="2000" spc="-1" strike="noStrike">
               <a:latin typeface="Arial"/>
             </a:endParaRPr>
           </a:p>
@@ -10846,7 +10257,7 @@
         <p:spPr>
           <a:xfrm>
             <a:off x="11444760" y="0"/>
-            <a:ext cx="741600" cy="6850440"/>
+            <a:ext cx="740880" cy="6849720"/>
           </a:xfrm>
           <a:prstGeom prst="rect">
             <a:avLst/>
@@ -10876,7 +10287,7 @@
         <p:spPr>
           <a:xfrm>
             <a:off x="11438640" y="6453360"/>
-            <a:ext cx="758520" cy="363960"/>
+            <a:ext cx="757800" cy="363960"/>
           </a:xfrm>
           <a:prstGeom prst="rect">
             <a:avLst/>
@@ -10901,9 +10312,8 @@
               <a:lnSpc>
                 <a:spcPct val="100000"/>
               </a:lnSpc>
-              <a:buNone/>
-            </a:pPr>
-            <a:fld id="{28D9D210-09F7-4F6C-AAE1-9C38BF967B0C}" type="slidenum">
+            </a:pPr>
+            <a:fld id="{2E818418-23CF-4A56-8DB1-33ABA57D8030}" type="slidenum">
               <a:rPr b="0" lang="en-US" sz="1800" spc="-1" strike="noStrike">
                 <a:solidFill>
                   <a:srgbClr val="808080"/>
@@ -10913,8 +10323,8 @@
               </a:rPr>
               <a:t>&lt;number&gt;</a:t>
             </a:fld>
-            <a:endParaRPr b="0" lang="en-US" sz="1800" spc="-1" strike="noStrike">
-              <a:latin typeface="DejaVu Sans"/>
+            <a:endParaRPr b="0" lang="en-GB" sz="1800" spc="-1" strike="noStrike">
+              <a:latin typeface="Arial"/>
             </a:endParaRPr>
           </a:p>
         </p:txBody>
@@ -10928,7 +10338,7 @@
         <p:spPr>
           <a:xfrm>
             <a:off x="912240" y="1268280"/>
-            <a:ext cx="9208440" cy="361800"/>
+            <a:ext cx="9207720" cy="361080"/>
           </a:xfrm>
           <a:prstGeom prst="rect">
             <a:avLst/>
@@ -10958,7 +10368,7 @@
         <p:spPr>
           <a:xfrm>
             <a:off x="0" y="0"/>
-            <a:ext cx="3052440" cy="562320"/>
+            <a:ext cx="3051720" cy="561600"/>
           </a:xfrm>
           <a:prstGeom prst="rect">
             <a:avLst/>
@@ -10981,7 +10391,7 @@
         <p:spPr>
           <a:xfrm>
             <a:off x="7430400" y="134640"/>
-            <a:ext cx="3698280" cy="514440"/>
+            <a:ext cx="3697560" cy="513720"/>
           </a:xfrm>
           <a:prstGeom prst="rect">
             <a:avLst/>
@@ -11000,7 +10410,7 @@
         <p:spPr>
           <a:xfrm>
             <a:off x="11444760" y="1440"/>
-            <a:ext cx="741600" cy="6850440"/>
+            <a:ext cx="740880" cy="6849720"/>
           </a:xfrm>
           <a:prstGeom prst="rect">
             <a:avLst/>
@@ -11030,7 +10440,7 @@
         <p:spPr>
           <a:xfrm>
             <a:off x="11427480" y="6453360"/>
-            <a:ext cx="758520" cy="363960"/>
+            <a:ext cx="757800" cy="363960"/>
           </a:xfrm>
           <a:prstGeom prst="rect">
             <a:avLst/>
@@ -11055,9 +10465,8 @@
               <a:lnSpc>
                 <a:spcPct val="100000"/>
               </a:lnSpc>
-              <a:buNone/>
-            </a:pPr>
-            <a:fld id="{30BF479C-0060-487C-B3C1-A802B97753A4}" type="slidenum">
+            </a:pPr>
+            <a:fld id="{375BE3E9-315B-4472-B940-0F5E60E4395A}" type="slidenum">
               <a:rPr b="0" lang="en-US" sz="1800" spc="-1" strike="noStrike">
                 <a:solidFill>
                   <a:srgbClr val="808080"/>
@@ -11067,8 +10476,8 @@
               </a:rPr>
               <a:t>&lt;number&gt;</a:t>
             </a:fld>
-            <a:endParaRPr b="0" lang="en-US" sz="1800" spc="-1" strike="noStrike">
-              <a:latin typeface="DejaVu Sans"/>
+            <a:endParaRPr b="0" lang="en-GB" sz="1800" spc="-1" strike="noStrike">
+              <a:latin typeface="Arial"/>
             </a:endParaRPr>
           </a:p>
         </p:txBody>
@@ -11082,7 +10491,7 @@
         <p:spPr>
           <a:xfrm>
             <a:off x="0" y="6646680"/>
-            <a:ext cx="12187440" cy="211320"/>
+            <a:ext cx="12186720" cy="211320"/>
           </a:xfrm>
           <a:prstGeom prst="rect">
             <a:avLst/>
@@ -11107,7 +10516,6 @@
               <a:lnSpc>
                 <a:spcPct val="100000"/>
               </a:lnSpc>
-              <a:buNone/>
             </a:pPr>
             <a:r>
               <a:rPr b="0" lang="en-US" sz="800" spc="-1" strike="noStrike">
@@ -11119,8 +10527,8 @@
               </a:rPr>
               <a:t>Requirements Engineering – TU Clausthal</a:t>
             </a:r>
-            <a:endParaRPr b="0" lang="en-US" sz="800" spc="-1" strike="noStrike">
-              <a:latin typeface="DejaVu Sans"/>
+            <a:endParaRPr b="0" lang="en-GB" sz="800" spc="-1" strike="noStrike">
+              <a:latin typeface="Arial"/>
             </a:endParaRPr>
           </a:p>
         </p:txBody>
@@ -11153,19 +10561,16 @@
             <a:noAutofit/>
           </a:bodyPr>
           <a:p>
-            <a:r>
-              <a:rPr b="0" lang="en-US" sz="1800" spc="-1" strike="noStrike">
-                <a:solidFill>
-                  <a:srgbClr val="000000"/>
-                </a:solidFill>
+            <a:pPr indent="0" algn="ctr">
+              <a:buNone/>
+            </a:pPr>
+            <a:r>
+              <a:rPr b="0" lang="en-GB" sz="4400" spc="-1" strike="noStrike">
                 <a:latin typeface="Arial"/>
               </a:rPr>
               <a:t>Click to edit the title text format</a:t>
             </a:r>
-            <a:endParaRPr b="0" lang="en-US" sz="1800" spc="-1" strike="noStrike">
-              <a:solidFill>
-                <a:srgbClr val="000000"/>
-              </a:solidFill>
+            <a:endParaRPr b="0" lang="en-GB" sz="4400" spc="-1" strike="noStrike">
               <a:latin typeface="Arial"/>
             </a:endParaRPr>
           </a:p>
@@ -11200,9 +10605,6 @@
           </a:bodyPr>
           <a:p>
             <a:pPr marL="432000" indent="-324000">
-              <a:lnSpc>
-                <a:spcPct val="90000"/>
-              </a:lnSpc>
               <a:spcBef>
                 <a:spcPts val="1417"/>
               </a:spcBef>
@@ -11214,26 +10616,17 @@
               <a:buChar char=""/>
             </a:pPr>
             <a:r>
-              <a:rPr b="0" lang="en-US" sz="2800" spc="-1" strike="noStrike">
-                <a:solidFill>
-                  <a:srgbClr val="000000"/>
-                </a:solidFill>
+              <a:rPr b="0" lang="en-GB" sz="3200" spc="-1" strike="noStrike">
                 <a:latin typeface="Arial"/>
               </a:rPr>
               <a:t>Click to edit the outline text format</a:t>
             </a:r>
-            <a:endParaRPr b="0" lang="en-US" sz="2800" spc="-1" strike="noStrike">
-              <a:solidFill>
-                <a:srgbClr val="000000"/>
-              </a:solidFill>
+            <a:endParaRPr b="0" lang="en-GB" sz="3200" spc="-1" strike="noStrike">
               <a:latin typeface="Arial"/>
             </a:endParaRPr>
           </a:p>
           <a:p>
             <a:pPr lvl="1" marL="864000" indent="-324000">
-              <a:lnSpc>
-                <a:spcPct val="90000"/>
-              </a:lnSpc>
               <a:spcBef>
                 <a:spcPts val="1134"/>
               </a:spcBef>
@@ -11245,26 +10638,17 @@
               <a:buChar char=""/>
             </a:pPr>
             <a:r>
-              <a:rPr b="0" lang="en-US" sz="2000" spc="-1" strike="noStrike">
-                <a:solidFill>
-                  <a:srgbClr val="000000"/>
-                </a:solidFill>
+              <a:rPr b="0" lang="en-GB" sz="2800" spc="-1" strike="noStrike">
                 <a:latin typeface="Arial"/>
               </a:rPr>
               <a:t>Second Outline Level</a:t>
             </a:r>
-            <a:endParaRPr b="0" lang="en-US" sz="2000" spc="-1" strike="noStrike">
-              <a:solidFill>
-                <a:srgbClr val="000000"/>
-              </a:solidFill>
+            <a:endParaRPr b="0" lang="en-GB" sz="2800" spc="-1" strike="noStrike">
               <a:latin typeface="Arial"/>
             </a:endParaRPr>
           </a:p>
           <a:p>
             <a:pPr lvl="2" marL="1296000" indent="-288000">
-              <a:lnSpc>
-                <a:spcPct val="90000"/>
-              </a:lnSpc>
               <a:spcBef>
                 <a:spcPts val="850"/>
               </a:spcBef>
@@ -11276,26 +10660,17 @@
               <a:buChar char=""/>
             </a:pPr>
             <a:r>
-              <a:rPr b="0" lang="en-US" sz="1800" spc="-1" strike="noStrike">
-                <a:solidFill>
-                  <a:srgbClr val="000000"/>
-                </a:solidFill>
+              <a:rPr b="0" lang="en-GB" sz="2400" spc="-1" strike="noStrike">
                 <a:latin typeface="Arial"/>
               </a:rPr>
               <a:t>Third Outline Level</a:t>
             </a:r>
-            <a:endParaRPr b="0" lang="en-US" sz="1800" spc="-1" strike="noStrike">
-              <a:solidFill>
-                <a:srgbClr val="000000"/>
-              </a:solidFill>
+            <a:endParaRPr b="0" lang="en-GB" sz="2400" spc="-1" strike="noStrike">
               <a:latin typeface="Arial"/>
             </a:endParaRPr>
           </a:p>
           <a:p>
             <a:pPr lvl="3" marL="1728000" indent="-216000">
-              <a:lnSpc>
-                <a:spcPct val="90000"/>
-              </a:lnSpc>
               <a:spcBef>
                 <a:spcPts val="567"/>
               </a:spcBef>
@@ -11307,26 +10682,17 @@
               <a:buChar char=""/>
             </a:pPr>
             <a:r>
-              <a:rPr b="0" lang="en-US" sz="1800" spc="-1" strike="noStrike">
-                <a:solidFill>
-                  <a:srgbClr val="000000"/>
-                </a:solidFill>
+              <a:rPr b="0" lang="en-GB" sz="2000" spc="-1" strike="noStrike">
                 <a:latin typeface="Arial"/>
               </a:rPr>
               <a:t>Fourth Outline Level</a:t>
             </a:r>
-            <a:endParaRPr b="0" lang="en-US" sz="1800" spc="-1" strike="noStrike">
-              <a:solidFill>
-                <a:srgbClr val="000000"/>
-              </a:solidFill>
+            <a:endParaRPr b="0" lang="en-GB" sz="2000" spc="-1" strike="noStrike">
               <a:latin typeface="Arial"/>
             </a:endParaRPr>
           </a:p>
           <a:p>
             <a:pPr lvl="4" marL="2160000" indent="-216000">
-              <a:lnSpc>
-                <a:spcPct val="90000"/>
-              </a:lnSpc>
               <a:spcBef>
                 <a:spcPts val="283"/>
               </a:spcBef>
@@ -11338,26 +10704,17 @@
               <a:buChar char=""/>
             </a:pPr>
             <a:r>
-              <a:rPr b="0" lang="en-US" sz="2000" spc="-1" strike="noStrike">
-                <a:solidFill>
-                  <a:srgbClr val="000000"/>
-                </a:solidFill>
+              <a:rPr b="0" lang="en-GB" sz="2000" spc="-1" strike="noStrike">
                 <a:latin typeface="Arial"/>
               </a:rPr>
               <a:t>Fifth Outline Level</a:t>
             </a:r>
-            <a:endParaRPr b="0" lang="en-US" sz="2000" spc="-1" strike="noStrike">
-              <a:solidFill>
-                <a:srgbClr val="000000"/>
-              </a:solidFill>
+            <a:endParaRPr b="0" lang="en-GB" sz="2000" spc="-1" strike="noStrike">
               <a:latin typeface="Arial"/>
             </a:endParaRPr>
           </a:p>
           <a:p>
             <a:pPr lvl="5" marL="2592000" indent="-216000">
-              <a:lnSpc>
-                <a:spcPct val="90000"/>
-              </a:lnSpc>
               <a:spcBef>
                 <a:spcPts val="283"/>
               </a:spcBef>
@@ -11369,26 +10726,17 @@
               <a:buChar char=""/>
             </a:pPr>
             <a:r>
-              <a:rPr b="0" lang="en-US" sz="2000" spc="-1" strike="noStrike">
-                <a:solidFill>
-                  <a:srgbClr val="000000"/>
-                </a:solidFill>
+              <a:rPr b="0" lang="en-GB" sz="2000" spc="-1" strike="noStrike">
                 <a:latin typeface="Arial"/>
               </a:rPr>
               <a:t>Sixth Outline Level</a:t>
             </a:r>
-            <a:endParaRPr b="0" lang="en-US" sz="2000" spc="-1" strike="noStrike">
-              <a:solidFill>
-                <a:srgbClr val="000000"/>
-              </a:solidFill>
+            <a:endParaRPr b="0" lang="en-GB" sz="2000" spc="-1" strike="noStrike">
               <a:latin typeface="Arial"/>
             </a:endParaRPr>
           </a:p>
           <a:p>
             <a:pPr lvl="6" marL="3024000" indent="-216000">
-              <a:lnSpc>
-                <a:spcPct val="90000"/>
-              </a:lnSpc>
               <a:spcBef>
                 <a:spcPts val="283"/>
               </a:spcBef>
@@ -11400,18 +10748,12 @@
               <a:buChar char=""/>
             </a:pPr>
             <a:r>
-              <a:rPr b="0" lang="en-US" sz="2000" spc="-1" strike="noStrike">
-                <a:solidFill>
-                  <a:srgbClr val="000000"/>
-                </a:solidFill>
+              <a:rPr b="0" lang="en-GB" sz="2000" spc="-1" strike="noStrike">
                 <a:latin typeface="Arial"/>
               </a:rPr>
               <a:t>Seventh Outline Level</a:t>
             </a:r>
-            <a:endParaRPr b="0" lang="en-US" sz="2000" spc="-1" strike="noStrike">
-              <a:solidFill>
-                <a:srgbClr val="000000"/>
-              </a:solidFill>
+            <a:endParaRPr b="0" lang="en-GB" sz="2000" spc="-1" strike="noStrike">
               <a:latin typeface="Arial"/>
             </a:endParaRPr>
           </a:p>
@@ -11470,7 +10812,7 @@
         <p:spPr>
           <a:xfrm>
             <a:off x="11444760" y="0"/>
-            <a:ext cx="741600" cy="6850440"/>
+            <a:ext cx="740880" cy="6849720"/>
           </a:xfrm>
           <a:prstGeom prst="rect">
             <a:avLst/>
@@ -11500,7 +10842,7 @@
         <p:spPr>
           <a:xfrm>
             <a:off x="11438640" y="6453360"/>
-            <a:ext cx="758520" cy="363960"/>
+            <a:ext cx="757800" cy="363960"/>
           </a:xfrm>
           <a:prstGeom prst="rect">
             <a:avLst/>
@@ -11525,9 +10867,8 @@
               <a:lnSpc>
                 <a:spcPct val="100000"/>
               </a:lnSpc>
-              <a:buNone/>
-            </a:pPr>
-            <a:fld id="{4542AD60-32E7-4D63-A49F-F9AFD4B6B439}" type="slidenum">
+            </a:pPr>
+            <a:fld id="{0501AE85-ABD2-43CD-B89E-0BD9FB7CC873}" type="slidenum">
               <a:rPr b="0" lang="en-US" sz="1800" spc="-1" strike="noStrike">
                 <a:solidFill>
                   <a:srgbClr val="808080"/>
@@ -11537,8 +10878,8 @@
               </a:rPr>
               <a:t>&lt;number&gt;</a:t>
             </a:fld>
-            <a:endParaRPr b="0" lang="en-US" sz="1800" spc="-1" strike="noStrike">
-              <a:latin typeface="DejaVu Sans"/>
+            <a:endParaRPr b="0" lang="en-GB" sz="1800" spc="-1" strike="noStrike">
+              <a:latin typeface="Arial"/>
             </a:endParaRPr>
           </a:p>
         </p:txBody>
@@ -11552,7 +10893,7 @@
         <p:spPr>
           <a:xfrm>
             <a:off x="912240" y="1268280"/>
-            <a:ext cx="9208440" cy="361800"/>
+            <a:ext cx="9207720" cy="361080"/>
           </a:xfrm>
           <a:prstGeom prst="rect">
             <a:avLst/>
@@ -11582,7 +10923,7 @@
         <p:spPr>
           <a:xfrm>
             <a:off x="0" y="0"/>
-            <a:ext cx="3052440" cy="562320"/>
+            <a:ext cx="3051720" cy="561600"/>
           </a:xfrm>
           <a:prstGeom prst="rect">
             <a:avLst/>
@@ -11605,7 +10946,7 @@
         <p:spPr>
           <a:xfrm>
             <a:off x="7430400" y="134640"/>
-            <a:ext cx="3698280" cy="514440"/>
+            <a:ext cx="3697560" cy="513720"/>
           </a:xfrm>
           <a:prstGeom prst="rect">
             <a:avLst/>
@@ -11624,7 +10965,7 @@
         <p:spPr>
           <a:xfrm>
             <a:off x="11444760" y="1440"/>
-            <a:ext cx="741600" cy="6850440"/>
+            <a:ext cx="740880" cy="6849720"/>
           </a:xfrm>
           <a:prstGeom prst="rect">
             <a:avLst/>
@@ -11654,7 +10995,7 @@
         <p:spPr>
           <a:xfrm>
             <a:off x="11427480" y="6453360"/>
-            <a:ext cx="758520" cy="363960"/>
+            <a:ext cx="757800" cy="363960"/>
           </a:xfrm>
           <a:prstGeom prst="rect">
             <a:avLst/>
@@ -11679,9 +11020,8 @@
               <a:lnSpc>
                 <a:spcPct val="100000"/>
               </a:lnSpc>
-              <a:buNone/>
-            </a:pPr>
-            <a:fld id="{6B93B3C3-499C-45EC-8CAC-CB92492E55E4}" type="slidenum">
+            </a:pPr>
+            <a:fld id="{5DF5A861-F6EF-47B4-BA02-7269C53513FF}" type="slidenum">
               <a:rPr b="0" lang="en-US" sz="1800" spc="-1" strike="noStrike">
                 <a:solidFill>
                   <a:srgbClr val="808080"/>
@@ -11691,8 +11031,8 @@
               </a:rPr>
               <a:t>&lt;number&gt;</a:t>
             </a:fld>
-            <a:endParaRPr b="0" lang="en-US" sz="1800" spc="-1" strike="noStrike">
-              <a:latin typeface="DejaVu Sans"/>
+            <a:endParaRPr b="0" lang="en-GB" sz="1800" spc="-1" strike="noStrike">
+              <a:latin typeface="Arial"/>
             </a:endParaRPr>
           </a:p>
         </p:txBody>
@@ -11706,7 +11046,7 @@
         <p:spPr>
           <a:xfrm>
             <a:off x="0" y="6646680"/>
-            <a:ext cx="12187440" cy="211320"/>
+            <a:ext cx="12186720" cy="211320"/>
           </a:xfrm>
           <a:prstGeom prst="rect">
             <a:avLst/>
@@ -11731,7 +11071,6 @@
               <a:lnSpc>
                 <a:spcPct val="100000"/>
               </a:lnSpc>
-              <a:buNone/>
             </a:pPr>
             <a:r>
               <a:rPr b="0" lang="en-US" sz="800" spc="-1" strike="noStrike">
@@ -11743,8 +11082,8 @@
               </a:rPr>
               <a:t>Requirements Engineering – TU Clausthal</a:t>
             </a:r>
-            <a:endParaRPr b="0" lang="en-US" sz="800" spc="-1" strike="noStrike">
-              <a:latin typeface="DejaVu Sans"/>
+            <a:endParaRPr b="0" lang="en-GB" sz="800" spc="-1" strike="noStrike">
+              <a:latin typeface="Arial"/>
             </a:endParaRPr>
           </a:p>
         </p:txBody>
@@ -11777,19 +11116,16 @@
             <a:noAutofit/>
           </a:bodyPr>
           <a:p>
-            <a:r>
-              <a:rPr b="0" lang="en-US" sz="1800" spc="-1" strike="noStrike">
-                <a:solidFill>
-                  <a:srgbClr val="000000"/>
-                </a:solidFill>
+            <a:pPr indent="0" algn="ctr">
+              <a:buNone/>
+            </a:pPr>
+            <a:r>
+              <a:rPr b="0" lang="en-GB" sz="4400" spc="-1" strike="noStrike">
                 <a:latin typeface="Arial"/>
               </a:rPr>
               <a:t>Click to edit the title text format</a:t>
             </a:r>
-            <a:endParaRPr b="0" lang="en-US" sz="1800" spc="-1" strike="noStrike">
-              <a:solidFill>
-                <a:srgbClr val="000000"/>
-              </a:solidFill>
+            <a:endParaRPr b="0" lang="en-GB" sz="4400" spc="-1" strike="noStrike">
               <a:latin typeface="Arial"/>
             </a:endParaRPr>
           </a:p>
@@ -11824,9 +11160,6 @@
           </a:bodyPr>
           <a:p>
             <a:pPr marL="432000" indent="-324000">
-              <a:lnSpc>
-                <a:spcPct val="90000"/>
-              </a:lnSpc>
               <a:spcBef>
                 <a:spcPts val="1417"/>
               </a:spcBef>
@@ -11838,26 +11171,17 @@
               <a:buChar char=""/>
             </a:pPr>
             <a:r>
-              <a:rPr b="0" lang="en-US" sz="2800" spc="-1" strike="noStrike">
-                <a:solidFill>
-                  <a:srgbClr val="000000"/>
-                </a:solidFill>
+              <a:rPr b="0" lang="en-GB" sz="3200" spc="-1" strike="noStrike">
                 <a:latin typeface="Arial"/>
               </a:rPr>
               <a:t>Click to edit the outline text format</a:t>
             </a:r>
-            <a:endParaRPr b="0" lang="en-US" sz="2800" spc="-1" strike="noStrike">
-              <a:solidFill>
-                <a:srgbClr val="000000"/>
-              </a:solidFill>
+            <a:endParaRPr b="0" lang="en-GB" sz="3200" spc="-1" strike="noStrike">
               <a:latin typeface="Arial"/>
             </a:endParaRPr>
           </a:p>
           <a:p>
             <a:pPr lvl="1" marL="864000" indent="-324000">
-              <a:lnSpc>
-                <a:spcPct val="90000"/>
-              </a:lnSpc>
               <a:spcBef>
                 <a:spcPts val="1134"/>
               </a:spcBef>
@@ -11869,26 +11193,17 @@
               <a:buChar char=""/>
             </a:pPr>
             <a:r>
-              <a:rPr b="0" lang="en-US" sz="2000" spc="-1" strike="noStrike">
-                <a:solidFill>
-                  <a:srgbClr val="000000"/>
-                </a:solidFill>
+              <a:rPr b="0" lang="en-GB" sz="2800" spc="-1" strike="noStrike">
                 <a:latin typeface="Arial"/>
               </a:rPr>
               <a:t>Second Outline Level</a:t>
             </a:r>
-            <a:endParaRPr b="0" lang="en-US" sz="2000" spc="-1" strike="noStrike">
-              <a:solidFill>
-                <a:srgbClr val="000000"/>
-              </a:solidFill>
+            <a:endParaRPr b="0" lang="en-GB" sz="2800" spc="-1" strike="noStrike">
               <a:latin typeface="Arial"/>
             </a:endParaRPr>
           </a:p>
           <a:p>
             <a:pPr lvl="2" marL="1296000" indent="-288000">
-              <a:lnSpc>
-                <a:spcPct val="90000"/>
-              </a:lnSpc>
               <a:spcBef>
                 <a:spcPts val="850"/>
               </a:spcBef>
@@ -11900,26 +11215,17 @@
               <a:buChar char=""/>
             </a:pPr>
             <a:r>
-              <a:rPr b="0" lang="en-US" sz="1800" spc="-1" strike="noStrike">
-                <a:solidFill>
-                  <a:srgbClr val="000000"/>
-                </a:solidFill>
+              <a:rPr b="0" lang="en-GB" sz="2400" spc="-1" strike="noStrike">
                 <a:latin typeface="Arial"/>
               </a:rPr>
               <a:t>Third Outline Level</a:t>
             </a:r>
-            <a:endParaRPr b="0" lang="en-US" sz="1800" spc="-1" strike="noStrike">
-              <a:solidFill>
-                <a:srgbClr val="000000"/>
-              </a:solidFill>
+            <a:endParaRPr b="0" lang="en-GB" sz="2400" spc="-1" strike="noStrike">
               <a:latin typeface="Arial"/>
             </a:endParaRPr>
           </a:p>
           <a:p>
             <a:pPr lvl="3" marL="1728000" indent="-216000">
-              <a:lnSpc>
-                <a:spcPct val="90000"/>
-              </a:lnSpc>
               <a:spcBef>
                 <a:spcPts val="567"/>
               </a:spcBef>
@@ -11931,26 +11237,17 @@
               <a:buChar char=""/>
             </a:pPr>
             <a:r>
-              <a:rPr b="0" lang="en-US" sz="1800" spc="-1" strike="noStrike">
-                <a:solidFill>
-                  <a:srgbClr val="000000"/>
-                </a:solidFill>
+              <a:rPr b="0" lang="en-GB" sz="2000" spc="-1" strike="noStrike">
                 <a:latin typeface="Arial"/>
               </a:rPr>
               <a:t>Fourth Outline Level</a:t>
             </a:r>
-            <a:endParaRPr b="0" lang="en-US" sz="1800" spc="-1" strike="noStrike">
-              <a:solidFill>
-                <a:srgbClr val="000000"/>
-              </a:solidFill>
+            <a:endParaRPr b="0" lang="en-GB" sz="2000" spc="-1" strike="noStrike">
               <a:latin typeface="Arial"/>
             </a:endParaRPr>
           </a:p>
           <a:p>
             <a:pPr lvl="4" marL="2160000" indent="-216000">
-              <a:lnSpc>
-                <a:spcPct val="90000"/>
-              </a:lnSpc>
               <a:spcBef>
                 <a:spcPts val="283"/>
               </a:spcBef>
@@ -11962,26 +11259,17 @@
               <a:buChar char=""/>
             </a:pPr>
             <a:r>
-              <a:rPr b="0" lang="en-US" sz="2000" spc="-1" strike="noStrike">
-                <a:solidFill>
-                  <a:srgbClr val="000000"/>
-                </a:solidFill>
+              <a:rPr b="0" lang="en-GB" sz="2000" spc="-1" strike="noStrike">
                 <a:latin typeface="Arial"/>
               </a:rPr>
               <a:t>Fifth Outline Level</a:t>
             </a:r>
-            <a:endParaRPr b="0" lang="en-US" sz="2000" spc="-1" strike="noStrike">
-              <a:solidFill>
-                <a:srgbClr val="000000"/>
-              </a:solidFill>
+            <a:endParaRPr b="0" lang="en-GB" sz="2000" spc="-1" strike="noStrike">
               <a:latin typeface="Arial"/>
             </a:endParaRPr>
           </a:p>
           <a:p>
             <a:pPr lvl="5" marL="2592000" indent="-216000">
-              <a:lnSpc>
-                <a:spcPct val="90000"/>
-              </a:lnSpc>
               <a:spcBef>
                 <a:spcPts val="283"/>
               </a:spcBef>
@@ -11993,26 +11281,17 @@
               <a:buChar char=""/>
             </a:pPr>
             <a:r>
-              <a:rPr b="0" lang="en-US" sz="2000" spc="-1" strike="noStrike">
-                <a:solidFill>
-                  <a:srgbClr val="000000"/>
-                </a:solidFill>
+              <a:rPr b="0" lang="en-GB" sz="2000" spc="-1" strike="noStrike">
                 <a:latin typeface="Arial"/>
               </a:rPr>
               <a:t>Sixth Outline Level</a:t>
             </a:r>
-            <a:endParaRPr b="0" lang="en-US" sz="2000" spc="-1" strike="noStrike">
-              <a:solidFill>
-                <a:srgbClr val="000000"/>
-              </a:solidFill>
+            <a:endParaRPr b="0" lang="en-GB" sz="2000" spc="-1" strike="noStrike">
               <a:latin typeface="Arial"/>
             </a:endParaRPr>
           </a:p>
           <a:p>
             <a:pPr lvl="6" marL="3024000" indent="-216000">
-              <a:lnSpc>
-                <a:spcPct val="90000"/>
-              </a:lnSpc>
               <a:spcBef>
                 <a:spcPts val="283"/>
               </a:spcBef>
@@ -12024,18 +11303,12 @@
               <a:buChar char=""/>
             </a:pPr>
             <a:r>
-              <a:rPr b="0" lang="en-US" sz="2000" spc="-1" strike="noStrike">
-                <a:solidFill>
-                  <a:srgbClr val="000000"/>
-                </a:solidFill>
+              <a:rPr b="0" lang="en-GB" sz="2000" spc="-1" strike="noStrike">
                 <a:latin typeface="Arial"/>
               </a:rPr>
               <a:t>Seventh Outline Level</a:t>
             </a:r>
-            <a:endParaRPr b="0" lang="en-US" sz="2000" spc="-1" strike="noStrike">
-              <a:solidFill>
-                <a:srgbClr val="000000"/>
-              </a:solidFill>
+            <a:endParaRPr b="0" lang="en-GB" sz="2000" spc="-1" strike="noStrike">
               <a:latin typeface="Arial"/>
             </a:endParaRPr>
           </a:p>
@@ -12087,7 +11360,7 @@
         <p:spPr>
           <a:xfrm>
             <a:off x="527400" y="1412640"/>
-            <a:ext cx="10361520" cy="1148040"/>
+            <a:ext cx="10360800" cy="1147320"/>
           </a:xfrm>
           <a:prstGeom prst="rect">
             <a:avLst/>
@@ -12112,7 +11385,6 @@
               <a:lnSpc>
                 <a:spcPct val="100000"/>
               </a:lnSpc>
-              <a:buNone/>
             </a:pPr>
             <a:r>
               <a:rPr b="1" lang="en-US" sz="3200" spc="-1" strike="noStrike">
@@ -12124,8 +11396,8 @@
               </a:rPr>
               <a:t>Requirement Engineering</a:t>
             </a:r>
-            <a:endParaRPr b="0" lang="en-US" sz="3200" spc="-1" strike="noStrike">
-              <a:latin typeface="DejaVu Sans"/>
+            <a:endParaRPr b="0" lang="en-GB" sz="3200" spc="-1" strike="noStrike">
+              <a:latin typeface="Arial"/>
             </a:endParaRPr>
           </a:p>
         </p:txBody>
@@ -12139,7 +11411,7 @@
         <p:spPr>
           <a:xfrm>
             <a:off x="527400" y="2852640"/>
-            <a:ext cx="10361520" cy="2368800"/>
+            <a:ext cx="10360800" cy="2368080"/>
           </a:xfrm>
           <a:prstGeom prst="rect">
             <a:avLst/>
@@ -12167,7 +11439,6 @@
               <a:spcBef>
                 <a:spcPts val="479"/>
               </a:spcBef>
-              <a:buNone/>
               <a:tabLst>
                 <a:tab algn="l" pos="0"/>
               </a:tabLst>
@@ -12182,8 +11453,8 @@
               </a:rPr>
               <a:t>Lecture 5: Negotiation</a:t>
             </a:r>
-            <a:endParaRPr b="0" lang="en-US" sz="2400" spc="-1" strike="noStrike">
-              <a:latin typeface="DejaVu Sans"/>
+            <a:endParaRPr b="0" lang="en-GB" sz="2400" spc="-1" strike="noStrike">
+              <a:latin typeface="Arial"/>
             </a:endParaRPr>
           </a:p>
           <a:p>
@@ -12194,13 +11465,12 @@
               <a:spcBef>
                 <a:spcPts val="479"/>
               </a:spcBef>
-              <a:buNone/>
               <a:tabLst>
                 <a:tab algn="l" pos="0"/>
               </a:tabLst>
             </a:pPr>
-            <a:endParaRPr b="0" lang="en-US" sz="2400" spc="-1" strike="noStrike">
-              <a:latin typeface="DejaVu Sans"/>
+            <a:endParaRPr b="0" lang="en-GB" sz="2400" spc="-1" strike="noStrike">
+              <a:latin typeface="Arial"/>
             </a:endParaRPr>
           </a:p>
           <a:p>
@@ -12211,13 +11481,12 @@
               <a:spcBef>
                 <a:spcPts val="241"/>
               </a:spcBef>
-              <a:buNone/>
               <a:tabLst>
                 <a:tab algn="l" pos="0"/>
               </a:tabLst>
             </a:pPr>
-            <a:endParaRPr b="0" lang="en-US" sz="2400" spc="-1" strike="noStrike">
-              <a:latin typeface="DejaVu Sans"/>
+            <a:endParaRPr b="0" lang="en-GB" sz="2400" spc="-1" strike="noStrike">
+              <a:latin typeface="Arial"/>
             </a:endParaRPr>
           </a:p>
           <a:p>
@@ -12228,13 +11497,12 @@
               <a:spcBef>
                 <a:spcPts val="241"/>
               </a:spcBef>
-              <a:buNone/>
               <a:tabLst>
                 <a:tab algn="l" pos="0"/>
               </a:tabLst>
             </a:pPr>
-            <a:endParaRPr b="0" lang="en-US" sz="2400" spc="-1" strike="noStrike">
-              <a:latin typeface="DejaVu Sans"/>
+            <a:endParaRPr b="0" lang="en-GB" sz="2400" spc="-1" strike="noStrike">
+              <a:latin typeface="Arial"/>
             </a:endParaRPr>
           </a:p>
           <a:p>
@@ -12245,7 +11513,6 @@
               <a:spcBef>
                 <a:spcPts val="320"/>
               </a:spcBef>
-              <a:buNone/>
               <a:tabLst>
                 <a:tab algn="l" pos="0"/>
               </a:tabLst>
@@ -12260,8 +11527,8 @@
               </a:rPr>
               <a:t>Prof. Dr. Benjamin Leiding</a:t>
             </a:r>
-            <a:endParaRPr b="0" lang="en-US" sz="1600" spc="-1" strike="noStrike">
-              <a:latin typeface="DejaVu Sans"/>
+            <a:endParaRPr b="0" lang="en-GB" sz="1600" spc="-1" strike="noStrike">
+              <a:latin typeface="Arial"/>
             </a:endParaRPr>
           </a:p>
           <a:p>
@@ -12272,33 +11539,22 @@
               <a:spcBef>
                 <a:spcPts val="320"/>
               </a:spcBef>
-              <a:buNone/>
               <a:tabLst>
                 <a:tab algn="l" pos="0"/>
               </a:tabLst>
             </a:pPr>
             <a:r>
-              <a:rPr b="0" lang="en-US" sz="1600" spc="-1" strike="noStrike">
+              <a:rPr b="0" lang="en-GB" sz="1600" spc="-1" strike="noStrike">
                 <a:solidFill>
                   <a:srgbClr val="000000"/>
                 </a:solidFill>
                 <a:latin typeface="DejaVu Sans"/>
                 <a:ea typeface="DejaVu Sans"/>
               </a:rPr>
-              <a:t> </a:t>
-            </a:r>
-            <a:r>
-              <a:rPr b="0" lang="en-US" sz="1600" spc="-1" strike="noStrike">
-                <a:solidFill>
-                  <a:srgbClr val="000000"/>
-                </a:solidFill>
-                <a:latin typeface="DejaVu Sans"/>
-                <a:ea typeface="DejaVu Sans"/>
-              </a:rPr>
-              <a:t>Anant Sujatanagarjuna</a:t>
-            </a:r>
-            <a:endParaRPr b="0" lang="en-US" sz="1600" spc="-1" strike="noStrike">
-              <a:latin typeface="DejaVu Sans"/>
+              <a:t>M.Sc. Anant Sujatanagarjuna</a:t>
+            </a:r>
+            <a:endParaRPr b="0" lang="en-GB" sz="1600" spc="-1" strike="noStrike">
+              <a:latin typeface="Arial"/>
             </a:endParaRPr>
           </a:p>
         </p:txBody>
@@ -12342,7 +11598,7 @@
         <p:spPr>
           <a:xfrm>
             <a:off x="542880" y="721800"/>
-            <a:ext cx="10357200" cy="497880"/>
+            <a:ext cx="10356480" cy="497160"/>
           </a:xfrm>
           <a:prstGeom prst="rect">
             <a:avLst/>
@@ -12367,7 +11623,6 @@
               <a:lnSpc>
                 <a:spcPct val="100000"/>
               </a:lnSpc>
-              <a:buNone/>
             </a:pPr>
             <a:r>
               <a:rPr b="1" lang="en-US" sz="2200" spc="-1" strike="noStrike">
@@ -12379,8 +11634,8 @@
               </a:rPr>
               <a:t>Conflict Management</a:t>
             </a:r>
-            <a:endParaRPr b="0" lang="en-US" sz="2200" spc="-1" strike="noStrike">
-              <a:latin typeface="DejaVu Sans"/>
+            <a:endParaRPr b="0" lang="en-GB" sz="2200" spc="-1" strike="noStrike">
+              <a:latin typeface="Arial"/>
             </a:endParaRPr>
           </a:p>
         </p:txBody>
@@ -12394,7 +11649,7 @@
         <p:spPr>
           <a:xfrm>
             <a:off x="542880" y="1267200"/>
-            <a:ext cx="10357200" cy="497880"/>
+            <a:ext cx="10356480" cy="497160"/>
           </a:xfrm>
           <a:prstGeom prst="rect">
             <a:avLst/>
@@ -12419,7 +11674,6 @@
               <a:lnSpc>
                 <a:spcPct val="100000"/>
               </a:lnSpc>
-              <a:buNone/>
             </a:pPr>
             <a:r>
               <a:rPr b="1" lang="en-US" sz="2200" spc="-1" strike="noStrike">
@@ -12431,8 +11685,8 @@
               </a:rPr>
               <a:t>Conflict Analysis – Types of Conflicts</a:t>
             </a:r>
-            <a:endParaRPr b="0" lang="en-US" sz="2200" spc="-1" strike="noStrike">
-              <a:latin typeface="DejaVu Sans"/>
+            <a:endParaRPr b="0" lang="en-GB" sz="2200" spc="-1" strike="noStrike">
+              <a:latin typeface="Arial"/>
             </a:endParaRPr>
           </a:p>
         </p:txBody>
@@ -12446,7 +11700,7 @@
         <p:spPr>
           <a:xfrm>
             <a:off x="451800" y="1709280"/>
-            <a:ext cx="8224560" cy="4352760"/>
+            <a:ext cx="8223840" cy="4352040"/>
           </a:xfrm>
           <a:prstGeom prst="rect">
             <a:avLst/>
@@ -12476,7 +11730,7 @@
         <p:spPr>
           <a:xfrm>
             <a:off x="609480" y="1769400"/>
-            <a:ext cx="10587600" cy="4855680"/>
+            <a:ext cx="10586880" cy="4854960"/>
           </a:xfrm>
           <a:prstGeom prst="rect">
             <a:avLst/>
@@ -12515,10 +11769,7 @@
               </a:rPr>
               <a:t>Subject Conflict</a:t>
             </a:r>
-            <a:endParaRPr b="0" lang="en-US" sz="2000" spc="-1" strike="noStrike">
-              <a:solidFill>
-                <a:srgbClr val="000000"/>
-              </a:solidFill>
+            <a:endParaRPr b="0" lang="en-GB" sz="2000" spc="-1" strike="noStrike">
               <a:latin typeface="Arial"/>
             </a:endParaRPr>
           </a:p>
@@ -12547,10 +11798,7 @@
               </a:rPr>
               <a:t>Caused by deficit of information, false information, or different interpretation of information</a:t>
             </a:r>
-            <a:endParaRPr b="0" lang="en-US" sz="1800" spc="-1" strike="noStrike">
-              <a:solidFill>
-                <a:srgbClr val="000000"/>
-              </a:solidFill>
+            <a:endParaRPr b="0" lang="en-GB" sz="1800" spc="-1" strike="noStrike">
               <a:latin typeface="Arial"/>
             </a:endParaRPr>
           </a:p>
@@ -12579,10 +11827,7 @@
               </a:rPr>
               <a:t>Example:</a:t>
             </a:r>
-            <a:endParaRPr b="0" lang="en-US" sz="1800" spc="-1" strike="noStrike">
-              <a:solidFill>
-                <a:srgbClr val="000000"/>
-              </a:solidFill>
+            <a:endParaRPr b="0" lang="en-GB" sz="1800" spc="-1" strike="noStrike">
               <a:latin typeface="Arial"/>
             </a:endParaRPr>
           </a:p>
@@ -12621,10 +11866,7 @@
               </a:rPr>
               <a:t>The start-up time of the system does not exceed 2 seconds.”</a:t>
             </a:r>
-            <a:endParaRPr b="0" lang="en-US" sz="1600" spc="-1" strike="noStrike">
-              <a:solidFill>
-                <a:srgbClr val="000000"/>
-              </a:solidFill>
+            <a:endParaRPr b="0" lang="en-GB" sz="1600" spc="-1" strike="noStrike">
               <a:latin typeface="Arial"/>
             </a:endParaRPr>
           </a:p>
@@ -12666,10 +11908,7 @@
               </a:rPr>
               <a:t>Stakeholder A thinks this is too slow</a:t>
             </a:r>
-            <a:endParaRPr b="0" lang="en-US" sz="1600" spc="-1" strike="noStrike">
-              <a:solidFill>
-                <a:srgbClr val="000000"/>
-              </a:solidFill>
+            <a:endParaRPr b="0" lang="en-GB" sz="1600" spc="-1" strike="noStrike">
               <a:latin typeface="Arial"/>
             </a:endParaRPr>
           </a:p>
@@ -12711,10 +11950,7 @@
               </a:rPr>
               <a:t>Stakeholder B thinks this is infeasibly fast</a:t>
             </a:r>
-            <a:endParaRPr b="0" lang="en-US" sz="1600" spc="-1" strike="noStrike">
-              <a:solidFill>
-                <a:srgbClr val="000000"/>
-              </a:solidFill>
+            <a:endParaRPr b="0" lang="en-GB" sz="1600" spc="-1" strike="noStrike">
               <a:latin typeface="Arial"/>
             </a:endParaRPr>
           </a:p>
@@ -12746,10 +11982,7 @@
               </a:rPr>
               <a:t>Conflict of Interest</a:t>
             </a:r>
-            <a:endParaRPr b="0" lang="en-US" sz="2000" spc="-1" strike="noStrike">
-              <a:solidFill>
-                <a:srgbClr val="000000"/>
-              </a:solidFill>
+            <a:endParaRPr b="0" lang="en-GB" sz="2000" spc="-1" strike="noStrike">
               <a:latin typeface="Arial"/>
             </a:endParaRPr>
           </a:p>
@@ -12781,10 +12014,7 @@
               </a:rPr>
               <a:t>Stakeholders have different goals</a:t>
             </a:r>
-            <a:endParaRPr b="0" lang="en-US" sz="1800" spc="-1" strike="noStrike">
-              <a:solidFill>
-                <a:srgbClr val="000000"/>
-              </a:solidFill>
+            <a:endParaRPr b="0" lang="en-GB" sz="1800" spc="-1" strike="noStrike">
               <a:latin typeface="Arial"/>
             </a:endParaRPr>
           </a:p>
@@ -12816,15 +12046,12 @@
               </a:rPr>
               <a:t>Usually due to costs</a:t>
             </a:r>
-            <a:endParaRPr b="0" lang="en-US" sz="1800" spc="-1" strike="noStrike">
-              <a:solidFill>
-                <a:srgbClr val="000000"/>
-              </a:solidFill>
-              <a:latin typeface="Arial"/>
-            </a:endParaRPr>
-          </a:p>
-          <a:p>
-            <a:pPr marL="1463040" indent="-228600">
+            <a:endParaRPr b="0" lang="en-GB" sz="1800" spc="-1" strike="noStrike">
+              <a:latin typeface="Arial"/>
+            </a:endParaRPr>
+          </a:p>
+          <a:p>
+            <a:pPr marL="1463040" indent="0">
               <a:lnSpc>
                 <a:spcPct val="100000"/>
               </a:lnSpc>
@@ -12856,15 +12083,12 @@
               </a:rPr>
               <a:t>Stakeholder A wants to minimize the costs</a:t>
             </a:r>
-            <a:endParaRPr b="0" lang="en-US" sz="1600" spc="-1" strike="noStrike">
-              <a:solidFill>
-                <a:srgbClr val="000000"/>
-              </a:solidFill>
-              <a:latin typeface="Arial"/>
-            </a:endParaRPr>
-          </a:p>
-          <a:p>
-            <a:pPr marL="1463040" indent="-228600">
+            <a:endParaRPr b="0" lang="en-GB" sz="1600" spc="-1" strike="noStrike">
+              <a:latin typeface="Arial"/>
+            </a:endParaRPr>
+          </a:p>
+          <a:p>
+            <a:pPr marL="1463040" indent="0">
               <a:lnSpc>
                 <a:spcPct val="100000"/>
               </a:lnSpc>
@@ -12896,10 +12120,7 @@
               </a:rPr>
               <a:t>Stakeholder B desires a high quality system</a:t>
             </a:r>
-            <a:endParaRPr b="0" lang="en-US" sz="1600" spc="-1" strike="noStrike">
-              <a:solidFill>
-                <a:srgbClr val="000000"/>
-              </a:solidFill>
+            <a:endParaRPr b="0" lang="en-GB" sz="1600" spc="-1" strike="noStrike">
               <a:latin typeface="Arial"/>
             </a:endParaRPr>
           </a:p>
@@ -12944,7 +12165,7 @@
         <p:spPr>
           <a:xfrm>
             <a:off x="542880" y="721800"/>
-            <a:ext cx="10357200" cy="497880"/>
+            <a:ext cx="10356480" cy="497160"/>
           </a:xfrm>
           <a:prstGeom prst="rect">
             <a:avLst/>
@@ -12969,7 +12190,6 @@
               <a:lnSpc>
                 <a:spcPct val="100000"/>
               </a:lnSpc>
-              <a:buNone/>
             </a:pPr>
             <a:r>
               <a:rPr b="1" lang="en-US" sz="2200" spc="-1" strike="noStrike">
@@ -12981,8 +12201,8 @@
               </a:rPr>
               <a:t>Conflict Management</a:t>
             </a:r>
-            <a:endParaRPr b="0" lang="en-US" sz="2200" spc="-1" strike="noStrike">
-              <a:latin typeface="DejaVu Sans"/>
+            <a:endParaRPr b="0" lang="en-GB" sz="2200" spc="-1" strike="noStrike">
+              <a:latin typeface="Arial"/>
             </a:endParaRPr>
           </a:p>
         </p:txBody>
@@ -12996,7 +12216,7 @@
         <p:spPr>
           <a:xfrm>
             <a:off x="542880" y="1267200"/>
-            <a:ext cx="10357200" cy="497880"/>
+            <a:ext cx="10356480" cy="497160"/>
           </a:xfrm>
           <a:prstGeom prst="rect">
             <a:avLst/>
@@ -13021,7 +12241,6 @@
               <a:lnSpc>
                 <a:spcPct val="100000"/>
               </a:lnSpc>
-              <a:buNone/>
             </a:pPr>
             <a:r>
               <a:rPr b="1" lang="en-US" sz="2200" spc="-1" strike="noStrike">
@@ -13033,8 +12252,8 @@
               </a:rPr>
               <a:t>Conflict Analysis – Types of Conflicts</a:t>
             </a:r>
-            <a:endParaRPr b="0" lang="en-US" sz="2200" spc="-1" strike="noStrike">
-              <a:latin typeface="DejaVu Sans"/>
+            <a:endParaRPr b="0" lang="en-GB" sz="2200" spc="-1" strike="noStrike">
+              <a:latin typeface="Arial"/>
             </a:endParaRPr>
           </a:p>
         </p:txBody>
@@ -13048,7 +12267,7 @@
         <p:spPr>
           <a:xfrm>
             <a:off x="451800" y="1709280"/>
-            <a:ext cx="8224560" cy="4352760"/>
+            <a:ext cx="8223840" cy="4352040"/>
           </a:xfrm>
           <a:prstGeom prst="rect">
             <a:avLst/>
@@ -13078,7 +12297,7 @@
         <p:spPr>
           <a:xfrm>
             <a:off x="609480" y="1769400"/>
-            <a:ext cx="10587600" cy="4855680"/>
+            <a:ext cx="10586880" cy="4854960"/>
           </a:xfrm>
           <a:prstGeom prst="rect">
             <a:avLst/>
@@ -13117,10 +12336,7 @@
               </a:rPr>
               <a:t>Conflict of Value</a:t>
             </a:r>
-            <a:endParaRPr b="0" lang="en-US" sz="2000" spc="-1" strike="noStrike">
-              <a:solidFill>
-                <a:srgbClr val="000000"/>
-              </a:solidFill>
+            <a:endParaRPr b="0" lang="en-GB" sz="2000" spc="-1" strike="noStrike">
               <a:latin typeface="Arial"/>
             </a:endParaRPr>
           </a:p>
@@ -13149,10 +12365,7 @@
               </a:rPr>
               <a:t>Not related to monetary values!</a:t>
             </a:r>
-            <a:endParaRPr b="0" lang="en-US" sz="1800" spc="-1" strike="noStrike">
-              <a:solidFill>
-                <a:srgbClr val="000000"/>
-              </a:solidFill>
+            <a:endParaRPr b="0" lang="en-GB" sz="1800" spc="-1" strike="noStrike">
               <a:latin typeface="Arial"/>
             </a:endParaRPr>
           </a:p>
@@ -13181,10 +12394,7 @@
               </a:rPr>
               <a:t>Means values in the sense of principles</a:t>
             </a:r>
-            <a:endParaRPr b="0" lang="en-US" sz="1800" spc="-1" strike="noStrike">
-              <a:solidFill>
-                <a:srgbClr val="000000"/>
-              </a:solidFill>
+            <a:endParaRPr b="0" lang="en-GB" sz="1800" spc="-1" strike="noStrike">
               <a:latin typeface="Arial"/>
             </a:endParaRPr>
           </a:p>
@@ -13213,10 +12423,7 @@
               </a:rPr>
               <a:t>Stakeholder A wants open source</a:t>
             </a:r>
-            <a:endParaRPr b="0" lang="en-US" sz="1600" spc="-1" strike="noStrike">
-              <a:solidFill>
-                <a:srgbClr val="000000"/>
-              </a:solidFill>
+            <a:endParaRPr b="0" lang="en-GB" sz="1600" spc="-1" strike="noStrike">
               <a:latin typeface="Arial"/>
             </a:endParaRPr>
           </a:p>
@@ -13245,10 +12452,7 @@
               </a:rPr>
               <a:t>Stakeholder B wants closed source</a:t>
             </a:r>
-            <a:endParaRPr b="0" lang="en-US" sz="1600" spc="-1" strike="noStrike">
-              <a:solidFill>
-                <a:srgbClr val="000000"/>
-              </a:solidFill>
+            <a:endParaRPr b="0" lang="en-GB" sz="1600" spc="-1" strike="noStrike">
               <a:latin typeface="Arial"/>
             </a:endParaRPr>
           </a:p>
@@ -13277,10 +12481,7 @@
               </a:rPr>
               <a:t>Relationship Conflict</a:t>
             </a:r>
-            <a:endParaRPr b="0" lang="en-US" sz="2000" spc="-1" strike="noStrike">
-              <a:solidFill>
-                <a:srgbClr val="000000"/>
-              </a:solidFill>
+            <a:endParaRPr b="0" lang="en-GB" sz="2000" spc="-1" strike="noStrike">
               <a:latin typeface="Arial"/>
             </a:endParaRPr>
           </a:p>
@@ -13309,10 +12510,7 @@
               </a:rPr>
               <a:t>Caused by stereotypical relationship concepts (“I just cannot stand the marketing guys”), communication deficits, or negative personal relationships</a:t>
             </a:r>
-            <a:endParaRPr b="0" lang="en-US" sz="1800" spc="-1" strike="noStrike">
-              <a:solidFill>
-                <a:srgbClr val="000000"/>
-              </a:solidFill>
+            <a:endParaRPr b="0" lang="en-GB" sz="1800" spc="-1" strike="noStrike">
               <a:latin typeface="Arial"/>
             </a:endParaRPr>
           </a:p>
@@ -13341,10 +12539,7 @@
               </a:rPr>
               <a:t>Stakeholder A and B are of equal importance</a:t>
             </a:r>
-            <a:endParaRPr b="0" lang="en-US" sz="1600" spc="-1" strike="noStrike">
-              <a:solidFill>
-                <a:srgbClr val="000000"/>
-              </a:solidFill>
+            <a:endParaRPr b="0" lang="en-GB" sz="1600" spc="-1" strike="noStrike">
               <a:latin typeface="Arial"/>
             </a:endParaRPr>
           </a:p>
@@ -13373,10 +12568,7 @@
               </a:rPr>
               <a:t>Stakeholder A tries to distinguish itself through forcing his requirements on the project</a:t>
             </a:r>
-            <a:endParaRPr b="0" lang="en-US" sz="1600" spc="-1" strike="noStrike">
-              <a:solidFill>
-                <a:srgbClr val="000000"/>
-              </a:solidFill>
+            <a:endParaRPr b="0" lang="en-GB" sz="1600" spc="-1" strike="noStrike">
               <a:latin typeface="Arial"/>
             </a:endParaRPr>
           </a:p>
@@ -13421,7 +12613,7 @@
         <p:spPr>
           <a:xfrm>
             <a:off x="542880" y="721800"/>
-            <a:ext cx="10357200" cy="497880"/>
+            <a:ext cx="10356480" cy="497160"/>
           </a:xfrm>
           <a:prstGeom prst="rect">
             <a:avLst/>
@@ -13446,7 +12638,6 @@
               <a:lnSpc>
                 <a:spcPct val="100000"/>
               </a:lnSpc>
-              <a:buNone/>
             </a:pPr>
             <a:r>
               <a:rPr b="1" lang="en-US" sz="2200" spc="-1" strike="noStrike">
@@ -13458,8 +12649,8 @@
               </a:rPr>
               <a:t>Conflict Management</a:t>
             </a:r>
-            <a:endParaRPr b="0" lang="en-US" sz="2200" spc="-1" strike="noStrike">
-              <a:latin typeface="DejaVu Sans"/>
+            <a:endParaRPr b="0" lang="en-GB" sz="2200" spc="-1" strike="noStrike">
+              <a:latin typeface="Arial"/>
             </a:endParaRPr>
           </a:p>
         </p:txBody>
@@ -13473,7 +12664,7 @@
         <p:spPr>
           <a:xfrm>
             <a:off x="542880" y="1267200"/>
-            <a:ext cx="10357200" cy="497880"/>
+            <a:ext cx="10356480" cy="497160"/>
           </a:xfrm>
           <a:prstGeom prst="rect">
             <a:avLst/>
@@ -13498,7 +12689,6 @@
               <a:lnSpc>
                 <a:spcPct val="100000"/>
               </a:lnSpc>
-              <a:buNone/>
             </a:pPr>
             <a:r>
               <a:rPr b="1" lang="en-US" sz="2200" spc="-1" strike="noStrike">
@@ -13510,8 +12700,8 @@
               </a:rPr>
               <a:t>Conflict Analysis – Types of Conflicts</a:t>
             </a:r>
-            <a:endParaRPr b="0" lang="en-US" sz="2200" spc="-1" strike="noStrike">
-              <a:latin typeface="DejaVu Sans"/>
+            <a:endParaRPr b="0" lang="en-GB" sz="2200" spc="-1" strike="noStrike">
+              <a:latin typeface="Arial"/>
             </a:endParaRPr>
           </a:p>
         </p:txBody>
@@ -13525,7 +12715,7 @@
         <p:spPr>
           <a:xfrm>
             <a:off x="451800" y="1709280"/>
-            <a:ext cx="8224560" cy="4352760"/>
+            <a:ext cx="8223840" cy="4352040"/>
           </a:xfrm>
           <a:prstGeom prst="rect">
             <a:avLst/>
@@ -13555,7 +12745,7 @@
         <p:spPr>
           <a:xfrm>
             <a:off x="609480" y="1769400"/>
-            <a:ext cx="10587600" cy="4855680"/>
+            <a:ext cx="10586880" cy="4854960"/>
           </a:xfrm>
           <a:prstGeom prst="rect">
             <a:avLst/>
@@ -13594,10 +12784,7 @@
               </a:rPr>
               <a:t>Structural Conflict</a:t>
             </a:r>
-            <a:endParaRPr b="0" lang="en-US" sz="2000" spc="-1" strike="noStrike">
-              <a:solidFill>
-                <a:srgbClr val="000000"/>
-              </a:solidFill>
+            <a:endParaRPr b="0" lang="en-GB" sz="2000" spc="-1" strike="noStrike">
               <a:latin typeface="Arial"/>
             </a:endParaRPr>
           </a:p>
@@ -13626,10 +12813,7 @@
               </a:rPr>
               <a:t>Caused by unequal levels of power</a:t>
             </a:r>
-            <a:endParaRPr b="0" lang="en-US" sz="1800" spc="-1" strike="noStrike">
-              <a:solidFill>
-                <a:srgbClr val="000000"/>
-              </a:solidFill>
+            <a:endParaRPr b="0" lang="en-GB" sz="1800" spc="-1" strike="noStrike">
               <a:latin typeface="Arial"/>
             </a:endParaRPr>
           </a:p>
@@ -13658,10 +12842,7 @@
               </a:rPr>
               <a:t>Superior rejects all input of an employee invariable</a:t>
             </a:r>
-            <a:endParaRPr b="0" lang="en-US" sz="1600" spc="-1" strike="noStrike">
-              <a:solidFill>
-                <a:srgbClr val="000000"/>
-              </a:solidFill>
+            <a:endParaRPr b="0" lang="en-GB" sz="1600" spc="-1" strike="noStrike">
               <a:latin typeface="Arial"/>
             </a:endParaRPr>
           </a:p>
@@ -13690,10 +12871,7 @@
               </a:rPr>
               <a:t>Important stakeholder A completely rejects opinions and suppresses requirements of less important stakeholder B</a:t>
             </a:r>
-            <a:endParaRPr b="0" lang="en-US" sz="1600" spc="-1" strike="noStrike">
-              <a:solidFill>
-                <a:srgbClr val="000000"/>
-              </a:solidFill>
+            <a:endParaRPr b="0" lang="en-GB" sz="1600" spc="-1" strike="noStrike">
               <a:latin typeface="Arial"/>
             </a:endParaRPr>
           </a:p>
@@ -13722,10 +12900,7 @@
               </a:rPr>
               <a:t>Mixed reasons</a:t>
             </a:r>
-            <a:endParaRPr b="0" lang="en-US" sz="2000" spc="-1" strike="noStrike">
-              <a:solidFill>
-                <a:srgbClr val="000000"/>
-              </a:solidFill>
+            <a:endParaRPr b="0" lang="en-GB" sz="2000" spc="-1" strike="noStrike">
               <a:latin typeface="Arial"/>
             </a:endParaRPr>
           </a:p>
@@ -13754,10 +12929,7 @@
               </a:rPr>
               <a:t>Often a clear classification not possible</a:t>
             </a:r>
-            <a:endParaRPr b="0" lang="en-US" sz="1800" spc="-1" strike="noStrike">
-              <a:solidFill>
-                <a:srgbClr val="000000"/>
-              </a:solidFill>
+            <a:endParaRPr b="0" lang="en-GB" sz="1800" spc="-1" strike="noStrike">
               <a:latin typeface="Arial"/>
             </a:endParaRPr>
           </a:p>
@@ -13786,10 +12958,7 @@
               </a:rPr>
               <a:t>Stakeholder A wants open source due to their principles, but also due to cost objectives</a:t>
             </a:r>
-            <a:endParaRPr b="0" lang="en-US" sz="1600" spc="-1" strike="noStrike">
-              <a:solidFill>
-                <a:srgbClr val="000000"/>
-              </a:solidFill>
+            <a:endParaRPr b="0" lang="en-GB" sz="1600" spc="-1" strike="noStrike">
               <a:latin typeface="Arial"/>
             </a:endParaRPr>
           </a:p>
@@ -13818,15 +12987,12 @@
               </a:rPr>
               <a:t>Stakeholder B wants closed source due to their principles and does not care about potentially higher costs</a:t>
             </a:r>
-            <a:endParaRPr b="0" lang="en-US" sz="1600" spc="-1" strike="noStrike">
-              <a:solidFill>
-                <a:srgbClr val="000000"/>
-              </a:solidFill>
-              <a:latin typeface="Arial"/>
-            </a:endParaRPr>
-          </a:p>
-          <a:p>
-            <a:pPr marL="228600" indent="-228600">
+            <a:endParaRPr b="0" lang="en-GB" sz="1600" spc="-1" strike="noStrike">
+              <a:latin typeface="Arial"/>
+            </a:endParaRPr>
+          </a:p>
+          <a:p>
+            <a:pPr marL="228600" indent="0">
               <a:lnSpc>
                 <a:spcPct val="100000"/>
               </a:lnSpc>
@@ -13858,10 +13024,7 @@
               </a:rPr>
               <a:t>Both conflict of interest and conflict of values</a:t>
             </a:r>
-            <a:endParaRPr b="0" lang="en-US" sz="2000" spc="-1" strike="noStrike">
-              <a:solidFill>
-                <a:srgbClr val="000000"/>
-              </a:solidFill>
+            <a:endParaRPr b="0" lang="en-GB" sz="2000" spc="-1" strike="noStrike">
               <a:latin typeface="Arial"/>
             </a:endParaRPr>
           </a:p>
@@ -13906,7 +13069,7 @@
         <p:spPr>
           <a:xfrm>
             <a:off x="542880" y="721800"/>
-            <a:ext cx="10357200" cy="497880"/>
+            <a:ext cx="10356480" cy="497160"/>
           </a:xfrm>
           <a:prstGeom prst="rect">
             <a:avLst/>
@@ -13931,7 +13094,6 @@
               <a:lnSpc>
                 <a:spcPct val="100000"/>
               </a:lnSpc>
-              <a:buNone/>
             </a:pPr>
             <a:r>
               <a:rPr b="1" lang="en-US" sz="2200" spc="-1" strike="noStrike">
@@ -13943,8 +13105,8 @@
               </a:rPr>
               <a:t>Conflict Management</a:t>
             </a:r>
-            <a:endParaRPr b="0" lang="en-US" sz="2200" spc="-1" strike="noStrike">
-              <a:latin typeface="DejaVu Sans"/>
+            <a:endParaRPr b="0" lang="en-GB" sz="2200" spc="-1" strike="noStrike">
+              <a:latin typeface="Arial"/>
             </a:endParaRPr>
           </a:p>
         </p:txBody>
@@ -13958,7 +13120,7 @@
         <p:spPr>
           <a:xfrm>
             <a:off x="542880" y="1267200"/>
-            <a:ext cx="10357200" cy="497880"/>
+            <a:ext cx="10356480" cy="497160"/>
           </a:xfrm>
           <a:prstGeom prst="rect">
             <a:avLst/>
@@ -13983,7 +13145,6 @@
               <a:lnSpc>
                 <a:spcPct val="100000"/>
               </a:lnSpc>
-              <a:buNone/>
             </a:pPr>
             <a:r>
               <a:rPr b="1" lang="en-US" sz="2200" spc="-1" strike="noStrike">
@@ -13995,8 +13156,8 @@
               </a:rPr>
               <a:t>Conflict Resolution</a:t>
             </a:r>
-            <a:endParaRPr b="0" lang="en-US" sz="2200" spc="-1" strike="noStrike">
-              <a:latin typeface="DejaVu Sans"/>
+            <a:endParaRPr b="0" lang="en-GB" sz="2200" spc="-1" strike="noStrike">
+              <a:latin typeface="Arial"/>
             </a:endParaRPr>
           </a:p>
         </p:txBody>
@@ -14010,7 +13171,7 @@
         <p:spPr>
           <a:xfrm>
             <a:off x="451800" y="1709280"/>
-            <a:ext cx="8224560" cy="4352760"/>
+            <a:ext cx="8223840" cy="4352040"/>
           </a:xfrm>
           <a:prstGeom prst="rect">
             <a:avLst/>
@@ -14040,7 +13201,7 @@
         <p:spPr>
           <a:xfrm>
             <a:off x="609480" y="1769400"/>
-            <a:ext cx="10587600" cy="4855680"/>
+            <a:ext cx="10586880" cy="4854960"/>
           </a:xfrm>
           <a:prstGeom prst="rect">
             <a:avLst/>
@@ -14079,10 +13240,7 @@
               </a:rPr>
               <a:t>Most important part of the conflict management</a:t>
             </a:r>
-            <a:endParaRPr b="0" lang="en-US" sz="2000" spc="-1" strike="noStrike">
-              <a:solidFill>
-                <a:srgbClr val="000000"/>
-              </a:solidFill>
+            <a:endParaRPr b="0" lang="en-GB" sz="2000" spc="-1" strike="noStrike">
               <a:latin typeface="Arial"/>
             </a:endParaRPr>
           </a:p>
@@ -14111,10 +13269,7 @@
               </a:rPr>
               <a:t>Fair resolution leads to acceptance by all stakeholders</a:t>
             </a:r>
-            <a:endParaRPr b="0" lang="en-US" sz="1800" spc="-1" strike="noStrike">
-              <a:solidFill>
-                <a:srgbClr val="000000"/>
-              </a:solidFill>
+            <a:endParaRPr b="0" lang="en-GB" sz="1800" spc="-1" strike="noStrike">
               <a:latin typeface="Arial"/>
             </a:endParaRPr>
           </a:p>
@@ -14143,10 +13298,7 @@
               </a:rPr>
               <a:t>Should involve all relevant stakeholders</a:t>
             </a:r>
-            <a:endParaRPr b="0" lang="en-US" sz="1800" spc="-1" strike="noStrike">
-              <a:solidFill>
-                <a:srgbClr val="000000"/>
-              </a:solidFill>
+            <a:endParaRPr b="0" lang="en-GB" sz="1800" spc="-1" strike="noStrike">
               <a:latin typeface="Arial"/>
             </a:endParaRPr>
           </a:p>
@@ -14175,10 +13327,7 @@
               </a:rPr>
               <a:t>Various conflict resolution techniques</a:t>
             </a:r>
-            <a:endParaRPr b="0" lang="en-US" sz="2000" spc="-1" strike="noStrike">
-              <a:solidFill>
-                <a:srgbClr val="000000"/>
-              </a:solidFill>
+            <a:endParaRPr b="0" lang="en-GB" sz="2000" spc="-1" strike="noStrike">
               <a:latin typeface="Arial"/>
             </a:endParaRPr>
           </a:p>
@@ -14207,10 +13356,7 @@
               </a:rPr>
               <a:t>Agreement</a:t>
             </a:r>
-            <a:endParaRPr b="0" lang="en-US" sz="1800" spc="-1" strike="noStrike">
-              <a:solidFill>
-                <a:srgbClr val="000000"/>
-              </a:solidFill>
+            <a:endParaRPr b="0" lang="en-GB" sz="1800" spc="-1" strike="noStrike">
               <a:latin typeface="Arial"/>
             </a:endParaRPr>
           </a:p>
@@ -14239,10 +13385,7 @@
               </a:rPr>
               <a:t>Compromise</a:t>
             </a:r>
-            <a:endParaRPr b="0" lang="en-US" sz="1800" spc="-1" strike="noStrike">
-              <a:solidFill>
-                <a:srgbClr val="000000"/>
-              </a:solidFill>
+            <a:endParaRPr b="0" lang="en-GB" sz="1800" spc="-1" strike="noStrike">
               <a:latin typeface="Arial"/>
             </a:endParaRPr>
           </a:p>
@@ -14271,10 +13414,7 @@
               </a:rPr>
               <a:t>Voting</a:t>
             </a:r>
-            <a:endParaRPr b="0" lang="en-US" sz="1800" spc="-1" strike="noStrike">
-              <a:solidFill>
-                <a:srgbClr val="000000"/>
-              </a:solidFill>
+            <a:endParaRPr b="0" lang="en-GB" sz="1800" spc="-1" strike="noStrike">
               <a:latin typeface="Arial"/>
             </a:endParaRPr>
           </a:p>
@@ -14303,10 +13443,7 @@
               </a:rPr>
               <a:t>Definition of variants</a:t>
             </a:r>
-            <a:endParaRPr b="0" lang="en-US" sz="1800" spc="-1" strike="noStrike">
-              <a:solidFill>
-                <a:srgbClr val="000000"/>
-              </a:solidFill>
+            <a:endParaRPr b="0" lang="en-GB" sz="1800" spc="-1" strike="noStrike">
               <a:latin typeface="Arial"/>
             </a:endParaRPr>
           </a:p>
@@ -14335,10 +13472,7 @@
               </a:rPr>
               <a:t>Overruling</a:t>
             </a:r>
-            <a:endParaRPr b="0" lang="en-US" sz="1800" spc="-1" strike="noStrike">
-              <a:solidFill>
-                <a:srgbClr val="000000"/>
-              </a:solidFill>
+            <a:endParaRPr b="0" lang="en-GB" sz="1800" spc="-1" strike="noStrike">
               <a:latin typeface="Arial"/>
             </a:endParaRPr>
           </a:p>
@@ -14367,10 +13501,7 @@
               </a:rPr>
               <a:t>Consider-all-facts</a:t>
             </a:r>
-            <a:endParaRPr b="0" lang="en-US" sz="1800" spc="-1" strike="noStrike">
-              <a:solidFill>
-                <a:srgbClr val="000000"/>
-              </a:solidFill>
+            <a:endParaRPr b="0" lang="en-GB" sz="1800" spc="-1" strike="noStrike">
               <a:latin typeface="Arial"/>
             </a:endParaRPr>
           </a:p>
@@ -14399,10 +13530,7 @@
               </a:rPr>
               <a:t>Plus-minus-interesting</a:t>
             </a:r>
-            <a:endParaRPr b="0" lang="en-US" sz="1800" spc="-1" strike="noStrike">
-              <a:solidFill>
-                <a:srgbClr val="000000"/>
-              </a:solidFill>
+            <a:endParaRPr b="0" lang="en-GB" sz="1800" spc="-1" strike="noStrike">
               <a:latin typeface="Arial"/>
             </a:endParaRPr>
           </a:p>
@@ -14431,10 +13559,7 @@
               </a:rPr>
               <a:t>Decision matrix</a:t>
             </a:r>
-            <a:endParaRPr b="0" lang="en-US" sz="1800" spc="-1" strike="noStrike">
-              <a:solidFill>
-                <a:srgbClr val="000000"/>
-              </a:solidFill>
+            <a:endParaRPr b="0" lang="en-GB" sz="1800" spc="-1" strike="noStrike">
               <a:latin typeface="Arial"/>
             </a:endParaRPr>
           </a:p>
@@ -14479,7 +13604,7 @@
         <p:spPr>
           <a:xfrm>
             <a:off x="542880" y="721800"/>
-            <a:ext cx="10357200" cy="497880"/>
+            <a:ext cx="10356480" cy="497160"/>
           </a:xfrm>
           <a:prstGeom prst="rect">
             <a:avLst/>
@@ -14504,7 +13629,6 @@
               <a:lnSpc>
                 <a:spcPct val="100000"/>
               </a:lnSpc>
-              <a:buNone/>
             </a:pPr>
             <a:r>
               <a:rPr b="1" lang="en-US" sz="2200" spc="-1" strike="noStrike">
@@ -14516,8 +13640,8 @@
               </a:rPr>
               <a:t>Conflict Management</a:t>
             </a:r>
-            <a:endParaRPr b="0" lang="en-US" sz="2200" spc="-1" strike="noStrike">
-              <a:latin typeface="DejaVu Sans"/>
+            <a:endParaRPr b="0" lang="en-GB" sz="2200" spc="-1" strike="noStrike">
+              <a:latin typeface="Arial"/>
             </a:endParaRPr>
           </a:p>
         </p:txBody>
@@ -14531,7 +13655,7 @@
         <p:spPr>
           <a:xfrm>
             <a:off x="542880" y="1267200"/>
-            <a:ext cx="10357200" cy="497880"/>
+            <a:ext cx="10356480" cy="497160"/>
           </a:xfrm>
           <a:prstGeom prst="rect">
             <a:avLst/>
@@ -14556,7 +13680,6 @@
               <a:lnSpc>
                 <a:spcPct val="100000"/>
               </a:lnSpc>
-              <a:buNone/>
             </a:pPr>
             <a:r>
               <a:rPr b="1" lang="en-US" sz="2200" spc="-1" strike="noStrike">
@@ -14568,8 +13691,8 @@
               </a:rPr>
               <a:t>Conflict Resolution – Techniques </a:t>
             </a:r>
-            <a:endParaRPr b="0" lang="en-US" sz="2200" spc="-1" strike="noStrike">
-              <a:latin typeface="DejaVu Sans"/>
+            <a:endParaRPr b="0" lang="en-GB" sz="2200" spc="-1" strike="noStrike">
+              <a:latin typeface="Arial"/>
             </a:endParaRPr>
           </a:p>
         </p:txBody>
@@ -14583,7 +13706,7 @@
         <p:spPr>
           <a:xfrm>
             <a:off x="451800" y="1709280"/>
-            <a:ext cx="8224560" cy="4352760"/>
+            <a:ext cx="8223840" cy="4352040"/>
           </a:xfrm>
           <a:prstGeom prst="rect">
             <a:avLst/>
@@ -14613,7 +13736,7 @@
         <p:spPr>
           <a:xfrm>
             <a:off x="609480" y="1769400"/>
-            <a:ext cx="10587600" cy="4855680"/>
+            <a:ext cx="10586880" cy="4854960"/>
           </a:xfrm>
           <a:prstGeom prst="rect">
             <a:avLst/>
@@ -14652,10 +13775,7 @@
               </a:rPr>
               <a:t>Agreement</a:t>
             </a:r>
-            <a:endParaRPr b="0" lang="en-US" sz="2000" spc="-1" strike="noStrike">
-              <a:solidFill>
-                <a:srgbClr val="000000"/>
-              </a:solidFill>
+            <a:endParaRPr b="0" lang="en-GB" sz="2000" spc="-1" strike="noStrike">
               <a:latin typeface="Arial"/>
             </a:endParaRPr>
           </a:p>
@@ -14684,10 +13804,7 @@
               </a:rPr>
               <a:t>All conflict parties negotiate a solution to the conflict</a:t>
             </a:r>
-            <a:endParaRPr b="0" lang="en-US" sz="1800" spc="-1" strike="noStrike">
-              <a:solidFill>
-                <a:srgbClr val="000000"/>
-              </a:solidFill>
+            <a:endParaRPr b="0" lang="en-GB" sz="1800" spc="-1" strike="noStrike">
               <a:latin typeface="Arial"/>
             </a:endParaRPr>
           </a:p>
@@ -14716,10 +13833,7 @@
               </a:rPr>
               <a:t>Exchange of information, ideas, arguments, and opinions</a:t>
             </a:r>
-            <a:endParaRPr b="0" lang="en-US" sz="1800" spc="-1" strike="noStrike">
-              <a:solidFill>
-                <a:srgbClr val="000000"/>
-              </a:solidFill>
+            <a:endParaRPr b="0" lang="en-GB" sz="1800" spc="-1" strike="noStrike">
               <a:latin typeface="Arial"/>
             </a:endParaRPr>
           </a:p>
@@ -14748,10 +13862,7 @@
               </a:rPr>
               <a:t>Results in an agreeable solution for everyone</a:t>
             </a:r>
-            <a:endParaRPr b="0" lang="en-US" sz="1800" spc="-1" strike="noStrike">
-              <a:solidFill>
-                <a:srgbClr val="000000"/>
-              </a:solidFill>
+            <a:endParaRPr b="0" lang="en-GB" sz="1800" spc="-1" strike="noStrike">
               <a:latin typeface="Arial"/>
             </a:endParaRPr>
           </a:p>
@@ -14780,10 +13891,7 @@
               </a:rPr>
               <a:t>One of the alternatives is selected</a:t>
             </a:r>
-            <a:endParaRPr b="0" lang="en-US" sz="1600" spc="-1" strike="noStrike">
-              <a:solidFill>
-                <a:srgbClr val="000000"/>
-              </a:solidFill>
+            <a:endParaRPr b="0" lang="en-GB" sz="1600" spc="-1" strike="noStrike">
               <a:latin typeface="Arial"/>
             </a:endParaRPr>
           </a:p>
@@ -14812,10 +13920,7 @@
               </a:rPr>
               <a:t>Compromise</a:t>
             </a:r>
-            <a:endParaRPr b="0" lang="en-US" sz="2000" spc="-1" strike="noStrike">
-              <a:solidFill>
-                <a:srgbClr val="000000"/>
-              </a:solidFill>
+            <a:endParaRPr b="0" lang="en-GB" sz="2000" spc="-1" strike="noStrike">
               <a:latin typeface="Arial"/>
             </a:endParaRPr>
           </a:p>
@@ -14844,10 +13949,7 @@
               </a:rPr>
               <a:t>All conflict parties try to find a compromise between alternative solutions</a:t>
             </a:r>
-            <a:endParaRPr b="0" lang="en-US" sz="1800" spc="-1" strike="noStrike">
-              <a:solidFill>
-                <a:srgbClr val="000000"/>
-              </a:solidFill>
+            <a:endParaRPr b="0" lang="en-GB" sz="1800" spc="-1" strike="noStrike">
               <a:latin typeface="Arial"/>
             </a:endParaRPr>
           </a:p>
@@ -14876,10 +13978,7 @@
               </a:rPr>
               <a:t>Difference to agreement:</a:t>
             </a:r>
-            <a:endParaRPr b="0" lang="en-US" sz="1800" spc="-1" strike="noStrike">
-              <a:solidFill>
-                <a:srgbClr val="000000"/>
-              </a:solidFill>
+            <a:endParaRPr b="0" lang="en-GB" sz="1800" spc="-1" strike="noStrike">
               <a:latin typeface="Arial"/>
             </a:endParaRPr>
           </a:p>
@@ -14908,10 +14007,7 @@
               </a:rPr>
               <a:t>Mix and match different parts of alternate solutions</a:t>
             </a:r>
-            <a:endParaRPr b="0" lang="en-US" sz="1600" spc="-1" strike="noStrike">
-              <a:solidFill>
-                <a:srgbClr val="000000"/>
-              </a:solidFill>
+            <a:endParaRPr b="0" lang="en-GB" sz="1600" spc="-1" strike="noStrike">
               <a:latin typeface="Arial"/>
             </a:endParaRPr>
           </a:p>
@@ -14940,10 +14036,7 @@
               </a:rPr>
               <a:t>Possibly a completely new alternative solution</a:t>
             </a:r>
-            <a:endParaRPr b="0" lang="en-US" sz="1600" spc="-1" strike="noStrike">
-              <a:solidFill>
-                <a:srgbClr val="000000"/>
-              </a:solidFill>
+            <a:endParaRPr b="0" lang="en-GB" sz="1600" spc="-1" strike="noStrike">
               <a:latin typeface="Arial"/>
             </a:endParaRPr>
           </a:p>
@@ -14988,7 +14081,7 @@
         <p:spPr>
           <a:xfrm>
             <a:off x="542880" y="721800"/>
-            <a:ext cx="10357200" cy="497880"/>
+            <a:ext cx="10356480" cy="497160"/>
           </a:xfrm>
           <a:prstGeom prst="rect">
             <a:avLst/>
@@ -15013,7 +14106,6 @@
               <a:lnSpc>
                 <a:spcPct val="100000"/>
               </a:lnSpc>
-              <a:buNone/>
             </a:pPr>
             <a:r>
               <a:rPr b="1" lang="en-US" sz="2200" spc="-1" strike="noStrike">
@@ -15025,8 +14117,8 @@
               </a:rPr>
               <a:t>Conflict Management</a:t>
             </a:r>
-            <a:endParaRPr b="0" lang="en-US" sz="2200" spc="-1" strike="noStrike">
-              <a:latin typeface="DejaVu Sans"/>
+            <a:endParaRPr b="0" lang="en-GB" sz="2200" spc="-1" strike="noStrike">
+              <a:latin typeface="Arial"/>
             </a:endParaRPr>
           </a:p>
         </p:txBody>
@@ -15040,7 +14132,7 @@
         <p:spPr>
           <a:xfrm>
             <a:off x="542880" y="1267200"/>
-            <a:ext cx="10357200" cy="497880"/>
+            <a:ext cx="10356480" cy="497160"/>
           </a:xfrm>
           <a:prstGeom prst="rect">
             <a:avLst/>
@@ -15065,7 +14157,6 @@
               <a:lnSpc>
                 <a:spcPct val="100000"/>
               </a:lnSpc>
-              <a:buNone/>
             </a:pPr>
             <a:r>
               <a:rPr b="1" lang="en-US" sz="2200" spc="-1" strike="noStrike">
@@ -15077,8 +14168,8 @@
               </a:rPr>
               <a:t>Conflict Resolution – Techniques </a:t>
             </a:r>
-            <a:endParaRPr b="0" lang="en-US" sz="2200" spc="-1" strike="noStrike">
-              <a:latin typeface="DejaVu Sans"/>
+            <a:endParaRPr b="0" lang="en-GB" sz="2200" spc="-1" strike="noStrike">
+              <a:latin typeface="Arial"/>
             </a:endParaRPr>
           </a:p>
         </p:txBody>
@@ -15092,7 +14183,7 @@
         <p:spPr>
           <a:xfrm>
             <a:off x="451800" y="1709280"/>
-            <a:ext cx="8224560" cy="4352760"/>
+            <a:ext cx="8223840" cy="4352040"/>
           </a:xfrm>
           <a:prstGeom prst="rect">
             <a:avLst/>
@@ -15122,7 +14213,7 @@
         <p:spPr>
           <a:xfrm>
             <a:off x="609480" y="1769400"/>
-            <a:ext cx="10587600" cy="4855680"/>
+            <a:ext cx="10586880" cy="4854960"/>
           </a:xfrm>
           <a:prstGeom prst="rect">
             <a:avLst/>
@@ -15161,10 +14252,7 @@
               </a:rPr>
               <a:t>Voting</a:t>
             </a:r>
-            <a:endParaRPr b="0" lang="en-US" sz="2000" spc="-1" strike="noStrike">
-              <a:solidFill>
-                <a:srgbClr val="000000"/>
-              </a:solidFill>
+            <a:endParaRPr b="0" lang="en-GB" sz="2000" spc="-1" strike="noStrike">
               <a:latin typeface="Arial"/>
             </a:endParaRPr>
           </a:p>
@@ -15193,10 +14281,7 @@
               </a:rPr>
               <a:t>All possible solution alternatives are presented to the relevant stakeholders</a:t>
             </a:r>
-            <a:endParaRPr b="0" lang="en-US" sz="1800" spc="-1" strike="noStrike">
-              <a:solidFill>
-                <a:srgbClr val="000000"/>
-              </a:solidFill>
+            <a:endParaRPr b="0" lang="en-GB" sz="1800" spc="-1" strike="noStrike">
               <a:latin typeface="Arial"/>
             </a:endParaRPr>
           </a:p>
@@ -15225,10 +14310,7 @@
               </a:rPr>
               <a:t>All conflict parties vote on solution alternatives</a:t>
             </a:r>
-            <a:endParaRPr b="0" lang="en-US" sz="1800" spc="-1" strike="noStrike">
-              <a:solidFill>
-                <a:srgbClr val="000000"/>
-              </a:solidFill>
+            <a:endParaRPr b="0" lang="en-GB" sz="1800" spc="-1" strike="noStrike">
               <a:latin typeface="Arial"/>
             </a:endParaRPr>
           </a:p>
@@ -15257,15 +14339,12 @@
               </a:rPr>
               <a:t>Alternative with the most votes is the accepted solution</a:t>
             </a:r>
-            <a:endParaRPr b="0" lang="en-US" sz="1800" spc="-1" strike="noStrike">
-              <a:solidFill>
-                <a:srgbClr val="000000"/>
-              </a:solidFill>
-              <a:latin typeface="Arial"/>
-            </a:endParaRPr>
-          </a:p>
-          <a:p>
-            <a:pPr marL="228600" indent="-228600">
+            <a:endParaRPr b="0" lang="en-GB" sz="1800" spc="-1" strike="noStrike">
+              <a:latin typeface="Arial"/>
+            </a:endParaRPr>
+          </a:p>
+          <a:p>
+            <a:pPr marL="228600" indent="0">
               <a:lnSpc>
                 <a:spcPct val="90000"/>
               </a:lnSpc>
@@ -15277,10 +14356,7 @@
                 <a:tab algn="l" pos="0"/>
               </a:tabLst>
             </a:pPr>
-            <a:endParaRPr b="0" lang="en-US" sz="1800" spc="-1" strike="noStrike">
-              <a:solidFill>
-                <a:srgbClr val="000000"/>
-              </a:solidFill>
+            <a:endParaRPr b="0" lang="en-GB" sz="1800" spc="-1" strike="noStrike">
               <a:latin typeface="Arial"/>
             </a:endParaRPr>
           </a:p>
@@ -15312,10 +14388,7 @@
               </a:rPr>
               <a:t>Definition of variants</a:t>
             </a:r>
-            <a:endParaRPr b="0" lang="en-US" sz="2000" spc="-1" strike="noStrike">
-              <a:solidFill>
-                <a:srgbClr val="000000"/>
-              </a:solidFill>
+            <a:endParaRPr b="0" lang="en-GB" sz="2000" spc="-1" strike="noStrike">
               <a:latin typeface="Arial"/>
             </a:endParaRPr>
           </a:p>
@@ -15347,10 +14420,7 @@
               </a:rPr>
               <a:t>The system is developed to allow multiple alternatives through configuration</a:t>
             </a:r>
-            <a:endParaRPr b="0" lang="en-US" sz="1800" spc="-1" strike="noStrike">
-              <a:solidFill>
-                <a:srgbClr val="000000"/>
-              </a:solidFill>
+            <a:endParaRPr b="0" lang="en-GB" sz="1800" spc="-1" strike="noStrike">
               <a:latin typeface="Arial"/>
             </a:endParaRPr>
           </a:p>
@@ -15382,10 +14452,7 @@
               </a:rPr>
               <a:t>System directly satisfies the needs of the stakeholder without restrictions</a:t>
             </a:r>
-            <a:endParaRPr b="0" lang="en-US" sz="1600" spc="-1" strike="noStrike">
-              <a:solidFill>
-                <a:srgbClr val="000000"/>
-              </a:solidFill>
+            <a:endParaRPr b="0" lang="en-GB" sz="1600" spc="-1" strike="noStrike">
               <a:latin typeface="Arial"/>
             </a:endParaRPr>
           </a:p>
@@ -15417,10 +14484,7 @@
               </a:rPr>
               <a:t>Usually associated with higher costs</a:t>
             </a:r>
-            <a:endParaRPr b="0" lang="en-US" sz="1600" spc="-1" strike="noStrike">
-              <a:solidFill>
-                <a:srgbClr val="000000"/>
-              </a:solidFill>
+            <a:endParaRPr b="0" lang="en-GB" sz="1600" spc="-1" strike="noStrike">
               <a:latin typeface="Arial"/>
             </a:endParaRPr>
           </a:p>
@@ -15465,7 +14529,7 @@
         <p:spPr>
           <a:xfrm>
             <a:off x="542880" y="721800"/>
-            <a:ext cx="10357200" cy="497880"/>
+            <a:ext cx="10356480" cy="497160"/>
           </a:xfrm>
           <a:prstGeom prst="rect">
             <a:avLst/>
@@ -15490,7 +14554,6 @@
               <a:lnSpc>
                 <a:spcPct val="100000"/>
               </a:lnSpc>
-              <a:buNone/>
             </a:pPr>
             <a:r>
               <a:rPr b="1" lang="en-US" sz="2200" spc="-1" strike="noStrike">
@@ -15502,8 +14565,8 @@
               </a:rPr>
               <a:t>Conflict Management</a:t>
             </a:r>
-            <a:endParaRPr b="0" lang="en-US" sz="2200" spc="-1" strike="noStrike">
-              <a:latin typeface="DejaVu Sans"/>
+            <a:endParaRPr b="0" lang="en-GB" sz="2200" spc="-1" strike="noStrike">
+              <a:latin typeface="Arial"/>
             </a:endParaRPr>
           </a:p>
         </p:txBody>
@@ -15517,7 +14580,7 @@
         <p:spPr>
           <a:xfrm>
             <a:off x="542880" y="1267200"/>
-            <a:ext cx="10357200" cy="497880"/>
+            <a:ext cx="10356480" cy="497160"/>
           </a:xfrm>
           <a:prstGeom prst="rect">
             <a:avLst/>
@@ -15542,7 +14605,6 @@
               <a:lnSpc>
                 <a:spcPct val="100000"/>
               </a:lnSpc>
-              <a:buNone/>
             </a:pPr>
             <a:r>
               <a:rPr b="1" lang="en-US" sz="2200" spc="-1" strike="noStrike">
@@ -15554,8 +14616,8 @@
               </a:rPr>
               <a:t>Conflict Resolution – Techniques </a:t>
             </a:r>
-            <a:endParaRPr b="0" lang="en-US" sz="2200" spc="-1" strike="noStrike">
-              <a:latin typeface="DejaVu Sans"/>
+            <a:endParaRPr b="0" lang="en-GB" sz="2200" spc="-1" strike="noStrike">
+              <a:latin typeface="Arial"/>
             </a:endParaRPr>
           </a:p>
         </p:txBody>
@@ -15569,7 +14631,7 @@
         <p:spPr>
           <a:xfrm>
             <a:off x="451800" y="1709280"/>
-            <a:ext cx="8224560" cy="4352760"/>
+            <a:ext cx="8223840" cy="4352040"/>
           </a:xfrm>
           <a:prstGeom prst="rect">
             <a:avLst/>
@@ -15599,7 +14661,7 @@
         <p:spPr>
           <a:xfrm>
             <a:off x="609480" y="1769400"/>
-            <a:ext cx="10587600" cy="4855680"/>
+            <a:ext cx="10586880" cy="4854960"/>
           </a:xfrm>
           <a:prstGeom prst="rect">
             <a:avLst/>
@@ -15638,10 +14700,7 @@
               </a:rPr>
               <a:t>Overruling</a:t>
             </a:r>
-            <a:endParaRPr b="0" lang="en-US" sz="2000" spc="-1" strike="noStrike">
-              <a:solidFill>
-                <a:srgbClr val="000000"/>
-              </a:solidFill>
+            <a:endParaRPr b="0" lang="en-GB" sz="2000" spc="-1" strike="noStrike">
               <a:latin typeface="Arial"/>
             </a:endParaRPr>
           </a:p>
@@ -15670,10 +14729,7 @@
               </a:rPr>
               <a:t>Conflicts are resolved by hierarchical means</a:t>
             </a:r>
-            <a:endParaRPr b="0" lang="en-US" sz="1800" spc="-1" strike="noStrike">
-              <a:solidFill>
-                <a:srgbClr val="000000"/>
-              </a:solidFill>
+            <a:endParaRPr b="0" lang="en-GB" sz="1800" spc="-1" strike="noStrike">
               <a:latin typeface="Arial"/>
             </a:endParaRPr>
           </a:p>
@@ -15702,10 +14758,7 @@
               </a:rPr>
               <a:t>The solution of the party higher up in the hierarchy is selected</a:t>
             </a:r>
-            <a:endParaRPr b="0" lang="en-US" sz="1800" spc="-1" strike="noStrike">
-              <a:solidFill>
-                <a:srgbClr val="000000"/>
-              </a:solidFill>
+            <a:endParaRPr b="0" lang="en-GB" sz="1800" spc="-1" strike="noStrike">
               <a:latin typeface="Arial"/>
             </a:endParaRPr>
           </a:p>
@@ -15734,10 +14787,7 @@
               </a:rPr>
               <a:t>If both parties are on the same level, a superior or third party decides</a:t>
             </a:r>
-            <a:endParaRPr b="0" lang="en-US" sz="1600" spc="-1" strike="noStrike">
-              <a:solidFill>
-                <a:srgbClr val="000000"/>
-              </a:solidFill>
+            <a:endParaRPr b="0" lang="en-GB" sz="1600" spc="-1" strike="noStrike">
               <a:latin typeface="Arial"/>
             </a:endParaRPr>
           </a:p>
@@ -15766,10 +14816,7 @@
               </a:rPr>
               <a:t>Only advisable if other techniques failed!</a:t>
             </a:r>
-            <a:endParaRPr b="0" lang="en-US" sz="1800" spc="-1" strike="noStrike">
-              <a:solidFill>
-                <a:srgbClr val="000000"/>
-              </a:solidFill>
+            <a:endParaRPr b="0" lang="en-GB" sz="1800" spc="-1" strike="noStrike">
               <a:latin typeface="Arial"/>
             </a:endParaRPr>
           </a:p>
@@ -15798,10 +14845,7 @@
               </a:rPr>
               <a:t>Consider-all-facts</a:t>
             </a:r>
-            <a:endParaRPr b="0" lang="en-US" sz="2000" spc="-1" strike="noStrike">
-              <a:solidFill>
-                <a:srgbClr val="000000"/>
-              </a:solidFill>
+            <a:endParaRPr b="0" lang="en-GB" sz="2000" spc="-1" strike="noStrike">
               <a:latin typeface="Arial"/>
             </a:endParaRPr>
           </a:p>
@@ -15830,10 +14874,7 @@
               </a:rPr>
               <a:t>Not really a technique by itself</a:t>
             </a:r>
-            <a:endParaRPr b="0" lang="en-US" sz="1800" spc="-1" strike="noStrike">
-              <a:solidFill>
-                <a:srgbClr val="000000"/>
-              </a:solidFill>
+            <a:endParaRPr b="0" lang="en-GB" sz="1800" spc="-1" strike="noStrike">
               <a:latin typeface="Arial"/>
             </a:endParaRPr>
           </a:p>
@@ -15862,10 +14903,7 @@
               </a:rPr>
               <a:t>Precursor to plus-minus-interesting and decision matrix</a:t>
             </a:r>
-            <a:endParaRPr b="0" lang="en-US" sz="1800" spc="-1" strike="noStrike">
-              <a:solidFill>
-                <a:srgbClr val="000000"/>
-              </a:solidFill>
+            <a:endParaRPr b="0" lang="en-GB" sz="1800" spc="-1" strike="noStrike">
               <a:latin typeface="Arial"/>
             </a:endParaRPr>
           </a:p>
@@ -15894,10 +14932,7 @@
               </a:rPr>
               <a:t>As much information about the conflict as possible is collected</a:t>
             </a:r>
-            <a:endParaRPr b="0" lang="en-US" sz="1800" spc="-1" strike="noStrike">
-              <a:solidFill>
-                <a:srgbClr val="000000"/>
-              </a:solidFill>
+            <a:endParaRPr b="0" lang="en-GB" sz="1800" spc="-1" strike="noStrike">
               <a:latin typeface="Arial"/>
             </a:endParaRPr>
           </a:p>
@@ -15926,10 +14961,7 @@
               </a:rPr>
               <a:t>Influence factors are prioritized and their relevance is determined</a:t>
             </a:r>
-            <a:endParaRPr b="0" lang="en-US" sz="1800" spc="-1" strike="noStrike">
-              <a:solidFill>
-                <a:srgbClr val="000000"/>
-              </a:solidFill>
+            <a:endParaRPr b="0" lang="en-GB" sz="1800" spc="-1" strike="noStrike">
               <a:latin typeface="Arial"/>
             </a:endParaRPr>
           </a:p>
@@ -15974,7 +15006,7 @@
         <p:spPr>
           <a:xfrm>
             <a:off x="542880" y="721800"/>
-            <a:ext cx="10357200" cy="497880"/>
+            <a:ext cx="10356480" cy="497160"/>
           </a:xfrm>
           <a:prstGeom prst="rect">
             <a:avLst/>
@@ -15999,7 +15031,6 @@
               <a:lnSpc>
                 <a:spcPct val="100000"/>
               </a:lnSpc>
-              <a:buNone/>
             </a:pPr>
             <a:r>
               <a:rPr b="1" lang="en-US" sz="2200" spc="-1" strike="noStrike">
@@ -16011,8 +15042,8 @@
               </a:rPr>
               <a:t>Conflict Management</a:t>
             </a:r>
-            <a:endParaRPr b="0" lang="en-US" sz="2200" spc="-1" strike="noStrike">
-              <a:latin typeface="DejaVu Sans"/>
+            <a:endParaRPr b="0" lang="en-GB" sz="2200" spc="-1" strike="noStrike">
+              <a:latin typeface="Arial"/>
             </a:endParaRPr>
           </a:p>
         </p:txBody>
@@ -16026,7 +15057,7 @@
         <p:spPr>
           <a:xfrm>
             <a:off x="542880" y="1267200"/>
-            <a:ext cx="10357200" cy="497880"/>
+            <a:ext cx="10356480" cy="497160"/>
           </a:xfrm>
           <a:prstGeom prst="rect">
             <a:avLst/>
@@ -16051,7 +15082,6 @@
               <a:lnSpc>
                 <a:spcPct val="100000"/>
               </a:lnSpc>
-              <a:buNone/>
             </a:pPr>
             <a:r>
               <a:rPr b="1" lang="en-US" sz="2200" spc="-1" strike="noStrike">
@@ -16063,8 +15093,8 @@
               </a:rPr>
               <a:t>Conflict Resolution – Techniques </a:t>
             </a:r>
-            <a:endParaRPr b="0" lang="en-US" sz="2200" spc="-1" strike="noStrike">
-              <a:latin typeface="DejaVu Sans"/>
+            <a:endParaRPr b="0" lang="en-GB" sz="2200" spc="-1" strike="noStrike">
+              <a:latin typeface="Arial"/>
             </a:endParaRPr>
           </a:p>
         </p:txBody>
@@ -16078,7 +15108,7 @@
         <p:spPr>
           <a:xfrm>
             <a:off x="451800" y="1709280"/>
-            <a:ext cx="8224560" cy="4352760"/>
+            <a:ext cx="8223840" cy="4352040"/>
           </a:xfrm>
           <a:prstGeom prst="rect">
             <a:avLst/>
@@ -16108,7 +15138,7 @@
         <p:spPr>
           <a:xfrm>
             <a:off x="609480" y="1767240"/>
-            <a:ext cx="10587600" cy="4855680"/>
+            <a:ext cx="10586880" cy="4854960"/>
           </a:xfrm>
           <a:prstGeom prst="rect">
             <a:avLst/>
@@ -16147,10 +15177,7 @@
               </a:rPr>
               <a:t>Plus-minus-interesting</a:t>
             </a:r>
-            <a:endParaRPr b="0" lang="en-US" sz="2000" spc="-1" strike="noStrike">
-              <a:solidFill>
-                <a:srgbClr val="000000"/>
-              </a:solidFill>
+            <a:endParaRPr b="0" lang="en-GB" sz="2000" spc="-1" strike="noStrike">
               <a:latin typeface="Arial"/>
             </a:endParaRPr>
           </a:p>
@@ -16179,10 +15206,7 @@
               </a:rPr>
               <a:t>Not really a technique by itself</a:t>
             </a:r>
-            <a:endParaRPr b="0" lang="en-US" sz="1800" spc="-1" strike="noStrike">
-              <a:solidFill>
-                <a:srgbClr val="000000"/>
-              </a:solidFill>
+            <a:endParaRPr b="0" lang="en-GB" sz="1800" spc="-1" strike="noStrike">
               <a:latin typeface="Arial"/>
             </a:endParaRPr>
           </a:p>
@@ -16211,10 +15235,7 @@
               </a:rPr>
               <a:t>Can support other techniques, e.g., agreement</a:t>
             </a:r>
-            <a:endParaRPr b="0" lang="en-US" sz="1600" spc="-1" strike="noStrike">
-              <a:solidFill>
-                <a:srgbClr val="000000"/>
-              </a:solidFill>
+            <a:endParaRPr b="0" lang="en-GB" sz="1600" spc="-1" strike="noStrike">
               <a:latin typeface="Arial"/>
             </a:endParaRPr>
           </a:p>
@@ -16243,10 +15264,7 @@
               </a:rPr>
               <a:t>Positive repercussions are placed in a “plus” category</a:t>
             </a:r>
-            <a:endParaRPr b="0" lang="en-US" sz="1800" spc="-1" strike="noStrike">
-              <a:solidFill>
-                <a:srgbClr val="000000"/>
-              </a:solidFill>
+            <a:endParaRPr b="0" lang="en-GB" sz="1800" spc="-1" strike="noStrike">
               <a:latin typeface="Arial"/>
             </a:endParaRPr>
           </a:p>
@@ -16275,10 +15293,7 @@
               </a:rPr>
               <a:t>Negative repercussions are placed in a “minus” category</a:t>
             </a:r>
-            <a:endParaRPr b="0" lang="en-US" sz="1800" spc="-1" strike="noStrike">
-              <a:solidFill>
-                <a:srgbClr val="000000"/>
-              </a:solidFill>
+            <a:endParaRPr b="0" lang="en-GB" sz="1800" spc="-1" strike="noStrike">
               <a:latin typeface="Arial"/>
             </a:endParaRPr>
           </a:p>
@@ -16307,10 +15322,7 @@
               </a:rPr>
               <a:t>Neither positive nor negative repercussions are placed in a “interesting” category</a:t>
             </a:r>
-            <a:endParaRPr b="0" lang="en-US" sz="1800" spc="-1" strike="noStrike">
-              <a:solidFill>
-                <a:srgbClr val="000000"/>
-              </a:solidFill>
+            <a:endParaRPr b="0" lang="en-GB" sz="1800" spc="-1" strike="noStrike">
               <a:latin typeface="Arial"/>
             </a:endParaRPr>
           </a:p>
@@ -16355,7 +15367,7 @@
         <p:spPr>
           <a:xfrm>
             <a:off x="542880" y="721800"/>
-            <a:ext cx="10357200" cy="497880"/>
+            <a:ext cx="10356480" cy="497160"/>
           </a:xfrm>
           <a:prstGeom prst="rect">
             <a:avLst/>
@@ -16380,7 +15392,6 @@
               <a:lnSpc>
                 <a:spcPct val="100000"/>
               </a:lnSpc>
-              <a:buNone/>
             </a:pPr>
             <a:r>
               <a:rPr b="1" lang="en-US" sz="2200" spc="-1" strike="noStrike">
@@ -16392,8 +15403,8 @@
               </a:rPr>
               <a:t>Conflict Management</a:t>
             </a:r>
-            <a:endParaRPr b="0" lang="en-US" sz="2200" spc="-1" strike="noStrike">
-              <a:latin typeface="DejaVu Sans"/>
+            <a:endParaRPr b="0" lang="en-GB" sz="2200" spc="-1" strike="noStrike">
+              <a:latin typeface="Arial"/>
             </a:endParaRPr>
           </a:p>
         </p:txBody>
@@ -16407,7 +15418,7 @@
         <p:spPr>
           <a:xfrm>
             <a:off x="542880" y="1267200"/>
-            <a:ext cx="10357200" cy="497880"/>
+            <a:ext cx="10356480" cy="497160"/>
           </a:xfrm>
           <a:prstGeom prst="rect">
             <a:avLst/>
@@ -16432,7 +15443,6 @@
               <a:lnSpc>
                 <a:spcPct val="100000"/>
               </a:lnSpc>
-              <a:buNone/>
             </a:pPr>
             <a:r>
               <a:rPr b="1" lang="en-US" sz="2200" spc="-1" strike="noStrike">
@@ -16444,8 +15454,8 @@
               </a:rPr>
               <a:t>Conflict Resolution – Techniques </a:t>
             </a:r>
-            <a:endParaRPr b="0" lang="en-US" sz="2200" spc="-1" strike="noStrike">
-              <a:latin typeface="DejaVu Sans"/>
+            <a:endParaRPr b="0" lang="en-GB" sz="2200" spc="-1" strike="noStrike">
+              <a:latin typeface="Arial"/>
             </a:endParaRPr>
           </a:p>
         </p:txBody>
@@ -16459,7 +15469,7 @@
         <p:spPr>
           <a:xfrm>
             <a:off x="451800" y="1709280"/>
-            <a:ext cx="8224560" cy="4352760"/>
+            <a:ext cx="8223840" cy="4352040"/>
           </a:xfrm>
           <a:prstGeom prst="rect">
             <a:avLst/>
@@ -16489,7 +15499,7 @@
         <p:spPr>
           <a:xfrm>
             <a:off x="609480" y="1769400"/>
-            <a:ext cx="10587600" cy="4855680"/>
+            <a:ext cx="10586880" cy="4854960"/>
           </a:xfrm>
           <a:prstGeom prst="rect">
             <a:avLst/>
@@ -16528,10 +15538,7 @@
               </a:rPr>
               <a:t>Decision Matrix</a:t>
             </a:r>
-            <a:endParaRPr b="0" lang="en-US" sz="2000" spc="-1" strike="noStrike">
-              <a:solidFill>
-                <a:srgbClr val="000000"/>
-              </a:solidFill>
+            <a:endParaRPr b="0" lang="en-GB" sz="2000" spc="-1" strike="noStrike">
               <a:latin typeface="Arial"/>
             </a:endParaRPr>
           </a:p>
@@ -16560,10 +15567,7 @@
               </a:rPr>
               <a:t>Select relevant decision criteria for the conflict resolution</a:t>
             </a:r>
-            <a:endParaRPr b="0" lang="en-US" sz="1800" spc="-1" strike="noStrike">
-              <a:solidFill>
-                <a:srgbClr val="000000"/>
-              </a:solidFill>
+            <a:endParaRPr b="0" lang="en-GB" sz="1800" spc="-1" strike="noStrike">
               <a:latin typeface="Arial"/>
             </a:endParaRPr>
           </a:p>
@@ -16592,10 +15596,7 @@
               </a:rPr>
               <a:t>Assign a score from 0 to 10 to all alternative regarding for each criterion (Higher = better suited)</a:t>
             </a:r>
-            <a:endParaRPr b="0" lang="en-US" sz="1800" spc="-1" strike="noStrike">
-              <a:solidFill>
-                <a:srgbClr val="000000"/>
-              </a:solidFill>
+            <a:endParaRPr b="0" lang="en-GB" sz="1800" spc="-1" strike="noStrike">
               <a:latin typeface="Arial"/>
             </a:endParaRPr>
           </a:p>
@@ -16624,15 +15625,12 @@
               </a:rPr>
               <a:t>Highest sum of scores is elected</a:t>
             </a:r>
-            <a:endParaRPr b="0" lang="en-US" sz="1800" spc="-1" strike="noStrike">
-              <a:solidFill>
-                <a:srgbClr val="000000"/>
-              </a:solidFill>
-              <a:latin typeface="Arial"/>
-            </a:endParaRPr>
-          </a:p>
-          <a:p>
-            <a:pPr marL="228600" indent="-228600">
+            <a:endParaRPr b="0" lang="en-GB" sz="1800" spc="-1" strike="noStrike">
+              <a:latin typeface="Arial"/>
+            </a:endParaRPr>
+          </a:p>
+          <a:p>
+            <a:pPr marL="228600" indent="0">
               <a:lnSpc>
                 <a:spcPct val="90000"/>
               </a:lnSpc>
@@ -16644,15 +15642,12 @@
                 <a:tab algn="l" pos="0"/>
               </a:tabLst>
             </a:pPr>
-            <a:endParaRPr b="0" lang="en-US" sz="1800" spc="-1" strike="noStrike">
-              <a:solidFill>
-                <a:srgbClr val="000000"/>
-              </a:solidFill>
-              <a:latin typeface="Arial"/>
-            </a:endParaRPr>
-          </a:p>
-          <a:p>
-            <a:pPr marL="228600" indent="-228600">
+            <a:endParaRPr b="0" lang="en-GB" sz="1800" spc="-1" strike="noStrike">
+              <a:latin typeface="Arial"/>
+            </a:endParaRPr>
+          </a:p>
+          <a:p>
+            <a:pPr marL="228600" indent="0">
               <a:lnSpc>
                 <a:spcPct val="90000"/>
               </a:lnSpc>
@@ -16664,15 +15659,12 @@
                 <a:tab algn="l" pos="0"/>
               </a:tabLst>
             </a:pPr>
-            <a:endParaRPr b="0" lang="en-US" sz="1800" spc="-1" strike="noStrike">
-              <a:solidFill>
-                <a:srgbClr val="000000"/>
-              </a:solidFill>
-              <a:latin typeface="Arial"/>
-            </a:endParaRPr>
-          </a:p>
-          <a:p>
-            <a:pPr marL="228600" indent="-228600">
+            <a:endParaRPr b="0" lang="en-GB" sz="1800" spc="-1" strike="noStrike">
+              <a:latin typeface="Arial"/>
+            </a:endParaRPr>
+          </a:p>
+          <a:p>
+            <a:pPr marL="228600" indent="0">
               <a:lnSpc>
                 <a:spcPct val="90000"/>
               </a:lnSpc>
@@ -16684,15 +15676,12 @@
                 <a:tab algn="l" pos="0"/>
               </a:tabLst>
             </a:pPr>
-            <a:endParaRPr b="0" lang="en-US" sz="1800" spc="-1" strike="noStrike">
-              <a:solidFill>
-                <a:srgbClr val="000000"/>
-              </a:solidFill>
-              <a:latin typeface="Arial"/>
-            </a:endParaRPr>
-          </a:p>
-          <a:p>
-            <a:pPr marL="228600" indent="-228600">
+            <a:endParaRPr b="0" lang="en-GB" sz="1800" spc="-1" strike="noStrike">
+              <a:latin typeface="Arial"/>
+            </a:endParaRPr>
+          </a:p>
+          <a:p>
+            <a:pPr marL="228600" indent="0">
               <a:lnSpc>
                 <a:spcPct val="90000"/>
               </a:lnSpc>
@@ -16704,15 +15693,12 @@
                 <a:tab algn="l" pos="0"/>
               </a:tabLst>
             </a:pPr>
-            <a:endParaRPr b="0" lang="en-US" sz="1800" spc="-1" strike="noStrike">
-              <a:solidFill>
-                <a:srgbClr val="000000"/>
-              </a:solidFill>
-              <a:latin typeface="Arial"/>
-            </a:endParaRPr>
-          </a:p>
-          <a:p>
-            <a:pPr marL="228600" indent="-228600">
+            <a:endParaRPr b="0" lang="en-GB" sz="1800" spc="-1" strike="noStrike">
+              <a:latin typeface="Arial"/>
+            </a:endParaRPr>
+          </a:p>
+          <a:p>
+            <a:pPr marL="228600" indent="0">
               <a:lnSpc>
                 <a:spcPct val="90000"/>
               </a:lnSpc>
@@ -16724,15 +15710,12 @@
                 <a:tab algn="l" pos="0"/>
               </a:tabLst>
             </a:pPr>
-            <a:endParaRPr b="0" lang="en-US" sz="1800" spc="-1" strike="noStrike">
-              <a:solidFill>
-                <a:srgbClr val="000000"/>
-              </a:solidFill>
-              <a:latin typeface="Arial"/>
-            </a:endParaRPr>
-          </a:p>
-          <a:p>
-            <a:pPr marL="228600" indent="-228600">
+            <a:endParaRPr b="0" lang="en-GB" sz="1800" spc="-1" strike="noStrike">
+              <a:latin typeface="Arial"/>
+            </a:endParaRPr>
+          </a:p>
+          <a:p>
+            <a:pPr marL="228600" indent="0">
               <a:lnSpc>
                 <a:spcPct val="90000"/>
               </a:lnSpc>
@@ -16744,10 +15727,7 @@
                 <a:tab algn="l" pos="0"/>
               </a:tabLst>
             </a:pPr>
-            <a:endParaRPr b="0" lang="en-US" sz="1800" spc="-1" strike="noStrike">
-              <a:solidFill>
-                <a:srgbClr val="000000"/>
-              </a:solidFill>
+            <a:endParaRPr b="0" lang="en-GB" sz="1800" spc="-1" strike="noStrike">
               <a:latin typeface="Arial"/>
             </a:endParaRPr>
           </a:p>
@@ -16811,7 +15791,6 @@
                         <a:lnSpc>
                           <a:spcPct val="100000"/>
                         </a:lnSpc>
-                        <a:buNone/>
                       </a:pPr>
                       <a:r>
                         <a:rPr b="1" lang="en-US" sz="1800" spc="-1" strike="noStrike">
@@ -16823,8 +15802,8 @@
                         </a:rPr>
                         <a:t>Alternative 1</a:t>
                       </a:r>
-                      <a:endParaRPr b="0" lang="en-US" sz="1800" spc="-1" strike="noStrike">
-                        <a:latin typeface="DejaVu Sans"/>
+                      <a:endParaRPr b="0" lang="en-GB" sz="1800" spc="-1" strike="noStrike">
+                        <a:latin typeface="Arial"/>
                       </a:endParaRPr>
                     </a:p>
                   </a:txBody>
@@ -16864,7 +15843,6 @@
                         <a:lnSpc>
                           <a:spcPct val="100000"/>
                         </a:lnSpc>
-                        <a:buNone/>
                       </a:pPr>
                       <a:r>
                         <a:rPr b="1" lang="en-US" sz="1800" spc="-1" strike="noStrike">
@@ -16876,8 +15854,8 @@
                         </a:rPr>
                         <a:t>Alternative 2</a:t>
                       </a:r>
-                      <a:endParaRPr b="0" lang="en-US" sz="1800" spc="-1" strike="noStrike">
-                        <a:latin typeface="DejaVu Sans"/>
+                      <a:endParaRPr b="0" lang="en-GB" sz="1800" spc="-1" strike="noStrike">
+                        <a:latin typeface="Arial"/>
                       </a:endParaRPr>
                     </a:p>
                   </a:txBody>
@@ -16917,7 +15895,6 @@
                         <a:lnSpc>
                           <a:spcPct val="100000"/>
                         </a:lnSpc>
-                        <a:buNone/>
                       </a:pPr>
                       <a:r>
                         <a:rPr b="1" lang="en-US" sz="1800" spc="-1" strike="noStrike">
@@ -16929,8 +15906,8 @@
                         </a:rPr>
                         <a:t>Alternative 3</a:t>
                       </a:r>
-                      <a:endParaRPr b="0" lang="en-US" sz="1800" spc="-1" strike="noStrike">
-                        <a:latin typeface="DejaVu Sans"/>
+                      <a:endParaRPr b="0" lang="en-GB" sz="1800" spc="-1" strike="noStrike">
+                        <a:latin typeface="Arial"/>
                       </a:endParaRPr>
                     </a:p>
                   </a:txBody>
@@ -16972,7 +15949,6 @@
                         <a:lnSpc>
                           <a:spcPct val="100000"/>
                         </a:lnSpc>
-                        <a:buNone/>
                       </a:pPr>
                       <a:r>
                         <a:rPr b="0" lang="en-US" sz="1800" spc="-1" strike="noStrike">
@@ -16984,8 +15960,8 @@
                         </a:rPr>
                         <a:t>Criterion 1</a:t>
                       </a:r>
-                      <a:endParaRPr b="0" lang="en-US" sz="1800" spc="-1" strike="noStrike">
-                        <a:latin typeface="DejaVu Sans"/>
+                      <a:endParaRPr b="0" lang="en-GB" sz="1800" spc="-1" strike="noStrike">
+                        <a:latin typeface="Arial"/>
                       </a:endParaRPr>
                     </a:p>
                   </a:txBody>
@@ -17025,7 +16001,6 @@
                         <a:lnSpc>
                           <a:spcPct val="100000"/>
                         </a:lnSpc>
-                        <a:buNone/>
                       </a:pPr>
                       <a:r>
                         <a:rPr b="0" lang="en-US" sz="1800" spc="-1" strike="noStrike">
@@ -17037,8 +16012,8 @@
                         </a:rPr>
                         <a:t>3</a:t>
                       </a:r>
-                      <a:endParaRPr b="0" lang="en-US" sz="1800" spc="-1" strike="noStrike">
-                        <a:latin typeface="DejaVu Sans"/>
+                      <a:endParaRPr b="0" lang="en-GB" sz="1800" spc="-1" strike="noStrike">
+                        <a:latin typeface="Arial"/>
                       </a:endParaRPr>
                     </a:p>
                   </a:txBody>
@@ -17078,7 +16053,6 @@
                         <a:lnSpc>
                           <a:spcPct val="100000"/>
                         </a:lnSpc>
-                        <a:buNone/>
                       </a:pPr>
                       <a:r>
                         <a:rPr b="0" lang="en-US" sz="1800" spc="-1" strike="noStrike">
@@ -17090,8 +16064,8 @@
                         </a:rPr>
                         <a:t>6</a:t>
                       </a:r>
-                      <a:endParaRPr b="0" lang="en-US" sz="1800" spc="-1" strike="noStrike">
-                        <a:latin typeface="DejaVu Sans"/>
+                      <a:endParaRPr b="0" lang="en-GB" sz="1800" spc="-1" strike="noStrike">
+                        <a:latin typeface="Arial"/>
                       </a:endParaRPr>
                     </a:p>
                   </a:txBody>
@@ -17131,7 +16105,6 @@
                         <a:lnSpc>
                           <a:spcPct val="100000"/>
                         </a:lnSpc>
-                        <a:buNone/>
                       </a:pPr>
                       <a:r>
                         <a:rPr b="0" lang="en-US" sz="1800" spc="-1" strike="noStrike">
@@ -17143,8 +16116,8 @@
                         </a:rPr>
                         <a:t>2</a:t>
                       </a:r>
-                      <a:endParaRPr b="0" lang="en-US" sz="1800" spc="-1" strike="noStrike">
-                        <a:latin typeface="DejaVu Sans"/>
+                      <a:endParaRPr b="0" lang="en-GB" sz="1800" spc="-1" strike="noStrike">
+                        <a:latin typeface="Arial"/>
                       </a:endParaRPr>
                     </a:p>
                   </a:txBody>
@@ -17186,7 +16159,6 @@
                         <a:lnSpc>
                           <a:spcPct val="100000"/>
                         </a:lnSpc>
-                        <a:buNone/>
                       </a:pPr>
                       <a:r>
                         <a:rPr b="0" lang="en-US" sz="1800" spc="-1" strike="noStrike">
@@ -17198,8 +16170,8 @@
                         </a:rPr>
                         <a:t>Criterion 2</a:t>
                       </a:r>
-                      <a:endParaRPr b="0" lang="en-US" sz="1800" spc="-1" strike="noStrike">
-                        <a:latin typeface="DejaVu Sans"/>
+                      <a:endParaRPr b="0" lang="en-GB" sz="1800" spc="-1" strike="noStrike">
+                        <a:latin typeface="Arial"/>
                       </a:endParaRPr>
                     </a:p>
                   </a:txBody>
@@ -17239,7 +16211,6 @@
                         <a:lnSpc>
                           <a:spcPct val="100000"/>
                         </a:lnSpc>
-                        <a:buNone/>
                       </a:pPr>
                       <a:r>
                         <a:rPr b="0" lang="en-US" sz="1800" spc="-1" strike="noStrike">
@@ -17251,8 +16222,8 @@
                         </a:rPr>
                         <a:t>5</a:t>
                       </a:r>
-                      <a:endParaRPr b="0" lang="en-US" sz="1800" spc="-1" strike="noStrike">
-                        <a:latin typeface="DejaVu Sans"/>
+                      <a:endParaRPr b="0" lang="en-GB" sz="1800" spc="-1" strike="noStrike">
+                        <a:latin typeface="Arial"/>
                       </a:endParaRPr>
                     </a:p>
                   </a:txBody>
@@ -17292,7 +16263,6 @@
                         <a:lnSpc>
                           <a:spcPct val="100000"/>
                         </a:lnSpc>
-                        <a:buNone/>
                       </a:pPr>
                       <a:r>
                         <a:rPr b="0" lang="en-US" sz="1800" spc="-1" strike="noStrike">
@@ -17304,8 +16274,8 @@
                         </a:rPr>
                         <a:t>4</a:t>
                       </a:r>
-                      <a:endParaRPr b="0" lang="en-US" sz="1800" spc="-1" strike="noStrike">
-                        <a:latin typeface="DejaVu Sans"/>
+                      <a:endParaRPr b="0" lang="en-GB" sz="1800" spc="-1" strike="noStrike">
+                        <a:latin typeface="Arial"/>
                       </a:endParaRPr>
                     </a:p>
                   </a:txBody>
@@ -17345,7 +16315,6 @@
                         <a:lnSpc>
                           <a:spcPct val="100000"/>
                         </a:lnSpc>
-                        <a:buNone/>
                       </a:pPr>
                       <a:r>
                         <a:rPr b="0" lang="en-US" sz="1800" spc="-1" strike="noStrike">
@@ -17357,8 +16326,8 @@
                         </a:rPr>
                         <a:t>10</a:t>
                       </a:r>
-                      <a:endParaRPr b="0" lang="en-US" sz="1800" spc="-1" strike="noStrike">
-                        <a:latin typeface="DejaVu Sans"/>
+                      <a:endParaRPr b="0" lang="en-GB" sz="1800" spc="-1" strike="noStrike">
+                        <a:latin typeface="Arial"/>
                       </a:endParaRPr>
                     </a:p>
                   </a:txBody>
@@ -17400,7 +16369,6 @@
                         <a:lnSpc>
                           <a:spcPct val="100000"/>
                         </a:lnSpc>
-                        <a:buNone/>
                       </a:pPr>
                       <a:r>
                         <a:rPr b="0" lang="en-US" sz="1800" spc="-1" strike="noStrike">
@@ -17412,8 +16380,8 @@
                         </a:rPr>
                         <a:t>Criterion 3</a:t>
                       </a:r>
-                      <a:endParaRPr b="0" lang="en-US" sz="1800" spc="-1" strike="noStrike">
-                        <a:latin typeface="DejaVu Sans"/>
+                      <a:endParaRPr b="0" lang="en-GB" sz="1800" spc="-1" strike="noStrike">
+                        <a:latin typeface="Arial"/>
                       </a:endParaRPr>
                     </a:p>
                   </a:txBody>
@@ -17453,7 +16421,6 @@
                         <a:lnSpc>
                           <a:spcPct val="100000"/>
                         </a:lnSpc>
-                        <a:buNone/>
                       </a:pPr>
                       <a:r>
                         <a:rPr b="0" lang="en-US" sz="1800" spc="-1" strike="noStrike">
@@ -17465,8 +16432,8 @@
                         </a:rPr>
                         <a:t>10</a:t>
                       </a:r>
-                      <a:endParaRPr b="0" lang="en-US" sz="1800" spc="-1" strike="noStrike">
-                        <a:latin typeface="DejaVu Sans"/>
+                      <a:endParaRPr b="0" lang="en-GB" sz="1800" spc="-1" strike="noStrike">
+                        <a:latin typeface="Arial"/>
                       </a:endParaRPr>
                     </a:p>
                   </a:txBody>
@@ -17506,7 +16473,6 @@
                         <a:lnSpc>
                           <a:spcPct val="100000"/>
                         </a:lnSpc>
-                        <a:buNone/>
                       </a:pPr>
                       <a:r>
                         <a:rPr b="0" lang="en-US" sz="1800" spc="-1" strike="noStrike">
@@ -17518,8 +16484,8 @@
                         </a:rPr>
                         <a:t>3</a:t>
                       </a:r>
-                      <a:endParaRPr b="0" lang="en-US" sz="1800" spc="-1" strike="noStrike">
-                        <a:latin typeface="DejaVu Sans"/>
+                      <a:endParaRPr b="0" lang="en-GB" sz="1800" spc="-1" strike="noStrike">
+                        <a:latin typeface="Arial"/>
                       </a:endParaRPr>
                     </a:p>
                   </a:txBody>
@@ -17559,7 +16525,6 @@
                         <a:lnSpc>
                           <a:spcPct val="100000"/>
                         </a:lnSpc>
-                        <a:buNone/>
                       </a:pPr>
                       <a:r>
                         <a:rPr b="0" lang="en-US" sz="1800" spc="-1" strike="noStrike">
@@ -17571,8 +16536,8 @@
                         </a:rPr>
                         <a:t>5</a:t>
                       </a:r>
-                      <a:endParaRPr b="0" lang="en-US" sz="1800" spc="-1" strike="noStrike">
-                        <a:latin typeface="DejaVu Sans"/>
+                      <a:endParaRPr b="0" lang="en-GB" sz="1800" spc="-1" strike="noStrike">
+                        <a:latin typeface="Arial"/>
                       </a:endParaRPr>
                     </a:p>
                   </a:txBody>
@@ -17614,7 +16579,6 @@
                         <a:lnSpc>
                           <a:spcPct val="100000"/>
                         </a:lnSpc>
-                        <a:buNone/>
                       </a:pPr>
                       <a:r>
                         <a:rPr b="0" lang="en-US" sz="1800" spc="-1" strike="noStrike">
@@ -17626,8 +16590,8 @@
                         </a:rPr>
                         <a:t>Sum</a:t>
                       </a:r>
-                      <a:endParaRPr b="0" lang="en-US" sz="1800" spc="-1" strike="noStrike">
-                        <a:latin typeface="DejaVu Sans"/>
+                      <a:endParaRPr b="0" lang="en-GB" sz="1800" spc="-1" strike="noStrike">
+                        <a:latin typeface="Arial"/>
                       </a:endParaRPr>
                     </a:p>
                   </a:txBody>
@@ -17667,7 +16631,6 @@
                         <a:lnSpc>
                           <a:spcPct val="100000"/>
                         </a:lnSpc>
-                        <a:buNone/>
                       </a:pPr>
                       <a:r>
                         <a:rPr b="0" lang="en-US" sz="1800" spc="-1" strike="noStrike">
@@ -17679,8 +16642,8 @@
                         </a:rPr>
                         <a:t>18</a:t>
                       </a:r>
-                      <a:endParaRPr b="0" lang="en-US" sz="1800" spc="-1" strike="noStrike">
-                        <a:latin typeface="DejaVu Sans"/>
+                      <a:endParaRPr b="0" lang="en-GB" sz="1800" spc="-1" strike="noStrike">
+                        <a:latin typeface="Arial"/>
                       </a:endParaRPr>
                     </a:p>
                   </a:txBody>
@@ -17720,7 +16683,6 @@
                         <a:lnSpc>
                           <a:spcPct val="100000"/>
                         </a:lnSpc>
-                        <a:buNone/>
                       </a:pPr>
                       <a:r>
                         <a:rPr b="0" lang="en-US" sz="1800" spc="-1" strike="noStrike">
@@ -17732,8 +16694,8 @@
                         </a:rPr>
                         <a:t>13</a:t>
                       </a:r>
-                      <a:endParaRPr b="0" lang="en-US" sz="1800" spc="-1" strike="noStrike">
-                        <a:latin typeface="DejaVu Sans"/>
+                      <a:endParaRPr b="0" lang="en-GB" sz="1800" spc="-1" strike="noStrike">
+                        <a:latin typeface="Arial"/>
                       </a:endParaRPr>
                     </a:p>
                   </a:txBody>
@@ -17773,7 +16735,6 @@
                         <a:lnSpc>
                           <a:spcPct val="100000"/>
                         </a:lnSpc>
-                        <a:buNone/>
                       </a:pPr>
                       <a:r>
                         <a:rPr b="0" lang="en-US" sz="1800" spc="-1" strike="noStrike">
@@ -17785,8 +16746,8 @@
                         </a:rPr>
                         <a:t>17</a:t>
                       </a:r>
-                      <a:endParaRPr b="0" lang="en-US" sz="1800" spc="-1" strike="noStrike">
-                        <a:latin typeface="DejaVu Sans"/>
+                      <a:endParaRPr b="0" lang="en-GB" sz="1800" spc="-1" strike="noStrike">
+                        <a:latin typeface="Arial"/>
                       </a:endParaRPr>
                     </a:p>
                   </a:txBody>
@@ -17860,7 +16821,7 @@
         <p:spPr>
           <a:xfrm>
             <a:off x="542880" y="721800"/>
-            <a:ext cx="10357200" cy="497880"/>
+            <a:ext cx="10356480" cy="497160"/>
           </a:xfrm>
           <a:prstGeom prst="rect">
             <a:avLst/>
@@ -17885,7 +16846,6 @@
               <a:lnSpc>
                 <a:spcPct val="100000"/>
               </a:lnSpc>
-              <a:buNone/>
             </a:pPr>
             <a:r>
               <a:rPr b="1" lang="en-US" sz="2200" spc="-1" strike="noStrike">
@@ -17897,8 +16857,8 @@
               </a:rPr>
               <a:t>Conflict Management</a:t>
             </a:r>
-            <a:endParaRPr b="0" lang="en-US" sz="2200" spc="-1" strike="noStrike">
-              <a:latin typeface="DejaVu Sans"/>
+            <a:endParaRPr b="0" lang="en-GB" sz="2200" spc="-1" strike="noStrike">
+              <a:latin typeface="Arial"/>
             </a:endParaRPr>
           </a:p>
         </p:txBody>
@@ -17912,7 +16872,7 @@
         <p:spPr>
           <a:xfrm>
             <a:off x="542880" y="1267200"/>
-            <a:ext cx="10357200" cy="497880"/>
+            <a:ext cx="10356480" cy="497160"/>
           </a:xfrm>
           <a:prstGeom prst="rect">
             <a:avLst/>
@@ -17937,7 +16897,6 @@
               <a:lnSpc>
                 <a:spcPct val="100000"/>
               </a:lnSpc>
-              <a:buNone/>
             </a:pPr>
             <a:r>
               <a:rPr b="1" lang="en-US" sz="2200" spc="-1" strike="noStrike">
@@ -17949,8 +16908,8 @@
               </a:rPr>
               <a:t>Conflict Resolution – Documentation </a:t>
             </a:r>
-            <a:endParaRPr b="0" lang="en-US" sz="2200" spc="-1" strike="noStrike">
-              <a:latin typeface="DejaVu Sans"/>
+            <a:endParaRPr b="0" lang="en-GB" sz="2200" spc="-1" strike="noStrike">
+              <a:latin typeface="Arial"/>
             </a:endParaRPr>
           </a:p>
         </p:txBody>
@@ -17964,7 +16923,7 @@
         <p:spPr>
           <a:xfrm>
             <a:off x="451800" y="1709280"/>
-            <a:ext cx="8224560" cy="4352760"/>
+            <a:ext cx="8223840" cy="4352040"/>
           </a:xfrm>
           <a:prstGeom prst="rect">
             <a:avLst/>
@@ -17994,7 +16953,7 @@
         <p:spPr>
           <a:xfrm>
             <a:off x="609480" y="1769400"/>
-            <a:ext cx="10587600" cy="4855680"/>
+            <a:ext cx="10586880" cy="4854960"/>
           </a:xfrm>
           <a:prstGeom prst="rect">
             <a:avLst/>
@@ -18033,10 +16992,7 @@
               </a:rPr>
               <a:t>The resolutions to all conflicts must be documented in a traceable way</a:t>
             </a:r>
-            <a:endParaRPr b="0" lang="en-US" sz="2000" spc="-1" strike="noStrike">
-              <a:solidFill>
-                <a:srgbClr val="000000"/>
-              </a:solidFill>
+            <a:endParaRPr b="0" lang="en-GB" sz="2000" spc="-1" strike="noStrike">
               <a:latin typeface="Arial"/>
             </a:endParaRPr>
           </a:p>
@@ -18065,10 +17021,7 @@
               </a:rPr>
               <a:t>Who was involved in the resolution</a:t>
             </a:r>
-            <a:endParaRPr b="0" lang="en-US" sz="1800" spc="-1" strike="noStrike">
-              <a:solidFill>
-                <a:srgbClr val="000000"/>
-              </a:solidFill>
+            <a:endParaRPr b="0" lang="en-GB" sz="1800" spc="-1" strike="noStrike">
               <a:latin typeface="Arial"/>
             </a:endParaRPr>
           </a:p>
@@ -18097,10 +17050,7 @@
               </a:rPr>
               <a:t>Why was a specific alternative chosen</a:t>
             </a:r>
-            <a:endParaRPr b="0" lang="en-US" sz="1800" spc="-1" strike="noStrike">
-              <a:solidFill>
-                <a:srgbClr val="000000"/>
-              </a:solidFill>
+            <a:endParaRPr b="0" lang="en-GB" sz="1800" spc="-1" strike="noStrike">
               <a:latin typeface="Arial"/>
             </a:endParaRPr>
           </a:p>
@@ -18129,10 +17079,7 @@
               </a:rPr>
               <a:t>Otherwise, problems may occur at a later stage</a:t>
             </a:r>
-            <a:endParaRPr b="0" lang="en-US" sz="2000" spc="-1" strike="noStrike">
-              <a:solidFill>
-                <a:srgbClr val="000000"/>
-              </a:solidFill>
+            <a:endParaRPr b="0" lang="en-GB" sz="2000" spc="-1" strike="noStrike">
               <a:latin typeface="Arial"/>
             </a:endParaRPr>
           </a:p>
@@ -18161,10 +17108,7 @@
               </a:rPr>
               <a:t>The same conflict may arise twice</a:t>
             </a:r>
-            <a:endParaRPr b="0" lang="en-US" sz="1800" spc="-1" strike="noStrike">
-              <a:solidFill>
-                <a:srgbClr val="000000"/>
-              </a:solidFill>
+            <a:endParaRPr b="0" lang="en-GB" sz="1800" spc="-1" strike="noStrike">
               <a:latin typeface="Arial"/>
             </a:endParaRPr>
           </a:p>
@@ -18193,10 +17137,7 @@
               </a:rPr>
               <a:t>With documentation, you can just point to the previous resolution</a:t>
             </a:r>
-            <a:endParaRPr b="0" lang="en-US" sz="1600" spc="-1" strike="noStrike">
-              <a:solidFill>
-                <a:srgbClr val="000000"/>
-              </a:solidFill>
+            <a:endParaRPr b="0" lang="en-GB" sz="1600" spc="-1" strike="noStrike">
               <a:latin typeface="Arial"/>
             </a:endParaRPr>
           </a:p>
@@ -18225,10 +17166,7 @@
               </a:rPr>
               <a:t>Inappropriate conflict resolution</a:t>
             </a:r>
-            <a:endParaRPr b="0" lang="en-US" sz="1800" spc="-1" strike="noStrike">
-              <a:solidFill>
-                <a:srgbClr val="000000"/>
-              </a:solidFill>
+            <a:endParaRPr b="0" lang="en-GB" sz="1800" spc="-1" strike="noStrike">
               <a:latin typeface="Arial"/>
             </a:endParaRPr>
           </a:p>
@@ -18257,10 +17195,7 @@
               </a:rPr>
               <a:t>Sometimes, the resolutions are dissatisfying and need to be reconsidered</a:t>
             </a:r>
-            <a:endParaRPr b="0" lang="en-US" sz="1600" spc="-1" strike="noStrike">
-              <a:solidFill>
-                <a:srgbClr val="000000"/>
-              </a:solidFill>
+            <a:endParaRPr b="0" lang="en-GB" sz="1600" spc="-1" strike="noStrike">
               <a:latin typeface="Arial"/>
             </a:endParaRPr>
           </a:p>
@@ -18289,10 +17224,7 @@
               </a:rPr>
               <a:t>Without documentation of the first resolution, the same mistakes may happen again</a:t>
             </a:r>
-            <a:endParaRPr b="0" lang="en-US" sz="1600" spc="-1" strike="noStrike">
-              <a:solidFill>
-                <a:srgbClr val="000000"/>
-              </a:solidFill>
+            <a:endParaRPr b="0" lang="en-GB" sz="1600" spc="-1" strike="noStrike">
               <a:latin typeface="Arial"/>
             </a:endParaRPr>
           </a:p>
@@ -18337,7 +17269,7 @@
         <p:spPr>
           <a:xfrm>
             <a:off x="542880" y="721800"/>
-            <a:ext cx="10357200" cy="497880"/>
+            <a:ext cx="10356480" cy="497160"/>
           </a:xfrm>
           <a:prstGeom prst="rect">
             <a:avLst/>
@@ -18362,7 +17294,6 @@
               <a:lnSpc>
                 <a:spcPct val="100000"/>
               </a:lnSpc>
-              <a:buNone/>
             </a:pPr>
             <a:r>
               <a:rPr b="1" lang="en-US" sz="2200" spc="-1" strike="noStrike">
@@ -18374,8 +17305,8 @@
               </a:rPr>
               <a:t>General Requirements Engineering Process</a:t>
             </a:r>
-            <a:endParaRPr b="0" lang="en-US" sz="2200" spc="-1" strike="noStrike">
-              <a:latin typeface="DejaVu Sans"/>
+            <a:endParaRPr b="0" lang="en-GB" sz="2200" spc="-1" strike="noStrike">
+              <a:latin typeface="Arial"/>
             </a:endParaRPr>
           </a:p>
         </p:txBody>
@@ -18389,7 +17320,7 @@
         <p:spPr>
           <a:xfrm>
             <a:off x="542880" y="1267200"/>
-            <a:ext cx="10357200" cy="497880"/>
+            <a:ext cx="10356480" cy="497160"/>
           </a:xfrm>
           <a:prstGeom prst="rect">
             <a:avLst/>
@@ -18414,7 +17345,6 @@
               <a:lnSpc>
                 <a:spcPct val="100000"/>
               </a:lnSpc>
-              <a:buNone/>
             </a:pPr>
             <a:r>
               <a:rPr b="1" lang="de-DE" sz="2200" spc="-1" strike="noStrike">
@@ -18426,8 +17356,8 @@
               </a:rPr>
               <a:t>Overview</a:t>
             </a:r>
-            <a:endParaRPr b="0" lang="en-US" sz="2200" spc="-1" strike="noStrike">
-              <a:latin typeface="DejaVu Sans"/>
+            <a:endParaRPr b="0" lang="en-GB" sz="2200" spc="-1" strike="noStrike">
+              <a:latin typeface="Arial"/>
             </a:endParaRPr>
           </a:p>
         </p:txBody>
@@ -18445,7 +17375,7 @@
         <p:spPr>
           <a:xfrm>
             <a:off x="542880" y="2387520"/>
-            <a:ext cx="10102320" cy="2079720"/>
+            <a:ext cx="10101600" cy="2079000"/>
           </a:xfrm>
           <a:prstGeom prst="rect">
             <a:avLst/>
@@ -18464,7 +17394,7 @@
         <p:spPr>
           <a:xfrm>
             <a:off x="2377800" y="2297880"/>
-            <a:ext cx="1413000" cy="2258640"/>
+            <a:ext cx="1412280" cy="2257920"/>
           </a:xfrm>
           <a:prstGeom prst="frame">
             <a:avLst>
@@ -18535,7 +17465,7 @@
         <p:spPr>
           <a:xfrm>
             <a:off x="335520" y="4406760"/>
-            <a:ext cx="10748880" cy="1357920"/>
+            <a:ext cx="10748160" cy="1357200"/>
           </a:xfrm>
           <a:prstGeom prst="rect">
             <a:avLst/>
@@ -18560,7 +17490,6 @@
               <a:lnSpc>
                 <a:spcPct val="100000"/>
               </a:lnSpc>
-              <a:buNone/>
             </a:pPr>
             <a:r>
               <a:rPr b="1" lang="en-US" sz="3000" spc="-1" strike="noStrike" cap="all">
@@ -18572,8 +17501,8 @@
               </a:rPr>
               <a:t>Summary</a:t>
             </a:r>
-            <a:endParaRPr b="0" lang="en-US" sz="3000" spc="-1" strike="noStrike">
-              <a:latin typeface="DejaVu Sans"/>
+            <a:endParaRPr b="0" lang="en-GB" sz="3000" spc="-1" strike="noStrike">
+              <a:latin typeface="Arial"/>
             </a:endParaRPr>
           </a:p>
         </p:txBody>
@@ -18587,7 +17516,7 @@
         <p:spPr>
           <a:xfrm>
             <a:off x="335520" y="2906640"/>
-            <a:ext cx="10748880" cy="1495800"/>
+            <a:ext cx="10748160" cy="1495080"/>
           </a:xfrm>
           <a:prstGeom prst="rect">
             <a:avLst/>
@@ -18643,7 +17572,7 @@
         <p:spPr>
           <a:xfrm>
             <a:off x="542880" y="721800"/>
-            <a:ext cx="10357200" cy="497880"/>
+            <a:ext cx="10356480" cy="497160"/>
           </a:xfrm>
           <a:prstGeom prst="rect">
             <a:avLst/>
@@ -18668,7 +17597,6 @@
               <a:lnSpc>
                 <a:spcPct val="100000"/>
               </a:lnSpc>
-              <a:buNone/>
             </a:pPr>
             <a:r>
               <a:rPr b="1" lang="en-US" sz="2200" spc="-1" strike="noStrike">
@@ -18680,8 +17608,8 @@
               </a:rPr>
               <a:t>Summary</a:t>
             </a:r>
-            <a:endParaRPr b="0" lang="en-US" sz="2200" spc="-1" strike="noStrike">
-              <a:latin typeface="DejaVu Sans"/>
+            <a:endParaRPr b="0" lang="en-GB" sz="2200" spc="-1" strike="noStrike">
+              <a:latin typeface="Arial"/>
             </a:endParaRPr>
           </a:p>
         </p:txBody>
@@ -18695,7 +17623,7 @@
         <p:spPr>
           <a:xfrm>
             <a:off x="451800" y="1709280"/>
-            <a:ext cx="8224560" cy="4352760"/>
+            <a:ext cx="8223840" cy="4352040"/>
           </a:xfrm>
           <a:prstGeom prst="rect">
             <a:avLst/>
@@ -18725,7 +17653,7 @@
         <p:spPr>
           <a:xfrm>
             <a:off x="609480" y="1769400"/>
-            <a:ext cx="10587600" cy="4855680"/>
+            <a:ext cx="10586880" cy="4854960"/>
           </a:xfrm>
           <a:prstGeom prst="rect">
             <a:avLst/>
@@ -18764,15 +17692,12 @@
               </a:rPr>
               <a:t>Negotiation deals with gaining a common understanding of the requirements</a:t>
             </a:r>
-            <a:endParaRPr b="0" lang="en-US" sz="2000" spc="-1" strike="noStrike">
-              <a:solidFill>
-                <a:srgbClr val="000000"/>
-              </a:solidFill>
-              <a:latin typeface="Arial"/>
-            </a:endParaRPr>
-          </a:p>
-          <a:p>
-            <a:pPr marL="228600" indent="-228600">
+            <a:endParaRPr b="0" lang="en-GB" sz="2000" spc="-1" strike="noStrike">
+              <a:latin typeface="Arial"/>
+            </a:endParaRPr>
+          </a:p>
+          <a:p>
+            <a:pPr marL="228600" indent="0">
               <a:lnSpc>
                 <a:spcPct val="100000"/>
               </a:lnSpc>
@@ -18784,10 +17709,7 @@
                 <a:tab algn="l" pos="0"/>
               </a:tabLst>
             </a:pPr>
-            <a:endParaRPr b="0" lang="en-US" sz="2000" spc="-1" strike="noStrike">
-              <a:solidFill>
-                <a:srgbClr val="000000"/>
-              </a:solidFill>
+            <a:endParaRPr b="0" lang="en-GB" sz="2000" spc="-1" strike="noStrike">
               <a:latin typeface="Arial"/>
             </a:endParaRPr>
           </a:p>
@@ -18819,10 +17741,7 @@
               </a:rPr>
               <a:t>Conflicts between stakeholders are resolved</a:t>
             </a:r>
-            <a:endParaRPr b="0" lang="en-US" sz="2000" spc="-1" strike="noStrike">
-              <a:solidFill>
-                <a:srgbClr val="000000"/>
-              </a:solidFill>
+            <a:endParaRPr b="0" lang="en-GB" sz="2000" spc="-1" strike="noStrike">
               <a:latin typeface="Arial"/>
             </a:endParaRPr>
           </a:p>
@@ -18854,15 +17773,12 @@
               </a:rPr>
               <a:t>Conflict management vital part of the negotiation</a:t>
             </a:r>
-            <a:endParaRPr b="0" lang="en-US" sz="1800" spc="-1" strike="noStrike">
-              <a:solidFill>
-                <a:srgbClr val="000000"/>
-              </a:solidFill>
-              <a:latin typeface="Arial"/>
-            </a:endParaRPr>
-          </a:p>
-          <a:p>
-            <a:pPr marL="228600" indent="-228600">
+            <a:endParaRPr b="0" lang="en-GB" sz="1800" spc="-1" strike="noStrike">
+              <a:latin typeface="Arial"/>
+            </a:endParaRPr>
+          </a:p>
+          <a:p>
+            <a:pPr marL="228600" indent="0">
               <a:lnSpc>
                 <a:spcPct val="90000"/>
               </a:lnSpc>
@@ -18874,10 +17790,7 @@
                 <a:tab algn="l" pos="0"/>
               </a:tabLst>
             </a:pPr>
-            <a:endParaRPr b="0" lang="en-US" sz="1800" spc="-1" strike="noStrike">
-              <a:solidFill>
-                <a:srgbClr val="000000"/>
-              </a:solidFill>
+            <a:endParaRPr b="0" lang="en-GB" sz="1800" spc="-1" strike="noStrike">
               <a:latin typeface="Arial"/>
             </a:endParaRPr>
           </a:p>
@@ -18909,10 +17822,7 @@
               </a:rPr>
               <a:t>After negotiation, a unified and agreed-upon understanding of requirements between all stakeholders exists</a:t>
             </a:r>
-            <a:endParaRPr b="0" lang="en-US" sz="2000" spc="-1" strike="noStrike">
-              <a:solidFill>
-                <a:srgbClr val="000000"/>
-              </a:solidFill>
+            <a:endParaRPr b="0" lang="en-GB" sz="2000" spc="-1" strike="noStrike">
               <a:latin typeface="Arial"/>
             </a:endParaRPr>
           </a:p>
@@ -18957,7 +17867,7 @@
         <p:spPr>
           <a:xfrm>
             <a:off x="335520" y="1268640"/>
-            <a:ext cx="10745640" cy="5033160"/>
+            <a:ext cx="10744920" cy="5032440"/>
           </a:xfrm>
           <a:prstGeom prst="rect">
             <a:avLst/>
@@ -18985,7 +17895,6 @@
               <a:spcBef>
                 <a:spcPts val="799"/>
               </a:spcBef>
-              <a:buNone/>
               <a:tabLst>
                 <a:tab algn="l" pos="0"/>
               </a:tabLst>
@@ -19000,8 +17909,8 @@
               </a:rPr>
               <a:t>Questions?</a:t>
             </a:r>
-            <a:endParaRPr b="0" lang="en-US" sz="4000" spc="-1" strike="noStrike">
-              <a:latin typeface="DejaVu Sans"/>
+            <a:endParaRPr b="0" lang="en-GB" sz="4000" spc="-1" strike="noStrike">
+              <a:latin typeface="Arial"/>
             </a:endParaRPr>
           </a:p>
         </p:txBody>
@@ -19015,7 +17924,7 @@
         <p:spPr>
           <a:xfrm>
             <a:off x="335520" y="764640"/>
-            <a:ext cx="10745640" cy="496440"/>
+            <a:ext cx="10744920" cy="495720"/>
           </a:xfrm>
           <a:prstGeom prst="rect">
             <a:avLst/>
@@ -19075,7 +17984,7 @@
         <p:spPr>
           <a:xfrm>
             <a:off x="542880" y="722520"/>
-            <a:ext cx="10357200" cy="497880"/>
+            <a:ext cx="10356480" cy="497160"/>
           </a:xfrm>
           <a:prstGeom prst="rect">
             <a:avLst/>
@@ -19090,11 +17999,14 @@
             <a:noAutofit/>
           </a:bodyPr>
           <a:p>
-            <a:pPr>
+            <a:pPr indent="0">
               <a:lnSpc>
                 <a:spcPct val="100000"/>
               </a:lnSpc>
               <a:buNone/>
+              <a:tabLst>
+                <a:tab algn="l" pos="0"/>
+              </a:tabLst>
             </a:pPr>
             <a:r>
               <a:rPr b="1" lang="de-DE" sz="2200" spc="-1" strike="noStrike">
@@ -19106,10 +18018,7 @@
               </a:rPr>
               <a:t>References</a:t>
             </a:r>
-            <a:endParaRPr b="0" lang="en-US" sz="2200" spc="-1" strike="noStrike">
-              <a:solidFill>
-                <a:srgbClr val="000000"/>
-              </a:solidFill>
+            <a:endParaRPr b="0" lang="en-GB" sz="2200" spc="-1" strike="noStrike">
               <a:latin typeface="Arial"/>
             </a:endParaRPr>
           </a:p>
@@ -19154,7 +18063,7 @@
         <p:spPr>
           <a:xfrm>
             <a:off x="542880" y="757800"/>
-            <a:ext cx="10357200" cy="497880"/>
+            <a:ext cx="10356480" cy="497160"/>
           </a:xfrm>
           <a:prstGeom prst="rect">
             <a:avLst/>
@@ -19179,7 +18088,6 @@
               <a:lnSpc>
                 <a:spcPct val="100000"/>
               </a:lnSpc>
-              <a:buNone/>
             </a:pPr>
             <a:r>
               <a:rPr b="1" lang="de-DE" sz="2200" spc="-1" strike="noStrike">
@@ -19191,8 +18099,8 @@
               </a:rPr>
               <a:t>Lecture 5: Negotiation</a:t>
             </a:r>
-            <a:endParaRPr b="0" lang="en-US" sz="2200" spc="-1" strike="noStrike">
-              <a:latin typeface="DejaVu Sans"/>
+            <a:endParaRPr b="0" lang="en-GB" sz="2200" spc="-1" strike="noStrike">
+              <a:latin typeface="Arial"/>
             </a:endParaRPr>
           </a:p>
         </p:txBody>
@@ -19206,7 +18114,7 @@
         <p:spPr>
           <a:xfrm>
             <a:off x="542880" y="1303200"/>
-            <a:ext cx="10357200" cy="497880"/>
+            <a:ext cx="10356480" cy="497160"/>
           </a:xfrm>
           <a:prstGeom prst="rect">
             <a:avLst/>
@@ -19231,7 +18139,6 @@
               <a:lnSpc>
                 <a:spcPct val="100000"/>
               </a:lnSpc>
-              <a:buNone/>
             </a:pPr>
             <a:r>
               <a:rPr b="1" lang="de-DE" sz="2200" spc="-1" strike="noStrike">
@@ -19243,8 +18150,8 @@
               </a:rPr>
               <a:t>Content</a:t>
             </a:r>
-            <a:endParaRPr b="0" lang="en-US" sz="2200" spc="-1" strike="noStrike">
-              <a:latin typeface="DejaVu Sans"/>
+            <a:endParaRPr b="0" lang="en-GB" sz="2200" spc="-1" strike="noStrike">
+              <a:latin typeface="Arial"/>
             </a:endParaRPr>
           </a:p>
         </p:txBody>
@@ -19258,7 +18165,7 @@
         <p:spPr>
           <a:xfrm>
             <a:off x="451800" y="1709280"/>
-            <a:ext cx="8224560" cy="4352760"/>
+            <a:ext cx="8223840" cy="4352040"/>
           </a:xfrm>
           <a:prstGeom prst="rect">
             <a:avLst/>
@@ -19284,7 +18191,7 @@
         <p:spPr>
           <a:xfrm>
             <a:off x="604080" y="1861560"/>
-            <a:ext cx="8224560" cy="4352760"/>
+            <a:ext cx="8223840" cy="4352040"/>
           </a:xfrm>
           <a:prstGeom prst="rect">
             <a:avLst/>
@@ -19331,8 +18238,8 @@
               </a:rPr>
               <a:t>Negotiation in General</a:t>
             </a:r>
-            <a:endParaRPr b="0" lang="en-US" sz="1800" spc="-1" strike="noStrike">
-              <a:latin typeface="DejaVu Sans"/>
+            <a:endParaRPr b="0" lang="en-GB" sz="1800" spc="-1" strike="noStrike">
+              <a:latin typeface="Arial"/>
             </a:endParaRPr>
           </a:p>
           <a:p>
@@ -19362,8 +18269,8 @@
               </a:rPr>
               <a:t>Conflict Management</a:t>
             </a:r>
-            <a:endParaRPr b="0" lang="en-US" sz="1800" spc="-1" strike="noStrike">
-              <a:latin typeface="DejaVu Sans"/>
+            <a:endParaRPr b="0" lang="en-GB" sz="1800" spc="-1" strike="noStrike">
+              <a:latin typeface="Arial"/>
             </a:endParaRPr>
           </a:p>
         </p:txBody>
@@ -19407,7 +18314,7 @@
         <p:spPr>
           <a:xfrm>
             <a:off x="335520" y="4406760"/>
-            <a:ext cx="10748880" cy="1357920"/>
+            <a:ext cx="10748160" cy="1357200"/>
           </a:xfrm>
           <a:prstGeom prst="rect">
             <a:avLst/>
@@ -19432,7 +18339,6 @@
               <a:lnSpc>
                 <a:spcPct val="100000"/>
               </a:lnSpc>
-              <a:buNone/>
             </a:pPr>
             <a:r>
               <a:rPr b="1" lang="en-US" sz="3000" spc="-1" strike="noStrike" cap="all">
@@ -19444,8 +18350,8 @@
               </a:rPr>
               <a:t>Negotiation in general</a:t>
             </a:r>
-            <a:endParaRPr b="0" lang="en-US" sz="3000" spc="-1" strike="noStrike">
-              <a:latin typeface="DejaVu Sans"/>
+            <a:endParaRPr b="0" lang="en-GB" sz="3000" spc="-1" strike="noStrike">
+              <a:latin typeface="Arial"/>
             </a:endParaRPr>
           </a:p>
         </p:txBody>
@@ -19459,7 +18365,7 @@
         <p:spPr>
           <a:xfrm>
             <a:off x="335520" y="2906640"/>
-            <a:ext cx="10748880" cy="1495800"/>
+            <a:ext cx="10748160" cy="1495080"/>
           </a:xfrm>
           <a:prstGeom prst="rect">
             <a:avLst/>
@@ -19515,7 +18421,7 @@
         <p:spPr>
           <a:xfrm>
             <a:off x="542880" y="721800"/>
-            <a:ext cx="10357200" cy="497880"/>
+            <a:ext cx="10356480" cy="497160"/>
           </a:xfrm>
           <a:prstGeom prst="rect">
             <a:avLst/>
@@ -19540,7 +18446,6 @@
               <a:lnSpc>
                 <a:spcPct val="100000"/>
               </a:lnSpc>
-              <a:buNone/>
             </a:pPr>
             <a:r>
               <a:rPr b="1" lang="en-US" sz="2200" spc="-1" strike="noStrike">
@@ -19552,8 +18457,8 @@
               </a:rPr>
               <a:t>Negotiation</a:t>
             </a:r>
-            <a:endParaRPr b="0" lang="en-US" sz="2200" spc="-1" strike="noStrike">
-              <a:latin typeface="DejaVu Sans"/>
+            <a:endParaRPr b="0" lang="en-GB" sz="2200" spc="-1" strike="noStrike">
+              <a:latin typeface="Arial"/>
             </a:endParaRPr>
           </a:p>
         </p:txBody>
@@ -19567,7 +18472,7 @@
         <p:spPr>
           <a:xfrm>
             <a:off x="542880" y="1267200"/>
-            <a:ext cx="10357200" cy="497880"/>
+            <a:ext cx="10356480" cy="497160"/>
           </a:xfrm>
           <a:prstGeom prst="rect">
             <a:avLst/>
@@ -19592,7 +18497,6 @@
               <a:lnSpc>
                 <a:spcPct val="100000"/>
               </a:lnSpc>
-              <a:buNone/>
             </a:pPr>
             <a:r>
               <a:rPr b="1" lang="en-US" sz="2200" spc="-1" strike="noStrike">
@@ -19604,8 +18508,8 @@
               </a:rPr>
               <a:t>Why?</a:t>
             </a:r>
-            <a:endParaRPr b="0" lang="en-US" sz="2200" spc="-1" strike="noStrike">
-              <a:latin typeface="DejaVu Sans"/>
+            <a:endParaRPr b="0" lang="en-GB" sz="2200" spc="-1" strike="noStrike">
+              <a:latin typeface="Arial"/>
             </a:endParaRPr>
           </a:p>
         </p:txBody>
@@ -19619,7 +18523,7 @@
         <p:spPr>
           <a:xfrm>
             <a:off x="451800" y="1709280"/>
-            <a:ext cx="8224560" cy="4352760"/>
+            <a:ext cx="8223840" cy="4352040"/>
           </a:xfrm>
           <a:prstGeom prst="rect">
             <a:avLst/>
@@ -19649,7 +18553,7 @@
         <p:spPr>
           <a:xfrm>
             <a:off x="609480" y="1769400"/>
-            <a:ext cx="10587600" cy="4855680"/>
+            <a:ext cx="10586880" cy="4854960"/>
           </a:xfrm>
           <a:prstGeom prst="rect">
             <a:avLst/>
@@ -19688,10 +18592,7 @@
               </a:rPr>
               <a:t>Interpretation of the elicitation results may uncover conflicts between stakeholders</a:t>
             </a:r>
-            <a:endParaRPr b="0" lang="en-US" sz="2000" spc="-1" strike="noStrike">
-              <a:solidFill>
-                <a:srgbClr val="000000"/>
-              </a:solidFill>
+            <a:endParaRPr b="0" lang="en-GB" sz="2000" spc="-1" strike="noStrike">
               <a:latin typeface="Arial"/>
             </a:endParaRPr>
           </a:p>
@@ -19740,10 +18641,7 @@
               </a:rPr>
               <a:t> contradictory demands</a:t>
             </a:r>
-            <a:endParaRPr b="0" lang="en-US" sz="1800" spc="-1" strike="noStrike">
-              <a:solidFill>
-                <a:srgbClr val="000000"/>
-              </a:solidFill>
+            <a:endParaRPr b="0" lang="en-GB" sz="1800" spc="-1" strike="noStrike">
               <a:latin typeface="Arial"/>
             </a:endParaRPr>
           </a:p>
@@ -19772,10 +18670,7 @@
               </a:rPr>
               <a:t>Example:</a:t>
             </a:r>
-            <a:endParaRPr b="0" lang="en-US" sz="1800" spc="-1" strike="noStrike">
-              <a:solidFill>
-                <a:srgbClr val="000000"/>
-              </a:solidFill>
+            <a:endParaRPr b="0" lang="en-GB" sz="1800" spc="-1" strike="noStrike">
               <a:latin typeface="Arial"/>
             </a:endParaRPr>
           </a:p>
@@ -19804,10 +18699,7 @@
               </a:rPr>
               <a:t>Stakeholder A wants the system to shut down in case of failure.</a:t>
             </a:r>
-            <a:endParaRPr b="0" lang="en-US" sz="1600" spc="-1" strike="noStrike">
-              <a:solidFill>
-                <a:srgbClr val="000000"/>
-              </a:solidFill>
+            <a:endParaRPr b="0" lang="en-GB" sz="1600" spc="-1" strike="noStrike">
               <a:latin typeface="Arial"/>
             </a:endParaRPr>
           </a:p>
@@ -19836,10 +18728,7 @@
               </a:rPr>
               <a:t>Stakeholder B wants the system to restarts in case of failure.</a:t>
             </a:r>
-            <a:endParaRPr b="0" lang="en-US" sz="1600" spc="-1" strike="noStrike">
-              <a:solidFill>
-                <a:srgbClr val="000000"/>
-              </a:solidFill>
+            <a:endParaRPr b="0" lang="en-GB" sz="1600" spc="-1" strike="noStrike">
               <a:latin typeface="Arial"/>
             </a:endParaRPr>
           </a:p>
@@ -19868,10 +18757,7 @@
               </a:rPr>
               <a:t>Unresolved conflicts threaten the project</a:t>
             </a:r>
-            <a:endParaRPr b="0" lang="en-US" sz="2000" spc="-1" strike="noStrike">
-              <a:solidFill>
-                <a:srgbClr val="000000"/>
-              </a:solidFill>
+            <a:endParaRPr b="0" lang="en-GB" sz="2000" spc="-1" strike="noStrike">
               <a:latin typeface="Arial"/>
             </a:endParaRPr>
           </a:p>
@@ -19900,10 +18786,7 @@
               </a:rPr>
               <a:t>Erode support by stakeholders</a:t>
             </a:r>
-            <a:endParaRPr b="0" lang="en-US" sz="1800" spc="-1" strike="noStrike">
-              <a:solidFill>
-                <a:srgbClr val="000000"/>
-              </a:solidFill>
+            <a:endParaRPr b="0" lang="en-GB" sz="1800" spc="-1" strike="noStrike">
               <a:latin typeface="Arial"/>
             </a:endParaRPr>
           </a:p>
@@ -19942,10 +18825,7 @@
               </a:rPr>
               <a:t>Loosing” side in a conflict may cease to support the project</a:t>
             </a:r>
-            <a:endParaRPr b="0" lang="en-US" sz="1800" spc="-1" strike="noStrike">
-              <a:solidFill>
-                <a:srgbClr val="000000"/>
-              </a:solidFill>
+            <a:endParaRPr b="0" lang="en-GB" sz="1800" spc="-1" strike="noStrike">
               <a:latin typeface="Arial"/>
             </a:endParaRPr>
           </a:p>
@@ -19974,10 +18854,7 @@
               </a:rPr>
               <a:t>Conflicts may provide opportunities</a:t>
             </a:r>
-            <a:endParaRPr b="0" lang="en-US" sz="2000" spc="-1" strike="noStrike">
-              <a:solidFill>
-                <a:srgbClr val="000000"/>
-              </a:solidFill>
+            <a:endParaRPr b="0" lang="en-GB" sz="2000" spc="-1" strike="noStrike">
               <a:latin typeface="Arial"/>
             </a:endParaRPr>
           </a:p>
@@ -20006,10 +18883,7 @@
               </a:rPr>
               <a:t>Force thinking about new concepts and solutions</a:t>
             </a:r>
-            <a:endParaRPr b="0" lang="en-US" sz="1800" spc="-1" strike="noStrike">
-              <a:solidFill>
-                <a:srgbClr val="000000"/>
-              </a:solidFill>
+            <a:endParaRPr b="0" lang="en-GB" sz="1800" spc="-1" strike="noStrike">
               <a:latin typeface="Arial"/>
             </a:endParaRPr>
           </a:p>
@@ -20054,7 +18928,7 @@
         <p:spPr>
           <a:xfrm>
             <a:off x="542880" y="721800"/>
-            <a:ext cx="10357200" cy="497880"/>
+            <a:ext cx="10356480" cy="497160"/>
           </a:xfrm>
           <a:prstGeom prst="rect">
             <a:avLst/>
@@ -20079,7 +18953,6 @@
               <a:lnSpc>
                 <a:spcPct val="100000"/>
               </a:lnSpc>
-              <a:buNone/>
             </a:pPr>
             <a:r>
               <a:rPr b="1" lang="en-US" sz="2200" spc="-1" strike="noStrike">
@@ -20091,8 +18964,8 @@
               </a:rPr>
               <a:t>Negotiation</a:t>
             </a:r>
-            <a:endParaRPr b="0" lang="en-US" sz="2200" spc="-1" strike="noStrike">
-              <a:latin typeface="DejaVu Sans"/>
+            <a:endParaRPr b="0" lang="en-GB" sz="2200" spc="-1" strike="noStrike">
+              <a:latin typeface="Arial"/>
             </a:endParaRPr>
           </a:p>
         </p:txBody>
@@ -20106,7 +18979,7 @@
         <p:spPr>
           <a:xfrm>
             <a:off x="542880" y="1267200"/>
-            <a:ext cx="10357200" cy="497880"/>
+            <a:ext cx="10356480" cy="497160"/>
           </a:xfrm>
           <a:prstGeom prst="rect">
             <a:avLst/>
@@ -20131,7 +19004,6 @@
               <a:lnSpc>
                 <a:spcPct val="100000"/>
               </a:lnSpc>
-              <a:buNone/>
             </a:pPr>
             <a:r>
               <a:rPr b="1" lang="en-US" sz="2200" spc="-1" strike="noStrike">
@@ -20143,8 +19015,8 @@
               </a:rPr>
               <a:t>Goals</a:t>
             </a:r>
-            <a:endParaRPr b="0" lang="en-US" sz="2200" spc="-1" strike="noStrike">
-              <a:latin typeface="DejaVu Sans"/>
+            <a:endParaRPr b="0" lang="en-GB" sz="2200" spc="-1" strike="noStrike">
+              <a:latin typeface="Arial"/>
             </a:endParaRPr>
           </a:p>
         </p:txBody>
@@ -20158,7 +19030,7 @@
         <p:spPr>
           <a:xfrm>
             <a:off x="451800" y="1709280"/>
-            <a:ext cx="8224560" cy="4352760"/>
+            <a:ext cx="8223840" cy="4352040"/>
           </a:xfrm>
           <a:prstGeom prst="rect">
             <a:avLst/>
@@ -20188,7 +19060,7 @@
         <p:spPr>
           <a:xfrm>
             <a:off x="609480" y="1769400"/>
-            <a:ext cx="10587600" cy="4855680"/>
+            <a:ext cx="10586880" cy="4854960"/>
           </a:xfrm>
           <a:prstGeom prst="rect">
             <a:avLst/>
@@ -20227,10 +19099,7 @@
               </a:rPr>
               <a:t>Resolve the conflicts between stakeholders</a:t>
             </a:r>
-            <a:endParaRPr b="0" lang="en-US" sz="2000" spc="-1" strike="noStrike">
-              <a:solidFill>
-                <a:srgbClr val="000000"/>
-              </a:solidFill>
+            <a:endParaRPr b="0" lang="en-GB" sz="2000" spc="-1" strike="noStrike">
               <a:latin typeface="Arial"/>
             </a:endParaRPr>
           </a:p>
@@ -20259,10 +19128,7 @@
               </a:rPr>
               <a:t>Even if a conflict cannot be resolved, negotiation helps with acceptance</a:t>
             </a:r>
-            <a:endParaRPr b="0" lang="en-US" sz="1800" spc="-1" strike="noStrike">
-              <a:solidFill>
-                <a:srgbClr val="000000"/>
-              </a:solidFill>
+            <a:endParaRPr b="0" lang="en-GB" sz="1800" spc="-1" strike="noStrike">
               <a:latin typeface="Arial"/>
             </a:endParaRPr>
           </a:p>
@@ -20291,15 +19157,12 @@
               </a:rPr>
               <a:t>Loosing party was involved an knows the reasons why they do not get the feature they wanted</a:t>
             </a:r>
-            <a:endParaRPr b="0" lang="en-US" sz="1800" spc="-1" strike="noStrike">
-              <a:solidFill>
-                <a:srgbClr val="000000"/>
-              </a:solidFill>
-              <a:latin typeface="Arial"/>
-            </a:endParaRPr>
-          </a:p>
-          <a:p>
-            <a:pPr marL="228600" indent="-228600">
+            <a:endParaRPr b="0" lang="en-GB" sz="1800" spc="-1" strike="noStrike">
+              <a:latin typeface="Arial"/>
+            </a:endParaRPr>
+          </a:p>
+          <a:p>
+            <a:pPr marL="228600" indent="0">
               <a:lnSpc>
                 <a:spcPct val="100000"/>
               </a:lnSpc>
@@ -20311,10 +19174,7 @@
                 <a:tab algn="l" pos="0"/>
               </a:tabLst>
             </a:pPr>
-            <a:endParaRPr b="0" lang="en-US" sz="1800" spc="-1" strike="noStrike">
-              <a:solidFill>
-                <a:srgbClr val="000000"/>
-              </a:solidFill>
+            <a:endParaRPr b="0" lang="en-GB" sz="1800" spc="-1" strike="noStrike">
               <a:latin typeface="Arial"/>
             </a:endParaRPr>
           </a:p>
@@ -20346,10 +19206,7 @@
               </a:rPr>
               <a:t>Gain a common and agreed-upon understanding of the requirements</a:t>
             </a:r>
-            <a:endParaRPr b="0" lang="en-US" sz="2000" spc="-1" strike="noStrike">
-              <a:solidFill>
-                <a:srgbClr val="000000"/>
-              </a:solidFill>
+            <a:endParaRPr b="0" lang="en-GB" sz="2000" spc="-1" strike="noStrike">
               <a:latin typeface="Arial"/>
             </a:endParaRPr>
           </a:p>
@@ -20381,10 +19238,7 @@
               </a:rPr>
               <a:t>Negotiation is closely related to the validation!</a:t>
             </a:r>
-            <a:endParaRPr b="0" lang="en-US" sz="1800" spc="-1" strike="noStrike">
-              <a:solidFill>
-                <a:srgbClr val="000000"/>
-              </a:solidFill>
+            <a:endParaRPr b="0" lang="en-GB" sz="1800" spc="-1" strike="noStrike">
               <a:latin typeface="Arial"/>
             </a:endParaRPr>
           </a:p>
@@ -20429,7 +19283,7 @@
         <p:spPr>
           <a:xfrm>
             <a:off x="335520" y="4406760"/>
-            <a:ext cx="10748880" cy="1357920"/>
+            <a:ext cx="10748160" cy="1357200"/>
           </a:xfrm>
           <a:prstGeom prst="rect">
             <a:avLst/>
@@ -20454,7 +19308,6 @@
               <a:lnSpc>
                 <a:spcPct val="100000"/>
               </a:lnSpc>
-              <a:buNone/>
             </a:pPr>
             <a:r>
               <a:rPr b="1" lang="en-US" sz="3000" spc="-1" strike="noStrike" cap="all">
@@ -20466,8 +19319,8 @@
               </a:rPr>
               <a:t>Conflict Management</a:t>
             </a:r>
-            <a:endParaRPr b="0" lang="en-US" sz="3000" spc="-1" strike="noStrike">
-              <a:latin typeface="DejaVu Sans"/>
+            <a:endParaRPr b="0" lang="en-GB" sz="3000" spc="-1" strike="noStrike">
+              <a:latin typeface="Arial"/>
             </a:endParaRPr>
           </a:p>
         </p:txBody>
@@ -20481,7 +19334,7 @@
         <p:spPr>
           <a:xfrm>
             <a:off x="335520" y="2906640"/>
-            <a:ext cx="10748880" cy="1495800"/>
+            <a:ext cx="10748160" cy="1495080"/>
           </a:xfrm>
           <a:prstGeom prst="rect">
             <a:avLst/>
@@ -20537,7 +19390,7 @@
         <p:spPr>
           <a:xfrm>
             <a:off x="542880" y="721800"/>
-            <a:ext cx="10357200" cy="497880"/>
+            <a:ext cx="10356480" cy="497160"/>
           </a:xfrm>
           <a:prstGeom prst="rect">
             <a:avLst/>
@@ -20562,7 +19415,6 @@
               <a:lnSpc>
                 <a:spcPct val="100000"/>
               </a:lnSpc>
-              <a:buNone/>
             </a:pPr>
             <a:r>
               <a:rPr b="1" lang="en-US" sz="2200" spc="-1" strike="noStrike">
@@ -20574,8 +19426,8 @@
               </a:rPr>
               <a:t>Conflict Management</a:t>
             </a:r>
-            <a:endParaRPr b="0" lang="en-US" sz="2200" spc="-1" strike="noStrike">
-              <a:latin typeface="DejaVu Sans"/>
+            <a:endParaRPr b="0" lang="en-GB" sz="2200" spc="-1" strike="noStrike">
+              <a:latin typeface="Arial"/>
             </a:endParaRPr>
           </a:p>
         </p:txBody>
@@ -20589,7 +19441,7 @@
         <p:spPr>
           <a:xfrm>
             <a:off x="542880" y="1267200"/>
-            <a:ext cx="10357200" cy="497880"/>
+            <a:ext cx="10356480" cy="497160"/>
           </a:xfrm>
           <a:prstGeom prst="rect">
             <a:avLst/>
@@ -20614,7 +19466,6 @@
               <a:lnSpc>
                 <a:spcPct val="100000"/>
               </a:lnSpc>
-              <a:buNone/>
             </a:pPr>
             <a:r>
               <a:rPr b="1" lang="en-US" sz="2200" spc="-1" strike="noStrike">
@@ -20626,8 +19477,8 @@
               </a:rPr>
               <a:t>Conflict Identification</a:t>
             </a:r>
-            <a:endParaRPr b="0" lang="en-US" sz="2200" spc="-1" strike="noStrike">
-              <a:latin typeface="DejaVu Sans"/>
+            <a:endParaRPr b="0" lang="en-GB" sz="2200" spc="-1" strike="noStrike">
+              <a:latin typeface="Arial"/>
             </a:endParaRPr>
           </a:p>
         </p:txBody>
@@ -20641,7 +19492,7 @@
         <p:spPr>
           <a:xfrm>
             <a:off x="451800" y="1709280"/>
-            <a:ext cx="8224560" cy="4352760"/>
+            <a:ext cx="8223840" cy="4352040"/>
           </a:xfrm>
           <a:prstGeom prst="rect">
             <a:avLst/>
@@ -20671,7 +19522,7 @@
         <p:spPr>
           <a:xfrm>
             <a:off x="609480" y="1769400"/>
-            <a:ext cx="10587600" cy="4855680"/>
+            <a:ext cx="10586880" cy="4854960"/>
           </a:xfrm>
           <a:prstGeom prst="rect">
             <a:avLst/>
@@ -20710,10 +19561,7 @@
               </a:rPr>
               <a:t>Conflicts can arise at any point during the requirements engineering</a:t>
             </a:r>
-            <a:endParaRPr b="0" lang="en-US" sz="2000" spc="-1" strike="noStrike">
-              <a:solidFill>
-                <a:srgbClr val="000000"/>
-              </a:solidFill>
+            <a:endParaRPr b="0" lang="en-GB" sz="2000" spc="-1" strike="noStrike">
               <a:latin typeface="Arial"/>
             </a:endParaRPr>
           </a:p>
@@ -20742,10 +19590,7 @@
               </a:rPr>
               <a:t>Stakeholders may change their opinion at any point, leading do conflicts</a:t>
             </a:r>
-            <a:endParaRPr b="0" lang="en-US" sz="1800" spc="-1" strike="noStrike">
-              <a:solidFill>
-                <a:srgbClr val="000000"/>
-              </a:solidFill>
+            <a:endParaRPr b="0" lang="en-GB" sz="1800" spc="-1" strike="noStrike">
               <a:latin typeface="Arial"/>
             </a:endParaRPr>
           </a:p>
@@ -20774,15 +19619,12 @@
               </a:rPr>
               <a:t>Most conflicts identified during the interpretation</a:t>
             </a:r>
-            <a:endParaRPr b="0" lang="en-US" sz="1800" spc="-1" strike="noStrike">
-              <a:solidFill>
-                <a:srgbClr val="000000"/>
-              </a:solidFill>
-              <a:latin typeface="Arial"/>
-            </a:endParaRPr>
-          </a:p>
-          <a:p>
-            <a:pPr marL="228600" indent="-228600">
+            <a:endParaRPr b="0" lang="en-GB" sz="1800" spc="-1" strike="noStrike">
+              <a:latin typeface="Arial"/>
+            </a:endParaRPr>
+          </a:p>
+          <a:p>
+            <a:pPr marL="228600" indent="0">
               <a:lnSpc>
                 <a:spcPct val="90000"/>
               </a:lnSpc>
@@ -20794,10 +19636,7 @@
                 <a:tab algn="l" pos="0"/>
               </a:tabLst>
             </a:pPr>
-            <a:endParaRPr b="0" lang="en-US" sz="1800" spc="-1" strike="noStrike">
-              <a:solidFill>
-                <a:srgbClr val="000000"/>
-              </a:solidFill>
+            <a:endParaRPr b="0" lang="en-GB" sz="1800" spc="-1" strike="noStrike">
               <a:latin typeface="Arial"/>
             </a:endParaRPr>
           </a:p>
@@ -20829,10 +19668,7 @@
               </a:rPr>
               <a:t>Identification is the task of the requirements engineer</a:t>
             </a:r>
-            <a:endParaRPr b="0" lang="en-US" sz="2000" spc="-1" strike="noStrike">
-              <a:solidFill>
-                <a:srgbClr val="000000"/>
-              </a:solidFill>
+            <a:endParaRPr b="0" lang="en-GB" sz="2000" spc="-1" strike="noStrike">
               <a:latin typeface="Arial"/>
             </a:endParaRPr>
           </a:p>
@@ -20864,10 +19700,7 @@
               </a:rPr>
               <a:t>The only person involved with all stakeholders and a complete overview of the requirements</a:t>
             </a:r>
-            <a:endParaRPr b="0" lang="en-US" sz="1800" spc="-1" strike="noStrike">
-              <a:solidFill>
-                <a:srgbClr val="000000"/>
-              </a:solidFill>
+            <a:endParaRPr b="0" lang="en-GB" sz="1800" spc="-1" strike="noStrike">
               <a:latin typeface="Arial"/>
             </a:endParaRPr>
           </a:p>
@@ -20912,7 +19745,7 @@
         <p:spPr>
           <a:xfrm>
             <a:off x="542880" y="721800"/>
-            <a:ext cx="10357200" cy="497880"/>
+            <a:ext cx="10356480" cy="497160"/>
           </a:xfrm>
           <a:prstGeom prst="rect">
             <a:avLst/>
@@ -20937,7 +19770,6 @@
               <a:lnSpc>
                 <a:spcPct val="100000"/>
               </a:lnSpc>
-              <a:buNone/>
             </a:pPr>
             <a:r>
               <a:rPr b="1" lang="en-US" sz="2200" spc="-1" strike="noStrike">
@@ -20949,8 +19781,8 @@
               </a:rPr>
               <a:t>Conflict Management</a:t>
             </a:r>
-            <a:endParaRPr b="0" lang="en-US" sz="2200" spc="-1" strike="noStrike">
-              <a:latin typeface="DejaVu Sans"/>
+            <a:endParaRPr b="0" lang="en-GB" sz="2200" spc="-1" strike="noStrike">
+              <a:latin typeface="Arial"/>
             </a:endParaRPr>
           </a:p>
         </p:txBody>
@@ -20964,7 +19796,7 @@
         <p:spPr>
           <a:xfrm>
             <a:off x="542880" y="1267200"/>
-            <a:ext cx="10357200" cy="497880"/>
+            <a:ext cx="10356480" cy="497160"/>
           </a:xfrm>
           <a:prstGeom prst="rect">
             <a:avLst/>
@@ -20989,7 +19821,6 @@
               <a:lnSpc>
                 <a:spcPct val="100000"/>
               </a:lnSpc>
-              <a:buNone/>
             </a:pPr>
             <a:r>
               <a:rPr b="1" lang="en-US" sz="2200" spc="-1" strike="noStrike">
@@ -21001,8 +19832,8 @@
               </a:rPr>
               <a:t>Conflict Analysis</a:t>
             </a:r>
-            <a:endParaRPr b="0" lang="en-US" sz="2200" spc="-1" strike="noStrike">
-              <a:latin typeface="DejaVu Sans"/>
+            <a:endParaRPr b="0" lang="en-GB" sz="2200" spc="-1" strike="noStrike">
+              <a:latin typeface="Arial"/>
             </a:endParaRPr>
           </a:p>
         </p:txBody>
@@ -21016,7 +19847,7 @@
         <p:spPr>
           <a:xfrm>
             <a:off x="451800" y="1709280"/>
-            <a:ext cx="8224560" cy="4352760"/>
+            <a:ext cx="8223840" cy="4352040"/>
           </a:xfrm>
           <a:prstGeom prst="rect">
             <a:avLst/>
@@ -21046,7 +19877,7 @@
         <p:spPr>
           <a:xfrm>
             <a:off x="609480" y="1769400"/>
-            <a:ext cx="10587600" cy="4855680"/>
+            <a:ext cx="10586880" cy="4854960"/>
           </a:xfrm>
           <a:prstGeom prst="rect">
             <a:avLst/>
@@ -21085,10 +19916,7 @@
               </a:rPr>
               <a:t>The task of analyzing the reason for a conflict</a:t>
             </a:r>
-            <a:endParaRPr b="0" lang="en-US" sz="2000" spc="-1" strike="noStrike">
-              <a:solidFill>
-                <a:srgbClr val="000000"/>
-              </a:solidFill>
+            <a:endParaRPr b="0" lang="en-GB" sz="2000" spc="-1" strike="noStrike">
               <a:latin typeface="Arial"/>
             </a:endParaRPr>
           </a:p>
@@ -21117,10 +19945,7 @@
               </a:rPr>
               <a:t>Difficult to resolve a conflict without completely understanding it</a:t>
             </a:r>
-            <a:endParaRPr b="0" lang="en-US" sz="1800" spc="-1" strike="noStrike">
-              <a:solidFill>
-                <a:srgbClr val="000000"/>
-              </a:solidFill>
+            <a:endParaRPr b="0" lang="en-GB" sz="1800" spc="-1" strike="noStrike">
               <a:latin typeface="Arial"/>
             </a:endParaRPr>
           </a:p>
@@ -21149,10 +19974,7 @@
               </a:rPr>
               <a:t>Various types of conflicts</a:t>
             </a:r>
-            <a:endParaRPr b="0" lang="en-US" sz="2000" spc="-1" strike="noStrike">
-              <a:solidFill>
-                <a:srgbClr val="000000"/>
-              </a:solidFill>
+            <a:endParaRPr b="0" lang="en-GB" sz="2000" spc="-1" strike="noStrike">
               <a:latin typeface="Arial"/>
             </a:endParaRPr>
           </a:p>
@@ -21181,10 +20003,7 @@
               </a:rPr>
               <a:t>Subject conflict</a:t>
             </a:r>
-            <a:endParaRPr b="0" lang="en-US" sz="1800" spc="-1" strike="noStrike">
-              <a:solidFill>
-                <a:srgbClr val="000000"/>
-              </a:solidFill>
+            <a:endParaRPr b="0" lang="en-GB" sz="1800" spc="-1" strike="noStrike">
               <a:latin typeface="Arial"/>
             </a:endParaRPr>
           </a:p>
@@ -21213,10 +20032,7 @@
               </a:rPr>
               <a:t>Conflict of interest</a:t>
             </a:r>
-            <a:endParaRPr b="0" lang="en-US" sz="1800" spc="-1" strike="noStrike">
-              <a:solidFill>
-                <a:srgbClr val="000000"/>
-              </a:solidFill>
+            <a:endParaRPr b="0" lang="en-GB" sz="1800" spc="-1" strike="noStrike">
               <a:latin typeface="Arial"/>
             </a:endParaRPr>
           </a:p>
@@ -21245,10 +20061,7 @@
               </a:rPr>
               <a:t>Conflict of value</a:t>
             </a:r>
-            <a:endParaRPr b="0" lang="en-US" sz="1800" spc="-1" strike="noStrike">
-              <a:solidFill>
-                <a:srgbClr val="000000"/>
-              </a:solidFill>
+            <a:endParaRPr b="0" lang="en-GB" sz="1800" spc="-1" strike="noStrike">
               <a:latin typeface="Arial"/>
             </a:endParaRPr>
           </a:p>
@@ -21277,10 +20090,7 @@
               </a:rPr>
               <a:t>Relationship conflict</a:t>
             </a:r>
-            <a:endParaRPr b="0" lang="en-US" sz="1800" spc="-1" strike="noStrike">
-              <a:solidFill>
-                <a:srgbClr val="000000"/>
-              </a:solidFill>
+            <a:endParaRPr b="0" lang="en-GB" sz="1800" spc="-1" strike="noStrike">
               <a:latin typeface="Arial"/>
             </a:endParaRPr>
           </a:p>
@@ -21309,10 +20119,7 @@
               </a:rPr>
               <a:t>Structural conflict</a:t>
             </a:r>
-            <a:endParaRPr b="0" lang="en-US" sz="1800" spc="-1" strike="noStrike">
-              <a:solidFill>
-                <a:srgbClr val="000000"/>
-              </a:solidFill>
+            <a:endParaRPr b="0" lang="en-GB" sz="1800" spc="-1" strike="noStrike">
               <a:latin typeface="Arial"/>
             </a:endParaRPr>
           </a:p>
@@ -21341,10 +20148,7 @@
               </a:rPr>
               <a:t>Mixed reasons</a:t>
             </a:r>
-            <a:endParaRPr b="0" lang="en-US" sz="1800" spc="-1" strike="noStrike">
-              <a:solidFill>
-                <a:srgbClr val="000000"/>
-              </a:solidFill>
+            <a:endParaRPr b="0" lang="en-GB" sz="1800" spc="-1" strike="noStrike">
               <a:latin typeface="Arial"/>
             </a:endParaRPr>
           </a:p>
@@ -21368,10 +20172,10 @@
   <a:themeElements>
     <a:clrScheme name="Office">
       <a:dk1>
-        <a:sysClr val="windowText" lastClr="000000"/>
+        <a:srgbClr val="000000"/>
       </a:dk1>
       <a:lt1>
-        <a:sysClr val="window" lastClr="FFFFFF"/>
+        <a:srgbClr val="ffffff"/>
       </a:lt1>
       <a:dk2>
         <a:srgbClr val="1f497d"/>
@@ -21594,10 +20398,10 @@
   <a:themeElements>
     <a:clrScheme name="Office">
       <a:dk1>
-        <a:sysClr val="windowText" lastClr="000000"/>
+        <a:srgbClr val="000000"/>
       </a:dk1>
       <a:lt1>
-        <a:sysClr val="window" lastClr="FFFFFF"/>
+        <a:srgbClr val="ffffff"/>
       </a:lt1>
       <a:dk2>
         <a:srgbClr val="1f497d"/>
@@ -21820,10 +20624,10 @@
   <a:themeElements>
     <a:clrScheme name="Office">
       <a:dk1>
-        <a:sysClr val="windowText" lastClr="000000"/>
+        <a:srgbClr val="000000"/>
       </a:dk1>
       <a:lt1>
-        <a:sysClr val="window" lastClr="FFFFFF"/>
+        <a:srgbClr val="ffffff"/>
       </a:lt1>
       <a:dk2>
         <a:srgbClr val="1f497d"/>
@@ -22046,10 +20850,10 @@
   <a:themeElements>
     <a:clrScheme name="Office">
       <a:dk1>
-        <a:sysClr val="windowText" lastClr="000000"/>
+        <a:srgbClr val="000000"/>
       </a:dk1>
       <a:lt1>
-        <a:sysClr val="window" lastClr="FFFFFF"/>
+        <a:srgbClr val="ffffff"/>
       </a:lt1>
       <a:dk2>
         <a:srgbClr val="1f497d"/>

--- a/Requirements-Engineering/RE-L05-Negotiation.pptx
+++ b/Requirements-Engineering/RE-L05-Negotiation.pptx
@@ -102,12 +102,45 @@
           <a:p>
             <a:pPr algn="ctr"/>
             <a:r>
-              <a:rPr b="0" lang="en-GB" sz="4400" spc="-1" strike="noStrike">
+              <a:rPr b="0" lang="en-US" sz="4400" spc="-1" strike="noStrike">
+                <a:solidFill>
+                  <a:srgbClr val="000000"/>
+                </a:solidFill>
                 <a:latin typeface="Arial"/>
               </a:rPr>
-              <a:t>Click to move the slide</a:t>
-            </a:r>
-            <a:endParaRPr b="0" lang="en-GB" sz="4400" spc="-1" strike="noStrike">
+              <a:t>Click to </a:t>
+            </a:r>
+            <a:r>
+              <a:rPr b="0" lang="en-US" sz="4400" spc="-1" strike="noStrike">
+                <a:solidFill>
+                  <a:srgbClr val="000000"/>
+                </a:solidFill>
+                <a:latin typeface="Arial"/>
+              </a:rPr>
+              <a:t>move </a:t>
+            </a:r>
+            <a:r>
+              <a:rPr b="0" lang="en-US" sz="4400" spc="-1" strike="noStrike">
+                <a:solidFill>
+                  <a:srgbClr val="000000"/>
+                </a:solidFill>
+                <a:latin typeface="Arial"/>
+              </a:rPr>
+              <a:t>the </a:t>
+            </a:r>
+            <a:r>
+              <a:rPr b="0" lang="en-US" sz="4400" spc="-1" strike="noStrike">
+                <a:solidFill>
+                  <a:srgbClr val="000000"/>
+                </a:solidFill>
+                <a:latin typeface="Arial"/>
+              </a:rPr>
+              <a:t>slide</a:t>
+            </a:r>
+            <a:endParaRPr b="0" lang="en-US" sz="4400" spc="-1" strike="noStrike">
+              <a:solidFill>
+                <a:srgbClr val="000000"/>
+              </a:solidFill>
               <a:latin typeface="Arial"/>
             </a:endParaRPr>
           </a:p>
@@ -145,12 +178,27 @@
               <a:buNone/>
             </a:pPr>
             <a:r>
-              <a:rPr b="0" lang="en-GB" sz="2000" spc="-1" strike="noStrike">
+              <a:rPr b="0" lang="en-US" sz="2000" spc="-1" strike="noStrike">
+                <a:solidFill>
+                  <a:srgbClr val="000000"/>
+                </a:solidFill>
                 <a:latin typeface="Arial"/>
               </a:rPr>
-              <a:t>Click to edit the notes' format</a:t>
-            </a:r>
-            <a:endParaRPr b="0" lang="en-GB" sz="2000" spc="-1" strike="noStrike">
+              <a:t>Click to edit the </a:t>
+            </a:r>
+            <a:r>
+              <a:rPr b="0" lang="en-US" sz="2000" spc="-1" strike="noStrike">
+                <a:solidFill>
+                  <a:srgbClr val="000000"/>
+                </a:solidFill>
+                <a:latin typeface="Arial"/>
+              </a:rPr>
+              <a:t>notes format</a:t>
+            </a:r>
+            <a:endParaRPr b="0" lang="en-US" sz="2000" spc="-1" strike="noStrike">
+              <a:solidFill>
+                <a:srgbClr val="000000"/>
+              </a:solidFill>
               <a:latin typeface="Arial"/>
             </a:endParaRPr>
           </a:p>
@@ -188,12 +236,18 @@
               <a:buNone/>
             </a:pPr>
             <a:r>
-              <a:rPr b="0" lang="en-GB" sz="1400" spc="-1" strike="noStrike">
+              <a:rPr b="0" lang="en-US" sz="1400" spc="-1" strike="noStrike">
+                <a:solidFill>
+                  <a:srgbClr val="000000"/>
+                </a:solidFill>
                 <a:latin typeface="Times New Roman"/>
               </a:rPr>
               <a:t>&lt;header&gt;</a:t>
             </a:r>
-            <a:endParaRPr b="0" lang="en-GB" sz="1400" spc="-1" strike="noStrike">
+            <a:endParaRPr b="0" lang="en-US" sz="1400" spc="-1" strike="noStrike">
+              <a:solidFill>
+                <a:srgbClr val="000000"/>
+              </a:solidFill>
               <a:latin typeface="Times New Roman"/>
             </a:endParaRPr>
           </a:p>
@@ -229,7 +283,10 @@
           <a:lstStyle>
             <a:lvl1pPr indent="0" algn="r">
               <a:buNone/>
-              <a:defRPr b="0" lang="en-GB" sz="1400" spc="-1" strike="noStrike">
+              <a:defRPr b="0" lang="en-US" sz="1400" spc="-1" strike="noStrike">
+                <a:solidFill>
+                  <a:srgbClr val="000000"/>
+                </a:solidFill>
                 <a:latin typeface="Times New Roman"/>
               </a:defRPr>
             </a:lvl1pPr>
@@ -239,12 +296,18 @@
               <a:buNone/>
             </a:pPr>
             <a:r>
-              <a:rPr b="0" lang="en-GB" sz="1400" spc="-1" strike="noStrike">
+              <a:rPr b="0" lang="en-US" sz="1400" spc="-1" strike="noStrike">
+                <a:solidFill>
+                  <a:srgbClr val="000000"/>
+                </a:solidFill>
                 <a:latin typeface="Times New Roman"/>
               </a:rPr>
               <a:t>&lt;date/time&gt;</a:t>
             </a:r>
-            <a:endParaRPr b="0" lang="en-GB" sz="1400" spc="-1" strike="noStrike">
+            <a:endParaRPr b="0" lang="en-US" sz="1400" spc="-1" strike="noStrike">
+              <a:solidFill>
+                <a:srgbClr val="000000"/>
+              </a:solidFill>
               <a:latin typeface="Times New Roman"/>
             </a:endParaRPr>
           </a:p>
@@ -280,7 +343,10 @@
           <a:lstStyle>
             <a:lvl1pPr indent="0">
               <a:buNone/>
-              <a:defRPr b="0" lang="en-GB" sz="1400" spc="-1" strike="noStrike">
+              <a:defRPr b="0" lang="en-US" sz="1400" spc="-1" strike="noStrike">
+                <a:solidFill>
+                  <a:srgbClr val="000000"/>
+                </a:solidFill>
                 <a:latin typeface="Times New Roman"/>
               </a:defRPr>
             </a:lvl1pPr>
@@ -290,12 +356,18 @@
               <a:buNone/>
             </a:pPr>
             <a:r>
-              <a:rPr b="0" lang="en-GB" sz="1400" spc="-1" strike="noStrike">
+              <a:rPr b="0" lang="en-US" sz="1400" spc="-1" strike="noStrike">
+                <a:solidFill>
+                  <a:srgbClr val="000000"/>
+                </a:solidFill>
                 <a:latin typeface="Times New Roman"/>
               </a:rPr>
               <a:t>&lt;footer&gt;</a:t>
             </a:r>
-            <a:endParaRPr b="0" lang="en-GB" sz="1400" spc="-1" strike="noStrike">
+            <a:endParaRPr b="0" lang="en-US" sz="1400" spc="-1" strike="noStrike">
+              <a:solidFill>
+                <a:srgbClr val="000000"/>
+              </a:solidFill>
               <a:latin typeface="Times New Roman"/>
             </a:endParaRPr>
           </a:p>
@@ -331,7 +403,10 @@
           <a:lstStyle>
             <a:lvl1pPr indent="0" algn="r">
               <a:buNone/>
-              <a:defRPr b="0" lang="en-GB" sz="1400" spc="-1" strike="noStrike">
+              <a:defRPr b="0" lang="en-US" sz="1400" spc="-1" strike="noStrike">
+                <a:solidFill>
+                  <a:srgbClr val="000000"/>
+                </a:solidFill>
                 <a:latin typeface="Times New Roman"/>
               </a:defRPr>
             </a:lvl1pPr>
@@ -340,13 +415,19 @@
             <a:pPr indent="0" algn="r">
               <a:buNone/>
             </a:pPr>
-            <a:fld id="{51B6B536-E8A5-418F-A2C5-D18694B13D18}" type="slidenum">
-              <a:rPr b="0" lang="en-GB" sz="1400" spc="-1" strike="noStrike">
+            <a:fld id="{658AD03E-B344-491A-BE49-D69B2314D5FE}" type="slidenum">
+              <a:rPr b="0" lang="en-US" sz="1400" spc="-1" strike="noStrike">
+                <a:solidFill>
+                  <a:srgbClr val="000000"/>
+                </a:solidFill>
                 <a:latin typeface="Times New Roman"/>
               </a:rPr>
               <a:t>&lt;number&gt;</a:t>
             </a:fld>
-            <a:endParaRPr b="0" lang="en-GB" sz="1400" spc="-1" strike="noStrike">
+            <a:endParaRPr b="0" lang="en-US" sz="1400" spc="-1" strike="noStrike">
+              <a:solidFill>
+                <a:srgbClr val="000000"/>
+              </a:solidFill>
               <a:latin typeface="Times New Roman"/>
             </a:endParaRPr>
           </a:p>
@@ -388,7 +469,7 @@
         <p:spPr>
           <a:xfrm>
             <a:off x="533520" y="763560"/>
-            <a:ext cx="6699600" cy="3767760"/>
+            <a:ext cx="6699240" cy="3767400"/>
           </a:xfrm>
           <a:prstGeom prst="rect">
             <a:avLst/>
@@ -411,7 +492,7 @@
         <p:spPr>
           <a:xfrm>
             <a:off x="777240" y="4777560"/>
-            <a:ext cx="6213240" cy="4521600"/>
+            <a:ext cx="6212880" cy="4521240"/>
           </a:xfrm>
           <a:prstGeom prst="rect">
             <a:avLst/>
@@ -429,7 +510,10 @@
             <a:pPr marL="216000" indent="0">
               <a:buNone/>
             </a:pPr>
-            <a:endParaRPr b="0" lang="en-GB" sz="2000" spc="-1" strike="noStrike">
+            <a:endParaRPr b="0" lang="en-US" sz="1800" spc="-1" strike="noStrike">
+              <a:solidFill>
+                <a:srgbClr val="000000"/>
+              </a:solidFill>
               <a:latin typeface="Arial"/>
             </a:endParaRPr>
           </a:p>
@@ -448,7 +532,7 @@
         <p:spPr>
           <a:xfrm>
             <a:off x="4399200" y="9555480"/>
-            <a:ext cx="3368520" cy="498240"/>
+            <a:ext cx="3368160" cy="497880"/>
           </a:xfrm>
           <a:prstGeom prst="rect">
             <a:avLst/>
@@ -490,7 +574,7 @@
                 <a:tab algn="l" pos="0"/>
               </a:tabLst>
             </a:pPr>
-            <a:fld id="{3AA42636-8494-4558-A9EB-04086486BB77}" type="slidenum">
+            <a:fld id="{DC08BC98-2347-42DB-B85D-01C593387241}" type="slidenum">
               <a:rPr b="0" lang="de-DE" sz="1800" spc="-1" strike="noStrike">
                 <a:solidFill>
                   <a:srgbClr val="000000"/>
@@ -498,9 +582,12 @@
                 <a:latin typeface="+mn-lt"/>
                 <a:ea typeface="+mn-ea"/>
               </a:rPr>
-              <a:t>&lt;number&gt;</a:t>
+              <a:t>21</a:t>
             </a:fld>
-            <a:endParaRPr b="0" lang="en-GB" sz="1800" spc="-1" strike="noStrike">
+            <a:endParaRPr b="0" lang="en-US" sz="1800" spc="-1" strike="noStrike">
+              <a:solidFill>
+                <a:srgbClr val="000000"/>
+              </a:solidFill>
               <a:latin typeface="Times New Roman"/>
             </a:endParaRPr>
           </a:p>
@@ -541,7 +628,7 @@
         <p:spPr>
           <a:xfrm>
             <a:off x="533520" y="763560"/>
-            <a:ext cx="6699600" cy="3767760"/>
+            <a:ext cx="6699240" cy="3767400"/>
           </a:xfrm>
           <a:prstGeom prst="rect">
             <a:avLst/>
@@ -564,7 +651,7 @@
         <p:spPr>
           <a:xfrm>
             <a:off x="777240" y="4777560"/>
-            <a:ext cx="6213240" cy="4521600"/>
+            <a:ext cx="6212880" cy="4521240"/>
           </a:xfrm>
           <a:prstGeom prst="rect">
             <a:avLst/>
@@ -582,7 +669,10 @@
             <a:pPr marL="216000" indent="0">
               <a:buNone/>
             </a:pPr>
-            <a:endParaRPr b="0" lang="en-GB" sz="2000" spc="-1" strike="noStrike">
+            <a:endParaRPr b="0" lang="en-US" sz="1800" spc="-1" strike="noStrike">
+              <a:solidFill>
+                <a:srgbClr val="000000"/>
+              </a:solidFill>
               <a:latin typeface="Arial"/>
             </a:endParaRPr>
           </a:p>
@@ -601,7 +691,7 @@
         <p:spPr>
           <a:xfrm>
             <a:off x="4399200" y="9555480"/>
-            <a:ext cx="3368520" cy="498240"/>
+            <a:ext cx="3368160" cy="497880"/>
           </a:xfrm>
           <a:prstGeom prst="rect">
             <a:avLst/>
@@ -643,7 +733,7 @@
                 <a:tab algn="l" pos="0"/>
               </a:tabLst>
             </a:pPr>
-            <a:fld id="{881E6F1D-4DB8-4781-A3FF-9DEA9472D17A}" type="slidenum">
+            <a:fld id="{BBCC47D7-F4DA-4FB3-A682-E060F299EDCD}" type="slidenum">
               <a:rPr b="0" lang="de-DE" sz="1800" spc="-1" strike="noStrike">
                 <a:solidFill>
                   <a:srgbClr val="000000"/>
@@ -651,9 +741,12 @@
                 <a:latin typeface="+mn-lt"/>
                 <a:ea typeface="+mn-ea"/>
               </a:rPr>
-              <a:t>&lt;number&gt;</a:t>
+              <a:t>21</a:t>
             </a:fld>
-            <a:endParaRPr b="0" lang="en-GB" sz="1800" spc="-1" strike="noStrike">
+            <a:endParaRPr b="0" lang="en-US" sz="1800" spc="-1" strike="noStrike">
+              <a:solidFill>
+                <a:srgbClr val="000000"/>
+              </a:solidFill>
               <a:latin typeface="Times New Roman"/>
             </a:endParaRPr>
           </a:p>
@@ -694,7 +787,7 @@
         <p:spPr>
           <a:xfrm>
             <a:off x="533520" y="763560"/>
-            <a:ext cx="6699600" cy="3767760"/>
+            <a:ext cx="6699240" cy="3767400"/>
           </a:xfrm>
           <a:prstGeom prst="rect">
             <a:avLst/>
@@ -717,7 +810,7 @@
         <p:spPr>
           <a:xfrm>
             <a:off x="777240" y="4777560"/>
-            <a:ext cx="6213240" cy="4521600"/>
+            <a:ext cx="6212880" cy="4521240"/>
           </a:xfrm>
           <a:prstGeom prst="rect">
             <a:avLst/>
@@ -735,7 +828,10 @@
             <a:pPr marL="216000" indent="0">
               <a:buNone/>
             </a:pPr>
-            <a:endParaRPr b="0" lang="en-GB" sz="2000" spc="-1" strike="noStrike">
+            <a:endParaRPr b="0" lang="en-US" sz="1800" spc="-1" strike="noStrike">
+              <a:solidFill>
+                <a:srgbClr val="000000"/>
+              </a:solidFill>
               <a:latin typeface="Arial"/>
             </a:endParaRPr>
           </a:p>
@@ -754,7 +850,7 @@
         <p:spPr>
           <a:xfrm>
             <a:off x="4399200" y="9555480"/>
-            <a:ext cx="3368520" cy="498240"/>
+            <a:ext cx="3368160" cy="497880"/>
           </a:xfrm>
           <a:prstGeom prst="rect">
             <a:avLst/>
@@ -796,7 +892,7 @@
                 <a:tab algn="l" pos="0"/>
               </a:tabLst>
             </a:pPr>
-            <a:fld id="{43B3D7FA-239D-47D4-A1DB-438CCF3B2933}" type="slidenum">
+            <a:fld id="{CF846DD7-C929-496E-BE7D-E4540DA03EA3}" type="slidenum">
               <a:rPr b="0" lang="de-DE" sz="1800" spc="-1" strike="noStrike">
                 <a:solidFill>
                   <a:srgbClr val="000000"/>
@@ -804,9 +900,12 @@
                 <a:latin typeface="+mn-lt"/>
                 <a:ea typeface="+mn-ea"/>
               </a:rPr>
-              <a:t>&lt;number&gt;</a:t>
+              <a:t>21</a:t>
             </a:fld>
-            <a:endParaRPr b="0" lang="en-GB" sz="1800" spc="-1" strike="noStrike">
+            <a:endParaRPr b="0" lang="en-US" sz="1800" spc="-1" strike="noStrike">
+              <a:solidFill>
+                <a:srgbClr val="000000"/>
+              </a:solidFill>
               <a:latin typeface="Times New Roman"/>
             </a:endParaRPr>
           </a:p>
@@ -847,7 +946,7 @@
         <p:spPr>
           <a:xfrm>
             <a:off x="533520" y="763560"/>
-            <a:ext cx="6699600" cy="3767760"/>
+            <a:ext cx="6699240" cy="3767400"/>
           </a:xfrm>
           <a:prstGeom prst="rect">
             <a:avLst/>
@@ -870,7 +969,7 @@
         <p:spPr>
           <a:xfrm>
             <a:off x="777240" y="4777560"/>
-            <a:ext cx="6213240" cy="4521600"/>
+            <a:ext cx="6212880" cy="4521240"/>
           </a:xfrm>
           <a:prstGeom prst="rect">
             <a:avLst/>
@@ -888,7 +987,10 @@
             <a:pPr marL="216000" indent="0">
               <a:buNone/>
             </a:pPr>
-            <a:endParaRPr b="0" lang="en-GB" sz="2000" spc="-1" strike="noStrike">
+            <a:endParaRPr b="0" lang="en-US" sz="1800" spc="-1" strike="noStrike">
+              <a:solidFill>
+                <a:srgbClr val="000000"/>
+              </a:solidFill>
               <a:latin typeface="Arial"/>
             </a:endParaRPr>
           </a:p>
@@ -907,7 +1009,7 @@
         <p:spPr>
           <a:xfrm>
             <a:off x="4399200" y="9555480"/>
-            <a:ext cx="3368520" cy="498240"/>
+            <a:ext cx="3368160" cy="497880"/>
           </a:xfrm>
           <a:prstGeom prst="rect">
             <a:avLst/>
@@ -949,7 +1051,7 @@
                 <a:tab algn="l" pos="0"/>
               </a:tabLst>
             </a:pPr>
-            <a:fld id="{91048BF0-ECBB-4719-8E6C-6A62701A5039}" type="slidenum">
+            <a:fld id="{6DA1CEFD-EC55-4D18-B7D6-E1B4C18644F2}" type="slidenum">
               <a:rPr b="0" lang="de-DE" sz="1800" spc="-1" strike="noStrike">
                 <a:solidFill>
                   <a:srgbClr val="000000"/>
@@ -957,9 +1059,12 @@
                 <a:latin typeface="+mn-lt"/>
                 <a:ea typeface="+mn-ea"/>
               </a:rPr>
-              <a:t>&lt;number&gt;</a:t>
+              <a:t>21</a:t>
             </a:fld>
-            <a:endParaRPr b="0" lang="en-GB" sz="1800" spc="-1" strike="noStrike">
+            <a:endParaRPr b="0" lang="en-US" sz="1800" spc="-1" strike="noStrike">
+              <a:solidFill>
+                <a:srgbClr val="000000"/>
+              </a:solidFill>
               <a:latin typeface="Times New Roman"/>
             </a:endParaRPr>
           </a:p>
@@ -1000,7 +1105,7 @@
         <p:spPr>
           <a:xfrm>
             <a:off x="533520" y="763560"/>
-            <a:ext cx="6699600" cy="3767760"/>
+            <a:ext cx="6699240" cy="3767400"/>
           </a:xfrm>
           <a:prstGeom prst="rect">
             <a:avLst/>
@@ -1023,7 +1128,7 @@
         <p:spPr>
           <a:xfrm>
             <a:off x="777240" y="4777560"/>
-            <a:ext cx="6213240" cy="4521600"/>
+            <a:ext cx="6212880" cy="4521240"/>
           </a:xfrm>
           <a:prstGeom prst="rect">
             <a:avLst/>
@@ -1041,7 +1146,10 @@
             <a:pPr marL="216000" indent="0">
               <a:buNone/>
             </a:pPr>
-            <a:endParaRPr b="0" lang="en-GB" sz="2000" spc="-1" strike="noStrike">
+            <a:endParaRPr b="0" lang="en-US" sz="1800" spc="-1" strike="noStrike">
+              <a:solidFill>
+                <a:srgbClr val="000000"/>
+              </a:solidFill>
               <a:latin typeface="Arial"/>
             </a:endParaRPr>
           </a:p>
@@ -1060,7 +1168,7 @@
         <p:spPr>
           <a:xfrm>
             <a:off x="4399200" y="9555480"/>
-            <a:ext cx="3368520" cy="498240"/>
+            <a:ext cx="3368160" cy="497880"/>
           </a:xfrm>
           <a:prstGeom prst="rect">
             <a:avLst/>
@@ -1102,7 +1210,7 @@
                 <a:tab algn="l" pos="0"/>
               </a:tabLst>
             </a:pPr>
-            <a:fld id="{860C2EB7-B0A3-4BE5-AB4A-E83608FAF805}" type="slidenum">
+            <a:fld id="{341E6BBA-38BB-4569-B159-55D94A04B886}" type="slidenum">
               <a:rPr b="0" lang="de-DE" sz="1800" spc="-1" strike="noStrike">
                 <a:solidFill>
                   <a:srgbClr val="000000"/>
@@ -1110,9 +1218,12 @@
                 <a:latin typeface="+mn-lt"/>
                 <a:ea typeface="+mn-ea"/>
               </a:rPr>
-              <a:t>&lt;number&gt;</a:t>
+              <a:t>21</a:t>
             </a:fld>
-            <a:endParaRPr b="0" lang="en-GB" sz="1800" spc="-1" strike="noStrike">
+            <a:endParaRPr b="0" lang="en-US" sz="1800" spc="-1" strike="noStrike">
+              <a:solidFill>
+                <a:srgbClr val="000000"/>
+              </a:solidFill>
               <a:latin typeface="Times New Roman"/>
             </a:endParaRPr>
           </a:p>
@@ -1153,7 +1264,7 @@
         <p:spPr>
           <a:xfrm>
             <a:off x="533520" y="763560"/>
-            <a:ext cx="6699600" cy="3767760"/>
+            <a:ext cx="6699240" cy="3767400"/>
           </a:xfrm>
           <a:prstGeom prst="rect">
             <a:avLst/>
@@ -1176,7 +1287,7 @@
         <p:spPr>
           <a:xfrm>
             <a:off x="777240" y="4777560"/>
-            <a:ext cx="6213240" cy="4521600"/>
+            <a:ext cx="6212880" cy="4521240"/>
           </a:xfrm>
           <a:prstGeom prst="rect">
             <a:avLst/>
@@ -1194,7 +1305,10 @@
             <a:pPr marL="216000" indent="0">
               <a:buNone/>
             </a:pPr>
-            <a:endParaRPr b="0" lang="en-GB" sz="2000" spc="-1" strike="noStrike">
+            <a:endParaRPr b="0" lang="en-US" sz="1800" spc="-1" strike="noStrike">
+              <a:solidFill>
+                <a:srgbClr val="000000"/>
+              </a:solidFill>
               <a:latin typeface="Arial"/>
             </a:endParaRPr>
           </a:p>
@@ -1213,7 +1327,7 @@
         <p:spPr>
           <a:xfrm>
             <a:off x="4399200" y="9555480"/>
-            <a:ext cx="3368520" cy="498240"/>
+            <a:ext cx="3368160" cy="497880"/>
           </a:xfrm>
           <a:prstGeom prst="rect">
             <a:avLst/>
@@ -1255,7 +1369,7 @@
                 <a:tab algn="l" pos="0"/>
               </a:tabLst>
             </a:pPr>
-            <a:fld id="{E2F25353-2A13-4BC7-9B83-85BF75436DB0}" type="slidenum">
+            <a:fld id="{DA94FEB1-0643-489D-8489-9AD8657F9414}" type="slidenum">
               <a:rPr b="0" lang="de-DE" sz="1800" spc="-1" strike="noStrike">
                 <a:solidFill>
                   <a:srgbClr val="000000"/>
@@ -1263,9 +1377,12 @@
                 <a:latin typeface="+mn-lt"/>
                 <a:ea typeface="+mn-ea"/>
               </a:rPr>
-              <a:t>&lt;number&gt;</a:t>
+              <a:t>21</a:t>
             </a:fld>
-            <a:endParaRPr b="0" lang="en-GB" sz="1800" spc="-1" strike="noStrike">
+            <a:endParaRPr b="0" lang="en-US" sz="1800" spc="-1" strike="noStrike">
+              <a:solidFill>
+                <a:srgbClr val="000000"/>
+              </a:solidFill>
               <a:latin typeface="Times New Roman"/>
             </a:endParaRPr>
           </a:p>
@@ -1306,7 +1423,7 @@
         <p:spPr>
           <a:xfrm>
             <a:off x="533520" y="763560"/>
-            <a:ext cx="6699600" cy="3767760"/>
+            <a:ext cx="6699240" cy="3767400"/>
           </a:xfrm>
           <a:prstGeom prst="rect">
             <a:avLst/>
@@ -1329,7 +1446,7 @@
         <p:spPr>
           <a:xfrm>
             <a:off x="777240" y="4777560"/>
-            <a:ext cx="6213240" cy="4521600"/>
+            <a:ext cx="6212880" cy="4521240"/>
           </a:xfrm>
           <a:prstGeom prst="rect">
             <a:avLst/>
@@ -1347,7 +1464,10 @@
             <a:pPr marL="216000" indent="0">
               <a:buNone/>
             </a:pPr>
-            <a:endParaRPr b="0" lang="en-GB" sz="2000" spc="-1" strike="noStrike">
+            <a:endParaRPr b="0" lang="en-US" sz="1800" spc="-1" strike="noStrike">
+              <a:solidFill>
+                <a:srgbClr val="000000"/>
+              </a:solidFill>
               <a:latin typeface="Arial"/>
             </a:endParaRPr>
           </a:p>
@@ -1366,7 +1486,7 @@
         <p:spPr>
           <a:xfrm>
             <a:off x="4399200" y="9555480"/>
-            <a:ext cx="3368520" cy="498240"/>
+            <a:ext cx="3368160" cy="497880"/>
           </a:xfrm>
           <a:prstGeom prst="rect">
             <a:avLst/>
@@ -1408,7 +1528,7 @@
                 <a:tab algn="l" pos="0"/>
               </a:tabLst>
             </a:pPr>
-            <a:fld id="{96FE24F3-0C46-483D-883F-E6A324BACDBF}" type="slidenum">
+            <a:fld id="{FCBCDA31-6996-4A1A-8C5C-D5CF77680B70}" type="slidenum">
               <a:rPr b="0" lang="de-DE" sz="1800" spc="-1" strike="noStrike">
                 <a:solidFill>
                   <a:srgbClr val="000000"/>
@@ -1416,9 +1536,12 @@
                 <a:latin typeface="+mn-lt"/>
                 <a:ea typeface="+mn-ea"/>
               </a:rPr>
-              <a:t>&lt;number&gt;</a:t>
+              <a:t>21</a:t>
             </a:fld>
-            <a:endParaRPr b="0" lang="en-GB" sz="1800" spc="-1" strike="noStrike">
+            <a:endParaRPr b="0" lang="en-US" sz="1800" spc="-1" strike="noStrike">
+              <a:solidFill>
+                <a:srgbClr val="000000"/>
+              </a:solidFill>
               <a:latin typeface="Times New Roman"/>
             </a:endParaRPr>
           </a:p>
@@ -1459,7 +1582,7 @@
         <p:spPr>
           <a:xfrm>
             <a:off x="533520" y="763560"/>
-            <a:ext cx="6699600" cy="3767760"/>
+            <a:ext cx="6699240" cy="3767400"/>
           </a:xfrm>
           <a:prstGeom prst="rect">
             <a:avLst/>
@@ -1482,7 +1605,7 @@
         <p:spPr>
           <a:xfrm>
             <a:off x="777240" y="4777560"/>
-            <a:ext cx="6213240" cy="4521600"/>
+            <a:ext cx="6212880" cy="4521240"/>
           </a:xfrm>
           <a:prstGeom prst="rect">
             <a:avLst/>
@@ -1500,7 +1623,10 @@
             <a:pPr marL="216000" indent="0">
               <a:buNone/>
             </a:pPr>
-            <a:endParaRPr b="0" lang="en-GB" sz="2000" spc="-1" strike="noStrike">
+            <a:endParaRPr b="0" lang="en-US" sz="1800" spc="-1" strike="noStrike">
+              <a:solidFill>
+                <a:srgbClr val="000000"/>
+              </a:solidFill>
               <a:latin typeface="Arial"/>
             </a:endParaRPr>
           </a:p>
@@ -1519,7 +1645,7 @@
         <p:spPr>
           <a:xfrm>
             <a:off x="4399200" y="9555480"/>
-            <a:ext cx="3368520" cy="498240"/>
+            <a:ext cx="3368160" cy="497880"/>
           </a:xfrm>
           <a:prstGeom prst="rect">
             <a:avLst/>
@@ -1561,7 +1687,7 @@
                 <a:tab algn="l" pos="0"/>
               </a:tabLst>
             </a:pPr>
-            <a:fld id="{129BF17F-DEBD-4A14-85A1-E92CF94F83E1}" type="slidenum">
+            <a:fld id="{56687DC4-2A94-41A1-BBC9-ACC20E5BBDA9}" type="slidenum">
               <a:rPr b="0" lang="de-DE" sz="1800" spc="-1" strike="noStrike">
                 <a:solidFill>
                   <a:srgbClr val="000000"/>
@@ -1569,9 +1695,12 @@
                 <a:latin typeface="+mn-lt"/>
                 <a:ea typeface="+mn-ea"/>
               </a:rPr>
-              <a:t>&lt;number&gt;</a:t>
+              <a:t>21</a:t>
             </a:fld>
-            <a:endParaRPr b="0" lang="en-GB" sz="1800" spc="-1" strike="noStrike">
+            <a:endParaRPr b="0" lang="en-US" sz="1800" spc="-1" strike="noStrike">
+              <a:solidFill>
+                <a:srgbClr val="000000"/>
+              </a:solidFill>
               <a:latin typeface="Times New Roman"/>
             </a:endParaRPr>
           </a:p>
@@ -1612,7 +1741,7 @@
         <p:spPr>
           <a:xfrm>
             <a:off x="533520" y="763560"/>
-            <a:ext cx="6699600" cy="3767760"/>
+            <a:ext cx="6699240" cy="3767400"/>
           </a:xfrm>
           <a:prstGeom prst="rect">
             <a:avLst/>
@@ -1635,7 +1764,7 @@
         <p:spPr>
           <a:xfrm>
             <a:off x="777240" y="4777560"/>
-            <a:ext cx="6213240" cy="4521600"/>
+            <a:ext cx="6212880" cy="4521240"/>
           </a:xfrm>
           <a:prstGeom prst="rect">
             <a:avLst/>
@@ -1653,7 +1782,10 @@
             <a:pPr marL="216000" indent="0">
               <a:buNone/>
             </a:pPr>
-            <a:endParaRPr b="0" lang="en-GB" sz="2000" spc="-1" strike="noStrike">
+            <a:endParaRPr b="0" lang="en-US" sz="1800" spc="-1" strike="noStrike">
+              <a:solidFill>
+                <a:srgbClr val="000000"/>
+              </a:solidFill>
               <a:latin typeface="Arial"/>
             </a:endParaRPr>
           </a:p>
@@ -1672,7 +1804,7 @@
         <p:spPr>
           <a:xfrm>
             <a:off x="4399200" y="9555480"/>
-            <a:ext cx="3368520" cy="498240"/>
+            <a:ext cx="3368160" cy="497880"/>
           </a:xfrm>
           <a:prstGeom prst="rect">
             <a:avLst/>
@@ -1714,7 +1846,7 @@
                 <a:tab algn="l" pos="0"/>
               </a:tabLst>
             </a:pPr>
-            <a:fld id="{B73859F3-4AFA-4E96-9992-3272CF8FE6EB}" type="slidenum">
+            <a:fld id="{BC980508-0FF9-4860-960E-B63037C72519}" type="slidenum">
               <a:rPr b="0" lang="de-DE" sz="1800" spc="-1" strike="noStrike">
                 <a:solidFill>
                   <a:srgbClr val="000000"/>
@@ -1722,9 +1854,12 @@
                 <a:latin typeface="+mn-lt"/>
                 <a:ea typeface="+mn-ea"/>
               </a:rPr>
-              <a:t>&lt;number&gt;</a:t>
+              <a:t>21</a:t>
             </a:fld>
-            <a:endParaRPr b="0" lang="en-GB" sz="1800" spc="-1" strike="noStrike">
+            <a:endParaRPr b="0" lang="en-US" sz="1800" spc="-1" strike="noStrike">
+              <a:solidFill>
+                <a:srgbClr val="000000"/>
+              </a:solidFill>
               <a:latin typeface="Times New Roman"/>
             </a:endParaRPr>
           </a:p>
@@ -1765,7 +1900,7 @@
         <p:spPr>
           <a:xfrm>
             <a:off x="533520" y="763560"/>
-            <a:ext cx="6699600" cy="3767760"/>
+            <a:ext cx="6699240" cy="3767400"/>
           </a:xfrm>
           <a:prstGeom prst="rect">
             <a:avLst/>
@@ -1788,7 +1923,7 @@
         <p:spPr>
           <a:xfrm>
             <a:off x="777240" y="4777560"/>
-            <a:ext cx="6213240" cy="4521600"/>
+            <a:ext cx="6212880" cy="4521240"/>
           </a:xfrm>
           <a:prstGeom prst="rect">
             <a:avLst/>
@@ -1806,7 +1941,10 @@
             <a:pPr marL="216000" indent="0">
               <a:buNone/>
             </a:pPr>
-            <a:endParaRPr b="0" lang="en-GB" sz="2000" spc="-1" strike="noStrike">
+            <a:endParaRPr b="0" lang="en-US" sz="1800" spc="-1" strike="noStrike">
+              <a:solidFill>
+                <a:srgbClr val="000000"/>
+              </a:solidFill>
               <a:latin typeface="Arial"/>
             </a:endParaRPr>
           </a:p>
@@ -1825,7 +1963,7 @@
         <p:spPr>
           <a:xfrm>
             <a:off x="4399200" y="9555480"/>
-            <a:ext cx="3368520" cy="498240"/>
+            <a:ext cx="3368160" cy="497880"/>
           </a:xfrm>
           <a:prstGeom prst="rect">
             <a:avLst/>
@@ -1867,7 +2005,7 @@
                 <a:tab algn="l" pos="0"/>
               </a:tabLst>
             </a:pPr>
-            <a:fld id="{79178ECA-DE12-4EC6-95EC-3D824338EDEC}" type="slidenum">
+            <a:fld id="{1366D4DF-6674-4320-82D2-BB97A1B2113D}" type="slidenum">
               <a:rPr b="0" lang="de-DE" sz="1800" spc="-1" strike="noStrike">
                 <a:solidFill>
                   <a:srgbClr val="000000"/>
@@ -1875,9 +2013,12 @@
                 <a:latin typeface="+mn-lt"/>
                 <a:ea typeface="+mn-ea"/>
               </a:rPr>
-              <a:t>&lt;number&gt;</a:t>
+              <a:t>21</a:t>
             </a:fld>
-            <a:endParaRPr b="0" lang="en-GB" sz="1800" spc="-1" strike="noStrike">
+            <a:endParaRPr b="0" lang="en-US" sz="1800" spc="-1" strike="noStrike">
+              <a:solidFill>
+                <a:srgbClr val="000000"/>
+              </a:solidFill>
               <a:latin typeface="Times New Roman"/>
             </a:endParaRPr>
           </a:p>
@@ -1918,7 +2059,7 @@
         <p:spPr>
           <a:xfrm>
             <a:off x="533520" y="763560"/>
-            <a:ext cx="6699600" cy="3767760"/>
+            <a:ext cx="6699240" cy="3767400"/>
           </a:xfrm>
           <a:prstGeom prst="rect">
             <a:avLst/>
@@ -1941,7 +2082,7 @@
         <p:spPr>
           <a:xfrm>
             <a:off x="777240" y="4777560"/>
-            <a:ext cx="6213240" cy="4521600"/>
+            <a:ext cx="6212880" cy="4521240"/>
           </a:xfrm>
           <a:prstGeom prst="rect">
             <a:avLst/>
@@ -1959,7 +2100,10 @@
             <a:pPr marL="216000" indent="0">
               <a:buNone/>
             </a:pPr>
-            <a:endParaRPr b="0" lang="en-GB" sz="2000" spc="-1" strike="noStrike">
+            <a:endParaRPr b="0" lang="en-US" sz="1800" spc="-1" strike="noStrike">
+              <a:solidFill>
+                <a:srgbClr val="000000"/>
+              </a:solidFill>
               <a:latin typeface="Arial"/>
             </a:endParaRPr>
           </a:p>
@@ -1978,7 +2122,7 @@
         <p:spPr>
           <a:xfrm>
             <a:off x="4399200" y="9555480"/>
-            <a:ext cx="3368520" cy="498240"/>
+            <a:ext cx="3368160" cy="497880"/>
           </a:xfrm>
           <a:prstGeom prst="rect">
             <a:avLst/>
@@ -2020,7 +2164,7 @@
                 <a:tab algn="l" pos="0"/>
               </a:tabLst>
             </a:pPr>
-            <a:fld id="{CF3477BF-22F1-43BB-9167-D2EF4D206BE6}" type="slidenum">
+            <a:fld id="{DFC89889-216A-4172-8128-7F49D6C360E5}" type="slidenum">
               <a:rPr b="0" lang="de-DE" sz="1800" spc="-1" strike="noStrike">
                 <a:solidFill>
                   <a:srgbClr val="000000"/>
@@ -2028,9 +2172,12 @@
                 <a:latin typeface="+mn-lt"/>
                 <a:ea typeface="+mn-ea"/>
               </a:rPr>
-              <a:t>&lt;number&gt;</a:t>
+              <a:t>21</a:t>
             </a:fld>
-            <a:endParaRPr b="0" lang="en-GB" sz="1800" spc="-1" strike="noStrike">
+            <a:endParaRPr b="0" lang="en-US" sz="1800" spc="-1" strike="noStrike">
+              <a:solidFill>
+                <a:srgbClr val="000000"/>
+              </a:solidFill>
               <a:latin typeface="Times New Roman"/>
             </a:endParaRPr>
           </a:p>
@@ -2071,7 +2218,7 @@
         <p:spPr>
           <a:xfrm>
             <a:off x="533520" y="763560"/>
-            <a:ext cx="6699600" cy="3767760"/>
+            <a:ext cx="6699240" cy="3767400"/>
           </a:xfrm>
           <a:prstGeom prst="rect">
             <a:avLst/>
@@ -2094,7 +2241,7 @@
         <p:spPr>
           <a:xfrm>
             <a:off x="777240" y="4777560"/>
-            <a:ext cx="6213240" cy="4521600"/>
+            <a:ext cx="6212880" cy="4521240"/>
           </a:xfrm>
           <a:prstGeom prst="rect">
             <a:avLst/>
@@ -2112,7 +2259,10 @@
             <a:pPr marL="216000" indent="0">
               <a:buNone/>
             </a:pPr>
-            <a:endParaRPr b="0" lang="en-GB" sz="2000" spc="-1" strike="noStrike">
+            <a:endParaRPr b="0" lang="en-US" sz="1800" spc="-1" strike="noStrike">
+              <a:solidFill>
+                <a:srgbClr val="000000"/>
+              </a:solidFill>
               <a:latin typeface="Arial"/>
             </a:endParaRPr>
           </a:p>
@@ -2131,7 +2281,7 @@
         <p:spPr>
           <a:xfrm>
             <a:off x="4399200" y="9555480"/>
-            <a:ext cx="3368520" cy="498240"/>
+            <a:ext cx="3368160" cy="497880"/>
           </a:xfrm>
           <a:prstGeom prst="rect">
             <a:avLst/>
@@ -2173,7 +2323,7 @@
                 <a:tab algn="l" pos="0"/>
               </a:tabLst>
             </a:pPr>
-            <a:fld id="{DF866DA8-B4A8-458D-8FDD-BD17E95B828F}" type="slidenum">
+            <a:fld id="{05A3A6B1-47D7-4743-8AB4-50409C401D5B}" type="slidenum">
               <a:rPr b="0" lang="de-DE" sz="1800" spc="-1" strike="noStrike">
                 <a:solidFill>
                   <a:srgbClr val="000000"/>
@@ -2181,9 +2331,12 @@
                 <a:latin typeface="+mn-lt"/>
                 <a:ea typeface="+mn-ea"/>
               </a:rPr>
-              <a:t>&lt;number&gt;</a:t>
+              <a:t>21</a:t>
             </a:fld>
-            <a:endParaRPr b="0" lang="en-GB" sz="1800" spc="-1" strike="noStrike">
+            <a:endParaRPr b="0" lang="en-US" sz="1800" spc="-1" strike="noStrike">
+              <a:solidFill>
+                <a:srgbClr val="000000"/>
+              </a:solidFill>
               <a:latin typeface="Times New Roman"/>
             </a:endParaRPr>
           </a:p>
@@ -2224,7 +2377,7 @@
         <p:spPr>
           <a:xfrm>
             <a:off x="533520" y="763560"/>
-            <a:ext cx="6699600" cy="3767760"/>
+            <a:ext cx="6699240" cy="3767400"/>
           </a:xfrm>
           <a:prstGeom prst="rect">
             <a:avLst/>
@@ -2247,7 +2400,7 @@
         <p:spPr>
           <a:xfrm>
             <a:off x="777240" y="4777560"/>
-            <a:ext cx="6213240" cy="4521600"/>
+            <a:ext cx="6212880" cy="4521240"/>
           </a:xfrm>
           <a:prstGeom prst="rect">
             <a:avLst/>
@@ -2265,7 +2418,10 @@
             <a:pPr marL="216000" indent="0">
               <a:buNone/>
             </a:pPr>
-            <a:endParaRPr b="0" lang="en-GB" sz="2000" spc="-1" strike="noStrike">
+            <a:endParaRPr b="0" lang="en-US" sz="1800" spc="-1" strike="noStrike">
+              <a:solidFill>
+                <a:srgbClr val="000000"/>
+              </a:solidFill>
               <a:latin typeface="Arial"/>
             </a:endParaRPr>
           </a:p>
@@ -2284,7 +2440,7 @@
         <p:spPr>
           <a:xfrm>
             <a:off x="4399200" y="9555480"/>
-            <a:ext cx="3368520" cy="498240"/>
+            <a:ext cx="3368160" cy="497880"/>
           </a:xfrm>
           <a:prstGeom prst="rect">
             <a:avLst/>
@@ -2326,7 +2482,7 @@
                 <a:tab algn="l" pos="0"/>
               </a:tabLst>
             </a:pPr>
-            <a:fld id="{2B220E76-046B-46E8-BD5F-50ABDC229D53}" type="slidenum">
+            <a:fld id="{31D7B24E-A50D-4F4D-B8D6-31DE372B44C2}" type="slidenum">
               <a:rPr b="0" lang="de-DE" sz="1800" spc="-1" strike="noStrike">
                 <a:solidFill>
                   <a:srgbClr val="000000"/>
@@ -2334,9 +2490,12 @@
                 <a:latin typeface="+mn-lt"/>
                 <a:ea typeface="+mn-ea"/>
               </a:rPr>
-              <a:t>&lt;number&gt;</a:t>
+              <a:t>21</a:t>
             </a:fld>
-            <a:endParaRPr b="0" lang="en-GB" sz="1800" spc="-1" strike="noStrike">
+            <a:endParaRPr b="0" lang="en-US" sz="1800" spc="-1" strike="noStrike">
+              <a:solidFill>
+                <a:srgbClr val="000000"/>
+              </a:solidFill>
               <a:latin typeface="Times New Roman"/>
             </a:endParaRPr>
           </a:p>
@@ -2377,7 +2536,7 @@
         <p:spPr>
           <a:xfrm>
             <a:off x="533520" y="763560"/>
-            <a:ext cx="6699600" cy="3767760"/>
+            <a:ext cx="6699240" cy="3767400"/>
           </a:xfrm>
           <a:prstGeom prst="rect">
             <a:avLst/>
@@ -2400,7 +2559,7 @@
         <p:spPr>
           <a:xfrm>
             <a:off x="777240" y="4777560"/>
-            <a:ext cx="6213240" cy="4521600"/>
+            <a:ext cx="6212880" cy="4521240"/>
           </a:xfrm>
           <a:prstGeom prst="rect">
             <a:avLst/>
@@ -2418,7 +2577,10 @@
             <a:pPr marL="216000" indent="0">
               <a:buNone/>
             </a:pPr>
-            <a:endParaRPr b="0" lang="en-GB" sz="2000" spc="-1" strike="noStrike">
+            <a:endParaRPr b="0" lang="en-US" sz="1800" spc="-1" strike="noStrike">
+              <a:solidFill>
+                <a:srgbClr val="000000"/>
+              </a:solidFill>
               <a:latin typeface="Arial"/>
             </a:endParaRPr>
           </a:p>
@@ -2437,7 +2599,7 @@
         <p:spPr>
           <a:xfrm>
             <a:off x="4399200" y="9555480"/>
-            <a:ext cx="3368520" cy="498240"/>
+            <a:ext cx="3368160" cy="497880"/>
           </a:xfrm>
           <a:prstGeom prst="rect">
             <a:avLst/>
@@ -2479,7 +2641,7 @@
                 <a:tab algn="l" pos="0"/>
               </a:tabLst>
             </a:pPr>
-            <a:fld id="{38B2EA5B-6803-481B-802C-2E86044E1B3C}" type="slidenum">
+            <a:fld id="{1EAF944D-1238-4022-8A64-83AF1DB4C211}" type="slidenum">
               <a:rPr b="0" lang="de-DE" sz="1800" spc="-1" strike="noStrike">
                 <a:solidFill>
                   <a:srgbClr val="000000"/>
@@ -2487,9 +2649,12 @@
                 <a:latin typeface="+mn-lt"/>
                 <a:ea typeface="+mn-ea"/>
               </a:rPr>
-              <a:t>&lt;number&gt;</a:t>
+              <a:t>21</a:t>
             </a:fld>
-            <a:endParaRPr b="0" lang="en-GB" sz="1800" spc="-1" strike="noStrike">
+            <a:endParaRPr b="0" lang="en-US" sz="1800" spc="-1" strike="noStrike">
+              <a:solidFill>
+                <a:srgbClr val="000000"/>
+              </a:solidFill>
               <a:latin typeface="Times New Roman"/>
             </a:endParaRPr>
           </a:p>
@@ -2570,7 +2735,10 @@
             <a:pPr indent="0" algn="ctr">
               <a:buNone/>
             </a:pPr>
-            <a:endParaRPr b="0" lang="en-GB" sz="4400" spc="-1" strike="noStrike">
+            <a:endParaRPr b="0" lang="en-US" sz="4400" spc="-1" strike="noStrike">
+              <a:solidFill>
+                <a:srgbClr val="000000"/>
+              </a:solidFill>
               <a:latin typeface="Arial"/>
             </a:endParaRPr>
           </a:p>
@@ -2610,7 +2778,10 @@
               </a:spcBef>
               <a:buNone/>
             </a:pPr>
-            <a:endParaRPr b="0" lang="en-GB" sz="3200" spc="-1" strike="noStrike">
+            <a:endParaRPr b="0" lang="en-US" sz="3200" spc="-1" strike="noStrike">
+              <a:solidFill>
+                <a:srgbClr val="000000"/>
+              </a:solidFill>
               <a:latin typeface="Arial"/>
             </a:endParaRPr>
           </a:p>
@@ -2650,7 +2821,10 @@
               </a:spcBef>
               <a:buNone/>
             </a:pPr>
-            <a:endParaRPr b="0" lang="en-GB" sz="3200" spc="-1" strike="noStrike">
+            <a:endParaRPr b="0" lang="en-US" sz="3200" spc="-1" strike="noStrike">
+              <a:solidFill>
+                <a:srgbClr val="000000"/>
+              </a:solidFill>
               <a:latin typeface="Arial"/>
             </a:endParaRPr>
           </a:p>
@@ -2709,7 +2883,10 @@
             <a:pPr indent="0" algn="ctr">
               <a:buNone/>
             </a:pPr>
-            <a:endParaRPr b="0" lang="en-GB" sz="4400" spc="-1" strike="noStrike">
+            <a:endParaRPr b="0" lang="en-US" sz="4400" spc="-1" strike="noStrike">
+              <a:solidFill>
+                <a:srgbClr val="000000"/>
+              </a:solidFill>
               <a:latin typeface="Arial"/>
             </a:endParaRPr>
           </a:p>
@@ -2749,7 +2926,10 @@
               </a:spcBef>
               <a:buNone/>
             </a:pPr>
-            <a:endParaRPr b="0" lang="en-GB" sz="3200" spc="-1" strike="noStrike">
+            <a:endParaRPr b="0" lang="en-US" sz="3200" spc="-1" strike="noStrike">
+              <a:solidFill>
+                <a:srgbClr val="000000"/>
+              </a:solidFill>
               <a:latin typeface="Arial"/>
             </a:endParaRPr>
           </a:p>
@@ -2789,7 +2969,10 @@
               </a:spcBef>
               <a:buNone/>
             </a:pPr>
-            <a:endParaRPr b="0" lang="en-GB" sz="3200" spc="-1" strike="noStrike">
+            <a:endParaRPr b="0" lang="en-US" sz="3200" spc="-1" strike="noStrike">
+              <a:solidFill>
+                <a:srgbClr val="000000"/>
+              </a:solidFill>
               <a:latin typeface="Arial"/>
             </a:endParaRPr>
           </a:p>
@@ -2829,7 +3012,10 @@
               </a:spcBef>
               <a:buNone/>
             </a:pPr>
-            <a:endParaRPr b="0" lang="en-GB" sz="3200" spc="-1" strike="noStrike">
+            <a:endParaRPr b="0" lang="en-US" sz="3200" spc="-1" strike="noStrike">
+              <a:solidFill>
+                <a:srgbClr val="000000"/>
+              </a:solidFill>
               <a:latin typeface="Arial"/>
             </a:endParaRPr>
           </a:p>
@@ -2869,7 +3055,10 @@
               </a:spcBef>
               <a:buNone/>
             </a:pPr>
-            <a:endParaRPr b="0" lang="en-GB" sz="3200" spc="-1" strike="noStrike">
+            <a:endParaRPr b="0" lang="en-US" sz="3200" spc="-1" strike="noStrike">
+              <a:solidFill>
+                <a:srgbClr val="000000"/>
+              </a:solidFill>
               <a:latin typeface="Arial"/>
             </a:endParaRPr>
           </a:p>
@@ -2928,7 +3117,10 @@
             <a:pPr indent="0" algn="ctr">
               <a:buNone/>
             </a:pPr>
-            <a:endParaRPr b="0" lang="en-GB" sz="4400" spc="-1" strike="noStrike">
+            <a:endParaRPr b="0" lang="en-US" sz="4400" spc="-1" strike="noStrike">
+              <a:solidFill>
+                <a:srgbClr val="000000"/>
+              </a:solidFill>
               <a:latin typeface="Arial"/>
             </a:endParaRPr>
           </a:p>
@@ -2968,7 +3160,10 @@
               </a:spcBef>
               <a:buNone/>
             </a:pPr>
-            <a:endParaRPr b="0" lang="en-GB" sz="3200" spc="-1" strike="noStrike">
+            <a:endParaRPr b="0" lang="en-US" sz="3200" spc="-1" strike="noStrike">
+              <a:solidFill>
+                <a:srgbClr val="000000"/>
+              </a:solidFill>
               <a:latin typeface="Arial"/>
             </a:endParaRPr>
           </a:p>
@@ -3008,7 +3203,10 @@
               </a:spcBef>
               <a:buNone/>
             </a:pPr>
-            <a:endParaRPr b="0" lang="en-GB" sz="3200" spc="-1" strike="noStrike">
+            <a:endParaRPr b="0" lang="en-US" sz="3200" spc="-1" strike="noStrike">
+              <a:solidFill>
+                <a:srgbClr val="000000"/>
+              </a:solidFill>
               <a:latin typeface="Arial"/>
             </a:endParaRPr>
           </a:p>
@@ -3048,7 +3246,10 @@
               </a:spcBef>
               <a:buNone/>
             </a:pPr>
-            <a:endParaRPr b="0" lang="en-GB" sz="3200" spc="-1" strike="noStrike">
+            <a:endParaRPr b="0" lang="en-US" sz="3200" spc="-1" strike="noStrike">
+              <a:solidFill>
+                <a:srgbClr val="000000"/>
+              </a:solidFill>
               <a:latin typeface="Arial"/>
             </a:endParaRPr>
           </a:p>
@@ -3088,7 +3289,10 @@
               </a:spcBef>
               <a:buNone/>
             </a:pPr>
-            <a:endParaRPr b="0" lang="en-GB" sz="3200" spc="-1" strike="noStrike">
+            <a:endParaRPr b="0" lang="en-US" sz="3200" spc="-1" strike="noStrike">
+              <a:solidFill>
+                <a:srgbClr val="000000"/>
+              </a:solidFill>
               <a:latin typeface="Arial"/>
             </a:endParaRPr>
           </a:p>
@@ -3128,7 +3332,10 @@
               </a:spcBef>
               <a:buNone/>
             </a:pPr>
-            <a:endParaRPr b="0" lang="en-GB" sz="3200" spc="-1" strike="noStrike">
+            <a:endParaRPr b="0" lang="en-US" sz="3200" spc="-1" strike="noStrike">
+              <a:solidFill>
+                <a:srgbClr val="000000"/>
+              </a:solidFill>
               <a:latin typeface="Arial"/>
             </a:endParaRPr>
           </a:p>
@@ -3168,7 +3375,10 @@
               </a:spcBef>
               <a:buNone/>
             </a:pPr>
-            <a:endParaRPr b="0" lang="en-GB" sz="3200" spc="-1" strike="noStrike">
+            <a:endParaRPr b="0" lang="en-US" sz="3200" spc="-1" strike="noStrike">
+              <a:solidFill>
+                <a:srgbClr val="000000"/>
+              </a:solidFill>
               <a:latin typeface="Arial"/>
             </a:endParaRPr>
           </a:p>
@@ -3249,7 +3459,10 @@
             <a:pPr indent="0" algn="ctr">
               <a:buNone/>
             </a:pPr>
-            <a:endParaRPr b="0" lang="en-GB" sz="4400" spc="-1" strike="noStrike">
+            <a:endParaRPr b="0" lang="en-US" sz="4400" spc="-1" strike="noStrike">
+              <a:solidFill>
+                <a:srgbClr val="000000"/>
+              </a:solidFill>
               <a:latin typeface="Arial"/>
             </a:endParaRPr>
           </a:p>
@@ -3286,7 +3499,10 @@
             <a:pPr indent="0" algn="ctr">
               <a:buNone/>
             </a:pPr>
-            <a:endParaRPr b="0" lang="en-GB" sz="3200" spc="-1" strike="noStrike">
+            <a:endParaRPr b="0" lang="en-US" sz="3200" spc="-1" strike="noStrike">
+              <a:solidFill>
+                <a:srgbClr val="000000"/>
+              </a:solidFill>
               <a:latin typeface="Arial"/>
             </a:endParaRPr>
           </a:p>
@@ -3345,7 +3561,10 @@
             <a:pPr indent="0" algn="ctr">
               <a:buNone/>
             </a:pPr>
-            <a:endParaRPr b="0" lang="en-GB" sz="4400" spc="-1" strike="noStrike">
+            <a:endParaRPr b="0" lang="en-US" sz="4400" spc="-1" strike="noStrike">
+              <a:solidFill>
+                <a:srgbClr val="000000"/>
+              </a:solidFill>
               <a:latin typeface="Arial"/>
             </a:endParaRPr>
           </a:p>
@@ -3385,7 +3604,10 @@
               </a:spcBef>
               <a:buNone/>
             </a:pPr>
-            <a:endParaRPr b="0" lang="en-GB" sz="3200" spc="-1" strike="noStrike">
+            <a:endParaRPr b="0" lang="en-US" sz="3200" spc="-1" strike="noStrike">
+              <a:solidFill>
+                <a:srgbClr val="000000"/>
+              </a:solidFill>
               <a:latin typeface="Arial"/>
             </a:endParaRPr>
           </a:p>
@@ -3444,7 +3666,10 @@
             <a:pPr indent="0" algn="ctr">
               <a:buNone/>
             </a:pPr>
-            <a:endParaRPr b="0" lang="en-GB" sz="4400" spc="-1" strike="noStrike">
+            <a:endParaRPr b="0" lang="en-US" sz="4400" spc="-1" strike="noStrike">
+              <a:solidFill>
+                <a:srgbClr val="000000"/>
+              </a:solidFill>
               <a:latin typeface="Arial"/>
             </a:endParaRPr>
           </a:p>
@@ -3484,7 +3709,10 @@
               </a:spcBef>
               <a:buNone/>
             </a:pPr>
-            <a:endParaRPr b="0" lang="en-GB" sz="3200" spc="-1" strike="noStrike">
+            <a:endParaRPr b="0" lang="en-US" sz="3200" spc="-1" strike="noStrike">
+              <a:solidFill>
+                <a:srgbClr val="000000"/>
+              </a:solidFill>
               <a:latin typeface="Arial"/>
             </a:endParaRPr>
           </a:p>
@@ -3524,7 +3752,10 @@
               </a:spcBef>
               <a:buNone/>
             </a:pPr>
-            <a:endParaRPr b="0" lang="en-GB" sz="3200" spc="-1" strike="noStrike">
+            <a:endParaRPr b="0" lang="en-US" sz="3200" spc="-1" strike="noStrike">
+              <a:solidFill>
+                <a:srgbClr val="000000"/>
+              </a:solidFill>
               <a:latin typeface="Arial"/>
             </a:endParaRPr>
           </a:p>
@@ -3583,7 +3814,10 @@
             <a:pPr indent="0" algn="ctr">
               <a:buNone/>
             </a:pPr>
-            <a:endParaRPr b="0" lang="en-GB" sz="4400" spc="-1" strike="noStrike">
+            <a:endParaRPr b="0" lang="en-US" sz="4400" spc="-1" strike="noStrike">
+              <a:solidFill>
+                <a:srgbClr val="000000"/>
+              </a:solidFill>
               <a:latin typeface="Arial"/>
             </a:endParaRPr>
           </a:p>
@@ -3640,7 +3874,10 @@
           </a:bodyPr>
           <a:p>
             <a:pPr algn="ctr"/>
-            <a:endParaRPr b="0" lang="en-GB" sz="3200" spc="-1" strike="noStrike">
+            <a:endParaRPr b="0" lang="en-US" sz="3200" spc="-1" strike="noStrike">
+              <a:solidFill>
+                <a:srgbClr val="000000"/>
+              </a:solidFill>
               <a:latin typeface="Arial"/>
             </a:endParaRPr>
           </a:p>
@@ -3699,7 +3936,10 @@
             <a:pPr indent="0" algn="ctr">
               <a:buNone/>
             </a:pPr>
-            <a:endParaRPr b="0" lang="en-GB" sz="4400" spc="-1" strike="noStrike">
+            <a:endParaRPr b="0" lang="en-US" sz="4400" spc="-1" strike="noStrike">
+              <a:solidFill>
+                <a:srgbClr val="000000"/>
+              </a:solidFill>
               <a:latin typeface="Arial"/>
             </a:endParaRPr>
           </a:p>
@@ -3739,7 +3979,10 @@
               </a:spcBef>
               <a:buNone/>
             </a:pPr>
-            <a:endParaRPr b="0" lang="en-GB" sz="3200" spc="-1" strike="noStrike">
+            <a:endParaRPr b="0" lang="en-US" sz="3200" spc="-1" strike="noStrike">
+              <a:solidFill>
+                <a:srgbClr val="000000"/>
+              </a:solidFill>
               <a:latin typeface="Arial"/>
             </a:endParaRPr>
           </a:p>
@@ -3779,7 +4022,10 @@
               </a:spcBef>
               <a:buNone/>
             </a:pPr>
-            <a:endParaRPr b="0" lang="en-GB" sz="3200" spc="-1" strike="noStrike">
+            <a:endParaRPr b="0" lang="en-US" sz="3200" spc="-1" strike="noStrike">
+              <a:solidFill>
+                <a:srgbClr val="000000"/>
+              </a:solidFill>
               <a:latin typeface="Arial"/>
             </a:endParaRPr>
           </a:p>
@@ -3819,7 +4065,10 @@
               </a:spcBef>
               <a:buNone/>
             </a:pPr>
-            <a:endParaRPr b="0" lang="en-GB" sz="3200" spc="-1" strike="noStrike">
+            <a:endParaRPr b="0" lang="en-US" sz="3200" spc="-1" strike="noStrike">
+              <a:solidFill>
+                <a:srgbClr val="000000"/>
+              </a:solidFill>
               <a:latin typeface="Arial"/>
             </a:endParaRPr>
           </a:p>
@@ -3878,7 +4127,10 @@
             <a:pPr indent="0" algn="ctr">
               <a:buNone/>
             </a:pPr>
-            <a:endParaRPr b="0" lang="en-GB" sz="4400" spc="-1" strike="noStrike">
+            <a:endParaRPr b="0" lang="en-US" sz="4400" spc="-1" strike="noStrike">
+              <a:solidFill>
+                <a:srgbClr val="000000"/>
+              </a:solidFill>
               <a:latin typeface="Arial"/>
             </a:endParaRPr>
           </a:p>
@@ -3915,7 +4167,10 @@
             <a:pPr indent="0" algn="ctr">
               <a:buNone/>
             </a:pPr>
-            <a:endParaRPr b="0" lang="en-GB" sz="3200" spc="-1" strike="noStrike">
+            <a:endParaRPr b="0" lang="en-US" sz="3200" spc="-1" strike="noStrike">
+              <a:solidFill>
+                <a:srgbClr val="000000"/>
+              </a:solidFill>
               <a:latin typeface="Arial"/>
             </a:endParaRPr>
           </a:p>
@@ -3974,7 +4229,10 @@
             <a:pPr indent="0" algn="ctr">
               <a:buNone/>
             </a:pPr>
-            <a:endParaRPr b="0" lang="en-GB" sz="4400" spc="-1" strike="noStrike">
+            <a:endParaRPr b="0" lang="en-US" sz="4400" spc="-1" strike="noStrike">
+              <a:solidFill>
+                <a:srgbClr val="000000"/>
+              </a:solidFill>
               <a:latin typeface="Arial"/>
             </a:endParaRPr>
           </a:p>
@@ -4014,7 +4272,10 @@
               </a:spcBef>
               <a:buNone/>
             </a:pPr>
-            <a:endParaRPr b="0" lang="en-GB" sz="3200" spc="-1" strike="noStrike">
+            <a:endParaRPr b="0" lang="en-US" sz="3200" spc="-1" strike="noStrike">
+              <a:solidFill>
+                <a:srgbClr val="000000"/>
+              </a:solidFill>
               <a:latin typeface="Arial"/>
             </a:endParaRPr>
           </a:p>
@@ -4054,7 +4315,10 @@
               </a:spcBef>
               <a:buNone/>
             </a:pPr>
-            <a:endParaRPr b="0" lang="en-GB" sz="3200" spc="-1" strike="noStrike">
+            <a:endParaRPr b="0" lang="en-US" sz="3200" spc="-1" strike="noStrike">
+              <a:solidFill>
+                <a:srgbClr val="000000"/>
+              </a:solidFill>
               <a:latin typeface="Arial"/>
             </a:endParaRPr>
           </a:p>
@@ -4094,7 +4358,10 @@
               </a:spcBef>
               <a:buNone/>
             </a:pPr>
-            <a:endParaRPr b="0" lang="en-GB" sz="3200" spc="-1" strike="noStrike">
+            <a:endParaRPr b="0" lang="en-US" sz="3200" spc="-1" strike="noStrike">
+              <a:solidFill>
+                <a:srgbClr val="000000"/>
+              </a:solidFill>
               <a:latin typeface="Arial"/>
             </a:endParaRPr>
           </a:p>
@@ -4153,7 +4420,10 @@
             <a:pPr indent="0" algn="ctr">
               <a:buNone/>
             </a:pPr>
-            <a:endParaRPr b="0" lang="en-GB" sz="4400" spc="-1" strike="noStrike">
+            <a:endParaRPr b="0" lang="en-US" sz="4400" spc="-1" strike="noStrike">
+              <a:solidFill>
+                <a:srgbClr val="000000"/>
+              </a:solidFill>
               <a:latin typeface="Arial"/>
             </a:endParaRPr>
           </a:p>
@@ -4193,7 +4463,10 @@
               </a:spcBef>
               <a:buNone/>
             </a:pPr>
-            <a:endParaRPr b="0" lang="en-GB" sz="3200" spc="-1" strike="noStrike">
+            <a:endParaRPr b="0" lang="en-US" sz="3200" spc="-1" strike="noStrike">
+              <a:solidFill>
+                <a:srgbClr val="000000"/>
+              </a:solidFill>
               <a:latin typeface="Arial"/>
             </a:endParaRPr>
           </a:p>
@@ -4233,7 +4506,10 @@
               </a:spcBef>
               <a:buNone/>
             </a:pPr>
-            <a:endParaRPr b="0" lang="en-GB" sz="3200" spc="-1" strike="noStrike">
+            <a:endParaRPr b="0" lang="en-US" sz="3200" spc="-1" strike="noStrike">
+              <a:solidFill>
+                <a:srgbClr val="000000"/>
+              </a:solidFill>
               <a:latin typeface="Arial"/>
             </a:endParaRPr>
           </a:p>
@@ -4273,7 +4549,10 @@
               </a:spcBef>
               <a:buNone/>
             </a:pPr>
-            <a:endParaRPr b="0" lang="en-GB" sz="3200" spc="-1" strike="noStrike">
+            <a:endParaRPr b="0" lang="en-US" sz="3200" spc="-1" strike="noStrike">
+              <a:solidFill>
+                <a:srgbClr val="000000"/>
+              </a:solidFill>
               <a:latin typeface="Arial"/>
             </a:endParaRPr>
           </a:p>
@@ -4332,7 +4611,10 @@
             <a:pPr indent="0" algn="ctr">
               <a:buNone/>
             </a:pPr>
-            <a:endParaRPr b="0" lang="en-GB" sz="4400" spc="-1" strike="noStrike">
+            <a:endParaRPr b="0" lang="en-US" sz="4400" spc="-1" strike="noStrike">
+              <a:solidFill>
+                <a:srgbClr val="000000"/>
+              </a:solidFill>
               <a:latin typeface="Arial"/>
             </a:endParaRPr>
           </a:p>
@@ -4372,7 +4654,10 @@
               </a:spcBef>
               <a:buNone/>
             </a:pPr>
-            <a:endParaRPr b="0" lang="en-GB" sz="3200" spc="-1" strike="noStrike">
+            <a:endParaRPr b="0" lang="en-US" sz="3200" spc="-1" strike="noStrike">
+              <a:solidFill>
+                <a:srgbClr val="000000"/>
+              </a:solidFill>
               <a:latin typeface="Arial"/>
             </a:endParaRPr>
           </a:p>
@@ -4412,7 +4697,10 @@
               </a:spcBef>
               <a:buNone/>
             </a:pPr>
-            <a:endParaRPr b="0" lang="en-GB" sz="3200" spc="-1" strike="noStrike">
+            <a:endParaRPr b="0" lang="en-US" sz="3200" spc="-1" strike="noStrike">
+              <a:solidFill>
+                <a:srgbClr val="000000"/>
+              </a:solidFill>
               <a:latin typeface="Arial"/>
             </a:endParaRPr>
           </a:p>
@@ -4471,7 +4759,10 @@
             <a:pPr indent="0" algn="ctr">
               <a:buNone/>
             </a:pPr>
-            <a:endParaRPr b="0" lang="en-GB" sz="4400" spc="-1" strike="noStrike">
+            <a:endParaRPr b="0" lang="en-US" sz="4400" spc="-1" strike="noStrike">
+              <a:solidFill>
+                <a:srgbClr val="000000"/>
+              </a:solidFill>
               <a:latin typeface="Arial"/>
             </a:endParaRPr>
           </a:p>
@@ -4511,7 +4802,10 @@
               </a:spcBef>
               <a:buNone/>
             </a:pPr>
-            <a:endParaRPr b="0" lang="en-GB" sz="3200" spc="-1" strike="noStrike">
+            <a:endParaRPr b="0" lang="en-US" sz="3200" spc="-1" strike="noStrike">
+              <a:solidFill>
+                <a:srgbClr val="000000"/>
+              </a:solidFill>
               <a:latin typeface="Arial"/>
             </a:endParaRPr>
           </a:p>
@@ -4551,7 +4845,10 @@
               </a:spcBef>
               <a:buNone/>
             </a:pPr>
-            <a:endParaRPr b="0" lang="en-GB" sz="3200" spc="-1" strike="noStrike">
+            <a:endParaRPr b="0" lang="en-US" sz="3200" spc="-1" strike="noStrike">
+              <a:solidFill>
+                <a:srgbClr val="000000"/>
+              </a:solidFill>
               <a:latin typeface="Arial"/>
             </a:endParaRPr>
           </a:p>
@@ -4591,7 +4888,10 @@
               </a:spcBef>
               <a:buNone/>
             </a:pPr>
-            <a:endParaRPr b="0" lang="en-GB" sz="3200" spc="-1" strike="noStrike">
+            <a:endParaRPr b="0" lang="en-US" sz="3200" spc="-1" strike="noStrike">
+              <a:solidFill>
+                <a:srgbClr val="000000"/>
+              </a:solidFill>
               <a:latin typeface="Arial"/>
             </a:endParaRPr>
           </a:p>
@@ -4631,7 +4931,10 @@
               </a:spcBef>
               <a:buNone/>
             </a:pPr>
-            <a:endParaRPr b="0" lang="en-GB" sz="3200" spc="-1" strike="noStrike">
+            <a:endParaRPr b="0" lang="en-US" sz="3200" spc="-1" strike="noStrike">
+              <a:solidFill>
+                <a:srgbClr val="000000"/>
+              </a:solidFill>
               <a:latin typeface="Arial"/>
             </a:endParaRPr>
           </a:p>
@@ -4690,7 +4993,10 @@
             <a:pPr indent="0" algn="ctr">
               <a:buNone/>
             </a:pPr>
-            <a:endParaRPr b="0" lang="en-GB" sz="4400" spc="-1" strike="noStrike">
+            <a:endParaRPr b="0" lang="en-US" sz="4400" spc="-1" strike="noStrike">
+              <a:solidFill>
+                <a:srgbClr val="000000"/>
+              </a:solidFill>
               <a:latin typeface="Arial"/>
             </a:endParaRPr>
           </a:p>
@@ -4730,7 +5036,10 @@
               </a:spcBef>
               <a:buNone/>
             </a:pPr>
-            <a:endParaRPr b="0" lang="en-GB" sz="3200" spc="-1" strike="noStrike">
+            <a:endParaRPr b="0" lang="en-US" sz="3200" spc="-1" strike="noStrike">
+              <a:solidFill>
+                <a:srgbClr val="000000"/>
+              </a:solidFill>
               <a:latin typeface="Arial"/>
             </a:endParaRPr>
           </a:p>
@@ -4770,7 +5079,10 @@
               </a:spcBef>
               <a:buNone/>
             </a:pPr>
-            <a:endParaRPr b="0" lang="en-GB" sz="3200" spc="-1" strike="noStrike">
+            <a:endParaRPr b="0" lang="en-US" sz="3200" spc="-1" strike="noStrike">
+              <a:solidFill>
+                <a:srgbClr val="000000"/>
+              </a:solidFill>
               <a:latin typeface="Arial"/>
             </a:endParaRPr>
           </a:p>
@@ -4810,7 +5122,10 @@
               </a:spcBef>
               <a:buNone/>
             </a:pPr>
-            <a:endParaRPr b="0" lang="en-GB" sz="3200" spc="-1" strike="noStrike">
+            <a:endParaRPr b="0" lang="en-US" sz="3200" spc="-1" strike="noStrike">
+              <a:solidFill>
+                <a:srgbClr val="000000"/>
+              </a:solidFill>
               <a:latin typeface="Arial"/>
             </a:endParaRPr>
           </a:p>
@@ -4850,7 +5165,10 @@
               </a:spcBef>
               <a:buNone/>
             </a:pPr>
-            <a:endParaRPr b="0" lang="en-GB" sz="3200" spc="-1" strike="noStrike">
+            <a:endParaRPr b="0" lang="en-US" sz="3200" spc="-1" strike="noStrike">
+              <a:solidFill>
+                <a:srgbClr val="000000"/>
+              </a:solidFill>
               <a:latin typeface="Arial"/>
             </a:endParaRPr>
           </a:p>
@@ -4890,7 +5208,10 @@
               </a:spcBef>
               <a:buNone/>
             </a:pPr>
-            <a:endParaRPr b="0" lang="en-GB" sz="3200" spc="-1" strike="noStrike">
+            <a:endParaRPr b="0" lang="en-US" sz="3200" spc="-1" strike="noStrike">
+              <a:solidFill>
+                <a:srgbClr val="000000"/>
+              </a:solidFill>
               <a:latin typeface="Arial"/>
             </a:endParaRPr>
           </a:p>
@@ -4930,7 +5251,10 @@
               </a:spcBef>
               <a:buNone/>
             </a:pPr>
-            <a:endParaRPr b="0" lang="en-GB" sz="3200" spc="-1" strike="noStrike">
+            <a:endParaRPr b="0" lang="en-US" sz="3200" spc="-1" strike="noStrike">
+              <a:solidFill>
+                <a:srgbClr val="000000"/>
+              </a:solidFill>
               <a:latin typeface="Arial"/>
             </a:endParaRPr>
           </a:p>
@@ -5011,7 +5335,10 @@
             <a:pPr indent="0" algn="ctr">
               <a:buNone/>
             </a:pPr>
-            <a:endParaRPr b="0" lang="en-GB" sz="4400" spc="-1" strike="noStrike">
+            <a:endParaRPr b="0" lang="en-US" sz="4400" spc="-1" strike="noStrike">
+              <a:solidFill>
+                <a:srgbClr val="000000"/>
+              </a:solidFill>
               <a:latin typeface="Arial"/>
             </a:endParaRPr>
           </a:p>
@@ -5048,7 +5375,10 @@
             <a:pPr indent="0" algn="ctr">
               <a:buNone/>
             </a:pPr>
-            <a:endParaRPr b="0" lang="en-GB" sz="3200" spc="-1" strike="noStrike">
+            <a:endParaRPr b="0" lang="en-US" sz="3200" spc="-1" strike="noStrike">
+              <a:solidFill>
+                <a:srgbClr val="000000"/>
+              </a:solidFill>
               <a:latin typeface="Arial"/>
             </a:endParaRPr>
           </a:p>
@@ -5107,7 +5437,10 @@
             <a:pPr indent="0" algn="ctr">
               <a:buNone/>
             </a:pPr>
-            <a:endParaRPr b="0" lang="en-GB" sz="4400" spc="-1" strike="noStrike">
+            <a:endParaRPr b="0" lang="en-US" sz="4400" spc="-1" strike="noStrike">
+              <a:solidFill>
+                <a:srgbClr val="000000"/>
+              </a:solidFill>
               <a:latin typeface="Arial"/>
             </a:endParaRPr>
           </a:p>
@@ -5147,7 +5480,10 @@
               </a:spcBef>
               <a:buNone/>
             </a:pPr>
-            <a:endParaRPr b="0" lang="en-GB" sz="3200" spc="-1" strike="noStrike">
+            <a:endParaRPr b="0" lang="en-US" sz="3200" spc="-1" strike="noStrike">
+              <a:solidFill>
+                <a:srgbClr val="000000"/>
+              </a:solidFill>
               <a:latin typeface="Arial"/>
             </a:endParaRPr>
           </a:p>
@@ -5206,7 +5542,10 @@
             <a:pPr indent="0" algn="ctr">
               <a:buNone/>
             </a:pPr>
-            <a:endParaRPr b="0" lang="en-GB" sz="4400" spc="-1" strike="noStrike">
+            <a:endParaRPr b="0" lang="en-US" sz="4400" spc="-1" strike="noStrike">
+              <a:solidFill>
+                <a:srgbClr val="000000"/>
+              </a:solidFill>
               <a:latin typeface="Arial"/>
             </a:endParaRPr>
           </a:p>
@@ -5246,7 +5585,10 @@
               </a:spcBef>
               <a:buNone/>
             </a:pPr>
-            <a:endParaRPr b="0" lang="en-GB" sz="3200" spc="-1" strike="noStrike">
+            <a:endParaRPr b="0" lang="en-US" sz="3200" spc="-1" strike="noStrike">
+              <a:solidFill>
+                <a:srgbClr val="000000"/>
+              </a:solidFill>
               <a:latin typeface="Arial"/>
             </a:endParaRPr>
           </a:p>
@@ -5286,7 +5628,10 @@
               </a:spcBef>
               <a:buNone/>
             </a:pPr>
-            <a:endParaRPr b="0" lang="en-GB" sz="3200" spc="-1" strike="noStrike">
+            <a:endParaRPr b="0" lang="en-US" sz="3200" spc="-1" strike="noStrike">
+              <a:solidFill>
+                <a:srgbClr val="000000"/>
+              </a:solidFill>
               <a:latin typeface="Arial"/>
             </a:endParaRPr>
           </a:p>
@@ -5345,7 +5690,10 @@
             <a:pPr indent="0" algn="ctr">
               <a:buNone/>
             </a:pPr>
-            <a:endParaRPr b="0" lang="en-GB" sz="4400" spc="-1" strike="noStrike">
+            <a:endParaRPr b="0" lang="en-US" sz="4400" spc="-1" strike="noStrike">
+              <a:solidFill>
+                <a:srgbClr val="000000"/>
+              </a:solidFill>
               <a:latin typeface="Arial"/>
             </a:endParaRPr>
           </a:p>
@@ -5404,7 +5752,10 @@
             <a:pPr indent="0" algn="ctr">
               <a:buNone/>
             </a:pPr>
-            <a:endParaRPr b="0" lang="en-GB" sz="4400" spc="-1" strike="noStrike">
+            <a:endParaRPr b="0" lang="en-US" sz="4400" spc="-1" strike="noStrike">
+              <a:solidFill>
+                <a:srgbClr val="000000"/>
+              </a:solidFill>
               <a:latin typeface="Arial"/>
             </a:endParaRPr>
           </a:p>
@@ -5444,7 +5795,10 @@
               </a:spcBef>
               <a:buNone/>
             </a:pPr>
-            <a:endParaRPr b="0" lang="en-GB" sz="3200" spc="-1" strike="noStrike">
+            <a:endParaRPr b="0" lang="en-US" sz="3200" spc="-1" strike="noStrike">
+              <a:solidFill>
+                <a:srgbClr val="000000"/>
+              </a:solidFill>
               <a:latin typeface="Arial"/>
             </a:endParaRPr>
           </a:p>
@@ -5501,7 +5855,10 @@
           </a:bodyPr>
           <a:p>
             <a:pPr algn="ctr"/>
-            <a:endParaRPr b="0" lang="en-GB" sz="3200" spc="-1" strike="noStrike">
+            <a:endParaRPr b="0" lang="en-US" sz="3200" spc="-1" strike="noStrike">
+              <a:solidFill>
+                <a:srgbClr val="000000"/>
+              </a:solidFill>
               <a:latin typeface="Arial"/>
             </a:endParaRPr>
           </a:p>
@@ -5560,7 +5917,10 @@
             <a:pPr indent="0" algn="ctr">
               <a:buNone/>
             </a:pPr>
-            <a:endParaRPr b="0" lang="en-GB" sz="4400" spc="-1" strike="noStrike">
+            <a:endParaRPr b="0" lang="en-US" sz="4400" spc="-1" strike="noStrike">
+              <a:solidFill>
+                <a:srgbClr val="000000"/>
+              </a:solidFill>
               <a:latin typeface="Arial"/>
             </a:endParaRPr>
           </a:p>
@@ -5600,7 +5960,10 @@
               </a:spcBef>
               <a:buNone/>
             </a:pPr>
-            <a:endParaRPr b="0" lang="en-GB" sz="3200" spc="-1" strike="noStrike">
+            <a:endParaRPr b="0" lang="en-US" sz="3200" spc="-1" strike="noStrike">
+              <a:solidFill>
+                <a:srgbClr val="000000"/>
+              </a:solidFill>
               <a:latin typeface="Arial"/>
             </a:endParaRPr>
           </a:p>
@@ -5640,7 +6003,10 @@
               </a:spcBef>
               <a:buNone/>
             </a:pPr>
-            <a:endParaRPr b="0" lang="en-GB" sz="3200" spc="-1" strike="noStrike">
+            <a:endParaRPr b="0" lang="en-US" sz="3200" spc="-1" strike="noStrike">
+              <a:solidFill>
+                <a:srgbClr val="000000"/>
+              </a:solidFill>
               <a:latin typeface="Arial"/>
             </a:endParaRPr>
           </a:p>
@@ -5680,7 +6046,10 @@
               </a:spcBef>
               <a:buNone/>
             </a:pPr>
-            <a:endParaRPr b="0" lang="en-GB" sz="3200" spc="-1" strike="noStrike">
+            <a:endParaRPr b="0" lang="en-US" sz="3200" spc="-1" strike="noStrike">
+              <a:solidFill>
+                <a:srgbClr val="000000"/>
+              </a:solidFill>
               <a:latin typeface="Arial"/>
             </a:endParaRPr>
           </a:p>
@@ -5739,7 +6108,10 @@
             <a:pPr indent="0" algn="ctr">
               <a:buNone/>
             </a:pPr>
-            <a:endParaRPr b="0" lang="en-GB" sz="4400" spc="-1" strike="noStrike">
+            <a:endParaRPr b="0" lang="en-US" sz="4400" spc="-1" strike="noStrike">
+              <a:solidFill>
+                <a:srgbClr val="000000"/>
+              </a:solidFill>
               <a:latin typeface="Arial"/>
             </a:endParaRPr>
           </a:p>
@@ -5779,7 +6151,10 @@
               </a:spcBef>
               <a:buNone/>
             </a:pPr>
-            <a:endParaRPr b="0" lang="en-GB" sz="3200" spc="-1" strike="noStrike">
+            <a:endParaRPr b="0" lang="en-US" sz="3200" spc="-1" strike="noStrike">
+              <a:solidFill>
+                <a:srgbClr val="000000"/>
+              </a:solidFill>
               <a:latin typeface="Arial"/>
             </a:endParaRPr>
           </a:p>
@@ -5819,7 +6194,10 @@
               </a:spcBef>
               <a:buNone/>
             </a:pPr>
-            <a:endParaRPr b="0" lang="en-GB" sz="3200" spc="-1" strike="noStrike">
+            <a:endParaRPr b="0" lang="en-US" sz="3200" spc="-1" strike="noStrike">
+              <a:solidFill>
+                <a:srgbClr val="000000"/>
+              </a:solidFill>
               <a:latin typeface="Arial"/>
             </a:endParaRPr>
           </a:p>
@@ -5859,7 +6237,10 @@
               </a:spcBef>
               <a:buNone/>
             </a:pPr>
-            <a:endParaRPr b="0" lang="en-GB" sz="3200" spc="-1" strike="noStrike">
+            <a:endParaRPr b="0" lang="en-US" sz="3200" spc="-1" strike="noStrike">
+              <a:solidFill>
+                <a:srgbClr val="000000"/>
+              </a:solidFill>
               <a:latin typeface="Arial"/>
             </a:endParaRPr>
           </a:p>
@@ -5918,7 +6299,10 @@
             <a:pPr indent="0" algn="ctr">
               <a:buNone/>
             </a:pPr>
-            <a:endParaRPr b="0" lang="en-GB" sz="4400" spc="-1" strike="noStrike">
+            <a:endParaRPr b="0" lang="en-US" sz="4400" spc="-1" strike="noStrike">
+              <a:solidFill>
+                <a:srgbClr val="000000"/>
+              </a:solidFill>
               <a:latin typeface="Arial"/>
             </a:endParaRPr>
           </a:p>
@@ -5958,7 +6342,10 @@
               </a:spcBef>
               <a:buNone/>
             </a:pPr>
-            <a:endParaRPr b="0" lang="en-GB" sz="3200" spc="-1" strike="noStrike">
+            <a:endParaRPr b="0" lang="en-US" sz="3200" spc="-1" strike="noStrike">
+              <a:solidFill>
+                <a:srgbClr val="000000"/>
+              </a:solidFill>
               <a:latin typeface="Arial"/>
             </a:endParaRPr>
           </a:p>
@@ -5998,7 +6385,10 @@
               </a:spcBef>
               <a:buNone/>
             </a:pPr>
-            <a:endParaRPr b="0" lang="en-GB" sz="3200" spc="-1" strike="noStrike">
+            <a:endParaRPr b="0" lang="en-US" sz="3200" spc="-1" strike="noStrike">
+              <a:solidFill>
+                <a:srgbClr val="000000"/>
+              </a:solidFill>
               <a:latin typeface="Arial"/>
             </a:endParaRPr>
           </a:p>
@@ -6038,7 +6428,10 @@
               </a:spcBef>
               <a:buNone/>
             </a:pPr>
-            <a:endParaRPr b="0" lang="en-GB" sz="3200" spc="-1" strike="noStrike">
+            <a:endParaRPr b="0" lang="en-US" sz="3200" spc="-1" strike="noStrike">
+              <a:solidFill>
+                <a:srgbClr val="000000"/>
+              </a:solidFill>
               <a:latin typeface="Arial"/>
             </a:endParaRPr>
           </a:p>
@@ -6097,7 +6490,10 @@
             <a:pPr indent="0" algn="ctr">
               <a:buNone/>
             </a:pPr>
-            <a:endParaRPr b="0" lang="en-GB" sz="4400" spc="-1" strike="noStrike">
+            <a:endParaRPr b="0" lang="en-US" sz="4400" spc="-1" strike="noStrike">
+              <a:solidFill>
+                <a:srgbClr val="000000"/>
+              </a:solidFill>
               <a:latin typeface="Arial"/>
             </a:endParaRPr>
           </a:p>
@@ -6137,7 +6533,10 @@
               </a:spcBef>
               <a:buNone/>
             </a:pPr>
-            <a:endParaRPr b="0" lang="en-GB" sz="3200" spc="-1" strike="noStrike">
+            <a:endParaRPr b="0" lang="en-US" sz="3200" spc="-1" strike="noStrike">
+              <a:solidFill>
+                <a:srgbClr val="000000"/>
+              </a:solidFill>
               <a:latin typeface="Arial"/>
             </a:endParaRPr>
           </a:p>
@@ -6177,7 +6576,10 @@
               </a:spcBef>
               <a:buNone/>
             </a:pPr>
-            <a:endParaRPr b="0" lang="en-GB" sz="3200" spc="-1" strike="noStrike">
+            <a:endParaRPr b="0" lang="en-US" sz="3200" spc="-1" strike="noStrike">
+              <a:solidFill>
+                <a:srgbClr val="000000"/>
+              </a:solidFill>
               <a:latin typeface="Arial"/>
             </a:endParaRPr>
           </a:p>
@@ -6236,7 +6638,10 @@
             <a:pPr indent="0" algn="ctr">
               <a:buNone/>
             </a:pPr>
-            <a:endParaRPr b="0" lang="en-GB" sz="4400" spc="-1" strike="noStrike">
+            <a:endParaRPr b="0" lang="en-US" sz="4400" spc="-1" strike="noStrike">
+              <a:solidFill>
+                <a:srgbClr val="000000"/>
+              </a:solidFill>
               <a:latin typeface="Arial"/>
             </a:endParaRPr>
           </a:p>
@@ -6276,7 +6681,10 @@
               </a:spcBef>
               <a:buNone/>
             </a:pPr>
-            <a:endParaRPr b="0" lang="en-GB" sz="3200" spc="-1" strike="noStrike">
+            <a:endParaRPr b="0" lang="en-US" sz="3200" spc="-1" strike="noStrike">
+              <a:solidFill>
+                <a:srgbClr val="000000"/>
+              </a:solidFill>
               <a:latin typeface="Arial"/>
             </a:endParaRPr>
           </a:p>
@@ -6316,7 +6724,10 @@
               </a:spcBef>
               <a:buNone/>
             </a:pPr>
-            <a:endParaRPr b="0" lang="en-GB" sz="3200" spc="-1" strike="noStrike">
+            <a:endParaRPr b="0" lang="en-US" sz="3200" spc="-1" strike="noStrike">
+              <a:solidFill>
+                <a:srgbClr val="000000"/>
+              </a:solidFill>
               <a:latin typeface="Arial"/>
             </a:endParaRPr>
           </a:p>
@@ -6356,7 +6767,10 @@
               </a:spcBef>
               <a:buNone/>
             </a:pPr>
-            <a:endParaRPr b="0" lang="en-GB" sz="3200" spc="-1" strike="noStrike">
+            <a:endParaRPr b="0" lang="en-US" sz="3200" spc="-1" strike="noStrike">
+              <a:solidFill>
+                <a:srgbClr val="000000"/>
+              </a:solidFill>
               <a:latin typeface="Arial"/>
             </a:endParaRPr>
           </a:p>
@@ -6396,7 +6810,10 @@
               </a:spcBef>
               <a:buNone/>
             </a:pPr>
-            <a:endParaRPr b="0" lang="en-GB" sz="3200" spc="-1" strike="noStrike">
+            <a:endParaRPr b="0" lang="en-US" sz="3200" spc="-1" strike="noStrike">
+              <a:solidFill>
+                <a:srgbClr val="000000"/>
+              </a:solidFill>
               <a:latin typeface="Arial"/>
             </a:endParaRPr>
           </a:p>
@@ -6455,7 +6872,10 @@
             <a:pPr indent="0" algn="ctr">
               <a:buNone/>
             </a:pPr>
-            <a:endParaRPr b="0" lang="en-GB" sz="4400" spc="-1" strike="noStrike">
+            <a:endParaRPr b="0" lang="en-US" sz="4400" spc="-1" strike="noStrike">
+              <a:solidFill>
+                <a:srgbClr val="000000"/>
+              </a:solidFill>
               <a:latin typeface="Arial"/>
             </a:endParaRPr>
           </a:p>
@@ -6495,7 +6915,10 @@
               </a:spcBef>
               <a:buNone/>
             </a:pPr>
-            <a:endParaRPr b="0" lang="en-GB" sz="3200" spc="-1" strike="noStrike">
+            <a:endParaRPr b="0" lang="en-US" sz="3200" spc="-1" strike="noStrike">
+              <a:solidFill>
+                <a:srgbClr val="000000"/>
+              </a:solidFill>
               <a:latin typeface="Arial"/>
             </a:endParaRPr>
           </a:p>
@@ -6535,7 +6958,10 @@
               </a:spcBef>
               <a:buNone/>
             </a:pPr>
-            <a:endParaRPr b="0" lang="en-GB" sz="3200" spc="-1" strike="noStrike">
+            <a:endParaRPr b="0" lang="en-US" sz="3200" spc="-1" strike="noStrike">
+              <a:solidFill>
+                <a:srgbClr val="000000"/>
+              </a:solidFill>
               <a:latin typeface="Arial"/>
             </a:endParaRPr>
           </a:p>
@@ -6575,7 +7001,10 @@
               </a:spcBef>
               <a:buNone/>
             </a:pPr>
-            <a:endParaRPr b="0" lang="en-GB" sz="3200" spc="-1" strike="noStrike">
+            <a:endParaRPr b="0" lang="en-US" sz="3200" spc="-1" strike="noStrike">
+              <a:solidFill>
+                <a:srgbClr val="000000"/>
+              </a:solidFill>
               <a:latin typeface="Arial"/>
             </a:endParaRPr>
           </a:p>
@@ -6615,7 +7044,10 @@
               </a:spcBef>
               <a:buNone/>
             </a:pPr>
-            <a:endParaRPr b="0" lang="en-GB" sz="3200" spc="-1" strike="noStrike">
+            <a:endParaRPr b="0" lang="en-US" sz="3200" spc="-1" strike="noStrike">
+              <a:solidFill>
+                <a:srgbClr val="000000"/>
+              </a:solidFill>
               <a:latin typeface="Arial"/>
             </a:endParaRPr>
           </a:p>
@@ -6655,7 +7087,10 @@
               </a:spcBef>
               <a:buNone/>
             </a:pPr>
-            <a:endParaRPr b="0" lang="en-GB" sz="3200" spc="-1" strike="noStrike">
+            <a:endParaRPr b="0" lang="en-US" sz="3200" spc="-1" strike="noStrike">
+              <a:solidFill>
+                <a:srgbClr val="000000"/>
+              </a:solidFill>
               <a:latin typeface="Arial"/>
             </a:endParaRPr>
           </a:p>
@@ -6695,7 +7130,10 @@
               </a:spcBef>
               <a:buNone/>
             </a:pPr>
-            <a:endParaRPr b="0" lang="en-GB" sz="3200" spc="-1" strike="noStrike">
+            <a:endParaRPr b="0" lang="en-US" sz="3200" spc="-1" strike="noStrike">
+              <a:solidFill>
+                <a:srgbClr val="000000"/>
+              </a:solidFill>
               <a:latin typeface="Arial"/>
             </a:endParaRPr>
           </a:p>
@@ -6776,7 +7214,10 @@
             <a:pPr indent="0" algn="ctr">
               <a:buNone/>
             </a:pPr>
-            <a:endParaRPr b="0" lang="en-GB" sz="4400" spc="-1" strike="noStrike">
+            <a:endParaRPr b="0" lang="en-US" sz="4400" spc="-1" strike="noStrike">
+              <a:solidFill>
+                <a:srgbClr val="000000"/>
+              </a:solidFill>
               <a:latin typeface="Arial"/>
             </a:endParaRPr>
           </a:p>
@@ -6813,7 +7254,10 @@
             <a:pPr indent="0" algn="ctr">
               <a:buNone/>
             </a:pPr>
-            <a:endParaRPr b="0" lang="en-GB" sz="3200" spc="-1" strike="noStrike">
+            <a:endParaRPr b="0" lang="en-US" sz="3200" spc="-1" strike="noStrike">
+              <a:solidFill>
+                <a:srgbClr val="000000"/>
+              </a:solidFill>
               <a:latin typeface="Arial"/>
             </a:endParaRPr>
           </a:p>
@@ -6872,7 +7316,10 @@
             <a:pPr indent="0" algn="ctr">
               <a:buNone/>
             </a:pPr>
-            <a:endParaRPr b="0" lang="en-GB" sz="4400" spc="-1" strike="noStrike">
+            <a:endParaRPr b="0" lang="en-US" sz="4400" spc="-1" strike="noStrike">
+              <a:solidFill>
+                <a:srgbClr val="000000"/>
+              </a:solidFill>
               <a:latin typeface="Arial"/>
             </a:endParaRPr>
           </a:p>
@@ -6912,7 +7359,10 @@
               </a:spcBef>
               <a:buNone/>
             </a:pPr>
-            <a:endParaRPr b="0" lang="en-GB" sz="3200" spc="-1" strike="noStrike">
+            <a:endParaRPr b="0" lang="en-US" sz="3200" spc="-1" strike="noStrike">
+              <a:solidFill>
+                <a:srgbClr val="000000"/>
+              </a:solidFill>
               <a:latin typeface="Arial"/>
             </a:endParaRPr>
           </a:p>
@@ -6971,7 +7421,10 @@
             <a:pPr indent="0" algn="ctr">
               <a:buNone/>
             </a:pPr>
-            <a:endParaRPr b="0" lang="en-GB" sz="4400" spc="-1" strike="noStrike">
+            <a:endParaRPr b="0" lang="en-US" sz="4400" spc="-1" strike="noStrike">
+              <a:solidFill>
+                <a:srgbClr val="000000"/>
+              </a:solidFill>
               <a:latin typeface="Arial"/>
             </a:endParaRPr>
           </a:p>
@@ -7011,7 +7464,10 @@
               </a:spcBef>
               <a:buNone/>
             </a:pPr>
-            <a:endParaRPr b="0" lang="en-GB" sz="3200" spc="-1" strike="noStrike">
+            <a:endParaRPr b="0" lang="en-US" sz="3200" spc="-1" strike="noStrike">
+              <a:solidFill>
+                <a:srgbClr val="000000"/>
+              </a:solidFill>
               <a:latin typeface="Arial"/>
             </a:endParaRPr>
           </a:p>
@@ -7051,7 +7507,10 @@
               </a:spcBef>
               <a:buNone/>
             </a:pPr>
-            <a:endParaRPr b="0" lang="en-GB" sz="3200" spc="-1" strike="noStrike">
+            <a:endParaRPr b="0" lang="en-US" sz="3200" spc="-1" strike="noStrike">
+              <a:solidFill>
+                <a:srgbClr val="000000"/>
+              </a:solidFill>
               <a:latin typeface="Arial"/>
             </a:endParaRPr>
           </a:p>
@@ -7110,7 +7569,10 @@
             <a:pPr indent="0" algn="ctr">
               <a:buNone/>
             </a:pPr>
-            <a:endParaRPr b="0" lang="en-GB" sz="4400" spc="-1" strike="noStrike">
+            <a:endParaRPr b="0" lang="en-US" sz="4400" spc="-1" strike="noStrike">
+              <a:solidFill>
+                <a:srgbClr val="000000"/>
+              </a:solidFill>
               <a:latin typeface="Arial"/>
             </a:endParaRPr>
           </a:p>
@@ -7150,7 +7612,10 @@
               </a:spcBef>
               <a:buNone/>
             </a:pPr>
-            <a:endParaRPr b="0" lang="en-GB" sz="3200" spc="-1" strike="noStrike">
+            <a:endParaRPr b="0" lang="en-US" sz="3200" spc="-1" strike="noStrike">
+              <a:solidFill>
+                <a:srgbClr val="000000"/>
+              </a:solidFill>
               <a:latin typeface="Arial"/>
             </a:endParaRPr>
           </a:p>
@@ -7190,7 +7655,10 @@
               </a:spcBef>
               <a:buNone/>
             </a:pPr>
-            <a:endParaRPr b="0" lang="en-GB" sz="3200" spc="-1" strike="noStrike">
+            <a:endParaRPr b="0" lang="en-US" sz="3200" spc="-1" strike="noStrike">
+              <a:solidFill>
+                <a:srgbClr val="000000"/>
+              </a:solidFill>
               <a:latin typeface="Arial"/>
             </a:endParaRPr>
           </a:p>
@@ -7249,7 +7717,10 @@
             <a:pPr indent="0" algn="ctr">
               <a:buNone/>
             </a:pPr>
-            <a:endParaRPr b="0" lang="en-GB" sz="4400" spc="-1" strike="noStrike">
+            <a:endParaRPr b="0" lang="en-US" sz="4400" spc="-1" strike="noStrike">
+              <a:solidFill>
+                <a:srgbClr val="000000"/>
+              </a:solidFill>
               <a:latin typeface="Arial"/>
             </a:endParaRPr>
           </a:p>
@@ -7306,7 +7777,10 @@
           </a:bodyPr>
           <a:p>
             <a:pPr algn="ctr"/>
-            <a:endParaRPr b="0" lang="en-GB" sz="3200" spc="-1" strike="noStrike">
+            <a:endParaRPr b="0" lang="en-US" sz="3200" spc="-1" strike="noStrike">
+              <a:solidFill>
+                <a:srgbClr val="000000"/>
+              </a:solidFill>
               <a:latin typeface="Arial"/>
             </a:endParaRPr>
           </a:p>
@@ -7365,7 +7839,10 @@
             <a:pPr indent="0" algn="ctr">
               <a:buNone/>
             </a:pPr>
-            <a:endParaRPr b="0" lang="en-GB" sz="4400" spc="-1" strike="noStrike">
+            <a:endParaRPr b="0" lang="en-US" sz="4400" spc="-1" strike="noStrike">
+              <a:solidFill>
+                <a:srgbClr val="000000"/>
+              </a:solidFill>
               <a:latin typeface="Arial"/>
             </a:endParaRPr>
           </a:p>
@@ -7405,7 +7882,10 @@
               </a:spcBef>
               <a:buNone/>
             </a:pPr>
-            <a:endParaRPr b="0" lang="en-GB" sz="3200" spc="-1" strike="noStrike">
+            <a:endParaRPr b="0" lang="en-US" sz="3200" spc="-1" strike="noStrike">
+              <a:solidFill>
+                <a:srgbClr val="000000"/>
+              </a:solidFill>
               <a:latin typeface="Arial"/>
             </a:endParaRPr>
           </a:p>
@@ -7445,7 +7925,10 @@
               </a:spcBef>
               <a:buNone/>
             </a:pPr>
-            <a:endParaRPr b="0" lang="en-GB" sz="3200" spc="-1" strike="noStrike">
+            <a:endParaRPr b="0" lang="en-US" sz="3200" spc="-1" strike="noStrike">
+              <a:solidFill>
+                <a:srgbClr val="000000"/>
+              </a:solidFill>
               <a:latin typeface="Arial"/>
             </a:endParaRPr>
           </a:p>
@@ -7485,7 +7968,10 @@
               </a:spcBef>
               <a:buNone/>
             </a:pPr>
-            <a:endParaRPr b="0" lang="en-GB" sz="3200" spc="-1" strike="noStrike">
+            <a:endParaRPr b="0" lang="en-US" sz="3200" spc="-1" strike="noStrike">
+              <a:solidFill>
+                <a:srgbClr val="000000"/>
+              </a:solidFill>
               <a:latin typeface="Arial"/>
             </a:endParaRPr>
           </a:p>
@@ -7544,7 +8030,10 @@
             <a:pPr indent="0" algn="ctr">
               <a:buNone/>
             </a:pPr>
-            <a:endParaRPr b="0" lang="en-GB" sz="4400" spc="-1" strike="noStrike">
+            <a:endParaRPr b="0" lang="en-US" sz="4400" spc="-1" strike="noStrike">
+              <a:solidFill>
+                <a:srgbClr val="000000"/>
+              </a:solidFill>
               <a:latin typeface="Arial"/>
             </a:endParaRPr>
           </a:p>
@@ -7584,7 +8073,10 @@
               </a:spcBef>
               <a:buNone/>
             </a:pPr>
-            <a:endParaRPr b="0" lang="en-GB" sz="3200" spc="-1" strike="noStrike">
+            <a:endParaRPr b="0" lang="en-US" sz="3200" spc="-1" strike="noStrike">
+              <a:solidFill>
+                <a:srgbClr val="000000"/>
+              </a:solidFill>
               <a:latin typeface="Arial"/>
             </a:endParaRPr>
           </a:p>
@@ -7624,7 +8116,10 @@
               </a:spcBef>
               <a:buNone/>
             </a:pPr>
-            <a:endParaRPr b="0" lang="en-GB" sz="3200" spc="-1" strike="noStrike">
+            <a:endParaRPr b="0" lang="en-US" sz="3200" spc="-1" strike="noStrike">
+              <a:solidFill>
+                <a:srgbClr val="000000"/>
+              </a:solidFill>
               <a:latin typeface="Arial"/>
             </a:endParaRPr>
           </a:p>
@@ -7664,7 +8159,10 @@
               </a:spcBef>
               <a:buNone/>
             </a:pPr>
-            <a:endParaRPr b="0" lang="en-GB" sz="3200" spc="-1" strike="noStrike">
+            <a:endParaRPr b="0" lang="en-US" sz="3200" spc="-1" strike="noStrike">
+              <a:solidFill>
+                <a:srgbClr val="000000"/>
+              </a:solidFill>
               <a:latin typeface="Arial"/>
             </a:endParaRPr>
           </a:p>
@@ -7723,7 +8221,10 @@
             <a:pPr indent="0" algn="ctr">
               <a:buNone/>
             </a:pPr>
-            <a:endParaRPr b="0" lang="en-GB" sz="4400" spc="-1" strike="noStrike">
+            <a:endParaRPr b="0" lang="en-US" sz="4400" spc="-1" strike="noStrike">
+              <a:solidFill>
+                <a:srgbClr val="000000"/>
+              </a:solidFill>
               <a:latin typeface="Arial"/>
             </a:endParaRPr>
           </a:p>
@@ -7763,7 +8264,10 @@
               </a:spcBef>
               <a:buNone/>
             </a:pPr>
-            <a:endParaRPr b="0" lang="en-GB" sz="3200" spc="-1" strike="noStrike">
+            <a:endParaRPr b="0" lang="en-US" sz="3200" spc="-1" strike="noStrike">
+              <a:solidFill>
+                <a:srgbClr val="000000"/>
+              </a:solidFill>
               <a:latin typeface="Arial"/>
             </a:endParaRPr>
           </a:p>
@@ -7803,7 +8307,10 @@
               </a:spcBef>
               <a:buNone/>
             </a:pPr>
-            <a:endParaRPr b="0" lang="en-GB" sz="3200" spc="-1" strike="noStrike">
+            <a:endParaRPr b="0" lang="en-US" sz="3200" spc="-1" strike="noStrike">
+              <a:solidFill>
+                <a:srgbClr val="000000"/>
+              </a:solidFill>
               <a:latin typeface="Arial"/>
             </a:endParaRPr>
           </a:p>
@@ -7843,7 +8350,10 @@
               </a:spcBef>
               <a:buNone/>
             </a:pPr>
-            <a:endParaRPr b="0" lang="en-GB" sz="3200" spc="-1" strike="noStrike">
+            <a:endParaRPr b="0" lang="en-US" sz="3200" spc="-1" strike="noStrike">
+              <a:solidFill>
+                <a:srgbClr val="000000"/>
+              </a:solidFill>
               <a:latin typeface="Arial"/>
             </a:endParaRPr>
           </a:p>
@@ -7902,7 +8412,10 @@
             <a:pPr indent="0" algn="ctr">
               <a:buNone/>
             </a:pPr>
-            <a:endParaRPr b="0" lang="en-GB" sz="4400" spc="-1" strike="noStrike">
+            <a:endParaRPr b="0" lang="en-US" sz="4400" spc="-1" strike="noStrike">
+              <a:solidFill>
+                <a:srgbClr val="000000"/>
+              </a:solidFill>
               <a:latin typeface="Arial"/>
             </a:endParaRPr>
           </a:p>
@@ -7942,7 +8455,10 @@
               </a:spcBef>
               <a:buNone/>
             </a:pPr>
-            <a:endParaRPr b="0" lang="en-GB" sz="3200" spc="-1" strike="noStrike">
+            <a:endParaRPr b="0" lang="en-US" sz="3200" spc="-1" strike="noStrike">
+              <a:solidFill>
+                <a:srgbClr val="000000"/>
+              </a:solidFill>
               <a:latin typeface="Arial"/>
             </a:endParaRPr>
           </a:p>
@@ -7982,7 +8498,10 @@
               </a:spcBef>
               <a:buNone/>
             </a:pPr>
-            <a:endParaRPr b="0" lang="en-GB" sz="3200" spc="-1" strike="noStrike">
+            <a:endParaRPr b="0" lang="en-US" sz="3200" spc="-1" strike="noStrike">
+              <a:solidFill>
+                <a:srgbClr val="000000"/>
+              </a:solidFill>
               <a:latin typeface="Arial"/>
             </a:endParaRPr>
           </a:p>
@@ -8041,7 +8560,10 @@
             <a:pPr indent="0" algn="ctr">
               <a:buNone/>
             </a:pPr>
-            <a:endParaRPr b="0" lang="en-GB" sz="4400" spc="-1" strike="noStrike">
+            <a:endParaRPr b="0" lang="en-US" sz="4400" spc="-1" strike="noStrike">
+              <a:solidFill>
+                <a:srgbClr val="000000"/>
+              </a:solidFill>
               <a:latin typeface="Arial"/>
             </a:endParaRPr>
           </a:p>
@@ -8081,7 +8603,10 @@
               </a:spcBef>
               <a:buNone/>
             </a:pPr>
-            <a:endParaRPr b="0" lang="en-GB" sz="3200" spc="-1" strike="noStrike">
+            <a:endParaRPr b="0" lang="en-US" sz="3200" spc="-1" strike="noStrike">
+              <a:solidFill>
+                <a:srgbClr val="000000"/>
+              </a:solidFill>
               <a:latin typeface="Arial"/>
             </a:endParaRPr>
           </a:p>
@@ -8121,7 +8646,10 @@
               </a:spcBef>
               <a:buNone/>
             </a:pPr>
-            <a:endParaRPr b="0" lang="en-GB" sz="3200" spc="-1" strike="noStrike">
+            <a:endParaRPr b="0" lang="en-US" sz="3200" spc="-1" strike="noStrike">
+              <a:solidFill>
+                <a:srgbClr val="000000"/>
+              </a:solidFill>
               <a:latin typeface="Arial"/>
             </a:endParaRPr>
           </a:p>
@@ -8161,7 +8689,10 @@
               </a:spcBef>
               <a:buNone/>
             </a:pPr>
-            <a:endParaRPr b="0" lang="en-GB" sz="3200" spc="-1" strike="noStrike">
+            <a:endParaRPr b="0" lang="en-US" sz="3200" spc="-1" strike="noStrike">
+              <a:solidFill>
+                <a:srgbClr val="000000"/>
+              </a:solidFill>
               <a:latin typeface="Arial"/>
             </a:endParaRPr>
           </a:p>
@@ -8201,7 +8732,10 @@
               </a:spcBef>
               <a:buNone/>
             </a:pPr>
-            <a:endParaRPr b="0" lang="en-GB" sz="3200" spc="-1" strike="noStrike">
+            <a:endParaRPr b="0" lang="en-US" sz="3200" spc="-1" strike="noStrike">
+              <a:solidFill>
+                <a:srgbClr val="000000"/>
+              </a:solidFill>
               <a:latin typeface="Arial"/>
             </a:endParaRPr>
           </a:p>
@@ -8260,7 +8794,10 @@
             <a:pPr indent="0" algn="ctr">
               <a:buNone/>
             </a:pPr>
-            <a:endParaRPr b="0" lang="en-GB" sz="4400" spc="-1" strike="noStrike">
+            <a:endParaRPr b="0" lang="en-US" sz="4400" spc="-1" strike="noStrike">
+              <a:solidFill>
+                <a:srgbClr val="000000"/>
+              </a:solidFill>
               <a:latin typeface="Arial"/>
             </a:endParaRPr>
           </a:p>
@@ -8300,7 +8837,10 @@
               </a:spcBef>
               <a:buNone/>
             </a:pPr>
-            <a:endParaRPr b="0" lang="en-GB" sz="3200" spc="-1" strike="noStrike">
+            <a:endParaRPr b="0" lang="en-US" sz="3200" spc="-1" strike="noStrike">
+              <a:solidFill>
+                <a:srgbClr val="000000"/>
+              </a:solidFill>
               <a:latin typeface="Arial"/>
             </a:endParaRPr>
           </a:p>
@@ -8340,7 +8880,10 @@
               </a:spcBef>
               <a:buNone/>
             </a:pPr>
-            <a:endParaRPr b="0" lang="en-GB" sz="3200" spc="-1" strike="noStrike">
+            <a:endParaRPr b="0" lang="en-US" sz="3200" spc="-1" strike="noStrike">
+              <a:solidFill>
+                <a:srgbClr val="000000"/>
+              </a:solidFill>
               <a:latin typeface="Arial"/>
             </a:endParaRPr>
           </a:p>
@@ -8380,7 +8923,10 @@
               </a:spcBef>
               <a:buNone/>
             </a:pPr>
-            <a:endParaRPr b="0" lang="en-GB" sz="3200" spc="-1" strike="noStrike">
+            <a:endParaRPr b="0" lang="en-US" sz="3200" spc="-1" strike="noStrike">
+              <a:solidFill>
+                <a:srgbClr val="000000"/>
+              </a:solidFill>
               <a:latin typeface="Arial"/>
             </a:endParaRPr>
           </a:p>
@@ -8420,7 +8966,10 @@
               </a:spcBef>
               <a:buNone/>
             </a:pPr>
-            <a:endParaRPr b="0" lang="en-GB" sz="3200" spc="-1" strike="noStrike">
+            <a:endParaRPr b="0" lang="en-US" sz="3200" spc="-1" strike="noStrike">
+              <a:solidFill>
+                <a:srgbClr val="000000"/>
+              </a:solidFill>
               <a:latin typeface="Arial"/>
             </a:endParaRPr>
           </a:p>
@@ -8460,7 +9009,10 @@
               </a:spcBef>
               <a:buNone/>
             </a:pPr>
-            <a:endParaRPr b="0" lang="en-GB" sz="3200" spc="-1" strike="noStrike">
+            <a:endParaRPr b="0" lang="en-US" sz="3200" spc="-1" strike="noStrike">
+              <a:solidFill>
+                <a:srgbClr val="000000"/>
+              </a:solidFill>
               <a:latin typeface="Arial"/>
             </a:endParaRPr>
           </a:p>
@@ -8500,7 +9052,10 @@
               </a:spcBef>
               <a:buNone/>
             </a:pPr>
-            <a:endParaRPr b="0" lang="en-GB" sz="3200" spc="-1" strike="noStrike">
+            <a:endParaRPr b="0" lang="en-US" sz="3200" spc="-1" strike="noStrike">
+              <a:solidFill>
+                <a:srgbClr val="000000"/>
+              </a:solidFill>
               <a:latin typeface="Arial"/>
             </a:endParaRPr>
           </a:p>
@@ -8559,7 +9114,10 @@
             <a:pPr indent="0" algn="ctr">
               <a:buNone/>
             </a:pPr>
-            <a:endParaRPr b="0" lang="en-GB" sz="4400" spc="-1" strike="noStrike">
+            <a:endParaRPr b="0" lang="en-US" sz="4400" spc="-1" strike="noStrike">
+              <a:solidFill>
+                <a:srgbClr val="000000"/>
+              </a:solidFill>
               <a:latin typeface="Arial"/>
             </a:endParaRPr>
           </a:p>
@@ -8616,7 +9174,10 @@
           </a:bodyPr>
           <a:p>
             <a:pPr algn="ctr"/>
-            <a:endParaRPr b="0" lang="en-GB" sz="3200" spc="-1" strike="noStrike">
+            <a:endParaRPr b="0" lang="en-US" sz="3200" spc="-1" strike="noStrike">
+              <a:solidFill>
+                <a:srgbClr val="000000"/>
+              </a:solidFill>
               <a:latin typeface="Arial"/>
             </a:endParaRPr>
           </a:p>
@@ -8675,7 +9236,10 @@
             <a:pPr indent="0" algn="ctr">
               <a:buNone/>
             </a:pPr>
-            <a:endParaRPr b="0" lang="en-GB" sz="4400" spc="-1" strike="noStrike">
+            <a:endParaRPr b="0" lang="en-US" sz="4400" spc="-1" strike="noStrike">
+              <a:solidFill>
+                <a:srgbClr val="000000"/>
+              </a:solidFill>
               <a:latin typeface="Arial"/>
             </a:endParaRPr>
           </a:p>
@@ -8715,7 +9279,10 @@
               </a:spcBef>
               <a:buNone/>
             </a:pPr>
-            <a:endParaRPr b="0" lang="en-GB" sz="3200" spc="-1" strike="noStrike">
+            <a:endParaRPr b="0" lang="en-US" sz="3200" spc="-1" strike="noStrike">
+              <a:solidFill>
+                <a:srgbClr val="000000"/>
+              </a:solidFill>
               <a:latin typeface="Arial"/>
             </a:endParaRPr>
           </a:p>
@@ -8755,7 +9322,10 @@
               </a:spcBef>
               <a:buNone/>
             </a:pPr>
-            <a:endParaRPr b="0" lang="en-GB" sz="3200" spc="-1" strike="noStrike">
+            <a:endParaRPr b="0" lang="en-US" sz="3200" spc="-1" strike="noStrike">
+              <a:solidFill>
+                <a:srgbClr val="000000"/>
+              </a:solidFill>
               <a:latin typeface="Arial"/>
             </a:endParaRPr>
           </a:p>
@@ -8795,7 +9365,10 @@
               </a:spcBef>
               <a:buNone/>
             </a:pPr>
-            <a:endParaRPr b="0" lang="en-GB" sz="3200" spc="-1" strike="noStrike">
+            <a:endParaRPr b="0" lang="en-US" sz="3200" spc="-1" strike="noStrike">
+              <a:solidFill>
+                <a:srgbClr val="000000"/>
+              </a:solidFill>
               <a:latin typeface="Arial"/>
             </a:endParaRPr>
           </a:p>
@@ -8854,7 +9427,10 @@
             <a:pPr indent="0" algn="ctr">
               <a:buNone/>
             </a:pPr>
-            <a:endParaRPr b="0" lang="en-GB" sz="4400" spc="-1" strike="noStrike">
+            <a:endParaRPr b="0" lang="en-US" sz="4400" spc="-1" strike="noStrike">
+              <a:solidFill>
+                <a:srgbClr val="000000"/>
+              </a:solidFill>
               <a:latin typeface="Arial"/>
             </a:endParaRPr>
           </a:p>
@@ -8894,7 +9470,10 @@
               </a:spcBef>
               <a:buNone/>
             </a:pPr>
-            <a:endParaRPr b="0" lang="en-GB" sz="3200" spc="-1" strike="noStrike">
+            <a:endParaRPr b="0" lang="en-US" sz="3200" spc="-1" strike="noStrike">
+              <a:solidFill>
+                <a:srgbClr val="000000"/>
+              </a:solidFill>
               <a:latin typeface="Arial"/>
             </a:endParaRPr>
           </a:p>
@@ -8934,7 +9513,10 @@
               </a:spcBef>
               <a:buNone/>
             </a:pPr>
-            <a:endParaRPr b="0" lang="en-GB" sz="3200" spc="-1" strike="noStrike">
+            <a:endParaRPr b="0" lang="en-US" sz="3200" spc="-1" strike="noStrike">
+              <a:solidFill>
+                <a:srgbClr val="000000"/>
+              </a:solidFill>
               <a:latin typeface="Arial"/>
             </a:endParaRPr>
           </a:p>
@@ -8974,7 +9556,10 @@
               </a:spcBef>
               <a:buNone/>
             </a:pPr>
-            <a:endParaRPr b="0" lang="en-GB" sz="3200" spc="-1" strike="noStrike">
+            <a:endParaRPr b="0" lang="en-US" sz="3200" spc="-1" strike="noStrike">
+              <a:solidFill>
+                <a:srgbClr val="000000"/>
+              </a:solidFill>
               <a:latin typeface="Arial"/>
             </a:endParaRPr>
           </a:p>
@@ -9033,7 +9618,10 @@
             <a:pPr indent="0" algn="ctr">
               <a:buNone/>
             </a:pPr>
-            <a:endParaRPr b="0" lang="en-GB" sz="4400" spc="-1" strike="noStrike">
+            <a:endParaRPr b="0" lang="en-US" sz="4400" spc="-1" strike="noStrike">
+              <a:solidFill>
+                <a:srgbClr val="000000"/>
+              </a:solidFill>
               <a:latin typeface="Arial"/>
             </a:endParaRPr>
           </a:p>
@@ -9073,7 +9661,10 @@
               </a:spcBef>
               <a:buNone/>
             </a:pPr>
-            <a:endParaRPr b="0" lang="en-GB" sz="3200" spc="-1" strike="noStrike">
+            <a:endParaRPr b="0" lang="en-US" sz="3200" spc="-1" strike="noStrike">
+              <a:solidFill>
+                <a:srgbClr val="000000"/>
+              </a:solidFill>
               <a:latin typeface="Arial"/>
             </a:endParaRPr>
           </a:p>
@@ -9113,7 +9704,10 @@
               </a:spcBef>
               <a:buNone/>
             </a:pPr>
-            <a:endParaRPr b="0" lang="en-GB" sz="3200" spc="-1" strike="noStrike">
+            <a:endParaRPr b="0" lang="en-US" sz="3200" spc="-1" strike="noStrike">
+              <a:solidFill>
+                <a:srgbClr val="000000"/>
+              </a:solidFill>
               <a:latin typeface="Arial"/>
             </a:endParaRPr>
           </a:p>
@@ -9153,7 +9747,10 @@
               </a:spcBef>
               <a:buNone/>
             </a:pPr>
-            <a:endParaRPr b="0" lang="en-GB" sz="3200" spc="-1" strike="noStrike">
+            <a:endParaRPr b="0" lang="en-US" sz="3200" spc="-1" strike="noStrike">
+              <a:solidFill>
+                <a:srgbClr val="000000"/>
+              </a:solidFill>
               <a:latin typeface="Arial"/>
             </a:endParaRPr>
           </a:p>
@@ -9197,7 +9794,7 @@
         <p:spPr>
           <a:xfrm>
             <a:off x="11444760" y="0"/>
-            <a:ext cx="740880" cy="6849720"/>
+            <a:ext cx="740520" cy="6849360"/>
           </a:xfrm>
           <a:prstGeom prst="rect">
             <a:avLst/>
@@ -9217,6 +9814,19 @@
           <a:effectRef idx="0"/>
           <a:fontRef idx="minor"/>
         </p:style>
+        <p:txBody>
+          <a:bodyPr lIns="90000" rIns="90000" tIns="45000" bIns="45000" anchor="t">
+            <a:noAutofit/>
+          </a:bodyPr>
+          <a:p>
+            <a:endParaRPr b="0" lang="en-US" sz="1800" spc="-1" strike="noStrike">
+              <a:solidFill>
+                <a:srgbClr val="ffffff"/>
+              </a:solidFill>
+              <a:latin typeface="Arial"/>
+            </a:endParaRPr>
+          </a:p>
+        </p:txBody>
       </p:sp>
       <p:sp>
         <p:nvSpPr>
@@ -9227,7 +9837,7 @@
         <p:spPr>
           <a:xfrm>
             <a:off x="11438640" y="6453360"/>
-            <a:ext cx="757800" cy="363960"/>
+            <a:ext cx="757440" cy="363960"/>
           </a:xfrm>
           <a:prstGeom prst="rect">
             <a:avLst/>
@@ -9253,7 +9863,7 @@
                 <a:spcPct val="100000"/>
               </a:lnSpc>
             </a:pPr>
-            <a:fld id="{71A63D71-23FC-4ADA-9FCC-B8AF3C0EEEA8}" type="slidenum">
+            <a:fld id="{B6374149-DBC5-4210-B5D9-824C7F254522}" type="slidenum">
               <a:rPr b="0" lang="en-US" sz="1800" spc="-1" strike="noStrike">
                 <a:solidFill>
                   <a:srgbClr val="808080"/>
@@ -9263,7 +9873,10 @@
               </a:rPr>
               <a:t>&lt;number&gt;</a:t>
             </a:fld>
-            <a:endParaRPr b="0" lang="en-GB" sz="1800" spc="-1" strike="noStrike">
+            <a:endParaRPr b="0" lang="en-US" sz="1800" spc="-1" strike="noStrike">
+              <a:solidFill>
+                <a:srgbClr val="000000"/>
+              </a:solidFill>
               <a:latin typeface="Arial"/>
             </a:endParaRPr>
           </a:p>
@@ -9278,7 +9891,7 @@
         <p:spPr>
           <a:xfrm>
             <a:off x="912240" y="1268280"/>
-            <a:ext cx="9207720" cy="361080"/>
+            <a:ext cx="9207360" cy="360720"/>
           </a:xfrm>
           <a:prstGeom prst="rect">
             <a:avLst/>
@@ -9294,6 +9907,19 @@
           <a:effectRef idx="0"/>
           <a:fontRef idx="minor"/>
         </p:style>
+        <p:txBody>
+          <a:bodyPr lIns="90000" rIns="90000" tIns="45000" bIns="45000" anchor="t">
+            <a:noAutofit/>
+          </a:bodyPr>
+          <a:p>
+            <a:endParaRPr b="0" lang="en-US" sz="1800" spc="-1" strike="noStrike">
+              <a:solidFill>
+                <a:srgbClr val="000000"/>
+              </a:solidFill>
+              <a:latin typeface="Arial"/>
+            </a:endParaRPr>
+          </a:p>
+        </p:txBody>
       </p:sp>
       <p:pic>
         <p:nvPicPr>
@@ -9308,7 +9934,7 @@
         <p:spPr>
           <a:xfrm>
             <a:off x="0" y="0"/>
-            <a:ext cx="3051720" cy="561600"/>
+            <a:ext cx="3051360" cy="561240"/>
           </a:xfrm>
           <a:prstGeom prst="rect">
             <a:avLst/>
@@ -9331,7 +9957,7 @@
         <p:spPr>
           <a:xfrm>
             <a:off x="7430400" y="134640"/>
-            <a:ext cx="3697560" cy="513720"/>
+            <a:ext cx="3697200" cy="513360"/>
           </a:xfrm>
           <a:prstGeom prst="rect">
             <a:avLst/>
@@ -9350,7 +9976,7 @@
         <p:spPr>
           <a:xfrm>
             <a:off x="912240" y="1268280"/>
-            <a:ext cx="9207720" cy="361080"/>
+            <a:ext cx="9207360" cy="360720"/>
           </a:xfrm>
           <a:prstGeom prst="rect">
             <a:avLst/>
@@ -9366,6 +9992,19 @@
           <a:effectRef idx="0"/>
           <a:fontRef idx="minor"/>
         </p:style>
+        <p:txBody>
+          <a:bodyPr lIns="90000" rIns="90000" tIns="45000" bIns="45000" anchor="t">
+            <a:noAutofit/>
+          </a:bodyPr>
+          <a:p>
+            <a:endParaRPr b="0" lang="en-US" sz="1800" spc="-1" strike="noStrike">
+              <a:solidFill>
+                <a:srgbClr val="000000"/>
+              </a:solidFill>
+              <a:latin typeface="Arial"/>
+            </a:endParaRPr>
+          </a:p>
+        </p:txBody>
       </p:sp>
       <p:sp>
         <p:nvSpPr>
@@ -9376,7 +10015,7 @@
         <p:spPr>
           <a:xfrm>
             <a:off x="11444760" y="0"/>
-            <a:ext cx="740880" cy="6849720"/>
+            <a:ext cx="740520" cy="6849360"/>
           </a:xfrm>
           <a:prstGeom prst="rect">
             <a:avLst/>
@@ -9396,6 +10035,19 @@
           <a:effectRef idx="0"/>
           <a:fontRef idx="minor"/>
         </p:style>
+        <p:txBody>
+          <a:bodyPr lIns="90000" rIns="90000" tIns="45000" bIns="45000" anchor="t">
+            <a:noAutofit/>
+          </a:bodyPr>
+          <a:p>
+            <a:endParaRPr b="0" lang="en-US" sz="1800" spc="-1" strike="noStrike">
+              <a:solidFill>
+                <a:srgbClr val="ffffff"/>
+              </a:solidFill>
+              <a:latin typeface="Arial"/>
+            </a:endParaRPr>
+          </a:p>
+        </p:txBody>
       </p:sp>
       <p:sp>
         <p:nvSpPr>
@@ -9406,7 +10058,7 @@
         <p:spPr>
           <a:xfrm>
             <a:off x="0" y="6646680"/>
-            <a:ext cx="12186720" cy="211320"/>
+            <a:ext cx="12186360" cy="211320"/>
           </a:xfrm>
           <a:prstGeom prst="rect">
             <a:avLst/>
@@ -9442,7 +10094,10 @@
               </a:rPr>
               <a:t>Requirements Engineering – TU Clausthal</a:t>
             </a:r>
-            <a:endParaRPr b="0" lang="en-GB" sz="800" spc="-1" strike="noStrike">
+            <a:endParaRPr b="0" lang="en-US" sz="800" spc="-1" strike="noStrike">
+              <a:solidFill>
+                <a:srgbClr val="000000"/>
+              </a:solidFill>
               <a:latin typeface="Arial"/>
             </a:endParaRPr>
           </a:p>
@@ -9480,12 +10135,54 @@
               <a:buNone/>
             </a:pPr>
             <a:r>
-              <a:rPr b="0" lang="en-GB" sz="4400" spc="-1" strike="noStrike">
+              <a:rPr b="0" lang="en-US" sz="4400" spc="-1" strike="noStrike">
+                <a:solidFill>
+                  <a:srgbClr val="000000"/>
+                </a:solidFill>
                 <a:latin typeface="Arial"/>
               </a:rPr>
-              <a:t>Click to edit the title text format</a:t>
-            </a:r>
-            <a:endParaRPr b="0" lang="en-GB" sz="4400" spc="-1" strike="noStrike">
+              <a:t>Click to </a:t>
+            </a:r>
+            <a:r>
+              <a:rPr b="0" lang="en-US" sz="4400" spc="-1" strike="noStrike">
+                <a:solidFill>
+                  <a:srgbClr val="000000"/>
+                </a:solidFill>
+                <a:latin typeface="Arial"/>
+              </a:rPr>
+              <a:t>edit the </a:t>
+            </a:r>
+            <a:r>
+              <a:rPr b="0" lang="en-US" sz="4400" spc="-1" strike="noStrike">
+                <a:solidFill>
+                  <a:srgbClr val="000000"/>
+                </a:solidFill>
+                <a:latin typeface="Arial"/>
+              </a:rPr>
+              <a:t>title </a:t>
+            </a:r>
+            <a:r>
+              <a:rPr b="0" lang="en-US" sz="4400" spc="-1" strike="noStrike">
+                <a:solidFill>
+                  <a:srgbClr val="000000"/>
+                </a:solidFill>
+                <a:latin typeface="Arial"/>
+              </a:rPr>
+              <a:t>text </a:t>
+            </a:r>
+            <a:r>
+              <a:rPr b="0" lang="en-US" sz="4400" spc="-1" strike="noStrike">
+                <a:solidFill>
+                  <a:srgbClr val="000000"/>
+                </a:solidFill>
+                <a:latin typeface="Arial"/>
+              </a:rPr>
+              <a:t>format</a:t>
+            </a:r>
+            <a:endParaRPr b="0" lang="en-US" sz="4400" spc="-1" strike="noStrike">
+              <a:solidFill>
+                <a:srgbClr val="000000"/>
+              </a:solidFill>
               <a:latin typeface="Arial"/>
             </a:endParaRPr>
           </a:p>
@@ -9531,12 +10228,18 @@
               <a:buChar char=""/>
             </a:pPr>
             <a:r>
-              <a:rPr b="0" lang="en-GB" sz="3200" spc="-1" strike="noStrike">
+              <a:rPr b="0" lang="en-US" sz="3200" spc="-1" strike="noStrike">
+                <a:solidFill>
+                  <a:srgbClr val="000000"/>
+                </a:solidFill>
                 <a:latin typeface="Arial"/>
               </a:rPr>
               <a:t>Click to edit the outline text format</a:t>
             </a:r>
-            <a:endParaRPr b="0" lang="en-GB" sz="3200" spc="-1" strike="noStrike">
+            <a:endParaRPr b="0" lang="en-US" sz="3200" spc="-1" strike="noStrike">
+              <a:solidFill>
+                <a:srgbClr val="000000"/>
+              </a:solidFill>
               <a:latin typeface="Arial"/>
             </a:endParaRPr>
           </a:p>
@@ -9553,12 +10256,18 @@
               <a:buChar char=""/>
             </a:pPr>
             <a:r>
-              <a:rPr b="0" lang="en-GB" sz="2800" spc="-1" strike="noStrike">
+              <a:rPr b="0" lang="en-US" sz="2800" spc="-1" strike="noStrike">
+                <a:solidFill>
+                  <a:srgbClr val="000000"/>
+                </a:solidFill>
                 <a:latin typeface="Arial"/>
               </a:rPr>
               <a:t>Second Outline Level</a:t>
             </a:r>
-            <a:endParaRPr b="0" lang="en-GB" sz="2800" spc="-1" strike="noStrike">
+            <a:endParaRPr b="0" lang="en-US" sz="2800" spc="-1" strike="noStrike">
+              <a:solidFill>
+                <a:srgbClr val="000000"/>
+              </a:solidFill>
               <a:latin typeface="Arial"/>
             </a:endParaRPr>
           </a:p>
@@ -9575,12 +10284,18 @@
               <a:buChar char=""/>
             </a:pPr>
             <a:r>
-              <a:rPr b="0" lang="en-GB" sz="2400" spc="-1" strike="noStrike">
+              <a:rPr b="0" lang="en-US" sz="2400" spc="-1" strike="noStrike">
+                <a:solidFill>
+                  <a:srgbClr val="000000"/>
+                </a:solidFill>
                 <a:latin typeface="Arial"/>
               </a:rPr>
               <a:t>Third Outline Level</a:t>
             </a:r>
-            <a:endParaRPr b="0" lang="en-GB" sz="2400" spc="-1" strike="noStrike">
+            <a:endParaRPr b="0" lang="en-US" sz="2400" spc="-1" strike="noStrike">
+              <a:solidFill>
+                <a:srgbClr val="000000"/>
+              </a:solidFill>
               <a:latin typeface="Arial"/>
             </a:endParaRPr>
           </a:p>
@@ -9597,12 +10312,18 @@
               <a:buChar char=""/>
             </a:pPr>
             <a:r>
-              <a:rPr b="0" lang="en-GB" sz="2000" spc="-1" strike="noStrike">
+              <a:rPr b="0" lang="en-US" sz="2000" spc="-1" strike="noStrike">
+                <a:solidFill>
+                  <a:srgbClr val="000000"/>
+                </a:solidFill>
                 <a:latin typeface="Arial"/>
               </a:rPr>
               <a:t>Fourth Outline Level</a:t>
             </a:r>
-            <a:endParaRPr b="0" lang="en-GB" sz="2000" spc="-1" strike="noStrike">
+            <a:endParaRPr b="0" lang="en-US" sz="2000" spc="-1" strike="noStrike">
+              <a:solidFill>
+                <a:srgbClr val="000000"/>
+              </a:solidFill>
               <a:latin typeface="Arial"/>
             </a:endParaRPr>
           </a:p>
@@ -9619,12 +10340,18 @@
               <a:buChar char=""/>
             </a:pPr>
             <a:r>
-              <a:rPr b="0" lang="en-GB" sz="2000" spc="-1" strike="noStrike">
+              <a:rPr b="0" lang="en-US" sz="2000" spc="-1" strike="noStrike">
+                <a:solidFill>
+                  <a:srgbClr val="000000"/>
+                </a:solidFill>
                 <a:latin typeface="Arial"/>
               </a:rPr>
               <a:t>Fifth Outline Level</a:t>
             </a:r>
-            <a:endParaRPr b="0" lang="en-GB" sz="2000" spc="-1" strike="noStrike">
+            <a:endParaRPr b="0" lang="en-US" sz="2000" spc="-1" strike="noStrike">
+              <a:solidFill>
+                <a:srgbClr val="000000"/>
+              </a:solidFill>
               <a:latin typeface="Arial"/>
             </a:endParaRPr>
           </a:p>
@@ -9641,12 +10368,18 @@
               <a:buChar char=""/>
             </a:pPr>
             <a:r>
-              <a:rPr b="0" lang="en-GB" sz="2000" spc="-1" strike="noStrike">
+              <a:rPr b="0" lang="en-US" sz="2000" spc="-1" strike="noStrike">
+                <a:solidFill>
+                  <a:srgbClr val="000000"/>
+                </a:solidFill>
                 <a:latin typeface="Arial"/>
               </a:rPr>
               <a:t>Sixth Outline Level</a:t>
             </a:r>
-            <a:endParaRPr b="0" lang="en-GB" sz="2000" spc="-1" strike="noStrike">
+            <a:endParaRPr b="0" lang="en-US" sz="2000" spc="-1" strike="noStrike">
+              <a:solidFill>
+                <a:srgbClr val="000000"/>
+              </a:solidFill>
               <a:latin typeface="Arial"/>
             </a:endParaRPr>
           </a:p>
@@ -9663,12 +10396,18 @@
               <a:buChar char=""/>
             </a:pPr>
             <a:r>
-              <a:rPr b="0" lang="en-GB" sz="2000" spc="-1" strike="noStrike">
+              <a:rPr b="0" lang="en-US" sz="2000" spc="-1" strike="noStrike">
+                <a:solidFill>
+                  <a:srgbClr val="000000"/>
+                </a:solidFill>
                 <a:latin typeface="Arial"/>
               </a:rPr>
               <a:t>Seventh Outline Level</a:t>
             </a:r>
-            <a:endParaRPr b="0" lang="en-GB" sz="2000" spc="-1" strike="noStrike">
+            <a:endParaRPr b="0" lang="en-US" sz="2000" spc="-1" strike="noStrike">
+              <a:solidFill>
+                <a:srgbClr val="000000"/>
+              </a:solidFill>
               <a:latin typeface="Arial"/>
             </a:endParaRPr>
           </a:p>
@@ -9727,7 +10466,7 @@
         <p:spPr>
           <a:xfrm>
             <a:off x="11444760" y="0"/>
-            <a:ext cx="740880" cy="6849720"/>
+            <a:ext cx="740520" cy="6849360"/>
           </a:xfrm>
           <a:prstGeom prst="rect">
             <a:avLst/>
@@ -9747,6 +10486,19 @@
           <a:effectRef idx="0"/>
           <a:fontRef idx="minor"/>
         </p:style>
+        <p:txBody>
+          <a:bodyPr lIns="90000" rIns="90000" tIns="45000" bIns="45000" anchor="t">
+            <a:noAutofit/>
+          </a:bodyPr>
+          <a:p>
+            <a:endParaRPr b="0" lang="en-US" sz="1800" spc="-1" strike="noStrike">
+              <a:solidFill>
+                <a:srgbClr val="ffffff"/>
+              </a:solidFill>
+              <a:latin typeface="Arial"/>
+            </a:endParaRPr>
+          </a:p>
+        </p:txBody>
       </p:sp>
       <p:sp>
         <p:nvSpPr>
@@ -9757,7 +10509,7 @@
         <p:spPr>
           <a:xfrm>
             <a:off x="11438640" y="6453360"/>
-            <a:ext cx="757800" cy="363960"/>
+            <a:ext cx="757440" cy="363960"/>
           </a:xfrm>
           <a:prstGeom prst="rect">
             <a:avLst/>
@@ -9783,7 +10535,7 @@
                 <a:spcPct val="100000"/>
               </a:lnSpc>
             </a:pPr>
-            <a:fld id="{5049F435-4049-4B1D-A0DA-DD43CFA4B858}" type="slidenum">
+            <a:fld id="{9E0A511F-2434-45C0-925D-98DF7306A96C}" type="slidenum">
               <a:rPr b="0" lang="en-US" sz="1800" spc="-1" strike="noStrike">
                 <a:solidFill>
                   <a:srgbClr val="808080"/>
@@ -9793,7 +10545,10 @@
               </a:rPr>
               <a:t>&lt;number&gt;</a:t>
             </a:fld>
-            <a:endParaRPr b="0" lang="en-GB" sz="1800" spc="-1" strike="noStrike">
+            <a:endParaRPr b="0" lang="en-US" sz="1800" spc="-1" strike="noStrike">
+              <a:solidFill>
+                <a:srgbClr val="000000"/>
+              </a:solidFill>
               <a:latin typeface="Arial"/>
             </a:endParaRPr>
           </a:p>
@@ -9808,7 +10563,7 @@
         <p:spPr>
           <a:xfrm>
             <a:off x="912240" y="1268280"/>
-            <a:ext cx="9207720" cy="361080"/>
+            <a:ext cx="9207360" cy="360720"/>
           </a:xfrm>
           <a:prstGeom prst="rect">
             <a:avLst/>
@@ -9824,6 +10579,19 @@
           <a:effectRef idx="0"/>
           <a:fontRef idx="minor"/>
         </p:style>
+        <p:txBody>
+          <a:bodyPr lIns="90000" rIns="90000" tIns="45000" bIns="45000" anchor="t">
+            <a:noAutofit/>
+          </a:bodyPr>
+          <a:p>
+            <a:endParaRPr b="0" lang="en-US" sz="1800" spc="-1" strike="noStrike">
+              <a:solidFill>
+                <a:srgbClr val="000000"/>
+              </a:solidFill>
+              <a:latin typeface="Arial"/>
+            </a:endParaRPr>
+          </a:p>
+        </p:txBody>
       </p:sp>
       <p:pic>
         <p:nvPicPr>
@@ -9838,7 +10606,7 @@
         <p:spPr>
           <a:xfrm>
             <a:off x="0" y="0"/>
-            <a:ext cx="3051720" cy="561600"/>
+            <a:ext cx="3051360" cy="561240"/>
           </a:xfrm>
           <a:prstGeom prst="rect">
             <a:avLst/>
@@ -9861,7 +10629,7 @@
         <p:spPr>
           <a:xfrm>
             <a:off x="7430400" y="134640"/>
-            <a:ext cx="3697560" cy="513720"/>
+            <a:ext cx="3697200" cy="513360"/>
           </a:xfrm>
           <a:prstGeom prst="rect">
             <a:avLst/>
@@ -9880,7 +10648,7 @@
         <p:spPr>
           <a:xfrm>
             <a:off x="912240" y="1268280"/>
-            <a:ext cx="9207720" cy="361080"/>
+            <a:ext cx="9207360" cy="360720"/>
           </a:xfrm>
           <a:prstGeom prst="rect">
             <a:avLst/>
@@ -9896,6 +10664,19 @@
           <a:effectRef idx="0"/>
           <a:fontRef idx="minor"/>
         </p:style>
+        <p:txBody>
+          <a:bodyPr lIns="90000" rIns="90000" tIns="45000" bIns="45000" anchor="t">
+            <a:noAutofit/>
+          </a:bodyPr>
+          <a:p>
+            <a:endParaRPr b="0" lang="en-US" sz="1800" spc="-1" strike="noStrike">
+              <a:solidFill>
+                <a:srgbClr val="000000"/>
+              </a:solidFill>
+              <a:latin typeface="Arial"/>
+            </a:endParaRPr>
+          </a:p>
+        </p:txBody>
       </p:sp>
       <p:sp>
         <p:nvSpPr>
@@ -9906,7 +10687,7 @@
         <p:spPr>
           <a:xfrm>
             <a:off x="11444760" y="0"/>
-            <a:ext cx="740880" cy="6849720"/>
+            <a:ext cx="740520" cy="6849360"/>
           </a:xfrm>
           <a:prstGeom prst="rect">
             <a:avLst/>
@@ -9926,6 +10707,19 @@
           <a:effectRef idx="0"/>
           <a:fontRef idx="minor"/>
         </p:style>
+        <p:txBody>
+          <a:bodyPr lIns="90000" rIns="90000" tIns="45000" bIns="45000" anchor="t">
+            <a:noAutofit/>
+          </a:bodyPr>
+          <a:p>
+            <a:endParaRPr b="0" lang="en-US" sz="1800" spc="-1" strike="noStrike">
+              <a:solidFill>
+                <a:srgbClr val="ffffff"/>
+              </a:solidFill>
+              <a:latin typeface="Arial"/>
+            </a:endParaRPr>
+          </a:p>
+        </p:txBody>
       </p:sp>
       <p:sp>
         <p:nvSpPr>
@@ -9936,7 +10730,7 @@
         <p:spPr>
           <a:xfrm>
             <a:off x="0" y="6646680"/>
-            <a:ext cx="12186720" cy="211320"/>
+            <a:ext cx="12186360" cy="211320"/>
           </a:xfrm>
           <a:prstGeom prst="rect">
             <a:avLst/>
@@ -9972,7 +10766,10 @@
               </a:rPr>
               <a:t>Requirements Engineering – TU Clausthal</a:t>
             </a:r>
-            <a:endParaRPr b="0" lang="en-GB" sz="800" spc="-1" strike="noStrike">
+            <a:endParaRPr b="0" lang="en-US" sz="800" spc="-1" strike="noStrike">
+              <a:solidFill>
+                <a:srgbClr val="000000"/>
+              </a:solidFill>
               <a:latin typeface="Arial"/>
             </a:endParaRPr>
           </a:p>
@@ -10010,12 +10807,54 @@
               <a:buNone/>
             </a:pPr>
             <a:r>
-              <a:rPr b="0" lang="en-GB" sz="4400" spc="-1" strike="noStrike">
+              <a:rPr b="0" lang="en-US" sz="4400" spc="-1" strike="noStrike">
+                <a:solidFill>
+                  <a:srgbClr val="000000"/>
+                </a:solidFill>
                 <a:latin typeface="Arial"/>
               </a:rPr>
-              <a:t>Click to edit the title text format</a:t>
-            </a:r>
-            <a:endParaRPr b="0" lang="en-GB" sz="4400" spc="-1" strike="noStrike">
+              <a:t>Click to </a:t>
+            </a:r>
+            <a:r>
+              <a:rPr b="0" lang="en-US" sz="4400" spc="-1" strike="noStrike">
+                <a:solidFill>
+                  <a:srgbClr val="000000"/>
+                </a:solidFill>
+                <a:latin typeface="Arial"/>
+              </a:rPr>
+              <a:t>edit the </a:t>
+            </a:r>
+            <a:r>
+              <a:rPr b="0" lang="en-US" sz="4400" spc="-1" strike="noStrike">
+                <a:solidFill>
+                  <a:srgbClr val="000000"/>
+                </a:solidFill>
+                <a:latin typeface="Arial"/>
+              </a:rPr>
+              <a:t>title </a:t>
+            </a:r>
+            <a:r>
+              <a:rPr b="0" lang="en-US" sz="4400" spc="-1" strike="noStrike">
+                <a:solidFill>
+                  <a:srgbClr val="000000"/>
+                </a:solidFill>
+                <a:latin typeface="Arial"/>
+              </a:rPr>
+              <a:t>text </a:t>
+            </a:r>
+            <a:r>
+              <a:rPr b="0" lang="en-US" sz="4400" spc="-1" strike="noStrike">
+                <a:solidFill>
+                  <a:srgbClr val="000000"/>
+                </a:solidFill>
+                <a:latin typeface="Arial"/>
+              </a:rPr>
+              <a:t>format</a:t>
+            </a:r>
+            <a:endParaRPr b="0" lang="en-US" sz="4400" spc="-1" strike="noStrike">
+              <a:solidFill>
+                <a:srgbClr val="000000"/>
+              </a:solidFill>
               <a:latin typeface="Arial"/>
             </a:endParaRPr>
           </a:p>
@@ -10049,9 +10888,93 @@
             <a:normAutofit/>
           </a:bodyPr>
           <a:p>
-            <a:pPr marL="432000" indent="-324000">
+            <a:pPr marL="216000" indent="-216000">
               <a:spcBef>
                 <a:spcPts val="1417"/>
+              </a:spcBef>
+              <a:buClr>
+                <a:srgbClr val="008c4f"/>
+              </a:buClr>
+              <a:buSzPct val="45000"/>
+              <a:buFont typeface="DejaVu Sans"/>
+              <a:buChar char="◾"/>
+            </a:pPr>
+            <a:r>
+              <a:rPr b="0" lang="en-US" sz="3200" spc="-1" strike="noStrike">
+                <a:solidFill>
+                  <a:srgbClr val="000000"/>
+                </a:solidFill>
+                <a:latin typeface="Arial"/>
+              </a:rPr>
+              <a:t>Click to edit the outline text format</a:t>
+            </a:r>
+            <a:endParaRPr b="0" lang="en-US" sz="3200" spc="-1" strike="noStrike">
+              <a:solidFill>
+                <a:srgbClr val="000000"/>
+              </a:solidFill>
+              <a:latin typeface="Arial"/>
+            </a:endParaRPr>
+          </a:p>
+          <a:p>
+            <a:pPr lvl="1" marL="432000" indent="-216000">
+              <a:spcBef>
+                <a:spcPts val="1134"/>
+              </a:spcBef>
+              <a:buClr>
+                <a:srgbClr val="008c4f"/>
+              </a:buClr>
+              <a:buSzPct val="60000"/>
+              <a:buFont typeface="DejaVu Sans"/>
+              <a:buChar char="—"/>
+            </a:pPr>
+            <a:r>
+              <a:rPr b="0" lang="en-US" sz="2800" spc="-1" strike="noStrike">
+                <a:solidFill>
+                  <a:srgbClr val="000000"/>
+                </a:solidFill>
+                <a:latin typeface="Arial"/>
+              </a:rPr>
+              <a:t>Second Outline Level</a:t>
+            </a:r>
+            <a:endParaRPr b="0" lang="en-US" sz="2800" spc="-1" strike="noStrike">
+              <a:solidFill>
+                <a:srgbClr val="000000"/>
+              </a:solidFill>
+              <a:latin typeface="Arial"/>
+            </a:endParaRPr>
+          </a:p>
+          <a:p>
+            <a:pPr lvl="2" marL="648000" indent="-216000">
+              <a:spcBef>
+                <a:spcPts val="850"/>
+              </a:spcBef>
+              <a:buClr>
+                <a:srgbClr val="008c4f"/>
+              </a:buClr>
+              <a:buSzPct val="45000"/>
+              <a:buFont typeface="DejaVu Sans"/>
+              <a:buChar char="—"/>
+            </a:pPr>
+            <a:r>
+              <a:rPr b="0" lang="en-US" sz="2400" spc="-1" strike="noStrike">
+                <a:solidFill>
+                  <a:srgbClr val="000000"/>
+                </a:solidFill>
+                <a:latin typeface="Arial"/>
+              </a:rPr>
+              <a:t>Third Outline Level</a:t>
+            </a:r>
+            <a:endParaRPr b="0" lang="en-US" sz="2400" spc="-1" strike="noStrike">
+              <a:solidFill>
+                <a:srgbClr val="000000"/>
+              </a:solidFill>
+              <a:latin typeface="Arial"/>
+            </a:endParaRPr>
+          </a:p>
+          <a:p>
+            <a:pPr lvl="3" marL="864000" indent="-216000">
+              <a:spcBef>
+                <a:spcPts val="567"/>
               </a:spcBef>
               <a:buClr>
                 <a:srgbClr val="000000"/>
@@ -10061,41 +10984,25 @@
               <a:buChar char=""/>
             </a:pPr>
             <a:r>
-              <a:rPr b="0" lang="en-GB" sz="3200" spc="-1" strike="noStrike">
+              <a:rPr b="0" lang="en-US" sz="2000" spc="-1" strike="noStrike">
+                <a:solidFill>
+                  <a:srgbClr val="000000"/>
+                </a:solidFill>
                 <a:latin typeface="Arial"/>
               </a:rPr>
-              <a:t>Click to edit the outline text format</a:t>
-            </a:r>
-            <a:endParaRPr b="0" lang="en-GB" sz="3200" spc="-1" strike="noStrike">
-              <a:latin typeface="Arial"/>
-            </a:endParaRPr>
-          </a:p>
-          <a:p>
-            <a:pPr lvl="1" marL="864000" indent="-324000">
-              <a:spcBef>
-                <a:spcPts val="1134"/>
-              </a:spcBef>
-              <a:buClr>
-                <a:srgbClr val="000000"/>
-              </a:buClr>
-              <a:buSzPct val="75000"/>
-              <a:buFont typeface="Symbol" charset="2"/>
-              <a:buChar char=""/>
-            </a:pPr>
-            <a:r>
-              <a:rPr b="0" lang="en-GB" sz="2800" spc="-1" strike="noStrike">
-                <a:latin typeface="Arial"/>
-              </a:rPr>
-              <a:t>Second Outline Level</a:t>
-            </a:r>
-            <a:endParaRPr b="0" lang="en-GB" sz="2800" spc="-1" strike="noStrike">
-              <a:latin typeface="Arial"/>
-            </a:endParaRPr>
-          </a:p>
-          <a:p>
-            <a:pPr lvl="2" marL="1296000" indent="-288000">
-              <a:spcBef>
-                <a:spcPts val="850"/>
+              <a:t>Fourth Outline Level</a:t>
+            </a:r>
+            <a:endParaRPr b="0" lang="en-US" sz="2000" spc="-1" strike="noStrike">
+              <a:solidFill>
+                <a:srgbClr val="000000"/>
+              </a:solidFill>
+              <a:latin typeface="Arial"/>
+            </a:endParaRPr>
+          </a:p>
+          <a:p>
+            <a:pPr lvl="4" marL="1080000" indent="-216000">
+              <a:spcBef>
+                <a:spcPts val="283"/>
               </a:spcBef>
               <a:buClr>
                 <a:srgbClr val="000000"/>
@@ -10105,39 +11012,23 @@
               <a:buChar char=""/>
             </a:pPr>
             <a:r>
-              <a:rPr b="0" lang="en-GB" sz="2400" spc="-1" strike="noStrike">
+              <a:rPr b="0" lang="en-US" sz="2000" spc="-1" strike="noStrike">
+                <a:solidFill>
+                  <a:srgbClr val="000000"/>
+                </a:solidFill>
                 <a:latin typeface="Arial"/>
               </a:rPr>
-              <a:t>Third Outline Level</a:t>
-            </a:r>
-            <a:endParaRPr b="0" lang="en-GB" sz="2400" spc="-1" strike="noStrike">
-              <a:latin typeface="Arial"/>
-            </a:endParaRPr>
-          </a:p>
-          <a:p>
-            <a:pPr lvl="3" marL="1728000" indent="-216000">
-              <a:spcBef>
-                <a:spcPts val="567"/>
-              </a:spcBef>
-              <a:buClr>
-                <a:srgbClr val="000000"/>
-              </a:buClr>
-              <a:buSzPct val="75000"/>
-              <a:buFont typeface="Symbol" charset="2"/>
-              <a:buChar char=""/>
-            </a:pPr>
-            <a:r>
-              <a:rPr b="0" lang="en-GB" sz="2000" spc="-1" strike="noStrike">
-                <a:latin typeface="Arial"/>
-              </a:rPr>
-              <a:t>Fourth Outline Level</a:t>
-            </a:r>
-            <a:endParaRPr b="0" lang="en-GB" sz="2000" spc="-1" strike="noStrike">
-              <a:latin typeface="Arial"/>
-            </a:endParaRPr>
-          </a:p>
-          <a:p>
-            <a:pPr lvl="4" marL="2160000" indent="-216000">
+              <a:t>Fifth Outline Level</a:t>
+            </a:r>
+            <a:endParaRPr b="0" lang="en-US" sz="2000" spc="-1" strike="noStrike">
+              <a:solidFill>
+                <a:srgbClr val="000000"/>
+              </a:solidFill>
+              <a:latin typeface="Arial"/>
+            </a:endParaRPr>
+          </a:p>
+          <a:p>
+            <a:pPr lvl="5" marL="1296000" indent="-216000">
               <a:spcBef>
                 <a:spcPts val="283"/>
               </a:spcBef>
@@ -10149,17 +11040,23 @@
               <a:buChar char=""/>
             </a:pPr>
             <a:r>
-              <a:rPr b="0" lang="en-GB" sz="2000" spc="-1" strike="noStrike">
+              <a:rPr b="0" lang="en-US" sz="2000" spc="-1" strike="noStrike">
+                <a:solidFill>
+                  <a:srgbClr val="000000"/>
+                </a:solidFill>
                 <a:latin typeface="Arial"/>
               </a:rPr>
-              <a:t>Fifth Outline Level</a:t>
-            </a:r>
-            <a:endParaRPr b="0" lang="en-GB" sz="2000" spc="-1" strike="noStrike">
-              <a:latin typeface="Arial"/>
-            </a:endParaRPr>
-          </a:p>
-          <a:p>
-            <a:pPr lvl="5" marL="2592000" indent="-216000">
+              <a:t>Sixth Outline Level</a:t>
+            </a:r>
+            <a:endParaRPr b="0" lang="en-US" sz="2000" spc="-1" strike="noStrike">
+              <a:solidFill>
+                <a:srgbClr val="000000"/>
+              </a:solidFill>
+              <a:latin typeface="Arial"/>
+            </a:endParaRPr>
+          </a:p>
+          <a:p>
+            <a:pPr lvl="6" marL="1512000" indent="-216000">
               <a:spcBef>
                 <a:spcPts val="283"/>
               </a:spcBef>
@@ -10171,34 +11068,18 @@
               <a:buChar char=""/>
             </a:pPr>
             <a:r>
-              <a:rPr b="0" lang="en-GB" sz="2000" spc="-1" strike="noStrike">
+              <a:rPr b="0" lang="en-US" sz="2000" spc="-1" strike="noStrike">
+                <a:solidFill>
+                  <a:srgbClr val="000000"/>
+                </a:solidFill>
                 <a:latin typeface="Arial"/>
               </a:rPr>
-              <a:t>Sixth Outline Level</a:t>
-            </a:r>
-            <a:endParaRPr b="0" lang="en-GB" sz="2000" spc="-1" strike="noStrike">
-              <a:latin typeface="Arial"/>
-            </a:endParaRPr>
-          </a:p>
-          <a:p>
-            <a:pPr lvl="6" marL="3024000" indent="-216000">
-              <a:spcBef>
-                <a:spcPts val="283"/>
-              </a:spcBef>
-              <a:buClr>
-                <a:srgbClr val="000000"/>
-              </a:buClr>
-              <a:buSzPct val="45000"/>
-              <a:buFont typeface="Wingdings" charset="2"/>
-              <a:buChar char=""/>
-            </a:pPr>
-            <a:r>
-              <a:rPr b="0" lang="en-GB" sz="2000" spc="-1" strike="noStrike">
-                <a:latin typeface="Arial"/>
-              </a:rPr>
               <a:t>Seventh Outline Level</a:t>
             </a:r>
-            <a:endParaRPr b="0" lang="en-GB" sz="2000" spc="-1" strike="noStrike">
+            <a:endParaRPr b="0" lang="en-US" sz="2000" spc="-1" strike="noStrike">
+              <a:solidFill>
+                <a:srgbClr val="000000"/>
+              </a:solidFill>
               <a:latin typeface="Arial"/>
             </a:endParaRPr>
           </a:p>
@@ -10257,7 +11138,7 @@
         <p:spPr>
           <a:xfrm>
             <a:off x="11444760" y="0"/>
-            <a:ext cx="740880" cy="6849720"/>
+            <a:ext cx="740520" cy="6849360"/>
           </a:xfrm>
           <a:prstGeom prst="rect">
             <a:avLst/>
@@ -10277,6 +11158,19 @@
           <a:effectRef idx="0"/>
           <a:fontRef idx="minor"/>
         </p:style>
+        <p:txBody>
+          <a:bodyPr lIns="90000" rIns="90000" tIns="45000" bIns="45000" anchor="t">
+            <a:noAutofit/>
+          </a:bodyPr>
+          <a:p>
+            <a:endParaRPr b="0" lang="en-US" sz="1800" spc="-1" strike="noStrike">
+              <a:solidFill>
+                <a:srgbClr val="ffffff"/>
+              </a:solidFill>
+              <a:latin typeface="Arial"/>
+            </a:endParaRPr>
+          </a:p>
+        </p:txBody>
       </p:sp>
       <p:sp>
         <p:nvSpPr>
@@ -10287,7 +11181,7 @@
         <p:spPr>
           <a:xfrm>
             <a:off x="11438640" y="6453360"/>
-            <a:ext cx="757800" cy="363960"/>
+            <a:ext cx="757440" cy="363960"/>
           </a:xfrm>
           <a:prstGeom prst="rect">
             <a:avLst/>
@@ -10313,7 +11207,7 @@
                 <a:spcPct val="100000"/>
               </a:lnSpc>
             </a:pPr>
-            <a:fld id="{2E818418-23CF-4A56-8DB1-33ABA57D8030}" type="slidenum">
+            <a:fld id="{0CDCD6C2-8D4A-4750-9CA4-A615D63828BD}" type="slidenum">
               <a:rPr b="0" lang="en-US" sz="1800" spc="-1" strike="noStrike">
                 <a:solidFill>
                   <a:srgbClr val="808080"/>
@@ -10323,7 +11217,10 @@
               </a:rPr>
               <a:t>&lt;number&gt;</a:t>
             </a:fld>
-            <a:endParaRPr b="0" lang="en-GB" sz="1800" spc="-1" strike="noStrike">
+            <a:endParaRPr b="0" lang="en-US" sz="1800" spc="-1" strike="noStrike">
+              <a:solidFill>
+                <a:srgbClr val="000000"/>
+              </a:solidFill>
               <a:latin typeface="Arial"/>
             </a:endParaRPr>
           </a:p>
@@ -10338,7 +11235,7 @@
         <p:spPr>
           <a:xfrm>
             <a:off x="912240" y="1268280"/>
-            <a:ext cx="9207720" cy="361080"/>
+            <a:ext cx="9207360" cy="360720"/>
           </a:xfrm>
           <a:prstGeom prst="rect">
             <a:avLst/>
@@ -10354,6 +11251,19 @@
           <a:effectRef idx="0"/>
           <a:fontRef idx="minor"/>
         </p:style>
+        <p:txBody>
+          <a:bodyPr lIns="90000" rIns="90000" tIns="45000" bIns="45000" anchor="t">
+            <a:noAutofit/>
+          </a:bodyPr>
+          <a:p>
+            <a:endParaRPr b="0" lang="en-US" sz="1800" spc="-1" strike="noStrike">
+              <a:solidFill>
+                <a:srgbClr val="000000"/>
+              </a:solidFill>
+              <a:latin typeface="Arial"/>
+            </a:endParaRPr>
+          </a:p>
+        </p:txBody>
       </p:sp>
       <p:pic>
         <p:nvPicPr>
@@ -10368,7 +11278,7 @@
         <p:spPr>
           <a:xfrm>
             <a:off x="0" y="0"/>
-            <a:ext cx="3051720" cy="561600"/>
+            <a:ext cx="3051360" cy="561240"/>
           </a:xfrm>
           <a:prstGeom prst="rect">
             <a:avLst/>
@@ -10391,7 +11301,7 @@
         <p:spPr>
           <a:xfrm>
             <a:off x="7430400" y="134640"/>
-            <a:ext cx="3697560" cy="513720"/>
+            <a:ext cx="3697200" cy="513360"/>
           </a:xfrm>
           <a:prstGeom prst="rect">
             <a:avLst/>
@@ -10410,7 +11320,7 @@
         <p:spPr>
           <a:xfrm>
             <a:off x="11444760" y="1440"/>
-            <a:ext cx="740880" cy="6849720"/>
+            <a:ext cx="740520" cy="6849360"/>
           </a:xfrm>
           <a:prstGeom prst="rect">
             <a:avLst/>
@@ -10430,6 +11340,19 @@
           <a:effectRef idx="0"/>
           <a:fontRef idx="minor"/>
         </p:style>
+        <p:txBody>
+          <a:bodyPr lIns="90000" rIns="90000" tIns="45000" bIns="45000" anchor="t">
+            <a:noAutofit/>
+          </a:bodyPr>
+          <a:p>
+            <a:endParaRPr b="0" lang="en-US" sz="1800" spc="-1" strike="noStrike">
+              <a:solidFill>
+                <a:srgbClr val="ffffff"/>
+              </a:solidFill>
+              <a:latin typeface="Arial"/>
+            </a:endParaRPr>
+          </a:p>
+        </p:txBody>
       </p:sp>
       <p:sp>
         <p:nvSpPr>
@@ -10440,7 +11363,7 @@
         <p:spPr>
           <a:xfrm>
             <a:off x="11427480" y="6453360"/>
-            <a:ext cx="757800" cy="363960"/>
+            <a:ext cx="757440" cy="363960"/>
           </a:xfrm>
           <a:prstGeom prst="rect">
             <a:avLst/>
@@ -10466,7 +11389,7 @@
                 <a:spcPct val="100000"/>
               </a:lnSpc>
             </a:pPr>
-            <a:fld id="{375BE3E9-315B-4472-B940-0F5E60E4395A}" type="slidenum">
+            <a:fld id="{67831400-2AE9-4114-B972-0FEDEEA54715}" type="slidenum">
               <a:rPr b="0" lang="en-US" sz="1800" spc="-1" strike="noStrike">
                 <a:solidFill>
                   <a:srgbClr val="808080"/>
@@ -10476,7 +11399,10 @@
               </a:rPr>
               <a:t>&lt;number&gt;</a:t>
             </a:fld>
-            <a:endParaRPr b="0" lang="en-GB" sz="1800" spc="-1" strike="noStrike">
+            <a:endParaRPr b="0" lang="en-US" sz="1800" spc="-1" strike="noStrike">
+              <a:solidFill>
+                <a:srgbClr val="000000"/>
+              </a:solidFill>
               <a:latin typeface="Arial"/>
             </a:endParaRPr>
           </a:p>
@@ -10491,7 +11417,7 @@
         <p:spPr>
           <a:xfrm>
             <a:off x="0" y="6646680"/>
-            <a:ext cx="12186720" cy="211320"/>
+            <a:ext cx="12186360" cy="211320"/>
           </a:xfrm>
           <a:prstGeom prst="rect">
             <a:avLst/>
@@ -10527,7 +11453,10 @@
               </a:rPr>
               <a:t>Requirements Engineering – TU Clausthal</a:t>
             </a:r>
-            <a:endParaRPr b="0" lang="en-GB" sz="800" spc="-1" strike="noStrike">
+            <a:endParaRPr b="0" lang="en-US" sz="800" spc="-1" strike="noStrike">
+              <a:solidFill>
+                <a:srgbClr val="000000"/>
+              </a:solidFill>
               <a:latin typeface="Arial"/>
             </a:endParaRPr>
           </a:p>
@@ -10565,12 +11494,54 @@
               <a:buNone/>
             </a:pPr>
             <a:r>
-              <a:rPr b="0" lang="en-GB" sz="4400" spc="-1" strike="noStrike">
+              <a:rPr b="0" lang="en-US" sz="4400" spc="-1" strike="noStrike">
+                <a:solidFill>
+                  <a:srgbClr val="000000"/>
+                </a:solidFill>
                 <a:latin typeface="Arial"/>
               </a:rPr>
-              <a:t>Click to edit the title text format</a:t>
-            </a:r>
-            <a:endParaRPr b="0" lang="en-GB" sz="4400" spc="-1" strike="noStrike">
+              <a:t>Click to </a:t>
+            </a:r>
+            <a:r>
+              <a:rPr b="0" lang="en-US" sz="4400" spc="-1" strike="noStrike">
+                <a:solidFill>
+                  <a:srgbClr val="000000"/>
+                </a:solidFill>
+                <a:latin typeface="Arial"/>
+              </a:rPr>
+              <a:t>edit the </a:t>
+            </a:r>
+            <a:r>
+              <a:rPr b="0" lang="en-US" sz="4400" spc="-1" strike="noStrike">
+                <a:solidFill>
+                  <a:srgbClr val="000000"/>
+                </a:solidFill>
+                <a:latin typeface="Arial"/>
+              </a:rPr>
+              <a:t>title </a:t>
+            </a:r>
+            <a:r>
+              <a:rPr b="0" lang="en-US" sz="4400" spc="-1" strike="noStrike">
+                <a:solidFill>
+                  <a:srgbClr val="000000"/>
+                </a:solidFill>
+                <a:latin typeface="Arial"/>
+              </a:rPr>
+              <a:t>text </a:t>
+            </a:r>
+            <a:r>
+              <a:rPr b="0" lang="en-US" sz="4400" spc="-1" strike="noStrike">
+                <a:solidFill>
+                  <a:srgbClr val="000000"/>
+                </a:solidFill>
+                <a:latin typeface="Arial"/>
+              </a:rPr>
+              <a:t>format</a:t>
+            </a:r>
+            <a:endParaRPr b="0" lang="en-US" sz="4400" spc="-1" strike="noStrike">
+              <a:solidFill>
+                <a:srgbClr val="000000"/>
+              </a:solidFill>
               <a:latin typeface="Arial"/>
             </a:endParaRPr>
           </a:p>
@@ -10616,12 +11587,18 @@
               <a:buChar char=""/>
             </a:pPr>
             <a:r>
-              <a:rPr b="0" lang="en-GB" sz="3200" spc="-1" strike="noStrike">
+              <a:rPr b="0" lang="en-US" sz="3200" spc="-1" strike="noStrike">
+                <a:solidFill>
+                  <a:srgbClr val="000000"/>
+                </a:solidFill>
                 <a:latin typeface="Arial"/>
               </a:rPr>
               <a:t>Click to edit the outline text format</a:t>
             </a:r>
-            <a:endParaRPr b="0" lang="en-GB" sz="3200" spc="-1" strike="noStrike">
+            <a:endParaRPr b="0" lang="en-US" sz="3200" spc="-1" strike="noStrike">
+              <a:solidFill>
+                <a:srgbClr val="000000"/>
+              </a:solidFill>
               <a:latin typeface="Arial"/>
             </a:endParaRPr>
           </a:p>
@@ -10638,12 +11615,18 @@
               <a:buChar char=""/>
             </a:pPr>
             <a:r>
-              <a:rPr b="0" lang="en-GB" sz="2800" spc="-1" strike="noStrike">
+              <a:rPr b="0" lang="en-US" sz="2800" spc="-1" strike="noStrike">
+                <a:solidFill>
+                  <a:srgbClr val="000000"/>
+                </a:solidFill>
                 <a:latin typeface="Arial"/>
               </a:rPr>
               <a:t>Second Outline Level</a:t>
             </a:r>
-            <a:endParaRPr b="0" lang="en-GB" sz="2800" spc="-1" strike="noStrike">
+            <a:endParaRPr b="0" lang="en-US" sz="2800" spc="-1" strike="noStrike">
+              <a:solidFill>
+                <a:srgbClr val="000000"/>
+              </a:solidFill>
               <a:latin typeface="Arial"/>
             </a:endParaRPr>
           </a:p>
@@ -10660,12 +11643,18 @@
               <a:buChar char=""/>
             </a:pPr>
             <a:r>
-              <a:rPr b="0" lang="en-GB" sz="2400" spc="-1" strike="noStrike">
+              <a:rPr b="0" lang="en-US" sz="2400" spc="-1" strike="noStrike">
+                <a:solidFill>
+                  <a:srgbClr val="000000"/>
+                </a:solidFill>
                 <a:latin typeface="Arial"/>
               </a:rPr>
               <a:t>Third Outline Level</a:t>
             </a:r>
-            <a:endParaRPr b="0" lang="en-GB" sz="2400" spc="-1" strike="noStrike">
+            <a:endParaRPr b="0" lang="en-US" sz="2400" spc="-1" strike="noStrike">
+              <a:solidFill>
+                <a:srgbClr val="000000"/>
+              </a:solidFill>
               <a:latin typeface="Arial"/>
             </a:endParaRPr>
           </a:p>
@@ -10682,12 +11671,18 @@
               <a:buChar char=""/>
             </a:pPr>
             <a:r>
-              <a:rPr b="0" lang="en-GB" sz="2000" spc="-1" strike="noStrike">
+              <a:rPr b="0" lang="en-US" sz="2000" spc="-1" strike="noStrike">
+                <a:solidFill>
+                  <a:srgbClr val="000000"/>
+                </a:solidFill>
                 <a:latin typeface="Arial"/>
               </a:rPr>
               <a:t>Fourth Outline Level</a:t>
             </a:r>
-            <a:endParaRPr b="0" lang="en-GB" sz="2000" spc="-1" strike="noStrike">
+            <a:endParaRPr b="0" lang="en-US" sz="2000" spc="-1" strike="noStrike">
+              <a:solidFill>
+                <a:srgbClr val="000000"/>
+              </a:solidFill>
               <a:latin typeface="Arial"/>
             </a:endParaRPr>
           </a:p>
@@ -10704,12 +11699,18 @@
               <a:buChar char=""/>
             </a:pPr>
             <a:r>
-              <a:rPr b="0" lang="en-GB" sz="2000" spc="-1" strike="noStrike">
+              <a:rPr b="0" lang="en-US" sz="2000" spc="-1" strike="noStrike">
+                <a:solidFill>
+                  <a:srgbClr val="000000"/>
+                </a:solidFill>
                 <a:latin typeface="Arial"/>
               </a:rPr>
               <a:t>Fifth Outline Level</a:t>
             </a:r>
-            <a:endParaRPr b="0" lang="en-GB" sz="2000" spc="-1" strike="noStrike">
+            <a:endParaRPr b="0" lang="en-US" sz="2000" spc="-1" strike="noStrike">
+              <a:solidFill>
+                <a:srgbClr val="000000"/>
+              </a:solidFill>
               <a:latin typeface="Arial"/>
             </a:endParaRPr>
           </a:p>
@@ -10726,12 +11727,18 @@
               <a:buChar char=""/>
             </a:pPr>
             <a:r>
-              <a:rPr b="0" lang="en-GB" sz="2000" spc="-1" strike="noStrike">
+              <a:rPr b="0" lang="en-US" sz="2000" spc="-1" strike="noStrike">
+                <a:solidFill>
+                  <a:srgbClr val="000000"/>
+                </a:solidFill>
                 <a:latin typeface="Arial"/>
               </a:rPr>
               <a:t>Sixth Outline Level</a:t>
             </a:r>
-            <a:endParaRPr b="0" lang="en-GB" sz="2000" spc="-1" strike="noStrike">
+            <a:endParaRPr b="0" lang="en-US" sz="2000" spc="-1" strike="noStrike">
+              <a:solidFill>
+                <a:srgbClr val="000000"/>
+              </a:solidFill>
               <a:latin typeface="Arial"/>
             </a:endParaRPr>
           </a:p>
@@ -10748,12 +11755,18 @@
               <a:buChar char=""/>
             </a:pPr>
             <a:r>
-              <a:rPr b="0" lang="en-GB" sz="2000" spc="-1" strike="noStrike">
+              <a:rPr b="0" lang="en-US" sz="2000" spc="-1" strike="noStrike">
+                <a:solidFill>
+                  <a:srgbClr val="000000"/>
+                </a:solidFill>
                 <a:latin typeface="Arial"/>
               </a:rPr>
               <a:t>Seventh Outline Level</a:t>
             </a:r>
-            <a:endParaRPr b="0" lang="en-GB" sz="2000" spc="-1" strike="noStrike">
+            <a:endParaRPr b="0" lang="en-US" sz="2000" spc="-1" strike="noStrike">
+              <a:solidFill>
+                <a:srgbClr val="000000"/>
+              </a:solidFill>
               <a:latin typeface="Arial"/>
             </a:endParaRPr>
           </a:p>
@@ -10812,7 +11825,7 @@
         <p:spPr>
           <a:xfrm>
             <a:off x="11444760" y="0"/>
-            <a:ext cx="740880" cy="6849720"/>
+            <a:ext cx="740520" cy="6849360"/>
           </a:xfrm>
           <a:prstGeom prst="rect">
             <a:avLst/>
@@ -10832,6 +11845,19 @@
           <a:effectRef idx="0"/>
           <a:fontRef idx="minor"/>
         </p:style>
+        <p:txBody>
+          <a:bodyPr lIns="90000" rIns="90000" tIns="45000" bIns="45000" anchor="t">
+            <a:noAutofit/>
+          </a:bodyPr>
+          <a:p>
+            <a:endParaRPr b="0" lang="en-US" sz="1800" spc="-1" strike="noStrike">
+              <a:solidFill>
+                <a:srgbClr val="ffffff"/>
+              </a:solidFill>
+              <a:latin typeface="Arial"/>
+            </a:endParaRPr>
+          </a:p>
+        </p:txBody>
       </p:sp>
       <p:sp>
         <p:nvSpPr>
@@ -10842,7 +11868,7 @@
         <p:spPr>
           <a:xfrm>
             <a:off x="11438640" y="6453360"/>
-            <a:ext cx="757800" cy="363960"/>
+            <a:ext cx="757440" cy="363960"/>
           </a:xfrm>
           <a:prstGeom prst="rect">
             <a:avLst/>
@@ -10868,7 +11894,7 @@
                 <a:spcPct val="100000"/>
               </a:lnSpc>
             </a:pPr>
-            <a:fld id="{0501AE85-ABD2-43CD-B89E-0BD9FB7CC873}" type="slidenum">
+            <a:fld id="{F10CB0E5-3E94-4F46-A93F-0E26F2C42752}" type="slidenum">
               <a:rPr b="0" lang="en-US" sz="1800" spc="-1" strike="noStrike">
                 <a:solidFill>
                   <a:srgbClr val="808080"/>
@@ -10878,7 +11904,10 @@
               </a:rPr>
               <a:t>&lt;number&gt;</a:t>
             </a:fld>
-            <a:endParaRPr b="0" lang="en-GB" sz="1800" spc="-1" strike="noStrike">
+            <a:endParaRPr b="0" lang="en-US" sz="1800" spc="-1" strike="noStrike">
+              <a:solidFill>
+                <a:srgbClr val="000000"/>
+              </a:solidFill>
               <a:latin typeface="Arial"/>
             </a:endParaRPr>
           </a:p>
@@ -10893,7 +11922,7 @@
         <p:spPr>
           <a:xfrm>
             <a:off x="912240" y="1268280"/>
-            <a:ext cx="9207720" cy="361080"/>
+            <a:ext cx="9207360" cy="360720"/>
           </a:xfrm>
           <a:prstGeom prst="rect">
             <a:avLst/>
@@ -10909,6 +11938,19 @@
           <a:effectRef idx="0"/>
           <a:fontRef idx="minor"/>
         </p:style>
+        <p:txBody>
+          <a:bodyPr lIns="90000" rIns="90000" tIns="45000" bIns="45000" anchor="t">
+            <a:noAutofit/>
+          </a:bodyPr>
+          <a:p>
+            <a:endParaRPr b="0" lang="en-US" sz="1800" spc="-1" strike="noStrike">
+              <a:solidFill>
+                <a:srgbClr val="000000"/>
+              </a:solidFill>
+              <a:latin typeface="Arial"/>
+            </a:endParaRPr>
+          </a:p>
+        </p:txBody>
       </p:sp>
       <p:pic>
         <p:nvPicPr>
@@ -10923,7 +11965,7 @@
         <p:spPr>
           <a:xfrm>
             <a:off x="0" y="0"/>
-            <a:ext cx="3051720" cy="561600"/>
+            <a:ext cx="3051360" cy="561240"/>
           </a:xfrm>
           <a:prstGeom prst="rect">
             <a:avLst/>
@@ -10946,7 +11988,7 @@
         <p:spPr>
           <a:xfrm>
             <a:off x="7430400" y="134640"/>
-            <a:ext cx="3697560" cy="513720"/>
+            <a:ext cx="3697200" cy="513360"/>
           </a:xfrm>
           <a:prstGeom prst="rect">
             <a:avLst/>
@@ -10965,7 +12007,7 @@
         <p:spPr>
           <a:xfrm>
             <a:off x="11444760" y="1440"/>
-            <a:ext cx="740880" cy="6849720"/>
+            <a:ext cx="740520" cy="6849360"/>
           </a:xfrm>
           <a:prstGeom prst="rect">
             <a:avLst/>
@@ -10985,6 +12027,19 @@
           <a:effectRef idx="0"/>
           <a:fontRef idx="minor"/>
         </p:style>
+        <p:txBody>
+          <a:bodyPr lIns="90000" rIns="90000" tIns="45000" bIns="45000" anchor="t">
+            <a:noAutofit/>
+          </a:bodyPr>
+          <a:p>
+            <a:endParaRPr b="0" lang="en-US" sz="1800" spc="-1" strike="noStrike">
+              <a:solidFill>
+                <a:srgbClr val="ffffff"/>
+              </a:solidFill>
+              <a:latin typeface="Arial"/>
+            </a:endParaRPr>
+          </a:p>
+        </p:txBody>
       </p:sp>
       <p:sp>
         <p:nvSpPr>
@@ -10995,7 +12050,7 @@
         <p:spPr>
           <a:xfrm>
             <a:off x="11427480" y="6453360"/>
-            <a:ext cx="757800" cy="363960"/>
+            <a:ext cx="757440" cy="363960"/>
           </a:xfrm>
           <a:prstGeom prst="rect">
             <a:avLst/>
@@ -11021,7 +12076,7 @@
                 <a:spcPct val="100000"/>
               </a:lnSpc>
             </a:pPr>
-            <a:fld id="{5DF5A861-F6EF-47B4-BA02-7269C53513FF}" type="slidenum">
+            <a:fld id="{B7A038DE-5BED-45E5-AA9D-BEB7A0BD1393}" type="slidenum">
               <a:rPr b="0" lang="en-US" sz="1800" spc="-1" strike="noStrike">
                 <a:solidFill>
                   <a:srgbClr val="808080"/>
@@ -11031,7 +12086,10 @@
               </a:rPr>
               <a:t>&lt;number&gt;</a:t>
             </a:fld>
-            <a:endParaRPr b="0" lang="en-GB" sz="1800" spc="-1" strike="noStrike">
+            <a:endParaRPr b="0" lang="en-US" sz="1800" spc="-1" strike="noStrike">
+              <a:solidFill>
+                <a:srgbClr val="000000"/>
+              </a:solidFill>
               <a:latin typeface="Arial"/>
             </a:endParaRPr>
           </a:p>
@@ -11046,7 +12104,7 @@
         <p:spPr>
           <a:xfrm>
             <a:off x="0" y="6646680"/>
-            <a:ext cx="12186720" cy="211320"/>
+            <a:ext cx="12186360" cy="211320"/>
           </a:xfrm>
           <a:prstGeom prst="rect">
             <a:avLst/>
@@ -11082,7 +12140,10 @@
               </a:rPr>
               <a:t>Requirements Engineering – TU Clausthal</a:t>
             </a:r>
-            <a:endParaRPr b="0" lang="en-GB" sz="800" spc="-1" strike="noStrike">
+            <a:endParaRPr b="0" lang="en-US" sz="800" spc="-1" strike="noStrike">
+              <a:solidFill>
+                <a:srgbClr val="000000"/>
+              </a:solidFill>
               <a:latin typeface="Arial"/>
             </a:endParaRPr>
           </a:p>
@@ -11120,12 +12181,54 @@
               <a:buNone/>
             </a:pPr>
             <a:r>
-              <a:rPr b="0" lang="en-GB" sz="4400" spc="-1" strike="noStrike">
+              <a:rPr b="0" lang="en-US" sz="4400" spc="-1" strike="noStrike">
+                <a:solidFill>
+                  <a:srgbClr val="000000"/>
+                </a:solidFill>
                 <a:latin typeface="Arial"/>
               </a:rPr>
-              <a:t>Click to edit the title text format</a:t>
-            </a:r>
-            <a:endParaRPr b="0" lang="en-GB" sz="4400" spc="-1" strike="noStrike">
+              <a:t>Click to </a:t>
+            </a:r>
+            <a:r>
+              <a:rPr b="0" lang="en-US" sz="4400" spc="-1" strike="noStrike">
+                <a:solidFill>
+                  <a:srgbClr val="000000"/>
+                </a:solidFill>
+                <a:latin typeface="Arial"/>
+              </a:rPr>
+              <a:t>edit the </a:t>
+            </a:r>
+            <a:r>
+              <a:rPr b="0" lang="en-US" sz="4400" spc="-1" strike="noStrike">
+                <a:solidFill>
+                  <a:srgbClr val="000000"/>
+                </a:solidFill>
+                <a:latin typeface="Arial"/>
+              </a:rPr>
+              <a:t>title </a:t>
+            </a:r>
+            <a:r>
+              <a:rPr b="0" lang="en-US" sz="4400" spc="-1" strike="noStrike">
+                <a:solidFill>
+                  <a:srgbClr val="000000"/>
+                </a:solidFill>
+                <a:latin typeface="Arial"/>
+              </a:rPr>
+              <a:t>text </a:t>
+            </a:r>
+            <a:r>
+              <a:rPr b="0" lang="en-US" sz="4400" spc="-1" strike="noStrike">
+                <a:solidFill>
+                  <a:srgbClr val="000000"/>
+                </a:solidFill>
+                <a:latin typeface="Arial"/>
+              </a:rPr>
+              <a:t>format</a:t>
+            </a:r>
+            <a:endParaRPr b="0" lang="en-US" sz="4400" spc="-1" strike="noStrike">
+              <a:solidFill>
+                <a:srgbClr val="000000"/>
+              </a:solidFill>
               <a:latin typeface="Arial"/>
             </a:endParaRPr>
           </a:p>
@@ -11171,12 +12274,18 @@
               <a:buChar char=""/>
             </a:pPr>
             <a:r>
-              <a:rPr b="0" lang="en-GB" sz="3200" spc="-1" strike="noStrike">
+              <a:rPr b="0" lang="en-US" sz="3200" spc="-1" strike="noStrike">
+                <a:solidFill>
+                  <a:srgbClr val="000000"/>
+                </a:solidFill>
                 <a:latin typeface="Arial"/>
               </a:rPr>
               <a:t>Click to edit the outline text format</a:t>
             </a:r>
-            <a:endParaRPr b="0" lang="en-GB" sz="3200" spc="-1" strike="noStrike">
+            <a:endParaRPr b="0" lang="en-US" sz="3200" spc="-1" strike="noStrike">
+              <a:solidFill>
+                <a:srgbClr val="000000"/>
+              </a:solidFill>
               <a:latin typeface="Arial"/>
             </a:endParaRPr>
           </a:p>
@@ -11193,12 +12302,18 @@
               <a:buChar char=""/>
             </a:pPr>
             <a:r>
-              <a:rPr b="0" lang="en-GB" sz="2800" spc="-1" strike="noStrike">
+              <a:rPr b="0" lang="en-US" sz="2800" spc="-1" strike="noStrike">
+                <a:solidFill>
+                  <a:srgbClr val="000000"/>
+                </a:solidFill>
                 <a:latin typeface="Arial"/>
               </a:rPr>
               <a:t>Second Outline Level</a:t>
             </a:r>
-            <a:endParaRPr b="0" lang="en-GB" sz="2800" spc="-1" strike="noStrike">
+            <a:endParaRPr b="0" lang="en-US" sz="2800" spc="-1" strike="noStrike">
+              <a:solidFill>
+                <a:srgbClr val="000000"/>
+              </a:solidFill>
               <a:latin typeface="Arial"/>
             </a:endParaRPr>
           </a:p>
@@ -11215,12 +12330,18 @@
               <a:buChar char=""/>
             </a:pPr>
             <a:r>
-              <a:rPr b="0" lang="en-GB" sz="2400" spc="-1" strike="noStrike">
+              <a:rPr b="0" lang="en-US" sz="2400" spc="-1" strike="noStrike">
+                <a:solidFill>
+                  <a:srgbClr val="000000"/>
+                </a:solidFill>
                 <a:latin typeface="Arial"/>
               </a:rPr>
               <a:t>Third Outline Level</a:t>
             </a:r>
-            <a:endParaRPr b="0" lang="en-GB" sz="2400" spc="-1" strike="noStrike">
+            <a:endParaRPr b="0" lang="en-US" sz="2400" spc="-1" strike="noStrike">
+              <a:solidFill>
+                <a:srgbClr val="000000"/>
+              </a:solidFill>
               <a:latin typeface="Arial"/>
             </a:endParaRPr>
           </a:p>
@@ -11237,12 +12358,18 @@
               <a:buChar char=""/>
             </a:pPr>
             <a:r>
-              <a:rPr b="0" lang="en-GB" sz="2000" spc="-1" strike="noStrike">
+              <a:rPr b="0" lang="en-US" sz="2000" spc="-1" strike="noStrike">
+                <a:solidFill>
+                  <a:srgbClr val="000000"/>
+                </a:solidFill>
                 <a:latin typeface="Arial"/>
               </a:rPr>
               <a:t>Fourth Outline Level</a:t>
             </a:r>
-            <a:endParaRPr b="0" lang="en-GB" sz="2000" spc="-1" strike="noStrike">
+            <a:endParaRPr b="0" lang="en-US" sz="2000" spc="-1" strike="noStrike">
+              <a:solidFill>
+                <a:srgbClr val="000000"/>
+              </a:solidFill>
               <a:latin typeface="Arial"/>
             </a:endParaRPr>
           </a:p>
@@ -11259,12 +12386,18 @@
               <a:buChar char=""/>
             </a:pPr>
             <a:r>
-              <a:rPr b="0" lang="en-GB" sz="2000" spc="-1" strike="noStrike">
+              <a:rPr b="0" lang="en-US" sz="2000" spc="-1" strike="noStrike">
+                <a:solidFill>
+                  <a:srgbClr val="000000"/>
+                </a:solidFill>
                 <a:latin typeface="Arial"/>
               </a:rPr>
               <a:t>Fifth Outline Level</a:t>
             </a:r>
-            <a:endParaRPr b="0" lang="en-GB" sz="2000" spc="-1" strike="noStrike">
+            <a:endParaRPr b="0" lang="en-US" sz="2000" spc="-1" strike="noStrike">
+              <a:solidFill>
+                <a:srgbClr val="000000"/>
+              </a:solidFill>
               <a:latin typeface="Arial"/>
             </a:endParaRPr>
           </a:p>
@@ -11281,12 +12414,18 @@
               <a:buChar char=""/>
             </a:pPr>
             <a:r>
-              <a:rPr b="0" lang="en-GB" sz="2000" spc="-1" strike="noStrike">
+              <a:rPr b="0" lang="en-US" sz="2000" spc="-1" strike="noStrike">
+                <a:solidFill>
+                  <a:srgbClr val="000000"/>
+                </a:solidFill>
                 <a:latin typeface="Arial"/>
               </a:rPr>
               <a:t>Sixth Outline Level</a:t>
             </a:r>
-            <a:endParaRPr b="0" lang="en-GB" sz="2000" spc="-1" strike="noStrike">
+            <a:endParaRPr b="0" lang="en-US" sz="2000" spc="-1" strike="noStrike">
+              <a:solidFill>
+                <a:srgbClr val="000000"/>
+              </a:solidFill>
               <a:latin typeface="Arial"/>
             </a:endParaRPr>
           </a:p>
@@ -11303,12 +12442,18 @@
               <a:buChar char=""/>
             </a:pPr>
             <a:r>
-              <a:rPr b="0" lang="en-GB" sz="2000" spc="-1" strike="noStrike">
+              <a:rPr b="0" lang="en-US" sz="2000" spc="-1" strike="noStrike">
+                <a:solidFill>
+                  <a:srgbClr val="000000"/>
+                </a:solidFill>
                 <a:latin typeface="Arial"/>
               </a:rPr>
               <a:t>Seventh Outline Level</a:t>
             </a:r>
-            <a:endParaRPr b="0" lang="en-GB" sz="2000" spc="-1" strike="noStrike">
+            <a:endParaRPr b="0" lang="en-US" sz="2000" spc="-1" strike="noStrike">
+              <a:solidFill>
+                <a:srgbClr val="000000"/>
+              </a:solidFill>
               <a:latin typeface="Arial"/>
             </a:endParaRPr>
           </a:p>
@@ -11360,7 +12505,7 @@
         <p:spPr>
           <a:xfrm>
             <a:off x="527400" y="1412640"/>
-            <a:ext cx="10360800" cy="1147320"/>
+            <a:ext cx="10360440" cy="1146960"/>
           </a:xfrm>
           <a:prstGeom prst="rect">
             <a:avLst/>
@@ -11396,7 +12541,10 @@
               </a:rPr>
               <a:t>Requirement Engineering</a:t>
             </a:r>
-            <a:endParaRPr b="0" lang="en-GB" sz="3200" spc="-1" strike="noStrike">
+            <a:endParaRPr b="0" lang="en-US" sz="3200" spc="-1" strike="noStrike">
+              <a:solidFill>
+                <a:srgbClr val="000000"/>
+              </a:solidFill>
               <a:latin typeface="Arial"/>
             </a:endParaRPr>
           </a:p>
@@ -11411,7 +12559,7 @@
         <p:spPr>
           <a:xfrm>
             <a:off x="527400" y="2852640"/>
-            <a:ext cx="10360800" cy="2368080"/>
+            <a:ext cx="10360440" cy="2367720"/>
           </a:xfrm>
           <a:prstGeom prst="rect">
             <a:avLst/>
@@ -11453,7 +12601,10 @@
               </a:rPr>
               <a:t>Lecture 5: Negotiation</a:t>
             </a:r>
-            <a:endParaRPr b="0" lang="en-GB" sz="2400" spc="-1" strike="noStrike">
+            <a:endParaRPr b="0" lang="en-US" sz="2400" spc="-1" strike="noStrike">
+              <a:solidFill>
+                <a:srgbClr val="000000"/>
+              </a:solidFill>
               <a:latin typeface="Arial"/>
             </a:endParaRPr>
           </a:p>
@@ -11469,7 +12620,10 @@
                 <a:tab algn="l" pos="0"/>
               </a:tabLst>
             </a:pPr>
-            <a:endParaRPr b="0" lang="en-GB" sz="2400" spc="-1" strike="noStrike">
+            <a:endParaRPr b="0" lang="en-US" sz="2400" spc="-1" strike="noStrike">
+              <a:solidFill>
+                <a:srgbClr val="000000"/>
+              </a:solidFill>
               <a:latin typeface="Arial"/>
             </a:endParaRPr>
           </a:p>
@@ -11485,7 +12639,10 @@
                 <a:tab algn="l" pos="0"/>
               </a:tabLst>
             </a:pPr>
-            <a:endParaRPr b="0" lang="en-GB" sz="2400" spc="-1" strike="noStrike">
+            <a:endParaRPr b="0" lang="en-US" sz="2400" spc="-1" strike="noStrike">
+              <a:solidFill>
+                <a:srgbClr val="000000"/>
+              </a:solidFill>
               <a:latin typeface="Arial"/>
             </a:endParaRPr>
           </a:p>
@@ -11501,7 +12658,10 @@
                 <a:tab algn="l" pos="0"/>
               </a:tabLst>
             </a:pPr>
-            <a:endParaRPr b="0" lang="en-GB" sz="2400" spc="-1" strike="noStrike">
+            <a:endParaRPr b="0" lang="en-US" sz="2400" spc="-1" strike="noStrike">
+              <a:solidFill>
+                <a:srgbClr val="000000"/>
+              </a:solidFill>
               <a:latin typeface="Arial"/>
             </a:endParaRPr>
           </a:p>
@@ -11527,7 +12687,10 @@
               </a:rPr>
               <a:t>Prof. Dr. Benjamin Leiding</a:t>
             </a:r>
-            <a:endParaRPr b="0" lang="en-GB" sz="1600" spc="-1" strike="noStrike">
+            <a:endParaRPr b="0" lang="en-US" sz="1600" spc="-1" strike="noStrike">
+              <a:solidFill>
+                <a:srgbClr val="000000"/>
+              </a:solidFill>
               <a:latin typeface="Arial"/>
             </a:endParaRPr>
           </a:p>
@@ -11553,7 +12716,10 @@
               </a:rPr>
               <a:t>M.Sc. Anant Sujatanagarjuna</a:t>
             </a:r>
-            <a:endParaRPr b="0" lang="en-GB" sz="1600" spc="-1" strike="noStrike">
+            <a:endParaRPr b="0" lang="en-US" sz="1600" spc="-1" strike="noStrike">
+              <a:solidFill>
+                <a:srgbClr val="000000"/>
+              </a:solidFill>
               <a:latin typeface="Arial"/>
             </a:endParaRPr>
           </a:p>
@@ -11598,7 +12764,7 @@
         <p:spPr>
           <a:xfrm>
             <a:off x="542880" y="721800"/>
-            <a:ext cx="10356480" cy="497160"/>
+            <a:ext cx="10356120" cy="496800"/>
           </a:xfrm>
           <a:prstGeom prst="rect">
             <a:avLst/>
@@ -11634,7 +12800,10 @@
               </a:rPr>
               <a:t>Conflict Management</a:t>
             </a:r>
-            <a:endParaRPr b="0" lang="en-GB" sz="2200" spc="-1" strike="noStrike">
+            <a:endParaRPr b="0" lang="en-US" sz="2200" spc="-1" strike="noStrike">
+              <a:solidFill>
+                <a:srgbClr val="000000"/>
+              </a:solidFill>
               <a:latin typeface="Arial"/>
             </a:endParaRPr>
           </a:p>
@@ -11649,7 +12818,7 @@
         <p:spPr>
           <a:xfrm>
             <a:off x="542880" y="1267200"/>
-            <a:ext cx="10356480" cy="497160"/>
+            <a:ext cx="10356120" cy="496800"/>
           </a:xfrm>
           <a:prstGeom prst="rect">
             <a:avLst/>
@@ -11685,7 +12854,10 @@
               </a:rPr>
               <a:t>Conflict Analysis – Types of Conflicts</a:t>
             </a:r>
-            <a:endParaRPr b="0" lang="en-GB" sz="2200" spc="-1" strike="noStrike">
+            <a:endParaRPr b="0" lang="en-US" sz="2200" spc="-1" strike="noStrike">
+              <a:solidFill>
+                <a:srgbClr val="000000"/>
+              </a:solidFill>
               <a:latin typeface="Arial"/>
             </a:endParaRPr>
           </a:p>
@@ -11700,7 +12872,7 @@
         <p:spPr>
           <a:xfrm>
             <a:off x="451800" y="1709280"/>
-            <a:ext cx="8223840" cy="4352040"/>
+            <a:ext cx="8223480" cy="4351680"/>
           </a:xfrm>
           <a:prstGeom prst="rect">
             <a:avLst/>
@@ -11716,6 +12888,19 @@
           <a:effectRef idx="0"/>
           <a:fontRef idx="minor"/>
         </p:style>
+        <p:txBody>
+          <a:bodyPr lIns="90000" rIns="90000" tIns="45000" bIns="45000" anchor="t">
+            <a:noAutofit/>
+          </a:bodyPr>
+          <a:p>
+            <a:endParaRPr b="0" lang="en-US" sz="1800" spc="-1" strike="noStrike">
+              <a:solidFill>
+                <a:srgbClr val="000000"/>
+              </a:solidFill>
+              <a:latin typeface="Arial"/>
+            </a:endParaRPr>
+          </a:p>
+        </p:txBody>
       </p:sp>
       <p:sp>
         <p:nvSpPr>
@@ -11730,7 +12915,7 @@
         <p:spPr>
           <a:xfrm>
             <a:off x="609480" y="1769400"/>
-            <a:ext cx="10586880" cy="4854960"/>
+            <a:ext cx="10586520" cy="4854600"/>
           </a:xfrm>
           <a:prstGeom prst="rect">
             <a:avLst/>
@@ -11755,9 +12940,9 @@
               <a:buClr>
                 <a:srgbClr val="008c4f"/>
               </a:buClr>
-              <a:buSzPct val="80000"/>
-              <a:buFont typeface="Wingdings 2" charset="2"/>
-              <a:buChar char=""/>
+              <a:buSzPct val="45000"/>
+              <a:buFont typeface="DejaVu Sans"/>
+              <a:buChar char="◾"/>
             </a:pPr>
             <a:r>
               <a:rPr b="0" lang="en-US" sz="2000" spc="-1" strike="noStrike">
@@ -11769,7 +12954,10 @@
               </a:rPr>
               <a:t>Subject Conflict</a:t>
             </a:r>
-            <a:endParaRPr b="0" lang="en-GB" sz="2000" spc="-1" strike="noStrike">
+            <a:endParaRPr b="0" lang="en-US" sz="2000" spc="-1" strike="noStrike">
+              <a:solidFill>
+                <a:srgbClr val="000000"/>
+              </a:solidFill>
               <a:latin typeface="Arial"/>
             </a:endParaRPr>
           </a:p>
@@ -11784,8 +12972,8 @@
               <a:buClr>
                 <a:srgbClr val="008c4f"/>
               </a:buClr>
-              <a:buSzPct val="45000"/>
-              <a:buFont typeface="OpenSymbol"/>
+              <a:buSzPct val="60000"/>
+              <a:buFont typeface="DejaVu Sans"/>
               <a:buChar char="—"/>
             </a:pPr>
             <a:r>
@@ -11798,7 +12986,10 @@
               </a:rPr>
               <a:t>Caused by deficit of information, false information, or different interpretation of information</a:t>
             </a:r>
-            <a:endParaRPr b="0" lang="en-GB" sz="1800" spc="-1" strike="noStrike">
+            <a:endParaRPr b="0" lang="en-US" sz="1800" spc="-1" strike="noStrike">
+              <a:solidFill>
+                <a:srgbClr val="000000"/>
+              </a:solidFill>
               <a:latin typeface="Arial"/>
             </a:endParaRPr>
           </a:p>
@@ -11813,8 +13004,8 @@
               <a:buClr>
                 <a:srgbClr val="008c4f"/>
               </a:buClr>
-              <a:buSzPct val="45000"/>
-              <a:buFont typeface="OpenSymbol"/>
+              <a:buSzPct val="60000"/>
+              <a:buFont typeface="DejaVu Sans"/>
               <a:buChar char="—"/>
             </a:pPr>
             <a:r>
@@ -11827,7 +13018,10 @@
               </a:rPr>
               <a:t>Example:</a:t>
             </a:r>
-            <a:endParaRPr b="0" lang="en-GB" sz="1800" spc="-1" strike="noStrike">
+            <a:endParaRPr b="0" lang="en-US" sz="1800" spc="-1" strike="noStrike">
+              <a:solidFill>
+                <a:srgbClr val="000000"/>
+              </a:solidFill>
               <a:latin typeface="Arial"/>
             </a:endParaRPr>
           </a:p>
@@ -11840,11 +13034,11 @@
                 <a:spcPts val="1417"/>
               </a:spcBef>
               <a:buClr>
-                <a:srgbClr val="000000"/>
+                <a:srgbClr val="008c4f"/>
               </a:buClr>
               <a:buSzPct val="45000"/>
-              <a:buFont typeface="Wingdings" charset="2"/>
-              <a:buChar char=""/>
+              <a:buFont typeface="DejaVu Sans"/>
+              <a:buChar char="—"/>
             </a:pPr>
             <a:r>
               <a:rPr b="0" lang="en-US" sz="1600" spc="-1" strike="noStrike">
@@ -11866,24 +13060,22 @@
               </a:rPr>
               <a:t>The start-up time of the system does not exceed 2 seconds.”</a:t>
             </a:r>
-            <a:endParaRPr b="0" lang="en-GB" sz="1600" spc="-1" strike="noStrike">
-              <a:latin typeface="Arial"/>
-            </a:endParaRPr>
-          </a:p>
-          <a:p>
-            <a:pPr marL="1479600" indent="-216000">
+            <a:endParaRPr b="0" lang="en-US" sz="1600" spc="-1" strike="noStrike">
+              <a:solidFill>
+                <a:srgbClr val="000000"/>
+              </a:solidFill>
+              <a:latin typeface="Arial"/>
+            </a:endParaRPr>
+          </a:p>
+          <a:p>
+            <a:pPr marL="216000" indent="0">
               <a:lnSpc>
                 <a:spcPct val="100000"/>
               </a:lnSpc>
               <a:spcBef>
                 <a:spcPts val="1417"/>
               </a:spcBef>
-              <a:buClr>
-                <a:srgbClr val="008c4f"/>
-              </a:buClr>
-              <a:buSzPct val="80000"/>
-              <a:buFont typeface="Wingdings 2" charset="2"/>
-              <a:buChar char=""/>
+              <a:buNone/>
               <a:tabLst>
                 <a:tab algn="l" pos="0"/>
               </a:tabLst>
@@ -11908,24 +13100,22 @@
               </a:rPr>
               <a:t>Stakeholder A thinks this is too slow</a:t>
             </a:r>
-            <a:endParaRPr b="0" lang="en-GB" sz="1600" spc="-1" strike="noStrike">
-              <a:latin typeface="Arial"/>
-            </a:endParaRPr>
-          </a:p>
-          <a:p>
-            <a:pPr marL="1479600" indent="-216000">
+            <a:endParaRPr b="0" lang="en-US" sz="1600" spc="-1" strike="noStrike">
+              <a:solidFill>
+                <a:srgbClr val="000000"/>
+              </a:solidFill>
+              <a:latin typeface="Arial"/>
+            </a:endParaRPr>
+          </a:p>
+          <a:p>
+            <a:pPr marL="216000" indent="0">
               <a:lnSpc>
                 <a:spcPct val="100000"/>
               </a:lnSpc>
               <a:spcBef>
                 <a:spcPts val="1417"/>
               </a:spcBef>
-              <a:buClr>
-                <a:srgbClr val="008c4f"/>
-              </a:buClr>
-              <a:buSzPct val="80000"/>
-              <a:buFont typeface="Wingdings 2" charset="2"/>
-              <a:buChar char=""/>
+              <a:buNone/>
               <a:tabLst>
                 <a:tab algn="l" pos="0"/>
               </a:tabLst>
@@ -11950,7 +13140,10 @@
               </a:rPr>
               <a:t>Stakeholder B thinks this is infeasibly fast</a:t>
             </a:r>
-            <a:endParaRPr b="0" lang="en-GB" sz="1600" spc="-1" strike="noStrike">
+            <a:endParaRPr b="0" lang="en-US" sz="1600" spc="-1" strike="noStrike">
+              <a:solidFill>
+                <a:srgbClr val="000000"/>
+              </a:solidFill>
               <a:latin typeface="Arial"/>
             </a:endParaRPr>
           </a:p>
@@ -11965,9 +13158,9 @@
               <a:buClr>
                 <a:srgbClr val="008c4f"/>
               </a:buClr>
-              <a:buSzPct val="80000"/>
-              <a:buFont typeface="Wingdings 2" charset="2"/>
-              <a:buChar char=""/>
+              <a:buSzPct val="45000"/>
+              <a:buFont typeface="DejaVu Sans"/>
+              <a:buChar char="◾"/>
               <a:tabLst>
                 <a:tab algn="l" pos="0"/>
               </a:tabLst>
@@ -11982,7 +13175,10 @@
               </a:rPr>
               <a:t>Conflict of Interest</a:t>
             </a:r>
-            <a:endParaRPr b="0" lang="en-GB" sz="2000" spc="-1" strike="noStrike">
+            <a:endParaRPr b="0" lang="en-US" sz="2000" spc="-1" strike="noStrike">
+              <a:solidFill>
+                <a:srgbClr val="000000"/>
+              </a:solidFill>
               <a:latin typeface="Arial"/>
             </a:endParaRPr>
           </a:p>
@@ -11997,8 +13193,8 @@
               <a:buClr>
                 <a:srgbClr val="008c4f"/>
               </a:buClr>
-              <a:buSzPct val="45000"/>
-              <a:buFont typeface="OpenSymbol"/>
+              <a:buSzPct val="60000"/>
+              <a:buFont typeface="DejaVu Sans"/>
               <a:buChar char="—"/>
               <a:tabLst>
                 <a:tab algn="l" pos="0"/>
@@ -12014,7 +13210,10 @@
               </a:rPr>
               <a:t>Stakeholders have different goals</a:t>
             </a:r>
-            <a:endParaRPr b="0" lang="en-GB" sz="1800" spc="-1" strike="noStrike">
+            <a:endParaRPr b="0" lang="en-US" sz="1800" spc="-1" strike="noStrike">
+              <a:solidFill>
+                <a:srgbClr val="000000"/>
+              </a:solidFill>
               <a:latin typeface="Arial"/>
             </a:endParaRPr>
           </a:p>
@@ -12029,8 +13228,8 @@
               <a:buClr>
                 <a:srgbClr val="008c4f"/>
               </a:buClr>
-              <a:buSzPct val="45000"/>
-              <a:buFont typeface="OpenSymbol"/>
+              <a:buSzPct val="60000"/>
+              <a:buFont typeface="DejaVu Sans"/>
               <a:buChar char="—"/>
               <a:tabLst>
                 <a:tab algn="l" pos="0"/>
@@ -12046,7 +13245,10 @@
               </a:rPr>
               <a:t>Usually due to costs</a:t>
             </a:r>
-            <a:endParaRPr b="0" lang="en-GB" sz="1800" spc="-1" strike="noStrike">
+            <a:endParaRPr b="0" lang="en-US" sz="1800" spc="-1" strike="noStrike">
+              <a:solidFill>
+                <a:srgbClr val="000000"/>
+              </a:solidFill>
               <a:latin typeface="Arial"/>
             </a:endParaRPr>
           </a:p>
@@ -12083,7 +13285,10 @@
               </a:rPr>
               <a:t>Stakeholder A wants to minimize the costs</a:t>
             </a:r>
-            <a:endParaRPr b="0" lang="en-GB" sz="1600" spc="-1" strike="noStrike">
+            <a:endParaRPr b="0" lang="en-US" sz="1600" spc="-1" strike="noStrike">
+              <a:solidFill>
+                <a:srgbClr val="000000"/>
+              </a:solidFill>
               <a:latin typeface="Arial"/>
             </a:endParaRPr>
           </a:p>
@@ -12120,7 +13325,10 @@
               </a:rPr>
               <a:t>Stakeholder B desires a high quality system</a:t>
             </a:r>
-            <a:endParaRPr b="0" lang="en-GB" sz="1600" spc="-1" strike="noStrike">
+            <a:endParaRPr b="0" lang="en-US" sz="1600" spc="-1" strike="noStrike">
+              <a:solidFill>
+                <a:srgbClr val="000000"/>
+              </a:solidFill>
               <a:latin typeface="Arial"/>
             </a:endParaRPr>
           </a:p>
@@ -12165,7 +13373,7 @@
         <p:spPr>
           <a:xfrm>
             <a:off x="542880" y="721800"/>
-            <a:ext cx="10356480" cy="497160"/>
+            <a:ext cx="10356120" cy="496800"/>
           </a:xfrm>
           <a:prstGeom prst="rect">
             <a:avLst/>
@@ -12201,7 +13409,10 @@
               </a:rPr>
               <a:t>Conflict Management</a:t>
             </a:r>
-            <a:endParaRPr b="0" lang="en-GB" sz="2200" spc="-1" strike="noStrike">
+            <a:endParaRPr b="0" lang="en-US" sz="2200" spc="-1" strike="noStrike">
+              <a:solidFill>
+                <a:srgbClr val="000000"/>
+              </a:solidFill>
               <a:latin typeface="Arial"/>
             </a:endParaRPr>
           </a:p>
@@ -12216,7 +13427,7 @@
         <p:spPr>
           <a:xfrm>
             <a:off x="542880" y="1267200"/>
-            <a:ext cx="10356480" cy="497160"/>
+            <a:ext cx="10356120" cy="496800"/>
           </a:xfrm>
           <a:prstGeom prst="rect">
             <a:avLst/>
@@ -12252,7 +13463,10 @@
               </a:rPr>
               <a:t>Conflict Analysis – Types of Conflicts</a:t>
             </a:r>
-            <a:endParaRPr b="0" lang="en-GB" sz="2200" spc="-1" strike="noStrike">
+            <a:endParaRPr b="0" lang="en-US" sz="2200" spc="-1" strike="noStrike">
+              <a:solidFill>
+                <a:srgbClr val="000000"/>
+              </a:solidFill>
               <a:latin typeface="Arial"/>
             </a:endParaRPr>
           </a:p>
@@ -12267,7 +13481,7 @@
         <p:spPr>
           <a:xfrm>
             <a:off x="451800" y="1709280"/>
-            <a:ext cx="8223840" cy="4352040"/>
+            <a:ext cx="8223480" cy="4351680"/>
           </a:xfrm>
           <a:prstGeom prst="rect">
             <a:avLst/>
@@ -12283,6 +13497,19 @@
           <a:effectRef idx="0"/>
           <a:fontRef idx="minor"/>
         </p:style>
+        <p:txBody>
+          <a:bodyPr lIns="90000" rIns="90000" tIns="45000" bIns="45000" anchor="t">
+            <a:noAutofit/>
+          </a:bodyPr>
+          <a:p>
+            <a:endParaRPr b="0" lang="en-US" sz="1800" spc="-1" strike="noStrike">
+              <a:solidFill>
+                <a:srgbClr val="000000"/>
+              </a:solidFill>
+              <a:latin typeface="Arial"/>
+            </a:endParaRPr>
+          </a:p>
+        </p:txBody>
       </p:sp>
       <p:sp>
         <p:nvSpPr>
@@ -12297,7 +13524,7 @@
         <p:spPr>
           <a:xfrm>
             <a:off x="609480" y="1769400"/>
-            <a:ext cx="10586880" cy="4854960"/>
+            <a:ext cx="10586520" cy="4854600"/>
           </a:xfrm>
           <a:prstGeom prst="rect">
             <a:avLst/>
@@ -12322,9 +13549,9 @@
               <a:buClr>
                 <a:srgbClr val="008c4f"/>
               </a:buClr>
-              <a:buSzPct val="80000"/>
-              <a:buFont typeface="Wingdings 2" charset="2"/>
-              <a:buChar char=""/>
+              <a:buSzPct val="45000"/>
+              <a:buFont typeface="DejaVu Sans"/>
+              <a:buChar char="◾"/>
             </a:pPr>
             <a:r>
               <a:rPr b="0" lang="en-US" sz="2000" spc="-1" strike="noStrike">
@@ -12336,7 +13563,10 @@
               </a:rPr>
               <a:t>Conflict of Value</a:t>
             </a:r>
-            <a:endParaRPr b="0" lang="en-GB" sz="2000" spc="-1" strike="noStrike">
+            <a:endParaRPr b="0" lang="en-US" sz="2000" spc="-1" strike="noStrike">
+              <a:solidFill>
+                <a:srgbClr val="000000"/>
+              </a:solidFill>
               <a:latin typeface="Arial"/>
             </a:endParaRPr>
           </a:p>
@@ -12351,8 +13581,8 @@
               <a:buClr>
                 <a:srgbClr val="008c4f"/>
               </a:buClr>
-              <a:buSzPct val="45000"/>
-              <a:buFont typeface="OpenSymbol"/>
+              <a:buSzPct val="60000"/>
+              <a:buFont typeface="DejaVu Sans"/>
               <a:buChar char="—"/>
             </a:pPr>
             <a:r>
@@ -12365,7 +13595,10 @@
               </a:rPr>
               <a:t>Not related to monetary values!</a:t>
             </a:r>
-            <a:endParaRPr b="0" lang="en-GB" sz="1800" spc="-1" strike="noStrike">
+            <a:endParaRPr b="0" lang="en-US" sz="1800" spc="-1" strike="noStrike">
+              <a:solidFill>
+                <a:srgbClr val="000000"/>
+              </a:solidFill>
               <a:latin typeface="Arial"/>
             </a:endParaRPr>
           </a:p>
@@ -12380,8 +13613,8 @@
               <a:buClr>
                 <a:srgbClr val="008c4f"/>
               </a:buClr>
-              <a:buSzPct val="45000"/>
-              <a:buFont typeface="OpenSymbol"/>
+              <a:buSzPct val="60000"/>
+              <a:buFont typeface="DejaVu Sans"/>
               <a:buChar char="—"/>
             </a:pPr>
             <a:r>
@@ -12394,7 +13627,10 @@
               </a:rPr>
               <a:t>Means values in the sense of principles</a:t>
             </a:r>
-            <a:endParaRPr b="0" lang="en-GB" sz="1800" spc="-1" strike="noStrike">
+            <a:endParaRPr b="0" lang="en-US" sz="1800" spc="-1" strike="noStrike">
+              <a:solidFill>
+                <a:srgbClr val="000000"/>
+              </a:solidFill>
               <a:latin typeface="Arial"/>
             </a:endParaRPr>
           </a:p>
@@ -12407,11 +13643,11 @@
                 <a:spcPts val="1417"/>
               </a:spcBef>
               <a:buClr>
-                <a:srgbClr val="000000"/>
+                <a:srgbClr val="008c4f"/>
               </a:buClr>
               <a:buSzPct val="45000"/>
-              <a:buFont typeface="Wingdings" charset="2"/>
-              <a:buChar char=""/>
+              <a:buFont typeface="DejaVu Sans"/>
+              <a:buChar char="—"/>
             </a:pPr>
             <a:r>
               <a:rPr b="0" lang="en-US" sz="1600" spc="-1" strike="noStrike">
@@ -12423,7 +13659,10 @@
               </a:rPr>
               <a:t>Stakeholder A wants open source</a:t>
             </a:r>
-            <a:endParaRPr b="0" lang="en-GB" sz="1600" spc="-1" strike="noStrike">
+            <a:endParaRPr b="0" lang="en-US" sz="1600" spc="-1" strike="noStrike">
+              <a:solidFill>
+                <a:srgbClr val="000000"/>
+              </a:solidFill>
               <a:latin typeface="Arial"/>
             </a:endParaRPr>
           </a:p>
@@ -12436,11 +13675,11 @@
                 <a:spcPts val="1417"/>
               </a:spcBef>
               <a:buClr>
-                <a:srgbClr val="000000"/>
+                <a:srgbClr val="008c4f"/>
               </a:buClr>
               <a:buSzPct val="45000"/>
-              <a:buFont typeface="Wingdings" charset="2"/>
-              <a:buChar char=""/>
+              <a:buFont typeface="DejaVu Sans"/>
+              <a:buChar char="—"/>
             </a:pPr>
             <a:r>
               <a:rPr b="0" lang="en-US" sz="1600" spc="-1" strike="noStrike">
@@ -12452,7 +13691,10 @@
               </a:rPr>
               <a:t>Stakeholder B wants closed source</a:t>
             </a:r>
-            <a:endParaRPr b="0" lang="en-GB" sz="1600" spc="-1" strike="noStrike">
+            <a:endParaRPr b="0" lang="en-US" sz="1600" spc="-1" strike="noStrike">
+              <a:solidFill>
+                <a:srgbClr val="000000"/>
+              </a:solidFill>
               <a:latin typeface="Arial"/>
             </a:endParaRPr>
           </a:p>
@@ -12467,9 +13709,9 @@
               <a:buClr>
                 <a:srgbClr val="008c4f"/>
               </a:buClr>
-              <a:buSzPct val="80000"/>
-              <a:buFont typeface="Wingdings 2" charset="2"/>
-              <a:buChar char=""/>
+              <a:buSzPct val="45000"/>
+              <a:buFont typeface="DejaVu Sans"/>
+              <a:buChar char="◾"/>
             </a:pPr>
             <a:r>
               <a:rPr b="0" lang="en-US" sz="2000" spc="-1" strike="noStrike">
@@ -12481,7 +13723,10 @@
               </a:rPr>
               <a:t>Relationship Conflict</a:t>
             </a:r>
-            <a:endParaRPr b="0" lang="en-GB" sz="2000" spc="-1" strike="noStrike">
+            <a:endParaRPr b="0" lang="en-US" sz="2000" spc="-1" strike="noStrike">
+              <a:solidFill>
+                <a:srgbClr val="000000"/>
+              </a:solidFill>
               <a:latin typeface="Arial"/>
             </a:endParaRPr>
           </a:p>
@@ -12496,8 +13741,8 @@
               <a:buClr>
                 <a:srgbClr val="008c4f"/>
               </a:buClr>
-              <a:buSzPct val="45000"/>
-              <a:buFont typeface="OpenSymbol"/>
+              <a:buSzPct val="60000"/>
+              <a:buFont typeface="DejaVu Sans"/>
               <a:buChar char="—"/>
             </a:pPr>
             <a:r>
@@ -12510,7 +13755,10 @@
               </a:rPr>
               <a:t>Caused by stereotypical relationship concepts (“I just cannot stand the marketing guys”), communication deficits, or negative personal relationships</a:t>
             </a:r>
-            <a:endParaRPr b="0" lang="en-GB" sz="1800" spc="-1" strike="noStrike">
+            <a:endParaRPr b="0" lang="en-US" sz="1800" spc="-1" strike="noStrike">
+              <a:solidFill>
+                <a:srgbClr val="000000"/>
+              </a:solidFill>
               <a:latin typeface="Arial"/>
             </a:endParaRPr>
           </a:p>
@@ -12523,11 +13771,11 @@
                 <a:spcPts val="1417"/>
               </a:spcBef>
               <a:buClr>
-                <a:srgbClr val="000000"/>
+                <a:srgbClr val="008c4f"/>
               </a:buClr>
               <a:buSzPct val="45000"/>
-              <a:buFont typeface="Wingdings" charset="2"/>
-              <a:buChar char=""/>
+              <a:buFont typeface="DejaVu Sans"/>
+              <a:buChar char="—"/>
             </a:pPr>
             <a:r>
               <a:rPr b="0" lang="en-US" sz="1600" spc="-1" strike="noStrike">
@@ -12539,7 +13787,10 @@
               </a:rPr>
               <a:t>Stakeholder A and B are of equal importance</a:t>
             </a:r>
-            <a:endParaRPr b="0" lang="en-GB" sz="1600" spc="-1" strike="noStrike">
+            <a:endParaRPr b="0" lang="en-US" sz="1600" spc="-1" strike="noStrike">
+              <a:solidFill>
+                <a:srgbClr val="000000"/>
+              </a:solidFill>
               <a:latin typeface="Arial"/>
             </a:endParaRPr>
           </a:p>
@@ -12552,11 +13803,11 @@
                 <a:spcPts val="1417"/>
               </a:spcBef>
               <a:buClr>
-                <a:srgbClr val="000000"/>
+                <a:srgbClr val="008c4f"/>
               </a:buClr>
               <a:buSzPct val="45000"/>
-              <a:buFont typeface="Wingdings" charset="2"/>
-              <a:buChar char=""/>
+              <a:buFont typeface="DejaVu Sans"/>
+              <a:buChar char="—"/>
             </a:pPr>
             <a:r>
               <a:rPr b="0" lang="en-US" sz="1600" spc="-1" strike="noStrike">
@@ -12568,7 +13819,10 @@
               </a:rPr>
               <a:t>Stakeholder A tries to distinguish itself through forcing his requirements on the project</a:t>
             </a:r>
-            <a:endParaRPr b="0" lang="en-GB" sz="1600" spc="-1" strike="noStrike">
+            <a:endParaRPr b="0" lang="en-US" sz="1600" spc="-1" strike="noStrike">
+              <a:solidFill>
+                <a:srgbClr val="000000"/>
+              </a:solidFill>
               <a:latin typeface="Arial"/>
             </a:endParaRPr>
           </a:p>
@@ -12613,7 +13867,7 @@
         <p:spPr>
           <a:xfrm>
             <a:off x="542880" y="721800"/>
-            <a:ext cx="10356480" cy="497160"/>
+            <a:ext cx="10356120" cy="496800"/>
           </a:xfrm>
           <a:prstGeom prst="rect">
             <a:avLst/>
@@ -12649,7 +13903,10 @@
               </a:rPr>
               <a:t>Conflict Management</a:t>
             </a:r>
-            <a:endParaRPr b="0" lang="en-GB" sz="2200" spc="-1" strike="noStrike">
+            <a:endParaRPr b="0" lang="en-US" sz="2200" spc="-1" strike="noStrike">
+              <a:solidFill>
+                <a:srgbClr val="000000"/>
+              </a:solidFill>
               <a:latin typeface="Arial"/>
             </a:endParaRPr>
           </a:p>
@@ -12664,7 +13921,7 @@
         <p:spPr>
           <a:xfrm>
             <a:off x="542880" y="1267200"/>
-            <a:ext cx="10356480" cy="497160"/>
+            <a:ext cx="10356120" cy="496800"/>
           </a:xfrm>
           <a:prstGeom prst="rect">
             <a:avLst/>
@@ -12700,7 +13957,10 @@
               </a:rPr>
               <a:t>Conflict Analysis – Types of Conflicts</a:t>
             </a:r>
-            <a:endParaRPr b="0" lang="en-GB" sz="2200" spc="-1" strike="noStrike">
+            <a:endParaRPr b="0" lang="en-US" sz="2200" spc="-1" strike="noStrike">
+              <a:solidFill>
+                <a:srgbClr val="000000"/>
+              </a:solidFill>
               <a:latin typeface="Arial"/>
             </a:endParaRPr>
           </a:p>
@@ -12715,7 +13975,7 @@
         <p:spPr>
           <a:xfrm>
             <a:off x="451800" y="1709280"/>
-            <a:ext cx="8223840" cy="4352040"/>
+            <a:ext cx="8223480" cy="4351680"/>
           </a:xfrm>
           <a:prstGeom prst="rect">
             <a:avLst/>
@@ -12731,6 +13991,19 @@
           <a:effectRef idx="0"/>
           <a:fontRef idx="minor"/>
         </p:style>
+        <p:txBody>
+          <a:bodyPr lIns="90000" rIns="90000" tIns="45000" bIns="45000" anchor="t">
+            <a:noAutofit/>
+          </a:bodyPr>
+          <a:p>
+            <a:endParaRPr b="0" lang="en-US" sz="1800" spc="-1" strike="noStrike">
+              <a:solidFill>
+                <a:srgbClr val="000000"/>
+              </a:solidFill>
+              <a:latin typeface="Arial"/>
+            </a:endParaRPr>
+          </a:p>
+        </p:txBody>
       </p:sp>
       <p:sp>
         <p:nvSpPr>
@@ -12745,7 +14018,7 @@
         <p:spPr>
           <a:xfrm>
             <a:off x="609480" y="1769400"/>
-            <a:ext cx="10586880" cy="4854960"/>
+            <a:ext cx="10586520" cy="4854600"/>
           </a:xfrm>
           <a:prstGeom prst="rect">
             <a:avLst/>
@@ -12770,9 +14043,9 @@
               <a:buClr>
                 <a:srgbClr val="008c4f"/>
               </a:buClr>
-              <a:buSzPct val="80000"/>
-              <a:buFont typeface="Wingdings 2" charset="2"/>
-              <a:buChar char=""/>
+              <a:buSzPct val="45000"/>
+              <a:buFont typeface="DejaVu Sans"/>
+              <a:buChar char="◾"/>
             </a:pPr>
             <a:r>
               <a:rPr b="0" lang="en-US" sz="2000" spc="-1" strike="noStrike">
@@ -12784,7 +14057,10 @@
               </a:rPr>
               <a:t>Structural Conflict</a:t>
             </a:r>
-            <a:endParaRPr b="0" lang="en-GB" sz="2000" spc="-1" strike="noStrike">
+            <a:endParaRPr b="0" lang="en-US" sz="2000" spc="-1" strike="noStrike">
+              <a:solidFill>
+                <a:srgbClr val="000000"/>
+              </a:solidFill>
               <a:latin typeface="Arial"/>
             </a:endParaRPr>
           </a:p>
@@ -12799,8 +14075,8 @@
               <a:buClr>
                 <a:srgbClr val="008c4f"/>
               </a:buClr>
-              <a:buSzPct val="45000"/>
-              <a:buFont typeface="OpenSymbol"/>
+              <a:buSzPct val="60000"/>
+              <a:buFont typeface="DejaVu Sans"/>
               <a:buChar char="—"/>
             </a:pPr>
             <a:r>
@@ -12813,7 +14089,10 @@
               </a:rPr>
               <a:t>Caused by unequal levels of power</a:t>
             </a:r>
-            <a:endParaRPr b="0" lang="en-GB" sz="1800" spc="-1" strike="noStrike">
+            <a:endParaRPr b="0" lang="en-US" sz="1800" spc="-1" strike="noStrike">
+              <a:solidFill>
+                <a:srgbClr val="000000"/>
+              </a:solidFill>
               <a:latin typeface="Arial"/>
             </a:endParaRPr>
           </a:p>
@@ -12826,11 +14105,11 @@
                 <a:spcPts val="1417"/>
               </a:spcBef>
               <a:buClr>
-                <a:srgbClr val="000000"/>
+                <a:srgbClr val="008c4f"/>
               </a:buClr>
               <a:buSzPct val="45000"/>
-              <a:buFont typeface="Wingdings" charset="2"/>
-              <a:buChar char=""/>
+              <a:buFont typeface="DejaVu Sans"/>
+              <a:buChar char="—"/>
             </a:pPr>
             <a:r>
               <a:rPr b="0" lang="en-US" sz="1600" spc="-1" strike="noStrike">
@@ -12842,7 +14121,10 @@
               </a:rPr>
               <a:t>Superior rejects all input of an employee invariable</a:t>
             </a:r>
-            <a:endParaRPr b="0" lang="en-GB" sz="1600" spc="-1" strike="noStrike">
+            <a:endParaRPr b="0" lang="en-US" sz="1600" spc="-1" strike="noStrike">
+              <a:solidFill>
+                <a:srgbClr val="000000"/>
+              </a:solidFill>
               <a:latin typeface="Arial"/>
             </a:endParaRPr>
           </a:p>
@@ -12855,11 +14137,11 @@
                 <a:spcPts val="1417"/>
               </a:spcBef>
               <a:buClr>
-                <a:srgbClr val="000000"/>
+                <a:srgbClr val="008c4f"/>
               </a:buClr>
               <a:buSzPct val="45000"/>
-              <a:buFont typeface="Wingdings" charset="2"/>
-              <a:buChar char=""/>
+              <a:buFont typeface="DejaVu Sans"/>
+              <a:buChar char="—"/>
             </a:pPr>
             <a:r>
               <a:rPr b="0" lang="en-US" sz="1600" spc="-1" strike="noStrike">
@@ -12871,7 +14153,10 @@
               </a:rPr>
               <a:t>Important stakeholder A completely rejects opinions and suppresses requirements of less important stakeholder B</a:t>
             </a:r>
-            <a:endParaRPr b="0" lang="en-GB" sz="1600" spc="-1" strike="noStrike">
+            <a:endParaRPr b="0" lang="en-US" sz="1600" spc="-1" strike="noStrike">
+              <a:solidFill>
+                <a:srgbClr val="000000"/>
+              </a:solidFill>
               <a:latin typeface="Arial"/>
             </a:endParaRPr>
           </a:p>
@@ -12886,9 +14171,9 @@
               <a:buClr>
                 <a:srgbClr val="008c4f"/>
               </a:buClr>
-              <a:buSzPct val="80000"/>
-              <a:buFont typeface="Wingdings 2" charset="2"/>
-              <a:buChar char=""/>
+              <a:buSzPct val="45000"/>
+              <a:buFont typeface="DejaVu Sans"/>
+              <a:buChar char="◾"/>
             </a:pPr>
             <a:r>
               <a:rPr b="0" lang="en-US" sz="2000" spc="-1" strike="noStrike">
@@ -12900,7 +14185,10 @@
               </a:rPr>
               <a:t>Mixed reasons</a:t>
             </a:r>
-            <a:endParaRPr b="0" lang="en-GB" sz="2000" spc="-1" strike="noStrike">
+            <a:endParaRPr b="0" lang="en-US" sz="2000" spc="-1" strike="noStrike">
+              <a:solidFill>
+                <a:srgbClr val="000000"/>
+              </a:solidFill>
               <a:latin typeface="Arial"/>
             </a:endParaRPr>
           </a:p>
@@ -12915,8 +14203,8 @@
               <a:buClr>
                 <a:srgbClr val="008c4f"/>
               </a:buClr>
-              <a:buSzPct val="45000"/>
-              <a:buFont typeface="OpenSymbol"/>
+              <a:buSzPct val="60000"/>
+              <a:buFont typeface="DejaVu Sans"/>
               <a:buChar char="—"/>
             </a:pPr>
             <a:r>
@@ -12929,7 +14217,10 @@
               </a:rPr>
               <a:t>Often a clear classification not possible</a:t>
             </a:r>
-            <a:endParaRPr b="0" lang="en-GB" sz="1800" spc="-1" strike="noStrike">
+            <a:endParaRPr b="0" lang="en-US" sz="1800" spc="-1" strike="noStrike">
+              <a:solidFill>
+                <a:srgbClr val="000000"/>
+              </a:solidFill>
               <a:latin typeface="Arial"/>
             </a:endParaRPr>
           </a:p>
@@ -12942,11 +14233,11 @@
                 <a:spcPts val="1417"/>
               </a:spcBef>
               <a:buClr>
-                <a:srgbClr val="000000"/>
+                <a:srgbClr val="008c4f"/>
               </a:buClr>
               <a:buSzPct val="45000"/>
-              <a:buFont typeface="Wingdings" charset="2"/>
-              <a:buChar char=""/>
+              <a:buFont typeface="DejaVu Sans"/>
+              <a:buChar char="—"/>
             </a:pPr>
             <a:r>
               <a:rPr b="0" lang="en-US" sz="1600" spc="-1" strike="noStrike">
@@ -12958,7 +14249,10 @@
               </a:rPr>
               <a:t>Stakeholder A wants open source due to their principles, but also due to cost objectives</a:t>
             </a:r>
-            <a:endParaRPr b="0" lang="en-GB" sz="1600" spc="-1" strike="noStrike">
+            <a:endParaRPr b="0" lang="en-US" sz="1600" spc="-1" strike="noStrike">
+              <a:solidFill>
+                <a:srgbClr val="000000"/>
+              </a:solidFill>
               <a:latin typeface="Arial"/>
             </a:endParaRPr>
           </a:p>
@@ -12971,11 +14265,11 @@
                 <a:spcPts val="1417"/>
               </a:spcBef>
               <a:buClr>
-                <a:srgbClr val="000000"/>
+                <a:srgbClr val="008c4f"/>
               </a:buClr>
               <a:buSzPct val="45000"/>
-              <a:buFont typeface="Wingdings" charset="2"/>
-              <a:buChar char=""/>
+              <a:buFont typeface="DejaVu Sans"/>
+              <a:buChar char="—"/>
             </a:pPr>
             <a:r>
               <a:rPr b="0" lang="en-US" sz="1600" spc="-1" strike="noStrike">
@@ -12987,7 +14281,10 @@
               </a:rPr>
               <a:t>Stakeholder B wants closed source due to their principles and does not care about potentially higher costs</a:t>
             </a:r>
-            <a:endParaRPr b="0" lang="en-GB" sz="1600" spc="-1" strike="noStrike">
+            <a:endParaRPr b="0" lang="en-US" sz="1600" spc="-1" strike="noStrike">
+              <a:solidFill>
+                <a:srgbClr val="000000"/>
+              </a:solidFill>
               <a:latin typeface="Arial"/>
             </a:endParaRPr>
           </a:p>
@@ -13024,7 +14321,10 @@
               </a:rPr>
               <a:t>Both conflict of interest and conflict of values</a:t>
             </a:r>
-            <a:endParaRPr b="0" lang="en-GB" sz="2000" spc="-1" strike="noStrike">
+            <a:endParaRPr b="0" lang="en-US" sz="2000" spc="-1" strike="noStrike">
+              <a:solidFill>
+                <a:srgbClr val="000000"/>
+              </a:solidFill>
               <a:latin typeface="Arial"/>
             </a:endParaRPr>
           </a:p>
@@ -13069,7 +14369,7 @@
         <p:spPr>
           <a:xfrm>
             <a:off x="542880" y="721800"/>
-            <a:ext cx="10356480" cy="497160"/>
+            <a:ext cx="10356120" cy="496800"/>
           </a:xfrm>
           <a:prstGeom prst="rect">
             <a:avLst/>
@@ -13105,7 +14405,10 @@
               </a:rPr>
               <a:t>Conflict Management</a:t>
             </a:r>
-            <a:endParaRPr b="0" lang="en-GB" sz="2200" spc="-1" strike="noStrike">
+            <a:endParaRPr b="0" lang="en-US" sz="2200" spc="-1" strike="noStrike">
+              <a:solidFill>
+                <a:srgbClr val="000000"/>
+              </a:solidFill>
               <a:latin typeface="Arial"/>
             </a:endParaRPr>
           </a:p>
@@ -13120,7 +14423,7 @@
         <p:spPr>
           <a:xfrm>
             <a:off x="542880" y="1267200"/>
-            <a:ext cx="10356480" cy="497160"/>
+            <a:ext cx="10356120" cy="496800"/>
           </a:xfrm>
           <a:prstGeom prst="rect">
             <a:avLst/>
@@ -13156,7 +14459,10 @@
               </a:rPr>
               <a:t>Conflict Resolution</a:t>
             </a:r>
-            <a:endParaRPr b="0" lang="en-GB" sz="2200" spc="-1" strike="noStrike">
+            <a:endParaRPr b="0" lang="en-US" sz="2200" spc="-1" strike="noStrike">
+              <a:solidFill>
+                <a:srgbClr val="000000"/>
+              </a:solidFill>
               <a:latin typeface="Arial"/>
             </a:endParaRPr>
           </a:p>
@@ -13171,7 +14477,7 @@
         <p:spPr>
           <a:xfrm>
             <a:off x="451800" y="1709280"/>
-            <a:ext cx="8223840" cy="4352040"/>
+            <a:ext cx="8223480" cy="4351680"/>
           </a:xfrm>
           <a:prstGeom prst="rect">
             <a:avLst/>
@@ -13187,6 +14493,19 @@
           <a:effectRef idx="0"/>
           <a:fontRef idx="minor"/>
         </p:style>
+        <p:txBody>
+          <a:bodyPr lIns="90000" rIns="90000" tIns="45000" bIns="45000" anchor="t">
+            <a:noAutofit/>
+          </a:bodyPr>
+          <a:p>
+            <a:endParaRPr b="0" lang="en-US" sz="1800" spc="-1" strike="noStrike">
+              <a:solidFill>
+                <a:srgbClr val="000000"/>
+              </a:solidFill>
+              <a:latin typeface="Arial"/>
+            </a:endParaRPr>
+          </a:p>
+        </p:txBody>
       </p:sp>
       <p:sp>
         <p:nvSpPr>
@@ -13201,7 +14520,7 @@
         <p:spPr>
           <a:xfrm>
             <a:off x="609480" y="1769400"/>
-            <a:ext cx="10586880" cy="4854960"/>
+            <a:ext cx="10586520" cy="4854600"/>
           </a:xfrm>
           <a:prstGeom prst="rect">
             <a:avLst/>
@@ -13226,9 +14545,9 @@
               <a:buClr>
                 <a:srgbClr val="008c4f"/>
               </a:buClr>
-              <a:buSzPct val="80000"/>
-              <a:buFont typeface="Wingdings 2" charset="2"/>
-              <a:buChar char=""/>
+              <a:buSzPct val="45000"/>
+              <a:buFont typeface="DejaVu Sans"/>
+              <a:buChar char="◾"/>
             </a:pPr>
             <a:r>
               <a:rPr b="0" lang="en-US" sz="2000" spc="-1" strike="noStrike">
@@ -13240,7 +14559,10 @@
               </a:rPr>
               <a:t>Most important part of the conflict management</a:t>
             </a:r>
-            <a:endParaRPr b="0" lang="en-GB" sz="2000" spc="-1" strike="noStrike">
+            <a:endParaRPr b="0" lang="en-US" sz="2000" spc="-1" strike="noStrike">
+              <a:solidFill>
+                <a:srgbClr val="000000"/>
+              </a:solidFill>
               <a:latin typeface="Arial"/>
             </a:endParaRPr>
           </a:p>
@@ -13255,8 +14577,8 @@
               <a:buClr>
                 <a:srgbClr val="008c4f"/>
               </a:buClr>
-              <a:buSzPct val="45000"/>
-              <a:buFont typeface="OpenSymbol"/>
+              <a:buSzPct val="60000"/>
+              <a:buFont typeface="DejaVu Sans"/>
               <a:buChar char="—"/>
             </a:pPr>
             <a:r>
@@ -13269,7 +14591,10 @@
               </a:rPr>
               <a:t>Fair resolution leads to acceptance by all stakeholders</a:t>
             </a:r>
-            <a:endParaRPr b="0" lang="en-GB" sz="1800" spc="-1" strike="noStrike">
+            <a:endParaRPr b="0" lang="en-US" sz="1800" spc="-1" strike="noStrike">
+              <a:solidFill>
+                <a:srgbClr val="000000"/>
+              </a:solidFill>
               <a:latin typeface="Arial"/>
             </a:endParaRPr>
           </a:p>
@@ -13284,8 +14609,8 @@
               <a:buClr>
                 <a:srgbClr val="008c4f"/>
               </a:buClr>
-              <a:buSzPct val="45000"/>
-              <a:buFont typeface="OpenSymbol"/>
+              <a:buSzPct val="60000"/>
+              <a:buFont typeface="DejaVu Sans"/>
               <a:buChar char="—"/>
             </a:pPr>
             <a:r>
@@ -13298,7 +14623,10 @@
               </a:rPr>
               <a:t>Should involve all relevant stakeholders</a:t>
             </a:r>
-            <a:endParaRPr b="0" lang="en-GB" sz="1800" spc="-1" strike="noStrike">
+            <a:endParaRPr b="0" lang="en-US" sz="1800" spc="-1" strike="noStrike">
+              <a:solidFill>
+                <a:srgbClr val="000000"/>
+              </a:solidFill>
               <a:latin typeface="Arial"/>
             </a:endParaRPr>
           </a:p>
@@ -13313,9 +14641,9 @@
               <a:buClr>
                 <a:srgbClr val="008c4f"/>
               </a:buClr>
-              <a:buSzPct val="80000"/>
-              <a:buFont typeface="Wingdings 2" charset="2"/>
-              <a:buChar char=""/>
+              <a:buSzPct val="45000"/>
+              <a:buFont typeface="DejaVu Sans"/>
+              <a:buChar char="◾"/>
             </a:pPr>
             <a:r>
               <a:rPr b="0" lang="en-US" sz="2000" spc="-1" strike="noStrike">
@@ -13327,7 +14655,10 @@
               </a:rPr>
               <a:t>Various conflict resolution techniques</a:t>
             </a:r>
-            <a:endParaRPr b="0" lang="en-GB" sz="2000" spc="-1" strike="noStrike">
+            <a:endParaRPr b="0" lang="en-US" sz="2000" spc="-1" strike="noStrike">
+              <a:solidFill>
+                <a:srgbClr val="000000"/>
+              </a:solidFill>
               <a:latin typeface="Arial"/>
             </a:endParaRPr>
           </a:p>
@@ -13342,8 +14673,8 @@
               <a:buClr>
                 <a:srgbClr val="008c4f"/>
               </a:buClr>
-              <a:buSzPct val="45000"/>
-              <a:buFont typeface="OpenSymbol"/>
+              <a:buSzPct val="60000"/>
+              <a:buFont typeface="DejaVu Sans"/>
               <a:buChar char="—"/>
             </a:pPr>
             <a:r>
@@ -13356,7 +14687,10 @@
               </a:rPr>
               <a:t>Agreement</a:t>
             </a:r>
-            <a:endParaRPr b="0" lang="en-GB" sz="1800" spc="-1" strike="noStrike">
+            <a:endParaRPr b="0" lang="en-US" sz="1800" spc="-1" strike="noStrike">
+              <a:solidFill>
+                <a:srgbClr val="000000"/>
+              </a:solidFill>
               <a:latin typeface="Arial"/>
             </a:endParaRPr>
           </a:p>
@@ -13371,8 +14705,8 @@
               <a:buClr>
                 <a:srgbClr val="008c4f"/>
               </a:buClr>
-              <a:buSzPct val="45000"/>
-              <a:buFont typeface="OpenSymbol"/>
+              <a:buSzPct val="60000"/>
+              <a:buFont typeface="DejaVu Sans"/>
               <a:buChar char="—"/>
             </a:pPr>
             <a:r>
@@ -13385,7 +14719,10 @@
               </a:rPr>
               <a:t>Compromise</a:t>
             </a:r>
-            <a:endParaRPr b="0" lang="en-GB" sz="1800" spc="-1" strike="noStrike">
+            <a:endParaRPr b="0" lang="en-US" sz="1800" spc="-1" strike="noStrike">
+              <a:solidFill>
+                <a:srgbClr val="000000"/>
+              </a:solidFill>
               <a:latin typeface="Arial"/>
             </a:endParaRPr>
           </a:p>
@@ -13400,8 +14737,8 @@
               <a:buClr>
                 <a:srgbClr val="008c4f"/>
               </a:buClr>
-              <a:buSzPct val="45000"/>
-              <a:buFont typeface="OpenSymbol"/>
+              <a:buSzPct val="60000"/>
+              <a:buFont typeface="DejaVu Sans"/>
               <a:buChar char="—"/>
             </a:pPr>
             <a:r>
@@ -13414,7 +14751,10 @@
               </a:rPr>
               <a:t>Voting</a:t>
             </a:r>
-            <a:endParaRPr b="0" lang="en-GB" sz="1800" spc="-1" strike="noStrike">
+            <a:endParaRPr b="0" lang="en-US" sz="1800" spc="-1" strike="noStrike">
+              <a:solidFill>
+                <a:srgbClr val="000000"/>
+              </a:solidFill>
               <a:latin typeface="Arial"/>
             </a:endParaRPr>
           </a:p>
@@ -13429,8 +14769,8 @@
               <a:buClr>
                 <a:srgbClr val="008c4f"/>
               </a:buClr>
-              <a:buSzPct val="45000"/>
-              <a:buFont typeface="OpenSymbol"/>
+              <a:buSzPct val="60000"/>
+              <a:buFont typeface="DejaVu Sans"/>
               <a:buChar char="—"/>
             </a:pPr>
             <a:r>
@@ -13443,7 +14783,10 @@
               </a:rPr>
               <a:t>Definition of variants</a:t>
             </a:r>
-            <a:endParaRPr b="0" lang="en-GB" sz="1800" spc="-1" strike="noStrike">
+            <a:endParaRPr b="0" lang="en-US" sz="1800" spc="-1" strike="noStrike">
+              <a:solidFill>
+                <a:srgbClr val="000000"/>
+              </a:solidFill>
               <a:latin typeface="Arial"/>
             </a:endParaRPr>
           </a:p>
@@ -13458,8 +14801,8 @@
               <a:buClr>
                 <a:srgbClr val="008c4f"/>
               </a:buClr>
-              <a:buSzPct val="45000"/>
-              <a:buFont typeface="OpenSymbol"/>
+              <a:buSzPct val="60000"/>
+              <a:buFont typeface="DejaVu Sans"/>
               <a:buChar char="—"/>
             </a:pPr>
             <a:r>
@@ -13472,7 +14815,10 @@
               </a:rPr>
               <a:t>Overruling</a:t>
             </a:r>
-            <a:endParaRPr b="0" lang="en-GB" sz="1800" spc="-1" strike="noStrike">
+            <a:endParaRPr b="0" lang="en-US" sz="1800" spc="-1" strike="noStrike">
+              <a:solidFill>
+                <a:srgbClr val="000000"/>
+              </a:solidFill>
               <a:latin typeface="Arial"/>
             </a:endParaRPr>
           </a:p>
@@ -13487,8 +14833,8 @@
               <a:buClr>
                 <a:srgbClr val="008c4f"/>
               </a:buClr>
-              <a:buSzPct val="45000"/>
-              <a:buFont typeface="OpenSymbol"/>
+              <a:buSzPct val="60000"/>
+              <a:buFont typeface="DejaVu Sans"/>
               <a:buChar char="—"/>
             </a:pPr>
             <a:r>
@@ -13501,7 +14847,10 @@
               </a:rPr>
               <a:t>Consider-all-facts</a:t>
             </a:r>
-            <a:endParaRPr b="0" lang="en-GB" sz="1800" spc="-1" strike="noStrike">
+            <a:endParaRPr b="0" lang="en-US" sz="1800" spc="-1" strike="noStrike">
+              <a:solidFill>
+                <a:srgbClr val="000000"/>
+              </a:solidFill>
               <a:latin typeface="Arial"/>
             </a:endParaRPr>
           </a:p>
@@ -13516,8 +14865,8 @@
               <a:buClr>
                 <a:srgbClr val="008c4f"/>
               </a:buClr>
-              <a:buSzPct val="45000"/>
-              <a:buFont typeface="OpenSymbol"/>
+              <a:buSzPct val="60000"/>
+              <a:buFont typeface="DejaVu Sans"/>
               <a:buChar char="—"/>
             </a:pPr>
             <a:r>
@@ -13530,7 +14879,10 @@
               </a:rPr>
               <a:t>Plus-minus-interesting</a:t>
             </a:r>
-            <a:endParaRPr b="0" lang="en-GB" sz="1800" spc="-1" strike="noStrike">
+            <a:endParaRPr b="0" lang="en-US" sz="1800" spc="-1" strike="noStrike">
+              <a:solidFill>
+                <a:srgbClr val="000000"/>
+              </a:solidFill>
               <a:latin typeface="Arial"/>
             </a:endParaRPr>
           </a:p>
@@ -13545,8 +14897,8 @@
               <a:buClr>
                 <a:srgbClr val="008c4f"/>
               </a:buClr>
-              <a:buSzPct val="45000"/>
-              <a:buFont typeface="OpenSymbol"/>
+              <a:buSzPct val="60000"/>
+              <a:buFont typeface="DejaVu Sans"/>
               <a:buChar char="—"/>
             </a:pPr>
             <a:r>
@@ -13559,7 +14911,10 @@
               </a:rPr>
               <a:t>Decision matrix</a:t>
             </a:r>
-            <a:endParaRPr b="0" lang="en-GB" sz="1800" spc="-1" strike="noStrike">
+            <a:endParaRPr b="0" lang="en-US" sz="1800" spc="-1" strike="noStrike">
+              <a:solidFill>
+                <a:srgbClr val="000000"/>
+              </a:solidFill>
               <a:latin typeface="Arial"/>
             </a:endParaRPr>
           </a:p>
@@ -13604,7 +14959,7 @@
         <p:spPr>
           <a:xfrm>
             <a:off x="542880" y="721800"/>
-            <a:ext cx="10356480" cy="497160"/>
+            <a:ext cx="10356120" cy="496800"/>
           </a:xfrm>
           <a:prstGeom prst="rect">
             <a:avLst/>
@@ -13640,7 +14995,10 @@
               </a:rPr>
               <a:t>Conflict Management</a:t>
             </a:r>
-            <a:endParaRPr b="0" lang="en-GB" sz="2200" spc="-1" strike="noStrike">
+            <a:endParaRPr b="0" lang="en-US" sz="2200" spc="-1" strike="noStrike">
+              <a:solidFill>
+                <a:srgbClr val="000000"/>
+              </a:solidFill>
               <a:latin typeface="Arial"/>
             </a:endParaRPr>
           </a:p>
@@ -13655,7 +15013,7 @@
         <p:spPr>
           <a:xfrm>
             <a:off x="542880" y="1267200"/>
-            <a:ext cx="10356480" cy="497160"/>
+            <a:ext cx="10356120" cy="496800"/>
           </a:xfrm>
           <a:prstGeom prst="rect">
             <a:avLst/>
@@ -13691,7 +15049,10 @@
               </a:rPr>
               <a:t>Conflict Resolution – Techniques </a:t>
             </a:r>
-            <a:endParaRPr b="0" lang="en-GB" sz="2200" spc="-1" strike="noStrike">
+            <a:endParaRPr b="0" lang="en-US" sz="2200" spc="-1" strike="noStrike">
+              <a:solidFill>
+                <a:srgbClr val="000000"/>
+              </a:solidFill>
               <a:latin typeface="Arial"/>
             </a:endParaRPr>
           </a:p>
@@ -13706,7 +15067,7 @@
         <p:spPr>
           <a:xfrm>
             <a:off x="451800" y="1709280"/>
-            <a:ext cx="8223840" cy="4352040"/>
+            <a:ext cx="8223480" cy="4351680"/>
           </a:xfrm>
           <a:prstGeom prst="rect">
             <a:avLst/>
@@ -13722,6 +15083,19 @@
           <a:effectRef idx="0"/>
           <a:fontRef idx="minor"/>
         </p:style>
+        <p:txBody>
+          <a:bodyPr lIns="90000" rIns="90000" tIns="45000" bIns="45000" anchor="t">
+            <a:noAutofit/>
+          </a:bodyPr>
+          <a:p>
+            <a:endParaRPr b="0" lang="en-US" sz="1800" spc="-1" strike="noStrike">
+              <a:solidFill>
+                <a:srgbClr val="000000"/>
+              </a:solidFill>
+              <a:latin typeface="Arial"/>
+            </a:endParaRPr>
+          </a:p>
+        </p:txBody>
       </p:sp>
       <p:sp>
         <p:nvSpPr>
@@ -13736,7 +15110,7 @@
         <p:spPr>
           <a:xfrm>
             <a:off x="609480" y="1769400"/>
-            <a:ext cx="10586880" cy="4854960"/>
+            <a:ext cx="10586520" cy="4854600"/>
           </a:xfrm>
           <a:prstGeom prst="rect">
             <a:avLst/>
@@ -13761,9 +15135,9 @@
               <a:buClr>
                 <a:srgbClr val="008c4f"/>
               </a:buClr>
-              <a:buSzPct val="80000"/>
-              <a:buFont typeface="Wingdings 2" charset="2"/>
-              <a:buChar char=""/>
+              <a:buSzPct val="45000"/>
+              <a:buFont typeface="DejaVu Sans"/>
+              <a:buChar char="◾"/>
             </a:pPr>
             <a:r>
               <a:rPr b="0" lang="en-US" sz="2000" spc="-1" strike="noStrike">
@@ -13775,7 +15149,10 @@
               </a:rPr>
               <a:t>Agreement</a:t>
             </a:r>
-            <a:endParaRPr b="0" lang="en-GB" sz="2000" spc="-1" strike="noStrike">
+            <a:endParaRPr b="0" lang="en-US" sz="2000" spc="-1" strike="noStrike">
+              <a:solidFill>
+                <a:srgbClr val="000000"/>
+              </a:solidFill>
               <a:latin typeface="Arial"/>
             </a:endParaRPr>
           </a:p>
@@ -13790,8 +15167,8 @@
               <a:buClr>
                 <a:srgbClr val="008c4f"/>
               </a:buClr>
-              <a:buSzPct val="45000"/>
-              <a:buFont typeface="OpenSymbol"/>
+              <a:buSzPct val="60000"/>
+              <a:buFont typeface="DejaVu Sans"/>
               <a:buChar char="—"/>
             </a:pPr>
             <a:r>
@@ -13804,7 +15181,10 @@
               </a:rPr>
               <a:t>All conflict parties negotiate a solution to the conflict</a:t>
             </a:r>
-            <a:endParaRPr b="0" lang="en-GB" sz="1800" spc="-1" strike="noStrike">
+            <a:endParaRPr b="0" lang="en-US" sz="1800" spc="-1" strike="noStrike">
+              <a:solidFill>
+                <a:srgbClr val="000000"/>
+              </a:solidFill>
               <a:latin typeface="Arial"/>
             </a:endParaRPr>
           </a:p>
@@ -13819,8 +15199,8 @@
               <a:buClr>
                 <a:srgbClr val="008c4f"/>
               </a:buClr>
-              <a:buSzPct val="45000"/>
-              <a:buFont typeface="OpenSymbol"/>
+              <a:buSzPct val="60000"/>
+              <a:buFont typeface="DejaVu Sans"/>
               <a:buChar char="—"/>
             </a:pPr>
             <a:r>
@@ -13833,7 +15213,10 @@
               </a:rPr>
               <a:t>Exchange of information, ideas, arguments, and opinions</a:t>
             </a:r>
-            <a:endParaRPr b="0" lang="en-GB" sz="1800" spc="-1" strike="noStrike">
+            <a:endParaRPr b="0" lang="en-US" sz="1800" spc="-1" strike="noStrike">
+              <a:solidFill>
+                <a:srgbClr val="000000"/>
+              </a:solidFill>
               <a:latin typeface="Arial"/>
             </a:endParaRPr>
           </a:p>
@@ -13848,8 +15231,8 @@
               <a:buClr>
                 <a:srgbClr val="008c4f"/>
               </a:buClr>
-              <a:buSzPct val="45000"/>
-              <a:buFont typeface="OpenSymbol"/>
+              <a:buSzPct val="60000"/>
+              <a:buFont typeface="DejaVu Sans"/>
               <a:buChar char="—"/>
             </a:pPr>
             <a:r>
@@ -13862,7 +15245,10 @@
               </a:rPr>
               <a:t>Results in an agreeable solution for everyone</a:t>
             </a:r>
-            <a:endParaRPr b="0" lang="en-GB" sz="1800" spc="-1" strike="noStrike">
+            <a:endParaRPr b="0" lang="en-US" sz="1800" spc="-1" strike="noStrike">
+              <a:solidFill>
+                <a:srgbClr val="000000"/>
+              </a:solidFill>
               <a:latin typeface="Arial"/>
             </a:endParaRPr>
           </a:p>
@@ -13875,11 +15261,11 @@
                 <a:spcPts val="1417"/>
               </a:spcBef>
               <a:buClr>
-                <a:srgbClr val="000000"/>
+                <a:srgbClr val="008c4f"/>
               </a:buClr>
               <a:buSzPct val="45000"/>
-              <a:buFont typeface="Wingdings" charset="2"/>
-              <a:buChar char=""/>
+              <a:buFont typeface="DejaVu Sans"/>
+              <a:buChar char="—"/>
             </a:pPr>
             <a:r>
               <a:rPr b="0" lang="en-US" sz="1600" spc="-1" strike="noStrike">
@@ -13891,7 +15277,10 @@
               </a:rPr>
               <a:t>One of the alternatives is selected</a:t>
             </a:r>
-            <a:endParaRPr b="0" lang="en-GB" sz="1600" spc="-1" strike="noStrike">
+            <a:endParaRPr b="0" lang="en-US" sz="1600" spc="-1" strike="noStrike">
+              <a:solidFill>
+                <a:srgbClr val="000000"/>
+              </a:solidFill>
               <a:latin typeface="Arial"/>
             </a:endParaRPr>
           </a:p>
@@ -13906,9 +15295,9 @@
               <a:buClr>
                 <a:srgbClr val="008c4f"/>
               </a:buClr>
-              <a:buSzPct val="80000"/>
-              <a:buFont typeface="Wingdings 2" charset="2"/>
-              <a:buChar char=""/>
+              <a:buSzPct val="45000"/>
+              <a:buFont typeface="DejaVu Sans"/>
+              <a:buChar char="◾"/>
             </a:pPr>
             <a:r>
               <a:rPr b="0" lang="en-US" sz="2000" spc="-1" strike="noStrike">
@@ -13920,7 +15309,10 @@
               </a:rPr>
               <a:t>Compromise</a:t>
             </a:r>
-            <a:endParaRPr b="0" lang="en-GB" sz="2000" spc="-1" strike="noStrike">
+            <a:endParaRPr b="0" lang="en-US" sz="2000" spc="-1" strike="noStrike">
+              <a:solidFill>
+                <a:srgbClr val="000000"/>
+              </a:solidFill>
               <a:latin typeface="Arial"/>
             </a:endParaRPr>
           </a:p>
@@ -13935,8 +15327,8 @@
               <a:buClr>
                 <a:srgbClr val="008c4f"/>
               </a:buClr>
-              <a:buSzPct val="45000"/>
-              <a:buFont typeface="OpenSymbol"/>
+              <a:buSzPct val="60000"/>
+              <a:buFont typeface="DejaVu Sans"/>
               <a:buChar char="—"/>
             </a:pPr>
             <a:r>
@@ -13949,7 +15341,10 @@
               </a:rPr>
               <a:t>All conflict parties try to find a compromise between alternative solutions</a:t>
             </a:r>
-            <a:endParaRPr b="0" lang="en-GB" sz="1800" spc="-1" strike="noStrike">
+            <a:endParaRPr b="0" lang="en-US" sz="1800" spc="-1" strike="noStrike">
+              <a:solidFill>
+                <a:srgbClr val="000000"/>
+              </a:solidFill>
               <a:latin typeface="Arial"/>
             </a:endParaRPr>
           </a:p>
@@ -13964,8 +15359,8 @@
               <a:buClr>
                 <a:srgbClr val="008c4f"/>
               </a:buClr>
-              <a:buSzPct val="45000"/>
-              <a:buFont typeface="OpenSymbol"/>
+              <a:buSzPct val="60000"/>
+              <a:buFont typeface="DejaVu Sans"/>
               <a:buChar char="—"/>
             </a:pPr>
             <a:r>
@@ -13978,7 +15373,10 @@
               </a:rPr>
               <a:t>Difference to agreement:</a:t>
             </a:r>
-            <a:endParaRPr b="0" lang="en-GB" sz="1800" spc="-1" strike="noStrike">
+            <a:endParaRPr b="0" lang="en-US" sz="1800" spc="-1" strike="noStrike">
+              <a:solidFill>
+                <a:srgbClr val="000000"/>
+              </a:solidFill>
               <a:latin typeface="Arial"/>
             </a:endParaRPr>
           </a:p>
@@ -13991,11 +15389,11 @@
                 <a:spcPts val="1417"/>
               </a:spcBef>
               <a:buClr>
-                <a:srgbClr val="000000"/>
+                <a:srgbClr val="008c4f"/>
               </a:buClr>
               <a:buSzPct val="45000"/>
-              <a:buFont typeface="Wingdings" charset="2"/>
-              <a:buChar char=""/>
+              <a:buFont typeface="DejaVu Sans"/>
+              <a:buChar char="—"/>
             </a:pPr>
             <a:r>
               <a:rPr b="0" lang="en-US" sz="1600" spc="-1" strike="noStrike">
@@ -14007,7 +15405,10 @@
               </a:rPr>
               <a:t>Mix and match different parts of alternate solutions</a:t>
             </a:r>
-            <a:endParaRPr b="0" lang="en-GB" sz="1600" spc="-1" strike="noStrike">
+            <a:endParaRPr b="0" lang="en-US" sz="1600" spc="-1" strike="noStrike">
+              <a:solidFill>
+                <a:srgbClr val="000000"/>
+              </a:solidFill>
               <a:latin typeface="Arial"/>
             </a:endParaRPr>
           </a:p>
@@ -14020,11 +15421,11 @@
                 <a:spcPts val="1417"/>
               </a:spcBef>
               <a:buClr>
-                <a:srgbClr val="000000"/>
+                <a:srgbClr val="008c4f"/>
               </a:buClr>
               <a:buSzPct val="45000"/>
-              <a:buFont typeface="Wingdings" charset="2"/>
-              <a:buChar char=""/>
+              <a:buFont typeface="DejaVu Sans"/>
+              <a:buChar char="—"/>
             </a:pPr>
             <a:r>
               <a:rPr b="0" lang="en-US" sz="1600" spc="-1" strike="noStrike">
@@ -14036,7 +15437,10 @@
               </a:rPr>
               <a:t>Possibly a completely new alternative solution</a:t>
             </a:r>
-            <a:endParaRPr b="0" lang="en-GB" sz="1600" spc="-1" strike="noStrike">
+            <a:endParaRPr b="0" lang="en-US" sz="1600" spc="-1" strike="noStrike">
+              <a:solidFill>
+                <a:srgbClr val="000000"/>
+              </a:solidFill>
               <a:latin typeface="Arial"/>
             </a:endParaRPr>
           </a:p>
@@ -14081,7 +15485,7 @@
         <p:spPr>
           <a:xfrm>
             <a:off x="542880" y="721800"/>
-            <a:ext cx="10356480" cy="497160"/>
+            <a:ext cx="10356120" cy="496800"/>
           </a:xfrm>
           <a:prstGeom prst="rect">
             <a:avLst/>
@@ -14117,7 +15521,10 @@
               </a:rPr>
               <a:t>Conflict Management</a:t>
             </a:r>
-            <a:endParaRPr b="0" lang="en-GB" sz="2200" spc="-1" strike="noStrike">
+            <a:endParaRPr b="0" lang="en-US" sz="2200" spc="-1" strike="noStrike">
+              <a:solidFill>
+                <a:srgbClr val="000000"/>
+              </a:solidFill>
               <a:latin typeface="Arial"/>
             </a:endParaRPr>
           </a:p>
@@ -14132,7 +15539,7 @@
         <p:spPr>
           <a:xfrm>
             <a:off x="542880" y="1267200"/>
-            <a:ext cx="10356480" cy="497160"/>
+            <a:ext cx="10356120" cy="496800"/>
           </a:xfrm>
           <a:prstGeom prst="rect">
             <a:avLst/>
@@ -14168,7 +15575,10 @@
               </a:rPr>
               <a:t>Conflict Resolution – Techniques </a:t>
             </a:r>
-            <a:endParaRPr b="0" lang="en-GB" sz="2200" spc="-1" strike="noStrike">
+            <a:endParaRPr b="0" lang="en-US" sz="2200" spc="-1" strike="noStrike">
+              <a:solidFill>
+                <a:srgbClr val="000000"/>
+              </a:solidFill>
               <a:latin typeface="Arial"/>
             </a:endParaRPr>
           </a:p>
@@ -14183,7 +15593,7 @@
         <p:spPr>
           <a:xfrm>
             <a:off x="451800" y="1709280"/>
-            <a:ext cx="8223840" cy="4352040"/>
+            <a:ext cx="8223480" cy="4351680"/>
           </a:xfrm>
           <a:prstGeom prst="rect">
             <a:avLst/>
@@ -14199,6 +15609,19 @@
           <a:effectRef idx="0"/>
           <a:fontRef idx="minor"/>
         </p:style>
+        <p:txBody>
+          <a:bodyPr lIns="90000" rIns="90000" tIns="45000" bIns="45000" anchor="t">
+            <a:noAutofit/>
+          </a:bodyPr>
+          <a:p>
+            <a:endParaRPr b="0" lang="en-US" sz="1800" spc="-1" strike="noStrike">
+              <a:solidFill>
+                <a:srgbClr val="000000"/>
+              </a:solidFill>
+              <a:latin typeface="Arial"/>
+            </a:endParaRPr>
+          </a:p>
+        </p:txBody>
       </p:sp>
       <p:sp>
         <p:nvSpPr>
@@ -14213,7 +15636,7 @@
         <p:spPr>
           <a:xfrm>
             <a:off x="609480" y="1769400"/>
-            <a:ext cx="10586880" cy="4854960"/>
+            <a:ext cx="10586520" cy="4854600"/>
           </a:xfrm>
           <a:prstGeom prst="rect">
             <a:avLst/>
@@ -14238,9 +15661,9 @@
               <a:buClr>
                 <a:srgbClr val="008c4f"/>
               </a:buClr>
-              <a:buSzPct val="80000"/>
-              <a:buFont typeface="Wingdings 2" charset="2"/>
-              <a:buChar char=""/>
+              <a:buSzPct val="45000"/>
+              <a:buFont typeface="DejaVu Sans"/>
+              <a:buChar char="◾"/>
             </a:pPr>
             <a:r>
               <a:rPr b="0" lang="en-US" sz="2000" spc="-1" strike="noStrike">
@@ -14252,7 +15675,10 @@
               </a:rPr>
               <a:t>Voting</a:t>
             </a:r>
-            <a:endParaRPr b="0" lang="en-GB" sz="2000" spc="-1" strike="noStrike">
+            <a:endParaRPr b="0" lang="en-US" sz="2000" spc="-1" strike="noStrike">
+              <a:solidFill>
+                <a:srgbClr val="000000"/>
+              </a:solidFill>
               <a:latin typeface="Arial"/>
             </a:endParaRPr>
           </a:p>
@@ -14267,8 +15693,8 @@
               <a:buClr>
                 <a:srgbClr val="008c4f"/>
               </a:buClr>
-              <a:buSzPct val="45000"/>
-              <a:buFont typeface="OpenSymbol"/>
+              <a:buSzPct val="60000"/>
+              <a:buFont typeface="DejaVu Sans"/>
               <a:buChar char="—"/>
             </a:pPr>
             <a:r>
@@ -14281,7 +15707,10 @@
               </a:rPr>
               <a:t>All possible solution alternatives are presented to the relevant stakeholders</a:t>
             </a:r>
-            <a:endParaRPr b="0" lang="en-GB" sz="1800" spc="-1" strike="noStrike">
+            <a:endParaRPr b="0" lang="en-US" sz="1800" spc="-1" strike="noStrike">
+              <a:solidFill>
+                <a:srgbClr val="000000"/>
+              </a:solidFill>
               <a:latin typeface="Arial"/>
             </a:endParaRPr>
           </a:p>
@@ -14296,8 +15725,8 @@
               <a:buClr>
                 <a:srgbClr val="008c4f"/>
               </a:buClr>
-              <a:buSzPct val="45000"/>
-              <a:buFont typeface="OpenSymbol"/>
+              <a:buSzPct val="60000"/>
+              <a:buFont typeface="DejaVu Sans"/>
               <a:buChar char="—"/>
             </a:pPr>
             <a:r>
@@ -14310,7 +15739,10 @@
               </a:rPr>
               <a:t>All conflict parties vote on solution alternatives</a:t>
             </a:r>
-            <a:endParaRPr b="0" lang="en-GB" sz="1800" spc="-1" strike="noStrike">
+            <a:endParaRPr b="0" lang="en-US" sz="1800" spc="-1" strike="noStrike">
+              <a:solidFill>
+                <a:srgbClr val="000000"/>
+              </a:solidFill>
               <a:latin typeface="Arial"/>
             </a:endParaRPr>
           </a:p>
@@ -14325,8 +15757,8 @@
               <a:buClr>
                 <a:srgbClr val="008c4f"/>
               </a:buClr>
-              <a:buSzPct val="45000"/>
-              <a:buFont typeface="OpenSymbol"/>
+              <a:buSzPct val="60000"/>
+              <a:buFont typeface="DejaVu Sans"/>
               <a:buChar char="—"/>
             </a:pPr>
             <a:r>
@@ -14339,7 +15771,10 @@
               </a:rPr>
               <a:t>Alternative with the most votes is the accepted solution</a:t>
             </a:r>
-            <a:endParaRPr b="0" lang="en-GB" sz="1800" spc="-1" strike="noStrike">
+            <a:endParaRPr b="0" lang="en-US" sz="1800" spc="-1" strike="noStrike">
+              <a:solidFill>
+                <a:srgbClr val="000000"/>
+              </a:solidFill>
               <a:latin typeface="Arial"/>
             </a:endParaRPr>
           </a:p>
@@ -14356,7 +15791,10 @@
                 <a:tab algn="l" pos="0"/>
               </a:tabLst>
             </a:pPr>
-            <a:endParaRPr b="0" lang="en-GB" sz="1800" spc="-1" strike="noStrike">
+            <a:endParaRPr b="0" lang="en-US" sz="1800" spc="-1" strike="noStrike">
+              <a:solidFill>
+                <a:srgbClr val="000000"/>
+              </a:solidFill>
               <a:latin typeface="Arial"/>
             </a:endParaRPr>
           </a:p>
@@ -14371,9 +15809,9 @@
               <a:buClr>
                 <a:srgbClr val="008c4f"/>
               </a:buClr>
-              <a:buSzPct val="80000"/>
-              <a:buFont typeface="Wingdings 2" charset="2"/>
-              <a:buChar char=""/>
+              <a:buSzPct val="45000"/>
+              <a:buFont typeface="DejaVu Sans"/>
+              <a:buChar char="◾"/>
               <a:tabLst>
                 <a:tab algn="l" pos="0"/>
               </a:tabLst>
@@ -14388,7 +15826,10 @@
               </a:rPr>
               <a:t>Definition of variants</a:t>
             </a:r>
-            <a:endParaRPr b="0" lang="en-GB" sz="2000" spc="-1" strike="noStrike">
+            <a:endParaRPr b="0" lang="en-US" sz="2000" spc="-1" strike="noStrike">
+              <a:solidFill>
+                <a:srgbClr val="000000"/>
+              </a:solidFill>
               <a:latin typeface="Arial"/>
             </a:endParaRPr>
           </a:p>
@@ -14403,8 +15844,8 @@
               <a:buClr>
                 <a:srgbClr val="008c4f"/>
               </a:buClr>
-              <a:buSzPct val="45000"/>
-              <a:buFont typeface="OpenSymbol"/>
+              <a:buSzPct val="60000"/>
+              <a:buFont typeface="DejaVu Sans"/>
               <a:buChar char="—"/>
               <a:tabLst>
                 <a:tab algn="l" pos="0"/>
@@ -14420,7 +15861,10 @@
               </a:rPr>
               <a:t>The system is developed to allow multiple alternatives through configuration</a:t>
             </a:r>
-            <a:endParaRPr b="0" lang="en-GB" sz="1800" spc="-1" strike="noStrike">
+            <a:endParaRPr b="0" lang="en-US" sz="1800" spc="-1" strike="noStrike">
+              <a:solidFill>
+                <a:srgbClr val="000000"/>
+              </a:solidFill>
               <a:latin typeface="Arial"/>
             </a:endParaRPr>
           </a:p>
@@ -14433,11 +15877,11 @@
                 <a:spcPts val="1417"/>
               </a:spcBef>
               <a:buClr>
-                <a:srgbClr val="000000"/>
+                <a:srgbClr val="008c4f"/>
               </a:buClr>
               <a:buSzPct val="45000"/>
-              <a:buFont typeface="Wingdings" charset="2"/>
-              <a:buChar char=""/>
+              <a:buFont typeface="DejaVu Sans"/>
+              <a:buChar char="—"/>
               <a:tabLst>
                 <a:tab algn="l" pos="0"/>
               </a:tabLst>
@@ -14452,7 +15896,10 @@
               </a:rPr>
               <a:t>System directly satisfies the needs of the stakeholder without restrictions</a:t>
             </a:r>
-            <a:endParaRPr b="0" lang="en-GB" sz="1600" spc="-1" strike="noStrike">
+            <a:endParaRPr b="0" lang="en-US" sz="1600" spc="-1" strike="noStrike">
+              <a:solidFill>
+                <a:srgbClr val="000000"/>
+              </a:solidFill>
               <a:latin typeface="Arial"/>
             </a:endParaRPr>
           </a:p>
@@ -14465,11 +15912,11 @@
                 <a:spcPts val="1417"/>
               </a:spcBef>
               <a:buClr>
-                <a:srgbClr val="000000"/>
+                <a:srgbClr val="008c4f"/>
               </a:buClr>
               <a:buSzPct val="45000"/>
-              <a:buFont typeface="Wingdings" charset="2"/>
-              <a:buChar char=""/>
+              <a:buFont typeface="DejaVu Sans"/>
+              <a:buChar char="—"/>
               <a:tabLst>
                 <a:tab algn="l" pos="0"/>
               </a:tabLst>
@@ -14484,7 +15931,10 @@
               </a:rPr>
               <a:t>Usually associated with higher costs</a:t>
             </a:r>
-            <a:endParaRPr b="0" lang="en-GB" sz="1600" spc="-1" strike="noStrike">
+            <a:endParaRPr b="0" lang="en-US" sz="1600" spc="-1" strike="noStrike">
+              <a:solidFill>
+                <a:srgbClr val="000000"/>
+              </a:solidFill>
               <a:latin typeface="Arial"/>
             </a:endParaRPr>
           </a:p>
@@ -14529,7 +15979,7 @@
         <p:spPr>
           <a:xfrm>
             <a:off x="542880" y="721800"/>
-            <a:ext cx="10356480" cy="497160"/>
+            <a:ext cx="10356120" cy="496800"/>
           </a:xfrm>
           <a:prstGeom prst="rect">
             <a:avLst/>
@@ -14565,7 +16015,10 @@
               </a:rPr>
               <a:t>Conflict Management</a:t>
             </a:r>
-            <a:endParaRPr b="0" lang="en-GB" sz="2200" spc="-1" strike="noStrike">
+            <a:endParaRPr b="0" lang="en-US" sz="2200" spc="-1" strike="noStrike">
+              <a:solidFill>
+                <a:srgbClr val="000000"/>
+              </a:solidFill>
               <a:latin typeface="Arial"/>
             </a:endParaRPr>
           </a:p>
@@ -14580,7 +16033,7 @@
         <p:spPr>
           <a:xfrm>
             <a:off x="542880" y="1267200"/>
-            <a:ext cx="10356480" cy="497160"/>
+            <a:ext cx="10356120" cy="496800"/>
           </a:xfrm>
           <a:prstGeom prst="rect">
             <a:avLst/>
@@ -14616,7 +16069,10 @@
               </a:rPr>
               <a:t>Conflict Resolution – Techniques </a:t>
             </a:r>
-            <a:endParaRPr b="0" lang="en-GB" sz="2200" spc="-1" strike="noStrike">
+            <a:endParaRPr b="0" lang="en-US" sz="2200" spc="-1" strike="noStrike">
+              <a:solidFill>
+                <a:srgbClr val="000000"/>
+              </a:solidFill>
               <a:latin typeface="Arial"/>
             </a:endParaRPr>
           </a:p>
@@ -14631,7 +16087,7 @@
         <p:spPr>
           <a:xfrm>
             <a:off x="451800" y="1709280"/>
-            <a:ext cx="8223840" cy="4352040"/>
+            <a:ext cx="8223480" cy="4351680"/>
           </a:xfrm>
           <a:prstGeom prst="rect">
             <a:avLst/>
@@ -14647,6 +16103,19 @@
           <a:effectRef idx="0"/>
           <a:fontRef idx="minor"/>
         </p:style>
+        <p:txBody>
+          <a:bodyPr lIns="90000" rIns="90000" tIns="45000" bIns="45000" anchor="t">
+            <a:noAutofit/>
+          </a:bodyPr>
+          <a:p>
+            <a:endParaRPr b="0" lang="en-US" sz="1800" spc="-1" strike="noStrike">
+              <a:solidFill>
+                <a:srgbClr val="000000"/>
+              </a:solidFill>
+              <a:latin typeface="Arial"/>
+            </a:endParaRPr>
+          </a:p>
+        </p:txBody>
       </p:sp>
       <p:sp>
         <p:nvSpPr>
@@ -14661,7 +16130,7 @@
         <p:spPr>
           <a:xfrm>
             <a:off x="609480" y="1769400"/>
-            <a:ext cx="10586880" cy="4854960"/>
+            <a:ext cx="10586520" cy="4854600"/>
           </a:xfrm>
           <a:prstGeom prst="rect">
             <a:avLst/>
@@ -14686,9 +16155,9 @@
               <a:buClr>
                 <a:srgbClr val="008c4f"/>
               </a:buClr>
-              <a:buSzPct val="80000"/>
-              <a:buFont typeface="Wingdings 2" charset="2"/>
-              <a:buChar char=""/>
+              <a:buSzPct val="45000"/>
+              <a:buFont typeface="DejaVu Sans"/>
+              <a:buChar char="◾"/>
             </a:pPr>
             <a:r>
               <a:rPr b="0" lang="en-US" sz="2000" spc="-1" strike="noStrike">
@@ -14700,7 +16169,10 @@
               </a:rPr>
               <a:t>Overruling</a:t>
             </a:r>
-            <a:endParaRPr b="0" lang="en-GB" sz="2000" spc="-1" strike="noStrike">
+            <a:endParaRPr b="0" lang="en-US" sz="2000" spc="-1" strike="noStrike">
+              <a:solidFill>
+                <a:srgbClr val="000000"/>
+              </a:solidFill>
               <a:latin typeface="Arial"/>
             </a:endParaRPr>
           </a:p>
@@ -14715,8 +16187,8 @@
               <a:buClr>
                 <a:srgbClr val="008c4f"/>
               </a:buClr>
-              <a:buSzPct val="45000"/>
-              <a:buFont typeface="OpenSymbol"/>
+              <a:buSzPct val="60000"/>
+              <a:buFont typeface="DejaVu Sans"/>
               <a:buChar char="—"/>
             </a:pPr>
             <a:r>
@@ -14729,7 +16201,10 @@
               </a:rPr>
               <a:t>Conflicts are resolved by hierarchical means</a:t>
             </a:r>
-            <a:endParaRPr b="0" lang="en-GB" sz="1800" spc="-1" strike="noStrike">
+            <a:endParaRPr b="0" lang="en-US" sz="1800" spc="-1" strike="noStrike">
+              <a:solidFill>
+                <a:srgbClr val="000000"/>
+              </a:solidFill>
               <a:latin typeface="Arial"/>
             </a:endParaRPr>
           </a:p>
@@ -14744,8 +16219,8 @@
               <a:buClr>
                 <a:srgbClr val="008c4f"/>
               </a:buClr>
-              <a:buSzPct val="45000"/>
-              <a:buFont typeface="OpenSymbol"/>
+              <a:buSzPct val="60000"/>
+              <a:buFont typeface="DejaVu Sans"/>
               <a:buChar char="—"/>
             </a:pPr>
             <a:r>
@@ -14758,7 +16233,10 @@
               </a:rPr>
               <a:t>The solution of the party higher up in the hierarchy is selected</a:t>
             </a:r>
-            <a:endParaRPr b="0" lang="en-GB" sz="1800" spc="-1" strike="noStrike">
+            <a:endParaRPr b="0" lang="en-US" sz="1800" spc="-1" strike="noStrike">
+              <a:solidFill>
+                <a:srgbClr val="000000"/>
+              </a:solidFill>
               <a:latin typeface="Arial"/>
             </a:endParaRPr>
           </a:p>
@@ -14771,11 +16249,11 @@
                 <a:spcPts val="1417"/>
               </a:spcBef>
               <a:buClr>
-                <a:srgbClr val="000000"/>
+                <a:srgbClr val="008c4f"/>
               </a:buClr>
               <a:buSzPct val="45000"/>
-              <a:buFont typeface="Wingdings" charset="2"/>
-              <a:buChar char=""/>
+              <a:buFont typeface="DejaVu Sans"/>
+              <a:buChar char="—"/>
             </a:pPr>
             <a:r>
               <a:rPr b="0" lang="en-US" sz="1600" spc="-1" strike="noStrike">
@@ -14787,7 +16265,10 @@
               </a:rPr>
               <a:t>If both parties are on the same level, a superior or third party decides</a:t>
             </a:r>
-            <a:endParaRPr b="0" lang="en-GB" sz="1600" spc="-1" strike="noStrike">
+            <a:endParaRPr b="0" lang="en-US" sz="1600" spc="-1" strike="noStrike">
+              <a:solidFill>
+                <a:srgbClr val="000000"/>
+              </a:solidFill>
               <a:latin typeface="Arial"/>
             </a:endParaRPr>
           </a:p>
@@ -14802,8 +16283,8 @@
               <a:buClr>
                 <a:srgbClr val="008c4f"/>
               </a:buClr>
-              <a:buSzPct val="45000"/>
-              <a:buFont typeface="OpenSymbol"/>
+              <a:buSzPct val="60000"/>
+              <a:buFont typeface="DejaVu Sans"/>
               <a:buChar char="—"/>
             </a:pPr>
             <a:r>
@@ -14816,7 +16297,10 @@
               </a:rPr>
               <a:t>Only advisable if other techniques failed!</a:t>
             </a:r>
-            <a:endParaRPr b="0" lang="en-GB" sz="1800" spc="-1" strike="noStrike">
+            <a:endParaRPr b="0" lang="en-US" sz="1800" spc="-1" strike="noStrike">
+              <a:solidFill>
+                <a:srgbClr val="000000"/>
+              </a:solidFill>
               <a:latin typeface="Arial"/>
             </a:endParaRPr>
           </a:p>
@@ -14831,9 +16315,9 @@
               <a:buClr>
                 <a:srgbClr val="008c4f"/>
               </a:buClr>
-              <a:buSzPct val="80000"/>
-              <a:buFont typeface="Wingdings 2" charset="2"/>
-              <a:buChar char=""/>
+              <a:buSzPct val="45000"/>
+              <a:buFont typeface="DejaVu Sans"/>
+              <a:buChar char="◾"/>
             </a:pPr>
             <a:r>
               <a:rPr b="0" lang="en-US" sz="2000" spc="-1" strike="noStrike">
@@ -14845,7 +16329,10 @@
               </a:rPr>
               <a:t>Consider-all-facts</a:t>
             </a:r>
-            <a:endParaRPr b="0" lang="en-GB" sz="2000" spc="-1" strike="noStrike">
+            <a:endParaRPr b="0" lang="en-US" sz="2000" spc="-1" strike="noStrike">
+              <a:solidFill>
+                <a:srgbClr val="000000"/>
+              </a:solidFill>
               <a:latin typeface="Arial"/>
             </a:endParaRPr>
           </a:p>
@@ -14860,8 +16347,8 @@
               <a:buClr>
                 <a:srgbClr val="008c4f"/>
               </a:buClr>
-              <a:buSzPct val="45000"/>
-              <a:buFont typeface="OpenSymbol"/>
+              <a:buSzPct val="60000"/>
+              <a:buFont typeface="DejaVu Sans"/>
               <a:buChar char="—"/>
             </a:pPr>
             <a:r>
@@ -14874,7 +16361,10 @@
               </a:rPr>
               <a:t>Not really a technique by itself</a:t>
             </a:r>
-            <a:endParaRPr b="0" lang="en-GB" sz="1800" spc="-1" strike="noStrike">
+            <a:endParaRPr b="0" lang="en-US" sz="1800" spc="-1" strike="noStrike">
+              <a:solidFill>
+                <a:srgbClr val="000000"/>
+              </a:solidFill>
               <a:latin typeface="Arial"/>
             </a:endParaRPr>
           </a:p>
@@ -14889,8 +16379,8 @@
               <a:buClr>
                 <a:srgbClr val="008c4f"/>
               </a:buClr>
-              <a:buSzPct val="45000"/>
-              <a:buFont typeface="OpenSymbol"/>
+              <a:buSzPct val="60000"/>
+              <a:buFont typeface="DejaVu Sans"/>
               <a:buChar char="—"/>
             </a:pPr>
             <a:r>
@@ -14903,7 +16393,10 @@
               </a:rPr>
               <a:t>Precursor to plus-minus-interesting and decision matrix</a:t>
             </a:r>
-            <a:endParaRPr b="0" lang="en-GB" sz="1800" spc="-1" strike="noStrike">
+            <a:endParaRPr b="0" lang="en-US" sz="1800" spc="-1" strike="noStrike">
+              <a:solidFill>
+                <a:srgbClr val="000000"/>
+              </a:solidFill>
               <a:latin typeface="Arial"/>
             </a:endParaRPr>
           </a:p>
@@ -14918,8 +16411,8 @@
               <a:buClr>
                 <a:srgbClr val="008c4f"/>
               </a:buClr>
-              <a:buSzPct val="45000"/>
-              <a:buFont typeface="OpenSymbol"/>
+              <a:buSzPct val="60000"/>
+              <a:buFont typeface="DejaVu Sans"/>
               <a:buChar char="—"/>
             </a:pPr>
             <a:r>
@@ -14932,7 +16425,10 @@
               </a:rPr>
               <a:t>As much information about the conflict as possible is collected</a:t>
             </a:r>
-            <a:endParaRPr b="0" lang="en-GB" sz="1800" spc="-1" strike="noStrike">
+            <a:endParaRPr b="0" lang="en-US" sz="1800" spc="-1" strike="noStrike">
+              <a:solidFill>
+                <a:srgbClr val="000000"/>
+              </a:solidFill>
               <a:latin typeface="Arial"/>
             </a:endParaRPr>
           </a:p>
@@ -14947,8 +16443,8 @@
               <a:buClr>
                 <a:srgbClr val="008c4f"/>
               </a:buClr>
-              <a:buSzPct val="45000"/>
-              <a:buFont typeface="OpenSymbol"/>
+              <a:buSzPct val="60000"/>
+              <a:buFont typeface="DejaVu Sans"/>
               <a:buChar char="—"/>
             </a:pPr>
             <a:r>
@@ -14961,7 +16457,10 @@
               </a:rPr>
               <a:t>Influence factors are prioritized and their relevance is determined</a:t>
             </a:r>
-            <a:endParaRPr b="0" lang="en-GB" sz="1800" spc="-1" strike="noStrike">
+            <a:endParaRPr b="0" lang="en-US" sz="1800" spc="-1" strike="noStrike">
+              <a:solidFill>
+                <a:srgbClr val="000000"/>
+              </a:solidFill>
               <a:latin typeface="Arial"/>
             </a:endParaRPr>
           </a:p>
@@ -15006,7 +16505,7 @@
         <p:spPr>
           <a:xfrm>
             <a:off x="542880" y="721800"/>
-            <a:ext cx="10356480" cy="497160"/>
+            <a:ext cx="10356120" cy="496800"/>
           </a:xfrm>
           <a:prstGeom prst="rect">
             <a:avLst/>
@@ -15042,7 +16541,10 @@
               </a:rPr>
               <a:t>Conflict Management</a:t>
             </a:r>
-            <a:endParaRPr b="0" lang="en-GB" sz="2200" spc="-1" strike="noStrike">
+            <a:endParaRPr b="0" lang="en-US" sz="2200" spc="-1" strike="noStrike">
+              <a:solidFill>
+                <a:srgbClr val="000000"/>
+              </a:solidFill>
               <a:latin typeface="Arial"/>
             </a:endParaRPr>
           </a:p>
@@ -15057,7 +16559,7 @@
         <p:spPr>
           <a:xfrm>
             <a:off x="542880" y="1267200"/>
-            <a:ext cx="10356480" cy="497160"/>
+            <a:ext cx="10356120" cy="496800"/>
           </a:xfrm>
           <a:prstGeom prst="rect">
             <a:avLst/>
@@ -15093,7 +16595,10 @@
               </a:rPr>
               <a:t>Conflict Resolution – Techniques </a:t>
             </a:r>
-            <a:endParaRPr b="0" lang="en-GB" sz="2200" spc="-1" strike="noStrike">
+            <a:endParaRPr b="0" lang="en-US" sz="2200" spc="-1" strike="noStrike">
+              <a:solidFill>
+                <a:srgbClr val="000000"/>
+              </a:solidFill>
               <a:latin typeface="Arial"/>
             </a:endParaRPr>
           </a:p>
@@ -15108,7 +16613,7 @@
         <p:spPr>
           <a:xfrm>
             <a:off x="451800" y="1709280"/>
-            <a:ext cx="8223840" cy="4352040"/>
+            <a:ext cx="8223480" cy="4351680"/>
           </a:xfrm>
           <a:prstGeom prst="rect">
             <a:avLst/>
@@ -15124,6 +16629,19 @@
           <a:effectRef idx="0"/>
           <a:fontRef idx="minor"/>
         </p:style>
+        <p:txBody>
+          <a:bodyPr lIns="90000" rIns="90000" tIns="45000" bIns="45000" anchor="t">
+            <a:noAutofit/>
+          </a:bodyPr>
+          <a:p>
+            <a:endParaRPr b="0" lang="en-US" sz="1800" spc="-1" strike="noStrike">
+              <a:solidFill>
+                <a:srgbClr val="000000"/>
+              </a:solidFill>
+              <a:latin typeface="Arial"/>
+            </a:endParaRPr>
+          </a:p>
+        </p:txBody>
       </p:sp>
       <p:sp>
         <p:nvSpPr>
@@ -15138,7 +16656,7 @@
         <p:spPr>
           <a:xfrm>
             <a:off x="609480" y="1767240"/>
-            <a:ext cx="10586880" cy="4854960"/>
+            <a:ext cx="10586520" cy="4854600"/>
           </a:xfrm>
           <a:prstGeom prst="rect">
             <a:avLst/>
@@ -15163,9 +16681,9 @@
               <a:buClr>
                 <a:srgbClr val="008c4f"/>
               </a:buClr>
-              <a:buSzPct val="80000"/>
-              <a:buFont typeface="Wingdings 2" charset="2"/>
-              <a:buChar char=""/>
+              <a:buSzPct val="45000"/>
+              <a:buFont typeface="DejaVu Sans"/>
+              <a:buChar char="◾"/>
             </a:pPr>
             <a:r>
               <a:rPr b="0" lang="en-US" sz="2000" spc="-1" strike="noStrike">
@@ -15177,7 +16695,10 @@
               </a:rPr>
               <a:t>Plus-minus-interesting</a:t>
             </a:r>
-            <a:endParaRPr b="0" lang="en-GB" sz="2000" spc="-1" strike="noStrike">
+            <a:endParaRPr b="0" lang="en-US" sz="2000" spc="-1" strike="noStrike">
+              <a:solidFill>
+                <a:srgbClr val="000000"/>
+              </a:solidFill>
               <a:latin typeface="Arial"/>
             </a:endParaRPr>
           </a:p>
@@ -15192,8 +16713,8 @@
               <a:buClr>
                 <a:srgbClr val="008c4f"/>
               </a:buClr>
-              <a:buSzPct val="45000"/>
-              <a:buFont typeface="OpenSymbol"/>
+              <a:buSzPct val="60000"/>
+              <a:buFont typeface="DejaVu Sans"/>
               <a:buChar char="—"/>
             </a:pPr>
             <a:r>
@@ -15206,7 +16727,10 @@
               </a:rPr>
               <a:t>Not really a technique by itself</a:t>
             </a:r>
-            <a:endParaRPr b="0" lang="en-GB" sz="1800" spc="-1" strike="noStrike">
+            <a:endParaRPr b="0" lang="en-US" sz="1800" spc="-1" strike="noStrike">
+              <a:solidFill>
+                <a:srgbClr val="000000"/>
+              </a:solidFill>
               <a:latin typeface="Arial"/>
             </a:endParaRPr>
           </a:p>
@@ -15219,11 +16743,11 @@
                 <a:spcPts val="1417"/>
               </a:spcBef>
               <a:buClr>
-                <a:srgbClr val="000000"/>
+                <a:srgbClr val="008c4f"/>
               </a:buClr>
               <a:buSzPct val="45000"/>
-              <a:buFont typeface="Wingdings" charset="2"/>
-              <a:buChar char=""/>
+              <a:buFont typeface="DejaVu Sans"/>
+              <a:buChar char="—"/>
             </a:pPr>
             <a:r>
               <a:rPr b="0" lang="en-US" sz="1600" spc="-1" strike="noStrike">
@@ -15235,7 +16759,10 @@
               </a:rPr>
               <a:t>Can support other techniques, e.g., agreement</a:t>
             </a:r>
-            <a:endParaRPr b="0" lang="en-GB" sz="1600" spc="-1" strike="noStrike">
+            <a:endParaRPr b="0" lang="en-US" sz="1600" spc="-1" strike="noStrike">
+              <a:solidFill>
+                <a:srgbClr val="000000"/>
+              </a:solidFill>
               <a:latin typeface="Arial"/>
             </a:endParaRPr>
           </a:p>
@@ -15250,8 +16777,8 @@
               <a:buClr>
                 <a:srgbClr val="008c4f"/>
               </a:buClr>
-              <a:buSzPct val="45000"/>
-              <a:buFont typeface="OpenSymbol"/>
+              <a:buSzPct val="60000"/>
+              <a:buFont typeface="DejaVu Sans"/>
               <a:buChar char="—"/>
             </a:pPr>
             <a:r>
@@ -15264,7 +16791,10 @@
               </a:rPr>
               <a:t>Positive repercussions are placed in a “plus” category</a:t>
             </a:r>
-            <a:endParaRPr b="0" lang="en-GB" sz="1800" spc="-1" strike="noStrike">
+            <a:endParaRPr b="0" lang="en-US" sz="1800" spc="-1" strike="noStrike">
+              <a:solidFill>
+                <a:srgbClr val="000000"/>
+              </a:solidFill>
               <a:latin typeface="Arial"/>
             </a:endParaRPr>
           </a:p>
@@ -15279,8 +16809,8 @@
               <a:buClr>
                 <a:srgbClr val="008c4f"/>
               </a:buClr>
-              <a:buSzPct val="45000"/>
-              <a:buFont typeface="OpenSymbol"/>
+              <a:buSzPct val="60000"/>
+              <a:buFont typeface="DejaVu Sans"/>
               <a:buChar char="—"/>
             </a:pPr>
             <a:r>
@@ -15293,7 +16823,10 @@
               </a:rPr>
               <a:t>Negative repercussions are placed in a “minus” category</a:t>
             </a:r>
-            <a:endParaRPr b="0" lang="en-GB" sz="1800" spc="-1" strike="noStrike">
+            <a:endParaRPr b="0" lang="en-US" sz="1800" spc="-1" strike="noStrike">
+              <a:solidFill>
+                <a:srgbClr val="000000"/>
+              </a:solidFill>
               <a:latin typeface="Arial"/>
             </a:endParaRPr>
           </a:p>
@@ -15308,8 +16841,8 @@
               <a:buClr>
                 <a:srgbClr val="008c4f"/>
               </a:buClr>
-              <a:buSzPct val="45000"/>
-              <a:buFont typeface="OpenSymbol"/>
+              <a:buSzPct val="60000"/>
+              <a:buFont typeface="DejaVu Sans"/>
               <a:buChar char="—"/>
             </a:pPr>
             <a:r>
@@ -15322,7 +16855,10 @@
               </a:rPr>
               <a:t>Neither positive nor negative repercussions are placed in a “interesting” category</a:t>
             </a:r>
-            <a:endParaRPr b="0" lang="en-GB" sz="1800" spc="-1" strike="noStrike">
+            <a:endParaRPr b="0" lang="en-US" sz="1800" spc="-1" strike="noStrike">
+              <a:solidFill>
+                <a:srgbClr val="000000"/>
+              </a:solidFill>
               <a:latin typeface="Arial"/>
             </a:endParaRPr>
           </a:p>
@@ -15367,7 +16903,7 @@
         <p:spPr>
           <a:xfrm>
             <a:off x="542880" y="721800"/>
-            <a:ext cx="10356480" cy="497160"/>
+            <a:ext cx="10356120" cy="496800"/>
           </a:xfrm>
           <a:prstGeom prst="rect">
             <a:avLst/>
@@ -15403,7 +16939,10 @@
               </a:rPr>
               <a:t>Conflict Management</a:t>
             </a:r>
-            <a:endParaRPr b="0" lang="en-GB" sz="2200" spc="-1" strike="noStrike">
+            <a:endParaRPr b="0" lang="en-US" sz="2200" spc="-1" strike="noStrike">
+              <a:solidFill>
+                <a:srgbClr val="000000"/>
+              </a:solidFill>
               <a:latin typeface="Arial"/>
             </a:endParaRPr>
           </a:p>
@@ -15418,7 +16957,7 @@
         <p:spPr>
           <a:xfrm>
             <a:off x="542880" y="1267200"/>
-            <a:ext cx="10356480" cy="497160"/>
+            <a:ext cx="10356120" cy="496800"/>
           </a:xfrm>
           <a:prstGeom prst="rect">
             <a:avLst/>
@@ -15454,7 +16993,10 @@
               </a:rPr>
               <a:t>Conflict Resolution – Techniques </a:t>
             </a:r>
-            <a:endParaRPr b="0" lang="en-GB" sz="2200" spc="-1" strike="noStrike">
+            <a:endParaRPr b="0" lang="en-US" sz="2200" spc="-1" strike="noStrike">
+              <a:solidFill>
+                <a:srgbClr val="000000"/>
+              </a:solidFill>
               <a:latin typeface="Arial"/>
             </a:endParaRPr>
           </a:p>
@@ -15469,7 +17011,7 @@
         <p:spPr>
           <a:xfrm>
             <a:off x="451800" y="1709280"/>
-            <a:ext cx="8223840" cy="4352040"/>
+            <a:ext cx="8223480" cy="4351680"/>
           </a:xfrm>
           <a:prstGeom prst="rect">
             <a:avLst/>
@@ -15485,6 +17027,19 @@
           <a:effectRef idx="0"/>
           <a:fontRef idx="minor"/>
         </p:style>
+        <p:txBody>
+          <a:bodyPr lIns="90000" rIns="90000" tIns="45000" bIns="45000" anchor="t">
+            <a:noAutofit/>
+          </a:bodyPr>
+          <a:p>
+            <a:endParaRPr b="0" lang="en-US" sz="1800" spc="-1" strike="noStrike">
+              <a:solidFill>
+                <a:srgbClr val="000000"/>
+              </a:solidFill>
+              <a:latin typeface="Arial"/>
+            </a:endParaRPr>
+          </a:p>
+        </p:txBody>
       </p:sp>
       <p:sp>
         <p:nvSpPr>
@@ -15498,19 +17053,19 @@
         </p:nvSpPr>
         <p:spPr>
           <a:xfrm>
-            <a:off x="609480" y="1769400"/>
-            <a:ext cx="10586880" cy="4854960"/>
-          </a:xfrm>
-          <a:prstGeom prst="rect">
-            <a:avLst/>
-          </a:prstGeom>
-          <a:noFill/>
-          <a:ln w="0">
-            <a:noFill/>
-          </a:ln>
-        </p:spPr>
-        <p:txBody>
-          <a:bodyPr lIns="0" rIns="0" tIns="0" bIns="0" anchor="ctr">
+            <a:off x="609480" y="2057400"/>
+            <a:ext cx="10586520" cy="4566600"/>
+          </a:xfrm>
+          <a:prstGeom prst="rect">
+            <a:avLst/>
+          </a:prstGeom>
+          <a:noFill/>
+          <a:ln w="0">
+            <a:noFill/>
+          </a:ln>
+        </p:spPr>
+        <p:txBody>
+          <a:bodyPr lIns="0" rIns="0" tIns="0" bIns="0" anchor="t">
             <a:normAutofit/>
           </a:bodyPr>
           <a:p>
@@ -15524,9 +17079,9 @@
               <a:buClr>
                 <a:srgbClr val="008c4f"/>
               </a:buClr>
-              <a:buSzPct val="80000"/>
-              <a:buFont typeface="Wingdings 2" charset="2"/>
-              <a:buChar char=""/>
+              <a:buSzPct val="45000"/>
+              <a:buFont typeface="DejaVu Sans"/>
+              <a:buChar char="◾"/>
             </a:pPr>
             <a:r>
               <a:rPr b="0" lang="en-US" sz="2000" spc="-1" strike="noStrike">
@@ -15538,7 +17093,10 @@
               </a:rPr>
               <a:t>Decision Matrix</a:t>
             </a:r>
-            <a:endParaRPr b="0" lang="en-GB" sz="2000" spc="-1" strike="noStrike">
+            <a:endParaRPr b="0" lang="en-US" sz="2000" spc="-1" strike="noStrike">
+              <a:solidFill>
+                <a:srgbClr val="000000"/>
+              </a:solidFill>
               <a:latin typeface="Arial"/>
             </a:endParaRPr>
           </a:p>
@@ -15553,8 +17111,8 @@
               <a:buClr>
                 <a:srgbClr val="008c4f"/>
               </a:buClr>
-              <a:buSzPct val="45000"/>
-              <a:buFont typeface="OpenSymbol"/>
+              <a:buSzPct val="60000"/>
+              <a:buFont typeface="DejaVu Sans"/>
               <a:buChar char="—"/>
             </a:pPr>
             <a:r>
@@ -15567,7 +17125,10 @@
               </a:rPr>
               <a:t>Select relevant decision criteria for the conflict resolution</a:t>
             </a:r>
-            <a:endParaRPr b="0" lang="en-GB" sz="1800" spc="-1" strike="noStrike">
+            <a:endParaRPr b="0" lang="en-US" sz="1800" spc="-1" strike="noStrike">
+              <a:solidFill>
+                <a:srgbClr val="000000"/>
+              </a:solidFill>
               <a:latin typeface="Arial"/>
             </a:endParaRPr>
           </a:p>
@@ -15582,8 +17143,8 @@
               <a:buClr>
                 <a:srgbClr val="008c4f"/>
               </a:buClr>
-              <a:buSzPct val="45000"/>
-              <a:buFont typeface="OpenSymbol"/>
+              <a:buSzPct val="60000"/>
+              <a:buFont typeface="DejaVu Sans"/>
               <a:buChar char="—"/>
             </a:pPr>
             <a:r>
@@ -15596,7 +17157,10 @@
               </a:rPr>
               <a:t>Assign a score from 0 to 10 to all alternative regarding for each criterion (Higher = better suited)</a:t>
             </a:r>
-            <a:endParaRPr b="0" lang="en-GB" sz="1800" spc="-1" strike="noStrike">
+            <a:endParaRPr b="0" lang="en-US" sz="1800" spc="-1" strike="noStrike">
+              <a:solidFill>
+                <a:srgbClr val="000000"/>
+              </a:solidFill>
               <a:latin typeface="Arial"/>
             </a:endParaRPr>
           </a:p>
@@ -15611,8 +17175,8 @@
               <a:buClr>
                 <a:srgbClr val="008c4f"/>
               </a:buClr>
-              <a:buSzPct val="45000"/>
-              <a:buFont typeface="OpenSymbol"/>
+              <a:buSzPct val="60000"/>
+              <a:buFont typeface="DejaVu Sans"/>
               <a:buChar char="—"/>
             </a:pPr>
             <a:r>
@@ -15625,109 +17189,10 @@
               </a:rPr>
               <a:t>Highest sum of scores is elected</a:t>
             </a:r>
-            <a:endParaRPr b="0" lang="en-GB" sz="1800" spc="-1" strike="noStrike">
-              <a:latin typeface="Arial"/>
-            </a:endParaRPr>
-          </a:p>
-          <a:p>
-            <a:pPr marL="228600" indent="0">
-              <a:lnSpc>
-                <a:spcPct val="90000"/>
-              </a:lnSpc>
-              <a:spcBef>
-                <a:spcPts val="1417"/>
-              </a:spcBef>
-              <a:buNone/>
-              <a:tabLst>
-                <a:tab algn="l" pos="0"/>
-              </a:tabLst>
-            </a:pPr>
-            <a:endParaRPr b="0" lang="en-GB" sz="1800" spc="-1" strike="noStrike">
-              <a:latin typeface="Arial"/>
-            </a:endParaRPr>
-          </a:p>
-          <a:p>
-            <a:pPr marL="228600" indent="0">
-              <a:lnSpc>
-                <a:spcPct val="90000"/>
-              </a:lnSpc>
-              <a:spcBef>
-                <a:spcPts val="1417"/>
-              </a:spcBef>
-              <a:buNone/>
-              <a:tabLst>
-                <a:tab algn="l" pos="0"/>
-              </a:tabLst>
-            </a:pPr>
-            <a:endParaRPr b="0" lang="en-GB" sz="1800" spc="-1" strike="noStrike">
-              <a:latin typeface="Arial"/>
-            </a:endParaRPr>
-          </a:p>
-          <a:p>
-            <a:pPr marL="228600" indent="0">
-              <a:lnSpc>
-                <a:spcPct val="90000"/>
-              </a:lnSpc>
-              <a:spcBef>
-                <a:spcPts val="1417"/>
-              </a:spcBef>
-              <a:buNone/>
-              <a:tabLst>
-                <a:tab algn="l" pos="0"/>
-              </a:tabLst>
-            </a:pPr>
-            <a:endParaRPr b="0" lang="en-GB" sz="1800" spc="-1" strike="noStrike">
-              <a:latin typeface="Arial"/>
-            </a:endParaRPr>
-          </a:p>
-          <a:p>
-            <a:pPr marL="228600" indent="0">
-              <a:lnSpc>
-                <a:spcPct val="90000"/>
-              </a:lnSpc>
-              <a:spcBef>
-                <a:spcPts val="1417"/>
-              </a:spcBef>
-              <a:buNone/>
-              <a:tabLst>
-                <a:tab algn="l" pos="0"/>
-              </a:tabLst>
-            </a:pPr>
-            <a:endParaRPr b="0" lang="en-GB" sz="1800" spc="-1" strike="noStrike">
-              <a:latin typeface="Arial"/>
-            </a:endParaRPr>
-          </a:p>
-          <a:p>
-            <a:pPr marL="228600" indent="0">
-              <a:lnSpc>
-                <a:spcPct val="90000"/>
-              </a:lnSpc>
-              <a:spcBef>
-                <a:spcPts val="1417"/>
-              </a:spcBef>
-              <a:buNone/>
-              <a:tabLst>
-                <a:tab algn="l" pos="0"/>
-              </a:tabLst>
-            </a:pPr>
-            <a:endParaRPr b="0" lang="en-GB" sz="1800" spc="-1" strike="noStrike">
-              <a:latin typeface="Arial"/>
-            </a:endParaRPr>
-          </a:p>
-          <a:p>
-            <a:pPr marL="228600" indent="0">
-              <a:lnSpc>
-                <a:spcPct val="90000"/>
-              </a:lnSpc>
-              <a:spcBef>
-                <a:spcPts val="1417"/>
-              </a:spcBef>
-              <a:buNone/>
-              <a:tabLst>
-                <a:tab algn="l" pos="0"/>
-              </a:tabLst>
-            </a:pPr>
-            <a:endParaRPr b="0" lang="en-GB" sz="1800" spc="-1" strike="noStrike">
+            <a:endParaRPr b="0" lang="en-US" sz="1800" spc="-1" strike="noStrike">
+              <a:solidFill>
+                <a:srgbClr val="000000"/>
+              </a:solidFill>
               <a:latin typeface="Arial"/>
             </a:endParaRPr>
           </a:p>
@@ -15741,7 +17206,7 @@
         </p:nvGraphicFramePr>
         <p:xfrm>
           <a:off x="1659240" y="4326840"/>
-          <a:ext cx="8127360" cy="1853640"/>
+          <a:ext cx="8127360" cy="1854000"/>
         </p:xfrm>
         <a:graphic>
           <a:graphicData uri="http://schemas.openxmlformats.org/drawingml/2006/table">
@@ -15755,6 +17220,19 @@
               </a:tblGrid>
               <a:tr h="370800">
                 <a:tc>
+                  <a:txBody>
+                    <a:bodyPr lIns="90000" rIns="90000" anchor="t">
+                      <a:noAutofit/>
+                    </a:bodyPr>
+                    <a:p>
+                      <a:endParaRPr b="0" lang="en-US" sz="1800" spc="-1" strike="noStrike">
+                        <a:solidFill>
+                          <a:srgbClr val="000000"/>
+                        </a:solidFill>
+                        <a:latin typeface="Arial"/>
+                      </a:endParaRPr>
+                    </a:p>
+                  </a:txBody>
                   <a:tcPr anchor="t" marL="90000" marR="90000">
                     <a:lnL w="720">
                       <a:solidFill>
@@ -15802,7 +17280,10 @@
                         </a:rPr>
                         <a:t>Alternative 1</a:t>
                       </a:r>
-                      <a:endParaRPr b="0" lang="en-GB" sz="1800" spc="-1" strike="noStrike">
+                      <a:endParaRPr b="0" lang="en-US" sz="1800" spc="-1" strike="noStrike">
+                        <a:solidFill>
+                          <a:srgbClr val="000000"/>
+                        </a:solidFill>
                         <a:latin typeface="Arial"/>
                       </a:endParaRPr>
                     </a:p>
@@ -15854,7 +17335,10 @@
                         </a:rPr>
                         <a:t>Alternative 2</a:t>
                       </a:r>
-                      <a:endParaRPr b="0" lang="en-GB" sz="1800" spc="-1" strike="noStrike">
+                      <a:endParaRPr b="0" lang="en-US" sz="1800" spc="-1" strike="noStrike">
+                        <a:solidFill>
+                          <a:srgbClr val="000000"/>
+                        </a:solidFill>
                         <a:latin typeface="Arial"/>
                       </a:endParaRPr>
                     </a:p>
@@ -15906,7 +17390,10 @@
                         </a:rPr>
                         <a:t>Alternative 3</a:t>
                       </a:r>
-                      <a:endParaRPr b="0" lang="en-GB" sz="1800" spc="-1" strike="noStrike">
+                      <a:endParaRPr b="0" lang="en-US" sz="1800" spc="-1" strike="noStrike">
+                        <a:solidFill>
+                          <a:srgbClr val="000000"/>
+                        </a:solidFill>
                         <a:latin typeface="Arial"/>
                       </a:endParaRPr>
                     </a:p>
@@ -15960,7 +17447,10 @@
                         </a:rPr>
                         <a:t>Criterion 1</a:t>
                       </a:r>
-                      <a:endParaRPr b="0" lang="en-GB" sz="1800" spc="-1" strike="noStrike">
+                      <a:endParaRPr b="0" lang="en-US" sz="1800" spc="-1" strike="noStrike">
+                        <a:solidFill>
+                          <a:srgbClr val="000000"/>
+                        </a:solidFill>
                         <a:latin typeface="Arial"/>
                       </a:endParaRPr>
                     </a:p>
@@ -16012,7 +17502,10 @@
                         </a:rPr>
                         <a:t>3</a:t>
                       </a:r>
-                      <a:endParaRPr b="0" lang="en-GB" sz="1800" spc="-1" strike="noStrike">
+                      <a:endParaRPr b="0" lang="en-US" sz="1800" spc="-1" strike="noStrike">
+                        <a:solidFill>
+                          <a:srgbClr val="000000"/>
+                        </a:solidFill>
                         <a:latin typeface="Arial"/>
                       </a:endParaRPr>
                     </a:p>
@@ -16064,7 +17557,10 @@
                         </a:rPr>
                         <a:t>6</a:t>
                       </a:r>
-                      <a:endParaRPr b="0" lang="en-GB" sz="1800" spc="-1" strike="noStrike">
+                      <a:endParaRPr b="0" lang="en-US" sz="1800" spc="-1" strike="noStrike">
+                        <a:solidFill>
+                          <a:srgbClr val="000000"/>
+                        </a:solidFill>
                         <a:latin typeface="Arial"/>
                       </a:endParaRPr>
                     </a:p>
@@ -16116,7 +17612,10 @@
                         </a:rPr>
                         <a:t>2</a:t>
                       </a:r>
-                      <a:endParaRPr b="0" lang="en-GB" sz="1800" spc="-1" strike="noStrike">
+                      <a:endParaRPr b="0" lang="en-US" sz="1800" spc="-1" strike="noStrike">
+                        <a:solidFill>
+                          <a:srgbClr val="000000"/>
+                        </a:solidFill>
                         <a:latin typeface="Arial"/>
                       </a:endParaRPr>
                     </a:p>
@@ -16170,7 +17669,10 @@
                         </a:rPr>
                         <a:t>Criterion 2</a:t>
                       </a:r>
-                      <a:endParaRPr b="0" lang="en-GB" sz="1800" spc="-1" strike="noStrike">
+                      <a:endParaRPr b="0" lang="en-US" sz="1800" spc="-1" strike="noStrike">
+                        <a:solidFill>
+                          <a:srgbClr val="000000"/>
+                        </a:solidFill>
                         <a:latin typeface="Arial"/>
                       </a:endParaRPr>
                     </a:p>
@@ -16222,7 +17724,10 @@
                         </a:rPr>
                         <a:t>5</a:t>
                       </a:r>
-                      <a:endParaRPr b="0" lang="en-GB" sz="1800" spc="-1" strike="noStrike">
+                      <a:endParaRPr b="0" lang="en-US" sz="1800" spc="-1" strike="noStrike">
+                        <a:solidFill>
+                          <a:srgbClr val="000000"/>
+                        </a:solidFill>
                         <a:latin typeface="Arial"/>
                       </a:endParaRPr>
                     </a:p>
@@ -16274,7 +17779,10 @@
                         </a:rPr>
                         <a:t>4</a:t>
                       </a:r>
-                      <a:endParaRPr b="0" lang="en-GB" sz="1800" spc="-1" strike="noStrike">
+                      <a:endParaRPr b="0" lang="en-US" sz="1800" spc="-1" strike="noStrike">
+                        <a:solidFill>
+                          <a:srgbClr val="000000"/>
+                        </a:solidFill>
                         <a:latin typeface="Arial"/>
                       </a:endParaRPr>
                     </a:p>
@@ -16326,7 +17834,10 @@
                         </a:rPr>
                         <a:t>10</a:t>
                       </a:r>
-                      <a:endParaRPr b="0" lang="en-GB" sz="1800" spc="-1" strike="noStrike">
+                      <a:endParaRPr b="0" lang="en-US" sz="1800" spc="-1" strike="noStrike">
+                        <a:solidFill>
+                          <a:srgbClr val="000000"/>
+                        </a:solidFill>
                         <a:latin typeface="Arial"/>
                       </a:endParaRPr>
                     </a:p>
@@ -16380,7 +17891,10 @@
                         </a:rPr>
                         <a:t>Criterion 3</a:t>
                       </a:r>
-                      <a:endParaRPr b="0" lang="en-GB" sz="1800" spc="-1" strike="noStrike">
+                      <a:endParaRPr b="0" lang="en-US" sz="1800" spc="-1" strike="noStrike">
+                        <a:solidFill>
+                          <a:srgbClr val="000000"/>
+                        </a:solidFill>
                         <a:latin typeface="Arial"/>
                       </a:endParaRPr>
                     </a:p>
@@ -16432,7 +17946,10 @@
                         </a:rPr>
                         <a:t>10</a:t>
                       </a:r>
-                      <a:endParaRPr b="0" lang="en-GB" sz="1800" spc="-1" strike="noStrike">
+                      <a:endParaRPr b="0" lang="en-US" sz="1800" spc="-1" strike="noStrike">
+                        <a:solidFill>
+                          <a:srgbClr val="000000"/>
+                        </a:solidFill>
                         <a:latin typeface="Arial"/>
                       </a:endParaRPr>
                     </a:p>
@@ -16484,7 +18001,10 @@
                         </a:rPr>
                         <a:t>3</a:t>
                       </a:r>
-                      <a:endParaRPr b="0" lang="en-GB" sz="1800" spc="-1" strike="noStrike">
+                      <a:endParaRPr b="0" lang="en-US" sz="1800" spc="-1" strike="noStrike">
+                        <a:solidFill>
+                          <a:srgbClr val="000000"/>
+                        </a:solidFill>
                         <a:latin typeface="Arial"/>
                       </a:endParaRPr>
                     </a:p>
@@ -16536,7 +18056,10 @@
                         </a:rPr>
                         <a:t>5</a:t>
                       </a:r>
-                      <a:endParaRPr b="0" lang="en-GB" sz="1800" spc="-1" strike="noStrike">
+                      <a:endParaRPr b="0" lang="en-US" sz="1800" spc="-1" strike="noStrike">
+                        <a:solidFill>
+                          <a:srgbClr val="000000"/>
+                        </a:solidFill>
                         <a:latin typeface="Arial"/>
                       </a:endParaRPr>
                     </a:p>
@@ -16590,7 +18113,10 @@
                         </a:rPr>
                         <a:t>Sum</a:t>
                       </a:r>
-                      <a:endParaRPr b="0" lang="en-GB" sz="1800" spc="-1" strike="noStrike">
+                      <a:endParaRPr b="0" lang="en-US" sz="1800" spc="-1" strike="noStrike">
+                        <a:solidFill>
+                          <a:srgbClr val="000000"/>
+                        </a:solidFill>
                         <a:latin typeface="Arial"/>
                       </a:endParaRPr>
                     </a:p>
@@ -16642,7 +18168,10 @@
                         </a:rPr>
                         <a:t>18</a:t>
                       </a:r>
-                      <a:endParaRPr b="0" lang="en-GB" sz="1800" spc="-1" strike="noStrike">
+                      <a:endParaRPr b="0" lang="en-US" sz="1800" spc="-1" strike="noStrike">
+                        <a:solidFill>
+                          <a:srgbClr val="000000"/>
+                        </a:solidFill>
                         <a:latin typeface="Arial"/>
                       </a:endParaRPr>
                     </a:p>
@@ -16694,7 +18223,10 @@
                         </a:rPr>
                         <a:t>13</a:t>
                       </a:r>
-                      <a:endParaRPr b="0" lang="en-GB" sz="1800" spc="-1" strike="noStrike">
+                      <a:endParaRPr b="0" lang="en-US" sz="1800" spc="-1" strike="noStrike">
+                        <a:solidFill>
+                          <a:srgbClr val="000000"/>
+                        </a:solidFill>
                         <a:latin typeface="Arial"/>
                       </a:endParaRPr>
                     </a:p>
@@ -16746,7 +18278,10 @@
                         </a:rPr>
                         <a:t>17</a:t>
                       </a:r>
-                      <a:endParaRPr b="0" lang="en-GB" sz="1800" spc="-1" strike="noStrike">
+                      <a:endParaRPr b="0" lang="en-US" sz="1800" spc="-1" strike="noStrike">
+                        <a:solidFill>
+                          <a:srgbClr val="000000"/>
+                        </a:solidFill>
                         <a:latin typeface="Arial"/>
                       </a:endParaRPr>
                     </a:p>
@@ -16821,7 +18356,7 @@
         <p:spPr>
           <a:xfrm>
             <a:off x="542880" y="721800"/>
-            <a:ext cx="10356480" cy="497160"/>
+            <a:ext cx="10356120" cy="496800"/>
           </a:xfrm>
           <a:prstGeom prst="rect">
             <a:avLst/>
@@ -16857,7 +18392,10 @@
               </a:rPr>
               <a:t>Conflict Management</a:t>
             </a:r>
-            <a:endParaRPr b="0" lang="en-GB" sz="2200" spc="-1" strike="noStrike">
+            <a:endParaRPr b="0" lang="en-US" sz="2200" spc="-1" strike="noStrike">
+              <a:solidFill>
+                <a:srgbClr val="000000"/>
+              </a:solidFill>
               <a:latin typeface="Arial"/>
             </a:endParaRPr>
           </a:p>
@@ -16872,7 +18410,7 @@
         <p:spPr>
           <a:xfrm>
             <a:off x="542880" y="1267200"/>
-            <a:ext cx="10356480" cy="497160"/>
+            <a:ext cx="10356120" cy="496800"/>
           </a:xfrm>
           <a:prstGeom prst="rect">
             <a:avLst/>
@@ -16908,7 +18446,10 @@
               </a:rPr>
               <a:t>Conflict Resolution – Documentation </a:t>
             </a:r>
-            <a:endParaRPr b="0" lang="en-GB" sz="2200" spc="-1" strike="noStrike">
+            <a:endParaRPr b="0" lang="en-US" sz="2200" spc="-1" strike="noStrike">
+              <a:solidFill>
+                <a:srgbClr val="000000"/>
+              </a:solidFill>
               <a:latin typeface="Arial"/>
             </a:endParaRPr>
           </a:p>
@@ -16923,7 +18464,7 @@
         <p:spPr>
           <a:xfrm>
             <a:off x="451800" y="1709280"/>
-            <a:ext cx="8223840" cy="4352040"/>
+            <a:ext cx="8223480" cy="4351680"/>
           </a:xfrm>
           <a:prstGeom prst="rect">
             <a:avLst/>
@@ -16939,6 +18480,19 @@
           <a:effectRef idx="0"/>
           <a:fontRef idx="minor"/>
         </p:style>
+        <p:txBody>
+          <a:bodyPr lIns="90000" rIns="90000" tIns="45000" bIns="45000" anchor="t">
+            <a:noAutofit/>
+          </a:bodyPr>
+          <a:p>
+            <a:endParaRPr b="0" lang="en-US" sz="1800" spc="-1" strike="noStrike">
+              <a:solidFill>
+                <a:srgbClr val="000000"/>
+              </a:solidFill>
+              <a:latin typeface="Arial"/>
+            </a:endParaRPr>
+          </a:p>
+        </p:txBody>
       </p:sp>
       <p:sp>
         <p:nvSpPr>
@@ -16953,7 +18507,7 @@
         <p:spPr>
           <a:xfrm>
             <a:off x="609480" y="1769400"/>
-            <a:ext cx="10586880" cy="4854960"/>
+            <a:ext cx="10586520" cy="4854600"/>
           </a:xfrm>
           <a:prstGeom prst="rect">
             <a:avLst/>
@@ -16978,9 +18532,9 @@
               <a:buClr>
                 <a:srgbClr val="008c4f"/>
               </a:buClr>
-              <a:buSzPct val="80000"/>
-              <a:buFont typeface="Wingdings 2" charset="2"/>
-              <a:buChar char=""/>
+              <a:buSzPct val="45000"/>
+              <a:buFont typeface="DejaVu Sans"/>
+              <a:buChar char="◾"/>
             </a:pPr>
             <a:r>
               <a:rPr b="0" lang="en-US" sz="2000" spc="-1" strike="noStrike">
@@ -16992,7 +18546,10 @@
               </a:rPr>
               <a:t>The resolutions to all conflicts must be documented in a traceable way</a:t>
             </a:r>
-            <a:endParaRPr b="0" lang="en-GB" sz="2000" spc="-1" strike="noStrike">
+            <a:endParaRPr b="0" lang="en-US" sz="2000" spc="-1" strike="noStrike">
+              <a:solidFill>
+                <a:srgbClr val="000000"/>
+              </a:solidFill>
               <a:latin typeface="Arial"/>
             </a:endParaRPr>
           </a:p>
@@ -17007,8 +18564,8 @@
               <a:buClr>
                 <a:srgbClr val="008c4f"/>
               </a:buClr>
-              <a:buSzPct val="45000"/>
-              <a:buFont typeface="OpenSymbol"/>
+              <a:buSzPct val="60000"/>
+              <a:buFont typeface="DejaVu Sans"/>
               <a:buChar char="—"/>
             </a:pPr>
             <a:r>
@@ -17021,7 +18578,10 @@
               </a:rPr>
               <a:t>Who was involved in the resolution</a:t>
             </a:r>
-            <a:endParaRPr b="0" lang="en-GB" sz="1800" spc="-1" strike="noStrike">
+            <a:endParaRPr b="0" lang="en-US" sz="1800" spc="-1" strike="noStrike">
+              <a:solidFill>
+                <a:srgbClr val="000000"/>
+              </a:solidFill>
               <a:latin typeface="Arial"/>
             </a:endParaRPr>
           </a:p>
@@ -17036,8 +18596,8 @@
               <a:buClr>
                 <a:srgbClr val="008c4f"/>
               </a:buClr>
-              <a:buSzPct val="45000"/>
-              <a:buFont typeface="OpenSymbol"/>
+              <a:buSzPct val="60000"/>
+              <a:buFont typeface="DejaVu Sans"/>
               <a:buChar char="—"/>
             </a:pPr>
             <a:r>
@@ -17050,7 +18610,10 @@
               </a:rPr>
               <a:t>Why was a specific alternative chosen</a:t>
             </a:r>
-            <a:endParaRPr b="0" lang="en-GB" sz="1800" spc="-1" strike="noStrike">
+            <a:endParaRPr b="0" lang="en-US" sz="1800" spc="-1" strike="noStrike">
+              <a:solidFill>
+                <a:srgbClr val="000000"/>
+              </a:solidFill>
               <a:latin typeface="Arial"/>
             </a:endParaRPr>
           </a:p>
@@ -17065,9 +18628,9 @@
               <a:buClr>
                 <a:srgbClr val="008c4f"/>
               </a:buClr>
-              <a:buSzPct val="80000"/>
-              <a:buFont typeface="Wingdings 2" charset="2"/>
-              <a:buChar char=""/>
+              <a:buSzPct val="45000"/>
+              <a:buFont typeface="DejaVu Sans"/>
+              <a:buChar char="◾"/>
             </a:pPr>
             <a:r>
               <a:rPr b="0" lang="en-US" sz="2000" spc="-1" strike="noStrike">
@@ -17079,7 +18642,10 @@
               </a:rPr>
               <a:t>Otherwise, problems may occur at a later stage</a:t>
             </a:r>
-            <a:endParaRPr b="0" lang="en-GB" sz="2000" spc="-1" strike="noStrike">
+            <a:endParaRPr b="0" lang="en-US" sz="2000" spc="-1" strike="noStrike">
+              <a:solidFill>
+                <a:srgbClr val="000000"/>
+              </a:solidFill>
               <a:latin typeface="Arial"/>
             </a:endParaRPr>
           </a:p>
@@ -17094,8 +18660,8 @@
               <a:buClr>
                 <a:srgbClr val="008c4f"/>
               </a:buClr>
-              <a:buSzPct val="45000"/>
-              <a:buFont typeface="OpenSymbol"/>
+              <a:buSzPct val="60000"/>
+              <a:buFont typeface="DejaVu Sans"/>
               <a:buChar char="—"/>
             </a:pPr>
             <a:r>
@@ -17108,7 +18674,10 @@
               </a:rPr>
               <a:t>The same conflict may arise twice</a:t>
             </a:r>
-            <a:endParaRPr b="0" lang="en-GB" sz="1800" spc="-1" strike="noStrike">
+            <a:endParaRPr b="0" lang="en-US" sz="1800" spc="-1" strike="noStrike">
+              <a:solidFill>
+                <a:srgbClr val="000000"/>
+              </a:solidFill>
               <a:latin typeface="Arial"/>
             </a:endParaRPr>
           </a:p>
@@ -17121,11 +18690,11 @@
                 <a:spcPts val="1417"/>
               </a:spcBef>
               <a:buClr>
-                <a:srgbClr val="000000"/>
+                <a:srgbClr val="008c4f"/>
               </a:buClr>
               <a:buSzPct val="45000"/>
-              <a:buFont typeface="Wingdings" charset="2"/>
-              <a:buChar char=""/>
+              <a:buFont typeface="DejaVu Sans"/>
+              <a:buChar char="—"/>
             </a:pPr>
             <a:r>
               <a:rPr b="0" lang="en-US" sz="1600" spc="-1" strike="noStrike">
@@ -17137,7 +18706,10 @@
               </a:rPr>
               <a:t>With documentation, you can just point to the previous resolution</a:t>
             </a:r>
-            <a:endParaRPr b="0" lang="en-GB" sz="1600" spc="-1" strike="noStrike">
+            <a:endParaRPr b="0" lang="en-US" sz="1600" spc="-1" strike="noStrike">
+              <a:solidFill>
+                <a:srgbClr val="000000"/>
+              </a:solidFill>
               <a:latin typeface="Arial"/>
             </a:endParaRPr>
           </a:p>
@@ -17152,8 +18724,8 @@
               <a:buClr>
                 <a:srgbClr val="008c4f"/>
               </a:buClr>
-              <a:buSzPct val="45000"/>
-              <a:buFont typeface="OpenSymbol"/>
+              <a:buSzPct val="60000"/>
+              <a:buFont typeface="DejaVu Sans"/>
               <a:buChar char="—"/>
             </a:pPr>
             <a:r>
@@ -17166,7 +18738,10 @@
               </a:rPr>
               <a:t>Inappropriate conflict resolution</a:t>
             </a:r>
-            <a:endParaRPr b="0" lang="en-GB" sz="1800" spc="-1" strike="noStrike">
+            <a:endParaRPr b="0" lang="en-US" sz="1800" spc="-1" strike="noStrike">
+              <a:solidFill>
+                <a:srgbClr val="000000"/>
+              </a:solidFill>
               <a:latin typeface="Arial"/>
             </a:endParaRPr>
           </a:p>
@@ -17179,11 +18754,11 @@
                 <a:spcPts val="1417"/>
               </a:spcBef>
               <a:buClr>
-                <a:srgbClr val="000000"/>
+                <a:srgbClr val="008c4f"/>
               </a:buClr>
               <a:buSzPct val="45000"/>
-              <a:buFont typeface="Wingdings" charset="2"/>
-              <a:buChar char=""/>
+              <a:buFont typeface="DejaVu Sans"/>
+              <a:buChar char="—"/>
             </a:pPr>
             <a:r>
               <a:rPr b="0" lang="en-US" sz="1600" spc="-1" strike="noStrike">
@@ -17195,7 +18770,10 @@
               </a:rPr>
               <a:t>Sometimes, the resolutions are dissatisfying and need to be reconsidered</a:t>
             </a:r>
-            <a:endParaRPr b="0" lang="en-GB" sz="1600" spc="-1" strike="noStrike">
+            <a:endParaRPr b="0" lang="en-US" sz="1600" spc="-1" strike="noStrike">
+              <a:solidFill>
+                <a:srgbClr val="000000"/>
+              </a:solidFill>
               <a:latin typeface="Arial"/>
             </a:endParaRPr>
           </a:p>
@@ -17208,11 +18786,11 @@
                 <a:spcPts val="1417"/>
               </a:spcBef>
               <a:buClr>
-                <a:srgbClr val="000000"/>
+                <a:srgbClr val="008c4f"/>
               </a:buClr>
               <a:buSzPct val="45000"/>
-              <a:buFont typeface="Wingdings" charset="2"/>
-              <a:buChar char=""/>
+              <a:buFont typeface="DejaVu Sans"/>
+              <a:buChar char="—"/>
             </a:pPr>
             <a:r>
               <a:rPr b="0" lang="en-US" sz="1600" spc="-1" strike="noStrike">
@@ -17224,7 +18802,10 @@
               </a:rPr>
               <a:t>Without documentation of the first resolution, the same mistakes may happen again</a:t>
             </a:r>
-            <a:endParaRPr b="0" lang="en-GB" sz="1600" spc="-1" strike="noStrike">
+            <a:endParaRPr b="0" lang="en-US" sz="1600" spc="-1" strike="noStrike">
+              <a:solidFill>
+                <a:srgbClr val="000000"/>
+              </a:solidFill>
               <a:latin typeface="Arial"/>
             </a:endParaRPr>
           </a:p>
@@ -17269,7 +18850,7 @@
         <p:spPr>
           <a:xfrm>
             <a:off x="542880" y="721800"/>
-            <a:ext cx="10356480" cy="497160"/>
+            <a:ext cx="10356120" cy="496800"/>
           </a:xfrm>
           <a:prstGeom prst="rect">
             <a:avLst/>
@@ -17305,7 +18886,10 @@
               </a:rPr>
               <a:t>General Requirements Engineering Process</a:t>
             </a:r>
-            <a:endParaRPr b="0" lang="en-GB" sz="2200" spc="-1" strike="noStrike">
+            <a:endParaRPr b="0" lang="en-US" sz="2200" spc="-1" strike="noStrike">
+              <a:solidFill>
+                <a:srgbClr val="000000"/>
+              </a:solidFill>
               <a:latin typeface="Arial"/>
             </a:endParaRPr>
           </a:p>
@@ -17320,7 +18904,7 @@
         <p:spPr>
           <a:xfrm>
             <a:off x="542880" y="1267200"/>
-            <a:ext cx="10356480" cy="497160"/>
+            <a:ext cx="10356120" cy="496800"/>
           </a:xfrm>
           <a:prstGeom prst="rect">
             <a:avLst/>
@@ -17356,7 +18940,10 @@
               </a:rPr>
               <a:t>Overview</a:t>
             </a:r>
-            <a:endParaRPr b="0" lang="en-GB" sz="2200" spc="-1" strike="noStrike">
+            <a:endParaRPr b="0" lang="en-US" sz="2200" spc="-1" strike="noStrike">
+              <a:solidFill>
+                <a:srgbClr val="000000"/>
+              </a:solidFill>
               <a:latin typeface="Arial"/>
             </a:endParaRPr>
           </a:p>
@@ -17375,7 +18962,7 @@
         <p:spPr>
           <a:xfrm>
             <a:off x="542880" y="2387520"/>
-            <a:ext cx="10101600" cy="2079000"/>
+            <a:ext cx="10101240" cy="2078640"/>
           </a:xfrm>
           <a:prstGeom prst="rect">
             <a:avLst/>
@@ -17394,7 +18981,7 @@
         <p:spPr>
           <a:xfrm>
             <a:off x="2377800" y="2297880"/>
-            <a:ext cx="1412280" cy="2257920"/>
+            <a:ext cx="1411920" cy="2257560"/>
           </a:xfrm>
           <a:prstGeom prst="frame">
             <a:avLst>
@@ -17425,6 +19012,19 @@
           </a:effectRef>
           <a:fontRef idx="minor"/>
         </p:style>
+        <p:txBody>
+          <a:bodyPr lIns="90000" rIns="90000" tIns="45000" bIns="45000" anchor="t">
+            <a:noAutofit/>
+          </a:bodyPr>
+          <a:p>
+            <a:endParaRPr b="0" lang="en-US" sz="1800" spc="-1" strike="noStrike">
+              <a:solidFill>
+                <a:srgbClr val="000000"/>
+              </a:solidFill>
+              <a:latin typeface="Arial"/>
+            </a:endParaRPr>
+          </a:p>
+        </p:txBody>
       </p:sp>
     </p:spTree>
   </p:cSld>
@@ -17465,7 +19065,7 @@
         <p:spPr>
           <a:xfrm>
             <a:off x="335520" y="4406760"/>
-            <a:ext cx="10748160" cy="1357200"/>
+            <a:ext cx="10747800" cy="1356840"/>
           </a:xfrm>
           <a:prstGeom prst="rect">
             <a:avLst/>
@@ -17501,7 +19101,10 @@
               </a:rPr>
               <a:t>Summary</a:t>
             </a:r>
-            <a:endParaRPr b="0" lang="en-GB" sz="3000" spc="-1" strike="noStrike">
+            <a:endParaRPr b="0" lang="en-US" sz="3000" spc="-1" strike="noStrike">
+              <a:solidFill>
+                <a:srgbClr val="000000"/>
+              </a:solidFill>
               <a:latin typeface="Arial"/>
             </a:endParaRPr>
           </a:p>
@@ -17516,7 +19119,7 @@
         <p:spPr>
           <a:xfrm>
             <a:off x="335520" y="2906640"/>
-            <a:ext cx="10748160" cy="1495080"/>
+            <a:ext cx="10747800" cy="1494720"/>
           </a:xfrm>
           <a:prstGeom prst="rect">
             <a:avLst/>
@@ -17532,6 +19135,19 @@
           <a:effectRef idx="0"/>
           <a:fontRef idx="minor"/>
         </p:style>
+        <p:txBody>
+          <a:bodyPr lIns="90000" rIns="90000" tIns="45000" bIns="45000" anchor="t">
+            <a:noAutofit/>
+          </a:bodyPr>
+          <a:p>
+            <a:endParaRPr b="0" lang="en-US" sz="1800" spc="-1" strike="noStrike">
+              <a:solidFill>
+                <a:srgbClr val="000000"/>
+              </a:solidFill>
+              <a:latin typeface="Arial"/>
+            </a:endParaRPr>
+          </a:p>
+        </p:txBody>
       </p:sp>
     </p:spTree>
   </p:cSld>
@@ -17572,7 +19188,7 @@
         <p:spPr>
           <a:xfrm>
             <a:off x="542880" y="721800"/>
-            <a:ext cx="10356480" cy="497160"/>
+            <a:ext cx="10356120" cy="496800"/>
           </a:xfrm>
           <a:prstGeom prst="rect">
             <a:avLst/>
@@ -17608,7 +19224,10 @@
               </a:rPr>
               <a:t>Summary</a:t>
             </a:r>
-            <a:endParaRPr b="0" lang="en-GB" sz="2200" spc="-1" strike="noStrike">
+            <a:endParaRPr b="0" lang="en-US" sz="2200" spc="-1" strike="noStrike">
+              <a:solidFill>
+                <a:srgbClr val="000000"/>
+              </a:solidFill>
               <a:latin typeface="Arial"/>
             </a:endParaRPr>
           </a:p>
@@ -17623,7 +19242,7 @@
         <p:spPr>
           <a:xfrm>
             <a:off x="451800" y="1709280"/>
-            <a:ext cx="8223840" cy="4352040"/>
+            <a:ext cx="8223480" cy="4351680"/>
           </a:xfrm>
           <a:prstGeom prst="rect">
             <a:avLst/>
@@ -17639,6 +19258,19 @@
           <a:effectRef idx="0"/>
           <a:fontRef idx="minor"/>
         </p:style>
+        <p:txBody>
+          <a:bodyPr lIns="90000" rIns="90000" tIns="45000" bIns="45000" anchor="t">
+            <a:noAutofit/>
+          </a:bodyPr>
+          <a:p>
+            <a:endParaRPr b="0" lang="en-US" sz="1800" spc="-1" strike="noStrike">
+              <a:solidFill>
+                <a:srgbClr val="000000"/>
+              </a:solidFill>
+              <a:latin typeface="Arial"/>
+            </a:endParaRPr>
+          </a:p>
+        </p:txBody>
       </p:sp>
       <p:sp>
         <p:nvSpPr>
@@ -17653,7 +19285,7 @@
         <p:spPr>
           <a:xfrm>
             <a:off x="609480" y="1769400"/>
-            <a:ext cx="10586880" cy="4854960"/>
+            <a:ext cx="10586520" cy="4854600"/>
           </a:xfrm>
           <a:prstGeom prst="rect">
             <a:avLst/>
@@ -17692,7 +19324,10 @@
               </a:rPr>
               <a:t>Negotiation deals with gaining a common understanding of the requirements</a:t>
             </a:r>
-            <a:endParaRPr b="0" lang="en-GB" sz="2000" spc="-1" strike="noStrike">
+            <a:endParaRPr b="0" lang="en-US" sz="2000" spc="-1" strike="noStrike">
+              <a:solidFill>
+                <a:srgbClr val="000000"/>
+              </a:solidFill>
               <a:latin typeface="Arial"/>
             </a:endParaRPr>
           </a:p>
@@ -17709,7 +19344,10 @@
                 <a:tab algn="l" pos="0"/>
               </a:tabLst>
             </a:pPr>
-            <a:endParaRPr b="0" lang="en-GB" sz="2000" spc="-1" strike="noStrike">
+            <a:endParaRPr b="0" lang="en-US" sz="2000" spc="-1" strike="noStrike">
+              <a:solidFill>
+                <a:srgbClr val="000000"/>
+              </a:solidFill>
               <a:latin typeface="Arial"/>
             </a:endParaRPr>
           </a:p>
@@ -17741,7 +19379,10 @@
               </a:rPr>
               <a:t>Conflicts between stakeholders are resolved</a:t>
             </a:r>
-            <a:endParaRPr b="0" lang="en-GB" sz="2000" spc="-1" strike="noStrike">
+            <a:endParaRPr b="0" lang="en-US" sz="2000" spc="-1" strike="noStrike">
+              <a:solidFill>
+                <a:srgbClr val="000000"/>
+              </a:solidFill>
               <a:latin typeface="Arial"/>
             </a:endParaRPr>
           </a:p>
@@ -17773,7 +19414,10 @@
               </a:rPr>
               <a:t>Conflict management vital part of the negotiation</a:t>
             </a:r>
-            <a:endParaRPr b="0" lang="en-GB" sz="1800" spc="-1" strike="noStrike">
+            <a:endParaRPr b="0" lang="en-US" sz="1800" spc="-1" strike="noStrike">
+              <a:solidFill>
+                <a:srgbClr val="000000"/>
+              </a:solidFill>
               <a:latin typeface="Arial"/>
             </a:endParaRPr>
           </a:p>
@@ -17790,7 +19434,10 @@
                 <a:tab algn="l" pos="0"/>
               </a:tabLst>
             </a:pPr>
-            <a:endParaRPr b="0" lang="en-GB" sz="1800" spc="-1" strike="noStrike">
+            <a:endParaRPr b="0" lang="en-US" sz="1800" spc="-1" strike="noStrike">
+              <a:solidFill>
+                <a:srgbClr val="000000"/>
+              </a:solidFill>
               <a:latin typeface="Arial"/>
             </a:endParaRPr>
           </a:p>
@@ -17822,7 +19469,10 @@
               </a:rPr>
               <a:t>After negotiation, a unified and agreed-upon understanding of requirements between all stakeholders exists</a:t>
             </a:r>
-            <a:endParaRPr b="0" lang="en-GB" sz="2000" spc="-1" strike="noStrike">
+            <a:endParaRPr b="0" lang="en-US" sz="2000" spc="-1" strike="noStrike">
+              <a:solidFill>
+                <a:srgbClr val="000000"/>
+              </a:solidFill>
               <a:latin typeface="Arial"/>
             </a:endParaRPr>
           </a:p>
@@ -17867,7 +19517,7 @@
         <p:spPr>
           <a:xfrm>
             <a:off x="335520" y="1268640"/>
-            <a:ext cx="10744920" cy="5032440"/>
+            <a:ext cx="10744560" cy="5032080"/>
           </a:xfrm>
           <a:prstGeom prst="rect">
             <a:avLst/>
@@ -17909,7 +19559,10 @@
               </a:rPr>
               <a:t>Questions?</a:t>
             </a:r>
-            <a:endParaRPr b="0" lang="en-GB" sz="4000" spc="-1" strike="noStrike">
+            <a:endParaRPr b="0" lang="en-US" sz="4000" spc="-1" strike="noStrike">
+              <a:solidFill>
+                <a:srgbClr val="000000"/>
+              </a:solidFill>
               <a:latin typeface="Arial"/>
             </a:endParaRPr>
           </a:p>
@@ -17924,7 +19577,7 @@
         <p:spPr>
           <a:xfrm>
             <a:off x="335520" y="764640"/>
-            <a:ext cx="10744920" cy="495720"/>
+            <a:ext cx="10744560" cy="495360"/>
           </a:xfrm>
           <a:prstGeom prst="rect">
             <a:avLst/>
@@ -17940,6 +19593,19 @@
           <a:effectRef idx="0"/>
           <a:fontRef idx="minor"/>
         </p:style>
+        <p:txBody>
+          <a:bodyPr lIns="90000" rIns="90000" tIns="45000" bIns="45000" anchor="t">
+            <a:noAutofit/>
+          </a:bodyPr>
+          <a:p>
+            <a:endParaRPr b="0" lang="en-US" sz="1800" spc="-1" strike="noStrike">
+              <a:solidFill>
+                <a:srgbClr val="000000"/>
+              </a:solidFill>
+              <a:latin typeface="Arial"/>
+            </a:endParaRPr>
+          </a:p>
+        </p:txBody>
       </p:sp>
     </p:spTree>
   </p:cSld>
@@ -17984,7 +19650,7 @@
         <p:spPr>
           <a:xfrm>
             <a:off x="542880" y="722520"/>
-            <a:ext cx="10356480" cy="497160"/>
+            <a:ext cx="10356120" cy="496800"/>
           </a:xfrm>
           <a:prstGeom prst="rect">
             <a:avLst/>
@@ -18018,7 +19684,10 @@
               </a:rPr>
               <a:t>References</a:t>
             </a:r>
-            <a:endParaRPr b="0" lang="en-GB" sz="2200" spc="-1" strike="noStrike">
+            <a:endParaRPr b="0" lang="en-US" sz="2200" spc="-1" strike="noStrike">
+              <a:solidFill>
+                <a:srgbClr val="000000"/>
+              </a:solidFill>
               <a:latin typeface="Arial"/>
             </a:endParaRPr>
           </a:p>
@@ -18063,7 +19732,7 @@
         <p:spPr>
           <a:xfrm>
             <a:off x="542880" y="757800"/>
-            <a:ext cx="10356480" cy="497160"/>
+            <a:ext cx="10356120" cy="496800"/>
           </a:xfrm>
           <a:prstGeom prst="rect">
             <a:avLst/>
@@ -18099,7 +19768,10 @@
               </a:rPr>
               <a:t>Lecture 5: Negotiation</a:t>
             </a:r>
-            <a:endParaRPr b="0" lang="en-GB" sz="2200" spc="-1" strike="noStrike">
+            <a:endParaRPr b="0" lang="en-US" sz="2200" spc="-1" strike="noStrike">
+              <a:solidFill>
+                <a:srgbClr val="000000"/>
+              </a:solidFill>
               <a:latin typeface="Arial"/>
             </a:endParaRPr>
           </a:p>
@@ -18114,7 +19786,7 @@
         <p:spPr>
           <a:xfrm>
             <a:off x="542880" y="1303200"/>
-            <a:ext cx="10356480" cy="497160"/>
+            <a:ext cx="10356120" cy="496800"/>
           </a:xfrm>
           <a:prstGeom prst="rect">
             <a:avLst/>
@@ -18150,7 +19822,10 @@
               </a:rPr>
               <a:t>Content</a:t>
             </a:r>
-            <a:endParaRPr b="0" lang="en-GB" sz="2200" spc="-1" strike="noStrike">
+            <a:endParaRPr b="0" lang="en-US" sz="2200" spc="-1" strike="noStrike">
+              <a:solidFill>
+                <a:srgbClr val="000000"/>
+              </a:solidFill>
               <a:latin typeface="Arial"/>
             </a:endParaRPr>
           </a:p>
@@ -18165,7 +19840,7 @@
         <p:spPr>
           <a:xfrm>
             <a:off x="451800" y="1709280"/>
-            <a:ext cx="8223840" cy="4352040"/>
+            <a:ext cx="8223480" cy="4351680"/>
           </a:xfrm>
           <a:prstGeom prst="rect">
             <a:avLst/>
@@ -18181,6 +19856,19 @@
           <a:effectRef idx="0"/>
           <a:fontRef idx="minor"/>
         </p:style>
+        <p:txBody>
+          <a:bodyPr lIns="90000" rIns="90000" tIns="45000" bIns="45000" anchor="t">
+            <a:noAutofit/>
+          </a:bodyPr>
+          <a:p>
+            <a:endParaRPr b="0" lang="en-US" sz="1800" spc="-1" strike="noStrike">
+              <a:solidFill>
+                <a:srgbClr val="000000"/>
+              </a:solidFill>
+              <a:latin typeface="Arial"/>
+            </a:endParaRPr>
+          </a:p>
+        </p:txBody>
       </p:sp>
       <p:sp>
         <p:nvSpPr>
@@ -18191,7 +19879,7 @@
         <p:spPr>
           <a:xfrm>
             <a:off x="604080" y="1861560"/>
-            <a:ext cx="8223840" cy="4352040"/>
+            <a:ext cx="8223480" cy="4351680"/>
           </a:xfrm>
           <a:prstGeom prst="rect">
             <a:avLst/>
@@ -18238,7 +19926,10 @@
               </a:rPr>
               <a:t>Negotiation in General</a:t>
             </a:r>
-            <a:endParaRPr b="0" lang="en-GB" sz="1800" spc="-1" strike="noStrike">
+            <a:endParaRPr b="0" lang="en-US" sz="1800" spc="-1" strike="noStrike">
+              <a:solidFill>
+                <a:srgbClr val="000000"/>
+              </a:solidFill>
               <a:latin typeface="Arial"/>
             </a:endParaRPr>
           </a:p>
@@ -18269,7 +19960,10 @@
               </a:rPr>
               <a:t>Conflict Management</a:t>
             </a:r>
-            <a:endParaRPr b="0" lang="en-GB" sz="1800" spc="-1" strike="noStrike">
+            <a:endParaRPr b="0" lang="en-US" sz="1800" spc="-1" strike="noStrike">
+              <a:solidFill>
+                <a:srgbClr val="000000"/>
+              </a:solidFill>
               <a:latin typeface="Arial"/>
             </a:endParaRPr>
           </a:p>
@@ -18314,7 +20008,7 @@
         <p:spPr>
           <a:xfrm>
             <a:off x="335520" y="4406760"/>
-            <a:ext cx="10748160" cy="1357200"/>
+            <a:ext cx="10747800" cy="1356840"/>
           </a:xfrm>
           <a:prstGeom prst="rect">
             <a:avLst/>
@@ -18350,7 +20044,10 @@
               </a:rPr>
               <a:t>Negotiation in general</a:t>
             </a:r>
-            <a:endParaRPr b="0" lang="en-GB" sz="3000" spc="-1" strike="noStrike">
+            <a:endParaRPr b="0" lang="en-US" sz="3000" spc="-1" strike="noStrike">
+              <a:solidFill>
+                <a:srgbClr val="000000"/>
+              </a:solidFill>
               <a:latin typeface="Arial"/>
             </a:endParaRPr>
           </a:p>
@@ -18365,7 +20062,7 @@
         <p:spPr>
           <a:xfrm>
             <a:off x="335520" y="2906640"/>
-            <a:ext cx="10748160" cy="1495080"/>
+            <a:ext cx="10747800" cy="1494720"/>
           </a:xfrm>
           <a:prstGeom prst="rect">
             <a:avLst/>
@@ -18381,6 +20078,19 @@
           <a:effectRef idx="0"/>
           <a:fontRef idx="minor"/>
         </p:style>
+        <p:txBody>
+          <a:bodyPr lIns="90000" rIns="90000" tIns="45000" bIns="45000" anchor="t">
+            <a:noAutofit/>
+          </a:bodyPr>
+          <a:p>
+            <a:endParaRPr b="0" lang="en-US" sz="1800" spc="-1" strike="noStrike">
+              <a:solidFill>
+                <a:srgbClr val="000000"/>
+              </a:solidFill>
+              <a:latin typeface="Arial"/>
+            </a:endParaRPr>
+          </a:p>
+        </p:txBody>
       </p:sp>
     </p:spTree>
   </p:cSld>
@@ -18421,7 +20131,7 @@
         <p:spPr>
           <a:xfrm>
             <a:off x="542880" y="721800"/>
-            <a:ext cx="10356480" cy="497160"/>
+            <a:ext cx="10356120" cy="496800"/>
           </a:xfrm>
           <a:prstGeom prst="rect">
             <a:avLst/>
@@ -18457,7 +20167,10 @@
               </a:rPr>
               <a:t>Negotiation</a:t>
             </a:r>
-            <a:endParaRPr b="0" lang="en-GB" sz="2200" spc="-1" strike="noStrike">
+            <a:endParaRPr b="0" lang="en-US" sz="2200" spc="-1" strike="noStrike">
+              <a:solidFill>
+                <a:srgbClr val="000000"/>
+              </a:solidFill>
               <a:latin typeface="Arial"/>
             </a:endParaRPr>
           </a:p>
@@ -18472,7 +20185,7 @@
         <p:spPr>
           <a:xfrm>
             <a:off x="542880" y="1267200"/>
-            <a:ext cx="10356480" cy="497160"/>
+            <a:ext cx="10356120" cy="496800"/>
           </a:xfrm>
           <a:prstGeom prst="rect">
             <a:avLst/>
@@ -18508,7 +20221,10 @@
               </a:rPr>
               <a:t>Why?</a:t>
             </a:r>
-            <a:endParaRPr b="0" lang="en-GB" sz="2200" spc="-1" strike="noStrike">
+            <a:endParaRPr b="0" lang="en-US" sz="2200" spc="-1" strike="noStrike">
+              <a:solidFill>
+                <a:srgbClr val="000000"/>
+              </a:solidFill>
               <a:latin typeface="Arial"/>
             </a:endParaRPr>
           </a:p>
@@ -18523,7 +20239,7 @@
         <p:spPr>
           <a:xfrm>
             <a:off x="451800" y="1709280"/>
-            <a:ext cx="8223840" cy="4352040"/>
+            <a:ext cx="8223480" cy="4351680"/>
           </a:xfrm>
           <a:prstGeom prst="rect">
             <a:avLst/>
@@ -18539,6 +20255,19 @@
           <a:effectRef idx="0"/>
           <a:fontRef idx="minor"/>
         </p:style>
+        <p:txBody>
+          <a:bodyPr lIns="90000" rIns="90000" tIns="45000" bIns="45000" anchor="t">
+            <a:noAutofit/>
+          </a:bodyPr>
+          <a:p>
+            <a:endParaRPr b="0" lang="en-US" sz="1800" spc="-1" strike="noStrike">
+              <a:solidFill>
+                <a:srgbClr val="000000"/>
+              </a:solidFill>
+              <a:latin typeface="Arial"/>
+            </a:endParaRPr>
+          </a:p>
+        </p:txBody>
       </p:sp>
       <p:sp>
         <p:nvSpPr>
@@ -18553,7 +20282,7 @@
         <p:spPr>
           <a:xfrm>
             <a:off x="609480" y="1769400"/>
-            <a:ext cx="10586880" cy="4854960"/>
+            <a:ext cx="10586520" cy="4854600"/>
           </a:xfrm>
           <a:prstGeom prst="rect">
             <a:avLst/>
@@ -18578,9 +20307,9 @@
               <a:buClr>
                 <a:srgbClr val="008c4f"/>
               </a:buClr>
-              <a:buSzPct val="80000"/>
-              <a:buFont typeface="Wingdings 2" charset="2"/>
-              <a:buChar char=""/>
+              <a:buSzPct val="45000"/>
+              <a:buFont typeface="DejaVu Sans"/>
+              <a:buChar char="◾"/>
             </a:pPr>
             <a:r>
               <a:rPr b="0" lang="en-US" sz="2000" spc="-1" strike="noStrike">
@@ -18592,7 +20321,10 @@
               </a:rPr>
               <a:t>Interpretation of the elicitation results may uncover conflicts between stakeholders</a:t>
             </a:r>
-            <a:endParaRPr b="0" lang="en-GB" sz="2000" spc="-1" strike="noStrike">
+            <a:endParaRPr b="0" lang="en-US" sz="2000" spc="-1" strike="noStrike">
+              <a:solidFill>
+                <a:srgbClr val="000000"/>
+              </a:solidFill>
               <a:latin typeface="Arial"/>
             </a:endParaRPr>
           </a:p>
@@ -18607,8 +20339,8 @@
               <a:buClr>
                 <a:srgbClr val="008c4f"/>
               </a:buClr>
-              <a:buSzPct val="45000"/>
-              <a:buFont typeface="OpenSymbol"/>
+              <a:buSzPct val="60000"/>
+              <a:buFont typeface="DejaVu Sans"/>
               <a:buChar char="—"/>
             </a:pPr>
             <a:r>
@@ -18641,7 +20373,10 @@
               </a:rPr>
               <a:t> contradictory demands</a:t>
             </a:r>
-            <a:endParaRPr b="0" lang="en-GB" sz="1800" spc="-1" strike="noStrike">
+            <a:endParaRPr b="0" lang="en-US" sz="1800" spc="-1" strike="noStrike">
+              <a:solidFill>
+                <a:srgbClr val="000000"/>
+              </a:solidFill>
               <a:latin typeface="Arial"/>
             </a:endParaRPr>
           </a:p>
@@ -18656,8 +20391,8 @@
               <a:buClr>
                 <a:srgbClr val="008c4f"/>
               </a:buClr>
-              <a:buSzPct val="45000"/>
-              <a:buFont typeface="OpenSymbol"/>
+              <a:buSzPct val="60000"/>
+              <a:buFont typeface="DejaVu Sans"/>
               <a:buChar char="—"/>
             </a:pPr>
             <a:r>
@@ -18670,7 +20405,10 @@
               </a:rPr>
               <a:t>Example:</a:t>
             </a:r>
-            <a:endParaRPr b="0" lang="en-GB" sz="1800" spc="-1" strike="noStrike">
+            <a:endParaRPr b="0" lang="en-US" sz="1800" spc="-1" strike="noStrike">
+              <a:solidFill>
+                <a:srgbClr val="000000"/>
+              </a:solidFill>
               <a:latin typeface="Arial"/>
             </a:endParaRPr>
           </a:p>
@@ -18683,11 +20421,11 @@
                 <a:spcPts val="1417"/>
               </a:spcBef>
               <a:buClr>
-                <a:srgbClr val="000000"/>
+                <a:srgbClr val="008c4f"/>
               </a:buClr>
               <a:buSzPct val="45000"/>
-              <a:buFont typeface="Wingdings" charset="2"/>
-              <a:buChar char=""/>
+              <a:buFont typeface="DejaVu Sans"/>
+              <a:buChar char="—"/>
             </a:pPr>
             <a:r>
               <a:rPr b="0" lang="en-US" sz="1600" spc="-1" strike="noStrike">
@@ -18699,7 +20437,10 @@
               </a:rPr>
               <a:t>Stakeholder A wants the system to shut down in case of failure.</a:t>
             </a:r>
-            <a:endParaRPr b="0" lang="en-GB" sz="1600" spc="-1" strike="noStrike">
+            <a:endParaRPr b="0" lang="en-US" sz="1600" spc="-1" strike="noStrike">
+              <a:solidFill>
+                <a:srgbClr val="000000"/>
+              </a:solidFill>
               <a:latin typeface="Arial"/>
             </a:endParaRPr>
           </a:p>
@@ -18712,11 +20453,11 @@
                 <a:spcPts val="1417"/>
               </a:spcBef>
               <a:buClr>
-                <a:srgbClr val="000000"/>
+                <a:srgbClr val="008c4f"/>
               </a:buClr>
               <a:buSzPct val="45000"/>
-              <a:buFont typeface="Wingdings" charset="2"/>
-              <a:buChar char=""/>
+              <a:buFont typeface="DejaVu Sans"/>
+              <a:buChar char="—"/>
             </a:pPr>
             <a:r>
               <a:rPr b="0" lang="en-US" sz="1600" spc="-1" strike="noStrike">
@@ -18728,7 +20469,10 @@
               </a:rPr>
               <a:t>Stakeholder B wants the system to restarts in case of failure.</a:t>
             </a:r>
-            <a:endParaRPr b="0" lang="en-GB" sz="1600" spc="-1" strike="noStrike">
+            <a:endParaRPr b="0" lang="en-US" sz="1600" spc="-1" strike="noStrike">
+              <a:solidFill>
+                <a:srgbClr val="000000"/>
+              </a:solidFill>
               <a:latin typeface="Arial"/>
             </a:endParaRPr>
           </a:p>
@@ -18743,9 +20487,9 @@
               <a:buClr>
                 <a:srgbClr val="008c4f"/>
               </a:buClr>
-              <a:buSzPct val="80000"/>
-              <a:buFont typeface="Wingdings 2" charset="2"/>
-              <a:buChar char=""/>
+              <a:buSzPct val="45000"/>
+              <a:buFont typeface="DejaVu Sans"/>
+              <a:buChar char="◾"/>
             </a:pPr>
             <a:r>
               <a:rPr b="0" lang="en-US" sz="2000" spc="-1" strike="noStrike">
@@ -18757,7 +20501,10 @@
               </a:rPr>
               <a:t>Unresolved conflicts threaten the project</a:t>
             </a:r>
-            <a:endParaRPr b="0" lang="en-GB" sz="2000" spc="-1" strike="noStrike">
+            <a:endParaRPr b="0" lang="en-US" sz="2000" spc="-1" strike="noStrike">
+              <a:solidFill>
+                <a:srgbClr val="000000"/>
+              </a:solidFill>
               <a:latin typeface="Arial"/>
             </a:endParaRPr>
           </a:p>
@@ -18772,8 +20519,8 @@
               <a:buClr>
                 <a:srgbClr val="008c4f"/>
               </a:buClr>
-              <a:buSzPct val="45000"/>
-              <a:buFont typeface="OpenSymbol"/>
+              <a:buSzPct val="60000"/>
+              <a:buFont typeface="DejaVu Sans"/>
               <a:buChar char="—"/>
             </a:pPr>
             <a:r>
@@ -18786,7 +20533,10 @@
               </a:rPr>
               <a:t>Erode support by stakeholders</a:t>
             </a:r>
-            <a:endParaRPr b="0" lang="en-GB" sz="1800" spc="-1" strike="noStrike">
+            <a:endParaRPr b="0" lang="en-US" sz="1800" spc="-1" strike="noStrike">
+              <a:solidFill>
+                <a:srgbClr val="000000"/>
+              </a:solidFill>
               <a:latin typeface="Arial"/>
             </a:endParaRPr>
           </a:p>
@@ -18801,8 +20551,8 @@
               <a:buClr>
                 <a:srgbClr val="008c4f"/>
               </a:buClr>
-              <a:buSzPct val="45000"/>
-              <a:buFont typeface="OpenSymbol"/>
+              <a:buSzPct val="60000"/>
+              <a:buFont typeface="DejaVu Sans"/>
               <a:buChar char="—"/>
             </a:pPr>
             <a:r>
@@ -18825,7 +20575,10 @@
               </a:rPr>
               <a:t>Loosing” side in a conflict may cease to support the project</a:t>
             </a:r>
-            <a:endParaRPr b="0" lang="en-GB" sz="1800" spc="-1" strike="noStrike">
+            <a:endParaRPr b="0" lang="en-US" sz="1800" spc="-1" strike="noStrike">
+              <a:solidFill>
+                <a:srgbClr val="000000"/>
+              </a:solidFill>
               <a:latin typeface="Arial"/>
             </a:endParaRPr>
           </a:p>
@@ -18840,9 +20593,9 @@
               <a:buClr>
                 <a:srgbClr val="008c4f"/>
               </a:buClr>
-              <a:buSzPct val="80000"/>
-              <a:buFont typeface="Wingdings 2" charset="2"/>
-              <a:buChar char=""/>
+              <a:buSzPct val="45000"/>
+              <a:buFont typeface="DejaVu Sans"/>
+              <a:buChar char="◾"/>
             </a:pPr>
             <a:r>
               <a:rPr b="0" lang="en-US" sz="2000" spc="-1" strike="noStrike">
@@ -18854,7 +20607,10 @@
               </a:rPr>
               <a:t>Conflicts may provide opportunities</a:t>
             </a:r>
-            <a:endParaRPr b="0" lang="en-GB" sz="2000" spc="-1" strike="noStrike">
+            <a:endParaRPr b="0" lang="en-US" sz="2000" spc="-1" strike="noStrike">
+              <a:solidFill>
+                <a:srgbClr val="000000"/>
+              </a:solidFill>
               <a:latin typeface="Arial"/>
             </a:endParaRPr>
           </a:p>
@@ -18869,8 +20625,8 @@
               <a:buClr>
                 <a:srgbClr val="008c4f"/>
               </a:buClr>
-              <a:buSzPct val="45000"/>
-              <a:buFont typeface="OpenSymbol"/>
+              <a:buSzPct val="60000"/>
+              <a:buFont typeface="DejaVu Sans"/>
               <a:buChar char="—"/>
             </a:pPr>
             <a:r>
@@ -18883,7 +20639,10 @@
               </a:rPr>
               <a:t>Force thinking about new concepts and solutions</a:t>
             </a:r>
-            <a:endParaRPr b="0" lang="en-GB" sz="1800" spc="-1" strike="noStrike">
+            <a:endParaRPr b="0" lang="en-US" sz="1800" spc="-1" strike="noStrike">
+              <a:solidFill>
+                <a:srgbClr val="000000"/>
+              </a:solidFill>
               <a:latin typeface="Arial"/>
             </a:endParaRPr>
           </a:p>
@@ -18928,7 +20687,7 @@
         <p:spPr>
           <a:xfrm>
             <a:off x="542880" y="721800"/>
-            <a:ext cx="10356480" cy="497160"/>
+            <a:ext cx="10356120" cy="496800"/>
           </a:xfrm>
           <a:prstGeom prst="rect">
             <a:avLst/>
@@ -18964,7 +20723,10 @@
               </a:rPr>
               <a:t>Negotiation</a:t>
             </a:r>
-            <a:endParaRPr b="0" lang="en-GB" sz="2200" spc="-1" strike="noStrike">
+            <a:endParaRPr b="0" lang="en-US" sz="2200" spc="-1" strike="noStrike">
+              <a:solidFill>
+                <a:srgbClr val="000000"/>
+              </a:solidFill>
               <a:latin typeface="Arial"/>
             </a:endParaRPr>
           </a:p>
@@ -18979,7 +20741,7 @@
         <p:spPr>
           <a:xfrm>
             <a:off x="542880" y="1267200"/>
-            <a:ext cx="10356480" cy="497160"/>
+            <a:ext cx="10356120" cy="496800"/>
           </a:xfrm>
           <a:prstGeom prst="rect">
             <a:avLst/>
@@ -19015,7 +20777,10 @@
               </a:rPr>
               <a:t>Goals</a:t>
             </a:r>
-            <a:endParaRPr b="0" lang="en-GB" sz="2200" spc="-1" strike="noStrike">
+            <a:endParaRPr b="0" lang="en-US" sz="2200" spc="-1" strike="noStrike">
+              <a:solidFill>
+                <a:srgbClr val="000000"/>
+              </a:solidFill>
               <a:latin typeface="Arial"/>
             </a:endParaRPr>
           </a:p>
@@ -19030,7 +20795,7 @@
         <p:spPr>
           <a:xfrm>
             <a:off x="451800" y="1709280"/>
-            <a:ext cx="8223840" cy="4352040"/>
+            <a:ext cx="8223480" cy="4351680"/>
           </a:xfrm>
           <a:prstGeom prst="rect">
             <a:avLst/>
@@ -19046,6 +20811,19 @@
           <a:effectRef idx="0"/>
           <a:fontRef idx="minor"/>
         </p:style>
+        <p:txBody>
+          <a:bodyPr lIns="90000" rIns="90000" tIns="45000" bIns="45000" anchor="t">
+            <a:noAutofit/>
+          </a:bodyPr>
+          <a:p>
+            <a:endParaRPr b="0" lang="en-US" sz="1800" spc="-1" strike="noStrike">
+              <a:solidFill>
+                <a:srgbClr val="000000"/>
+              </a:solidFill>
+              <a:latin typeface="Arial"/>
+            </a:endParaRPr>
+          </a:p>
+        </p:txBody>
       </p:sp>
       <p:sp>
         <p:nvSpPr>
@@ -19060,7 +20838,7 @@
         <p:spPr>
           <a:xfrm>
             <a:off x="609480" y="1769400"/>
-            <a:ext cx="10586880" cy="4854960"/>
+            <a:ext cx="10586520" cy="4854600"/>
           </a:xfrm>
           <a:prstGeom prst="rect">
             <a:avLst/>
@@ -19085,9 +20863,9 @@
               <a:buClr>
                 <a:srgbClr val="008c4f"/>
               </a:buClr>
-              <a:buSzPct val="80000"/>
-              <a:buFont typeface="Wingdings 2" charset="2"/>
-              <a:buChar char=""/>
+              <a:buSzPct val="45000"/>
+              <a:buFont typeface="DejaVu Sans"/>
+              <a:buChar char="◾"/>
             </a:pPr>
             <a:r>
               <a:rPr b="0" lang="en-US" sz="2000" spc="-1" strike="noStrike">
@@ -19099,7 +20877,10 @@
               </a:rPr>
               <a:t>Resolve the conflicts between stakeholders</a:t>
             </a:r>
-            <a:endParaRPr b="0" lang="en-GB" sz="2000" spc="-1" strike="noStrike">
+            <a:endParaRPr b="0" lang="en-US" sz="2000" spc="-1" strike="noStrike">
+              <a:solidFill>
+                <a:srgbClr val="000000"/>
+              </a:solidFill>
               <a:latin typeface="Arial"/>
             </a:endParaRPr>
           </a:p>
@@ -19114,8 +20895,8 @@
               <a:buClr>
                 <a:srgbClr val="008c4f"/>
               </a:buClr>
-              <a:buSzPct val="45000"/>
-              <a:buFont typeface="OpenSymbol"/>
+              <a:buSzPct val="60000"/>
+              <a:buFont typeface="DejaVu Sans"/>
               <a:buChar char="—"/>
             </a:pPr>
             <a:r>
@@ -19128,7 +20909,10 @@
               </a:rPr>
               <a:t>Even if a conflict cannot be resolved, negotiation helps with acceptance</a:t>
             </a:r>
-            <a:endParaRPr b="0" lang="en-GB" sz="1800" spc="-1" strike="noStrike">
+            <a:endParaRPr b="0" lang="en-US" sz="1800" spc="-1" strike="noStrike">
+              <a:solidFill>
+                <a:srgbClr val="000000"/>
+              </a:solidFill>
               <a:latin typeface="Arial"/>
             </a:endParaRPr>
           </a:p>
@@ -19143,8 +20927,8 @@
               <a:buClr>
                 <a:srgbClr val="008c4f"/>
               </a:buClr>
-              <a:buSzPct val="45000"/>
-              <a:buFont typeface="OpenSymbol"/>
+              <a:buSzPct val="60000"/>
+              <a:buFont typeface="DejaVu Sans"/>
               <a:buChar char="—"/>
             </a:pPr>
             <a:r>
@@ -19157,7 +20941,10 @@
               </a:rPr>
               <a:t>Loosing party was involved an knows the reasons why they do not get the feature they wanted</a:t>
             </a:r>
-            <a:endParaRPr b="0" lang="en-GB" sz="1800" spc="-1" strike="noStrike">
+            <a:endParaRPr b="0" lang="en-US" sz="1800" spc="-1" strike="noStrike">
+              <a:solidFill>
+                <a:srgbClr val="000000"/>
+              </a:solidFill>
               <a:latin typeface="Arial"/>
             </a:endParaRPr>
           </a:p>
@@ -19174,7 +20961,10 @@
                 <a:tab algn="l" pos="0"/>
               </a:tabLst>
             </a:pPr>
-            <a:endParaRPr b="0" lang="en-GB" sz="1800" spc="-1" strike="noStrike">
+            <a:endParaRPr b="0" lang="en-US" sz="1800" spc="-1" strike="noStrike">
+              <a:solidFill>
+                <a:srgbClr val="000000"/>
+              </a:solidFill>
               <a:latin typeface="Arial"/>
             </a:endParaRPr>
           </a:p>
@@ -19189,9 +20979,9 @@
               <a:buClr>
                 <a:srgbClr val="008c4f"/>
               </a:buClr>
-              <a:buSzPct val="80000"/>
-              <a:buFont typeface="Wingdings 2" charset="2"/>
-              <a:buChar char=""/>
+              <a:buSzPct val="45000"/>
+              <a:buFont typeface="DejaVu Sans"/>
+              <a:buChar char="◾"/>
               <a:tabLst>
                 <a:tab algn="l" pos="0"/>
               </a:tabLst>
@@ -19206,7 +20996,10 @@
               </a:rPr>
               <a:t>Gain a common and agreed-upon understanding of the requirements</a:t>
             </a:r>
-            <a:endParaRPr b="0" lang="en-GB" sz="2000" spc="-1" strike="noStrike">
+            <a:endParaRPr b="0" lang="en-US" sz="2000" spc="-1" strike="noStrike">
+              <a:solidFill>
+                <a:srgbClr val="000000"/>
+              </a:solidFill>
               <a:latin typeface="Arial"/>
             </a:endParaRPr>
           </a:p>
@@ -19221,8 +21014,8 @@
               <a:buClr>
                 <a:srgbClr val="008c4f"/>
               </a:buClr>
-              <a:buSzPct val="45000"/>
-              <a:buFont typeface="OpenSymbol"/>
+              <a:buSzPct val="60000"/>
+              <a:buFont typeface="DejaVu Sans"/>
               <a:buChar char="—"/>
               <a:tabLst>
                 <a:tab algn="l" pos="0"/>
@@ -19238,7 +21031,10 @@
               </a:rPr>
               <a:t>Negotiation is closely related to the validation!</a:t>
             </a:r>
-            <a:endParaRPr b="0" lang="en-GB" sz="1800" spc="-1" strike="noStrike">
+            <a:endParaRPr b="0" lang="en-US" sz="1800" spc="-1" strike="noStrike">
+              <a:solidFill>
+                <a:srgbClr val="000000"/>
+              </a:solidFill>
               <a:latin typeface="Arial"/>
             </a:endParaRPr>
           </a:p>
@@ -19283,7 +21079,7 @@
         <p:spPr>
           <a:xfrm>
             <a:off x="335520" y="4406760"/>
-            <a:ext cx="10748160" cy="1357200"/>
+            <a:ext cx="10747800" cy="1356840"/>
           </a:xfrm>
           <a:prstGeom prst="rect">
             <a:avLst/>
@@ -19319,7 +21115,10 @@
               </a:rPr>
               <a:t>Conflict Management</a:t>
             </a:r>
-            <a:endParaRPr b="0" lang="en-GB" sz="3000" spc="-1" strike="noStrike">
+            <a:endParaRPr b="0" lang="en-US" sz="3000" spc="-1" strike="noStrike">
+              <a:solidFill>
+                <a:srgbClr val="000000"/>
+              </a:solidFill>
               <a:latin typeface="Arial"/>
             </a:endParaRPr>
           </a:p>
@@ -19334,7 +21133,7 @@
         <p:spPr>
           <a:xfrm>
             <a:off x="335520" y="2906640"/>
-            <a:ext cx="10748160" cy="1495080"/>
+            <a:ext cx="10747800" cy="1494720"/>
           </a:xfrm>
           <a:prstGeom prst="rect">
             <a:avLst/>
@@ -19350,6 +21149,19 @@
           <a:effectRef idx="0"/>
           <a:fontRef idx="minor"/>
         </p:style>
+        <p:txBody>
+          <a:bodyPr lIns="90000" rIns="90000" tIns="45000" bIns="45000" anchor="t">
+            <a:noAutofit/>
+          </a:bodyPr>
+          <a:p>
+            <a:endParaRPr b="0" lang="en-US" sz="1800" spc="-1" strike="noStrike">
+              <a:solidFill>
+                <a:srgbClr val="000000"/>
+              </a:solidFill>
+              <a:latin typeface="Arial"/>
+            </a:endParaRPr>
+          </a:p>
+        </p:txBody>
       </p:sp>
     </p:spTree>
   </p:cSld>
@@ -19390,7 +21202,7 @@
         <p:spPr>
           <a:xfrm>
             <a:off x="542880" y="721800"/>
-            <a:ext cx="10356480" cy="497160"/>
+            <a:ext cx="10356120" cy="496800"/>
           </a:xfrm>
           <a:prstGeom prst="rect">
             <a:avLst/>
@@ -19426,7 +21238,10 @@
               </a:rPr>
               <a:t>Conflict Management</a:t>
             </a:r>
-            <a:endParaRPr b="0" lang="en-GB" sz="2200" spc="-1" strike="noStrike">
+            <a:endParaRPr b="0" lang="en-US" sz="2200" spc="-1" strike="noStrike">
+              <a:solidFill>
+                <a:srgbClr val="000000"/>
+              </a:solidFill>
               <a:latin typeface="Arial"/>
             </a:endParaRPr>
           </a:p>
@@ -19441,7 +21256,7 @@
         <p:spPr>
           <a:xfrm>
             <a:off x="542880" y="1267200"/>
-            <a:ext cx="10356480" cy="497160"/>
+            <a:ext cx="10356120" cy="496800"/>
           </a:xfrm>
           <a:prstGeom prst="rect">
             <a:avLst/>
@@ -19477,7 +21292,10 @@
               </a:rPr>
               <a:t>Conflict Identification</a:t>
             </a:r>
-            <a:endParaRPr b="0" lang="en-GB" sz="2200" spc="-1" strike="noStrike">
+            <a:endParaRPr b="0" lang="en-US" sz="2200" spc="-1" strike="noStrike">
+              <a:solidFill>
+                <a:srgbClr val="000000"/>
+              </a:solidFill>
               <a:latin typeface="Arial"/>
             </a:endParaRPr>
           </a:p>
@@ -19492,7 +21310,7 @@
         <p:spPr>
           <a:xfrm>
             <a:off x="451800" y="1709280"/>
-            <a:ext cx="8223840" cy="4352040"/>
+            <a:ext cx="8223480" cy="4351680"/>
           </a:xfrm>
           <a:prstGeom prst="rect">
             <a:avLst/>
@@ -19508,6 +21326,19 @@
           <a:effectRef idx="0"/>
           <a:fontRef idx="minor"/>
         </p:style>
+        <p:txBody>
+          <a:bodyPr lIns="90000" rIns="90000" tIns="45000" bIns="45000" anchor="t">
+            <a:noAutofit/>
+          </a:bodyPr>
+          <a:p>
+            <a:endParaRPr b="0" lang="en-US" sz="1800" spc="-1" strike="noStrike">
+              <a:solidFill>
+                <a:srgbClr val="000000"/>
+              </a:solidFill>
+              <a:latin typeface="Arial"/>
+            </a:endParaRPr>
+          </a:p>
+        </p:txBody>
       </p:sp>
       <p:sp>
         <p:nvSpPr>
@@ -19522,7 +21353,7 @@
         <p:spPr>
           <a:xfrm>
             <a:off x="609480" y="1769400"/>
-            <a:ext cx="10586880" cy="4854960"/>
+            <a:ext cx="10586520" cy="4854600"/>
           </a:xfrm>
           <a:prstGeom prst="rect">
             <a:avLst/>
@@ -19547,9 +21378,9 @@
               <a:buClr>
                 <a:srgbClr val="008c4f"/>
               </a:buClr>
-              <a:buSzPct val="80000"/>
-              <a:buFont typeface="Wingdings 2" charset="2"/>
-              <a:buChar char=""/>
+              <a:buSzPct val="45000"/>
+              <a:buFont typeface="DejaVu Sans"/>
+              <a:buChar char="◾"/>
             </a:pPr>
             <a:r>
               <a:rPr b="0" lang="en-US" sz="2000" spc="-1" strike="noStrike">
@@ -19561,7 +21392,10 @@
               </a:rPr>
               <a:t>Conflicts can arise at any point during the requirements engineering</a:t>
             </a:r>
-            <a:endParaRPr b="0" lang="en-GB" sz="2000" spc="-1" strike="noStrike">
+            <a:endParaRPr b="0" lang="en-US" sz="2000" spc="-1" strike="noStrike">
+              <a:solidFill>
+                <a:srgbClr val="000000"/>
+              </a:solidFill>
               <a:latin typeface="Arial"/>
             </a:endParaRPr>
           </a:p>
@@ -19576,8 +21410,8 @@
               <a:buClr>
                 <a:srgbClr val="008c4f"/>
               </a:buClr>
-              <a:buSzPct val="45000"/>
-              <a:buFont typeface="OpenSymbol"/>
+              <a:buSzPct val="60000"/>
+              <a:buFont typeface="DejaVu Sans"/>
               <a:buChar char="—"/>
             </a:pPr>
             <a:r>
@@ -19590,7 +21424,10 @@
               </a:rPr>
               <a:t>Stakeholders may change their opinion at any point, leading do conflicts</a:t>
             </a:r>
-            <a:endParaRPr b="0" lang="en-GB" sz="1800" spc="-1" strike="noStrike">
+            <a:endParaRPr b="0" lang="en-US" sz="1800" spc="-1" strike="noStrike">
+              <a:solidFill>
+                <a:srgbClr val="000000"/>
+              </a:solidFill>
               <a:latin typeface="Arial"/>
             </a:endParaRPr>
           </a:p>
@@ -19605,8 +21442,8 @@
               <a:buClr>
                 <a:srgbClr val="008c4f"/>
               </a:buClr>
-              <a:buSzPct val="45000"/>
-              <a:buFont typeface="OpenSymbol"/>
+              <a:buSzPct val="60000"/>
+              <a:buFont typeface="DejaVu Sans"/>
               <a:buChar char="—"/>
             </a:pPr>
             <a:r>
@@ -19619,7 +21456,10 @@
               </a:rPr>
               <a:t>Most conflicts identified during the interpretation</a:t>
             </a:r>
-            <a:endParaRPr b="0" lang="en-GB" sz="1800" spc="-1" strike="noStrike">
+            <a:endParaRPr b="0" lang="en-US" sz="1800" spc="-1" strike="noStrike">
+              <a:solidFill>
+                <a:srgbClr val="000000"/>
+              </a:solidFill>
               <a:latin typeface="Arial"/>
             </a:endParaRPr>
           </a:p>
@@ -19636,7 +21476,10 @@
                 <a:tab algn="l" pos="0"/>
               </a:tabLst>
             </a:pPr>
-            <a:endParaRPr b="0" lang="en-GB" sz="1800" spc="-1" strike="noStrike">
+            <a:endParaRPr b="0" lang="en-US" sz="1800" spc="-1" strike="noStrike">
+              <a:solidFill>
+                <a:srgbClr val="000000"/>
+              </a:solidFill>
               <a:latin typeface="Arial"/>
             </a:endParaRPr>
           </a:p>
@@ -19651,9 +21494,9 @@
               <a:buClr>
                 <a:srgbClr val="008c4f"/>
               </a:buClr>
-              <a:buSzPct val="80000"/>
-              <a:buFont typeface="Wingdings 2" charset="2"/>
-              <a:buChar char=""/>
+              <a:buSzPct val="45000"/>
+              <a:buFont typeface="DejaVu Sans"/>
+              <a:buChar char="◾"/>
               <a:tabLst>
                 <a:tab algn="l" pos="0"/>
               </a:tabLst>
@@ -19668,7 +21511,10 @@
               </a:rPr>
               <a:t>Identification is the task of the requirements engineer</a:t>
             </a:r>
-            <a:endParaRPr b="0" lang="en-GB" sz="2000" spc="-1" strike="noStrike">
+            <a:endParaRPr b="0" lang="en-US" sz="2000" spc="-1" strike="noStrike">
+              <a:solidFill>
+                <a:srgbClr val="000000"/>
+              </a:solidFill>
               <a:latin typeface="Arial"/>
             </a:endParaRPr>
           </a:p>
@@ -19683,8 +21529,8 @@
               <a:buClr>
                 <a:srgbClr val="008c4f"/>
               </a:buClr>
-              <a:buSzPct val="45000"/>
-              <a:buFont typeface="OpenSymbol"/>
+              <a:buSzPct val="60000"/>
+              <a:buFont typeface="DejaVu Sans"/>
               <a:buChar char="—"/>
               <a:tabLst>
                 <a:tab algn="l" pos="0"/>
@@ -19700,7 +21546,10 @@
               </a:rPr>
               <a:t>The only person involved with all stakeholders and a complete overview of the requirements</a:t>
             </a:r>
-            <a:endParaRPr b="0" lang="en-GB" sz="1800" spc="-1" strike="noStrike">
+            <a:endParaRPr b="0" lang="en-US" sz="1800" spc="-1" strike="noStrike">
+              <a:solidFill>
+                <a:srgbClr val="000000"/>
+              </a:solidFill>
               <a:latin typeface="Arial"/>
             </a:endParaRPr>
           </a:p>
@@ -19745,7 +21594,7 @@
         <p:spPr>
           <a:xfrm>
             <a:off x="542880" y="721800"/>
-            <a:ext cx="10356480" cy="497160"/>
+            <a:ext cx="10356120" cy="496800"/>
           </a:xfrm>
           <a:prstGeom prst="rect">
             <a:avLst/>
@@ -19781,7 +21630,10 @@
               </a:rPr>
               <a:t>Conflict Management</a:t>
             </a:r>
-            <a:endParaRPr b="0" lang="en-GB" sz="2200" spc="-1" strike="noStrike">
+            <a:endParaRPr b="0" lang="en-US" sz="2200" spc="-1" strike="noStrike">
+              <a:solidFill>
+                <a:srgbClr val="000000"/>
+              </a:solidFill>
               <a:latin typeface="Arial"/>
             </a:endParaRPr>
           </a:p>
@@ -19796,7 +21648,7 @@
         <p:spPr>
           <a:xfrm>
             <a:off x="542880" y="1267200"/>
-            <a:ext cx="10356480" cy="497160"/>
+            <a:ext cx="10356120" cy="496800"/>
           </a:xfrm>
           <a:prstGeom prst="rect">
             <a:avLst/>
@@ -19832,7 +21684,10 @@
               </a:rPr>
               <a:t>Conflict Analysis</a:t>
             </a:r>
-            <a:endParaRPr b="0" lang="en-GB" sz="2200" spc="-1" strike="noStrike">
+            <a:endParaRPr b="0" lang="en-US" sz="2200" spc="-1" strike="noStrike">
+              <a:solidFill>
+                <a:srgbClr val="000000"/>
+              </a:solidFill>
               <a:latin typeface="Arial"/>
             </a:endParaRPr>
           </a:p>
@@ -19847,7 +21702,7 @@
         <p:spPr>
           <a:xfrm>
             <a:off x="451800" y="1709280"/>
-            <a:ext cx="8223840" cy="4352040"/>
+            <a:ext cx="8223480" cy="4351680"/>
           </a:xfrm>
           <a:prstGeom prst="rect">
             <a:avLst/>
@@ -19863,6 +21718,19 @@
           <a:effectRef idx="0"/>
           <a:fontRef idx="minor"/>
         </p:style>
+        <p:txBody>
+          <a:bodyPr lIns="90000" rIns="90000" tIns="45000" bIns="45000" anchor="t">
+            <a:noAutofit/>
+          </a:bodyPr>
+          <a:p>
+            <a:endParaRPr b="0" lang="en-US" sz="1800" spc="-1" strike="noStrike">
+              <a:solidFill>
+                <a:srgbClr val="000000"/>
+              </a:solidFill>
+              <a:latin typeface="Arial"/>
+            </a:endParaRPr>
+          </a:p>
+        </p:txBody>
       </p:sp>
       <p:sp>
         <p:nvSpPr>
@@ -19877,7 +21745,7 @@
         <p:spPr>
           <a:xfrm>
             <a:off x="609480" y="1769400"/>
-            <a:ext cx="10586880" cy="4854960"/>
+            <a:ext cx="10586520" cy="4854600"/>
           </a:xfrm>
           <a:prstGeom prst="rect">
             <a:avLst/>
@@ -19902,9 +21770,9 @@
               <a:buClr>
                 <a:srgbClr val="008c4f"/>
               </a:buClr>
-              <a:buSzPct val="80000"/>
-              <a:buFont typeface="Wingdings 2" charset="2"/>
-              <a:buChar char=""/>
+              <a:buSzPct val="45000"/>
+              <a:buFont typeface="DejaVu Sans"/>
+              <a:buChar char="◾"/>
             </a:pPr>
             <a:r>
               <a:rPr b="0" lang="en-US" sz="2000" spc="-1" strike="noStrike">
@@ -19916,7 +21784,10 @@
               </a:rPr>
               <a:t>The task of analyzing the reason for a conflict</a:t>
             </a:r>
-            <a:endParaRPr b="0" lang="en-GB" sz="2000" spc="-1" strike="noStrike">
+            <a:endParaRPr b="0" lang="en-US" sz="2000" spc="-1" strike="noStrike">
+              <a:solidFill>
+                <a:srgbClr val="000000"/>
+              </a:solidFill>
               <a:latin typeface="Arial"/>
             </a:endParaRPr>
           </a:p>
@@ -19931,8 +21802,8 @@
               <a:buClr>
                 <a:srgbClr val="008c4f"/>
               </a:buClr>
-              <a:buSzPct val="45000"/>
-              <a:buFont typeface="OpenSymbol"/>
+              <a:buSzPct val="60000"/>
+              <a:buFont typeface="DejaVu Sans"/>
               <a:buChar char="—"/>
             </a:pPr>
             <a:r>
@@ -19945,7 +21816,10 @@
               </a:rPr>
               <a:t>Difficult to resolve a conflict without completely understanding it</a:t>
             </a:r>
-            <a:endParaRPr b="0" lang="en-GB" sz="1800" spc="-1" strike="noStrike">
+            <a:endParaRPr b="0" lang="en-US" sz="1800" spc="-1" strike="noStrike">
+              <a:solidFill>
+                <a:srgbClr val="000000"/>
+              </a:solidFill>
               <a:latin typeface="Arial"/>
             </a:endParaRPr>
           </a:p>
@@ -19960,9 +21834,9 @@
               <a:buClr>
                 <a:srgbClr val="008c4f"/>
               </a:buClr>
-              <a:buSzPct val="80000"/>
-              <a:buFont typeface="Wingdings 2" charset="2"/>
-              <a:buChar char=""/>
+              <a:buSzPct val="45000"/>
+              <a:buFont typeface="DejaVu Sans"/>
+              <a:buChar char="◾"/>
             </a:pPr>
             <a:r>
               <a:rPr b="0" lang="en-US" sz="2000" spc="-1" strike="noStrike">
@@ -19974,7 +21848,10 @@
               </a:rPr>
               <a:t>Various types of conflicts</a:t>
             </a:r>
-            <a:endParaRPr b="0" lang="en-GB" sz="2000" spc="-1" strike="noStrike">
+            <a:endParaRPr b="0" lang="en-US" sz="2000" spc="-1" strike="noStrike">
+              <a:solidFill>
+                <a:srgbClr val="000000"/>
+              </a:solidFill>
               <a:latin typeface="Arial"/>
             </a:endParaRPr>
           </a:p>
@@ -19989,8 +21866,8 @@
               <a:buClr>
                 <a:srgbClr val="008c4f"/>
               </a:buClr>
-              <a:buSzPct val="45000"/>
-              <a:buFont typeface="OpenSymbol"/>
+              <a:buSzPct val="60000"/>
+              <a:buFont typeface="DejaVu Sans"/>
               <a:buChar char="—"/>
             </a:pPr>
             <a:r>
@@ -20003,7 +21880,10 @@
               </a:rPr>
               <a:t>Subject conflict</a:t>
             </a:r>
-            <a:endParaRPr b="0" lang="en-GB" sz="1800" spc="-1" strike="noStrike">
+            <a:endParaRPr b="0" lang="en-US" sz="1800" spc="-1" strike="noStrike">
+              <a:solidFill>
+                <a:srgbClr val="000000"/>
+              </a:solidFill>
               <a:latin typeface="Arial"/>
             </a:endParaRPr>
           </a:p>
@@ -20018,8 +21898,8 @@
               <a:buClr>
                 <a:srgbClr val="008c4f"/>
               </a:buClr>
-              <a:buSzPct val="45000"/>
-              <a:buFont typeface="OpenSymbol"/>
+              <a:buSzPct val="60000"/>
+              <a:buFont typeface="DejaVu Sans"/>
               <a:buChar char="—"/>
             </a:pPr>
             <a:r>
@@ -20032,7 +21912,10 @@
               </a:rPr>
               <a:t>Conflict of interest</a:t>
             </a:r>
-            <a:endParaRPr b="0" lang="en-GB" sz="1800" spc="-1" strike="noStrike">
+            <a:endParaRPr b="0" lang="en-US" sz="1800" spc="-1" strike="noStrike">
+              <a:solidFill>
+                <a:srgbClr val="000000"/>
+              </a:solidFill>
               <a:latin typeface="Arial"/>
             </a:endParaRPr>
           </a:p>
@@ -20047,8 +21930,8 @@
               <a:buClr>
                 <a:srgbClr val="008c4f"/>
               </a:buClr>
-              <a:buSzPct val="45000"/>
-              <a:buFont typeface="OpenSymbol"/>
+              <a:buSzPct val="60000"/>
+              <a:buFont typeface="DejaVu Sans"/>
               <a:buChar char="—"/>
             </a:pPr>
             <a:r>
@@ -20061,7 +21944,10 @@
               </a:rPr>
               <a:t>Conflict of value</a:t>
             </a:r>
-            <a:endParaRPr b="0" lang="en-GB" sz="1800" spc="-1" strike="noStrike">
+            <a:endParaRPr b="0" lang="en-US" sz="1800" spc="-1" strike="noStrike">
+              <a:solidFill>
+                <a:srgbClr val="000000"/>
+              </a:solidFill>
               <a:latin typeface="Arial"/>
             </a:endParaRPr>
           </a:p>
@@ -20076,8 +21962,8 @@
               <a:buClr>
                 <a:srgbClr val="008c4f"/>
               </a:buClr>
-              <a:buSzPct val="45000"/>
-              <a:buFont typeface="OpenSymbol"/>
+              <a:buSzPct val="60000"/>
+              <a:buFont typeface="DejaVu Sans"/>
               <a:buChar char="—"/>
             </a:pPr>
             <a:r>
@@ -20090,7 +21976,10 @@
               </a:rPr>
               <a:t>Relationship conflict</a:t>
             </a:r>
-            <a:endParaRPr b="0" lang="en-GB" sz="1800" spc="-1" strike="noStrike">
+            <a:endParaRPr b="0" lang="en-US" sz="1800" spc="-1" strike="noStrike">
+              <a:solidFill>
+                <a:srgbClr val="000000"/>
+              </a:solidFill>
               <a:latin typeface="Arial"/>
             </a:endParaRPr>
           </a:p>
@@ -20105,8 +21994,8 @@
               <a:buClr>
                 <a:srgbClr val="008c4f"/>
               </a:buClr>
-              <a:buSzPct val="45000"/>
-              <a:buFont typeface="OpenSymbol"/>
+              <a:buSzPct val="60000"/>
+              <a:buFont typeface="DejaVu Sans"/>
               <a:buChar char="—"/>
             </a:pPr>
             <a:r>
@@ -20119,7 +22008,10 @@
               </a:rPr>
               <a:t>Structural conflict</a:t>
             </a:r>
-            <a:endParaRPr b="0" lang="en-GB" sz="1800" spc="-1" strike="noStrike">
+            <a:endParaRPr b="0" lang="en-US" sz="1800" spc="-1" strike="noStrike">
+              <a:solidFill>
+                <a:srgbClr val="000000"/>
+              </a:solidFill>
               <a:latin typeface="Arial"/>
             </a:endParaRPr>
           </a:p>
@@ -20134,8 +22026,8 @@
               <a:buClr>
                 <a:srgbClr val="008c4f"/>
               </a:buClr>
-              <a:buSzPct val="45000"/>
-              <a:buFont typeface="OpenSymbol"/>
+              <a:buSzPct val="60000"/>
+              <a:buFont typeface="DejaVu Sans"/>
               <a:buChar char="—"/>
             </a:pPr>
             <a:r>
@@ -20148,7 +22040,10 @@
               </a:rPr>
               <a:t>Mixed reasons</a:t>
             </a:r>
-            <a:endParaRPr b="0" lang="en-GB" sz="1800" spc="-1" strike="noStrike">
+            <a:endParaRPr b="0" lang="en-US" sz="1800" spc="-1" strike="noStrike">
+              <a:solidFill>
+                <a:srgbClr val="000000"/>
+              </a:solidFill>
               <a:latin typeface="Arial"/>
             </a:endParaRPr>
           </a:p>

--- a/Requirements-Engineering/RE-L05-Negotiation.pptx
+++ b/Requirements-Engineering/RE-L05-Negotiation.pptx
@@ -84,8 +84,8 @@
         </p:nvSpPr>
         <p:spPr>
           <a:xfrm>
-            <a:off x="533520" y="764280"/>
-            <a:ext cx="6704640" cy="3771360"/>
+            <a:off x="216000" y="812520"/>
+            <a:ext cx="7127280" cy="4008960"/>
           </a:xfrm>
           <a:prstGeom prst="rect">
             <a:avLst/>
@@ -102,42 +102,15 @@
           <a:p>
             <a:pPr algn="ctr"/>
             <a:r>
-              <a:rPr b="0" lang="en-US" sz="4400" spc="-1" strike="noStrike">
+              <a:rPr b="0" lang="en-GB" sz="4400" spc="-1" strike="noStrike">
                 <a:solidFill>
                   <a:srgbClr val="000000"/>
                 </a:solidFill>
                 <a:latin typeface="Arial"/>
               </a:rPr>
-              <a:t>Click to </a:t>
+              <a:t>Click to move the slide</a:t>
             </a:r>
-            <a:r>
-              <a:rPr b="0" lang="en-US" sz="4400" spc="-1" strike="noStrike">
-                <a:solidFill>
-                  <a:srgbClr val="000000"/>
-                </a:solidFill>
-                <a:latin typeface="Arial"/>
-              </a:rPr>
-              <a:t>move </a:t>
-            </a:r>
-            <a:r>
-              <a:rPr b="0" lang="en-US" sz="4400" spc="-1" strike="noStrike">
-                <a:solidFill>
-                  <a:srgbClr val="000000"/>
-                </a:solidFill>
-                <a:latin typeface="Arial"/>
-              </a:rPr>
-              <a:t>the </a:t>
-            </a:r>
-            <a:r>
-              <a:rPr b="0" lang="en-US" sz="4400" spc="-1" strike="noStrike">
-                <a:solidFill>
-                  <a:srgbClr val="000000"/>
-                </a:solidFill>
-                <a:latin typeface="Arial"/>
-              </a:rPr>
-              <a:t>slide</a:t>
-            </a:r>
-            <a:endParaRPr b="0" lang="en-US" sz="4400" spc="-1" strike="noStrike">
+            <a:endParaRPr b="0" lang="en-GB" sz="4400" spc="-1" strike="noStrike">
               <a:solidFill>
                 <a:srgbClr val="000000"/>
               </a:solidFill>
@@ -158,8 +131,8 @@
         </p:nvSpPr>
         <p:spPr>
           <a:xfrm>
-            <a:off x="777240" y="4777560"/>
-            <a:ext cx="6217560" cy="4525920"/>
+            <a:off x="756000" y="5078520"/>
+            <a:ext cx="6047640" cy="4811040"/>
           </a:xfrm>
           <a:prstGeom prst="rect">
             <a:avLst/>
@@ -178,24 +151,15 @@
               <a:buNone/>
             </a:pPr>
             <a:r>
-              <a:rPr b="0" lang="en-US" sz="2000" spc="-1" strike="noStrike">
+              <a:rPr b="0" lang="en-GB" sz="2000" spc="-1" strike="noStrike">
                 <a:solidFill>
                   <a:srgbClr val="000000"/>
                 </a:solidFill>
                 <a:latin typeface="Arial"/>
               </a:rPr>
-              <a:t>Click to edit the </a:t>
+              <a:t>Click to edit the notes format</a:t>
             </a:r>
-            <a:r>
-              <a:rPr b="0" lang="en-US" sz="2000" spc="-1" strike="noStrike">
-                <a:solidFill>
-                  <a:srgbClr val="000000"/>
-                </a:solidFill>
-                <a:latin typeface="Arial"/>
-              </a:rPr>
-              <a:t>notes format</a:t>
-            </a:r>
-            <a:endParaRPr b="0" lang="en-US" sz="2000" spc="-1" strike="noStrike">
+            <a:endParaRPr b="0" lang="en-GB" sz="2000" spc="-1" strike="noStrike">
               <a:solidFill>
                 <a:srgbClr val="000000"/>
               </a:solidFill>
@@ -217,7 +181,7 @@
         <p:spPr>
           <a:xfrm>
             <a:off x="0" y="0"/>
-            <a:ext cx="3372840" cy="502560"/>
+            <a:ext cx="3280680" cy="534240"/>
           </a:xfrm>
           <a:prstGeom prst="rect">
             <a:avLst/>
@@ -236,7 +200,7 @@
               <a:buNone/>
             </a:pPr>
             <a:r>
-              <a:rPr b="0" lang="en-US" sz="1400" spc="-1" strike="noStrike">
+              <a:rPr b="0" lang="en-GB" sz="1400" spc="-1" strike="noStrike">
                 <a:solidFill>
                   <a:srgbClr val="000000"/>
                 </a:solidFill>
@@ -244,7 +208,7 @@
               </a:rPr>
               <a:t>&lt;header&gt;</a:t>
             </a:r>
-            <a:endParaRPr b="0" lang="en-US" sz="1400" spc="-1" strike="noStrike">
+            <a:endParaRPr b="0" lang="en-GB" sz="1400" spc="-1" strike="noStrike">
               <a:solidFill>
                 <a:srgbClr val="000000"/>
               </a:solidFill>
@@ -265,8 +229,8 @@
         </p:nvSpPr>
         <p:spPr>
           <a:xfrm>
-            <a:off x="4399200" y="0"/>
-            <a:ext cx="3372840" cy="502560"/>
+            <a:off x="4278960" y="0"/>
+            <a:ext cx="3280680" cy="534240"/>
           </a:xfrm>
           <a:prstGeom prst="rect">
             <a:avLst/>
@@ -283,7 +247,7 @@
           <a:lstStyle>
             <a:lvl1pPr indent="0" algn="r">
               <a:buNone/>
-              <a:defRPr b="0" lang="en-US" sz="1400" spc="-1" strike="noStrike">
+              <a:defRPr b="0" lang="en-GB" sz="1400" spc="-1" strike="noStrike">
                 <a:solidFill>
                   <a:srgbClr val="000000"/>
                 </a:solidFill>
@@ -296,7 +260,7 @@
               <a:buNone/>
             </a:pPr>
             <a:r>
-              <a:rPr b="0" lang="en-US" sz="1400" spc="-1" strike="noStrike">
+              <a:rPr b="0" lang="en-GB" sz="1400" spc="-1" strike="noStrike">
                 <a:solidFill>
                   <a:srgbClr val="000000"/>
                 </a:solidFill>
@@ -304,7 +268,7 @@
               </a:rPr>
               <a:t>&lt;date/time&gt;</a:t>
             </a:r>
-            <a:endParaRPr b="0" lang="en-US" sz="1400" spc="-1" strike="noStrike">
+            <a:endParaRPr b="0" lang="en-GB" sz="1400" spc="-1" strike="noStrike">
               <a:solidFill>
                 <a:srgbClr val="000000"/>
               </a:solidFill>
@@ -325,8 +289,8 @@
         </p:nvSpPr>
         <p:spPr>
           <a:xfrm>
-            <a:off x="0" y="9555480"/>
-            <a:ext cx="3372840" cy="502560"/>
+            <a:off x="0" y="10157400"/>
+            <a:ext cx="3280680" cy="534240"/>
           </a:xfrm>
           <a:prstGeom prst="rect">
             <a:avLst/>
@@ -343,7 +307,7 @@
           <a:lstStyle>
             <a:lvl1pPr indent="0">
               <a:buNone/>
-              <a:defRPr b="0" lang="en-US" sz="1400" spc="-1" strike="noStrike">
+              <a:defRPr b="0" lang="en-GB" sz="1400" spc="-1" strike="noStrike">
                 <a:solidFill>
                   <a:srgbClr val="000000"/>
                 </a:solidFill>
@@ -356,7 +320,7 @@
               <a:buNone/>
             </a:pPr>
             <a:r>
-              <a:rPr b="0" lang="en-US" sz="1400" spc="-1" strike="noStrike">
+              <a:rPr b="0" lang="en-GB" sz="1400" spc="-1" strike="noStrike">
                 <a:solidFill>
                   <a:srgbClr val="000000"/>
                 </a:solidFill>
@@ -364,7 +328,7 @@
               </a:rPr>
               <a:t>&lt;footer&gt;</a:t>
             </a:r>
-            <a:endParaRPr b="0" lang="en-US" sz="1400" spc="-1" strike="noStrike">
+            <a:endParaRPr b="0" lang="en-GB" sz="1400" spc="-1" strike="noStrike">
               <a:solidFill>
                 <a:srgbClr val="000000"/>
               </a:solidFill>
@@ -385,8 +349,8 @@
         </p:nvSpPr>
         <p:spPr>
           <a:xfrm>
-            <a:off x="4399200" y="9555480"/>
-            <a:ext cx="3372840" cy="502560"/>
+            <a:off x="4278960" y="10157400"/>
+            <a:ext cx="3280680" cy="534240"/>
           </a:xfrm>
           <a:prstGeom prst="rect">
             <a:avLst/>
@@ -403,7 +367,7 @@
           <a:lstStyle>
             <a:lvl1pPr indent="0" algn="r">
               <a:buNone/>
-              <a:defRPr b="0" lang="en-US" sz="1400" spc="-1" strike="noStrike">
+              <a:defRPr b="0" lang="en-GB" sz="1400" spc="-1" strike="noStrike">
                 <a:solidFill>
                   <a:srgbClr val="000000"/>
                 </a:solidFill>
@@ -415,8 +379,8 @@
             <a:pPr indent="0" algn="r">
               <a:buNone/>
             </a:pPr>
-            <a:fld id="{658AD03E-B344-491A-BE49-D69B2314D5FE}" type="slidenum">
-              <a:rPr b="0" lang="en-US" sz="1400" spc="-1" strike="noStrike">
+            <a:fld id="{FAD114CB-97FC-4F96-A397-1426F7B4A88A}" type="slidenum">
+              <a:rPr b="0" lang="en-GB" sz="1400" spc="-1" strike="noStrike">
                 <a:solidFill>
                   <a:srgbClr val="000000"/>
                 </a:solidFill>
@@ -424,7 +388,7 @@
               </a:rPr>
               <a:t>&lt;number&gt;</a:t>
             </a:fld>
-            <a:endParaRPr b="0" lang="en-US" sz="1400" spc="-1" strike="noStrike">
+            <a:endParaRPr b="0" lang="en-GB" sz="1400" spc="-1" strike="noStrike">
               <a:solidFill>
                 <a:srgbClr val="000000"/>
               </a:solidFill>
@@ -469,7 +433,7 @@
         <p:spPr>
           <a:xfrm>
             <a:off x="533520" y="763560"/>
-            <a:ext cx="6699240" cy="3767400"/>
+            <a:ext cx="6698880" cy="3767040"/>
           </a:xfrm>
           <a:prstGeom prst="rect">
             <a:avLst/>
@@ -492,7 +456,7 @@
         <p:spPr>
           <a:xfrm>
             <a:off x="777240" y="4777560"/>
-            <a:ext cx="6212880" cy="4521240"/>
+            <a:ext cx="6212520" cy="4520880"/>
           </a:xfrm>
           <a:prstGeom prst="rect">
             <a:avLst/>
@@ -510,7 +474,7 @@
             <a:pPr marL="216000" indent="0">
               <a:buNone/>
             </a:pPr>
-            <a:endParaRPr b="0" lang="en-US" sz="1800" spc="-1" strike="noStrike">
+            <a:endParaRPr b="0" lang="en-GB" sz="1800" spc="-1" strike="noStrike">
               <a:solidFill>
                 <a:srgbClr val="000000"/>
               </a:solidFill>
@@ -532,7 +496,7 @@
         <p:spPr>
           <a:xfrm>
             <a:off x="4399200" y="9555480"/>
-            <a:ext cx="3368160" cy="497880"/>
+            <a:ext cx="3367800" cy="497520"/>
           </a:xfrm>
           <a:prstGeom prst="rect">
             <a:avLst/>
@@ -574,7 +538,7 @@
                 <a:tab algn="l" pos="0"/>
               </a:tabLst>
             </a:pPr>
-            <a:fld id="{DC08BC98-2347-42DB-B85D-01C593387241}" type="slidenum">
+            <a:fld id="{45C7C580-F132-45B4-AAF5-A061C9A293E4}" type="slidenum">
               <a:rPr b="0" lang="de-DE" sz="1800" spc="-1" strike="noStrike">
                 <a:solidFill>
                   <a:srgbClr val="000000"/>
@@ -582,9 +546,9 @@
                 <a:latin typeface="+mn-lt"/>
                 <a:ea typeface="+mn-ea"/>
               </a:rPr>
-              <a:t>21</a:t>
+              <a:t>&lt;number&gt;</a:t>
             </a:fld>
-            <a:endParaRPr b="0" lang="en-US" sz="1800" spc="-1" strike="noStrike">
+            <a:endParaRPr b="0" lang="en-GB" sz="1800" spc="-1" strike="noStrike">
               <a:solidFill>
                 <a:srgbClr val="000000"/>
               </a:solidFill>
@@ -628,7 +592,7 @@
         <p:spPr>
           <a:xfrm>
             <a:off x="533520" y="763560"/>
-            <a:ext cx="6699240" cy="3767400"/>
+            <a:ext cx="6698880" cy="3767040"/>
           </a:xfrm>
           <a:prstGeom prst="rect">
             <a:avLst/>
@@ -651,7 +615,7 @@
         <p:spPr>
           <a:xfrm>
             <a:off x="777240" y="4777560"/>
-            <a:ext cx="6212880" cy="4521240"/>
+            <a:ext cx="6212520" cy="4520880"/>
           </a:xfrm>
           <a:prstGeom prst="rect">
             <a:avLst/>
@@ -669,7 +633,7 @@
             <a:pPr marL="216000" indent="0">
               <a:buNone/>
             </a:pPr>
-            <a:endParaRPr b="0" lang="en-US" sz="1800" spc="-1" strike="noStrike">
+            <a:endParaRPr b="0" lang="en-GB" sz="1800" spc="-1" strike="noStrike">
               <a:solidFill>
                 <a:srgbClr val="000000"/>
               </a:solidFill>
@@ -691,7 +655,7 @@
         <p:spPr>
           <a:xfrm>
             <a:off x="4399200" y="9555480"/>
-            <a:ext cx="3368160" cy="497880"/>
+            <a:ext cx="3367800" cy="497520"/>
           </a:xfrm>
           <a:prstGeom prst="rect">
             <a:avLst/>
@@ -733,7 +697,7 @@
                 <a:tab algn="l" pos="0"/>
               </a:tabLst>
             </a:pPr>
-            <a:fld id="{BBCC47D7-F4DA-4FB3-A682-E060F299EDCD}" type="slidenum">
+            <a:fld id="{0F74A55C-84E4-4100-97F6-A98604D8EEB2}" type="slidenum">
               <a:rPr b="0" lang="de-DE" sz="1800" spc="-1" strike="noStrike">
                 <a:solidFill>
                   <a:srgbClr val="000000"/>
@@ -741,9 +705,9 @@
                 <a:latin typeface="+mn-lt"/>
                 <a:ea typeface="+mn-ea"/>
               </a:rPr>
-              <a:t>21</a:t>
+              <a:t>&lt;number&gt;</a:t>
             </a:fld>
-            <a:endParaRPr b="0" lang="en-US" sz="1800" spc="-1" strike="noStrike">
+            <a:endParaRPr b="0" lang="en-GB" sz="1800" spc="-1" strike="noStrike">
               <a:solidFill>
                 <a:srgbClr val="000000"/>
               </a:solidFill>
@@ -787,7 +751,7 @@
         <p:spPr>
           <a:xfrm>
             <a:off x="533520" y="763560"/>
-            <a:ext cx="6699240" cy="3767400"/>
+            <a:ext cx="6698880" cy="3767040"/>
           </a:xfrm>
           <a:prstGeom prst="rect">
             <a:avLst/>
@@ -810,7 +774,7 @@
         <p:spPr>
           <a:xfrm>
             <a:off x="777240" y="4777560"/>
-            <a:ext cx="6212880" cy="4521240"/>
+            <a:ext cx="6212520" cy="4520880"/>
           </a:xfrm>
           <a:prstGeom prst="rect">
             <a:avLst/>
@@ -828,7 +792,7 @@
             <a:pPr marL="216000" indent="0">
               <a:buNone/>
             </a:pPr>
-            <a:endParaRPr b="0" lang="en-US" sz="1800" spc="-1" strike="noStrike">
+            <a:endParaRPr b="0" lang="en-GB" sz="1800" spc="-1" strike="noStrike">
               <a:solidFill>
                 <a:srgbClr val="000000"/>
               </a:solidFill>
@@ -850,7 +814,7 @@
         <p:spPr>
           <a:xfrm>
             <a:off x="4399200" y="9555480"/>
-            <a:ext cx="3368160" cy="497880"/>
+            <a:ext cx="3367800" cy="497520"/>
           </a:xfrm>
           <a:prstGeom prst="rect">
             <a:avLst/>
@@ -892,7 +856,7 @@
                 <a:tab algn="l" pos="0"/>
               </a:tabLst>
             </a:pPr>
-            <a:fld id="{CF846DD7-C929-496E-BE7D-E4540DA03EA3}" type="slidenum">
+            <a:fld id="{240B10A2-FA31-46CE-BE9A-EBC59FEB5FA5}" type="slidenum">
               <a:rPr b="0" lang="de-DE" sz="1800" spc="-1" strike="noStrike">
                 <a:solidFill>
                   <a:srgbClr val="000000"/>
@@ -900,9 +864,9 @@
                 <a:latin typeface="+mn-lt"/>
                 <a:ea typeface="+mn-ea"/>
               </a:rPr>
-              <a:t>21</a:t>
+              <a:t>&lt;number&gt;</a:t>
             </a:fld>
-            <a:endParaRPr b="0" lang="en-US" sz="1800" spc="-1" strike="noStrike">
+            <a:endParaRPr b="0" lang="en-GB" sz="1800" spc="-1" strike="noStrike">
               <a:solidFill>
                 <a:srgbClr val="000000"/>
               </a:solidFill>
@@ -946,7 +910,7 @@
         <p:spPr>
           <a:xfrm>
             <a:off x="533520" y="763560"/>
-            <a:ext cx="6699240" cy="3767400"/>
+            <a:ext cx="6698880" cy="3767040"/>
           </a:xfrm>
           <a:prstGeom prst="rect">
             <a:avLst/>
@@ -969,7 +933,7 @@
         <p:spPr>
           <a:xfrm>
             <a:off x="777240" y="4777560"/>
-            <a:ext cx="6212880" cy="4521240"/>
+            <a:ext cx="6212520" cy="4520880"/>
           </a:xfrm>
           <a:prstGeom prst="rect">
             <a:avLst/>
@@ -987,7 +951,7 @@
             <a:pPr marL="216000" indent="0">
               <a:buNone/>
             </a:pPr>
-            <a:endParaRPr b="0" lang="en-US" sz="1800" spc="-1" strike="noStrike">
+            <a:endParaRPr b="0" lang="en-GB" sz="1800" spc="-1" strike="noStrike">
               <a:solidFill>
                 <a:srgbClr val="000000"/>
               </a:solidFill>
@@ -1009,7 +973,7 @@
         <p:spPr>
           <a:xfrm>
             <a:off x="4399200" y="9555480"/>
-            <a:ext cx="3368160" cy="497880"/>
+            <a:ext cx="3367800" cy="497520"/>
           </a:xfrm>
           <a:prstGeom prst="rect">
             <a:avLst/>
@@ -1051,7 +1015,7 @@
                 <a:tab algn="l" pos="0"/>
               </a:tabLst>
             </a:pPr>
-            <a:fld id="{6DA1CEFD-EC55-4D18-B7D6-E1B4C18644F2}" type="slidenum">
+            <a:fld id="{040C29C8-13A7-4AE3-8223-8F40E100D3C7}" type="slidenum">
               <a:rPr b="0" lang="de-DE" sz="1800" spc="-1" strike="noStrike">
                 <a:solidFill>
                   <a:srgbClr val="000000"/>
@@ -1059,9 +1023,9 @@
                 <a:latin typeface="+mn-lt"/>
                 <a:ea typeface="+mn-ea"/>
               </a:rPr>
-              <a:t>21</a:t>
+              <a:t>&lt;number&gt;</a:t>
             </a:fld>
-            <a:endParaRPr b="0" lang="en-US" sz="1800" spc="-1" strike="noStrike">
+            <a:endParaRPr b="0" lang="en-GB" sz="1800" spc="-1" strike="noStrike">
               <a:solidFill>
                 <a:srgbClr val="000000"/>
               </a:solidFill>
@@ -1105,7 +1069,7 @@
         <p:spPr>
           <a:xfrm>
             <a:off x="533520" y="763560"/>
-            <a:ext cx="6699240" cy="3767400"/>
+            <a:ext cx="6698880" cy="3767040"/>
           </a:xfrm>
           <a:prstGeom prst="rect">
             <a:avLst/>
@@ -1128,7 +1092,7 @@
         <p:spPr>
           <a:xfrm>
             <a:off x="777240" y="4777560"/>
-            <a:ext cx="6212880" cy="4521240"/>
+            <a:ext cx="6212520" cy="4520880"/>
           </a:xfrm>
           <a:prstGeom prst="rect">
             <a:avLst/>
@@ -1146,7 +1110,7 @@
             <a:pPr marL="216000" indent="0">
               <a:buNone/>
             </a:pPr>
-            <a:endParaRPr b="0" lang="en-US" sz="1800" spc="-1" strike="noStrike">
+            <a:endParaRPr b="0" lang="en-GB" sz="1800" spc="-1" strike="noStrike">
               <a:solidFill>
                 <a:srgbClr val="000000"/>
               </a:solidFill>
@@ -1168,7 +1132,7 @@
         <p:spPr>
           <a:xfrm>
             <a:off x="4399200" y="9555480"/>
-            <a:ext cx="3368160" cy="497880"/>
+            <a:ext cx="3367800" cy="497520"/>
           </a:xfrm>
           <a:prstGeom prst="rect">
             <a:avLst/>
@@ -1210,7 +1174,7 @@
                 <a:tab algn="l" pos="0"/>
               </a:tabLst>
             </a:pPr>
-            <a:fld id="{341E6BBA-38BB-4569-B159-55D94A04B886}" type="slidenum">
+            <a:fld id="{8BD4F0E5-C578-43BB-A7F4-009EC7B3922B}" type="slidenum">
               <a:rPr b="0" lang="de-DE" sz="1800" spc="-1" strike="noStrike">
                 <a:solidFill>
                   <a:srgbClr val="000000"/>
@@ -1218,9 +1182,9 @@
                 <a:latin typeface="+mn-lt"/>
                 <a:ea typeface="+mn-ea"/>
               </a:rPr>
-              <a:t>21</a:t>
+              <a:t>&lt;number&gt;</a:t>
             </a:fld>
-            <a:endParaRPr b="0" lang="en-US" sz="1800" spc="-1" strike="noStrike">
+            <a:endParaRPr b="0" lang="en-GB" sz="1800" spc="-1" strike="noStrike">
               <a:solidFill>
                 <a:srgbClr val="000000"/>
               </a:solidFill>
@@ -1264,7 +1228,7 @@
         <p:spPr>
           <a:xfrm>
             <a:off x="533520" y="763560"/>
-            <a:ext cx="6699240" cy="3767400"/>
+            <a:ext cx="6698880" cy="3767040"/>
           </a:xfrm>
           <a:prstGeom prst="rect">
             <a:avLst/>
@@ -1287,7 +1251,7 @@
         <p:spPr>
           <a:xfrm>
             <a:off x="777240" y="4777560"/>
-            <a:ext cx="6212880" cy="4521240"/>
+            <a:ext cx="6212520" cy="4520880"/>
           </a:xfrm>
           <a:prstGeom prst="rect">
             <a:avLst/>
@@ -1305,7 +1269,7 @@
             <a:pPr marL="216000" indent="0">
               <a:buNone/>
             </a:pPr>
-            <a:endParaRPr b="0" lang="en-US" sz="1800" spc="-1" strike="noStrike">
+            <a:endParaRPr b="0" lang="en-GB" sz="1800" spc="-1" strike="noStrike">
               <a:solidFill>
                 <a:srgbClr val="000000"/>
               </a:solidFill>
@@ -1327,7 +1291,7 @@
         <p:spPr>
           <a:xfrm>
             <a:off x="4399200" y="9555480"/>
-            <a:ext cx="3368160" cy="497880"/>
+            <a:ext cx="3367800" cy="497520"/>
           </a:xfrm>
           <a:prstGeom prst="rect">
             <a:avLst/>
@@ -1369,7 +1333,7 @@
                 <a:tab algn="l" pos="0"/>
               </a:tabLst>
             </a:pPr>
-            <a:fld id="{DA94FEB1-0643-489D-8489-9AD8657F9414}" type="slidenum">
+            <a:fld id="{8A73670E-E6ED-40B5-8772-E90FFDA30B52}" type="slidenum">
               <a:rPr b="0" lang="de-DE" sz="1800" spc="-1" strike="noStrike">
                 <a:solidFill>
                   <a:srgbClr val="000000"/>
@@ -1377,9 +1341,9 @@
                 <a:latin typeface="+mn-lt"/>
                 <a:ea typeface="+mn-ea"/>
               </a:rPr>
-              <a:t>21</a:t>
+              <a:t>&lt;number&gt;</a:t>
             </a:fld>
-            <a:endParaRPr b="0" lang="en-US" sz="1800" spc="-1" strike="noStrike">
+            <a:endParaRPr b="0" lang="en-GB" sz="1800" spc="-1" strike="noStrike">
               <a:solidFill>
                 <a:srgbClr val="000000"/>
               </a:solidFill>
@@ -1423,7 +1387,7 @@
         <p:spPr>
           <a:xfrm>
             <a:off x="533520" y="763560"/>
-            <a:ext cx="6699240" cy="3767400"/>
+            <a:ext cx="6698880" cy="3767040"/>
           </a:xfrm>
           <a:prstGeom prst="rect">
             <a:avLst/>
@@ -1446,7 +1410,7 @@
         <p:spPr>
           <a:xfrm>
             <a:off x="777240" y="4777560"/>
-            <a:ext cx="6212880" cy="4521240"/>
+            <a:ext cx="6212520" cy="4520880"/>
           </a:xfrm>
           <a:prstGeom prst="rect">
             <a:avLst/>
@@ -1464,7 +1428,7 @@
             <a:pPr marL="216000" indent="0">
               <a:buNone/>
             </a:pPr>
-            <a:endParaRPr b="0" lang="en-US" sz="1800" spc="-1" strike="noStrike">
+            <a:endParaRPr b="0" lang="en-GB" sz="1800" spc="-1" strike="noStrike">
               <a:solidFill>
                 <a:srgbClr val="000000"/>
               </a:solidFill>
@@ -1486,7 +1450,7 @@
         <p:spPr>
           <a:xfrm>
             <a:off x="4399200" y="9555480"/>
-            <a:ext cx="3368160" cy="497880"/>
+            <a:ext cx="3367800" cy="497520"/>
           </a:xfrm>
           <a:prstGeom prst="rect">
             <a:avLst/>
@@ -1528,7 +1492,7 @@
                 <a:tab algn="l" pos="0"/>
               </a:tabLst>
             </a:pPr>
-            <a:fld id="{FCBCDA31-6996-4A1A-8C5C-D5CF77680B70}" type="slidenum">
+            <a:fld id="{DB33AC85-BE97-445E-8D65-19C1CAD2327D}" type="slidenum">
               <a:rPr b="0" lang="de-DE" sz="1800" spc="-1" strike="noStrike">
                 <a:solidFill>
                   <a:srgbClr val="000000"/>
@@ -1536,9 +1500,9 @@
                 <a:latin typeface="+mn-lt"/>
                 <a:ea typeface="+mn-ea"/>
               </a:rPr>
-              <a:t>21</a:t>
+              <a:t>&lt;number&gt;</a:t>
             </a:fld>
-            <a:endParaRPr b="0" lang="en-US" sz="1800" spc="-1" strike="noStrike">
+            <a:endParaRPr b="0" lang="en-GB" sz="1800" spc="-1" strike="noStrike">
               <a:solidFill>
                 <a:srgbClr val="000000"/>
               </a:solidFill>
@@ -1582,7 +1546,7 @@
         <p:spPr>
           <a:xfrm>
             <a:off x="533520" y="763560"/>
-            <a:ext cx="6699240" cy="3767400"/>
+            <a:ext cx="6698880" cy="3767040"/>
           </a:xfrm>
           <a:prstGeom prst="rect">
             <a:avLst/>
@@ -1605,7 +1569,7 @@
         <p:spPr>
           <a:xfrm>
             <a:off x="777240" y="4777560"/>
-            <a:ext cx="6212880" cy="4521240"/>
+            <a:ext cx="6212520" cy="4520880"/>
           </a:xfrm>
           <a:prstGeom prst="rect">
             <a:avLst/>
@@ -1623,7 +1587,7 @@
             <a:pPr marL="216000" indent="0">
               <a:buNone/>
             </a:pPr>
-            <a:endParaRPr b="0" lang="en-US" sz="1800" spc="-1" strike="noStrike">
+            <a:endParaRPr b="0" lang="en-GB" sz="1800" spc="-1" strike="noStrike">
               <a:solidFill>
                 <a:srgbClr val="000000"/>
               </a:solidFill>
@@ -1645,7 +1609,7 @@
         <p:spPr>
           <a:xfrm>
             <a:off x="4399200" y="9555480"/>
-            <a:ext cx="3368160" cy="497880"/>
+            <a:ext cx="3367800" cy="497520"/>
           </a:xfrm>
           <a:prstGeom prst="rect">
             <a:avLst/>
@@ -1687,7 +1651,7 @@
                 <a:tab algn="l" pos="0"/>
               </a:tabLst>
             </a:pPr>
-            <a:fld id="{56687DC4-2A94-41A1-BBC9-ACC20E5BBDA9}" type="slidenum">
+            <a:fld id="{2D017F9F-D7E8-49B9-ACA7-3BDD1EA5B6EF}" type="slidenum">
               <a:rPr b="0" lang="de-DE" sz="1800" spc="-1" strike="noStrike">
                 <a:solidFill>
                   <a:srgbClr val="000000"/>
@@ -1695,9 +1659,9 @@
                 <a:latin typeface="+mn-lt"/>
                 <a:ea typeface="+mn-ea"/>
               </a:rPr>
-              <a:t>21</a:t>
+              <a:t>&lt;number&gt;</a:t>
             </a:fld>
-            <a:endParaRPr b="0" lang="en-US" sz="1800" spc="-1" strike="noStrike">
+            <a:endParaRPr b="0" lang="en-GB" sz="1800" spc="-1" strike="noStrike">
               <a:solidFill>
                 <a:srgbClr val="000000"/>
               </a:solidFill>
@@ -1741,7 +1705,7 @@
         <p:spPr>
           <a:xfrm>
             <a:off x="533520" y="763560"/>
-            <a:ext cx="6699240" cy="3767400"/>
+            <a:ext cx="6698880" cy="3767040"/>
           </a:xfrm>
           <a:prstGeom prst="rect">
             <a:avLst/>
@@ -1764,7 +1728,7 @@
         <p:spPr>
           <a:xfrm>
             <a:off x="777240" y="4777560"/>
-            <a:ext cx="6212880" cy="4521240"/>
+            <a:ext cx="6212520" cy="4520880"/>
           </a:xfrm>
           <a:prstGeom prst="rect">
             <a:avLst/>
@@ -1782,7 +1746,7 @@
             <a:pPr marL="216000" indent="0">
               <a:buNone/>
             </a:pPr>
-            <a:endParaRPr b="0" lang="en-US" sz="1800" spc="-1" strike="noStrike">
+            <a:endParaRPr b="0" lang="en-GB" sz="1800" spc="-1" strike="noStrike">
               <a:solidFill>
                 <a:srgbClr val="000000"/>
               </a:solidFill>
@@ -1804,7 +1768,7 @@
         <p:spPr>
           <a:xfrm>
             <a:off x="4399200" y="9555480"/>
-            <a:ext cx="3368160" cy="497880"/>
+            <a:ext cx="3367800" cy="497520"/>
           </a:xfrm>
           <a:prstGeom prst="rect">
             <a:avLst/>
@@ -1846,7 +1810,7 @@
                 <a:tab algn="l" pos="0"/>
               </a:tabLst>
             </a:pPr>
-            <a:fld id="{BC980508-0FF9-4860-960E-B63037C72519}" type="slidenum">
+            <a:fld id="{9A09F2AC-C311-482D-ACA1-DECA248103D2}" type="slidenum">
               <a:rPr b="0" lang="de-DE" sz="1800" spc="-1" strike="noStrike">
                 <a:solidFill>
                   <a:srgbClr val="000000"/>
@@ -1854,9 +1818,9 @@
                 <a:latin typeface="+mn-lt"/>
                 <a:ea typeface="+mn-ea"/>
               </a:rPr>
-              <a:t>21</a:t>
+              <a:t>&lt;number&gt;</a:t>
             </a:fld>
-            <a:endParaRPr b="0" lang="en-US" sz="1800" spc="-1" strike="noStrike">
+            <a:endParaRPr b="0" lang="en-GB" sz="1800" spc="-1" strike="noStrike">
               <a:solidFill>
                 <a:srgbClr val="000000"/>
               </a:solidFill>
@@ -1900,7 +1864,7 @@
         <p:spPr>
           <a:xfrm>
             <a:off x="533520" y="763560"/>
-            <a:ext cx="6699240" cy="3767400"/>
+            <a:ext cx="6698880" cy="3767040"/>
           </a:xfrm>
           <a:prstGeom prst="rect">
             <a:avLst/>
@@ -1923,7 +1887,7 @@
         <p:spPr>
           <a:xfrm>
             <a:off x="777240" y="4777560"/>
-            <a:ext cx="6212880" cy="4521240"/>
+            <a:ext cx="6212520" cy="4520880"/>
           </a:xfrm>
           <a:prstGeom prst="rect">
             <a:avLst/>
@@ -1941,7 +1905,7 @@
             <a:pPr marL="216000" indent="0">
               <a:buNone/>
             </a:pPr>
-            <a:endParaRPr b="0" lang="en-US" sz="1800" spc="-1" strike="noStrike">
+            <a:endParaRPr b="0" lang="en-GB" sz="1800" spc="-1" strike="noStrike">
               <a:solidFill>
                 <a:srgbClr val="000000"/>
               </a:solidFill>
@@ -1963,7 +1927,7 @@
         <p:spPr>
           <a:xfrm>
             <a:off x="4399200" y="9555480"/>
-            <a:ext cx="3368160" cy="497880"/>
+            <a:ext cx="3367800" cy="497520"/>
           </a:xfrm>
           <a:prstGeom prst="rect">
             <a:avLst/>
@@ -2005,7 +1969,7 @@
                 <a:tab algn="l" pos="0"/>
               </a:tabLst>
             </a:pPr>
-            <a:fld id="{1366D4DF-6674-4320-82D2-BB97A1B2113D}" type="slidenum">
+            <a:fld id="{BA837032-4AE7-4DBE-97DA-203EF44C72BD}" type="slidenum">
               <a:rPr b="0" lang="de-DE" sz="1800" spc="-1" strike="noStrike">
                 <a:solidFill>
                   <a:srgbClr val="000000"/>
@@ -2013,9 +1977,9 @@
                 <a:latin typeface="+mn-lt"/>
                 <a:ea typeface="+mn-ea"/>
               </a:rPr>
-              <a:t>21</a:t>
+              <a:t>&lt;number&gt;</a:t>
             </a:fld>
-            <a:endParaRPr b="0" lang="en-US" sz="1800" spc="-1" strike="noStrike">
+            <a:endParaRPr b="0" lang="en-GB" sz="1800" spc="-1" strike="noStrike">
               <a:solidFill>
                 <a:srgbClr val="000000"/>
               </a:solidFill>
@@ -2059,7 +2023,7 @@
         <p:spPr>
           <a:xfrm>
             <a:off x="533520" y="763560"/>
-            <a:ext cx="6699240" cy="3767400"/>
+            <a:ext cx="6698880" cy="3767040"/>
           </a:xfrm>
           <a:prstGeom prst="rect">
             <a:avLst/>
@@ -2082,7 +2046,7 @@
         <p:spPr>
           <a:xfrm>
             <a:off x="777240" y="4777560"/>
-            <a:ext cx="6212880" cy="4521240"/>
+            <a:ext cx="6212520" cy="4520880"/>
           </a:xfrm>
           <a:prstGeom prst="rect">
             <a:avLst/>
@@ -2100,7 +2064,7 @@
             <a:pPr marL="216000" indent="0">
               <a:buNone/>
             </a:pPr>
-            <a:endParaRPr b="0" lang="en-US" sz="1800" spc="-1" strike="noStrike">
+            <a:endParaRPr b="0" lang="en-GB" sz="1800" spc="-1" strike="noStrike">
               <a:solidFill>
                 <a:srgbClr val="000000"/>
               </a:solidFill>
@@ -2122,7 +2086,7 @@
         <p:spPr>
           <a:xfrm>
             <a:off x="4399200" y="9555480"/>
-            <a:ext cx="3368160" cy="497880"/>
+            <a:ext cx="3367800" cy="497520"/>
           </a:xfrm>
           <a:prstGeom prst="rect">
             <a:avLst/>
@@ -2164,7 +2128,7 @@
                 <a:tab algn="l" pos="0"/>
               </a:tabLst>
             </a:pPr>
-            <a:fld id="{DFC89889-216A-4172-8128-7F49D6C360E5}" type="slidenum">
+            <a:fld id="{62E3C741-973F-45E9-90C1-728357AE6E6C}" type="slidenum">
               <a:rPr b="0" lang="de-DE" sz="1800" spc="-1" strike="noStrike">
                 <a:solidFill>
                   <a:srgbClr val="000000"/>
@@ -2172,9 +2136,9 @@
                 <a:latin typeface="+mn-lt"/>
                 <a:ea typeface="+mn-ea"/>
               </a:rPr>
-              <a:t>21</a:t>
+              <a:t>&lt;number&gt;</a:t>
             </a:fld>
-            <a:endParaRPr b="0" lang="en-US" sz="1800" spc="-1" strike="noStrike">
+            <a:endParaRPr b="0" lang="en-GB" sz="1800" spc="-1" strike="noStrike">
               <a:solidFill>
                 <a:srgbClr val="000000"/>
               </a:solidFill>
@@ -2218,7 +2182,7 @@
         <p:spPr>
           <a:xfrm>
             <a:off x="533520" y="763560"/>
-            <a:ext cx="6699240" cy="3767400"/>
+            <a:ext cx="6698880" cy="3767040"/>
           </a:xfrm>
           <a:prstGeom prst="rect">
             <a:avLst/>
@@ -2241,7 +2205,7 @@
         <p:spPr>
           <a:xfrm>
             <a:off x="777240" y="4777560"/>
-            <a:ext cx="6212880" cy="4521240"/>
+            <a:ext cx="6212520" cy="4520880"/>
           </a:xfrm>
           <a:prstGeom prst="rect">
             <a:avLst/>
@@ -2259,7 +2223,7 @@
             <a:pPr marL="216000" indent="0">
               <a:buNone/>
             </a:pPr>
-            <a:endParaRPr b="0" lang="en-US" sz="1800" spc="-1" strike="noStrike">
+            <a:endParaRPr b="0" lang="en-GB" sz="1800" spc="-1" strike="noStrike">
               <a:solidFill>
                 <a:srgbClr val="000000"/>
               </a:solidFill>
@@ -2281,7 +2245,7 @@
         <p:spPr>
           <a:xfrm>
             <a:off x="4399200" y="9555480"/>
-            <a:ext cx="3368160" cy="497880"/>
+            <a:ext cx="3367800" cy="497520"/>
           </a:xfrm>
           <a:prstGeom prst="rect">
             <a:avLst/>
@@ -2323,7 +2287,7 @@
                 <a:tab algn="l" pos="0"/>
               </a:tabLst>
             </a:pPr>
-            <a:fld id="{05A3A6B1-47D7-4743-8AB4-50409C401D5B}" type="slidenum">
+            <a:fld id="{7DAA1E4B-9ABA-4214-98E2-C74792AF51FD}" type="slidenum">
               <a:rPr b="0" lang="de-DE" sz="1800" spc="-1" strike="noStrike">
                 <a:solidFill>
                   <a:srgbClr val="000000"/>
@@ -2331,9 +2295,9 @@
                 <a:latin typeface="+mn-lt"/>
                 <a:ea typeface="+mn-ea"/>
               </a:rPr>
-              <a:t>21</a:t>
+              <a:t>&lt;number&gt;</a:t>
             </a:fld>
-            <a:endParaRPr b="0" lang="en-US" sz="1800" spc="-1" strike="noStrike">
+            <a:endParaRPr b="0" lang="en-GB" sz="1800" spc="-1" strike="noStrike">
               <a:solidFill>
                 <a:srgbClr val="000000"/>
               </a:solidFill>
@@ -2377,7 +2341,7 @@
         <p:spPr>
           <a:xfrm>
             <a:off x="533520" y="763560"/>
-            <a:ext cx="6699240" cy="3767400"/>
+            <a:ext cx="6698880" cy="3767040"/>
           </a:xfrm>
           <a:prstGeom prst="rect">
             <a:avLst/>
@@ -2400,7 +2364,7 @@
         <p:spPr>
           <a:xfrm>
             <a:off x="777240" y="4777560"/>
-            <a:ext cx="6212880" cy="4521240"/>
+            <a:ext cx="6212520" cy="4520880"/>
           </a:xfrm>
           <a:prstGeom prst="rect">
             <a:avLst/>
@@ -2418,7 +2382,7 @@
             <a:pPr marL="216000" indent="0">
               <a:buNone/>
             </a:pPr>
-            <a:endParaRPr b="0" lang="en-US" sz="1800" spc="-1" strike="noStrike">
+            <a:endParaRPr b="0" lang="en-GB" sz="1800" spc="-1" strike="noStrike">
               <a:solidFill>
                 <a:srgbClr val="000000"/>
               </a:solidFill>
@@ -2440,7 +2404,7 @@
         <p:spPr>
           <a:xfrm>
             <a:off x="4399200" y="9555480"/>
-            <a:ext cx="3368160" cy="497880"/>
+            <a:ext cx="3367800" cy="497520"/>
           </a:xfrm>
           <a:prstGeom prst="rect">
             <a:avLst/>
@@ -2482,7 +2446,7 @@
                 <a:tab algn="l" pos="0"/>
               </a:tabLst>
             </a:pPr>
-            <a:fld id="{31D7B24E-A50D-4F4D-B8D6-31DE372B44C2}" type="slidenum">
+            <a:fld id="{52A025A8-C17A-4C24-A0B6-DB0A2CE276AD}" type="slidenum">
               <a:rPr b="0" lang="de-DE" sz="1800" spc="-1" strike="noStrike">
                 <a:solidFill>
                   <a:srgbClr val="000000"/>
@@ -2490,9 +2454,9 @@
                 <a:latin typeface="+mn-lt"/>
                 <a:ea typeface="+mn-ea"/>
               </a:rPr>
-              <a:t>21</a:t>
+              <a:t>&lt;number&gt;</a:t>
             </a:fld>
-            <a:endParaRPr b="0" lang="en-US" sz="1800" spc="-1" strike="noStrike">
+            <a:endParaRPr b="0" lang="en-GB" sz="1800" spc="-1" strike="noStrike">
               <a:solidFill>
                 <a:srgbClr val="000000"/>
               </a:solidFill>
@@ -2536,7 +2500,7 @@
         <p:spPr>
           <a:xfrm>
             <a:off x="533520" y="763560"/>
-            <a:ext cx="6699240" cy="3767400"/>
+            <a:ext cx="6698880" cy="3767040"/>
           </a:xfrm>
           <a:prstGeom prst="rect">
             <a:avLst/>
@@ -2559,7 +2523,7 @@
         <p:spPr>
           <a:xfrm>
             <a:off x="777240" y="4777560"/>
-            <a:ext cx="6212880" cy="4521240"/>
+            <a:ext cx="6212520" cy="4520880"/>
           </a:xfrm>
           <a:prstGeom prst="rect">
             <a:avLst/>
@@ -2577,7 +2541,7 @@
             <a:pPr marL="216000" indent="0">
               <a:buNone/>
             </a:pPr>
-            <a:endParaRPr b="0" lang="en-US" sz="1800" spc="-1" strike="noStrike">
+            <a:endParaRPr b="0" lang="en-GB" sz="1800" spc="-1" strike="noStrike">
               <a:solidFill>
                 <a:srgbClr val="000000"/>
               </a:solidFill>
@@ -2599,7 +2563,7 @@
         <p:spPr>
           <a:xfrm>
             <a:off x="4399200" y="9555480"/>
-            <a:ext cx="3368160" cy="497880"/>
+            <a:ext cx="3367800" cy="497520"/>
           </a:xfrm>
           <a:prstGeom prst="rect">
             <a:avLst/>
@@ -2641,7 +2605,7 @@
                 <a:tab algn="l" pos="0"/>
               </a:tabLst>
             </a:pPr>
-            <a:fld id="{1EAF944D-1238-4022-8A64-83AF1DB4C211}" type="slidenum">
+            <a:fld id="{8E076FF9-5731-4C0C-8ABA-A13B1502DC9E}" type="slidenum">
               <a:rPr b="0" lang="de-DE" sz="1800" spc="-1" strike="noStrike">
                 <a:solidFill>
                   <a:srgbClr val="000000"/>
@@ -2649,9 +2613,9 @@
                 <a:latin typeface="+mn-lt"/>
                 <a:ea typeface="+mn-ea"/>
               </a:rPr>
-              <a:t>21</a:t>
+              <a:t>&lt;number&gt;</a:t>
             </a:fld>
-            <a:endParaRPr b="0" lang="en-US" sz="1800" spc="-1" strike="noStrike">
+            <a:endParaRPr b="0" lang="en-GB" sz="1800" spc="-1" strike="noStrike">
               <a:solidFill>
                 <a:srgbClr val="000000"/>
               </a:solidFill>
@@ -2735,7 +2699,7 @@
             <a:pPr indent="0" algn="ctr">
               <a:buNone/>
             </a:pPr>
-            <a:endParaRPr b="0" lang="en-US" sz="4400" spc="-1" strike="noStrike">
+            <a:endParaRPr b="0" lang="en-GB" sz="4400" spc="-1" strike="noStrike">
               <a:solidFill>
                 <a:srgbClr val="000000"/>
               </a:solidFill>
@@ -2778,7 +2742,7 @@
               </a:spcBef>
               <a:buNone/>
             </a:pPr>
-            <a:endParaRPr b="0" lang="en-US" sz="3200" spc="-1" strike="noStrike">
+            <a:endParaRPr b="0" lang="en-GB" sz="3200" spc="-1" strike="noStrike">
               <a:solidFill>
                 <a:srgbClr val="000000"/>
               </a:solidFill>
@@ -2821,7 +2785,7 @@
               </a:spcBef>
               <a:buNone/>
             </a:pPr>
-            <a:endParaRPr b="0" lang="en-US" sz="3200" spc="-1" strike="noStrike">
+            <a:endParaRPr b="0" lang="en-GB" sz="3200" spc="-1" strike="noStrike">
               <a:solidFill>
                 <a:srgbClr val="000000"/>
               </a:solidFill>
@@ -2883,7 +2847,7 @@
             <a:pPr indent="0" algn="ctr">
               <a:buNone/>
             </a:pPr>
-            <a:endParaRPr b="0" lang="en-US" sz="4400" spc="-1" strike="noStrike">
+            <a:endParaRPr b="0" lang="en-GB" sz="4400" spc="-1" strike="noStrike">
               <a:solidFill>
                 <a:srgbClr val="000000"/>
               </a:solidFill>
@@ -2926,7 +2890,7 @@
               </a:spcBef>
               <a:buNone/>
             </a:pPr>
-            <a:endParaRPr b="0" lang="en-US" sz="3200" spc="-1" strike="noStrike">
+            <a:endParaRPr b="0" lang="en-GB" sz="3200" spc="-1" strike="noStrike">
               <a:solidFill>
                 <a:srgbClr val="000000"/>
               </a:solidFill>
@@ -2969,7 +2933,7 @@
               </a:spcBef>
               <a:buNone/>
             </a:pPr>
-            <a:endParaRPr b="0" lang="en-US" sz="3200" spc="-1" strike="noStrike">
+            <a:endParaRPr b="0" lang="en-GB" sz="3200" spc="-1" strike="noStrike">
               <a:solidFill>
                 <a:srgbClr val="000000"/>
               </a:solidFill>
@@ -3012,7 +2976,7 @@
               </a:spcBef>
               <a:buNone/>
             </a:pPr>
-            <a:endParaRPr b="0" lang="en-US" sz="3200" spc="-1" strike="noStrike">
+            <a:endParaRPr b="0" lang="en-GB" sz="3200" spc="-1" strike="noStrike">
               <a:solidFill>
                 <a:srgbClr val="000000"/>
               </a:solidFill>
@@ -3055,7 +3019,7 @@
               </a:spcBef>
               <a:buNone/>
             </a:pPr>
-            <a:endParaRPr b="0" lang="en-US" sz="3200" spc="-1" strike="noStrike">
+            <a:endParaRPr b="0" lang="en-GB" sz="3200" spc="-1" strike="noStrike">
               <a:solidFill>
                 <a:srgbClr val="000000"/>
               </a:solidFill>
@@ -3117,7 +3081,7 @@
             <a:pPr indent="0" algn="ctr">
               <a:buNone/>
             </a:pPr>
-            <a:endParaRPr b="0" lang="en-US" sz="4400" spc="-1" strike="noStrike">
+            <a:endParaRPr b="0" lang="en-GB" sz="4400" spc="-1" strike="noStrike">
               <a:solidFill>
                 <a:srgbClr val="000000"/>
               </a:solidFill>
@@ -3160,7 +3124,7 @@
               </a:spcBef>
               <a:buNone/>
             </a:pPr>
-            <a:endParaRPr b="0" lang="en-US" sz="3200" spc="-1" strike="noStrike">
+            <a:endParaRPr b="0" lang="en-GB" sz="3200" spc="-1" strike="noStrike">
               <a:solidFill>
                 <a:srgbClr val="000000"/>
               </a:solidFill>
@@ -3203,7 +3167,7 @@
               </a:spcBef>
               <a:buNone/>
             </a:pPr>
-            <a:endParaRPr b="0" lang="en-US" sz="3200" spc="-1" strike="noStrike">
+            <a:endParaRPr b="0" lang="en-GB" sz="3200" spc="-1" strike="noStrike">
               <a:solidFill>
                 <a:srgbClr val="000000"/>
               </a:solidFill>
@@ -3246,7 +3210,7 @@
               </a:spcBef>
               <a:buNone/>
             </a:pPr>
-            <a:endParaRPr b="0" lang="en-US" sz="3200" spc="-1" strike="noStrike">
+            <a:endParaRPr b="0" lang="en-GB" sz="3200" spc="-1" strike="noStrike">
               <a:solidFill>
                 <a:srgbClr val="000000"/>
               </a:solidFill>
@@ -3289,7 +3253,7 @@
               </a:spcBef>
               <a:buNone/>
             </a:pPr>
-            <a:endParaRPr b="0" lang="en-US" sz="3200" spc="-1" strike="noStrike">
+            <a:endParaRPr b="0" lang="en-GB" sz="3200" spc="-1" strike="noStrike">
               <a:solidFill>
                 <a:srgbClr val="000000"/>
               </a:solidFill>
@@ -3332,7 +3296,7 @@
               </a:spcBef>
               <a:buNone/>
             </a:pPr>
-            <a:endParaRPr b="0" lang="en-US" sz="3200" spc="-1" strike="noStrike">
+            <a:endParaRPr b="0" lang="en-GB" sz="3200" spc="-1" strike="noStrike">
               <a:solidFill>
                 <a:srgbClr val="000000"/>
               </a:solidFill>
@@ -3375,7 +3339,7 @@
               </a:spcBef>
               <a:buNone/>
             </a:pPr>
-            <a:endParaRPr b="0" lang="en-US" sz="3200" spc="-1" strike="noStrike">
+            <a:endParaRPr b="0" lang="en-GB" sz="3200" spc="-1" strike="noStrike">
               <a:solidFill>
                 <a:srgbClr val="000000"/>
               </a:solidFill>
@@ -3459,7 +3423,7 @@
             <a:pPr indent="0" algn="ctr">
               <a:buNone/>
             </a:pPr>
-            <a:endParaRPr b="0" lang="en-US" sz="4400" spc="-1" strike="noStrike">
+            <a:endParaRPr b="0" lang="en-GB" sz="4400" spc="-1" strike="noStrike">
               <a:solidFill>
                 <a:srgbClr val="000000"/>
               </a:solidFill>
@@ -3499,7 +3463,7 @@
             <a:pPr indent="0" algn="ctr">
               <a:buNone/>
             </a:pPr>
-            <a:endParaRPr b="0" lang="en-US" sz="3200" spc="-1" strike="noStrike">
+            <a:endParaRPr b="0" lang="en-GB" sz="3200" spc="-1" strike="noStrike">
               <a:solidFill>
                 <a:srgbClr val="000000"/>
               </a:solidFill>
@@ -3561,7 +3525,7 @@
             <a:pPr indent="0" algn="ctr">
               <a:buNone/>
             </a:pPr>
-            <a:endParaRPr b="0" lang="en-US" sz="4400" spc="-1" strike="noStrike">
+            <a:endParaRPr b="0" lang="en-GB" sz="4400" spc="-1" strike="noStrike">
               <a:solidFill>
                 <a:srgbClr val="000000"/>
               </a:solidFill>
@@ -3604,7 +3568,7 @@
               </a:spcBef>
               <a:buNone/>
             </a:pPr>
-            <a:endParaRPr b="0" lang="en-US" sz="3200" spc="-1" strike="noStrike">
+            <a:endParaRPr b="0" lang="en-GB" sz="3200" spc="-1" strike="noStrike">
               <a:solidFill>
                 <a:srgbClr val="000000"/>
               </a:solidFill>
@@ -3666,7 +3630,7 @@
             <a:pPr indent="0" algn="ctr">
               <a:buNone/>
             </a:pPr>
-            <a:endParaRPr b="0" lang="en-US" sz="4400" spc="-1" strike="noStrike">
+            <a:endParaRPr b="0" lang="en-GB" sz="4400" spc="-1" strike="noStrike">
               <a:solidFill>
                 <a:srgbClr val="000000"/>
               </a:solidFill>
@@ -3709,7 +3673,7 @@
               </a:spcBef>
               <a:buNone/>
             </a:pPr>
-            <a:endParaRPr b="0" lang="en-US" sz="3200" spc="-1" strike="noStrike">
+            <a:endParaRPr b="0" lang="en-GB" sz="3200" spc="-1" strike="noStrike">
               <a:solidFill>
                 <a:srgbClr val="000000"/>
               </a:solidFill>
@@ -3752,7 +3716,7 @@
               </a:spcBef>
               <a:buNone/>
             </a:pPr>
-            <a:endParaRPr b="0" lang="en-US" sz="3200" spc="-1" strike="noStrike">
+            <a:endParaRPr b="0" lang="en-GB" sz="3200" spc="-1" strike="noStrike">
               <a:solidFill>
                 <a:srgbClr val="000000"/>
               </a:solidFill>
@@ -3814,7 +3778,7 @@
             <a:pPr indent="0" algn="ctr">
               <a:buNone/>
             </a:pPr>
-            <a:endParaRPr b="0" lang="en-US" sz="4400" spc="-1" strike="noStrike">
+            <a:endParaRPr b="0" lang="en-GB" sz="4400" spc="-1" strike="noStrike">
               <a:solidFill>
                 <a:srgbClr val="000000"/>
               </a:solidFill>
@@ -3874,7 +3838,7 @@
           </a:bodyPr>
           <a:p>
             <a:pPr algn="ctr"/>
-            <a:endParaRPr b="0" lang="en-US" sz="3200" spc="-1" strike="noStrike">
+            <a:endParaRPr b="0" lang="en-GB" sz="3200" spc="-1" strike="noStrike">
               <a:solidFill>
                 <a:srgbClr val="000000"/>
               </a:solidFill>
@@ -3936,7 +3900,7 @@
             <a:pPr indent="0" algn="ctr">
               <a:buNone/>
             </a:pPr>
-            <a:endParaRPr b="0" lang="en-US" sz="4400" spc="-1" strike="noStrike">
+            <a:endParaRPr b="0" lang="en-GB" sz="4400" spc="-1" strike="noStrike">
               <a:solidFill>
                 <a:srgbClr val="000000"/>
               </a:solidFill>
@@ -3979,7 +3943,7 @@
               </a:spcBef>
               <a:buNone/>
             </a:pPr>
-            <a:endParaRPr b="0" lang="en-US" sz="3200" spc="-1" strike="noStrike">
+            <a:endParaRPr b="0" lang="en-GB" sz="3200" spc="-1" strike="noStrike">
               <a:solidFill>
                 <a:srgbClr val="000000"/>
               </a:solidFill>
@@ -4022,7 +3986,7 @@
               </a:spcBef>
               <a:buNone/>
             </a:pPr>
-            <a:endParaRPr b="0" lang="en-US" sz="3200" spc="-1" strike="noStrike">
+            <a:endParaRPr b="0" lang="en-GB" sz="3200" spc="-1" strike="noStrike">
               <a:solidFill>
                 <a:srgbClr val="000000"/>
               </a:solidFill>
@@ -4065,7 +4029,7 @@
               </a:spcBef>
               <a:buNone/>
             </a:pPr>
-            <a:endParaRPr b="0" lang="en-US" sz="3200" spc="-1" strike="noStrike">
+            <a:endParaRPr b="0" lang="en-GB" sz="3200" spc="-1" strike="noStrike">
               <a:solidFill>
                 <a:srgbClr val="000000"/>
               </a:solidFill>
@@ -4127,7 +4091,7 @@
             <a:pPr indent="0" algn="ctr">
               <a:buNone/>
             </a:pPr>
-            <a:endParaRPr b="0" lang="en-US" sz="4400" spc="-1" strike="noStrike">
+            <a:endParaRPr b="0" lang="en-GB" sz="4400" spc="-1" strike="noStrike">
               <a:solidFill>
                 <a:srgbClr val="000000"/>
               </a:solidFill>
@@ -4167,7 +4131,7 @@
             <a:pPr indent="0" algn="ctr">
               <a:buNone/>
             </a:pPr>
-            <a:endParaRPr b="0" lang="en-US" sz="3200" spc="-1" strike="noStrike">
+            <a:endParaRPr b="0" lang="en-GB" sz="3200" spc="-1" strike="noStrike">
               <a:solidFill>
                 <a:srgbClr val="000000"/>
               </a:solidFill>
@@ -4229,7 +4193,7 @@
             <a:pPr indent="0" algn="ctr">
               <a:buNone/>
             </a:pPr>
-            <a:endParaRPr b="0" lang="en-US" sz="4400" spc="-1" strike="noStrike">
+            <a:endParaRPr b="0" lang="en-GB" sz="4400" spc="-1" strike="noStrike">
               <a:solidFill>
                 <a:srgbClr val="000000"/>
               </a:solidFill>
@@ -4272,7 +4236,7 @@
               </a:spcBef>
               <a:buNone/>
             </a:pPr>
-            <a:endParaRPr b="0" lang="en-US" sz="3200" spc="-1" strike="noStrike">
+            <a:endParaRPr b="0" lang="en-GB" sz="3200" spc="-1" strike="noStrike">
               <a:solidFill>
                 <a:srgbClr val="000000"/>
               </a:solidFill>
@@ -4315,7 +4279,7 @@
               </a:spcBef>
               <a:buNone/>
             </a:pPr>
-            <a:endParaRPr b="0" lang="en-US" sz="3200" spc="-1" strike="noStrike">
+            <a:endParaRPr b="0" lang="en-GB" sz="3200" spc="-1" strike="noStrike">
               <a:solidFill>
                 <a:srgbClr val="000000"/>
               </a:solidFill>
@@ -4358,7 +4322,7 @@
               </a:spcBef>
               <a:buNone/>
             </a:pPr>
-            <a:endParaRPr b="0" lang="en-US" sz="3200" spc="-1" strike="noStrike">
+            <a:endParaRPr b="0" lang="en-GB" sz="3200" spc="-1" strike="noStrike">
               <a:solidFill>
                 <a:srgbClr val="000000"/>
               </a:solidFill>
@@ -4420,7 +4384,7 @@
             <a:pPr indent="0" algn="ctr">
               <a:buNone/>
             </a:pPr>
-            <a:endParaRPr b="0" lang="en-US" sz="4400" spc="-1" strike="noStrike">
+            <a:endParaRPr b="0" lang="en-GB" sz="4400" spc="-1" strike="noStrike">
               <a:solidFill>
                 <a:srgbClr val="000000"/>
               </a:solidFill>
@@ -4463,7 +4427,7 @@
               </a:spcBef>
               <a:buNone/>
             </a:pPr>
-            <a:endParaRPr b="0" lang="en-US" sz="3200" spc="-1" strike="noStrike">
+            <a:endParaRPr b="0" lang="en-GB" sz="3200" spc="-1" strike="noStrike">
               <a:solidFill>
                 <a:srgbClr val="000000"/>
               </a:solidFill>
@@ -4506,7 +4470,7 @@
               </a:spcBef>
               <a:buNone/>
             </a:pPr>
-            <a:endParaRPr b="0" lang="en-US" sz="3200" spc="-1" strike="noStrike">
+            <a:endParaRPr b="0" lang="en-GB" sz="3200" spc="-1" strike="noStrike">
               <a:solidFill>
                 <a:srgbClr val="000000"/>
               </a:solidFill>
@@ -4549,7 +4513,7 @@
               </a:spcBef>
               <a:buNone/>
             </a:pPr>
-            <a:endParaRPr b="0" lang="en-US" sz="3200" spc="-1" strike="noStrike">
+            <a:endParaRPr b="0" lang="en-GB" sz="3200" spc="-1" strike="noStrike">
               <a:solidFill>
                 <a:srgbClr val="000000"/>
               </a:solidFill>
@@ -4611,7 +4575,7 @@
             <a:pPr indent="0" algn="ctr">
               <a:buNone/>
             </a:pPr>
-            <a:endParaRPr b="0" lang="en-US" sz="4400" spc="-1" strike="noStrike">
+            <a:endParaRPr b="0" lang="en-GB" sz="4400" spc="-1" strike="noStrike">
               <a:solidFill>
                 <a:srgbClr val="000000"/>
               </a:solidFill>
@@ -4654,7 +4618,7 @@
               </a:spcBef>
               <a:buNone/>
             </a:pPr>
-            <a:endParaRPr b="0" lang="en-US" sz="3200" spc="-1" strike="noStrike">
+            <a:endParaRPr b="0" lang="en-GB" sz="3200" spc="-1" strike="noStrike">
               <a:solidFill>
                 <a:srgbClr val="000000"/>
               </a:solidFill>
@@ -4697,7 +4661,7 @@
               </a:spcBef>
               <a:buNone/>
             </a:pPr>
-            <a:endParaRPr b="0" lang="en-US" sz="3200" spc="-1" strike="noStrike">
+            <a:endParaRPr b="0" lang="en-GB" sz="3200" spc="-1" strike="noStrike">
               <a:solidFill>
                 <a:srgbClr val="000000"/>
               </a:solidFill>
@@ -4759,7 +4723,7 @@
             <a:pPr indent="0" algn="ctr">
               <a:buNone/>
             </a:pPr>
-            <a:endParaRPr b="0" lang="en-US" sz="4400" spc="-1" strike="noStrike">
+            <a:endParaRPr b="0" lang="en-GB" sz="4400" spc="-1" strike="noStrike">
               <a:solidFill>
                 <a:srgbClr val="000000"/>
               </a:solidFill>
@@ -4802,7 +4766,7 @@
               </a:spcBef>
               <a:buNone/>
             </a:pPr>
-            <a:endParaRPr b="0" lang="en-US" sz="3200" spc="-1" strike="noStrike">
+            <a:endParaRPr b="0" lang="en-GB" sz="3200" spc="-1" strike="noStrike">
               <a:solidFill>
                 <a:srgbClr val="000000"/>
               </a:solidFill>
@@ -4845,7 +4809,7 @@
               </a:spcBef>
               <a:buNone/>
             </a:pPr>
-            <a:endParaRPr b="0" lang="en-US" sz="3200" spc="-1" strike="noStrike">
+            <a:endParaRPr b="0" lang="en-GB" sz="3200" spc="-1" strike="noStrike">
               <a:solidFill>
                 <a:srgbClr val="000000"/>
               </a:solidFill>
@@ -4888,7 +4852,7 @@
               </a:spcBef>
               <a:buNone/>
             </a:pPr>
-            <a:endParaRPr b="0" lang="en-US" sz="3200" spc="-1" strike="noStrike">
+            <a:endParaRPr b="0" lang="en-GB" sz="3200" spc="-1" strike="noStrike">
               <a:solidFill>
                 <a:srgbClr val="000000"/>
               </a:solidFill>
@@ -4931,7 +4895,7 @@
               </a:spcBef>
               <a:buNone/>
             </a:pPr>
-            <a:endParaRPr b="0" lang="en-US" sz="3200" spc="-1" strike="noStrike">
+            <a:endParaRPr b="0" lang="en-GB" sz="3200" spc="-1" strike="noStrike">
               <a:solidFill>
                 <a:srgbClr val="000000"/>
               </a:solidFill>
@@ -4993,7 +4957,7 @@
             <a:pPr indent="0" algn="ctr">
               <a:buNone/>
             </a:pPr>
-            <a:endParaRPr b="0" lang="en-US" sz="4400" spc="-1" strike="noStrike">
+            <a:endParaRPr b="0" lang="en-GB" sz="4400" spc="-1" strike="noStrike">
               <a:solidFill>
                 <a:srgbClr val="000000"/>
               </a:solidFill>
@@ -5036,7 +5000,7 @@
               </a:spcBef>
               <a:buNone/>
             </a:pPr>
-            <a:endParaRPr b="0" lang="en-US" sz="3200" spc="-1" strike="noStrike">
+            <a:endParaRPr b="0" lang="en-GB" sz="3200" spc="-1" strike="noStrike">
               <a:solidFill>
                 <a:srgbClr val="000000"/>
               </a:solidFill>
@@ -5079,7 +5043,7 @@
               </a:spcBef>
               <a:buNone/>
             </a:pPr>
-            <a:endParaRPr b="0" lang="en-US" sz="3200" spc="-1" strike="noStrike">
+            <a:endParaRPr b="0" lang="en-GB" sz="3200" spc="-1" strike="noStrike">
               <a:solidFill>
                 <a:srgbClr val="000000"/>
               </a:solidFill>
@@ -5122,7 +5086,7 @@
               </a:spcBef>
               <a:buNone/>
             </a:pPr>
-            <a:endParaRPr b="0" lang="en-US" sz="3200" spc="-1" strike="noStrike">
+            <a:endParaRPr b="0" lang="en-GB" sz="3200" spc="-1" strike="noStrike">
               <a:solidFill>
                 <a:srgbClr val="000000"/>
               </a:solidFill>
@@ -5165,7 +5129,7 @@
               </a:spcBef>
               <a:buNone/>
             </a:pPr>
-            <a:endParaRPr b="0" lang="en-US" sz="3200" spc="-1" strike="noStrike">
+            <a:endParaRPr b="0" lang="en-GB" sz="3200" spc="-1" strike="noStrike">
               <a:solidFill>
                 <a:srgbClr val="000000"/>
               </a:solidFill>
@@ -5208,7 +5172,7 @@
               </a:spcBef>
               <a:buNone/>
             </a:pPr>
-            <a:endParaRPr b="0" lang="en-US" sz="3200" spc="-1" strike="noStrike">
+            <a:endParaRPr b="0" lang="en-GB" sz="3200" spc="-1" strike="noStrike">
               <a:solidFill>
                 <a:srgbClr val="000000"/>
               </a:solidFill>
@@ -5251,7 +5215,7 @@
               </a:spcBef>
               <a:buNone/>
             </a:pPr>
-            <a:endParaRPr b="0" lang="en-US" sz="3200" spc="-1" strike="noStrike">
+            <a:endParaRPr b="0" lang="en-GB" sz="3200" spc="-1" strike="noStrike">
               <a:solidFill>
                 <a:srgbClr val="000000"/>
               </a:solidFill>
@@ -5335,7 +5299,7 @@
             <a:pPr indent="0" algn="ctr">
               <a:buNone/>
             </a:pPr>
-            <a:endParaRPr b="0" lang="en-US" sz="4400" spc="-1" strike="noStrike">
+            <a:endParaRPr b="0" lang="en-GB" sz="4400" spc="-1" strike="noStrike">
               <a:solidFill>
                 <a:srgbClr val="000000"/>
               </a:solidFill>
@@ -5375,7 +5339,7 @@
             <a:pPr indent="0" algn="ctr">
               <a:buNone/>
             </a:pPr>
-            <a:endParaRPr b="0" lang="en-US" sz="3200" spc="-1" strike="noStrike">
+            <a:endParaRPr b="0" lang="en-GB" sz="3200" spc="-1" strike="noStrike">
               <a:solidFill>
                 <a:srgbClr val="000000"/>
               </a:solidFill>
@@ -5437,7 +5401,7 @@
             <a:pPr indent="0" algn="ctr">
               <a:buNone/>
             </a:pPr>
-            <a:endParaRPr b="0" lang="en-US" sz="4400" spc="-1" strike="noStrike">
+            <a:endParaRPr b="0" lang="en-GB" sz="4400" spc="-1" strike="noStrike">
               <a:solidFill>
                 <a:srgbClr val="000000"/>
               </a:solidFill>
@@ -5480,7 +5444,7 @@
               </a:spcBef>
               <a:buNone/>
             </a:pPr>
-            <a:endParaRPr b="0" lang="en-US" sz="3200" spc="-1" strike="noStrike">
+            <a:endParaRPr b="0" lang="en-GB" sz="3200" spc="-1" strike="noStrike">
               <a:solidFill>
                 <a:srgbClr val="000000"/>
               </a:solidFill>
@@ -5542,7 +5506,7 @@
             <a:pPr indent="0" algn="ctr">
               <a:buNone/>
             </a:pPr>
-            <a:endParaRPr b="0" lang="en-US" sz="4400" spc="-1" strike="noStrike">
+            <a:endParaRPr b="0" lang="en-GB" sz="4400" spc="-1" strike="noStrike">
               <a:solidFill>
                 <a:srgbClr val="000000"/>
               </a:solidFill>
@@ -5585,7 +5549,7 @@
               </a:spcBef>
               <a:buNone/>
             </a:pPr>
-            <a:endParaRPr b="0" lang="en-US" sz="3200" spc="-1" strike="noStrike">
+            <a:endParaRPr b="0" lang="en-GB" sz="3200" spc="-1" strike="noStrike">
               <a:solidFill>
                 <a:srgbClr val="000000"/>
               </a:solidFill>
@@ -5628,7 +5592,7 @@
               </a:spcBef>
               <a:buNone/>
             </a:pPr>
-            <a:endParaRPr b="0" lang="en-US" sz="3200" spc="-1" strike="noStrike">
+            <a:endParaRPr b="0" lang="en-GB" sz="3200" spc="-1" strike="noStrike">
               <a:solidFill>
                 <a:srgbClr val="000000"/>
               </a:solidFill>
@@ -5690,7 +5654,7 @@
             <a:pPr indent="0" algn="ctr">
               <a:buNone/>
             </a:pPr>
-            <a:endParaRPr b="0" lang="en-US" sz="4400" spc="-1" strike="noStrike">
+            <a:endParaRPr b="0" lang="en-GB" sz="4400" spc="-1" strike="noStrike">
               <a:solidFill>
                 <a:srgbClr val="000000"/>
               </a:solidFill>
@@ -5752,7 +5716,7 @@
             <a:pPr indent="0" algn="ctr">
               <a:buNone/>
             </a:pPr>
-            <a:endParaRPr b="0" lang="en-US" sz="4400" spc="-1" strike="noStrike">
+            <a:endParaRPr b="0" lang="en-GB" sz="4400" spc="-1" strike="noStrike">
               <a:solidFill>
                 <a:srgbClr val="000000"/>
               </a:solidFill>
@@ -5795,7 +5759,7 @@
               </a:spcBef>
               <a:buNone/>
             </a:pPr>
-            <a:endParaRPr b="0" lang="en-US" sz="3200" spc="-1" strike="noStrike">
+            <a:endParaRPr b="0" lang="en-GB" sz="3200" spc="-1" strike="noStrike">
               <a:solidFill>
                 <a:srgbClr val="000000"/>
               </a:solidFill>
@@ -5855,7 +5819,7 @@
           </a:bodyPr>
           <a:p>
             <a:pPr algn="ctr"/>
-            <a:endParaRPr b="0" lang="en-US" sz="3200" spc="-1" strike="noStrike">
+            <a:endParaRPr b="0" lang="en-GB" sz="3200" spc="-1" strike="noStrike">
               <a:solidFill>
                 <a:srgbClr val="000000"/>
               </a:solidFill>
@@ -5917,7 +5881,7 @@
             <a:pPr indent="0" algn="ctr">
               <a:buNone/>
             </a:pPr>
-            <a:endParaRPr b="0" lang="en-US" sz="4400" spc="-1" strike="noStrike">
+            <a:endParaRPr b="0" lang="en-GB" sz="4400" spc="-1" strike="noStrike">
               <a:solidFill>
                 <a:srgbClr val="000000"/>
               </a:solidFill>
@@ -5960,7 +5924,7 @@
               </a:spcBef>
               <a:buNone/>
             </a:pPr>
-            <a:endParaRPr b="0" lang="en-US" sz="3200" spc="-1" strike="noStrike">
+            <a:endParaRPr b="0" lang="en-GB" sz="3200" spc="-1" strike="noStrike">
               <a:solidFill>
                 <a:srgbClr val="000000"/>
               </a:solidFill>
@@ -6003,7 +5967,7 @@
               </a:spcBef>
               <a:buNone/>
             </a:pPr>
-            <a:endParaRPr b="0" lang="en-US" sz="3200" spc="-1" strike="noStrike">
+            <a:endParaRPr b="0" lang="en-GB" sz="3200" spc="-1" strike="noStrike">
               <a:solidFill>
                 <a:srgbClr val="000000"/>
               </a:solidFill>
@@ -6046,7 +6010,7 @@
               </a:spcBef>
               <a:buNone/>
             </a:pPr>
-            <a:endParaRPr b="0" lang="en-US" sz="3200" spc="-1" strike="noStrike">
+            <a:endParaRPr b="0" lang="en-GB" sz="3200" spc="-1" strike="noStrike">
               <a:solidFill>
                 <a:srgbClr val="000000"/>
               </a:solidFill>
@@ -6108,7 +6072,7 @@
             <a:pPr indent="0" algn="ctr">
               <a:buNone/>
             </a:pPr>
-            <a:endParaRPr b="0" lang="en-US" sz="4400" spc="-1" strike="noStrike">
+            <a:endParaRPr b="0" lang="en-GB" sz="4400" spc="-1" strike="noStrike">
               <a:solidFill>
                 <a:srgbClr val="000000"/>
               </a:solidFill>
@@ -6151,7 +6115,7 @@
               </a:spcBef>
               <a:buNone/>
             </a:pPr>
-            <a:endParaRPr b="0" lang="en-US" sz="3200" spc="-1" strike="noStrike">
+            <a:endParaRPr b="0" lang="en-GB" sz="3200" spc="-1" strike="noStrike">
               <a:solidFill>
                 <a:srgbClr val="000000"/>
               </a:solidFill>
@@ -6194,7 +6158,7 @@
               </a:spcBef>
               <a:buNone/>
             </a:pPr>
-            <a:endParaRPr b="0" lang="en-US" sz="3200" spc="-1" strike="noStrike">
+            <a:endParaRPr b="0" lang="en-GB" sz="3200" spc="-1" strike="noStrike">
               <a:solidFill>
                 <a:srgbClr val="000000"/>
               </a:solidFill>
@@ -6237,7 +6201,7 @@
               </a:spcBef>
               <a:buNone/>
             </a:pPr>
-            <a:endParaRPr b="0" lang="en-US" sz="3200" spc="-1" strike="noStrike">
+            <a:endParaRPr b="0" lang="en-GB" sz="3200" spc="-1" strike="noStrike">
               <a:solidFill>
                 <a:srgbClr val="000000"/>
               </a:solidFill>
@@ -6299,7 +6263,7 @@
             <a:pPr indent="0" algn="ctr">
               <a:buNone/>
             </a:pPr>
-            <a:endParaRPr b="0" lang="en-US" sz="4400" spc="-1" strike="noStrike">
+            <a:endParaRPr b="0" lang="en-GB" sz="4400" spc="-1" strike="noStrike">
               <a:solidFill>
                 <a:srgbClr val="000000"/>
               </a:solidFill>
@@ -6342,7 +6306,7 @@
               </a:spcBef>
               <a:buNone/>
             </a:pPr>
-            <a:endParaRPr b="0" lang="en-US" sz="3200" spc="-1" strike="noStrike">
+            <a:endParaRPr b="0" lang="en-GB" sz="3200" spc="-1" strike="noStrike">
               <a:solidFill>
                 <a:srgbClr val="000000"/>
               </a:solidFill>
@@ -6385,7 +6349,7 @@
               </a:spcBef>
               <a:buNone/>
             </a:pPr>
-            <a:endParaRPr b="0" lang="en-US" sz="3200" spc="-1" strike="noStrike">
+            <a:endParaRPr b="0" lang="en-GB" sz="3200" spc="-1" strike="noStrike">
               <a:solidFill>
                 <a:srgbClr val="000000"/>
               </a:solidFill>
@@ -6428,7 +6392,7 @@
               </a:spcBef>
               <a:buNone/>
             </a:pPr>
-            <a:endParaRPr b="0" lang="en-US" sz="3200" spc="-1" strike="noStrike">
+            <a:endParaRPr b="0" lang="en-GB" sz="3200" spc="-1" strike="noStrike">
               <a:solidFill>
                 <a:srgbClr val="000000"/>
               </a:solidFill>
@@ -6490,7 +6454,7 @@
             <a:pPr indent="0" algn="ctr">
               <a:buNone/>
             </a:pPr>
-            <a:endParaRPr b="0" lang="en-US" sz="4400" spc="-1" strike="noStrike">
+            <a:endParaRPr b="0" lang="en-GB" sz="4400" spc="-1" strike="noStrike">
               <a:solidFill>
                 <a:srgbClr val="000000"/>
               </a:solidFill>
@@ -6533,7 +6497,7 @@
               </a:spcBef>
               <a:buNone/>
             </a:pPr>
-            <a:endParaRPr b="0" lang="en-US" sz="3200" spc="-1" strike="noStrike">
+            <a:endParaRPr b="0" lang="en-GB" sz="3200" spc="-1" strike="noStrike">
               <a:solidFill>
                 <a:srgbClr val="000000"/>
               </a:solidFill>
@@ -6576,7 +6540,7 @@
               </a:spcBef>
               <a:buNone/>
             </a:pPr>
-            <a:endParaRPr b="0" lang="en-US" sz="3200" spc="-1" strike="noStrike">
+            <a:endParaRPr b="0" lang="en-GB" sz="3200" spc="-1" strike="noStrike">
               <a:solidFill>
                 <a:srgbClr val="000000"/>
               </a:solidFill>
@@ -6638,7 +6602,7 @@
             <a:pPr indent="0" algn="ctr">
               <a:buNone/>
             </a:pPr>
-            <a:endParaRPr b="0" lang="en-US" sz="4400" spc="-1" strike="noStrike">
+            <a:endParaRPr b="0" lang="en-GB" sz="4400" spc="-1" strike="noStrike">
               <a:solidFill>
                 <a:srgbClr val="000000"/>
               </a:solidFill>
@@ -6681,7 +6645,7 @@
               </a:spcBef>
               <a:buNone/>
             </a:pPr>
-            <a:endParaRPr b="0" lang="en-US" sz="3200" spc="-1" strike="noStrike">
+            <a:endParaRPr b="0" lang="en-GB" sz="3200" spc="-1" strike="noStrike">
               <a:solidFill>
                 <a:srgbClr val="000000"/>
               </a:solidFill>
@@ -6724,7 +6688,7 @@
               </a:spcBef>
               <a:buNone/>
             </a:pPr>
-            <a:endParaRPr b="0" lang="en-US" sz="3200" spc="-1" strike="noStrike">
+            <a:endParaRPr b="0" lang="en-GB" sz="3200" spc="-1" strike="noStrike">
               <a:solidFill>
                 <a:srgbClr val="000000"/>
               </a:solidFill>
@@ -6767,7 +6731,7 @@
               </a:spcBef>
               <a:buNone/>
             </a:pPr>
-            <a:endParaRPr b="0" lang="en-US" sz="3200" spc="-1" strike="noStrike">
+            <a:endParaRPr b="0" lang="en-GB" sz="3200" spc="-1" strike="noStrike">
               <a:solidFill>
                 <a:srgbClr val="000000"/>
               </a:solidFill>
@@ -6810,7 +6774,7 @@
               </a:spcBef>
               <a:buNone/>
             </a:pPr>
-            <a:endParaRPr b="0" lang="en-US" sz="3200" spc="-1" strike="noStrike">
+            <a:endParaRPr b="0" lang="en-GB" sz="3200" spc="-1" strike="noStrike">
               <a:solidFill>
                 <a:srgbClr val="000000"/>
               </a:solidFill>
@@ -6872,7 +6836,7 @@
             <a:pPr indent="0" algn="ctr">
               <a:buNone/>
             </a:pPr>
-            <a:endParaRPr b="0" lang="en-US" sz="4400" spc="-1" strike="noStrike">
+            <a:endParaRPr b="0" lang="en-GB" sz="4400" spc="-1" strike="noStrike">
               <a:solidFill>
                 <a:srgbClr val="000000"/>
               </a:solidFill>
@@ -6915,7 +6879,7 @@
               </a:spcBef>
               <a:buNone/>
             </a:pPr>
-            <a:endParaRPr b="0" lang="en-US" sz="3200" spc="-1" strike="noStrike">
+            <a:endParaRPr b="0" lang="en-GB" sz="3200" spc="-1" strike="noStrike">
               <a:solidFill>
                 <a:srgbClr val="000000"/>
               </a:solidFill>
@@ -6958,7 +6922,7 @@
               </a:spcBef>
               <a:buNone/>
             </a:pPr>
-            <a:endParaRPr b="0" lang="en-US" sz="3200" spc="-1" strike="noStrike">
+            <a:endParaRPr b="0" lang="en-GB" sz="3200" spc="-1" strike="noStrike">
               <a:solidFill>
                 <a:srgbClr val="000000"/>
               </a:solidFill>
@@ -7001,7 +6965,7 @@
               </a:spcBef>
               <a:buNone/>
             </a:pPr>
-            <a:endParaRPr b="0" lang="en-US" sz="3200" spc="-1" strike="noStrike">
+            <a:endParaRPr b="0" lang="en-GB" sz="3200" spc="-1" strike="noStrike">
               <a:solidFill>
                 <a:srgbClr val="000000"/>
               </a:solidFill>
@@ -7044,7 +7008,7 @@
               </a:spcBef>
               <a:buNone/>
             </a:pPr>
-            <a:endParaRPr b="0" lang="en-US" sz="3200" spc="-1" strike="noStrike">
+            <a:endParaRPr b="0" lang="en-GB" sz="3200" spc="-1" strike="noStrike">
               <a:solidFill>
                 <a:srgbClr val="000000"/>
               </a:solidFill>
@@ -7087,7 +7051,7 @@
               </a:spcBef>
               <a:buNone/>
             </a:pPr>
-            <a:endParaRPr b="0" lang="en-US" sz="3200" spc="-1" strike="noStrike">
+            <a:endParaRPr b="0" lang="en-GB" sz="3200" spc="-1" strike="noStrike">
               <a:solidFill>
                 <a:srgbClr val="000000"/>
               </a:solidFill>
@@ -7130,7 +7094,7 @@
               </a:spcBef>
               <a:buNone/>
             </a:pPr>
-            <a:endParaRPr b="0" lang="en-US" sz="3200" spc="-1" strike="noStrike">
+            <a:endParaRPr b="0" lang="en-GB" sz="3200" spc="-1" strike="noStrike">
               <a:solidFill>
                 <a:srgbClr val="000000"/>
               </a:solidFill>
@@ -7214,7 +7178,7 @@
             <a:pPr indent="0" algn="ctr">
               <a:buNone/>
             </a:pPr>
-            <a:endParaRPr b="0" lang="en-US" sz="4400" spc="-1" strike="noStrike">
+            <a:endParaRPr b="0" lang="en-GB" sz="4400" spc="-1" strike="noStrike">
               <a:solidFill>
                 <a:srgbClr val="000000"/>
               </a:solidFill>
@@ -7254,7 +7218,7 @@
             <a:pPr indent="0" algn="ctr">
               <a:buNone/>
             </a:pPr>
-            <a:endParaRPr b="0" lang="en-US" sz="3200" spc="-1" strike="noStrike">
+            <a:endParaRPr b="0" lang="en-GB" sz="3200" spc="-1" strike="noStrike">
               <a:solidFill>
                 <a:srgbClr val="000000"/>
               </a:solidFill>
@@ -7316,7 +7280,7 @@
             <a:pPr indent="0" algn="ctr">
               <a:buNone/>
             </a:pPr>
-            <a:endParaRPr b="0" lang="en-US" sz="4400" spc="-1" strike="noStrike">
+            <a:endParaRPr b="0" lang="en-GB" sz="4400" spc="-1" strike="noStrike">
               <a:solidFill>
                 <a:srgbClr val="000000"/>
               </a:solidFill>
@@ -7359,7 +7323,7 @@
               </a:spcBef>
               <a:buNone/>
             </a:pPr>
-            <a:endParaRPr b="0" lang="en-US" sz="3200" spc="-1" strike="noStrike">
+            <a:endParaRPr b="0" lang="en-GB" sz="3200" spc="-1" strike="noStrike">
               <a:solidFill>
                 <a:srgbClr val="000000"/>
               </a:solidFill>
@@ -7421,7 +7385,7 @@
             <a:pPr indent="0" algn="ctr">
               <a:buNone/>
             </a:pPr>
-            <a:endParaRPr b="0" lang="en-US" sz="4400" spc="-1" strike="noStrike">
+            <a:endParaRPr b="0" lang="en-GB" sz="4400" spc="-1" strike="noStrike">
               <a:solidFill>
                 <a:srgbClr val="000000"/>
               </a:solidFill>
@@ -7464,7 +7428,7 @@
               </a:spcBef>
               <a:buNone/>
             </a:pPr>
-            <a:endParaRPr b="0" lang="en-US" sz="3200" spc="-1" strike="noStrike">
+            <a:endParaRPr b="0" lang="en-GB" sz="3200" spc="-1" strike="noStrike">
               <a:solidFill>
                 <a:srgbClr val="000000"/>
               </a:solidFill>
@@ -7507,7 +7471,7 @@
               </a:spcBef>
               <a:buNone/>
             </a:pPr>
-            <a:endParaRPr b="0" lang="en-US" sz="3200" spc="-1" strike="noStrike">
+            <a:endParaRPr b="0" lang="en-GB" sz="3200" spc="-1" strike="noStrike">
               <a:solidFill>
                 <a:srgbClr val="000000"/>
               </a:solidFill>
@@ -7569,7 +7533,7 @@
             <a:pPr indent="0" algn="ctr">
               <a:buNone/>
             </a:pPr>
-            <a:endParaRPr b="0" lang="en-US" sz="4400" spc="-1" strike="noStrike">
+            <a:endParaRPr b="0" lang="en-GB" sz="4400" spc="-1" strike="noStrike">
               <a:solidFill>
                 <a:srgbClr val="000000"/>
               </a:solidFill>
@@ -7612,7 +7576,7 @@
               </a:spcBef>
               <a:buNone/>
             </a:pPr>
-            <a:endParaRPr b="0" lang="en-US" sz="3200" spc="-1" strike="noStrike">
+            <a:endParaRPr b="0" lang="en-GB" sz="3200" spc="-1" strike="noStrike">
               <a:solidFill>
                 <a:srgbClr val="000000"/>
               </a:solidFill>
@@ -7655,7 +7619,7 @@
               </a:spcBef>
               <a:buNone/>
             </a:pPr>
-            <a:endParaRPr b="0" lang="en-US" sz="3200" spc="-1" strike="noStrike">
+            <a:endParaRPr b="0" lang="en-GB" sz="3200" spc="-1" strike="noStrike">
               <a:solidFill>
                 <a:srgbClr val="000000"/>
               </a:solidFill>
@@ -7717,7 +7681,7 @@
             <a:pPr indent="0" algn="ctr">
               <a:buNone/>
             </a:pPr>
-            <a:endParaRPr b="0" lang="en-US" sz="4400" spc="-1" strike="noStrike">
+            <a:endParaRPr b="0" lang="en-GB" sz="4400" spc="-1" strike="noStrike">
               <a:solidFill>
                 <a:srgbClr val="000000"/>
               </a:solidFill>
@@ -7777,7 +7741,7 @@
           </a:bodyPr>
           <a:p>
             <a:pPr algn="ctr"/>
-            <a:endParaRPr b="0" lang="en-US" sz="3200" spc="-1" strike="noStrike">
+            <a:endParaRPr b="0" lang="en-GB" sz="3200" spc="-1" strike="noStrike">
               <a:solidFill>
                 <a:srgbClr val="000000"/>
               </a:solidFill>
@@ -7839,7 +7803,7 @@
             <a:pPr indent="0" algn="ctr">
               <a:buNone/>
             </a:pPr>
-            <a:endParaRPr b="0" lang="en-US" sz="4400" spc="-1" strike="noStrike">
+            <a:endParaRPr b="0" lang="en-GB" sz="4400" spc="-1" strike="noStrike">
               <a:solidFill>
                 <a:srgbClr val="000000"/>
               </a:solidFill>
@@ -7882,7 +7846,7 @@
               </a:spcBef>
               <a:buNone/>
             </a:pPr>
-            <a:endParaRPr b="0" lang="en-US" sz="3200" spc="-1" strike="noStrike">
+            <a:endParaRPr b="0" lang="en-GB" sz="3200" spc="-1" strike="noStrike">
               <a:solidFill>
                 <a:srgbClr val="000000"/>
               </a:solidFill>
@@ -7925,7 +7889,7 @@
               </a:spcBef>
               <a:buNone/>
             </a:pPr>
-            <a:endParaRPr b="0" lang="en-US" sz="3200" spc="-1" strike="noStrike">
+            <a:endParaRPr b="0" lang="en-GB" sz="3200" spc="-1" strike="noStrike">
               <a:solidFill>
                 <a:srgbClr val="000000"/>
               </a:solidFill>
@@ -7968,7 +7932,7 @@
               </a:spcBef>
               <a:buNone/>
             </a:pPr>
-            <a:endParaRPr b="0" lang="en-US" sz="3200" spc="-1" strike="noStrike">
+            <a:endParaRPr b="0" lang="en-GB" sz="3200" spc="-1" strike="noStrike">
               <a:solidFill>
                 <a:srgbClr val="000000"/>
               </a:solidFill>
@@ -8030,7 +7994,7 @@
             <a:pPr indent="0" algn="ctr">
               <a:buNone/>
             </a:pPr>
-            <a:endParaRPr b="0" lang="en-US" sz="4400" spc="-1" strike="noStrike">
+            <a:endParaRPr b="0" lang="en-GB" sz="4400" spc="-1" strike="noStrike">
               <a:solidFill>
                 <a:srgbClr val="000000"/>
               </a:solidFill>
@@ -8073,7 +8037,7 @@
               </a:spcBef>
               <a:buNone/>
             </a:pPr>
-            <a:endParaRPr b="0" lang="en-US" sz="3200" spc="-1" strike="noStrike">
+            <a:endParaRPr b="0" lang="en-GB" sz="3200" spc="-1" strike="noStrike">
               <a:solidFill>
                 <a:srgbClr val="000000"/>
               </a:solidFill>
@@ -8116,7 +8080,7 @@
               </a:spcBef>
               <a:buNone/>
             </a:pPr>
-            <a:endParaRPr b="0" lang="en-US" sz="3200" spc="-1" strike="noStrike">
+            <a:endParaRPr b="0" lang="en-GB" sz="3200" spc="-1" strike="noStrike">
               <a:solidFill>
                 <a:srgbClr val="000000"/>
               </a:solidFill>
@@ -8159,7 +8123,7 @@
               </a:spcBef>
               <a:buNone/>
             </a:pPr>
-            <a:endParaRPr b="0" lang="en-US" sz="3200" spc="-1" strike="noStrike">
+            <a:endParaRPr b="0" lang="en-GB" sz="3200" spc="-1" strike="noStrike">
               <a:solidFill>
                 <a:srgbClr val="000000"/>
               </a:solidFill>
@@ -8221,7 +8185,7 @@
             <a:pPr indent="0" algn="ctr">
               <a:buNone/>
             </a:pPr>
-            <a:endParaRPr b="0" lang="en-US" sz="4400" spc="-1" strike="noStrike">
+            <a:endParaRPr b="0" lang="en-GB" sz="4400" spc="-1" strike="noStrike">
               <a:solidFill>
                 <a:srgbClr val="000000"/>
               </a:solidFill>
@@ -8264,7 +8228,7 @@
               </a:spcBef>
               <a:buNone/>
             </a:pPr>
-            <a:endParaRPr b="0" lang="en-US" sz="3200" spc="-1" strike="noStrike">
+            <a:endParaRPr b="0" lang="en-GB" sz="3200" spc="-1" strike="noStrike">
               <a:solidFill>
                 <a:srgbClr val="000000"/>
               </a:solidFill>
@@ -8307,7 +8271,7 @@
               </a:spcBef>
               <a:buNone/>
             </a:pPr>
-            <a:endParaRPr b="0" lang="en-US" sz="3200" spc="-1" strike="noStrike">
+            <a:endParaRPr b="0" lang="en-GB" sz="3200" spc="-1" strike="noStrike">
               <a:solidFill>
                 <a:srgbClr val="000000"/>
               </a:solidFill>
@@ -8350,7 +8314,7 @@
               </a:spcBef>
               <a:buNone/>
             </a:pPr>
-            <a:endParaRPr b="0" lang="en-US" sz="3200" spc="-1" strike="noStrike">
+            <a:endParaRPr b="0" lang="en-GB" sz="3200" spc="-1" strike="noStrike">
               <a:solidFill>
                 <a:srgbClr val="000000"/>
               </a:solidFill>
@@ -8412,7 +8376,7 @@
             <a:pPr indent="0" algn="ctr">
               <a:buNone/>
             </a:pPr>
-            <a:endParaRPr b="0" lang="en-US" sz="4400" spc="-1" strike="noStrike">
+            <a:endParaRPr b="0" lang="en-GB" sz="4400" spc="-1" strike="noStrike">
               <a:solidFill>
                 <a:srgbClr val="000000"/>
               </a:solidFill>
@@ -8455,7 +8419,7 @@
               </a:spcBef>
               <a:buNone/>
             </a:pPr>
-            <a:endParaRPr b="0" lang="en-US" sz="3200" spc="-1" strike="noStrike">
+            <a:endParaRPr b="0" lang="en-GB" sz="3200" spc="-1" strike="noStrike">
               <a:solidFill>
                 <a:srgbClr val="000000"/>
               </a:solidFill>
@@ -8498,7 +8462,7 @@
               </a:spcBef>
               <a:buNone/>
             </a:pPr>
-            <a:endParaRPr b="0" lang="en-US" sz="3200" spc="-1" strike="noStrike">
+            <a:endParaRPr b="0" lang="en-GB" sz="3200" spc="-1" strike="noStrike">
               <a:solidFill>
                 <a:srgbClr val="000000"/>
               </a:solidFill>
@@ -8560,7 +8524,7 @@
             <a:pPr indent="0" algn="ctr">
               <a:buNone/>
             </a:pPr>
-            <a:endParaRPr b="0" lang="en-US" sz="4400" spc="-1" strike="noStrike">
+            <a:endParaRPr b="0" lang="en-GB" sz="4400" spc="-1" strike="noStrike">
               <a:solidFill>
                 <a:srgbClr val="000000"/>
               </a:solidFill>
@@ -8603,7 +8567,7 @@
               </a:spcBef>
               <a:buNone/>
             </a:pPr>
-            <a:endParaRPr b="0" lang="en-US" sz="3200" spc="-1" strike="noStrike">
+            <a:endParaRPr b="0" lang="en-GB" sz="3200" spc="-1" strike="noStrike">
               <a:solidFill>
                 <a:srgbClr val="000000"/>
               </a:solidFill>
@@ -8646,7 +8610,7 @@
               </a:spcBef>
               <a:buNone/>
             </a:pPr>
-            <a:endParaRPr b="0" lang="en-US" sz="3200" spc="-1" strike="noStrike">
+            <a:endParaRPr b="0" lang="en-GB" sz="3200" spc="-1" strike="noStrike">
               <a:solidFill>
                 <a:srgbClr val="000000"/>
               </a:solidFill>
@@ -8689,7 +8653,7 @@
               </a:spcBef>
               <a:buNone/>
             </a:pPr>
-            <a:endParaRPr b="0" lang="en-US" sz="3200" spc="-1" strike="noStrike">
+            <a:endParaRPr b="0" lang="en-GB" sz="3200" spc="-1" strike="noStrike">
               <a:solidFill>
                 <a:srgbClr val="000000"/>
               </a:solidFill>
@@ -8732,7 +8696,7 @@
               </a:spcBef>
               <a:buNone/>
             </a:pPr>
-            <a:endParaRPr b="0" lang="en-US" sz="3200" spc="-1" strike="noStrike">
+            <a:endParaRPr b="0" lang="en-GB" sz="3200" spc="-1" strike="noStrike">
               <a:solidFill>
                 <a:srgbClr val="000000"/>
               </a:solidFill>
@@ -8794,7 +8758,7 @@
             <a:pPr indent="0" algn="ctr">
               <a:buNone/>
             </a:pPr>
-            <a:endParaRPr b="0" lang="en-US" sz="4400" spc="-1" strike="noStrike">
+            <a:endParaRPr b="0" lang="en-GB" sz="4400" spc="-1" strike="noStrike">
               <a:solidFill>
                 <a:srgbClr val="000000"/>
               </a:solidFill>
@@ -8837,7 +8801,7 @@
               </a:spcBef>
               <a:buNone/>
             </a:pPr>
-            <a:endParaRPr b="0" lang="en-US" sz="3200" spc="-1" strike="noStrike">
+            <a:endParaRPr b="0" lang="en-GB" sz="3200" spc="-1" strike="noStrike">
               <a:solidFill>
                 <a:srgbClr val="000000"/>
               </a:solidFill>
@@ -8880,7 +8844,7 @@
               </a:spcBef>
               <a:buNone/>
             </a:pPr>
-            <a:endParaRPr b="0" lang="en-US" sz="3200" spc="-1" strike="noStrike">
+            <a:endParaRPr b="0" lang="en-GB" sz="3200" spc="-1" strike="noStrike">
               <a:solidFill>
                 <a:srgbClr val="000000"/>
               </a:solidFill>
@@ -8923,7 +8887,7 @@
               </a:spcBef>
               <a:buNone/>
             </a:pPr>
-            <a:endParaRPr b="0" lang="en-US" sz="3200" spc="-1" strike="noStrike">
+            <a:endParaRPr b="0" lang="en-GB" sz="3200" spc="-1" strike="noStrike">
               <a:solidFill>
                 <a:srgbClr val="000000"/>
               </a:solidFill>
@@ -8966,7 +8930,7 @@
               </a:spcBef>
               <a:buNone/>
             </a:pPr>
-            <a:endParaRPr b="0" lang="en-US" sz="3200" spc="-1" strike="noStrike">
+            <a:endParaRPr b="0" lang="en-GB" sz="3200" spc="-1" strike="noStrike">
               <a:solidFill>
                 <a:srgbClr val="000000"/>
               </a:solidFill>
@@ -9009,7 +8973,7 @@
               </a:spcBef>
               <a:buNone/>
             </a:pPr>
-            <a:endParaRPr b="0" lang="en-US" sz="3200" spc="-1" strike="noStrike">
+            <a:endParaRPr b="0" lang="en-GB" sz="3200" spc="-1" strike="noStrike">
               <a:solidFill>
                 <a:srgbClr val="000000"/>
               </a:solidFill>
@@ -9052,7 +9016,7 @@
               </a:spcBef>
               <a:buNone/>
             </a:pPr>
-            <a:endParaRPr b="0" lang="en-US" sz="3200" spc="-1" strike="noStrike">
+            <a:endParaRPr b="0" lang="en-GB" sz="3200" spc="-1" strike="noStrike">
               <a:solidFill>
                 <a:srgbClr val="000000"/>
               </a:solidFill>
@@ -9114,7 +9078,7 @@
             <a:pPr indent="0" algn="ctr">
               <a:buNone/>
             </a:pPr>
-            <a:endParaRPr b="0" lang="en-US" sz="4400" spc="-1" strike="noStrike">
+            <a:endParaRPr b="0" lang="en-GB" sz="4400" spc="-1" strike="noStrike">
               <a:solidFill>
                 <a:srgbClr val="000000"/>
               </a:solidFill>
@@ -9174,7 +9138,7 @@
           </a:bodyPr>
           <a:p>
             <a:pPr algn="ctr"/>
-            <a:endParaRPr b="0" lang="en-US" sz="3200" spc="-1" strike="noStrike">
+            <a:endParaRPr b="0" lang="en-GB" sz="3200" spc="-1" strike="noStrike">
               <a:solidFill>
                 <a:srgbClr val="000000"/>
               </a:solidFill>
@@ -9236,7 +9200,7 @@
             <a:pPr indent="0" algn="ctr">
               <a:buNone/>
             </a:pPr>
-            <a:endParaRPr b="0" lang="en-US" sz="4400" spc="-1" strike="noStrike">
+            <a:endParaRPr b="0" lang="en-GB" sz="4400" spc="-1" strike="noStrike">
               <a:solidFill>
                 <a:srgbClr val="000000"/>
               </a:solidFill>
@@ -9279,7 +9243,7 @@
               </a:spcBef>
               <a:buNone/>
             </a:pPr>
-            <a:endParaRPr b="0" lang="en-US" sz="3200" spc="-1" strike="noStrike">
+            <a:endParaRPr b="0" lang="en-GB" sz="3200" spc="-1" strike="noStrike">
               <a:solidFill>
                 <a:srgbClr val="000000"/>
               </a:solidFill>
@@ -9322,7 +9286,7 @@
               </a:spcBef>
               <a:buNone/>
             </a:pPr>
-            <a:endParaRPr b="0" lang="en-US" sz="3200" spc="-1" strike="noStrike">
+            <a:endParaRPr b="0" lang="en-GB" sz="3200" spc="-1" strike="noStrike">
               <a:solidFill>
                 <a:srgbClr val="000000"/>
               </a:solidFill>
@@ -9365,7 +9329,7 @@
               </a:spcBef>
               <a:buNone/>
             </a:pPr>
-            <a:endParaRPr b="0" lang="en-US" sz="3200" spc="-1" strike="noStrike">
+            <a:endParaRPr b="0" lang="en-GB" sz="3200" spc="-1" strike="noStrike">
               <a:solidFill>
                 <a:srgbClr val="000000"/>
               </a:solidFill>
@@ -9427,7 +9391,7 @@
             <a:pPr indent="0" algn="ctr">
               <a:buNone/>
             </a:pPr>
-            <a:endParaRPr b="0" lang="en-US" sz="4400" spc="-1" strike="noStrike">
+            <a:endParaRPr b="0" lang="en-GB" sz="4400" spc="-1" strike="noStrike">
               <a:solidFill>
                 <a:srgbClr val="000000"/>
               </a:solidFill>
@@ -9470,7 +9434,7 @@
               </a:spcBef>
               <a:buNone/>
             </a:pPr>
-            <a:endParaRPr b="0" lang="en-US" sz="3200" spc="-1" strike="noStrike">
+            <a:endParaRPr b="0" lang="en-GB" sz="3200" spc="-1" strike="noStrike">
               <a:solidFill>
                 <a:srgbClr val="000000"/>
               </a:solidFill>
@@ -9513,7 +9477,7 @@
               </a:spcBef>
               <a:buNone/>
             </a:pPr>
-            <a:endParaRPr b="0" lang="en-US" sz="3200" spc="-1" strike="noStrike">
+            <a:endParaRPr b="0" lang="en-GB" sz="3200" spc="-1" strike="noStrike">
               <a:solidFill>
                 <a:srgbClr val="000000"/>
               </a:solidFill>
@@ -9556,7 +9520,7 @@
               </a:spcBef>
               <a:buNone/>
             </a:pPr>
-            <a:endParaRPr b="0" lang="en-US" sz="3200" spc="-1" strike="noStrike">
+            <a:endParaRPr b="0" lang="en-GB" sz="3200" spc="-1" strike="noStrike">
               <a:solidFill>
                 <a:srgbClr val="000000"/>
               </a:solidFill>
@@ -9618,7 +9582,7 @@
             <a:pPr indent="0" algn="ctr">
               <a:buNone/>
             </a:pPr>
-            <a:endParaRPr b="0" lang="en-US" sz="4400" spc="-1" strike="noStrike">
+            <a:endParaRPr b="0" lang="en-GB" sz="4400" spc="-1" strike="noStrike">
               <a:solidFill>
                 <a:srgbClr val="000000"/>
               </a:solidFill>
@@ -9661,7 +9625,7 @@
               </a:spcBef>
               <a:buNone/>
             </a:pPr>
-            <a:endParaRPr b="0" lang="en-US" sz="3200" spc="-1" strike="noStrike">
+            <a:endParaRPr b="0" lang="en-GB" sz="3200" spc="-1" strike="noStrike">
               <a:solidFill>
                 <a:srgbClr val="000000"/>
               </a:solidFill>
@@ -9704,7 +9668,7 @@
               </a:spcBef>
               <a:buNone/>
             </a:pPr>
-            <a:endParaRPr b="0" lang="en-US" sz="3200" spc="-1" strike="noStrike">
+            <a:endParaRPr b="0" lang="en-GB" sz="3200" spc="-1" strike="noStrike">
               <a:solidFill>
                 <a:srgbClr val="000000"/>
               </a:solidFill>
@@ -9747,7 +9711,7 @@
               </a:spcBef>
               <a:buNone/>
             </a:pPr>
-            <a:endParaRPr b="0" lang="en-US" sz="3200" spc="-1" strike="noStrike">
+            <a:endParaRPr b="0" lang="en-GB" sz="3200" spc="-1" strike="noStrike">
               <a:solidFill>
                 <a:srgbClr val="000000"/>
               </a:solidFill>
@@ -9794,7 +9758,7 @@
         <p:spPr>
           <a:xfrm>
             <a:off x="11444760" y="0"/>
-            <a:ext cx="740520" cy="6849360"/>
+            <a:ext cx="740160" cy="6849000"/>
           </a:xfrm>
           <a:prstGeom prst="rect">
             <a:avLst/>
@@ -9819,11 +9783,17 @@
             <a:noAutofit/>
           </a:bodyPr>
           <a:p>
+            <a:pPr>
+              <a:lnSpc>
+                <a:spcPct val="100000"/>
+              </a:lnSpc>
+            </a:pPr>
             <a:endParaRPr b="0" lang="en-US" sz="1800" spc="-1" strike="noStrike">
               <a:solidFill>
                 <a:srgbClr val="ffffff"/>
               </a:solidFill>
               <a:latin typeface="Arial"/>
+              <a:ea typeface="DejaVu Sans"/>
             </a:endParaRPr>
           </a:p>
         </p:txBody>
@@ -9837,7 +9807,7 @@
         <p:spPr>
           <a:xfrm>
             <a:off x="11438640" y="6453360"/>
-            <a:ext cx="757440" cy="363960"/>
+            <a:ext cx="757080" cy="363960"/>
           </a:xfrm>
           <a:prstGeom prst="rect">
             <a:avLst/>
@@ -9863,7 +9833,7 @@
                 <a:spcPct val="100000"/>
               </a:lnSpc>
             </a:pPr>
-            <a:fld id="{B6374149-DBC5-4210-B5D9-824C7F254522}" type="slidenum">
+            <a:fld id="{A2211378-9A1D-4209-BC33-656AF589D2C7}" type="slidenum">
               <a:rPr b="0" lang="en-US" sz="1800" spc="-1" strike="noStrike">
                 <a:solidFill>
                   <a:srgbClr val="808080"/>
@@ -9873,7 +9843,7 @@
               </a:rPr>
               <a:t>&lt;number&gt;</a:t>
             </a:fld>
-            <a:endParaRPr b="0" lang="en-US" sz="1800" spc="-1" strike="noStrike">
+            <a:endParaRPr b="0" lang="en-GB" sz="1800" spc="-1" strike="noStrike">
               <a:solidFill>
                 <a:srgbClr val="000000"/>
               </a:solidFill>
@@ -9891,7 +9861,7 @@
         <p:spPr>
           <a:xfrm>
             <a:off x="912240" y="1268280"/>
-            <a:ext cx="9207360" cy="360720"/>
+            <a:ext cx="9207000" cy="360360"/>
           </a:xfrm>
           <a:prstGeom prst="rect">
             <a:avLst/>
@@ -9912,11 +9882,17 @@
             <a:noAutofit/>
           </a:bodyPr>
           <a:p>
+            <a:pPr>
+              <a:lnSpc>
+                <a:spcPct val="100000"/>
+              </a:lnSpc>
+            </a:pPr>
             <a:endParaRPr b="0" lang="en-US" sz="1800" spc="-1" strike="noStrike">
               <a:solidFill>
                 <a:srgbClr val="000000"/>
               </a:solidFill>
               <a:latin typeface="Arial"/>
+              <a:ea typeface="DejaVu Sans"/>
             </a:endParaRPr>
           </a:p>
         </p:txBody>
@@ -9934,7 +9910,7 @@
         <p:spPr>
           <a:xfrm>
             <a:off x="0" y="0"/>
-            <a:ext cx="3051360" cy="561240"/>
+            <a:ext cx="3051000" cy="560880"/>
           </a:xfrm>
           <a:prstGeom prst="rect">
             <a:avLst/>
@@ -9957,7 +9933,7 @@
         <p:spPr>
           <a:xfrm>
             <a:off x="7430400" y="134640"/>
-            <a:ext cx="3697200" cy="513360"/>
+            <a:ext cx="3696840" cy="513000"/>
           </a:xfrm>
           <a:prstGeom prst="rect">
             <a:avLst/>
@@ -9976,7 +9952,7 @@
         <p:spPr>
           <a:xfrm>
             <a:off x="912240" y="1268280"/>
-            <a:ext cx="9207360" cy="360720"/>
+            <a:ext cx="9207000" cy="360360"/>
           </a:xfrm>
           <a:prstGeom prst="rect">
             <a:avLst/>
@@ -9997,11 +9973,17 @@
             <a:noAutofit/>
           </a:bodyPr>
           <a:p>
+            <a:pPr>
+              <a:lnSpc>
+                <a:spcPct val="100000"/>
+              </a:lnSpc>
+            </a:pPr>
             <a:endParaRPr b="0" lang="en-US" sz="1800" spc="-1" strike="noStrike">
               <a:solidFill>
                 <a:srgbClr val="000000"/>
               </a:solidFill>
               <a:latin typeface="Arial"/>
+              <a:ea typeface="DejaVu Sans"/>
             </a:endParaRPr>
           </a:p>
         </p:txBody>
@@ -10015,7 +9997,7 @@
         <p:spPr>
           <a:xfrm>
             <a:off x="11444760" y="0"/>
-            <a:ext cx="740520" cy="6849360"/>
+            <a:ext cx="740160" cy="6849000"/>
           </a:xfrm>
           <a:prstGeom prst="rect">
             <a:avLst/>
@@ -10040,11 +10022,17 @@
             <a:noAutofit/>
           </a:bodyPr>
           <a:p>
+            <a:pPr>
+              <a:lnSpc>
+                <a:spcPct val="100000"/>
+              </a:lnSpc>
+            </a:pPr>
             <a:endParaRPr b="0" lang="en-US" sz="1800" spc="-1" strike="noStrike">
               <a:solidFill>
                 <a:srgbClr val="ffffff"/>
               </a:solidFill>
               <a:latin typeface="Arial"/>
+              <a:ea typeface="DejaVu Sans"/>
             </a:endParaRPr>
           </a:p>
         </p:txBody>
@@ -10058,7 +10046,7 @@
         <p:spPr>
           <a:xfrm>
             <a:off x="0" y="6646680"/>
-            <a:ext cx="12186360" cy="211320"/>
+            <a:ext cx="12186000" cy="211320"/>
           </a:xfrm>
           <a:prstGeom prst="rect">
             <a:avLst/>
@@ -10094,7 +10082,7 @@
               </a:rPr>
               <a:t>Requirements Engineering – TU Clausthal</a:t>
             </a:r>
-            <a:endParaRPr b="0" lang="en-US" sz="800" spc="-1" strike="noStrike">
+            <a:endParaRPr b="0" lang="en-GB" sz="800" spc="-1" strike="noStrike">
               <a:solidFill>
                 <a:srgbClr val="000000"/>
               </a:solidFill>
@@ -10135,51 +10123,15 @@
               <a:buNone/>
             </a:pPr>
             <a:r>
-              <a:rPr b="0" lang="en-US" sz="4400" spc="-1" strike="noStrike">
+              <a:rPr b="0" lang="en-GB" sz="4400" spc="-1" strike="noStrike">
                 <a:solidFill>
                   <a:srgbClr val="000000"/>
                 </a:solidFill>
                 <a:latin typeface="Arial"/>
               </a:rPr>
-              <a:t>Click to </a:t>
+              <a:t>Click to edit the title text format</a:t>
             </a:r>
-            <a:r>
-              <a:rPr b="0" lang="en-US" sz="4400" spc="-1" strike="noStrike">
-                <a:solidFill>
-                  <a:srgbClr val="000000"/>
-                </a:solidFill>
-                <a:latin typeface="Arial"/>
-              </a:rPr>
-              <a:t>edit the </a:t>
-            </a:r>
-            <a:r>
-              <a:rPr b="0" lang="en-US" sz="4400" spc="-1" strike="noStrike">
-                <a:solidFill>
-                  <a:srgbClr val="000000"/>
-                </a:solidFill>
-                <a:latin typeface="Arial"/>
-              </a:rPr>
-              <a:t>title </a:t>
-            </a:r>
-            <a:r>
-              <a:rPr b="0" lang="en-US" sz="4400" spc="-1" strike="noStrike">
-                <a:solidFill>
-                  <a:srgbClr val="000000"/>
-                </a:solidFill>
-                <a:latin typeface="Arial"/>
-              </a:rPr>
-              <a:t>text </a:t>
-            </a:r>
-            <a:r>
-              <a:rPr b="0" lang="en-US" sz="4400" spc="-1" strike="noStrike">
-                <a:solidFill>
-                  <a:srgbClr val="000000"/>
-                </a:solidFill>
-                <a:latin typeface="Arial"/>
-              </a:rPr>
-              <a:t>format</a:t>
-            </a:r>
-            <a:endParaRPr b="0" lang="en-US" sz="4400" spc="-1" strike="noStrike">
+            <a:endParaRPr b="0" lang="en-GB" sz="4400" spc="-1" strike="noStrike">
               <a:solidFill>
                 <a:srgbClr val="000000"/>
               </a:solidFill>
@@ -10228,7 +10180,7 @@
               <a:buChar char=""/>
             </a:pPr>
             <a:r>
-              <a:rPr b="0" lang="en-US" sz="3200" spc="-1" strike="noStrike">
+              <a:rPr b="0" lang="en-GB" sz="3200" spc="-1" strike="noStrike">
                 <a:solidFill>
                   <a:srgbClr val="000000"/>
                 </a:solidFill>
@@ -10236,7 +10188,7 @@
               </a:rPr>
               <a:t>Click to edit the outline text format</a:t>
             </a:r>
-            <a:endParaRPr b="0" lang="en-US" sz="3200" spc="-1" strike="noStrike">
+            <a:endParaRPr b="0" lang="en-GB" sz="3200" spc="-1" strike="noStrike">
               <a:solidFill>
                 <a:srgbClr val="000000"/>
               </a:solidFill>
@@ -10256,7 +10208,7 @@
               <a:buChar char=""/>
             </a:pPr>
             <a:r>
-              <a:rPr b="0" lang="en-US" sz="2800" spc="-1" strike="noStrike">
+              <a:rPr b="0" lang="en-GB" sz="2800" spc="-1" strike="noStrike">
                 <a:solidFill>
                   <a:srgbClr val="000000"/>
                 </a:solidFill>
@@ -10264,7 +10216,7 @@
               </a:rPr>
               <a:t>Second Outline Level</a:t>
             </a:r>
-            <a:endParaRPr b="0" lang="en-US" sz="2800" spc="-1" strike="noStrike">
+            <a:endParaRPr b="0" lang="en-GB" sz="2800" spc="-1" strike="noStrike">
               <a:solidFill>
                 <a:srgbClr val="000000"/>
               </a:solidFill>
@@ -10284,7 +10236,7 @@
               <a:buChar char=""/>
             </a:pPr>
             <a:r>
-              <a:rPr b="0" lang="en-US" sz="2400" spc="-1" strike="noStrike">
+              <a:rPr b="0" lang="en-GB" sz="2400" spc="-1" strike="noStrike">
                 <a:solidFill>
                   <a:srgbClr val="000000"/>
                 </a:solidFill>
@@ -10292,7 +10244,7 @@
               </a:rPr>
               <a:t>Third Outline Level</a:t>
             </a:r>
-            <a:endParaRPr b="0" lang="en-US" sz="2400" spc="-1" strike="noStrike">
+            <a:endParaRPr b="0" lang="en-GB" sz="2400" spc="-1" strike="noStrike">
               <a:solidFill>
                 <a:srgbClr val="000000"/>
               </a:solidFill>
@@ -10312,7 +10264,7 @@
               <a:buChar char=""/>
             </a:pPr>
             <a:r>
-              <a:rPr b="0" lang="en-US" sz="2000" spc="-1" strike="noStrike">
+              <a:rPr b="0" lang="en-GB" sz="2000" spc="-1" strike="noStrike">
                 <a:solidFill>
                   <a:srgbClr val="000000"/>
                 </a:solidFill>
@@ -10320,7 +10272,7 @@
               </a:rPr>
               <a:t>Fourth Outline Level</a:t>
             </a:r>
-            <a:endParaRPr b="0" lang="en-US" sz="2000" spc="-1" strike="noStrike">
+            <a:endParaRPr b="0" lang="en-GB" sz="2000" spc="-1" strike="noStrike">
               <a:solidFill>
                 <a:srgbClr val="000000"/>
               </a:solidFill>
@@ -10340,7 +10292,7 @@
               <a:buChar char=""/>
             </a:pPr>
             <a:r>
-              <a:rPr b="0" lang="en-US" sz="2000" spc="-1" strike="noStrike">
+              <a:rPr b="0" lang="en-GB" sz="2000" spc="-1" strike="noStrike">
                 <a:solidFill>
                   <a:srgbClr val="000000"/>
                 </a:solidFill>
@@ -10348,7 +10300,7 @@
               </a:rPr>
               <a:t>Fifth Outline Level</a:t>
             </a:r>
-            <a:endParaRPr b="0" lang="en-US" sz="2000" spc="-1" strike="noStrike">
+            <a:endParaRPr b="0" lang="en-GB" sz="2000" spc="-1" strike="noStrike">
               <a:solidFill>
                 <a:srgbClr val="000000"/>
               </a:solidFill>
@@ -10368,7 +10320,7 @@
               <a:buChar char=""/>
             </a:pPr>
             <a:r>
-              <a:rPr b="0" lang="en-US" sz="2000" spc="-1" strike="noStrike">
+              <a:rPr b="0" lang="en-GB" sz="2000" spc="-1" strike="noStrike">
                 <a:solidFill>
                   <a:srgbClr val="000000"/>
                 </a:solidFill>
@@ -10376,7 +10328,7 @@
               </a:rPr>
               <a:t>Sixth Outline Level</a:t>
             </a:r>
-            <a:endParaRPr b="0" lang="en-US" sz="2000" spc="-1" strike="noStrike">
+            <a:endParaRPr b="0" lang="en-GB" sz="2000" spc="-1" strike="noStrike">
               <a:solidFill>
                 <a:srgbClr val="000000"/>
               </a:solidFill>
@@ -10396,7 +10348,7 @@
               <a:buChar char=""/>
             </a:pPr>
             <a:r>
-              <a:rPr b="0" lang="en-US" sz="2000" spc="-1" strike="noStrike">
+              <a:rPr b="0" lang="en-GB" sz="2000" spc="-1" strike="noStrike">
                 <a:solidFill>
                   <a:srgbClr val="000000"/>
                 </a:solidFill>
@@ -10404,7 +10356,7 @@
               </a:rPr>
               <a:t>Seventh Outline Level</a:t>
             </a:r>
-            <a:endParaRPr b="0" lang="en-US" sz="2000" spc="-1" strike="noStrike">
+            <a:endParaRPr b="0" lang="en-GB" sz="2000" spc="-1" strike="noStrike">
               <a:solidFill>
                 <a:srgbClr val="000000"/>
               </a:solidFill>
@@ -10466,7 +10418,7 @@
         <p:spPr>
           <a:xfrm>
             <a:off x="11444760" y="0"/>
-            <a:ext cx="740520" cy="6849360"/>
+            <a:ext cx="740160" cy="6849000"/>
           </a:xfrm>
           <a:prstGeom prst="rect">
             <a:avLst/>
@@ -10491,11 +10443,17 @@
             <a:noAutofit/>
           </a:bodyPr>
           <a:p>
+            <a:pPr>
+              <a:lnSpc>
+                <a:spcPct val="100000"/>
+              </a:lnSpc>
+            </a:pPr>
             <a:endParaRPr b="0" lang="en-US" sz="1800" spc="-1" strike="noStrike">
               <a:solidFill>
                 <a:srgbClr val="ffffff"/>
               </a:solidFill>
               <a:latin typeface="Arial"/>
+              <a:ea typeface="DejaVu Sans"/>
             </a:endParaRPr>
           </a:p>
         </p:txBody>
@@ -10509,7 +10467,7 @@
         <p:spPr>
           <a:xfrm>
             <a:off x="11438640" y="6453360"/>
-            <a:ext cx="757440" cy="363960"/>
+            <a:ext cx="757080" cy="363960"/>
           </a:xfrm>
           <a:prstGeom prst="rect">
             <a:avLst/>
@@ -10535,7 +10493,7 @@
                 <a:spcPct val="100000"/>
               </a:lnSpc>
             </a:pPr>
-            <a:fld id="{9E0A511F-2434-45C0-925D-98DF7306A96C}" type="slidenum">
+            <a:fld id="{BCF70701-B7B8-452D-94F9-23C1623704FB}" type="slidenum">
               <a:rPr b="0" lang="en-US" sz="1800" spc="-1" strike="noStrike">
                 <a:solidFill>
                   <a:srgbClr val="808080"/>
@@ -10545,7 +10503,7 @@
               </a:rPr>
               <a:t>&lt;number&gt;</a:t>
             </a:fld>
-            <a:endParaRPr b="0" lang="en-US" sz="1800" spc="-1" strike="noStrike">
+            <a:endParaRPr b="0" lang="en-GB" sz="1800" spc="-1" strike="noStrike">
               <a:solidFill>
                 <a:srgbClr val="000000"/>
               </a:solidFill>
@@ -10563,7 +10521,7 @@
         <p:spPr>
           <a:xfrm>
             <a:off x="912240" y="1268280"/>
-            <a:ext cx="9207360" cy="360720"/>
+            <a:ext cx="9207000" cy="360360"/>
           </a:xfrm>
           <a:prstGeom prst="rect">
             <a:avLst/>
@@ -10584,11 +10542,17 @@
             <a:noAutofit/>
           </a:bodyPr>
           <a:p>
+            <a:pPr>
+              <a:lnSpc>
+                <a:spcPct val="100000"/>
+              </a:lnSpc>
+            </a:pPr>
             <a:endParaRPr b="0" lang="en-US" sz="1800" spc="-1" strike="noStrike">
               <a:solidFill>
                 <a:srgbClr val="000000"/>
               </a:solidFill>
               <a:latin typeface="Arial"/>
+              <a:ea typeface="DejaVu Sans"/>
             </a:endParaRPr>
           </a:p>
         </p:txBody>
@@ -10606,7 +10570,7 @@
         <p:spPr>
           <a:xfrm>
             <a:off x="0" y="0"/>
-            <a:ext cx="3051360" cy="561240"/>
+            <a:ext cx="3051000" cy="560880"/>
           </a:xfrm>
           <a:prstGeom prst="rect">
             <a:avLst/>
@@ -10629,7 +10593,7 @@
         <p:spPr>
           <a:xfrm>
             <a:off x="7430400" y="134640"/>
-            <a:ext cx="3697200" cy="513360"/>
+            <a:ext cx="3696840" cy="513000"/>
           </a:xfrm>
           <a:prstGeom prst="rect">
             <a:avLst/>
@@ -10648,7 +10612,7 @@
         <p:spPr>
           <a:xfrm>
             <a:off x="912240" y="1268280"/>
-            <a:ext cx="9207360" cy="360720"/>
+            <a:ext cx="9207000" cy="360360"/>
           </a:xfrm>
           <a:prstGeom prst="rect">
             <a:avLst/>
@@ -10669,11 +10633,17 @@
             <a:noAutofit/>
           </a:bodyPr>
           <a:p>
+            <a:pPr>
+              <a:lnSpc>
+                <a:spcPct val="100000"/>
+              </a:lnSpc>
+            </a:pPr>
             <a:endParaRPr b="0" lang="en-US" sz="1800" spc="-1" strike="noStrike">
               <a:solidFill>
                 <a:srgbClr val="000000"/>
               </a:solidFill>
               <a:latin typeface="Arial"/>
+              <a:ea typeface="DejaVu Sans"/>
             </a:endParaRPr>
           </a:p>
         </p:txBody>
@@ -10687,7 +10657,7 @@
         <p:spPr>
           <a:xfrm>
             <a:off x="11444760" y="0"/>
-            <a:ext cx="740520" cy="6849360"/>
+            <a:ext cx="740160" cy="6849000"/>
           </a:xfrm>
           <a:prstGeom prst="rect">
             <a:avLst/>
@@ -10712,11 +10682,17 @@
             <a:noAutofit/>
           </a:bodyPr>
           <a:p>
+            <a:pPr>
+              <a:lnSpc>
+                <a:spcPct val="100000"/>
+              </a:lnSpc>
+            </a:pPr>
             <a:endParaRPr b="0" lang="en-US" sz="1800" spc="-1" strike="noStrike">
               <a:solidFill>
                 <a:srgbClr val="ffffff"/>
               </a:solidFill>
               <a:latin typeface="Arial"/>
+              <a:ea typeface="DejaVu Sans"/>
             </a:endParaRPr>
           </a:p>
         </p:txBody>
@@ -10730,7 +10706,7 @@
         <p:spPr>
           <a:xfrm>
             <a:off x="0" y="6646680"/>
-            <a:ext cx="12186360" cy="211320"/>
+            <a:ext cx="12186000" cy="211320"/>
           </a:xfrm>
           <a:prstGeom prst="rect">
             <a:avLst/>
@@ -10766,7 +10742,7 @@
               </a:rPr>
               <a:t>Requirements Engineering – TU Clausthal</a:t>
             </a:r>
-            <a:endParaRPr b="0" lang="en-US" sz="800" spc="-1" strike="noStrike">
+            <a:endParaRPr b="0" lang="en-GB" sz="800" spc="-1" strike="noStrike">
               <a:solidFill>
                 <a:srgbClr val="000000"/>
               </a:solidFill>
@@ -10807,51 +10783,15 @@
               <a:buNone/>
             </a:pPr>
             <a:r>
-              <a:rPr b="0" lang="en-US" sz="4400" spc="-1" strike="noStrike">
+              <a:rPr b="0" lang="en-GB" sz="4400" spc="-1" strike="noStrike">
                 <a:solidFill>
                   <a:srgbClr val="000000"/>
                 </a:solidFill>
                 <a:latin typeface="Arial"/>
               </a:rPr>
-              <a:t>Click to </a:t>
+              <a:t>Click to edit the title text format</a:t>
             </a:r>
-            <a:r>
-              <a:rPr b="0" lang="en-US" sz="4400" spc="-1" strike="noStrike">
-                <a:solidFill>
-                  <a:srgbClr val="000000"/>
-                </a:solidFill>
-                <a:latin typeface="Arial"/>
-              </a:rPr>
-              <a:t>edit the </a:t>
-            </a:r>
-            <a:r>
-              <a:rPr b="0" lang="en-US" sz="4400" spc="-1" strike="noStrike">
-                <a:solidFill>
-                  <a:srgbClr val="000000"/>
-                </a:solidFill>
-                <a:latin typeface="Arial"/>
-              </a:rPr>
-              <a:t>title </a:t>
-            </a:r>
-            <a:r>
-              <a:rPr b="0" lang="en-US" sz="4400" spc="-1" strike="noStrike">
-                <a:solidFill>
-                  <a:srgbClr val="000000"/>
-                </a:solidFill>
-                <a:latin typeface="Arial"/>
-              </a:rPr>
-              <a:t>text </a:t>
-            </a:r>
-            <a:r>
-              <a:rPr b="0" lang="en-US" sz="4400" spc="-1" strike="noStrike">
-                <a:solidFill>
-                  <a:srgbClr val="000000"/>
-                </a:solidFill>
-                <a:latin typeface="Arial"/>
-              </a:rPr>
-              <a:t>format</a:t>
-            </a:r>
-            <a:endParaRPr b="0" lang="en-US" sz="4400" spc="-1" strike="noStrike">
+            <a:endParaRPr b="0" lang="en-GB" sz="4400" spc="-1" strike="noStrike">
               <a:solidFill>
                 <a:srgbClr val="000000"/>
               </a:solidFill>
@@ -10888,93 +10828,9 @@
             <a:normAutofit/>
           </a:bodyPr>
           <a:p>
-            <a:pPr marL="216000" indent="-216000">
+            <a:pPr marL="432000" indent="-324000">
               <a:spcBef>
                 <a:spcPts val="1417"/>
-              </a:spcBef>
-              <a:buClr>
-                <a:srgbClr val="008c4f"/>
-              </a:buClr>
-              <a:buSzPct val="45000"/>
-              <a:buFont typeface="DejaVu Sans"/>
-              <a:buChar char="◾"/>
-            </a:pPr>
-            <a:r>
-              <a:rPr b="0" lang="en-US" sz="3200" spc="-1" strike="noStrike">
-                <a:solidFill>
-                  <a:srgbClr val="000000"/>
-                </a:solidFill>
-                <a:latin typeface="Arial"/>
-              </a:rPr>
-              <a:t>Click to edit the outline text format</a:t>
-            </a:r>
-            <a:endParaRPr b="0" lang="en-US" sz="3200" spc="-1" strike="noStrike">
-              <a:solidFill>
-                <a:srgbClr val="000000"/>
-              </a:solidFill>
-              <a:latin typeface="Arial"/>
-            </a:endParaRPr>
-          </a:p>
-          <a:p>
-            <a:pPr lvl="1" marL="432000" indent="-216000">
-              <a:spcBef>
-                <a:spcPts val="1134"/>
-              </a:spcBef>
-              <a:buClr>
-                <a:srgbClr val="008c4f"/>
-              </a:buClr>
-              <a:buSzPct val="60000"/>
-              <a:buFont typeface="DejaVu Sans"/>
-              <a:buChar char="—"/>
-            </a:pPr>
-            <a:r>
-              <a:rPr b="0" lang="en-US" sz="2800" spc="-1" strike="noStrike">
-                <a:solidFill>
-                  <a:srgbClr val="000000"/>
-                </a:solidFill>
-                <a:latin typeface="Arial"/>
-              </a:rPr>
-              <a:t>Second Outline Level</a:t>
-            </a:r>
-            <a:endParaRPr b="0" lang="en-US" sz="2800" spc="-1" strike="noStrike">
-              <a:solidFill>
-                <a:srgbClr val="000000"/>
-              </a:solidFill>
-              <a:latin typeface="Arial"/>
-            </a:endParaRPr>
-          </a:p>
-          <a:p>
-            <a:pPr lvl="2" marL="648000" indent="-216000">
-              <a:spcBef>
-                <a:spcPts val="850"/>
-              </a:spcBef>
-              <a:buClr>
-                <a:srgbClr val="008c4f"/>
-              </a:buClr>
-              <a:buSzPct val="45000"/>
-              <a:buFont typeface="DejaVu Sans"/>
-              <a:buChar char="—"/>
-            </a:pPr>
-            <a:r>
-              <a:rPr b="0" lang="en-US" sz="2400" spc="-1" strike="noStrike">
-                <a:solidFill>
-                  <a:srgbClr val="000000"/>
-                </a:solidFill>
-                <a:latin typeface="Arial"/>
-              </a:rPr>
-              <a:t>Third Outline Level</a:t>
-            </a:r>
-            <a:endParaRPr b="0" lang="en-US" sz="2400" spc="-1" strike="noStrike">
-              <a:solidFill>
-                <a:srgbClr val="000000"/>
-              </a:solidFill>
-              <a:latin typeface="Arial"/>
-            </a:endParaRPr>
-          </a:p>
-          <a:p>
-            <a:pPr lvl="3" marL="864000" indent="-216000">
-              <a:spcBef>
-                <a:spcPts val="567"/>
               </a:spcBef>
               <a:buClr>
                 <a:srgbClr val="000000"/>
@@ -10984,25 +10840,53 @@
               <a:buChar char=""/>
             </a:pPr>
             <a:r>
-              <a:rPr b="0" lang="en-US" sz="2000" spc="-1" strike="noStrike">
+              <a:rPr b="0" lang="en-GB" sz="3200" spc="-1" strike="noStrike">
                 <a:solidFill>
                   <a:srgbClr val="000000"/>
                 </a:solidFill>
                 <a:latin typeface="Arial"/>
               </a:rPr>
-              <a:t>Fourth Outline Level</a:t>
+              <a:t>Click to edit the outline text format</a:t>
             </a:r>
-            <a:endParaRPr b="0" lang="en-US" sz="2000" spc="-1" strike="noStrike">
-              <a:solidFill>
-                <a:srgbClr val="000000"/>
-              </a:solidFill>
-              <a:latin typeface="Arial"/>
-            </a:endParaRPr>
-          </a:p>
-          <a:p>
-            <a:pPr lvl="4" marL="1080000" indent="-216000">
-              <a:spcBef>
-                <a:spcPts val="283"/>
+            <a:endParaRPr b="0" lang="en-GB" sz="3200" spc="-1" strike="noStrike">
+              <a:solidFill>
+                <a:srgbClr val="000000"/>
+              </a:solidFill>
+              <a:latin typeface="Arial"/>
+            </a:endParaRPr>
+          </a:p>
+          <a:p>
+            <a:pPr lvl="1" marL="864000" indent="-324000">
+              <a:spcBef>
+                <a:spcPts val="1134"/>
+              </a:spcBef>
+              <a:buClr>
+                <a:srgbClr val="000000"/>
+              </a:buClr>
+              <a:buSzPct val="75000"/>
+              <a:buFont typeface="Symbol" charset="2"/>
+              <a:buChar char=""/>
+            </a:pPr>
+            <a:r>
+              <a:rPr b="0" lang="en-GB" sz="2800" spc="-1" strike="noStrike">
+                <a:solidFill>
+                  <a:srgbClr val="000000"/>
+                </a:solidFill>
+                <a:latin typeface="Arial"/>
+              </a:rPr>
+              <a:t>Second Outline Level</a:t>
+            </a:r>
+            <a:endParaRPr b="0" lang="en-GB" sz="2800" spc="-1" strike="noStrike">
+              <a:solidFill>
+                <a:srgbClr val="000000"/>
+              </a:solidFill>
+              <a:latin typeface="Arial"/>
+            </a:endParaRPr>
+          </a:p>
+          <a:p>
+            <a:pPr lvl="2" marL="1296000" indent="-288000">
+              <a:spcBef>
+                <a:spcPts val="850"/>
               </a:spcBef>
               <a:buClr>
                 <a:srgbClr val="000000"/>
@@ -11012,23 +10896,51 @@
               <a:buChar char=""/>
             </a:pPr>
             <a:r>
-              <a:rPr b="0" lang="en-US" sz="2000" spc="-1" strike="noStrike">
+              <a:rPr b="0" lang="en-GB" sz="2400" spc="-1" strike="noStrike">
                 <a:solidFill>
                   <a:srgbClr val="000000"/>
                 </a:solidFill>
                 <a:latin typeface="Arial"/>
               </a:rPr>
-              <a:t>Fifth Outline Level</a:t>
+              <a:t>Third Outline Level</a:t>
             </a:r>
-            <a:endParaRPr b="0" lang="en-US" sz="2000" spc="-1" strike="noStrike">
-              <a:solidFill>
-                <a:srgbClr val="000000"/>
-              </a:solidFill>
-              <a:latin typeface="Arial"/>
-            </a:endParaRPr>
-          </a:p>
-          <a:p>
-            <a:pPr lvl="5" marL="1296000" indent="-216000">
+            <a:endParaRPr b="0" lang="en-GB" sz="2400" spc="-1" strike="noStrike">
+              <a:solidFill>
+                <a:srgbClr val="000000"/>
+              </a:solidFill>
+              <a:latin typeface="Arial"/>
+            </a:endParaRPr>
+          </a:p>
+          <a:p>
+            <a:pPr lvl="3" marL="1728000" indent="-216000">
+              <a:spcBef>
+                <a:spcPts val="567"/>
+              </a:spcBef>
+              <a:buClr>
+                <a:srgbClr val="000000"/>
+              </a:buClr>
+              <a:buSzPct val="75000"/>
+              <a:buFont typeface="Symbol" charset="2"/>
+              <a:buChar char=""/>
+            </a:pPr>
+            <a:r>
+              <a:rPr b="0" lang="en-GB" sz="2000" spc="-1" strike="noStrike">
+                <a:solidFill>
+                  <a:srgbClr val="000000"/>
+                </a:solidFill>
+                <a:latin typeface="Arial"/>
+              </a:rPr>
+              <a:t>Fourth Outline Level</a:t>
+            </a:r>
+            <a:endParaRPr b="0" lang="en-GB" sz="2000" spc="-1" strike="noStrike">
+              <a:solidFill>
+                <a:srgbClr val="000000"/>
+              </a:solidFill>
+              <a:latin typeface="Arial"/>
+            </a:endParaRPr>
+          </a:p>
+          <a:p>
+            <a:pPr lvl="4" marL="2160000" indent="-216000">
               <a:spcBef>
                 <a:spcPts val="283"/>
               </a:spcBef>
@@ -11040,23 +10952,23 @@
               <a:buChar char=""/>
             </a:pPr>
             <a:r>
-              <a:rPr b="0" lang="en-US" sz="2000" spc="-1" strike="noStrike">
+              <a:rPr b="0" lang="en-GB" sz="2000" spc="-1" strike="noStrike">
                 <a:solidFill>
                   <a:srgbClr val="000000"/>
                 </a:solidFill>
                 <a:latin typeface="Arial"/>
               </a:rPr>
-              <a:t>Sixth Outline Level</a:t>
+              <a:t>Fifth Outline Level</a:t>
             </a:r>
-            <a:endParaRPr b="0" lang="en-US" sz="2000" spc="-1" strike="noStrike">
-              <a:solidFill>
-                <a:srgbClr val="000000"/>
-              </a:solidFill>
-              <a:latin typeface="Arial"/>
-            </a:endParaRPr>
-          </a:p>
-          <a:p>
-            <a:pPr lvl="6" marL="1512000" indent="-216000">
+            <a:endParaRPr b="0" lang="en-GB" sz="2000" spc="-1" strike="noStrike">
+              <a:solidFill>
+                <a:srgbClr val="000000"/>
+              </a:solidFill>
+              <a:latin typeface="Arial"/>
+            </a:endParaRPr>
+          </a:p>
+          <a:p>
+            <a:pPr lvl="5" marL="2592000" indent="-216000">
               <a:spcBef>
                 <a:spcPts val="283"/>
               </a:spcBef>
@@ -11068,7 +10980,35 @@
               <a:buChar char=""/>
             </a:pPr>
             <a:r>
-              <a:rPr b="0" lang="en-US" sz="2000" spc="-1" strike="noStrike">
+              <a:rPr b="0" lang="en-GB" sz="2000" spc="-1" strike="noStrike">
+                <a:solidFill>
+                  <a:srgbClr val="000000"/>
+                </a:solidFill>
+                <a:latin typeface="Arial"/>
+              </a:rPr>
+              <a:t>Sixth Outline Level</a:t>
+            </a:r>
+            <a:endParaRPr b="0" lang="en-GB" sz="2000" spc="-1" strike="noStrike">
+              <a:solidFill>
+                <a:srgbClr val="000000"/>
+              </a:solidFill>
+              <a:latin typeface="Arial"/>
+            </a:endParaRPr>
+          </a:p>
+          <a:p>
+            <a:pPr lvl="6" marL="3024000" indent="-216000">
+              <a:spcBef>
+                <a:spcPts val="283"/>
+              </a:spcBef>
+              <a:buClr>
+                <a:srgbClr val="000000"/>
+              </a:buClr>
+              <a:buSzPct val="45000"/>
+              <a:buFont typeface="Wingdings" charset="2"/>
+              <a:buChar char=""/>
+            </a:pPr>
+            <a:r>
+              <a:rPr b="0" lang="en-GB" sz="2000" spc="-1" strike="noStrike">
                 <a:solidFill>
                   <a:srgbClr val="000000"/>
                 </a:solidFill>
@@ -11076,7 +11016,7 @@
               </a:rPr>
               <a:t>Seventh Outline Level</a:t>
             </a:r>
-            <a:endParaRPr b="0" lang="en-US" sz="2000" spc="-1" strike="noStrike">
+            <a:endParaRPr b="0" lang="en-GB" sz="2000" spc="-1" strike="noStrike">
               <a:solidFill>
                 <a:srgbClr val="000000"/>
               </a:solidFill>
@@ -11138,7 +11078,7 @@
         <p:spPr>
           <a:xfrm>
             <a:off x="11444760" y="0"/>
-            <a:ext cx="740520" cy="6849360"/>
+            <a:ext cx="740160" cy="6849000"/>
           </a:xfrm>
           <a:prstGeom prst="rect">
             <a:avLst/>
@@ -11163,11 +11103,17 @@
             <a:noAutofit/>
           </a:bodyPr>
           <a:p>
+            <a:pPr>
+              <a:lnSpc>
+                <a:spcPct val="100000"/>
+              </a:lnSpc>
+            </a:pPr>
             <a:endParaRPr b="0" lang="en-US" sz="1800" spc="-1" strike="noStrike">
               <a:solidFill>
                 <a:srgbClr val="ffffff"/>
               </a:solidFill>
               <a:latin typeface="Arial"/>
+              <a:ea typeface="DejaVu Sans"/>
             </a:endParaRPr>
           </a:p>
         </p:txBody>
@@ -11181,7 +11127,7 @@
         <p:spPr>
           <a:xfrm>
             <a:off x="11438640" y="6453360"/>
-            <a:ext cx="757440" cy="363960"/>
+            <a:ext cx="757080" cy="363960"/>
           </a:xfrm>
           <a:prstGeom prst="rect">
             <a:avLst/>
@@ -11207,7 +11153,7 @@
                 <a:spcPct val="100000"/>
               </a:lnSpc>
             </a:pPr>
-            <a:fld id="{0CDCD6C2-8D4A-4750-9CA4-A615D63828BD}" type="slidenum">
+            <a:fld id="{7C90D41C-AFFE-4F43-94B4-13C6B484A830}" type="slidenum">
               <a:rPr b="0" lang="en-US" sz="1800" spc="-1" strike="noStrike">
                 <a:solidFill>
                   <a:srgbClr val="808080"/>
@@ -11217,7 +11163,7 @@
               </a:rPr>
               <a:t>&lt;number&gt;</a:t>
             </a:fld>
-            <a:endParaRPr b="0" lang="en-US" sz="1800" spc="-1" strike="noStrike">
+            <a:endParaRPr b="0" lang="en-GB" sz="1800" spc="-1" strike="noStrike">
               <a:solidFill>
                 <a:srgbClr val="000000"/>
               </a:solidFill>
@@ -11235,7 +11181,7 @@
         <p:spPr>
           <a:xfrm>
             <a:off x="912240" y="1268280"/>
-            <a:ext cx="9207360" cy="360720"/>
+            <a:ext cx="9207000" cy="360360"/>
           </a:xfrm>
           <a:prstGeom prst="rect">
             <a:avLst/>
@@ -11256,11 +11202,17 @@
             <a:noAutofit/>
           </a:bodyPr>
           <a:p>
+            <a:pPr>
+              <a:lnSpc>
+                <a:spcPct val="100000"/>
+              </a:lnSpc>
+            </a:pPr>
             <a:endParaRPr b="0" lang="en-US" sz="1800" spc="-1" strike="noStrike">
               <a:solidFill>
                 <a:srgbClr val="000000"/>
               </a:solidFill>
               <a:latin typeface="Arial"/>
+              <a:ea typeface="DejaVu Sans"/>
             </a:endParaRPr>
           </a:p>
         </p:txBody>
@@ -11278,7 +11230,7 @@
         <p:spPr>
           <a:xfrm>
             <a:off x="0" y="0"/>
-            <a:ext cx="3051360" cy="561240"/>
+            <a:ext cx="3051000" cy="560880"/>
           </a:xfrm>
           <a:prstGeom prst="rect">
             <a:avLst/>
@@ -11301,7 +11253,7 @@
         <p:spPr>
           <a:xfrm>
             <a:off x="7430400" y="134640"/>
-            <a:ext cx="3697200" cy="513360"/>
+            <a:ext cx="3696840" cy="513000"/>
           </a:xfrm>
           <a:prstGeom prst="rect">
             <a:avLst/>
@@ -11320,7 +11272,7 @@
         <p:spPr>
           <a:xfrm>
             <a:off x="11444760" y="1440"/>
-            <a:ext cx="740520" cy="6849360"/>
+            <a:ext cx="740160" cy="6849000"/>
           </a:xfrm>
           <a:prstGeom prst="rect">
             <a:avLst/>
@@ -11345,11 +11297,17 @@
             <a:noAutofit/>
           </a:bodyPr>
           <a:p>
+            <a:pPr>
+              <a:lnSpc>
+                <a:spcPct val="100000"/>
+              </a:lnSpc>
+            </a:pPr>
             <a:endParaRPr b="0" lang="en-US" sz="1800" spc="-1" strike="noStrike">
               <a:solidFill>
                 <a:srgbClr val="ffffff"/>
               </a:solidFill>
               <a:latin typeface="Arial"/>
+              <a:ea typeface="DejaVu Sans"/>
             </a:endParaRPr>
           </a:p>
         </p:txBody>
@@ -11363,7 +11321,7 @@
         <p:spPr>
           <a:xfrm>
             <a:off x="11427480" y="6453360"/>
-            <a:ext cx="757440" cy="363960"/>
+            <a:ext cx="757080" cy="363960"/>
           </a:xfrm>
           <a:prstGeom prst="rect">
             <a:avLst/>
@@ -11389,7 +11347,7 @@
                 <a:spcPct val="100000"/>
               </a:lnSpc>
             </a:pPr>
-            <a:fld id="{67831400-2AE9-4114-B972-0FEDEEA54715}" type="slidenum">
+            <a:fld id="{04F44777-7244-4592-BA1E-580C0F9F32C2}" type="slidenum">
               <a:rPr b="0" lang="en-US" sz="1800" spc="-1" strike="noStrike">
                 <a:solidFill>
                   <a:srgbClr val="808080"/>
@@ -11399,7 +11357,7 @@
               </a:rPr>
               <a:t>&lt;number&gt;</a:t>
             </a:fld>
-            <a:endParaRPr b="0" lang="en-US" sz="1800" spc="-1" strike="noStrike">
+            <a:endParaRPr b="0" lang="en-GB" sz="1800" spc="-1" strike="noStrike">
               <a:solidFill>
                 <a:srgbClr val="000000"/>
               </a:solidFill>
@@ -11417,7 +11375,7 @@
         <p:spPr>
           <a:xfrm>
             <a:off x="0" y="6646680"/>
-            <a:ext cx="12186360" cy="211320"/>
+            <a:ext cx="12186000" cy="211320"/>
           </a:xfrm>
           <a:prstGeom prst="rect">
             <a:avLst/>
@@ -11453,7 +11411,7 @@
               </a:rPr>
               <a:t>Requirements Engineering – TU Clausthal</a:t>
             </a:r>
-            <a:endParaRPr b="0" lang="en-US" sz="800" spc="-1" strike="noStrike">
+            <a:endParaRPr b="0" lang="en-GB" sz="800" spc="-1" strike="noStrike">
               <a:solidFill>
                 <a:srgbClr val="000000"/>
               </a:solidFill>
@@ -11494,51 +11452,15 @@
               <a:buNone/>
             </a:pPr>
             <a:r>
-              <a:rPr b="0" lang="en-US" sz="4400" spc="-1" strike="noStrike">
+              <a:rPr b="0" lang="en-GB" sz="4400" spc="-1" strike="noStrike">
                 <a:solidFill>
                   <a:srgbClr val="000000"/>
                 </a:solidFill>
                 <a:latin typeface="Arial"/>
               </a:rPr>
-              <a:t>Click to </a:t>
+              <a:t>Click to edit the title text format</a:t>
             </a:r>
-            <a:r>
-              <a:rPr b="0" lang="en-US" sz="4400" spc="-1" strike="noStrike">
-                <a:solidFill>
-                  <a:srgbClr val="000000"/>
-                </a:solidFill>
-                <a:latin typeface="Arial"/>
-              </a:rPr>
-              <a:t>edit the </a:t>
-            </a:r>
-            <a:r>
-              <a:rPr b="0" lang="en-US" sz="4400" spc="-1" strike="noStrike">
-                <a:solidFill>
-                  <a:srgbClr val="000000"/>
-                </a:solidFill>
-                <a:latin typeface="Arial"/>
-              </a:rPr>
-              <a:t>title </a:t>
-            </a:r>
-            <a:r>
-              <a:rPr b="0" lang="en-US" sz="4400" spc="-1" strike="noStrike">
-                <a:solidFill>
-                  <a:srgbClr val="000000"/>
-                </a:solidFill>
-                <a:latin typeface="Arial"/>
-              </a:rPr>
-              <a:t>text </a:t>
-            </a:r>
-            <a:r>
-              <a:rPr b="0" lang="en-US" sz="4400" spc="-1" strike="noStrike">
-                <a:solidFill>
-                  <a:srgbClr val="000000"/>
-                </a:solidFill>
-                <a:latin typeface="Arial"/>
-              </a:rPr>
-              <a:t>format</a:t>
-            </a:r>
-            <a:endParaRPr b="0" lang="en-US" sz="4400" spc="-1" strike="noStrike">
+            <a:endParaRPr b="0" lang="en-GB" sz="4400" spc="-1" strike="noStrike">
               <a:solidFill>
                 <a:srgbClr val="000000"/>
               </a:solidFill>
@@ -11587,7 +11509,7 @@
               <a:buChar char=""/>
             </a:pPr>
             <a:r>
-              <a:rPr b="0" lang="en-US" sz="3200" spc="-1" strike="noStrike">
+              <a:rPr b="0" lang="en-GB" sz="3200" spc="-1" strike="noStrike">
                 <a:solidFill>
                   <a:srgbClr val="000000"/>
                 </a:solidFill>
@@ -11595,7 +11517,7 @@
               </a:rPr>
               <a:t>Click to edit the outline text format</a:t>
             </a:r>
-            <a:endParaRPr b="0" lang="en-US" sz="3200" spc="-1" strike="noStrike">
+            <a:endParaRPr b="0" lang="en-GB" sz="3200" spc="-1" strike="noStrike">
               <a:solidFill>
                 <a:srgbClr val="000000"/>
               </a:solidFill>
@@ -11615,7 +11537,7 @@
               <a:buChar char=""/>
             </a:pPr>
             <a:r>
-              <a:rPr b="0" lang="en-US" sz="2800" spc="-1" strike="noStrike">
+              <a:rPr b="0" lang="en-GB" sz="2800" spc="-1" strike="noStrike">
                 <a:solidFill>
                   <a:srgbClr val="000000"/>
                 </a:solidFill>
@@ -11623,7 +11545,7 @@
               </a:rPr>
               <a:t>Second Outline Level</a:t>
             </a:r>
-            <a:endParaRPr b="0" lang="en-US" sz="2800" spc="-1" strike="noStrike">
+            <a:endParaRPr b="0" lang="en-GB" sz="2800" spc="-1" strike="noStrike">
               <a:solidFill>
                 <a:srgbClr val="000000"/>
               </a:solidFill>
@@ -11643,7 +11565,7 @@
               <a:buChar char=""/>
             </a:pPr>
             <a:r>
-              <a:rPr b="0" lang="en-US" sz="2400" spc="-1" strike="noStrike">
+              <a:rPr b="0" lang="en-GB" sz="2400" spc="-1" strike="noStrike">
                 <a:solidFill>
                   <a:srgbClr val="000000"/>
                 </a:solidFill>
@@ -11651,7 +11573,7 @@
               </a:rPr>
               <a:t>Third Outline Level</a:t>
             </a:r>
-            <a:endParaRPr b="0" lang="en-US" sz="2400" spc="-1" strike="noStrike">
+            <a:endParaRPr b="0" lang="en-GB" sz="2400" spc="-1" strike="noStrike">
               <a:solidFill>
                 <a:srgbClr val="000000"/>
               </a:solidFill>
@@ -11671,7 +11593,7 @@
               <a:buChar char=""/>
             </a:pPr>
             <a:r>
-              <a:rPr b="0" lang="en-US" sz="2000" spc="-1" strike="noStrike">
+              <a:rPr b="0" lang="en-GB" sz="2000" spc="-1" strike="noStrike">
                 <a:solidFill>
                   <a:srgbClr val="000000"/>
                 </a:solidFill>
@@ -11679,7 +11601,7 @@
               </a:rPr>
               <a:t>Fourth Outline Level</a:t>
             </a:r>
-            <a:endParaRPr b="0" lang="en-US" sz="2000" spc="-1" strike="noStrike">
+            <a:endParaRPr b="0" lang="en-GB" sz="2000" spc="-1" strike="noStrike">
               <a:solidFill>
                 <a:srgbClr val="000000"/>
               </a:solidFill>
@@ -11699,7 +11621,7 @@
               <a:buChar char=""/>
             </a:pPr>
             <a:r>
-              <a:rPr b="0" lang="en-US" sz="2000" spc="-1" strike="noStrike">
+              <a:rPr b="0" lang="en-GB" sz="2000" spc="-1" strike="noStrike">
                 <a:solidFill>
                   <a:srgbClr val="000000"/>
                 </a:solidFill>
@@ -11707,7 +11629,7 @@
               </a:rPr>
               <a:t>Fifth Outline Level</a:t>
             </a:r>
-            <a:endParaRPr b="0" lang="en-US" sz="2000" spc="-1" strike="noStrike">
+            <a:endParaRPr b="0" lang="en-GB" sz="2000" spc="-1" strike="noStrike">
               <a:solidFill>
                 <a:srgbClr val="000000"/>
               </a:solidFill>
@@ -11727,7 +11649,7 @@
               <a:buChar char=""/>
             </a:pPr>
             <a:r>
-              <a:rPr b="0" lang="en-US" sz="2000" spc="-1" strike="noStrike">
+              <a:rPr b="0" lang="en-GB" sz="2000" spc="-1" strike="noStrike">
                 <a:solidFill>
                   <a:srgbClr val="000000"/>
                 </a:solidFill>
@@ -11735,7 +11657,7 @@
               </a:rPr>
               <a:t>Sixth Outline Level</a:t>
             </a:r>
-            <a:endParaRPr b="0" lang="en-US" sz="2000" spc="-1" strike="noStrike">
+            <a:endParaRPr b="0" lang="en-GB" sz="2000" spc="-1" strike="noStrike">
               <a:solidFill>
                 <a:srgbClr val="000000"/>
               </a:solidFill>
@@ -11755,7 +11677,7 @@
               <a:buChar char=""/>
             </a:pPr>
             <a:r>
-              <a:rPr b="0" lang="en-US" sz="2000" spc="-1" strike="noStrike">
+              <a:rPr b="0" lang="en-GB" sz="2000" spc="-1" strike="noStrike">
                 <a:solidFill>
                   <a:srgbClr val="000000"/>
                 </a:solidFill>
@@ -11763,7 +11685,7 @@
               </a:rPr>
               <a:t>Seventh Outline Level</a:t>
             </a:r>
-            <a:endParaRPr b="0" lang="en-US" sz="2000" spc="-1" strike="noStrike">
+            <a:endParaRPr b="0" lang="en-GB" sz="2000" spc="-1" strike="noStrike">
               <a:solidFill>
                 <a:srgbClr val="000000"/>
               </a:solidFill>
@@ -11825,7 +11747,7 @@
         <p:spPr>
           <a:xfrm>
             <a:off x="11444760" y="0"/>
-            <a:ext cx="740520" cy="6849360"/>
+            <a:ext cx="740160" cy="6849000"/>
           </a:xfrm>
           <a:prstGeom prst="rect">
             <a:avLst/>
@@ -11850,11 +11772,17 @@
             <a:noAutofit/>
           </a:bodyPr>
           <a:p>
+            <a:pPr>
+              <a:lnSpc>
+                <a:spcPct val="100000"/>
+              </a:lnSpc>
+            </a:pPr>
             <a:endParaRPr b="0" lang="en-US" sz="1800" spc="-1" strike="noStrike">
               <a:solidFill>
                 <a:srgbClr val="ffffff"/>
               </a:solidFill>
               <a:latin typeface="Arial"/>
+              <a:ea typeface="DejaVu Sans"/>
             </a:endParaRPr>
           </a:p>
         </p:txBody>
@@ -11868,7 +11796,7 @@
         <p:spPr>
           <a:xfrm>
             <a:off x="11438640" y="6453360"/>
-            <a:ext cx="757440" cy="363960"/>
+            <a:ext cx="757080" cy="363960"/>
           </a:xfrm>
           <a:prstGeom prst="rect">
             <a:avLst/>
@@ -11894,7 +11822,7 @@
                 <a:spcPct val="100000"/>
               </a:lnSpc>
             </a:pPr>
-            <a:fld id="{F10CB0E5-3E94-4F46-A93F-0E26F2C42752}" type="slidenum">
+            <a:fld id="{C77A866E-86D1-4C53-BBCF-AB9C637D179F}" type="slidenum">
               <a:rPr b="0" lang="en-US" sz="1800" spc="-1" strike="noStrike">
                 <a:solidFill>
                   <a:srgbClr val="808080"/>
@@ -11904,7 +11832,7 @@
               </a:rPr>
               <a:t>&lt;number&gt;</a:t>
             </a:fld>
-            <a:endParaRPr b="0" lang="en-US" sz="1800" spc="-1" strike="noStrike">
+            <a:endParaRPr b="0" lang="en-GB" sz="1800" spc="-1" strike="noStrike">
               <a:solidFill>
                 <a:srgbClr val="000000"/>
               </a:solidFill>
@@ -11922,7 +11850,7 @@
         <p:spPr>
           <a:xfrm>
             <a:off x="912240" y="1268280"/>
-            <a:ext cx="9207360" cy="360720"/>
+            <a:ext cx="9207000" cy="360360"/>
           </a:xfrm>
           <a:prstGeom prst="rect">
             <a:avLst/>
@@ -11943,11 +11871,17 @@
             <a:noAutofit/>
           </a:bodyPr>
           <a:p>
+            <a:pPr>
+              <a:lnSpc>
+                <a:spcPct val="100000"/>
+              </a:lnSpc>
+            </a:pPr>
             <a:endParaRPr b="0" lang="en-US" sz="1800" spc="-1" strike="noStrike">
               <a:solidFill>
                 <a:srgbClr val="000000"/>
               </a:solidFill>
               <a:latin typeface="Arial"/>
+              <a:ea typeface="DejaVu Sans"/>
             </a:endParaRPr>
           </a:p>
         </p:txBody>
@@ -11965,7 +11899,7 @@
         <p:spPr>
           <a:xfrm>
             <a:off x="0" y="0"/>
-            <a:ext cx="3051360" cy="561240"/>
+            <a:ext cx="3051000" cy="560880"/>
           </a:xfrm>
           <a:prstGeom prst="rect">
             <a:avLst/>
@@ -11988,7 +11922,7 @@
         <p:spPr>
           <a:xfrm>
             <a:off x="7430400" y="134640"/>
-            <a:ext cx="3697200" cy="513360"/>
+            <a:ext cx="3696840" cy="513000"/>
           </a:xfrm>
           <a:prstGeom prst="rect">
             <a:avLst/>
@@ -12007,7 +11941,7 @@
         <p:spPr>
           <a:xfrm>
             <a:off x="11444760" y="1440"/>
-            <a:ext cx="740520" cy="6849360"/>
+            <a:ext cx="740160" cy="6849000"/>
           </a:xfrm>
           <a:prstGeom prst="rect">
             <a:avLst/>
@@ -12032,11 +11966,17 @@
             <a:noAutofit/>
           </a:bodyPr>
           <a:p>
+            <a:pPr>
+              <a:lnSpc>
+                <a:spcPct val="100000"/>
+              </a:lnSpc>
+            </a:pPr>
             <a:endParaRPr b="0" lang="en-US" sz="1800" spc="-1" strike="noStrike">
               <a:solidFill>
                 <a:srgbClr val="ffffff"/>
               </a:solidFill>
               <a:latin typeface="Arial"/>
+              <a:ea typeface="DejaVu Sans"/>
             </a:endParaRPr>
           </a:p>
         </p:txBody>
@@ -12050,7 +11990,7 @@
         <p:spPr>
           <a:xfrm>
             <a:off x="11427480" y="6453360"/>
-            <a:ext cx="757440" cy="363960"/>
+            <a:ext cx="757080" cy="363960"/>
           </a:xfrm>
           <a:prstGeom prst="rect">
             <a:avLst/>
@@ -12076,7 +12016,7 @@
                 <a:spcPct val="100000"/>
               </a:lnSpc>
             </a:pPr>
-            <a:fld id="{B7A038DE-5BED-45E5-AA9D-BEB7A0BD1393}" type="slidenum">
+            <a:fld id="{FA3C5D8C-2F96-4519-AC08-EE7AA46DC196}" type="slidenum">
               <a:rPr b="0" lang="en-US" sz="1800" spc="-1" strike="noStrike">
                 <a:solidFill>
                   <a:srgbClr val="808080"/>
@@ -12086,7 +12026,7 @@
               </a:rPr>
               <a:t>&lt;number&gt;</a:t>
             </a:fld>
-            <a:endParaRPr b="0" lang="en-US" sz="1800" spc="-1" strike="noStrike">
+            <a:endParaRPr b="0" lang="en-GB" sz="1800" spc="-1" strike="noStrike">
               <a:solidFill>
                 <a:srgbClr val="000000"/>
               </a:solidFill>
@@ -12104,7 +12044,7 @@
         <p:spPr>
           <a:xfrm>
             <a:off x="0" y="6646680"/>
-            <a:ext cx="12186360" cy="211320"/>
+            <a:ext cx="12186000" cy="211320"/>
           </a:xfrm>
           <a:prstGeom prst="rect">
             <a:avLst/>
@@ -12140,7 +12080,7 @@
               </a:rPr>
               <a:t>Requirements Engineering – TU Clausthal</a:t>
             </a:r>
-            <a:endParaRPr b="0" lang="en-US" sz="800" spc="-1" strike="noStrike">
+            <a:endParaRPr b="0" lang="en-GB" sz="800" spc="-1" strike="noStrike">
               <a:solidFill>
                 <a:srgbClr val="000000"/>
               </a:solidFill>
@@ -12181,51 +12121,15 @@
               <a:buNone/>
             </a:pPr>
             <a:r>
-              <a:rPr b="0" lang="en-US" sz="4400" spc="-1" strike="noStrike">
+              <a:rPr b="0" lang="en-GB" sz="4400" spc="-1" strike="noStrike">
                 <a:solidFill>
                   <a:srgbClr val="000000"/>
                 </a:solidFill>
                 <a:latin typeface="Arial"/>
               </a:rPr>
-              <a:t>Click to </a:t>
+              <a:t>Click to edit the title text format</a:t>
             </a:r>
-            <a:r>
-              <a:rPr b="0" lang="en-US" sz="4400" spc="-1" strike="noStrike">
-                <a:solidFill>
-                  <a:srgbClr val="000000"/>
-                </a:solidFill>
-                <a:latin typeface="Arial"/>
-              </a:rPr>
-              <a:t>edit the </a:t>
-            </a:r>
-            <a:r>
-              <a:rPr b="0" lang="en-US" sz="4400" spc="-1" strike="noStrike">
-                <a:solidFill>
-                  <a:srgbClr val="000000"/>
-                </a:solidFill>
-                <a:latin typeface="Arial"/>
-              </a:rPr>
-              <a:t>title </a:t>
-            </a:r>
-            <a:r>
-              <a:rPr b="0" lang="en-US" sz="4400" spc="-1" strike="noStrike">
-                <a:solidFill>
-                  <a:srgbClr val="000000"/>
-                </a:solidFill>
-                <a:latin typeface="Arial"/>
-              </a:rPr>
-              <a:t>text </a:t>
-            </a:r>
-            <a:r>
-              <a:rPr b="0" lang="en-US" sz="4400" spc="-1" strike="noStrike">
-                <a:solidFill>
-                  <a:srgbClr val="000000"/>
-                </a:solidFill>
-                <a:latin typeface="Arial"/>
-              </a:rPr>
-              <a:t>format</a:t>
-            </a:r>
-            <a:endParaRPr b="0" lang="en-US" sz="4400" spc="-1" strike="noStrike">
+            <a:endParaRPr b="0" lang="en-GB" sz="4400" spc="-1" strike="noStrike">
               <a:solidFill>
                 <a:srgbClr val="000000"/>
               </a:solidFill>
@@ -12274,7 +12178,7 @@
               <a:buChar char=""/>
             </a:pPr>
             <a:r>
-              <a:rPr b="0" lang="en-US" sz="3200" spc="-1" strike="noStrike">
+              <a:rPr b="0" lang="en-GB" sz="3200" spc="-1" strike="noStrike">
                 <a:solidFill>
                   <a:srgbClr val="000000"/>
                 </a:solidFill>
@@ -12282,7 +12186,7 @@
               </a:rPr>
               <a:t>Click to edit the outline text format</a:t>
             </a:r>
-            <a:endParaRPr b="0" lang="en-US" sz="3200" spc="-1" strike="noStrike">
+            <a:endParaRPr b="0" lang="en-GB" sz="3200" spc="-1" strike="noStrike">
               <a:solidFill>
                 <a:srgbClr val="000000"/>
               </a:solidFill>
@@ -12302,7 +12206,7 @@
               <a:buChar char=""/>
             </a:pPr>
             <a:r>
-              <a:rPr b="0" lang="en-US" sz="2800" spc="-1" strike="noStrike">
+              <a:rPr b="0" lang="en-GB" sz="2800" spc="-1" strike="noStrike">
                 <a:solidFill>
                   <a:srgbClr val="000000"/>
                 </a:solidFill>
@@ -12310,7 +12214,7 @@
               </a:rPr>
               <a:t>Second Outline Level</a:t>
             </a:r>
-            <a:endParaRPr b="0" lang="en-US" sz="2800" spc="-1" strike="noStrike">
+            <a:endParaRPr b="0" lang="en-GB" sz="2800" spc="-1" strike="noStrike">
               <a:solidFill>
                 <a:srgbClr val="000000"/>
               </a:solidFill>
@@ -12330,7 +12234,7 @@
               <a:buChar char=""/>
             </a:pPr>
             <a:r>
-              <a:rPr b="0" lang="en-US" sz="2400" spc="-1" strike="noStrike">
+              <a:rPr b="0" lang="en-GB" sz="2400" spc="-1" strike="noStrike">
                 <a:solidFill>
                   <a:srgbClr val="000000"/>
                 </a:solidFill>
@@ -12338,7 +12242,7 @@
               </a:rPr>
               <a:t>Third Outline Level</a:t>
             </a:r>
-            <a:endParaRPr b="0" lang="en-US" sz="2400" spc="-1" strike="noStrike">
+            <a:endParaRPr b="0" lang="en-GB" sz="2400" spc="-1" strike="noStrike">
               <a:solidFill>
                 <a:srgbClr val="000000"/>
               </a:solidFill>
@@ -12358,7 +12262,7 @@
               <a:buChar char=""/>
             </a:pPr>
             <a:r>
-              <a:rPr b="0" lang="en-US" sz="2000" spc="-1" strike="noStrike">
+              <a:rPr b="0" lang="en-GB" sz="2000" spc="-1" strike="noStrike">
                 <a:solidFill>
                   <a:srgbClr val="000000"/>
                 </a:solidFill>
@@ -12366,7 +12270,7 @@
               </a:rPr>
               <a:t>Fourth Outline Level</a:t>
             </a:r>
-            <a:endParaRPr b="0" lang="en-US" sz="2000" spc="-1" strike="noStrike">
+            <a:endParaRPr b="0" lang="en-GB" sz="2000" spc="-1" strike="noStrike">
               <a:solidFill>
                 <a:srgbClr val="000000"/>
               </a:solidFill>
@@ -12386,7 +12290,7 @@
               <a:buChar char=""/>
             </a:pPr>
             <a:r>
-              <a:rPr b="0" lang="en-US" sz="2000" spc="-1" strike="noStrike">
+              <a:rPr b="0" lang="en-GB" sz="2000" spc="-1" strike="noStrike">
                 <a:solidFill>
                   <a:srgbClr val="000000"/>
                 </a:solidFill>
@@ -12394,7 +12298,7 @@
               </a:rPr>
               <a:t>Fifth Outline Level</a:t>
             </a:r>
-            <a:endParaRPr b="0" lang="en-US" sz="2000" spc="-1" strike="noStrike">
+            <a:endParaRPr b="0" lang="en-GB" sz="2000" spc="-1" strike="noStrike">
               <a:solidFill>
                 <a:srgbClr val="000000"/>
               </a:solidFill>
@@ -12414,7 +12318,7 @@
               <a:buChar char=""/>
             </a:pPr>
             <a:r>
-              <a:rPr b="0" lang="en-US" sz="2000" spc="-1" strike="noStrike">
+              <a:rPr b="0" lang="en-GB" sz="2000" spc="-1" strike="noStrike">
                 <a:solidFill>
                   <a:srgbClr val="000000"/>
                 </a:solidFill>
@@ -12422,7 +12326,7 @@
               </a:rPr>
               <a:t>Sixth Outline Level</a:t>
             </a:r>
-            <a:endParaRPr b="0" lang="en-US" sz="2000" spc="-1" strike="noStrike">
+            <a:endParaRPr b="0" lang="en-GB" sz="2000" spc="-1" strike="noStrike">
               <a:solidFill>
                 <a:srgbClr val="000000"/>
               </a:solidFill>
@@ -12442,7 +12346,7 @@
               <a:buChar char=""/>
             </a:pPr>
             <a:r>
-              <a:rPr b="0" lang="en-US" sz="2000" spc="-1" strike="noStrike">
+              <a:rPr b="0" lang="en-GB" sz="2000" spc="-1" strike="noStrike">
                 <a:solidFill>
                   <a:srgbClr val="000000"/>
                 </a:solidFill>
@@ -12450,7 +12354,7 @@
               </a:rPr>
               <a:t>Seventh Outline Level</a:t>
             </a:r>
-            <a:endParaRPr b="0" lang="en-US" sz="2000" spc="-1" strike="noStrike">
+            <a:endParaRPr b="0" lang="en-GB" sz="2000" spc="-1" strike="noStrike">
               <a:solidFill>
                 <a:srgbClr val="000000"/>
               </a:solidFill>
@@ -12505,7 +12409,7 @@
         <p:spPr>
           <a:xfrm>
             <a:off x="527400" y="1412640"/>
-            <a:ext cx="10360440" cy="1146960"/>
+            <a:ext cx="10360080" cy="1146600"/>
           </a:xfrm>
           <a:prstGeom prst="rect">
             <a:avLst/>
@@ -12541,7 +12445,7 @@
               </a:rPr>
               <a:t>Requirement Engineering</a:t>
             </a:r>
-            <a:endParaRPr b="0" lang="en-US" sz="3200" spc="-1" strike="noStrike">
+            <a:endParaRPr b="0" lang="en-GB" sz="3200" spc="-1" strike="noStrike">
               <a:solidFill>
                 <a:srgbClr val="000000"/>
               </a:solidFill>
@@ -12559,7 +12463,7 @@
         <p:spPr>
           <a:xfrm>
             <a:off x="527400" y="2852640"/>
-            <a:ext cx="10360440" cy="2367720"/>
+            <a:ext cx="10360080" cy="2367360"/>
           </a:xfrm>
           <a:prstGeom prst="rect">
             <a:avLst/>
@@ -12601,7 +12505,7 @@
               </a:rPr>
               <a:t>Lecture 5: Negotiation</a:t>
             </a:r>
-            <a:endParaRPr b="0" lang="en-US" sz="2400" spc="-1" strike="noStrike">
+            <a:endParaRPr b="0" lang="en-GB" sz="2400" spc="-1" strike="noStrike">
               <a:solidFill>
                 <a:srgbClr val="000000"/>
               </a:solidFill>
@@ -12620,7 +12524,7 @@
                 <a:tab algn="l" pos="0"/>
               </a:tabLst>
             </a:pPr>
-            <a:endParaRPr b="0" lang="en-US" sz="2400" spc="-1" strike="noStrike">
+            <a:endParaRPr b="0" lang="en-GB" sz="2400" spc="-1" strike="noStrike">
               <a:solidFill>
                 <a:srgbClr val="000000"/>
               </a:solidFill>
@@ -12639,7 +12543,7 @@
                 <a:tab algn="l" pos="0"/>
               </a:tabLst>
             </a:pPr>
-            <a:endParaRPr b="0" lang="en-US" sz="2400" spc="-1" strike="noStrike">
+            <a:endParaRPr b="0" lang="en-GB" sz="2400" spc="-1" strike="noStrike">
               <a:solidFill>
                 <a:srgbClr val="000000"/>
               </a:solidFill>
@@ -12658,7 +12562,7 @@
                 <a:tab algn="l" pos="0"/>
               </a:tabLst>
             </a:pPr>
-            <a:endParaRPr b="0" lang="en-US" sz="2400" spc="-1" strike="noStrike">
+            <a:endParaRPr b="0" lang="en-GB" sz="2400" spc="-1" strike="noStrike">
               <a:solidFill>
                 <a:srgbClr val="000000"/>
               </a:solidFill>
@@ -12687,7 +12591,7 @@
               </a:rPr>
               <a:t>Prof. Dr. Benjamin Leiding</a:t>
             </a:r>
-            <a:endParaRPr b="0" lang="en-US" sz="1600" spc="-1" strike="noStrike">
+            <a:endParaRPr b="0" lang="en-GB" sz="1600" spc="-1" strike="noStrike">
               <a:solidFill>
                 <a:srgbClr val="000000"/>
               </a:solidFill>
@@ -12716,7 +12620,36 @@
               </a:rPr>
               <a:t>M.Sc. Anant Sujatanagarjuna</a:t>
             </a:r>
-            <a:endParaRPr b="0" lang="en-US" sz="1600" spc="-1" strike="noStrike">
+            <a:endParaRPr b="0" lang="en-GB" sz="1600" spc="-1" strike="noStrike">
+              <a:solidFill>
+                <a:srgbClr val="000000"/>
+              </a:solidFill>
+              <a:latin typeface="Arial"/>
+            </a:endParaRPr>
+          </a:p>
+          <a:p>
+            <a:pPr algn="ctr">
+              <a:lnSpc>
+                <a:spcPct val="100000"/>
+              </a:lnSpc>
+              <a:spcBef>
+                <a:spcPts val="320"/>
+              </a:spcBef>
+              <a:tabLst>
+                <a:tab algn="l" pos="0"/>
+              </a:tabLst>
+            </a:pPr>
+            <a:r>
+              <a:rPr b="0" lang="en-GB" sz="1600" spc="-1" strike="noStrike">
+                <a:solidFill>
+                  <a:srgbClr val="000000"/>
+                </a:solidFill>
+                <a:latin typeface="DejaVu Sans"/>
+                <a:ea typeface="DejaVu Sans"/>
+              </a:rPr>
+              <a:t>M.Sc. Chintan Patel</a:t>
+            </a:r>
+            <a:endParaRPr b="0" lang="en-GB" sz="1600" spc="-1" strike="noStrike">
               <a:solidFill>
                 <a:srgbClr val="000000"/>
               </a:solidFill>
@@ -12764,7 +12697,7 @@
         <p:spPr>
           <a:xfrm>
             <a:off x="542880" y="721800"/>
-            <a:ext cx="10356120" cy="496800"/>
+            <a:ext cx="10355760" cy="496440"/>
           </a:xfrm>
           <a:prstGeom prst="rect">
             <a:avLst/>
@@ -12800,7 +12733,7 @@
               </a:rPr>
               <a:t>Conflict Management</a:t>
             </a:r>
-            <a:endParaRPr b="0" lang="en-US" sz="2200" spc="-1" strike="noStrike">
+            <a:endParaRPr b="0" lang="en-GB" sz="2200" spc="-1" strike="noStrike">
               <a:solidFill>
                 <a:srgbClr val="000000"/>
               </a:solidFill>
@@ -12818,7 +12751,7 @@
         <p:spPr>
           <a:xfrm>
             <a:off x="542880" y="1267200"/>
-            <a:ext cx="10356120" cy="496800"/>
+            <a:ext cx="10355760" cy="496440"/>
           </a:xfrm>
           <a:prstGeom prst="rect">
             <a:avLst/>
@@ -12854,7 +12787,7 @@
               </a:rPr>
               <a:t>Conflict Analysis – Types of Conflicts</a:t>
             </a:r>
-            <a:endParaRPr b="0" lang="en-US" sz="2200" spc="-1" strike="noStrike">
+            <a:endParaRPr b="0" lang="en-GB" sz="2200" spc="-1" strike="noStrike">
               <a:solidFill>
                 <a:srgbClr val="000000"/>
               </a:solidFill>
@@ -12872,7 +12805,7 @@
         <p:spPr>
           <a:xfrm>
             <a:off x="451800" y="1709280"/>
-            <a:ext cx="8223480" cy="4351680"/>
+            <a:ext cx="8223120" cy="4351320"/>
           </a:xfrm>
           <a:prstGeom prst="rect">
             <a:avLst/>
@@ -12893,11 +12826,17 @@
             <a:noAutofit/>
           </a:bodyPr>
           <a:p>
+            <a:pPr>
+              <a:lnSpc>
+                <a:spcPct val="100000"/>
+              </a:lnSpc>
+            </a:pPr>
             <a:endParaRPr b="0" lang="en-US" sz="1800" spc="-1" strike="noStrike">
               <a:solidFill>
                 <a:srgbClr val="000000"/>
               </a:solidFill>
               <a:latin typeface="Arial"/>
+              <a:ea typeface="DejaVu Sans"/>
             </a:endParaRPr>
           </a:p>
         </p:txBody>
@@ -12915,7 +12854,7 @@
         <p:spPr>
           <a:xfrm>
             <a:off x="609480" y="1769400"/>
-            <a:ext cx="10586520" cy="4854600"/>
+            <a:ext cx="10586160" cy="4854240"/>
           </a:xfrm>
           <a:prstGeom prst="rect">
             <a:avLst/>
@@ -12930,7 +12869,7 @@
             <a:normAutofit fontScale="97000"/>
           </a:bodyPr>
           <a:p>
-            <a:pPr marL="216000" indent="-216000">
+            <a:pPr marL="215640" indent="-215640">
               <a:lnSpc>
                 <a:spcPct val="100000"/>
               </a:lnSpc>
@@ -12954,15 +12893,15 @@
               </a:rPr>
               <a:t>Subject Conflict</a:t>
             </a:r>
-            <a:endParaRPr b="0" lang="en-US" sz="2000" spc="-1" strike="noStrike">
-              <a:solidFill>
-                <a:srgbClr val="000000"/>
-              </a:solidFill>
-              <a:latin typeface="Arial"/>
-            </a:endParaRPr>
-          </a:p>
-          <a:p>
-            <a:pPr lvl="1" marL="432000" indent="-216000">
+            <a:endParaRPr b="0" lang="en-GB" sz="2000" spc="-1" strike="noStrike">
+              <a:solidFill>
+                <a:srgbClr val="000000"/>
+              </a:solidFill>
+              <a:latin typeface="Arial"/>
+            </a:endParaRPr>
+          </a:p>
+          <a:p>
+            <a:pPr lvl="1" marL="431640" indent="-215640">
               <a:lnSpc>
                 <a:spcPct val="100000"/>
               </a:lnSpc>
@@ -12986,15 +12925,15 @@
               </a:rPr>
               <a:t>Caused by deficit of information, false information, or different interpretation of information</a:t>
             </a:r>
-            <a:endParaRPr b="0" lang="en-US" sz="1800" spc="-1" strike="noStrike">
-              <a:solidFill>
-                <a:srgbClr val="000000"/>
-              </a:solidFill>
-              <a:latin typeface="Arial"/>
-            </a:endParaRPr>
-          </a:p>
-          <a:p>
-            <a:pPr lvl="1" marL="432000" indent="-216000">
+            <a:endParaRPr b="0" lang="en-GB" sz="1800" spc="-1" strike="noStrike">
+              <a:solidFill>
+                <a:srgbClr val="000000"/>
+              </a:solidFill>
+              <a:latin typeface="Arial"/>
+            </a:endParaRPr>
+          </a:p>
+          <a:p>
+            <a:pPr lvl="1" marL="431640" indent="-215640">
               <a:lnSpc>
                 <a:spcPct val="100000"/>
               </a:lnSpc>
@@ -13018,15 +12957,15 @@
               </a:rPr>
               <a:t>Example:</a:t>
             </a:r>
-            <a:endParaRPr b="0" lang="en-US" sz="1800" spc="-1" strike="noStrike">
-              <a:solidFill>
-                <a:srgbClr val="000000"/>
-              </a:solidFill>
-              <a:latin typeface="Arial"/>
-            </a:endParaRPr>
-          </a:p>
-          <a:p>
-            <a:pPr lvl="2" marL="648000" indent="-216000">
+            <a:endParaRPr b="0" lang="en-GB" sz="1800" spc="-1" strike="noStrike">
+              <a:solidFill>
+                <a:srgbClr val="000000"/>
+              </a:solidFill>
+              <a:latin typeface="Arial"/>
+            </a:endParaRPr>
+          </a:p>
+          <a:p>
+            <a:pPr lvl="2" marL="647640" indent="-215640">
               <a:lnSpc>
                 <a:spcPct val="100000"/>
               </a:lnSpc>
@@ -13060,15 +12999,15 @@
               </a:rPr>
               <a:t>The start-up time of the system does not exceed 2 seconds.”</a:t>
             </a:r>
-            <a:endParaRPr b="0" lang="en-US" sz="1600" spc="-1" strike="noStrike">
-              <a:solidFill>
-                <a:srgbClr val="000000"/>
-              </a:solidFill>
-              <a:latin typeface="Arial"/>
-            </a:endParaRPr>
-          </a:p>
-          <a:p>
-            <a:pPr marL="216000" indent="0">
+            <a:endParaRPr b="0" lang="en-GB" sz="1600" spc="-1" strike="noStrike">
+              <a:solidFill>
+                <a:srgbClr val="000000"/>
+              </a:solidFill>
+              <a:latin typeface="Arial"/>
+            </a:endParaRPr>
+          </a:p>
+          <a:p>
+            <a:pPr marL="215640" indent="0">
               <a:lnSpc>
                 <a:spcPct val="100000"/>
               </a:lnSpc>
@@ -13100,15 +13039,15 @@
               </a:rPr>
               <a:t>Stakeholder A thinks this is too slow</a:t>
             </a:r>
-            <a:endParaRPr b="0" lang="en-US" sz="1600" spc="-1" strike="noStrike">
-              <a:solidFill>
-                <a:srgbClr val="000000"/>
-              </a:solidFill>
-              <a:latin typeface="Arial"/>
-            </a:endParaRPr>
-          </a:p>
-          <a:p>
-            <a:pPr marL="216000" indent="0">
+            <a:endParaRPr b="0" lang="en-GB" sz="1600" spc="-1" strike="noStrike">
+              <a:solidFill>
+                <a:srgbClr val="000000"/>
+              </a:solidFill>
+              <a:latin typeface="Arial"/>
+            </a:endParaRPr>
+          </a:p>
+          <a:p>
+            <a:pPr marL="215640" indent="0">
               <a:lnSpc>
                 <a:spcPct val="100000"/>
               </a:lnSpc>
@@ -13140,15 +13079,15 @@
               </a:rPr>
               <a:t>Stakeholder B thinks this is infeasibly fast</a:t>
             </a:r>
-            <a:endParaRPr b="0" lang="en-US" sz="1600" spc="-1" strike="noStrike">
-              <a:solidFill>
-                <a:srgbClr val="000000"/>
-              </a:solidFill>
-              <a:latin typeface="Arial"/>
-            </a:endParaRPr>
-          </a:p>
-          <a:p>
-            <a:pPr marL="216000" indent="-216000">
+            <a:endParaRPr b="0" lang="en-GB" sz="1600" spc="-1" strike="noStrike">
+              <a:solidFill>
+                <a:srgbClr val="000000"/>
+              </a:solidFill>
+              <a:latin typeface="Arial"/>
+            </a:endParaRPr>
+          </a:p>
+          <a:p>
+            <a:pPr marL="215640" indent="-215640">
               <a:lnSpc>
                 <a:spcPct val="100000"/>
               </a:lnSpc>
@@ -13175,15 +13114,15 @@
               </a:rPr>
               <a:t>Conflict of Interest</a:t>
             </a:r>
-            <a:endParaRPr b="0" lang="en-US" sz="2000" spc="-1" strike="noStrike">
-              <a:solidFill>
-                <a:srgbClr val="000000"/>
-              </a:solidFill>
-              <a:latin typeface="Arial"/>
-            </a:endParaRPr>
-          </a:p>
-          <a:p>
-            <a:pPr lvl="1" marL="432000" indent="-216000">
+            <a:endParaRPr b="0" lang="en-GB" sz="2000" spc="-1" strike="noStrike">
+              <a:solidFill>
+                <a:srgbClr val="000000"/>
+              </a:solidFill>
+              <a:latin typeface="Arial"/>
+            </a:endParaRPr>
+          </a:p>
+          <a:p>
+            <a:pPr lvl="1" marL="431640" indent="-215640">
               <a:lnSpc>
                 <a:spcPct val="100000"/>
               </a:lnSpc>
@@ -13210,15 +13149,15 @@
               </a:rPr>
               <a:t>Stakeholders have different goals</a:t>
             </a:r>
-            <a:endParaRPr b="0" lang="en-US" sz="1800" spc="-1" strike="noStrike">
-              <a:solidFill>
-                <a:srgbClr val="000000"/>
-              </a:solidFill>
-              <a:latin typeface="Arial"/>
-            </a:endParaRPr>
-          </a:p>
-          <a:p>
-            <a:pPr lvl="1" marL="432000" indent="-216000">
+            <a:endParaRPr b="0" lang="en-GB" sz="1800" spc="-1" strike="noStrike">
+              <a:solidFill>
+                <a:srgbClr val="000000"/>
+              </a:solidFill>
+              <a:latin typeface="Arial"/>
+            </a:endParaRPr>
+          </a:p>
+          <a:p>
+            <a:pPr lvl="1" marL="431640" indent="-215640">
               <a:lnSpc>
                 <a:spcPct val="100000"/>
               </a:lnSpc>
@@ -13245,15 +13184,15 @@
               </a:rPr>
               <a:t>Usually due to costs</a:t>
             </a:r>
-            <a:endParaRPr b="0" lang="en-US" sz="1800" spc="-1" strike="noStrike">
-              <a:solidFill>
-                <a:srgbClr val="000000"/>
-              </a:solidFill>
-              <a:latin typeface="Arial"/>
-            </a:endParaRPr>
-          </a:p>
-          <a:p>
-            <a:pPr marL="1463040" indent="0">
+            <a:endParaRPr b="0" lang="en-GB" sz="1800" spc="-1" strike="noStrike">
+              <a:solidFill>
+                <a:srgbClr val="000000"/>
+              </a:solidFill>
+              <a:latin typeface="Arial"/>
+            </a:endParaRPr>
+          </a:p>
+          <a:p>
+            <a:pPr marL="1462680" indent="0">
               <a:lnSpc>
                 <a:spcPct val="100000"/>
               </a:lnSpc>
@@ -13285,15 +13224,15 @@
               </a:rPr>
               <a:t>Stakeholder A wants to minimize the costs</a:t>
             </a:r>
-            <a:endParaRPr b="0" lang="en-US" sz="1600" spc="-1" strike="noStrike">
-              <a:solidFill>
-                <a:srgbClr val="000000"/>
-              </a:solidFill>
-              <a:latin typeface="Arial"/>
-            </a:endParaRPr>
-          </a:p>
-          <a:p>
-            <a:pPr marL="1463040" indent="0">
+            <a:endParaRPr b="0" lang="en-GB" sz="1600" spc="-1" strike="noStrike">
+              <a:solidFill>
+                <a:srgbClr val="000000"/>
+              </a:solidFill>
+              <a:latin typeface="Arial"/>
+            </a:endParaRPr>
+          </a:p>
+          <a:p>
+            <a:pPr marL="1462680" indent="0">
               <a:lnSpc>
                 <a:spcPct val="100000"/>
               </a:lnSpc>
@@ -13325,7 +13264,7 @@
               </a:rPr>
               <a:t>Stakeholder B desires a high quality system</a:t>
             </a:r>
-            <a:endParaRPr b="0" lang="en-US" sz="1600" spc="-1" strike="noStrike">
+            <a:endParaRPr b="0" lang="en-GB" sz="1600" spc="-1" strike="noStrike">
               <a:solidFill>
                 <a:srgbClr val="000000"/>
               </a:solidFill>
@@ -13373,7 +13312,7 @@
         <p:spPr>
           <a:xfrm>
             <a:off x="542880" y="721800"/>
-            <a:ext cx="10356120" cy="496800"/>
+            <a:ext cx="10355760" cy="496440"/>
           </a:xfrm>
           <a:prstGeom prst="rect">
             <a:avLst/>
@@ -13409,7 +13348,7 @@
               </a:rPr>
               <a:t>Conflict Management</a:t>
             </a:r>
-            <a:endParaRPr b="0" lang="en-US" sz="2200" spc="-1" strike="noStrike">
+            <a:endParaRPr b="0" lang="en-GB" sz="2200" spc="-1" strike="noStrike">
               <a:solidFill>
                 <a:srgbClr val="000000"/>
               </a:solidFill>
@@ -13427,7 +13366,7 @@
         <p:spPr>
           <a:xfrm>
             <a:off x="542880" y="1267200"/>
-            <a:ext cx="10356120" cy="496800"/>
+            <a:ext cx="10355760" cy="496440"/>
           </a:xfrm>
           <a:prstGeom prst="rect">
             <a:avLst/>
@@ -13463,7 +13402,7 @@
               </a:rPr>
               <a:t>Conflict Analysis – Types of Conflicts</a:t>
             </a:r>
-            <a:endParaRPr b="0" lang="en-US" sz="2200" spc="-1" strike="noStrike">
+            <a:endParaRPr b="0" lang="en-GB" sz="2200" spc="-1" strike="noStrike">
               <a:solidFill>
                 <a:srgbClr val="000000"/>
               </a:solidFill>
@@ -13481,7 +13420,7 @@
         <p:spPr>
           <a:xfrm>
             <a:off x="451800" y="1709280"/>
-            <a:ext cx="8223480" cy="4351680"/>
+            <a:ext cx="8223120" cy="4351320"/>
           </a:xfrm>
           <a:prstGeom prst="rect">
             <a:avLst/>
@@ -13502,11 +13441,17 @@
             <a:noAutofit/>
           </a:bodyPr>
           <a:p>
+            <a:pPr>
+              <a:lnSpc>
+                <a:spcPct val="100000"/>
+              </a:lnSpc>
+            </a:pPr>
             <a:endParaRPr b="0" lang="en-US" sz="1800" spc="-1" strike="noStrike">
               <a:solidFill>
                 <a:srgbClr val="000000"/>
               </a:solidFill>
               <a:latin typeface="Arial"/>
+              <a:ea typeface="DejaVu Sans"/>
             </a:endParaRPr>
           </a:p>
         </p:txBody>
@@ -13524,7 +13469,7 @@
         <p:spPr>
           <a:xfrm>
             <a:off x="609480" y="1769400"/>
-            <a:ext cx="10586520" cy="4854600"/>
+            <a:ext cx="10586160" cy="4854240"/>
           </a:xfrm>
           <a:prstGeom prst="rect">
             <a:avLst/>
@@ -13563,7 +13508,7 @@
               </a:rPr>
               <a:t>Conflict of Value</a:t>
             </a:r>
-            <a:endParaRPr b="0" lang="en-US" sz="2000" spc="-1" strike="noStrike">
+            <a:endParaRPr b="0" lang="en-GB" sz="2000" spc="-1" strike="noStrike">
               <a:solidFill>
                 <a:srgbClr val="000000"/>
               </a:solidFill>
@@ -13595,7 +13540,7 @@
               </a:rPr>
               <a:t>Not related to monetary values!</a:t>
             </a:r>
-            <a:endParaRPr b="0" lang="en-US" sz="1800" spc="-1" strike="noStrike">
+            <a:endParaRPr b="0" lang="en-GB" sz="1800" spc="-1" strike="noStrike">
               <a:solidFill>
                 <a:srgbClr val="000000"/>
               </a:solidFill>
@@ -13627,7 +13572,7 @@
               </a:rPr>
               <a:t>Means values in the sense of principles</a:t>
             </a:r>
-            <a:endParaRPr b="0" lang="en-US" sz="1800" spc="-1" strike="noStrike">
+            <a:endParaRPr b="0" lang="en-GB" sz="1800" spc="-1" strike="noStrike">
               <a:solidFill>
                 <a:srgbClr val="000000"/>
               </a:solidFill>
@@ -13659,7 +13604,7 @@
               </a:rPr>
               <a:t>Stakeholder A wants open source</a:t>
             </a:r>
-            <a:endParaRPr b="0" lang="en-US" sz="1600" spc="-1" strike="noStrike">
+            <a:endParaRPr b="0" lang="en-GB" sz="1600" spc="-1" strike="noStrike">
               <a:solidFill>
                 <a:srgbClr val="000000"/>
               </a:solidFill>
@@ -13691,7 +13636,7 @@
               </a:rPr>
               <a:t>Stakeholder B wants closed source</a:t>
             </a:r>
-            <a:endParaRPr b="0" lang="en-US" sz="1600" spc="-1" strike="noStrike">
+            <a:endParaRPr b="0" lang="en-GB" sz="1600" spc="-1" strike="noStrike">
               <a:solidFill>
                 <a:srgbClr val="000000"/>
               </a:solidFill>
@@ -13723,7 +13668,7 @@
               </a:rPr>
               <a:t>Relationship Conflict</a:t>
             </a:r>
-            <a:endParaRPr b="0" lang="en-US" sz="2000" spc="-1" strike="noStrike">
+            <a:endParaRPr b="0" lang="en-GB" sz="2000" spc="-1" strike="noStrike">
               <a:solidFill>
                 <a:srgbClr val="000000"/>
               </a:solidFill>
@@ -13755,7 +13700,7 @@
               </a:rPr>
               <a:t>Caused by stereotypical relationship concepts (“I just cannot stand the marketing guys”), communication deficits, or negative personal relationships</a:t>
             </a:r>
-            <a:endParaRPr b="0" lang="en-US" sz="1800" spc="-1" strike="noStrike">
+            <a:endParaRPr b="0" lang="en-GB" sz="1800" spc="-1" strike="noStrike">
               <a:solidFill>
                 <a:srgbClr val="000000"/>
               </a:solidFill>
@@ -13787,7 +13732,7 @@
               </a:rPr>
               <a:t>Stakeholder A and B are of equal importance</a:t>
             </a:r>
-            <a:endParaRPr b="0" lang="en-US" sz="1600" spc="-1" strike="noStrike">
+            <a:endParaRPr b="0" lang="en-GB" sz="1600" spc="-1" strike="noStrike">
               <a:solidFill>
                 <a:srgbClr val="000000"/>
               </a:solidFill>
@@ -13819,7 +13764,7 @@
               </a:rPr>
               <a:t>Stakeholder A tries to distinguish itself through forcing his requirements on the project</a:t>
             </a:r>
-            <a:endParaRPr b="0" lang="en-US" sz="1600" spc="-1" strike="noStrike">
+            <a:endParaRPr b="0" lang="en-GB" sz="1600" spc="-1" strike="noStrike">
               <a:solidFill>
                 <a:srgbClr val="000000"/>
               </a:solidFill>
@@ -13867,7 +13812,7 @@
         <p:spPr>
           <a:xfrm>
             <a:off x="542880" y="721800"/>
-            <a:ext cx="10356120" cy="496800"/>
+            <a:ext cx="10355760" cy="496440"/>
           </a:xfrm>
           <a:prstGeom prst="rect">
             <a:avLst/>
@@ -13903,7 +13848,7 @@
               </a:rPr>
               <a:t>Conflict Management</a:t>
             </a:r>
-            <a:endParaRPr b="0" lang="en-US" sz="2200" spc="-1" strike="noStrike">
+            <a:endParaRPr b="0" lang="en-GB" sz="2200" spc="-1" strike="noStrike">
               <a:solidFill>
                 <a:srgbClr val="000000"/>
               </a:solidFill>
@@ -13921,7 +13866,7 @@
         <p:spPr>
           <a:xfrm>
             <a:off x="542880" y="1267200"/>
-            <a:ext cx="10356120" cy="496800"/>
+            <a:ext cx="10355760" cy="496440"/>
           </a:xfrm>
           <a:prstGeom prst="rect">
             <a:avLst/>
@@ -13957,7 +13902,7 @@
               </a:rPr>
               <a:t>Conflict Analysis – Types of Conflicts</a:t>
             </a:r>
-            <a:endParaRPr b="0" lang="en-US" sz="2200" spc="-1" strike="noStrike">
+            <a:endParaRPr b="0" lang="en-GB" sz="2200" spc="-1" strike="noStrike">
               <a:solidFill>
                 <a:srgbClr val="000000"/>
               </a:solidFill>
@@ -13975,7 +13920,7 @@
         <p:spPr>
           <a:xfrm>
             <a:off x="451800" y="1709280"/>
-            <a:ext cx="8223480" cy="4351680"/>
+            <a:ext cx="8223120" cy="4351320"/>
           </a:xfrm>
           <a:prstGeom prst="rect">
             <a:avLst/>
@@ -13996,11 +13941,17 @@
             <a:noAutofit/>
           </a:bodyPr>
           <a:p>
+            <a:pPr>
+              <a:lnSpc>
+                <a:spcPct val="100000"/>
+              </a:lnSpc>
+            </a:pPr>
             <a:endParaRPr b="0" lang="en-US" sz="1800" spc="-1" strike="noStrike">
               <a:solidFill>
                 <a:srgbClr val="000000"/>
               </a:solidFill>
               <a:latin typeface="Arial"/>
+              <a:ea typeface="DejaVu Sans"/>
             </a:endParaRPr>
           </a:p>
         </p:txBody>
@@ -14018,7 +13969,7 @@
         <p:spPr>
           <a:xfrm>
             <a:off x="609480" y="1769400"/>
-            <a:ext cx="10586520" cy="4854600"/>
+            <a:ext cx="10586160" cy="4854240"/>
           </a:xfrm>
           <a:prstGeom prst="rect">
             <a:avLst/>
@@ -14057,7 +14008,7 @@
               </a:rPr>
               <a:t>Structural Conflict</a:t>
             </a:r>
-            <a:endParaRPr b="0" lang="en-US" sz="2000" spc="-1" strike="noStrike">
+            <a:endParaRPr b="0" lang="en-GB" sz="2000" spc="-1" strike="noStrike">
               <a:solidFill>
                 <a:srgbClr val="000000"/>
               </a:solidFill>
@@ -14089,7 +14040,7 @@
               </a:rPr>
               <a:t>Caused by unequal levels of power</a:t>
             </a:r>
-            <a:endParaRPr b="0" lang="en-US" sz="1800" spc="-1" strike="noStrike">
+            <a:endParaRPr b="0" lang="en-GB" sz="1800" spc="-1" strike="noStrike">
               <a:solidFill>
                 <a:srgbClr val="000000"/>
               </a:solidFill>
@@ -14121,7 +14072,7 @@
               </a:rPr>
               <a:t>Superior rejects all input of an employee invariable</a:t>
             </a:r>
-            <a:endParaRPr b="0" lang="en-US" sz="1600" spc="-1" strike="noStrike">
+            <a:endParaRPr b="0" lang="en-GB" sz="1600" spc="-1" strike="noStrike">
               <a:solidFill>
                 <a:srgbClr val="000000"/>
               </a:solidFill>
@@ -14153,7 +14104,7 @@
               </a:rPr>
               <a:t>Important stakeholder A completely rejects opinions and suppresses requirements of less important stakeholder B</a:t>
             </a:r>
-            <a:endParaRPr b="0" lang="en-US" sz="1600" spc="-1" strike="noStrike">
+            <a:endParaRPr b="0" lang="en-GB" sz="1600" spc="-1" strike="noStrike">
               <a:solidFill>
                 <a:srgbClr val="000000"/>
               </a:solidFill>
@@ -14185,7 +14136,7 @@
               </a:rPr>
               <a:t>Mixed reasons</a:t>
             </a:r>
-            <a:endParaRPr b="0" lang="en-US" sz="2000" spc="-1" strike="noStrike">
+            <a:endParaRPr b="0" lang="en-GB" sz="2000" spc="-1" strike="noStrike">
               <a:solidFill>
                 <a:srgbClr val="000000"/>
               </a:solidFill>
@@ -14217,7 +14168,7 @@
               </a:rPr>
               <a:t>Often a clear classification not possible</a:t>
             </a:r>
-            <a:endParaRPr b="0" lang="en-US" sz="1800" spc="-1" strike="noStrike">
+            <a:endParaRPr b="0" lang="en-GB" sz="1800" spc="-1" strike="noStrike">
               <a:solidFill>
                 <a:srgbClr val="000000"/>
               </a:solidFill>
@@ -14249,7 +14200,7 @@
               </a:rPr>
               <a:t>Stakeholder A wants open source due to their principles, but also due to cost objectives</a:t>
             </a:r>
-            <a:endParaRPr b="0" lang="en-US" sz="1600" spc="-1" strike="noStrike">
+            <a:endParaRPr b="0" lang="en-GB" sz="1600" spc="-1" strike="noStrike">
               <a:solidFill>
                 <a:srgbClr val="000000"/>
               </a:solidFill>
@@ -14281,7 +14232,7 @@
               </a:rPr>
               <a:t>Stakeholder B wants closed source due to their principles and does not care about potentially higher costs</a:t>
             </a:r>
-            <a:endParaRPr b="0" lang="en-US" sz="1600" spc="-1" strike="noStrike">
+            <a:endParaRPr b="0" lang="en-GB" sz="1600" spc="-1" strike="noStrike">
               <a:solidFill>
                 <a:srgbClr val="000000"/>
               </a:solidFill>
@@ -14321,7 +14272,7 @@
               </a:rPr>
               <a:t>Both conflict of interest and conflict of values</a:t>
             </a:r>
-            <a:endParaRPr b="0" lang="en-US" sz="2000" spc="-1" strike="noStrike">
+            <a:endParaRPr b="0" lang="en-GB" sz="2000" spc="-1" strike="noStrike">
               <a:solidFill>
                 <a:srgbClr val="000000"/>
               </a:solidFill>
@@ -14369,7 +14320,7 @@
         <p:spPr>
           <a:xfrm>
             <a:off x="542880" y="721800"/>
-            <a:ext cx="10356120" cy="496800"/>
+            <a:ext cx="10355760" cy="496440"/>
           </a:xfrm>
           <a:prstGeom prst="rect">
             <a:avLst/>
@@ -14405,7 +14356,7 @@
               </a:rPr>
               <a:t>Conflict Management</a:t>
             </a:r>
-            <a:endParaRPr b="0" lang="en-US" sz="2200" spc="-1" strike="noStrike">
+            <a:endParaRPr b="0" lang="en-GB" sz="2200" spc="-1" strike="noStrike">
               <a:solidFill>
                 <a:srgbClr val="000000"/>
               </a:solidFill>
@@ -14423,7 +14374,7 @@
         <p:spPr>
           <a:xfrm>
             <a:off x="542880" y="1267200"/>
-            <a:ext cx="10356120" cy="496800"/>
+            <a:ext cx="10355760" cy="496440"/>
           </a:xfrm>
           <a:prstGeom prst="rect">
             <a:avLst/>
@@ -14459,7 +14410,7 @@
               </a:rPr>
               <a:t>Conflict Resolution</a:t>
             </a:r>
-            <a:endParaRPr b="0" lang="en-US" sz="2200" spc="-1" strike="noStrike">
+            <a:endParaRPr b="0" lang="en-GB" sz="2200" spc="-1" strike="noStrike">
               <a:solidFill>
                 <a:srgbClr val="000000"/>
               </a:solidFill>
@@ -14477,7 +14428,7 @@
         <p:spPr>
           <a:xfrm>
             <a:off x="451800" y="1709280"/>
-            <a:ext cx="8223480" cy="4351680"/>
+            <a:ext cx="8223120" cy="4351320"/>
           </a:xfrm>
           <a:prstGeom prst="rect">
             <a:avLst/>
@@ -14498,11 +14449,17 @@
             <a:noAutofit/>
           </a:bodyPr>
           <a:p>
+            <a:pPr>
+              <a:lnSpc>
+                <a:spcPct val="100000"/>
+              </a:lnSpc>
+            </a:pPr>
             <a:endParaRPr b="0" lang="en-US" sz="1800" spc="-1" strike="noStrike">
               <a:solidFill>
                 <a:srgbClr val="000000"/>
               </a:solidFill>
               <a:latin typeface="Arial"/>
+              <a:ea typeface="DejaVu Sans"/>
             </a:endParaRPr>
           </a:p>
         </p:txBody>
@@ -14520,7 +14477,7 @@
         <p:spPr>
           <a:xfrm>
             <a:off x="609480" y="1769400"/>
-            <a:ext cx="10586520" cy="4854600"/>
+            <a:ext cx="10586160" cy="4854240"/>
           </a:xfrm>
           <a:prstGeom prst="rect">
             <a:avLst/>
@@ -14535,7 +14492,7 @@
             <a:normAutofit fontScale="91000"/>
           </a:bodyPr>
           <a:p>
-            <a:pPr marL="216000" indent="-216000">
+            <a:pPr marL="215640" indent="-215640">
               <a:lnSpc>
                 <a:spcPct val="100000"/>
               </a:lnSpc>
@@ -14559,15 +14516,15 @@
               </a:rPr>
               <a:t>Most important part of the conflict management</a:t>
             </a:r>
-            <a:endParaRPr b="0" lang="en-US" sz="2000" spc="-1" strike="noStrike">
-              <a:solidFill>
-                <a:srgbClr val="000000"/>
-              </a:solidFill>
-              <a:latin typeface="Arial"/>
-            </a:endParaRPr>
-          </a:p>
-          <a:p>
-            <a:pPr lvl="1" marL="432000" indent="-216000">
+            <a:endParaRPr b="0" lang="en-GB" sz="2000" spc="-1" strike="noStrike">
+              <a:solidFill>
+                <a:srgbClr val="000000"/>
+              </a:solidFill>
+              <a:latin typeface="Arial"/>
+            </a:endParaRPr>
+          </a:p>
+          <a:p>
+            <a:pPr lvl="1" marL="431640" indent="-215640">
               <a:lnSpc>
                 <a:spcPct val="100000"/>
               </a:lnSpc>
@@ -14591,15 +14548,15 @@
               </a:rPr>
               <a:t>Fair resolution leads to acceptance by all stakeholders</a:t>
             </a:r>
-            <a:endParaRPr b="0" lang="en-US" sz="1800" spc="-1" strike="noStrike">
-              <a:solidFill>
-                <a:srgbClr val="000000"/>
-              </a:solidFill>
-              <a:latin typeface="Arial"/>
-            </a:endParaRPr>
-          </a:p>
-          <a:p>
-            <a:pPr lvl="1" marL="432000" indent="-216000">
+            <a:endParaRPr b="0" lang="en-GB" sz="1800" spc="-1" strike="noStrike">
+              <a:solidFill>
+                <a:srgbClr val="000000"/>
+              </a:solidFill>
+              <a:latin typeface="Arial"/>
+            </a:endParaRPr>
+          </a:p>
+          <a:p>
+            <a:pPr lvl="1" marL="431640" indent="-215640">
               <a:lnSpc>
                 <a:spcPct val="100000"/>
               </a:lnSpc>
@@ -14623,15 +14580,15 @@
               </a:rPr>
               <a:t>Should involve all relevant stakeholders</a:t>
             </a:r>
-            <a:endParaRPr b="0" lang="en-US" sz="1800" spc="-1" strike="noStrike">
-              <a:solidFill>
-                <a:srgbClr val="000000"/>
-              </a:solidFill>
-              <a:latin typeface="Arial"/>
-            </a:endParaRPr>
-          </a:p>
-          <a:p>
-            <a:pPr marL="216000" indent="-216000">
+            <a:endParaRPr b="0" lang="en-GB" sz="1800" spc="-1" strike="noStrike">
+              <a:solidFill>
+                <a:srgbClr val="000000"/>
+              </a:solidFill>
+              <a:latin typeface="Arial"/>
+            </a:endParaRPr>
+          </a:p>
+          <a:p>
+            <a:pPr marL="215640" indent="-215640">
               <a:lnSpc>
                 <a:spcPct val="100000"/>
               </a:lnSpc>
@@ -14655,15 +14612,15 @@
               </a:rPr>
               <a:t>Various conflict resolution techniques</a:t>
             </a:r>
-            <a:endParaRPr b="0" lang="en-US" sz="2000" spc="-1" strike="noStrike">
-              <a:solidFill>
-                <a:srgbClr val="000000"/>
-              </a:solidFill>
-              <a:latin typeface="Arial"/>
-            </a:endParaRPr>
-          </a:p>
-          <a:p>
-            <a:pPr lvl="1" marL="432000" indent="-216000">
+            <a:endParaRPr b="0" lang="en-GB" sz="2000" spc="-1" strike="noStrike">
+              <a:solidFill>
+                <a:srgbClr val="000000"/>
+              </a:solidFill>
+              <a:latin typeface="Arial"/>
+            </a:endParaRPr>
+          </a:p>
+          <a:p>
+            <a:pPr lvl="1" marL="431640" indent="-215640">
               <a:lnSpc>
                 <a:spcPct val="100000"/>
               </a:lnSpc>
@@ -14687,15 +14644,15 @@
               </a:rPr>
               <a:t>Agreement</a:t>
             </a:r>
-            <a:endParaRPr b="0" lang="en-US" sz="1800" spc="-1" strike="noStrike">
-              <a:solidFill>
-                <a:srgbClr val="000000"/>
-              </a:solidFill>
-              <a:latin typeface="Arial"/>
-            </a:endParaRPr>
-          </a:p>
-          <a:p>
-            <a:pPr lvl="1" marL="432000" indent="-216000">
+            <a:endParaRPr b="0" lang="en-GB" sz="1800" spc="-1" strike="noStrike">
+              <a:solidFill>
+                <a:srgbClr val="000000"/>
+              </a:solidFill>
+              <a:latin typeface="Arial"/>
+            </a:endParaRPr>
+          </a:p>
+          <a:p>
+            <a:pPr lvl="1" marL="431640" indent="-215640">
               <a:lnSpc>
                 <a:spcPct val="100000"/>
               </a:lnSpc>
@@ -14719,15 +14676,15 @@
               </a:rPr>
               <a:t>Compromise</a:t>
             </a:r>
-            <a:endParaRPr b="0" lang="en-US" sz="1800" spc="-1" strike="noStrike">
-              <a:solidFill>
-                <a:srgbClr val="000000"/>
-              </a:solidFill>
-              <a:latin typeface="Arial"/>
-            </a:endParaRPr>
-          </a:p>
-          <a:p>
-            <a:pPr lvl="1" marL="432000" indent="-216000">
+            <a:endParaRPr b="0" lang="en-GB" sz="1800" spc="-1" strike="noStrike">
+              <a:solidFill>
+                <a:srgbClr val="000000"/>
+              </a:solidFill>
+              <a:latin typeface="Arial"/>
+            </a:endParaRPr>
+          </a:p>
+          <a:p>
+            <a:pPr lvl="1" marL="431640" indent="-215640">
               <a:lnSpc>
                 <a:spcPct val="100000"/>
               </a:lnSpc>
@@ -14751,15 +14708,15 @@
               </a:rPr>
               <a:t>Voting</a:t>
             </a:r>
-            <a:endParaRPr b="0" lang="en-US" sz="1800" spc="-1" strike="noStrike">
-              <a:solidFill>
-                <a:srgbClr val="000000"/>
-              </a:solidFill>
-              <a:latin typeface="Arial"/>
-            </a:endParaRPr>
-          </a:p>
-          <a:p>
-            <a:pPr lvl="1" marL="432000" indent="-216000">
+            <a:endParaRPr b="0" lang="en-GB" sz="1800" spc="-1" strike="noStrike">
+              <a:solidFill>
+                <a:srgbClr val="000000"/>
+              </a:solidFill>
+              <a:latin typeface="Arial"/>
+            </a:endParaRPr>
+          </a:p>
+          <a:p>
+            <a:pPr lvl="1" marL="431640" indent="-215640">
               <a:lnSpc>
                 <a:spcPct val="100000"/>
               </a:lnSpc>
@@ -14783,15 +14740,15 @@
               </a:rPr>
               <a:t>Definition of variants</a:t>
             </a:r>
-            <a:endParaRPr b="0" lang="en-US" sz="1800" spc="-1" strike="noStrike">
-              <a:solidFill>
-                <a:srgbClr val="000000"/>
-              </a:solidFill>
-              <a:latin typeface="Arial"/>
-            </a:endParaRPr>
-          </a:p>
-          <a:p>
-            <a:pPr lvl="1" marL="432000" indent="-216000">
+            <a:endParaRPr b="0" lang="en-GB" sz="1800" spc="-1" strike="noStrike">
+              <a:solidFill>
+                <a:srgbClr val="000000"/>
+              </a:solidFill>
+              <a:latin typeface="Arial"/>
+            </a:endParaRPr>
+          </a:p>
+          <a:p>
+            <a:pPr lvl="1" marL="431640" indent="-215640">
               <a:lnSpc>
                 <a:spcPct val="100000"/>
               </a:lnSpc>
@@ -14815,15 +14772,15 @@
               </a:rPr>
               <a:t>Overruling</a:t>
             </a:r>
-            <a:endParaRPr b="0" lang="en-US" sz="1800" spc="-1" strike="noStrike">
-              <a:solidFill>
-                <a:srgbClr val="000000"/>
-              </a:solidFill>
-              <a:latin typeface="Arial"/>
-            </a:endParaRPr>
-          </a:p>
-          <a:p>
-            <a:pPr lvl="1" marL="432000" indent="-216000">
+            <a:endParaRPr b="0" lang="en-GB" sz="1800" spc="-1" strike="noStrike">
+              <a:solidFill>
+                <a:srgbClr val="000000"/>
+              </a:solidFill>
+              <a:latin typeface="Arial"/>
+            </a:endParaRPr>
+          </a:p>
+          <a:p>
+            <a:pPr lvl="1" marL="431640" indent="-215640">
               <a:lnSpc>
                 <a:spcPct val="100000"/>
               </a:lnSpc>
@@ -14847,15 +14804,15 @@
               </a:rPr>
               <a:t>Consider-all-facts</a:t>
             </a:r>
-            <a:endParaRPr b="0" lang="en-US" sz="1800" spc="-1" strike="noStrike">
-              <a:solidFill>
-                <a:srgbClr val="000000"/>
-              </a:solidFill>
-              <a:latin typeface="Arial"/>
-            </a:endParaRPr>
-          </a:p>
-          <a:p>
-            <a:pPr lvl="1" marL="432000" indent="-216000">
+            <a:endParaRPr b="0" lang="en-GB" sz="1800" spc="-1" strike="noStrike">
+              <a:solidFill>
+                <a:srgbClr val="000000"/>
+              </a:solidFill>
+              <a:latin typeface="Arial"/>
+            </a:endParaRPr>
+          </a:p>
+          <a:p>
+            <a:pPr lvl="1" marL="431640" indent="-215640">
               <a:lnSpc>
                 <a:spcPct val="100000"/>
               </a:lnSpc>
@@ -14879,15 +14836,15 @@
               </a:rPr>
               <a:t>Plus-minus-interesting</a:t>
             </a:r>
-            <a:endParaRPr b="0" lang="en-US" sz="1800" spc="-1" strike="noStrike">
-              <a:solidFill>
-                <a:srgbClr val="000000"/>
-              </a:solidFill>
-              <a:latin typeface="Arial"/>
-            </a:endParaRPr>
-          </a:p>
-          <a:p>
-            <a:pPr lvl="1" marL="432000" indent="-216000">
+            <a:endParaRPr b="0" lang="en-GB" sz="1800" spc="-1" strike="noStrike">
+              <a:solidFill>
+                <a:srgbClr val="000000"/>
+              </a:solidFill>
+              <a:latin typeface="Arial"/>
+            </a:endParaRPr>
+          </a:p>
+          <a:p>
+            <a:pPr lvl="1" marL="431640" indent="-215640">
               <a:lnSpc>
                 <a:spcPct val="100000"/>
               </a:lnSpc>
@@ -14911,7 +14868,7 @@
               </a:rPr>
               <a:t>Decision matrix</a:t>
             </a:r>
-            <a:endParaRPr b="0" lang="en-US" sz="1800" spc="-1" strike="noStrike">
+            <a:endParaRPr b="0" lang="en-GB" sz="1800" spc="-1" strike="noStrike">
               <a:solidFill>
                 <a:srgbClr val="000000"/>
               </a:solidFill>
@@ -14959,7 +14916,7 @@
         <p:spPr>
           <a:xfrm>
             <a:off x="542880" y="721800"/>
-            <a:ext cx="10356120" cy="496800"/>
+            <a:ext cx="10355760" cy="496440"/>
           </a:xfrm>
           <a:prstGeom prst="rect">
             <a:avLst/>
@@ -14995,7 +14952,7 @@
               </a:rPr>
               <a:t>Conflict Management</a:t>
             </a:r>
-            <a:endParaRPr b="0" lang="en-US" sz="2200" spc="-1" strike="noStrike">
+            <a:endParaRPr b="0" lang="en-GB" sz="2200" spc="-1" strike="noStrike">
               <a:solidFill>
                 <a:srgbClr val="000000"/>
               </a:solidFill>
@@ -15013,7 +14970,7 @@
         <p:spPr>
           <a:xfrm>
             <a:off x="542880" y="1267200"/>
-            <a:ext cx="10356120" cy="496800"/>
+            <a:ext cx="10355760" cy="496440"/>
           </a:xfrm>
           <a:prstGeom prst="rect">
             <a:avLst/>
@@ -15049,7 +15006,7 @@
               </a:rPr>
               <a:t>Conflict Resolution – Techniques </a:t>
             </a:r>
-            <a:endParaRPr b="0" lang="en-US" sz="2200" spc="-1" strike="noStrike">
+            <a:endParaRPr b="0" lang="en-GB" sz="2200" spc="-1" strike="noStrike">
               <a:solidFill>
                 <a:srgbClr val="000000"/>
               </a:solidFill>
@@ -15067,7 +15024,7 @@
         <p:spPr>
           <a:xfrm>
             <a:off x="451800" y="1709280"/>
-            <a:ext cx="8223480" cy="4351680"/>
+            <a:ext cx="8223120" cy="4351320"/>
           </a:xfrm>
           <a:prstGeom prst="rect">
             <a:avLst/>
@@ -15088,11 +15045,17 @@
             <a:noAutofit/>
           </a:bodyPr>
           <a:p>
+            <a:pPr>
+              <a:lnSpc>
+                <a:spcPct val="100000"/>
+              </a:lnSpc>
+            </a:pPr>
             <a:endParaRPr b="0" lang="en-US" sz="1800" spc="-1" strike="noStrike">
               <a:solidFill>
                 <a:srgbClr val="000000"/>
               </a:solidFill>
               <a:latin typeface="Arial"/>
+              <a:ea typeface="DejaVu Sans"/>
             </a:endParaRPr>
           </a:p>
         </p:txBody>
@@ -15110,7 +15073,7 @@
         <p:spPr>
           <a:xfrm>
             <a:off x="609480" y="1769400"/>
-            <a:ext cx="10586520" cy="4854600"/>
+            <a:ext cx="10586160" cy="4854240"/>
           </a:xfrm>
           <a:prstGeom prst="rect">
             <a:avLst/>
@@ -15149,7 +15112,7 @@
               </a:rPr>
               <a:t>Agreement</a:t>
             </a:r>
-            <a:endParaRPr b="0" lang="en-US" sz="2000" spc="-1" strike="noStrike">
+            <a:endParaRPr b="0" lang="en-GB" sz="2000" spc="-1" strike="noStrike">
               <a:solidFill>
                 <a:srgbClr val="000000"/>
               </a:solidFill>
@@ -15181,7 +15144,7 @@
               </a:rPr>
               <a:t>All conflict parties negotiate a solution to the conflict</a:t>
             </a:r>
-            <a:endParaRPr b="0" lang="en-US" sz="1800" spc="-1" strike="noStrike">
+            <a:endParaRPr b="0" lang="en-GB" sz="1800" spc="-1" strike="noStrike">
               <a:solidFill>
                 <a:srgbClr val="000000"/>
               </a:solidFill>
@@ -15213,7 +15176,7 @@
               </a:rPr>
               <a:t>Exchange of information, ideas, arguments, and opinions</a:t>
             </a:r>
-            <a:endParaRPr b="0" lang="en-US" sz="1800" spc="-1" strike="noStrike">
+            <a:endParaRPr b="0" lang="en-GB" sz="1800" spc="-1" strike="noStrike">
               <a:solidFill>
                 <a:srgbClr val="000000"/>
               </a:solidFill>
@@ -15245,7 +15208,7 @@
               </a:rPr>
               <a:t>Results in an agreeable solution for everyone</a:t>
             </a:r>
-            <a:endParaRPr b="0" lang="en-US" sz="1800" spc="-1" strike="noStrike">
+            <a:endParaRPr b="0" lang="en-GB" sz="1800" spc="-1" strike="noStrike">
               <a:solidFill>
                 <a:srgbClr val="000000"/>
               </a:solidFill>
@@ -15277,7 +15240,7 @@
               </a:rPr>
               <a:t>One of the alternatives is selected</a:t>
             </a:r>
-            <a:endParaRPr b="0" lang="en-US" sz="1600" spc="-1" strike="noStrike">
+            <a:endParaRPr b="0" lang="en-GB" sz="1600" spc="-1" strike="noStrike">
               <a:solidFill>
                 <a:srgbClr val="000000"/>
               </a:solidFill>
@@ -15309,7 +15272,7 @@
               </a:rPr>
               <a:t>Compromise</a:t>
             </a:r>
-            <a:endParaRPr b="0" lang="en-US" sz="2000" spc="-1" strike="noStrike">
+            <a:endParaRPr b="0" lang="en-GB" sz="2000" spc="-1" strike="noStrike">
               <a:solidFill>
                 <a:srgbClr val="000000"/>
               </a:solidFill>
@@ -15341,7 +15304,7 @@
               </a:rPr>
               <a:t>All conflict parties try to find a compromise between alternative solutions</a:t>
             </a:r>
-            <a:endParaRPr b="0" lang="en-US" sz="1800" spc="-1" strike="noStrike">
+            <a:endParaRPr b="0" lang="en-GB" sz="1800" spc="-1" strike="noStrike">
               <a:solidFill>
                 <a:srgbClr val="000000"/>
               </a:solidFill>
@@ -15373,7 +15336,7 @@
               </a:rPr>
               <a:t>Difference to agreement:</a:t>
             </a:r>
-            <a:endParaRPr b="0" lang="en-US" sz="1800" spc="-1" strike="noStrike">
+            <a:endParaRPr b="0" lang="en-GB" sz="1800" spc="-1" strike="noStrike">
               <a:solidFill>
                 <a:srgbClr val="000000"/>
               </a:solidFill>
@@ -15405,7 +15368,7 @@
               </a:rPr>
               <a:t>Mix and match different parts of alternate solutions</a:t>
             </a:r>
-            <a:endParaRPr b="0" lang="en-US" sz="1600" spc="-1" strike="noStrike">
+            <a:endParaRPr b="0" lang="en-GB" sz="1600" spc="-1" strike="noStrike">
               <a:solidFill>
                 <a:srgbClr val="000000"/>
               </a:solidFill>
@@ -15437,7 +15400,7 @@
               </a:rPr>
               <a:t>Possibly a completely new alternative solution</a:t>
             </a:r>
-            <a:endParaRPr b="0" lang="en-US" sz="1600" spc="-1" strike="noStrike">
+            <a:endParaRPr b="0" lang="en-GB" sz="1600" spc="-1" strike="noStrike">
               <a:solidFill>
                 <a:srgbClr val="000000"/>
               </a:solidFill>
@@ -15485,7 +15448,7 @@
         <p:spPr>
           <a:xfrm>
             <a:off x="542880" y="721800"/>
-            <a:ext cx="10356120" cy="496800"/>
+            <a:ext cx="10355760" cy="496440"/>
           </a:xfrm>
           <a:prstGeom prst="rect">
             <a:avLst/>
@@ -15521,7 +15484,7 @@
               </a:rPr>
               <a:t>Conflict Management</a:t>
             </a:r>
-            <a:endParaRPr b="0" lang="en-US" sz="2200" spc="-1" strike="noStrike">
+            <a:endParaRPr b="0" lang="en-GB" sz="2200" spc="-1" strike="noStrike">
               <a:solidFill>
                 <a:srgbClr val="000000"/>
               </a:solidFill>
@@ -15539,7 +15502,7 @@
         <p:spPr>
           <a:xfrm>
             <a:off x="542880" y="1267200"/>
-            <a:ext cx="10356120" cy="496800"/>
+            <a:ext cx="10355760" cy="496440"/>
           </a:xfrm>
           <a:prstGeom prst="rect">
             <a:avLst/>
@@ -15575,7 +15538,7 @@
               </a:rPr>
               <a:t>Conflict Resolution – Techniques </a:t>
             </a:r>
-            <a:endParaRPr b="0" lang="en-US" sz="2200" spc="-1" strike="noStrike">
+            <a:endParaRPr b="0" lang="en-GB" sz="2200" spc="-1" strike="noStrike">
               <a:solidFill>
                 <a:srgbClr val="000000"/>
               </a:solidFill>
@@ -15593,7 +15556,7 @@
         <p:spPr>
           <a:xfrm>
             <a:off x="451800" y="1709280"/>
-            <a:ext cx="8223480" cy="4351680"/>
+            <a:ext cx="8223120" cy="4351320"/>
           </a:xfrm>
           <a:prstGeom prst="rect">
             <a:avLst/>
@@ -15614,11 +15577,17 @@
             <a:noAutofit/>
           </a:bodyPr>
           <a:p>
+            <a:pPr>
+              <a:lnSpc>
+                <a:spcPct val="100000"/>
+              </a:lnSpc>
+            </a:pPr>
             <a:endParaRPr b="0" lang="en-US" sz="1800" spc="-1" strike="noStrike">
               <a:solidFill>
                 <a:srgbClr val="000000"/>
               </a:solidFill>
               <a:latin typeface="Arial"/>
+              <a:ea typeface="DejaVu Sans"/>
             </a:endParaRPr>
           </a:p>
         </p:txBody>
@@ -15636,7 +15605,7 @@
         <p:spPr>
           <a:xfrm>
             <a:off x="609480" y="1769400"/>
-            <a:ext cx="10586520" cy="4854600"/>
+            <a:ext cx="10586160" cy="4854240"/>
           </a:xfrm>
           <a:prstGeom prst="rect">
             <a:avLst/>
@@ -15675,7 +15644,7 @@
               </a:rPr>
               <a:t>Voting</a:t>
             </a:r>
-            <a:endParaRPr b="0" lang="en-US" sz="2000" spc="-1" strike="noStrike">
+            <a:endParaRPr b="0" lang="en-GB" sz="2000" spc="-1" strike="noStrike">
               <a:solidFill>
                 <a:srgbClr val="000000"/>
               </a:solidFill>
@@ -15707,7 +15676,7 @@
               </a:rPr>
               <a:t>All possible solution alternatives are presented to the relevant stakeholders</a:t>
             </a:r>
-            <a:endParaRPr b="0" lang="en-US" sz="1800" spc="-1" strike="noStrike">
+            <a:endParaRPr b="0" lang="en-GB" sz="1800" spc="-1" strike="noStrike">
               <a:solidFill>
                 <a:srgbClr val="000000"/>
               </a:solidFill>
@@ -15739,7 +15708,7 @@
               </a:rPr>
               <a:t>All conflict parties vote on solution alternatives</a:t>
             </a:r>
-            <a:endParaRPr b="0" lang="en-US" sz="1800" spc="-1" strike="noStrike">
+            <a:endParaRPr b="0" lang="en-GB" sz="1800" spc="-1" strike="noStrike">
               <a:solidFill>
                 <a:srgbClr val="000000"/>
               </a:solidFill>
@@ -15771,7 +15740,7 @@
               </a:rPr>
               <a:t>Alternative with the most votes is the accepted solution</a:t>
             </a:r>
-            <a:endParaRPr b="0" lang="en-US" sz="1800" spc="-1" strike="noStrike">
+            <a:endParaRPr b="0" lang="en-GB" sz="1800" spc="-1" strike="noStrike">
               <a:solidFill>
                 <a:srgbClr val="000000"/>
               </a:solidFill>
@@ -15791,7 +15760,7 @@
                 <a:tab algn="l" pos="0"/>
               </a:tabLst>
             </a:pPr>
-            <a:endParaRPr b="0" lang="en-US" sz="1800" spc="-1" strike="noStrike">
+            <a:endParaRPr b="0" lang="en-GB" sz="1800" spc="-1" strike="noStrike">
               <a:solidFill>
                 <a:srgbClr val="000000"/>
               </a:solidFill>
@@ -15826,7 +15795,7 @@
               </a:rPr>
               <a:t>Definition of variants</a:t>
             </a:r>
-            <a:endParaRPr b="0" lang="en-US" sz="2000" spc="-1" strike="noStrike">
+            <a:endParaRPr b="0" lang="en-GB" sz="2000" spc="-1" strike="noStrike">
               <a:solidFill>
                 <a:srgbClr val="000000"/>
               </a:solidFill>
@@ -15861,7 +15830,7 @@
               </a:rPr>
               <a:t>The system is developed to allow multiple alternatives through configuration</a:t>
             </a:r>
-            <a:endParaRPr b="0" lang="en-US" sz="1800" spc="-1" strike="noStrike">
+            <a:endParaRPr b="0" lang="en-GB" sz="1800" spc="-1" strike="noStrike">
               <a:solidFill>
                 <a:srgbClr val="000000"/>
               </a:solidFill>
@@ -15896,7 +15865,7 @@
               </a:rPr>
               <a:t>System directly satisfies the needs of the stakeholder without restrictions</a:t>
             </a:r>
-            <a:endParaRPr b="0" lang="en-US" sz="1600" spc="-1" strike="noStrike">
+            <a:endParaRPr b="0" lang="en-GB" sz="1600" spc="-1" strike="noStrike">
               <a:solidFill>
                 <a:srgbClr val="000000"/>
               </a:solidFill>
@@ -15931,7 +15900,7 @@
               </a:rPr>
               <a:t>Usually associated with higher costs</a:t>
             </a:r>
-            <a:endParaRPr b="0" lang="en-US" sz="1600" spc="-1" strike="noStrike">
+            <a:endParaRPr b="0" lang="en-GB" sz="1600" spc="-1" strike="noStrike">
               <a:solidFill>
                 <a:srgbClr val="000000"/>
               </a:solidFill>
@@ -15979,7 +15948,7 @@
         <p:spPr>
           <a:xfrm>
             <a:off x="542880" y="721800"/>
-            <a:ext cx="10356120" cy="496800"/>
+            <a:ext cx="10355760" cy="496440"/>
           </a:xfrm>
           <a:prstGeom prst="rect">
             <a:avLst/>
@@ -16015,7 +15984,7 @@
               </a:rPr>
               <a:t>Conflict Management</a:t>
             </a:r>
-            <a:endParaRPr b="0" lang="en-US" sz="2200" spc="-1" strike="noStrike">
+            <a:endParaRPr b="0" lang="en-GB" sz="2200" spc="-1" strike="noStrike">
               <a:solidFill>
                 <a:srgbClr val="000000"/>
               </a:solidFill>
@@ -16033,7 +16002,7 @@
         <p:spPr>
           <a:xfrm>
             <a:off x="542880" y="1267200"/>
-            <a:ext cx="10356120" cy="496800"/>
+            <a:ext cx="10355760" cy="496440"/>
           </a:xfrm>
           <a:prstGeom prst="rect">
             <a:avLst/>
@@ -16069,7 +16038,7 @@
               </a:rPr>
               <a:t>Conflict Resolution – Techniques </a:t>
             </a:r>
-            <a:endParaRPr b="0" lang="en-US" sz="2200" spc="-1" strike="noStrike">
+            <a:endParaRPr b="0" lang="en-GB" sz="2200" spc="-1" strike="noStrike">
               <a:solidFill>
                 <a:srgbClr val="000000"/>
               </a:solidFill>
@@ -16087,7 +16056,7 @@
         <p:spPr>
           <a:xfrm>
             <a:off x="451800" y="1709280"/>
-            <a:ext cx="8223480" cy="4351680"/>
+            <a:ext cx="8223120" cy="4351320"/>
           </a:xfrm>
           <a:prstGeom prst="rect">
             <a:avLst/>
@@ -16108,11 +16077,17 @@
             <a:noAutofit/>
           </a:bodyPr>
           <a:p>
+            <a:pPr>
+              <a:lnSpc>
+                <a:spcPct val="100000"/>
+              </a:lnSpc>
+            </a:pPr>
             <a:endParaRPr b="0" lang="en-US" sz="1800" spc="-1" strike="noStrike">
               <a:solidFill>
                 <a:srgbClr val="000000"/>
               </a:solidFill>
               <a:latin typeface="Arial"/>
+              <a:ea typeface="DejaVu Sans"/>
             </a:endParaRPr>
           </a:p>
         </p:txBody>
@@ -16130,7 +16105,7 @@
         <p:spPr>
           <a:xfrm>
             <a:off x="609480" y="1769400"/>
-            <a:ext cx="10586520" cy="4854600"/>
+            <a:ext cx="10586160" cy="4854240"/>
           </a:xfrm>
           <a:prstGeom prst="rect">
             <a:avLst/>
@@ -16169,7 +16144,7 @@
               </a:rPr>
               <a:t>Overruling</a:t>
             </a:r>
-            <a:endParaRPr b="0" lang="en-US" sz="2000" spc="-1" strike="noStrike">
+            <a:endParaRPr b="0" lang="en-GB" sz="2000" spc="-1" strike="noStrike">
               <a:solidFill>
                 <a:srgbClr val="000000"/>
               </a:solidFill>
@@ -16201,7 +16176,7 @@
               </a:rPr>
               <a:t>Conflicts are resolved by hierarchical means</a:t>
             </a:r>
-            <a:endParaRPr b="0" lang="en-US" sz="1800" spc="-1" strike="noStrike">
+            <a:endParaRPr b="0" lang="en-GB" sz="1800" spc="-1" strike="noStrike">
               <a:solidFill>
                 <a:srgbClr val="000000"/>
               </a:solidFill>
@@ -16233,7 +16208,7 @@
               </a:rPr>
               <a:t>The solution of the party higher up in the hierarchy is selected</a:t>
             </a:r>
-            <a:endParaRPr b="0" lang="en-US" sz="1800" spc="-1" strike="noStrike">
+            <a:endParaRPr b="0" lang="en-GB" sz="1800" spc="-1" strike="noStrike">
               <a:solidFill>
                 <a:srgbClr val="000000"/>
               </a:solidFill>
@@ -16265,7 +16240,7 @@
               </a:rPr>
               <a:t>If both parties are on the same level, a superior or third party decides</a:t>
             </a:r>
-            <a:endParaRPr b="0" lang="en-US" sz="1600" spc="-1" strike="noStrike">
+            <a:endParaRPr b="0" lang="en-GB" sz="1600" spc="-1" strike="noStrike">
               <a:solidFill>
                 <a:srgbClr val="000000"/>
               </a:solidFill>
@@ -16297,7 +16272,7 @@
               </a:rPr>
               <a:t>Only advisable if other techniques failed!</a:t>
             </a:r>
-            <a:endParaRPr b="0" lang="en-US" sz="1800" spc="-1" strike="noStrike">
+            <a:endParaRPr b="0" lang="en-GB" sz="1800" spc="-1" strike="noStrike">
               <a:solidFill>
                 <a:srgbClr val="000000"/>
               </a:solidFill>
@@ -16329,7 +16304,7 @@
               </a:rPr>
               <a:t>Consider-all-facts</a:t>
             </a:r>
-            <a:endParaRPr b="0" lang="en-US" sz="2000" spc="-1" strike="noStrike">
+            <a:endParaRPr b="0" lang="en-GB" sz="2000" spc="-1" strike="noStrike">
               <a:solidFill>
                 <a:srgbClr val="000000"/>
               </a:solidFill>
@@ -16361,7 +16336,7 @@
               </a:rPr>
               <a:t>Not really a technique by itself</a:t>
             </a:r>
-            <a:endParaRPr b="0" lang="en-US" sz="1800" spc="-1" strike="noStrike">
+            <a:endParaRPr b="0" lang="en-GB" sz="1800" spc="-1" strike="noStrike">
               <a:solidFill>
                 <a:srgbClr val="000000"/>
               </a:solidFill>
@@ -16393,7 +16368,7 @@
               </a:rPr>
               <a:t>Precursor to plus-minus-interesting and decision matrix</a:t>
             </a:r>
-            <a:endParaRPr b="0" lang="en-US" sz="1800" spc="-1" strike="noStrike">
+            <a:endParaRPr b="0" lang="en-GB" sz="1800" spc="-1" strike="noStrike">
               <a:solidFill>
                 <a:srgbClr val="000000"/>
               </a:solidFill>
@@ -16425,7 +16400,7 @@
               </a:rPr>
               <a:t>As much information about the conflict as possible is collected</a:t>
             </a:r>
-            <a:endParaRPr b="0" lang="en-US" sz="1800" spc="-1" strike="noStrike">
+            <a:endParaRPr b="0" lang="en-GB" sz="1800" spc="-1" strike="noStrike">
               <a:solidFill>
                 <a:srgbClr val="000000"/>
               </a:solidFill>
@@ -16457,7 +16432,7 @@
               </a:rPr>
               <a:t>Influence factors are prioritized and their relevance is determined</a:t>
             </a:r>
-            <a:endParaRPr b="0" lang="en-US" sz="1800" spc="-1" strike="noStrike">
+            <a:endParaRPr b="0" lang="en-GB" sz="1800" spc="-1" strike="noStrike">
               <a:solidFill>
                 <a:srgbClr val="000000"/>
               </a:solidFill>
@@ -16505,7 +16480,7 @@
         <p:spPr>
           <a:xfrm>
             <a:off x="542880" y="721800"/>
-            <a:ext cx="10356120" cy="496800"/>
+            <a:ext cx="10355760" cy="496440"/>
           </a:xfrm>
           <a:prstGeom prst="rect">
             <a:avLst/>
@@ -16541,7 +16516,7 @@
               </a:rPr>
               <a:t>Conflict Management</a:t>
             </a:r>
-            <a:endParaRPr b="0" lang="en-US" sz="2200" spc="-1" strike="noStrike">
+            <a:endParaRPr b="0" lang="en-GB" sz="2200" spc="-1" strike="noStrike">
               <a:solidFill>
                 <a:srgbClr val="000000"/>
               </a:solidFill>
@@ -16559,7 +16534,7 @@
         <p:spPr>
           <a:xfrm>
             <a:off x="542880" y="1267200"/>
-            <a:ext cx="10356120" cy="496800"/>
+            <a:ext cx="10355760" cy="496440"/>
           </a:xfrm>
           <a:prstGeom prst="rect">
             <a:avLst/>
@@ -16595,7 +16570,7 @@
               </a:rPr>
               <a:t>Conflict Resolution – Techniques </a:t>
             </a:r>
-            <a:endParaRPr b="0" lang="en-US" sz="2200" spc="-1" strike="noStrike">
+            <a:endParaRPr b="0" lang="en-GB" sz="2200" spc="-1" strike="noStrike">
               <a:solidFill>
                 <a:srgbClr val="000000"/>
               </a:solidFill>
@@ -16613,7 +16588,7 @@
         <p:spPr>
           <a:xfrm>
             <a:off x="451800" y="1709280"/>
-            <a:ext cx="8223480" cy="4351680"/>
+            <a:ext cx="8223120" cy="4351320"/>
           </a:xfrm>
           <a:prstGeom prst="rect">
             <a:avLst/>
@@ -16634,11 +16609,17 @@
             <a:noAutofit/>
           </a:bodyPr>
           <a:p>
+            <a:pPr>
+              <a:lnSpc>
+                <a:spcPct val="100000"/>
+              </a:lnSpc>
+            </a:pPr>
             <a:endParaRPr b="0" lang="en-US" sz="1800" spc="-1" strike="noStrike">
               <a:solidFill>
                 <a:srgbClr val="000000"/>
               </a:solidFill>
               <a:latin typeface="Arial"/>
+              <a:ea typeface="DejaVu Sans"/>
             </a:endParaRPr>
           </a:p>
         </p:txBody>
@@ -16656,7 +16637,7 @@
         <p:spPr>
           <a:xfrm>
             <a:off x="609480" y="1767240"/>
-            <a:ext cx="10586520" cy="4854600"/>
+            <a:ext cx="10586160" cy="4854240"/>
           </a:xfrm>
           <a:prstGeom prst="rect">
             <a:avLst/>
@@ -16695,7 +16676,7 @@
               </a:rPr>
               <a:t>Plus-minus-interesting</a:t>
             </a:r>
-            <a:endParaRPr b="0" lang="en-US" sz="2000" spc="-1" strike="noStrike">
+            <a:endParaRPr b="0" lang="en-GB" sz="2000" spc="-1" strike="noStrike">
               <a:solidFill>
                 <a:srgbClr val="000000"/>
               </a:solidFill>
@@ -16727,7 +16708,7 @@
               </a:rPr>
               <a:t>Not really a technique by itself</a:t>
             </a:r>
-            <a:endParaRPr b="0" lang="en-US" sz="1800" spc="-1" strike="noStrike">
+            <a:endParaRPr b="0" lang="en-GB" sz="1800" spc="-1" strike="noStrike">
               <a:solidFill>
                 <a:srgbClr val="000000"/>
               </a:solidFill>
@@ -16759,7 +16740,7 @@
               </a:rPr>
               <a:t>Can support other techniques, e.g., agreement</a:t>
             </a:r>
-            <a:endParaRPr b="0" lang="en-US" sz="1600" spc="-1" strike="noStrike">
+            <a:endParaRPr b="0" lang="en-GB" sz="1600" spc="-1" strike="noStrike">
               <a:solidFill>
                 <a:srgbClr val="000000"/>
               </a:solidFill>
@@ -16791,7 +16772,7 @@
               </a:rPr>
               <a:t>Positive repercussions are placed in a “plus” category</a:t>
             </a:r>
-            <a:endParaRPr b="0" lang="en-US" sz="1800" spc="-1" strike="noStrike">
+            <a:endParaRPr b="0" lang="en-GB" sz="1800" spc="-1" strike="noStrike">
               <a:solidFill>
                 <a:srgbClr val="000000"/>
               </a:solidFill>
@@ -16823,7 +16804,7 @@
               </a:rPr>
               <a:t>Negative repercussions are placed in a “minus” category</a:t>
             </a:r>
-            <a:endParaRPr b="0" lang="en-US" sz="1800" spc="-1" strike="noStrike">
+            <a:endParaRPr b="0" lang="en-GB" sz="1800" spc="-1" strike="noStrike">
               <a:solidFill>
                 <a:srgbClr val="000000"/>
               </a:solidFill>
@@ -16855,7 +16836,7 @@
               </a:rPr>
               <a:t>Neither positive nor negative repercussions are placed in a “interesting” category</a:t>
             </a:r>
-            <a:endParaRPr b="0" lang="en-US" sz="1800" spc="-1" strike="noStrike">
+            <a:endParaRPr b="0" lang="en-GB" sz="1800" spc="-1" strike="noStrike">
               <a:solidFill>
                 <a:srgbClr val="000000"/>
               </a:solidFill>
@@ -16903,7 +16884,7 @@
         <p:spPr>
           <a:xfrm>
             <a:off x="542880" y="721800"/>
-            <a:ext cx="10356120" cy="496800"/>
+            <a:ext cx="10355760" cy="496440"/>
           </a:xfrm>
           <a:prstGeom prst="rect">
             <a:avLst/>
@@ -16939,7 +16920,7 @@
               </a:rPr>
               <a:t>Conflict Management</a:t>
             </a:r>
-            <a:endParaRPr b="0" lang="en-US" sz="2200" spc="-1" strike="noStrike">
+            <a:endParaRPr b="0" lang="en-GB" sz="2200" spc="-1" strike="noStrike">
               <a:solidFill>
                 <a:srgbClr val="000000"/>
               </a:solidFill>
@@ -16957,7 +16938,7 @@
         <p:spPr>
           <a:xfrm>
             <a:off x="542880" y="1267200"/>
-            <a:ext cx="10356120" cy="496800"/>
+            <a:ext cx="10355760" cy="496440"/>
           </a:xfrm>
           <a:prstGeom prst="rect">
             <a:avLst/>
@@ -16993,7 +16974,7 @@
               </a:rPr>
               <a:t>Conflict Resolution – Techniques </a:t>
             </a:r>
-            <a:endParaRPr b="0" lang="en-US" sz="2200" spc="-1" strike="noStrike">
+            <a:endParaRPr b="0" lang="en-GB" sz="2200" spc="-1" strike="noStrike">
               <a:solidFill>
                 <a:srgbClr val="000000"/>
               </a:solidFill>
@@ -17011,7 +16992,7 @@
         <p:spPr>
           <a:xfrm>
             <a:off x="451800" y="1709280"/>
-            <a:ext cx="8223480" cy="4351680"/>
+            <a:ext cx="8223120" cy="4351320"/>
           </a:xfrm>
           <a:prstGeom prst="rect">
             <a:avLst/>
@@ -17032,11 +17013,17 @@
             <a:noAutofit/>
           </a:bodyPr>
           <a:p>
+            <a:pPr>
+              <a:lnSpc>
+                <a:spcPct val="100000"/>
+              </a:lnSpc>
+            </a:pPr>
             <a:endParaRPr b="0" lang="en-US" sz="1800" spc="-1" strike="noStrike">
               <a:solidFill>
                 <a:srgbClr val="000000"/>
               </a:solidFill>
               <a:latin typeface="Arial"/>
+              <a:ea typeface="DejaVu Sans"/>
             </a:endParaRPr>
           </a:p>
         </p:txBody>
@@ -17054,7 +17041,7 @@
         <p:spPr>
           <a:xfrm>
             <a:off x="609480" y="2057400"/>
-            <a:ext cx="10586520" cy="4566600"/>
+            <a:ext cx="10586160" cy="4566240"/>
           </a:xfrm>
           <a:prstGeom prst="rect">
             <a:avLst/>
@@ -17093,7 +17080,7 @@
               </a:rPr>
               <a:t>Decision Matrix</a:t>
             </a:r>
-            <a:endParaRPr b="0" lang="en-US" sz="2000" spc="-1" strike="noStrike">
+            <a:endParaRPr b="0" lang="en-GB" sz="2000" spc="-1" strike="noStrike">
               <a:solidFill>
                 <a:srgbClr val="000000"/>
               </a:solidFill>
@@ -17125,7 +17112,7 @@
               </a:rPr>
               <a:t>Select relevant decision criteria for the conflict resolution</a:t>
             </a:r>
-            <a:endParaRPr b="0" lang="en-US" sz="1800" spc="-1" strike="noStrike">
+            <a:endParaRPr b="0" lang="en-GB" sz="1800" spc="-1" strike="noStrike">
               <a:solidFill>
                 <a:srgbClr val="000000"/>
               </a:solidFill>
@@ -17157,7 +17144,7 @@
               </a:rPr>
               <a:t>Assign a score from 0 to 10 to all alternative regarding for each criterion (Higher = better suited)</a:t>
             </a:r>
-            <a:endParaRPr b="0" lang="en-US" sz="1800" spc="-1" strike="noStrike">
+            <a:endParaRPr b="0" lang="en-GB" sz="1800" spc="-1" strike="noStrike">
               <a:solidFill>
                 <a:srgbClr val="000000"/>
               </a:solidFill>
@@ -17189,7 +17176,7 @@
               </a:rPr>
               <a:t>Highest sum of scores is elected</a:t>
             </a:r>
-            <a:endParaRPr b="0" lang="en-US" sz="1800" spc="-1" strike="noStrike">
+            <a:endParaRPr b="0" lang="en-GB" sz="1800" spc="-1" strike="noStrike">
               <a:solidFill>
                 <a:srgbClr val="000000"/>
               </a:solidFill>
@@ -17225,6 +17212,11 @@
                       <a:noAutofit/>
                     </a:bodyPr>
                     <a:p>
+                      <a:pPr>
+                        <a:lnSpc>
+                          <a:spcPct val="100000"/>
+                        </a:lnSpc>
+                      </a:pPr>
                       <a:endParaRPr b="0" lang="en-US" sz="1800" spc="-1" strike="noStrike">
                         <a:solidFill>
                           <a:srgbClr val="000000"/>
@@ -17280,7 +17272,7 @@
                         </a:rPr>
                         <a:t>Alternative 1</a:t>
                       </a:r>
-                      <a:endParaRPr b="0" lang="en-US" sz="1800" spc="-1" strike="noStrike">
+                      <a:endParaRPr b="0" lang="en-GB" sz="1800" spc="-1" strike="noStrike">
                         <a:solidFill>
                           <a:srgbClr val="000000"/>
                         </a:solidFill>
@@ -17335,7 +17327,7 @@
                         </a:rPr>
                         <a:t>Alternative 2</a:t>
                       </a:r>
-                      <a:endParaRPr b="0" lang="en-US" sz="1800" spc="-1" strike="noStrike">
+                      <a:endParaRPr b="0" lang="en-GB" sz="1800" spc="-1" strike="noStrike">
                         <a:solidFill>
                           <a:srgbClr val="000000"/>
                         </a:solidFill>
@@ -17390,7 +17382,7 @@
                         </a:rPr>
                         <a:t>Alternative 3</a:t>
                       </a:r>
-                      <a:endParaRPr b="0" lang="en-US" sz="1800" spc="-1" strike="noStrike">
+                      <a:endParaRPr b="0" lang="en-GB" sz="1800" spc="-1" strike="noStrike">
                         <a:solidFill>
                           <a:srgbClr val="000000"/>
                         </a:solidFill>
@@ -17447,7 +17439,7 @@
                         </a:rPr>
                         <a:t>Criterion 1</a:t>
                       </a:r>
-                      <a:endParaRPr b="0" lang="en-US" sz="1800" spc="-1" strike="noStrike">
+                      <a:endParaRPr b="0" lang="en-GB" sz="1800" spc="-1" strike="noStrike">
                         <a:solidFill>
                           <a:srgbClr val="000000"/>
                         </a:solidFill>
@@ -17502,7 +17494,7 @@
                         </a:rPr>
                         <a:t>3</a:t>
                       </a:r>
-                      <a:endParaRPr b="0" lang="en-US" sz="1800" spc="-1" strike="noStrike">
+                      <a:endParaRPr b="0" lang="en-GB" sz="1800" spc="-1" strike="noStrike">
                         <a:solidFill>
                           <a:srgbClr val="000000"/>
                         </a:solidFill>
@@ -17557,7 +17549,7 @@
                         </a:rPr>
                         <a:t>6</a:t>
                       </a:r>
-                      <a:endParaRPr b="0" lang="en-US" sz="1800" spc="-1" strike="noStrike">
+                      <a:endParaRPr b="0" lang="en-GB" sz="1800" spc="-1" strike="noStrike">
                         <a:solidFill>
                           <a:srgbClr val="000000"/>
                         </a:solidFill>
@@ -17612,7 +17604,7 @@
                         </a:rPr>
                         <a:t>2</a:t>
                       </a:r>
-                      <a:endParaRPr b="0" lang="en-US" sz="1800" spc="-1" strike="noStrike">
+                      <a:endParaRPr b="0" lang="en-GB" sz="1800" spc="-1" strike="noStrike">
                         <a:solidFill>
                           <a:srgbClr val="000000"/>
                         </a:solidFill>
@@ -17669,7 +17661,7 @@
                         </a:rPr>
                         <a:t>Criterion 2</a:t>
                       </a:r>
-                      <a:endParaRPr b="0" lang="en-US" sz="1800" spc="-1" strike="noStrike">
+                      <a:endParaRPr b="0" lang="en-GB" sz="1800" spc="-1" strike="noStrike">
                         <a:solidFill>
                           <a:srgbClr val="000000"/>
                         </a:solidFill>
@@ -17724,7 +17716,7 @@
                         </a:rPr>
                         <a:t>5</a:t>
                       </a:r>
-                      <a:endParaRPr b="0" lang="en-US" sz="1800" spc="-1" strike="noStrike">
+                      <a:endParaRPr b="0" lang="en-GB" sz="1800" spc="-1" strike="noStrike">
                         <a:solidFill>
                           <a:srgbClr val="000000"/>
                         </a:solidFill>
@@ -17779,7 +17771,7 @@
                         </a:rPr>
                         <a:t>4</a:t>
                       </a:r>
-                      <a:endParaRPr b="0" lang="en-US" sz="1800" spc="-1" strike="noStrike">
+                      <a:endParaRPr b="0" lang="en-GB" sz="1800" spc="-1" strike="noStrike">
                         <a:solidFill>
                           <a:srgbClr val="000000"/>
                         </a:solidFill>
@@ -17834,7 +17826,7 @@
                         </a:rPr>
                         <a:t>10</a:t>
                       </a:r>
-                      <a:endParaRPr b="0" lang="en-US" sz="1800" spc="-1" strike="noStrike">
+                      <a:endParaRPr b="0" lang="en-GB" sz="1800" spc="-1" strike="noStrike">
                         <a:solidFill>
                           <a:srgbClr val="000000"/>
                         </a:solidFill>
@@ -17891,7 +17883,7 @@
                         </a:rPr>
                         <a:t>Criterion 3</a:t>
                       </a:r>
-                      <a:endParaRPr b="0" lang="en-US" sz="1800" spc="-1" strike="noStrike">
+                      <a:endParaRPr b="0" lang="en-GB" sz="1800" spc="-1" strike="noStrike">
                         <a:solidFill>
                           <a:srgbClr val="000000"/>
                         </a:solidFill>
@@ -17946,7 +17938,7 @@
                         </a:rPr>
                         <a:t>10</a:t>
                       </a:r>
-                      <a:endParaRPr b="0" lang="en-US" sz="1800" spc="-1" strike="noStrike">
+                      <a:endParaRPr b="0" lang="en-GB" sz="1800" spc="-1" strike="noStrike">
                         <a:solidFill>
                           <a:srgbClr val="000000"/>
                         </a:solidFill>
@@ -18001,7 +17993,7 @@
                         </a:rPr>
                         <a:t>3</a:t>
                       </a:r>
-                      <a:endParaRPr b="0" lang="en-US" sz="1800" spc="-1" strike="noStrike">
+                      <a:endParaRPr b="0" lang="en-GB" sz="1800" spc="-1" strike="noStrike">
                         <a:solidFill>
                           <a:srgbClr val="000000"/>
                         </a:solidFill>
@@ -18056,7 +18048,7 @@
                         </a:rPr>
                         <a:t>5</a:t>
                       </a:r>
-                      <a:endParaRPr b="0" lang="en-US" sz="1800" spc="-1" strike="noStrike">
+                      <a:endParaRPr b="0" lang="en-GB" sz="1800" spc="-1" strike="noStrike">
                         <a:solidFill>
                           <a:srgbClr val="000000"/>
                         </a:solidFill>
@@ -18113,7 +18105,7 @@
                         </a:rPr>
                         <a:t>Sum</a:t>
                       </a:r>
-                      <a:endParaRPr b="0" lang="en-US" sz="1800" spc="-1" strike="noStrike">
+                      <a:endParaRPr b="0" lang="en-GB" sz="1800" spc="-1" strike="noStrike">
                         <a:solidFill>
                           <a:srgbClr val="000000"/>
                         </a:solidFill>
@@ -18168,7 +18160,7 @@
                         </a:rPr>
                         <a:t>18</a:t>
                       </a:r>
-                      <a:endParaRPr b="0" lang="en-US" sz="1800" spc="-1" strike="noStrike">
+                      <a:endParaRPr b="0" lang="en-GB" sz="1800" spc="-1" strike="noStrike">
                         <a:solidFill>
                           <a:srgbClr val="000000"/>
                         </a:solidFill>
@@ -18223,7 +18215,7 @@
                         </a:rPr>
                         <a:t>13</a:t>
                       </a:r>
-                      <a:endParaRPr b="0" lang="en-US" sz="1800" spc="-1" strike="noStrike">
+                      <a:endParaRPr b="0" lang="en-GB" sz="1800" spc="-1" strike="noStrike">
                         <a:solidFill>
                           <a:srgbClr val="000000"/>
                         </a:solidFill>
@@ -18278,7 +18270,7 @@
                         </a:rPr>
                         <a:t>17</a:t>
                       </a:r>
-                      <a:endParaRPr b="0" lang="en-US" sz="1800" spc="-1" strike="noStrike">
+                      <a:endParaRPr b="0" lang="en-GB" sz="1800" spc="-1" strike="noStrike">
                         <a:solidFill>
                           <a:srgbClr val="000000"/>
                         </a:solidFill>
@@ -18356,7 +18348,7 @@
         <p:spPr>
           <a:xfrm>
             <a:off x="542880" y="721800"/>
-            <a:ext cx="10356120" cy="496800"/>
+            <a:ext cx="10355760" cy="496440"/>
           </a:xfrm>
           <a:prstGeom prst="rect">
             <a:avLst/>
@@ -18392,7 +18384,7 @@
               </a:rPr>
               <a:t>Conflict Management</a:t>
             </a:r>
-            <a:endParaRPr b="0" lang="en-US" sz="2200" spc="-1" strike="noStrike">
+            <a:endParaRPr b="0" lang="en-GB" sz="2200" spc="-1" strike="noStrike">
               <a:solidFill>
                 <a:srgbClr val="000000"/>
               </a:solidFill>
@@ -18410,7 +18402,7 @@
         <p:spPr>
           <a:xfrm>
             <a:off x="542880" y="1267200"/>
-            <a:ext cx="10356120" cy="496800"/>
+            <a:ext cx="10355760" cy="496440"/>
           </a:xfrm>
           <a:prstGeom prst="rect">
             <a:avLst/>
@@ -18446,7 +18438,7 @@
               </a:rPr>
               <a:t>Conflict Resolution – Documentation </a:t>
             </a:r>
-            <a:endParaRPr b="0" lang="en-US" sz="2200" spc="-1" strike="noStrike">
+            <a:endParaRPr b="0" lang="en-GB" sz="2200" spc="-1" strike="noStrike">
               <a:solidFill>
                 <a:srgbClr val="000000"/>
               </a:solidFill>
@@ -18464,7 +18456,7 @@
         <p:spPr>
           <a:xfrm>
             <a:off x="451800" y="1709280"/>
-            <a:ext cx="8223480" cy="4351680"/>
+            <a:ext cx="8223120" cy="4351320"/>
           </a:xfrm>
           <a:prstGeom prst="rect">
             <a:avLst/>
@@ -18485,11 +18477,17 @@
             <a:noAutofit/>
           </a:bodyPr>
           <a:p>
+            <a:pPr>
+              <a:lnSpc>
+                <a:spcPct val="100000"/>
+              </a:lnSpc>
+            </a:pPr>
             <a:endParaRPr b="0" lang="en-US" sz="1800" spc="-1" strike="noStrike">
               <a:solidFill>
                 <a:srgbClr val="000000"/>
               </a:solidFill>
               <a:latin typeface="Arial"/>
+              <a:ea typeface="DejaVu Sans"/>
             </a:endParaRPr>
           </a:p>
         </p:txBody>
@@ -18507,7 +18505,7 @@
         <p:spPr>
           <a:xfrm>
             <a:off x="609480" y="1769400"/>
-            <a:ext cx="10586520" cy="4854600"/>
+            <a:ext cx="10586160" cy="4854240"/>
           </a:xfrm>
           <a:prstGeom prst="rect">
             <a:avLst/>
@@ -18546,7 +18544,7 @@
               </a:rPr>
               <a:t>The resolutions to all conflicts must be documented in a traceable way</a:t>
             </a:r>
-            <a:endParaRPr b="0" lang="en-US" sz="2000" spc="-1" strike="noStrike">
+            <a:endParaRPr b="0" lang="en-GB" sz="2000" spc="-1" strike="noStrike">
               <a:solidFill>
                 <a:srgbClr val="000000"/>
               </a:solidFill>
@@ -18578,7 +18576,7 @@
               </a:rPr>
               <a:t>Who was involved in the resolution</a:t>
             </a:r>
-            <a:endParaRPr b="0" lang="en-US" sz="1800" spc="-1" strike="noStrike">
+            <a:endParaRPr b="0" lang="en-GB" sz="1800" spc="-1" strike="noStrike">
               <a:solidFill>
                 <a:srgbClr val="000000"/>
               </a:solidFill>
@@ -18610,7 +18608,7 @@
               </a:rPr>
               <a:t>Why was a specific alternative chosen</a:t>
             </a:r>
-            <a:endParaRPr b="0" lang="en-US" sz="1800" spc="-1" strike="noStrike">
+            <a:endParaRPr b="0" lang="en-GB" sz="1800" spc="-1" strike="noStrike">
               <a:solidFill>
                 <a:srgbClr val="000000"/>
               </a:solidFill>
@@ -18642,7 +18640,7 @@
               </a:rPr>
               <a:t>Otherwise, problems may occur at a later stage</a:t>
             </a:r>
-            <a:endParaRPr b="0" lang="en-US" sz="2000" spc="-1" strike="noStrike">
+            <a:endParaRPr b="0" lang="en-GB" sz="2000" spc="-1" strike="noStrike">
               <a:solidFill>
                 <a:srgbClr val="000000"/>
               </a:solidFill>
@@ -18674,7 +18672,7 @@
               </a:rPr>
               <a:t>The same conflict may arise twice</a:t>
             </a:r>
-            <a:endParaRPr b="0" lang="en-US" sz="1800" spc="-1" strike="noStrike">
+            <a:endParaRPr b="0" lang="en-GB" sz="1800" spc="-1" strike="noStrike">
               <a:solidFill>
                 <a:srgbClr val="000000"/>
               </a:solidFill>
@@ -18706,7 +18704,7 @@
               </a:rPr>
               <a:t>With documentation, you can just point to the previous resolution</a:t>
             </a:r>
-            <a:endParaRPr b="0" lang="en-US" sz="1600" spc="-1" strike="noStrike">
+            <a:endParaRPr b="0" lang="en-GB" sz="1600" spc="-1" strike="noStrike">
               <a:solidFill>
                 <a:srgbClr val="000000"/>
               </a:solidFill>
@@ -18738,7 +18736,7 @@
               </a:rPr>
               <a:t>Inappropriate conflict resolution</a:t>
             </a:r>
-            <a:endParaRPr b="0" lang="en-US" sz="1800" spc="-1" strike="noStrike">
+            <a:endParaRPr b="0" lang="en-GB" sz="1800" spc="-1" strike="noStrike">
               <a:solidFill>
                 <a:srgbClr val="000000"/>
               </a:solidFill>
@@ -18770,7 +18768,7 @@
               </a:rPr>
               <a:t>Sometimes, the resolutions are dissatisfying and need to be reconsidered</a:t>
             </a:r>
-            <a:endParaRPr b="0" lang="en-US" sz="1600" spc="-1" strike="noStrike">
+            <a:endParaRPr b="0" lang="en-GB" sz="1600" spc="-1" strike="noStrike">
               <a:solidFill>
                 <a:srgbClr val="000000"/>
               </a:solidFill>
@@ -18802,7 +18800,7 @@
               </a:rPr>
               <a:t>Without documentation of the first resolution, the same mistakes may happen again</a:t>
             </a:r>
-            <a:endParaRPr b="0" lang="en-US" sz="1600" spc="-1" strike="noStrike">
+            <a:endParaRPr b="0" lang="en-GB" sz="1600" spc="-1" strike="noStrike">
               <a:solidFill>
                 <a:srgbClr val="000000"/>
               </a:solidFill>
@@ -18850,7 +18848,7 @@
         <p:spPr>
           <a:xfrm>
             <a:off x="542880" y="721800"/>
-            <a:ext cx="10356120" cy="496800"/>
+            <a:ext cx="10355760" cy="496440"/>
           </a:xfrm>
           <a:prstGeom prst="rect">
             <a:avLst/>
@@ -18886,7 +18884,7 @@
               </a:rPr>
               <a:t>General Requirements Engineering Process</a:t>
             </a:r>
-            <a:endParaRPr b="0" lang="en-US" sz="2200" spc="-1" strike="noStrike">
+            <a:endParaRPr b="0" lang="en-GB" sz="2200" spc="-1" strike="noStrike">
               <a:solidFill>
                 <a:srgbClr val="000000"/>
               </a:solidFill>
@@ -18904,7 +18902,7 @@
         <p:spPr>
           <a:xfrm>
             <a:off x="542880" y="1267200"/>
-            <a:ext cx="10356120" cy="496800"/>
+            <a:ext cx="10355760" cy="496440"/>
           </a:xfrm>
           <a:prstGeom prst="rect">
             <a:avLst/>
@@ -18940,7 +18938,7 @@
               </a:rPr>
               <a:t>Overview</a:t>
             </a:r>
-            <a:endParaRPr b="0" lang="en-US" sz="2200" spc="-1" strike="noStrike">
+            <a:endParaRPr b="0" lang="en-GB" sz="2200" spc="-1" strike="noStrike">
               <a:solidFill>
                 <a:srgbClr val="000000"/>
               </a:solidFill>
@@ -18962,7 +18960,7 @@
         <p:spPr>
           <a:xfrm>
             <a:off x="542880" y="2387520"/>
-            <a:ext cx="10101240" cy="2078640"/>
+            <a:ext cx="10100880" cy="2078280"/>
           </a:xfrm>
           <a:prstGeom prst="rect">
             <a:avLst/>
@@ -18981,7 +18979,7 @@
         <p:spPr>
           <a:xfrm>
             <a:off x="2377800" y="2297880"/>
-            <a:ext cx="1411920" cy="2257560"/>
+            <a:ext cx="1411560" cy="2257200"/>
           </a:xfrm>
           <a:prstGeom prst="frame">
             <a:avLst>
@@ -19017,11 +19015,17 @@
             <a:noAutofit/>
           </a:bodyPr>
           <a:p>
+            <a:pPr>
+              <a:lnSpc>
+                <a:spcPct val="100000"/>
+              </a:lnSpc>
+            </a:pPr>
             <a:endParaRPr b="0" lang="en-US" sz="1800" spc="-1" strike="noStrike">
               <a:solidFill>
                 <a:srgbClr val="000000"/>
               </a:solidFill>
               <a:latin typeface="Arial"/>
+              <a:ea typeface="DejaVu Sans"/>
             </a:endParaRPr>
           </a:p>
         </p:txBody>
@@ -19065,7 +19069,7 @@
         <p:spPr>
           <a:xfrm>
             <a:off x="335520" y="4406760"/>
-            <a:ext cx="10747800" cy="1356840"/>
+            <a:ext cx="10747440" cy="1356480"/>
           </a:xfrm>
           <a:prstGeom prst="rect">
             <a:avLst/>
@@ -19101,7 +19105,7 @@
               </a:rPr>
               <a:t>Summary</a:t>
             </a:r>
-            <a:endParaRPr b="0" lang="en-US" sz="3000" spc="-1" strike="noStrike">
+            <a:endParaRPr b="0" lang="en-GB" sz="3000" spc="-1" strike="noStrike">
               <a:solidFill>
                 <a:srgbClr val="000000"/>
               </a:solidFill>
@@ -19119,7 +19123,7 @@
         <p:spPr>
           <a:xfrm>
             <a:off x="335520" y="2906640"/>
-            <a:ext cx="10747800" cy="1494720"/>
+            <a:ext cx="10747440" cy="1494360"/>
           </a:xfrm>
           <a:prstGeom prst="rect">
             <a:avLst/>
@@ -19140,11 +19144,17 @@
             <a:noAutofit/>
           </a:bodyPr>
           <a:p>
+            <a:pPr>
+              <a:lnSpc>
+                <a:spcPct val="100000"/>
+              </a:lnSpc>
+            </a:pPr>
             <a:endParaRPr b="0" lang="en-US" sz="1800" spc="-1" strike="noStrike">
               <a:solidFill>
                 <a:srgbClr val="000000"/>
               </a:solidFill>
               <a:latin typeface="Arial"/>
+              <a:ea typeface="DejaVu Sans"/>
             </a:endParaRPr>
           </a:p>
         </p:txBody>
@@ -19188,7 +19198,7 @@
         <p:spPr>
           <a:xfrm>
             <a:off x="542880" y="721800"/>
-            <a:ext cx="10356120" cy="496800"/>
+            <a:ext cx="10355760" cy="496440"/>
           </a:xfrm>
           <a:prstGeom prst="rect">
             <a:avLst/>
@@ -19224,7 +19234,7 @@
               </a:rPr>
               <a:t>Summary</a:t>
             </a:r>
-            <a:endParaRPr b="0" lang="en-US" sz="2200" spc="-1" strike="noStrike">
+            <a:endParaRPr b="0" lang="en-GB" sz="2200" spc="-1" strike="noStrike">
               <a:solidFill>
                 <a:srgbClr val="000000"/>
               </a:solidFill>
@@ -19242,7 +19252,7 @@
         <p:spPr>
           <a:xfrm>
             <a:off x="451800" y="1709280"/>
-            <a:ext cx="8223480" cy="4351680"/>
+            <a:ext cx="8223120" cy="4351320"/>
           </a:xfrm>
           <a:prstGeom prst="rect">
             <a:avLst/>
@@ -19263,11 +19273,17 @@
             <a:noAutofit/>
           </a:bodyPr>
           <a:p>
+            <a:pPr>
+              <a:lnSpc>
+                <a:spcPct val="100000"/>
+              </a:lnSpc>
+            </a:pPr>
             <a:endParaRPr b="0" lang="en-US" sz="1800" spc="-1" strike="noStrike">
               <a:solidFill>
                 <a:srgbClr val="000000"/>
               </a:solidFill>
               <a:latin typeface="Arial"/>
+              <a:ea typeface="DejaVu Sans"/>
             </a:endParaRPr>
           </a:p>
         </p:txBody>
@@ -19285,7 +19301,7 @@
         <p:spPr>
           <a:xfrm>
             <a:off x="609480" y="1769400"/>
-            <a:ext cx="10586520" cy="4854600"/>
+            <a:ext cx="10586160" cy="4854240"/>
           </a:xfrm>
           <a:prstGeom prst="rect">
             <a:avLst/>
@@ -19324,7 +19340,7 @@
               </a:rPr>
               <a:t>Negotiation deals with gaining a common understanding of the requirements</a:t>
             </a:r>
-            <a:endParaRPr b="0" lang="en-US" sz="2000" spc="-1" strike="noStrike">
+            <a:endParaRPr b="0" lang="en-GB" sz="2000" spc="-1" strike="noStrike">
               <a:solidFill>
                 <a:srgbClr val="000000"/>
               </a:solidFill>
@@ -19344,7 +19360,7 @@
                 <a:tab algn="l" pos="0"/>
               </a:tabLst>
             </a:pPr>
-            <a:endParaRPr b="0" lang="en-US" sz="2000" spc="-1" strike="noStrike">
+            <a:endParaRPr b="0" lang="en-GB" sz="2000" spc="-1" strike="noStrike">
               <a:solidFill>
                 <a:srgbClr val="000000"/>
               </a:solidFill>
@@ -19379,7 +19395,7 @@
               </a:rPr>
               <a:t>Conflicts between stakeholders are resolved</a:t>
             </a:r>
-            <a:endParaRPr b="0" lang="en-US" sz="2000" spc="-1" strike="noStrike">
+            <a:endParaRPr b="0" lang="en-GB" sz="2000" spc="-1" strike="noStrike">
               <a:solidFill>
                 <a:srgbClr val="000000"/>
               </a:solidFill>
@@ -19414,7 +19430,7 @@
               </a:rPr>
               <a:t>Conflict management vital part of the negotiation</a:t>
             </a:r>
-            <a:endParaRPr b="0" lang="en-US" sz="1800" spc="-1" strike="noStrike">
+            <a:endParaRPr b="0" lang="en-GB" sz="1800" spc="-1" strike="noStrike">
               <a:solidFill>
                 <a:srgbClr val="000000"/>
               </a:solidFill>
@@ -19434,7 +19450,7 @@
                 <a:tab algn="l" pos="0"/>
               </a:tabLst>
             </a:pPr>
-            <a:endParaRPr b="0" lang="en-US" sz="1800" spc="-1" strike="noStrike">
+            <a:endParaRPr b="0" lang="en-GB" sz="1800" spc="-1" strike="noStrike">
               <a:solidFill>
                 <a:srgbClr val="000000"/>
               </a:solidFill>
@@ -19469,7 +19485,7 @@
               </a:rPr>
               <a:t>After negotiation, a unified and agreed-upon understanding of requirements between all stakeholders exists</a:t>
             </a:r>
-            <a:endParaRPr b="0" lang="en-US" sz="2000" spc="-1" strike="noStrike">
+            <a:endParaRPr b="0" lang="en-GB" sz="2000" spc="-1" strike="noStrike">
               <a:solidFill>
                 <a:srgbClr val="000000"/>
               </a:solidFill>
@@ -19517,7 +19533,7 @@
         <p:spPr>
           <a:xfrm>
             <a:off x="335520" y="1268640"/>
-            <a:ext cx="10744560" cy="5032080"/>
+            <a:ext cx="10744200" cy="5031720"/>
           </a:xfrm>
           <a:prstGeom prst="rect">
             <a:avLst/>
@@ -19559,7 +19575,7 @@
               </a:rPr>
               <a:t>Questions?</a:t>
             </a:r>
-            <a:endParaRPr b="0" lang="en-US" sz="4000" spc="-1" strike="noStrike">
+            <a:endParaRPr b="0" lang="en-GB" sz="4000" spc="-1" strike="noStrike">
               <a:solidFill>
                 <a:srgbClr val="000000"/>
               </a:solidFill>
@@ -19577,7 +19593,7 @@
         <p:spPr>
           <a:xfrm>
             <a:off x="335520" y="764640"/>
-            <a:ext cx="10744560" cy="495360"/>
+            <a:ext cx="10744200" cy="495000"/>
           </a:xfrm>
           <a:prstGeom prst="rect">
             <a:avLst/>
@@ -19598,11 +19614,17 @@
             <a:noAutofit/>
           </a:bodyPr>
           <a:p>
+            <a:pPr>
+              <a:lnSpc>
+                <a:spcPct val="100000"/>
+              </a:lnSpc>
+            </a:pPr>
             <a:endParaRPr b="0" lang="en-US" sz="1800" spc="-1" strike="noStrike">
               <a:solidFill>
                 <a:srgbClr val="000000"/>
               </a:solidFill>
               <a:latin typeface="Arial"/>
+              <a:ea typeface="DejaVu Sans"/>
             </a:endParaRPr>
           </a:p>
         </p:txBody>
@@ -19650,7 +19672,7 @@
         <p:spPr>
           <a:xfrm>
             <a:off x="542880" y="722520"/>
-            <a:ext cx="10356120" cy="496800"/>
+            <a:ext cx="10355760" cy="496440"/>
           </a:xfrm>
           <a:prstGeom prst="rect">
             <a:avLst/>
@@ -19684,7 +19706,7 @@
               </a:rPr>
               <a:t>References</a:t>
             </a:r>
-            <a:endParaRPr b="0" lang="en-US" sz="2200" spc="-1" strike="noStrike">
+            <a:endParaRPr b="0" lang="en-GB" sz="2200" spc="-1" strike="noStrike">
               <a:solidFill>
                 <a:srgbClr val="000000"/>
               </a:solidFill>
@@ -19732,7 +19754,7 @@
         <p:spPr>
           <a:xfrm>
             <a:off x="542880" y="757800"/>
-            <a:ext cx="10356120" cy="496800"/>
+            <a:ext cx="10355760" cy="496440"/>
           </a:xfrm>
           <a:prstGeom prst="rect">
             <a:avLst/>
@@ -19768,7 +19790,7 @@
               </a:rPr>
               <a:t>Lecture 5: Negotiation</a:t>
             </a:r>
-            <a:endParaRPr b="0" lang="en-US" sz="2200" spc="-1" strike="noStrike">
+            <a:endParaRPr b="0" lang="en-GB" sz="2200" spc="-1" strike="noStrike">
               <a:solidFill>
                 <a:srgbClr val="000000"/>
               </a:solidFill>
@@ -19786,7 +19808,7 @@
         <p:spPr>
           <a:xfrm>
             <a:off x="542880" y="1303200"/>
-            <a:ext cx="10356120" cy="496800"/>
+            <a:ext cx="10355760" cy="496440"/>
           </a:xfrm>
           <a:prstGeom prst="rect">
             <a:avLst/>
@@ -19822,7 +19844,7 @@
               </a:rPr>
               <a:t>Content</a:t>
             </a:r>
-            <a:endParaRPr b="0" lang="en-US" sz="2200" spc="-1" strike="noStrike">
+            <a:endParaRPr b="0" lang="en-GB" sz="2200" spc="-1" strike="noStrike">
               <a:solidFill>
                 <a:srgbClr val="000000"/>
               </a:solidFill>
@@ -19840,7 +19862,7 @@
         <p:spPr>
           <a:xfrm>
             <a:off x="451800" y="1709280"/>
-            <a:ext cx="8223480" cy="4351680"/>
+            <a:ext cx="8223120" cy="4351320"/>
           </a:xfrm>
           <a:prstGeom prst="rect">
             <a:avLst/>
@@ -19861,11 +19883,17 @@
             <a:noAutofit/>
           </a:bodyPr>
           <a:p>
+            <a:pPr>
+              <a:lnSpc>
+                <a:spcPct val="100000"/>
+              </a:lnSpc>
+            </a:pPr>
             <a:endParaRPr b="0" lang="en-US" sz="1800" spc="-1" strike="noStrike">
               <a:solidFill>
                 <a:srgbClr val="000000"/>
               </a:solidFill>
               <a:latin typeface="Arial"/>
+              <a:ea typeface="DejaVu Sans"/>
             </a:endParaRPr>
           </a:p>
         </p:txBody>
@@ -19879,7 +19907,7 @@
         <p:spPr>
           <a:xfrm>
             <a:off x="604080" y="1861560"/>
-            <a:ext cx="8223480" cy="4351680"/>
+            <a:ext cx="8223120" cy="4351320"/>
           </a:xfrm>
           <a:prstGeom prst="rect">
             <a:avLst/>
@@ -19926,7 +19954,7 @@
               </a:rPr>
               <a:t>Negotiation in General</a:t>
             </a:r>
-            <a:endParaRPr b="0" lang="en-US" sz="1800" spc="-1" strike="noStrike">
+            <a:endParaRPr b="0" lang="en-GB" sz="1800" spc="-1" strike="noStrike">
               <a:solidFill>
                 <a:srgbClr val="000000"/>
               </a:solidFill>
@@ -19960,7 +19988,7 @@
               </a:rPr>
               <a:t>Conflict Management</a:t>
             </a:r>
-            <a:endParaRPr b="0" lang="en-US" sz="1800" spc="-1" strike="noStrike">
+            <a:endParaRPr b="0" lang="en-GB" sz="1800" spc="-1" strike="noStrike">
               <a:solidFill>
                 <a:srgbClr val="000000"/>
               </a:solidFill>
@@ -20008,7 +20036,7 @@
         <p:spPr>
           <a:xfrm>
             <a:off x="335520" y="4406760"/>
-            <a:ext cx="10747800" cy="1356840"/>
+            <a:ext cx="10747440" cy="1356480"/>
           </a:xfrm>
           <a:prstGeom prst="rect">
             <a:avLst/>
@@ -20044,7 +20072,7 @@
               </a:rPr>
               <a:t>Negotiation in general</a:t>
             </a:r>
-            <a:endParaRPr b="0" lang="en-US" sz="3000" spc="-1" strike="noStrike">
+            <a:endParaRPr b="0" lang="en-GB" sz="3000" spc="-1" strike="noStrike">
               <a:solidFill>
                 <a:srgbClr val="000000"/>
               </a:solidFill>
@@ -20062,7 +20090,7 @@
         <p:spPr>
           <a:xfrm>
             <a:off x="335520" y="2906640"/>
-            <a:ext cx="10747800" cy="1494720"/>
+            <a:ext cx="10747440" cy="1494360"/>
           </a:xfrm>
           <a:prstGeom prst="rect">
             <a:avLst/>
@@ -20083,11 +20111,17 @@
             <a:noAutofit/>
           </a:bodyPr>
           <a:p>
+            <a:pPr>
+              <a:lnSpc>
+                <a:spcPct val="100000"/>
+              </a:lnSpc>
+            </a:pPr>
             <a:endParaRPr b="0" lang="en-US" sz="1800" spc="-1" strike="noStrike">
               <a:solidFill>
                 <a:srgbClr val="000000"/>
               </a:solidFill>
               <a:latin typeface="Arial"/>
+              <a:ea typeface="DejaVu Sans"/>
             </a:endParaRPr>
           </a:p>
         </p:txBody>
@@ -20131,7 +20165,7 @@
         <p:spPr>
           <a:xfrm>
             <a:off x="542880" y="721800"/>
-            <a:ext cx="10356120" cy="496800"/>
+            <a:ext cx="10355760" cy="496440"/>
           </a:xfrm>
           <a:prstGeom prst="rect">
             <a:avLst/>
@@ -20167,7 +20201,7 @@
               </a:rPr>
               <a:t>Negotiation</a:t>
             </a:r>
-            <a:endParaRPr b="0" lang="en-US" sz="2200" spc="-1" strike="noStrike">
+            <a:endParaRPr b="0" lang="en-GB" sz="2200" spc="-1" strike="noStrike">
               <a:solidFill>
                 <a:srgbClr val="000000"/>
               </a:solidFill>
@@ -20185,7 +20219,7 @@
         <p:spPr>
           <a:xfrm>
             <a:off x="542880" y="1267200"/>
-            <a:ext cx="10356120" cy="496800"/>
+            <a:ext cx="10355760" cy="496440"/>
           </a:xfrm>
           <a:prstGeom prst="rect">
             <a:avLst/>
@@ -20221,7 +20255,7 @@
               </a:rPr>
               <a:t>Why?</a:t>
             </a:r>
-            <a:endParaRPr b="0" lang="en-US" sz="2200" spc="-1" strike="noStrike">
+            <a:endParaRPr b="0" lang="en-GB" sz="2200" spc="-1" strike="noStrike">
               <a:solidFill>
                 <a:srgbClr val="000000"/>
               </a:solidFill>
@@ -20239,7 +20273,7 @@
         <p:spPr>
           <a:xfrm>
             <a:off x="451800" y="1709280"/>
-            <a:ext cx="8223480" cy="4351680"/>
+            <a:ext cx="8223120" cy="4351320"/>
           </a:xfrm>
           <a:prstGeom prst="rect">
             <a:avLst/>
@@ -20260,11 +20294,17 @@
             <a:noAutofit/>
           </a:bodyPr>
           <a:p>
+            <a:pPr>
+              <a:lnSpc>
+                <a:spcPct val="100000"/>
+              </a:lnSpc>
+            </a:pPr>
             <a:endParaRPr b="0" lang="en-US" sz="1800" spc="-1" strike="noStrike">
               <a:solidFill>
                 <a:srgbClr val="000000"/>
               </a:solidFill>
               <a:latin typeface="Arial"/>
+              <a:ea typeface="DejaVu Sans"/>
             </a:endParaRPr>
           </a:p>
         </p:txBody>
@@ -20282,7 +20322,7 @@
         <p:spPr>
           <a:xfrm>
             <a:off x="609480" y="1769400"/>
-            <a:ext cx="10586520" cy="4854600"/>
+            <a:ext cx="10586160" cy="4854240"/>
           </a:xfrm>
           <a:prstGeom prst="rect">
             <a:avLst/>
@@ -20321,7 +20361,7 @@
               </a:rPr>
               <a:t>Interpretation of the elicitation results may uncover conflicts between stakeholders</a:t>
             </a:r>
-            <a:endParaRPr b="0" lang="en-US" sz="2000" spc="-1" strike="noStrike">
+            <a:endParaRPr b="0" lang="en-GB" sz="2000" spc="-1" strike="noStrike">
               <a:solidFill>
                 <a:srgbClr val="000000"/>
               </a:solidFill>
@@ -20373,7 +20413,7 @@
               </a:rPr>
               <a:t> contradictory demands</a:t>
             </a:r>
-            <a:endParaRPr b="0" lang="en-US" sz="1800" spc="-1" strike="noStrike">
+            <a:endParaRPr b="0" lang="en-GB" sz="1800" spc="-1" strike="noStrike">
               <a:solidFill>
                 <a:srgbClr val="000000"/>
               </a:solidFill>
@@ -20405,7 +20445,7 @@
               </a:rPr>
               <a:t>Example:</a:t>
             </a:r>
-            <a:endParaRPr b="0" lang="en-US" sz="1800" spc="-1" strike="noStrike">
+            <a:endParaRPr b="0" lang="en-GB" sz="1800" spc="-1" strike="noStrike">
               <a:solidFill>
                 <a:srgbClr val="000000"/>
               </a:solidFill>
@@ -20437,7 +20477,7 @@
               </a:rPr>
               <a:t>Stakeholder A wants the system to shut down in case of failure.</a:t>
             </a:r>
-            <a:endParaRPr b="0" lang="en-US" sz="1600" spc="-1" strike="noStrike">
+            <a:endParaRPr b="0" lang="en-GB" sz="1600" spc="-1" strike="noStrike">
               <a:solidFill>
                 <a:srgbClr val="000000"/>
               </a:solidFill>
@@ -20469,7 +20509,7 @@
               </a:rPr>
               <a:t>Stakeholder B wants the system to restarts in case of failure.</a:t>
             </a:r>
-            <a:endParaRPr b="0" lang="en-US" sz="1600" spc="-1" strike="noStrike">
+            <a:endParaRPr b="0" lang="en-GB" sz="1600" spc="-1" strike="noStrike">
               <a:solidFill>
                 <a:srgbClr val="000000"/>
               </a:solidFill>
@@ -20501,7 +20541,7 @@
               </a:rPr>
               <a:t>Unresolved conflicts threaten the project</a:t>
             </a:r>
-            <a:endParaRPr b="0" lang="en-US" sz="2000" spc="-1" strike="noStrike">
+            <a:endParaRPr b="0" lang="en-GB" sz="2000" spc="-1" strike="noStrike">
               <a:solidFill>
                 <a:srgbClr val="000000"/>
               </a:solidFill>
@@ -20533,7 +20573,7 @@
               </a:rPr>
               <a:t>Erode support by stakeholders</a:t>
             </a:r>
-            <a:endParaRPr b="0" lang="en-US" sz="1800" spc="-1" strike="noStrike">
+            <a:endParaRPr b="0" lang="en-GB" sz="1800" spc="-1" strike="noStrike">
               <a:solidFill>
                 <a:srgbClr val="000000"/>
               </a:solidFill>
@@ -20575,7 +20615,7 @@
               </a:rPr>
               <a:t>Loosing” side in a conflict may cease to support the project</a:t>
             </a:r>
-            <a:endParaRPr b="0" lang="en-US" sz="1800" spc="-1" strike="noStrike">
+            <a:endParaRPr b="0" lang="en-GB" sz="1800" spc="-1" strike="noStrike">
               <a:solidFill>
                 <a:srgbClr val="000000"/>
               </a:solidFill>
@@ -20607,7 +20647,7 @@
               </a:rPr>
               <a:t>Conflicts may provide opportunities</a:t>
             </a:r>
-            <a:endParaRPr b="0" lang="en-US" sz="2000" spc="-1" strike="noStrike">
+            <a:endParaRPr b="0" lang="en-GB" sz="2000" spc="-1" strike="noStrike">
               <a:solidFill>
                 <a:srgbClr val="000000"/>
               </a:solidFill>
@@ -20639,7 +20679,7 @@
               </a:rPr>
               <a:t>Force thinking about new concepts and solutions</a:t>
             </a:r>
-            <a:endParaRPr b="0" lang="en-US" sz="1800" spc="-1" strike="noStrike">
+            <a:endParaRPr b="0" lang="en-GB" sz="1800" spc="-1" strike="noStrike">
               <a:solidFill>
                 <a:srgbClr val="000000"/>
               </a:solidFill>
@@ -20687,7 +20727,7 @@
         <p:spPr>
           <a:xfrm>
             <a:off x="542880" y="721800"/>
-            <a:ext cx="10356120" cy="496800"/>
+            <a:ext cx="10355760" cy="496440"/>
           </a:xfrm>
           <a:prstGeom prst="rect">
             <a:avLst/>
@@ -20723,7 +20763,7 @@
               </a:rPr>
               <a:t>Negotiation</a:t>
             </a:r>
-            <a:endParaRPr b="0" lang="en-US" sz="2200" spc="-1" strike="noStrike">
+            <a:endParaRPr b="0" lang="en-GB" sz="2200" spc="-1" strike="noStrike">
               <a:solidFill>
                 <a:srgbClr val="000000"/>
               </a:solidFill>
@@ -20741,7 +20781,7 @@
         <p:spPr>
           <a:xfrm>
             <a:off x="542880" y="1267200"/>
-            <a:ext cx="10356120" cy="496800"/>
+            <a:ext cx="10355760" cy="496440"/>
           </a:xfrm>
           <a:prstGeom prst="rect">
             <a:avLst/>
@@ -20777,7 +20817,7 @@
               </a:rPr>
               <a:t>Goals</a:t>
             </a:r>
-            <a:endParaRPr b="0" lang="en-US" sz="2200" spc="-1" strike="noStrike">
+            <a:endParaRPr b="0" lang="en-GB" sz="2200" spc="-1" strike="noStrike">
               <a:solidFill>
                 <a:srgbClr val="000000"/>
               </a:solidFill>
@@ -20795,7 +20835,7 @@
         <p:spPr>
           <a:xfrm>
             <a:off x="451800" y="1709280"/>
-            <a:ext cx="8223480" cy="4351680"/>
+            <a:ext cx="8223120" cy="4351320"/>
           </a:xfrm>
           <a:prstGeom prst="rect">
             <a:avLst/>
@@ -20816,11 +20856,17 @@
             <a:noAutofit/>
           </a:bodyPr>
           <a:p>
+            <a:pPr>
+              <a:lnSpc>
+                <a:spcPct val="100000"/>
+              </a:lnSpc>
+            </a:pPr>
             <a:endParaRPr b="0" lang="en-US" sz="1800" spc="-1" strike="noStrike">
               <a:solidFill>
                 <a:srgbClr val="000000"/>
               </a:solidFill>
               <a:latin typeface="Arial"/>
+              <a:ea typeface="DejaVu Sans"/>
             </a:endParaRPr>
           </a:p>
         </p:txBody>
@@ -20838,7 +20884,7 @@
         <p:spPr>
           <a:xfrm>
             <a:off x="609480" y="1769400"/>
-            <a:ext cx="10586520" cy="4854600"/>
+            <a:ext cx="10586160" cy="4854240"/>
           </a:xfrm>
           <a:prstGeom prst="rect">
             <a:avLst/>
@@ -20877,7 +20923,7 @@
               </a:rPr>
               <a:t>Resolve the conflicts between stakeholders</a:t>
             </a:r>
-            <a:endParaRPr b="0" lang="en-US" sz="2000" spc="-1" strike="noStrike">
+            <a:endParaRPr b="0" lang="en-GB" sz="2000" spc="-1" strike="noStrike">
               <a:solidFill>
                 <a:srgbClr val="000000"/>
               </a:solidFill>
@@ -20909,7 +20955,7 @@
               </a:rPr>
               <a:t>Even if a conflict cannot be resolved, negotiation helps with acceptance</a:t>
             </a:r>
-            <a:endParaRPr b="0" lang="en-US" sz="1800" spc="-1" strike="noStrike">
+            <a:endParaRPr b="0" lang="en-GB" sz="1800" spc="-1" strike="noStrike">
               <a:solidFill>
                 <a:srgbClr val="000000"/>
               </a:solidFill>
@@ -20941,7 +20987,7 @@
               </a:rPr>
               <a:t>Loosing party was involved an knows the reasons why they do not get the feature they wanted</a:t>
             </a:r>
-            <a:endParaRPr b="0" lang="en-US" sz="1800" spc="-1" strike="noStrike">
+            <a:endParaRPr b="0" lang="en-GB" sz="1800" spc="-1" strike="noStrike">
               <a:solidFill>
                 <a:srgbClr val="000000"/>
               </a:solidFill>
@@ -20961,7 +21007,7 @@
                 <a:tab algn="l" pos="0"/>
               </a:tabLst>
             </a:pPr>
-            <a:endParaRPr b="0" lang="en-US" sz="1800" spc="-1" strike="noStrike">
+            <a:endParaRPr b="0" lang="en-GB" sz="1800" spc="-1" strike="noStrike">
               <a:solidFill>
                 <a:srgbClr val="000000"/>
               </a:solidFill>
@@ -20996,7 +21042,7 @@
               </a:rPr>
               <a:t>Gain a common and agreed-upon understanding of the requirements</a:t>
             </a:r>
-            <a:endParaRPr b="0" lang="en-US" sz="2000" spc="-1" strike="noStrike">
+            <a:endParaRPr b="0" lang="en-GB" sz="2000" spc="-1" strike="noStrike">
               <a:solidFill>
                 <a:srgbClr val="000000"/>
               </a:solidFill>
@@ -21031,7 +21077,7 @@
               </a:rPr>
               <a:t>Negotiation is closely related to the validation!</a:t>
             </a:r>
-            <a:endParaRPr b="0" lang="en-US" sz="1800" spc="-1" strike="noStrike">
+            <a:endParaRPr b="0" lang="en-GB" sz="1800" spc="-1" strike="noStrike">
               <a:solidFill>
                 <a:srgbClr val="000000"/>
               </a:solidFill>
@@ -21079,7 +21125,7 @@
         <p:spPr>
           <a:xfrm>
             <a:off x="335520" y="4406760"/>
-            <a:ext cx="10747800" cy="1356840"/>
+            <a:ext cx="10747440" cy="1356480"/>
           </a:xfrm>
           <a:prstGeom prst="rect">
             <a:avLst/>
@@ -21115,7 +21161,7 @@
               </a:rPr>
               <a:t>Conflict Management</a:t>
             </a:r>
-            <a:endParaRPr b="0" lang="en-US" sz="3000" spc="-1" strike="noStrike">
+            <a:endParaRPr b="0" lang="en-GB" sz="3000" spc="-1" strike="noStrike">
               <a:solidFill>
                 <a:srgbClr val="000000"/>
               </a:solidFill>
@@ -21133,7 +21179,7 @@
         <p:spPr>
           <a:xfrm>
             <a:off x="335520" y="2906640"/>
-            <a:ext cx="10747800" cy="1494720"/>
+            <a:ext cx="10747440" cy="1494360"/>
           </a:xfrm>
           <a:prstGeom prst="rect">
             <a:avLst/>
@@ -21154,11 +21200,17 @@
             <a:noAutofit/>
           </a:bodyPr>
           <a:p>
+            <a:pPr>
+              <a:lnSpc>
+                <a:spcPct val="100000"/>
+              </a:lnSpc>
+            </a:pPr>
             <a:endParaRPr b="0" lang="en-US" sz="1800" spc="-1" strike="noStrike">
               <a:solidFill>
                 <a:srgbClr val="000000"/>
               </a:solidFill>
               <a:latin typeface="Arial"/>
+              <a:ea typeface="DejaVu Sans"/>
             </a:endParaRPr>
           </a:p>
         </p:txBody>
@@ -21202,7 +21254,7 @@
         <p:spPr>
           <a:xfrm>
             <a:off x="542880" y="721800"/>
-            <a:ext cx="10356120" cy="496800"/>
+            <a:ext cx="10355760" cy="496440"/>
           </a:xfrm>
           <a:prstGeom prst="rect">
             <a:avLst/>
@@ -21238,7 +21290,7 @@
               </a:rPr>
               <a:t>Conflict Management</a:t>
             </a:r>
-            <a:endParaRPr b="0" lang="en-US" sz="2200" spc="-1" strike="noStrike">
+            <a:endParaRPr b="0" lang="en-GB" sz="2200" spc="-1" strike="noStrike">
               <a:solidFill>
                 <a:srgbClr val="000000"/>
               </a:solidFill>
@@ -21256,7 +21308,7 @@
         <p:spPr>
           <a:xfrm>
             <a:off x="542880" y="1267200"/>
-            <a:ext cx="10356120" cy="496800"/>
+            <a:ext cx="10355760" cy="496440"/>
           </a:xfrm>
           <a:prstGeom prst="rect">
             <a:avLst/>
@@ -21292,7 +21344,7 @@
               </a:rPr>
               <a:t>Conflict Identification</a:t>
             </a:r>
-            <a:endParaRPr b="0" lang="en-US" sz="2200" spc="-1" strike="noStrike">
+            <a:endParaRPr b="0" lang="en-GB" sz="2200" spc="-1" strike="noStrike">
               <a:solidFill>
                 <a:srgbClr val="000000"/>
               </a:solidFill>
@@ -21310,7 +21362,7 @@
         <p:spPr>
           <a:xfrm>
             <a:off x="451800" y="1709280"/>
-            <a:ext cx="8223480" cy="4351680"/>
+            <a:ext cx="8223120" cy="4351320"/>
           </a:xfrm>
           <a:prstGeom prst="rect">
             <a:avLst/>
@@ -21331,11 +21383,17 @@
             <a:noAutofit/>
           </a:bodyPr>
           <a:p>
+            <a:pPr>
+              <a:lnSpc>
+                <a:spcPct val="100000"/>
+              </a:lnSpc>
+            </a:pPr>
             <a:endParaRPr b="0" lang="en-US" sz="1800" spc="-1" strike="noStrike">
               <a:solidFill>
                 <a:srgbClr val="000000"/>
               </a:solidFill>
               <a:latin typeface="Arial"/>
+              <a:ea typeface="DejaVu Sans"/>
             </a:endParaRPr>
           </a:p>
         </p:txBody>
@@ -21353,7 +21411,7 @@
         <p:spPr>
           <a:xfrm>
             <a:off x="609480" y="1769400"/>
-            <a:ext cx="10586520" cy="4854600"/>
+            <a:ext cx="10586160" cy="4854240"/>
           </a:xfrm>
           <a:prstGeom prst="rect">
             <a:avLst/>
@@ -21392,7 +21450,7 @@
               </a:rPr>
               <a:t>Conflicts can arise at any point during the requirements engineering</a:t>
             </a:r>
-            <a:endParaRPr b="0" lang="en-US" sz="2000" spc="-1" strike="noStrike">
+            <a:endParaRPr b="0" lang="en-GB" sz="2000" spc="-1" strike="noStrike">
               <a:solidFill>
                 <a:srgbClr val="000000"/>
               </a:solidFill>
@@ -21424,7 +21482,7 @@
               </a:rPr>
               <a:t>Stakeholders may change their opinion at any point, leading do conflicts</a:t>
             </a:r>
-            <a:endParaRPr b="0" lang="en-US" sz="1800" spc="-1" strike="noStrike">
+            <a:endParaRPr b="0" lang="en-GB" sz="1800" spc="-1" strike="noStrike">
               <a:solidFill>
                 <a:srgbClr val="000000"/>
               </a:solidFill>
@@ -21456,7 +21514,7 @@
               </a:rPr>
               <a:t>Most conflicts identified during the interpretation</a:t>
             </a:r>
-            <a:endParaRPr b="0" lang="en-US" sz="1800" spc="-1" strike="noStrike">
+            <a:endParaRPr b="0" lang="en-GB" sz="1800" spc="-1" strike="noStrike">
               <a:solidFill>
                 <a:srgbClr val="000000"/>
               </a:solidFill>
@@ -21476,7 +21534,7 @@
                 <a:tab algn="l" pos="0"/>
               </a:tabLst>
             </a:pPr>
-            <a:endParaRPr b="0" lang="en-US" sz="1800" spc="-1" strike="noStrike">
+            <a:endParaRPr b="0" lang="en-GB" sz="1800" spc="-1" strike="noStrike">
               <a:solidFill>
                 <a:srgbClr val="000000"/>
               </a:solidFill>
@@ -21511,7 +21569,7 @@
               </a:rPr>
               <a:t>Identification is the task of the requirements engineer</a:t>
             </a:r>
-            <a:endParaRPr b="0" lang="en-US" sz="2000" spc="-1" strike="noStrike">
+            <a:endParaRPr b="0" lang="en-GB" sz="2000" spc="-1" strike="noStrike">
               <a:solidFill>
                 <a:srgbClr val="000000"/>
               </a:solidFill>
@@ -21546,7 +21604,7 @@
               </a:rPr>
               <a:t>The only person involved with all stakeholders and a complete overview of the requirements</a:t>
             </a:r>
-            <a:endParaRPr b="0" lang="en-US" sz="1800" spc="-1" strike="noStrike">
+            <a:endParaRPr b="0" lang="en-GB" sz="1800" spc="-1" strike="noStrike">
               <a:solidFill>
                 <a:srgbClr val="000000"/>
               </a:solidFill>
@@ -21594,7 +21652,7 @@
         <p:spPr>
           <a:xfrm>
             <a:off x="542880" y="721800"/>
-            <a:ext cx="10356120" cy="496800"/>
+            <a:ext cx="10355760" cy="496440"/>
           </a:xfrm>
           <a:prstGeom prst="rect">
             <a:avLst/>
@@ -21630,7 +21688,7 @@
               </a:rPr>
               <a:t>Conflict Management</a:t>
             </a:r>
-            <a:endParaRPr b="0" lang="en-US" sz="2200" spc="-1" strike="noStrike">
+            <a:endParaRPr b="0" lang="en-GB" sz="2200" spc="-1" strike="noStrike">
               <a:solidFill>
                 <a:srgbClr val="000000"/>
               </a:solidFill>
@@ -21648,7 +21706,7 @@
         <p:spPr>
           <a:xfrm>
             <a:off x="542880" y="1267200"/>
-            <a:ext cx="10356120" cy="496800"/>
+            <a:ext cx="10355760" cy="496440"/>
           </a:xfrm>
           <a:prstGeom prst="rect">
             <a:avLst/>
@@ -21684,7 +21742,7 @@
               </a:rPr>
               <a:t>Conflict Analysis</a:t>
             </a:r>
-            <a:endParaRPr b="0" lang="en-US" sz="2200" spc="-1" strike="noStrike">
+            <a:endParaRPr b="0" lang="en-GB" sz="2200" spc="-1" strike="noStrike">
               <a:solidFill>
                 <a:srgbClr val="000000"/>
               </a:solidFill>
@@ -21702,7 +21760,7 @@
         <p:spPr>
           <a:xfrm>
             <a:off x="451800" y="1709280"/>
-            <a:ext cx="8223480" cy="4351680"/>
+            <a:ext cx="8223120" cy="4351320"/>
           </a:xfrm>
           <a:prstGeom prst="rect">
             <a:avLst/>
@@ -21723,11 +21781,17 @@
             <a:noAutofit/>
           </a:bodyPr>
           <a:p>
+            <a:pPr>
+              <a:lnSpc>
+                <a:spcPct val="100000"/>
+              </a:lnSpc>
+            </a:pPr>
             <a:endParaRPr b="0" lang="en-US" sz="1800" spc="-1" strike="noStrike">
               <a:solidFill>
                 <a:srgbClr val="000000"/>
               </a:solidFill>
               <a:latin typeface="Arial"/>
+              <a:ea typeface="DejaVu Sans"/>
             </a:endParaRPr>
           </a:p>
         </p:txBody>
@@ -21745,7 +21809,7 @@
         <p:spPr>
           <a:xfrm>
             <a:off x="609480" y="1769400"/>
-            <a:ext cx="10586520" cy="4854600"/>
+            <a:ext cx="10586160" cy="4854240"/>
           </a:xfrm>
           <a:prstGeom prst="rect">
             <a:avLst/>
@@ -21784,7 +21848,7 @@
               </a:rPr>
               <a:t>The task of analyzing the reason for a conflict</a:t>
             </a:r>
-            <a:endParaRPr b="0" lang="en-US" sz="2000" spc="-1" strike="noStrike">
+            <a:endParaRPr b="0" lang="en-GB" sz="2000" spc="-1" strike="noStrike">
               <a:solidFill>
                 <a:srgbClr val="000000"/>
               </a:solidFill>
@@ -21816,7 +21880,7 @@
               </a:rPr>
               <a:t>Difficult to resolve a conflict without completely understanding it</a:t>
             </a:r>
-            <a:endParaRPr b="0" lang="en-US" sz="1800" spc="-1" strike="noStrike">
+            <a:endParaRPr b="0" lang="en-GB" sz="1800" spc="-1" strike="noStrike">
               <a:solidFill>
                 <a:srgbClr val="000000"/>
               </a:solidFill>
@@ -21848,7 +21912,7 @@
               </a:rPr>
               <a:t>Various types of conflicts</a:t>
             </a:r>
-            <a:endParaRPr b="0" lang="en-US" sz="2000" spc="-1" strike="noStrike">
+            <a:endParaRPr b="0" lang="en-GB" sz="2000" spc="-1" strike="noStrike">
               <a:solidFill>
                 <a:srgbClr val="000000"/>
               </a:solidFill>
@@ -21880,7 +21944,7 @@
               </a:rPr>
               <a:t>Subject conflict</a:t>
             </a:r>
-            <a:endParaRPr b="0" lang="en-US" sz="1800" spc="-1" strike="noStrike">
+            <a:endParaRPr b="0" lang="en-GB" sz="1800" spc="-1" strike="noStrike">
               <a:solidFill>
                 <a:srgbClr val="000000"/>
               </a:solidFill>
@@ -21912,7 +21976,7 @@
               </a:rPr>
               <a:t>Conflict of interest</a:t>
             </a:r>
-            <a:endParaRPr b="0" lang="en-US" sz="1800" spc="-1" strike="noStrike">
+            <a:endParaRPr b="0" lang="en-GB" sz="1800" spc="-1" strike="noStrike">
               <a:solidFill>
                 <a:srgbClr val="000000"/>
               </a:solidFill>
@@ -21944,7 +22008,7 @@
               </a:rPr>
               <a:t>Conflict of value</a:t>
             </a:r>
-            <a:endParaRPr b="0" lang="en-US" sz="1800" spc="-1" strike="noStrike">
+            <a:endParaRPr b="0" lang="en-GB" sz="1800" spc="-1" strike="noStrike">
               <a:solidFill>
                 <a:srgbClr val="000000"/>
               </a:solidFill>
@@ -21976,7 +22040,7 @@
               </a:rPr>
               <a:t>Relationship conflict</a:t>
             </a:r>
-            <a:endParaRPr b="0" lang="en-US" sz="1800" spc="-1" strike="noStrike">
+            <a:endParaRPr b="0" lang="en-GB" sz="1800" spc="-1" strike="noStrike">
               <a:solidFill>
                 <a:srgbClr val="000000"/>
               </a:solidFill>
@@ -22008,7 +22072,7 @@
               </a:rPr>
               <a:t>Structural conflict</a:t>
             </a:r>
-            <a:endParaRPr b="0" lang="en-US" sz="1800" spc="-1" strike="noStrike">
+            <a:endParaRPr b="0" lang="en-GB" sz="1800" spc="-1" strike="noStrike">
               <a:solidFill>
                 <a:srgbClr val="000000"/>
               </a:solidFill>
@@ -22040,7 +22104,7 @@
               </a:rPr>
               <a:t>Mixed reasons</a:t>
             </a:r>
-            <a:endParaRPr b="0" lang="en-US" sz="1800" spc="-1" strike="noStrike">
+            <a:endParaRPr b="0" lang="en-GB" sz="1800" spc="-1" strike="noStrike">
               <a:solidFill>
                 <a:srgbClr val="000000"/>
               </a:solidFill>
@@ -22168,7 +22232,7 @@
         </a:gradFill>
       </a:fillStyleLst>
       <a:lnStyleLst>
-        <a:ln w="9525" cap="flat" cmpd="sng" algn="ctr">
+        <a:ln w="6350" cap="flat" cmpd="sng" algn="ctr">
           <a:solidFill>
             <a:schemeClr val="phClr">
               <a:shade val="95000"/>
@@ -22178,14 +22242,14 @@
           <a:prstDash val="solid"/>
           <a:miter/>
         </a:ln>
-        <a:ln w="25400" cap="flat" cmpd="sng" algn="ctr">
+        <a:ln w="12700" cap="flat" cmpd="sng" algn="ctr">
           <a:solidFill>
             <a:schemeClr val="phClr"/>
           </a:solidFill>
           <a:prstDash val="solid"/>
           <a:miter/>
         </a:ln>
-        <a:ln w="38100" cap="flat" cmpd="sng" algn="ctr">
+        <a:ln w="19050" cap="flat" cmpd="sng" algn="ctr">
           <a:solidFill>
             <a:schemeClr val="phClr"/>
           </a:solidFill>
@@ -22195,22 +22259,10 @@
       </a:lnStyleLst>
       <a:effectStyleLst>
         <a:effectStyle>
-          <a:effectLst>
-            <a:outerShdw blurRad="40000" dist="20000" dir="5400000" rotWithShape="0">
-              <a:srgbClr val="000000">
-                <a:alpha val="38000"/>
-              </a:srgbClr>
-            </a:outerShdw>
-          </a:effectLst>
+          <a:effectLst/>
         </a:effectStyle>
         <a:effectStyle>
-          <a:effectLst>
-            <a:outerShdw blurRad="40000" dist="23000" dir="5400000" rotWithShape="0">
-              <a:srgbClr val="000000">
-                <a:alpha val="35000"/>
-              </a:srgbClr>
-            </a:outerShdw>
-          </a:effectLst>
+          <a:effectLst/>
         </a:effectStyle>
         <a:effectStyle>
           <a:effectLst>
@@ -22394,7 +22446,7 @@
         </a:gradFill>
       </a:fillStyleLst>
       <a:lnStyleLst>
-        <a:ln w="9525" cap="flat" cmpd="sng" algn="ctr">
+        <a:ln w="6350" cap="flat" cmpd="sng" algn="ctr">
           <a:solidFill>
             <a:schemeClr val="phClr">
               <a:shade val="95000"/>
@@ -22404,14 +22456,14 @@
           <a:prstDash val="solid"/>
           <a:miter/>
         </a:ln>
-        <a:ln w="25400" cap="flat" cmpd="sng" algn="ctr">
+        <a:ln w="12700" cap="flat" cmpd="sng" algn="ctr">
           <a:solidFill>
             <a:schemeClr val="phClr"/>
           </a:solidFill>
           <a:prstDash val="solid"/>
           <a:miter/>
         </a:ln>
-        <a:ln w="38100" cap="flat" cmpd="sng" algn="ctr">
+        <a:ln w="19050" cap="flat" cmpd="sng" algn="ctr">
           <a:solidFill>
             <a:schemeClr val="phClr"/>
           </a:solidFill>
@@ -22421,22 +22473,10 @@
       </a:lnStyleLst>
       <a:effectStyleLst>
         <a:effectStyle>
-          <a:effectLst>
-            <a:outerShdw blurRad="40000" dist="20000" dir="5400000" rotWithShape="0">
-              <a:srgbClr val="000000">
-                <a:alpha val="38000"/>
-              </a:srgbClr>
-            </a:outerShdw>
-          </a:effectLst>
+          <a:effectLst/>
         </a:effectStyle>
         <a:effectStyle>
-          <a:effectLst>
-            <a:outerShdw blurRad="40000" dist="23000" dir="5400000" rotWithShape="0">
-              <a:srgbClr val="000000">
-                <a:alpha val="35000"/>
-              </a:srgbClr>
-            </a:outerShdw>
-          </a:effectLst>
+          <a:effectLst/>
         </a:effectStyle>
         <a:effectStyle>
           <a:effectLst>
@@ -22620,7 +22660,7 @@
         </a:gradFill>
       </a:fillStyleLst>
       <a:lnStyleLst>
-        <a:ln w="9525" cap="flat" cmpd="sng" algn="ctr">
+        <a:ln w="6350" cap="flat" cmpd="sng" algn="ctr">
           <a:solidFill>
             <a:schemeClr val="phClr">
               <a:shade val="95000"/>
@@ -22630,14 +22670,14 @@
           <a:prstDash val="solid"/>
           <a:miter/>
         </a:ln>
-        <a:ln w="25400" cap="flat" cmpd="sng" algn="ctr">
+        <a:ln w="12700" cap="flat" cmpd="sng" algn="ctr">
           <a:solidFill>
             <a:schemeClr val="phClr"/>
           </a:solidFill>
           <a:prstDash val="solid"/>
           <a:miter/>
         </a:ln>
-        <a:ln w="38100" cap="flat" cmpd="sng" algn="ctr">
+        <a:ln w="19050" cap="flat" cmpd="sng" algn="ctr">
           <a:solidFill>
             <a:schemeClr val="phClr"/>
           </a:solidFill>
@@ -22647,22 +22687,10 @@
       </a:lnStyleLst>
       <a:effectStyleLst>
         <a:effectStyle>
-          <a:effectLst>
-            <a:outerShdw blurRad="40000" dist="20000" dir="5400000" rotWithShape="0">
-              <a:srgbClr val="000000">
-                <a:alpha val="38000"/>
-              </a:srgbClr>
-            </a:outerShdw>
-          </a:effectLst>
+          <a:effectLst/>
         </a:effectStyle>
         <a:effectStyle>
-          <a:effectLst>
-            <a:outerShdw blurRad="40000" dist="23000" dir="5400000" rotWithShape="0">
-              <a:srgbClr val="000000">
-                <a:alpha val="35000"/>
-              </a:srgbClr>
-            </a:outerShdw>
-          </a:effectLst>
+          <a:effectLst/>
         </a:effectStyle>
         <a:effectStyle>
           <a:effectLst>
@@ -22846,7 +22874,7 @@
         </a:gradFill>
       </a:fillStyleLst>
       <a:lnStyleLst>
-        <a:ln w="9525" cap="flat" cmpd="sng" algn="ctr">
+        <a:ln w="6350" cap="flat" cmpd="sng" algn="ctr">
           <a:solidFill>
             <a:schemeClr val="phClr">
               <a:shade val="95000"/>
@@ -22856,14 +22884,14 @@
           <a:prstDash val="solid"/>
           <a:miter/>
         </a:ln>
-        <a:ln w="25400" cap="flat" cmpd="sng" algn="ctr">
+        <a:ln w="12700" cap="flat" cmpd="sng" algn="ctr">
           <a:solidFill>
             <a:schemeClr val="phClr"/>
           </a:solidFill>
           <a:prstDash val="solid"/>
           <a:miter/>
         </a:ln>
-        <a:ln w="38100" cap="flat" cmpd="sng" algn="ctr">
+        <a:ln w="19050" cap="flat" cmpd="sng" algn="ctr">
           <a:solidFill>
             <a:schemeClr val="phClr"/>
           </a:solidFill>
@@ -22873,22 +22901,10 @@
       </a:lnStyleLst>
       <a:effectStyleLst>
         <a:effectStyle>
-          <a:effectLst>
-            <a:outerShdw blurRad="40000" dist="20000" dir="5400000" rotWithShape="0">
-              <a:srgbClr val="000000">
-                <a:alpha val="38000"/>
-              </a:srgbClr>
-            </a:outerShdw>
-          </a:effectLst>
+          <a:effectLst/>
         </a:effectStyle>
         <a:effectStyle>
-          <a:effectLst>
-            <a:outerShdw blurRad="40000" dist="23000" dir="5400000" rotWithShape="0">
-              <a:srgbClr val="000000">
-                <a:alpha val="35000"/>
-              </a:srgbClr>
-            </a:outerShdw>
-          </a:effectLst>
+          <a:effectLst/>
         </a:effectStyle>
         <a:effectStyle>
           <a:effectLst>
@@ -23072,7 +23088,7 @@
         </a:gradFill>
       </a:fillStyleLst>
       <a:lnStyleLst>
-        <a:ln w="9525" cap="flat" cmpd="sng" algn="ctr">
+        <a:ln w="6350" cap="flat" cmpd="sng" algn="ctr">
           <a:solidFill>
             <a:schemeClr val="phClr">
               <a:shade val="95000"/>
@@ -23082,14 +23098,14 @@
           <a:prstDash val="solid"/>
           <a:miter/>
         </a:ln>
-        <a:ln w="25400" cap="flat" cmpd="sng" algn="ctr">
+        <a:ln w="12700" cap="flat" cmpd="sng" algn="ctr">
           <a:solidFill>
             <a:schemeClr val="phClr"/>
           </a:solidFill>
           <a:prstDash val="solid"/>
           <a:miter/>
         </a:ln>
-        <a:ln w="38100" cap="flat" cmpd="sng" algn="ctr">
+        <a:ln w="19050" cap="flat" cmpd="sng" algn="ctr">
           <a:solidFill>
             <a:schemeClr val="phClr"/>
           </a:solidFill>
@@ -23099,22 +23115,10 @@
       </a:lnStyleLst>
       <a:effectStyleLst>
         <a:effectStyle>
-          <a:effectLst>
-            <a:outerShdw blurRad="40000" dist="20000" dir="5400000" rotWithShape="0">
-              <a:srgbClr val="000000">
-                <a:alpha val="38000"/>
-              </a:srgbClr>
-            </a:outerShdw>
-          </a:effectLst>
+          <a:effectLst/>
         </a:effectStyle>
         <a:effectStyle>
-          <a:effectLst>
-            <a:outerShdw blurRad="40000" dist="23000" dir="5400000" rotWithShape="0">
-              <a:srgbClr val="000000">
-                <a:alpha val="35000"/>
-              </a:srgbClr>
-            </a:outerShdw>
-          </a:effectLst>
+          <a:effectLst/>
         </a:effectStyle>
         <a:effectStyle>
           <a:effectLst>
